--- a/Project_Week_7&8/Precise Analysis.pptx
+++ b/Project_Week_7&8/Precise Analysis.pptx
@@ -8,11 +8,12 @@
     <p:sldId id="256" r:id="rId2"/>
     <p:sldId id="257" r:id="rId3"/>
     <p:sldId id="261" r:id="rId4"/>
-    <p:sldId id="259" r:id="rId5"/>
-    <p:sldId id="262" r:id="rId6"/>
-    <p:sldId id="263" r:id="rId7"/>
-    <p:sldId id="264" r:id="rId8"/>
-    <p:sldId id="265" r:id="rId9"/>
+    <p:sldId id="262" r:id="rId5"/>
+    <p:sldId id="263" r:id="rId6"/>
+    <p:sldId id="264" r:id="rId7"/>
+    <p:sldId id="259" r:id="rId8"/>
+    <p:sldId id="266" r:id="rId9"/>
+    <p:sldId id="265" r:id="rId10"/>
   </p:sldIdLst>
   <p:sldSz cx="12192000" cy="6858000"/>
   <p:notesSz cx="6858000" cy="9144000"/>
@@ -3836,6 +3837,100 @@
 <file path=ppt/slides/slide4.xml><?xml version="1.0" encoding="utf-8"?>
 <p:sld xmlns:a="http://schemas.openxmlformats.org/drawingml/2006/main" xmlns:r="http://schemas.openxmlformats.org/officeDocument/2006/relationships" xmlns:p="http://schemas.openxmlformats.org/presentationml/2006/main">
   <p:cSld>
+    <p:spTree>
+      <p:nvGrpSpPr>
+        <p:cNvPr id="1" name=""/>
+        <p:cNvGrpSpPr/>
+        <p:nvPr/>
+      </p:nvGrpSpPr>
+      <p:grpSpPr>
+        <a:xfrm>
+          <a:off x="0" y="0"/>
+          <a:ext cx="0" cy="0"/>
+          <a:chOff x="0" y="0"/>
+          <a:chExt cx="0" cy="0"/>
+        </a:xfrm>
+      </p:grpSpPr>
+      <p:sp>
+        <p:nvSpPr>
+          <p:cNvPr id="2" name="Titel 1">
+            <a:extLst>
+              <a:ext uri="{FF2B5EF4-FFF2-40B4-BE49-F238E27FC236}">
+                <a16:creationId xmlns:a16="http://schemas.microsoft.com/office/drawing/2014/main" id="{1E29CA76-E75D-4AB7-8299-B44A273B9555}"/>
+              </a:ext>
+            </a:extLst>
+          </p:cNvPr>
+          <p:cNvSpPr>
+            <a:spLocks noGrp="1"/>
+          </p:cNvSpPr>
+          <p:nvPr>
+            <p:ph type="title"/>
+          </p:nvPr>
+        </p:nvSpPr>
+        <p:spPr/>
+        <p:txBody>
+          <a:bodyPr/>
+          <a:lstStyle/>
+          <a:p>
+            <a:pPr algn="ctr"/>
+            <a:r>
+              <a:rPr lang="de-DE" dirty="0"/>
+              <a:t>SEQUENCE DIAGRAM FOR LOGIN</a:t>
+            </a:r>
+          </a:p>
+        </p:txBody>
+      </p:sp>
+      <p:pic>
+        <p:nvPicPr>
+          <p:cNvPr id="5" name="Inhaltsplatzhalter 4">
+            <a:extLst>
+              <a:ext uri="{FF2B5EF4-FFF2-40B4-BE49-F238E27FC236}">
+                <a16:creationId xmlns:a16="http://schemas.microsoft.com/office/drawing/2014/main" id="{9480DBE4-CB95-413B-863C-4814D6A48C66}"/>
+              </a:ext>
+            </a:extLst>
+          </p:cNvPr>
+          <p:cNvPicPr>
+            <a:picLocks noGrp="1" noChangeAspect="1"/>
+          </p:cNvPicPr>
+          <p:nvPr>
+            <p:ph idx="1"/>
+          </p:nvPr>
+        </p:nvPicPr>
+        <p:blipFill>
+          <a:blip r:embed="rId2">
+            <a:extLst>
+              <a:ext uri="{28A0092B-C50C-407E-A947-70E740481C1C}">
+                <a14:useLocalDpi xmlns:a14="http://schemas.microsoft.com/office/drawing/2010/main" val="0"/>
+              </a:ext>
+            </a:extLst>
+          </a:blip>
+          <a:stretch>
+            <a:fillRect/>
+          </a:stretch>
+        </p:blipFill>
+        <p:spPr>
+          <a:xfrm>
+            <a:off x="2344366" y="1848095"/>
+            <a:ext cx="7821038" cy="4251147"/>
+          </a:xfrm>
+        </p:spPr>
+      </p:pic>
+    </p:spTree>
+    <p:extLst>
+      <p:ext uri="{BB962C8B-B14F-4D97-AF65-F5344CB8AC3E}">
+        <p14:creationId xmlns:p14="http://schemas.microsoft.com/office/powerpoint/2010/main" val="4003976245"/>
+      </p:ext>
+    </p:extLst>
+  </p:cSld>
+  <p:clrMapOvr>
+    <a:masterClrMapping/>
+  </p:clrMapOvr>
+</p:sld>
+</file>
+
+<file path=ppt/slides/slide5.xml><?xml version="1.0" encoding="utf-8"?>
+<p:sld xmlns:a="http://schemas.openxmlformats.org/drawingml/2006/main" xmlns:r="http://schemas.openxmlformats.org/officeDocument/2006/relationships" xmlns:p="http://schemas.openxmlformats.org/presentationml/2006/main">
+  <p:cSld>
     <p:bg>
       <p:bgPr>
         <a:solidFill>
@@ -3890,7 +3985,7 @@
             <a:avLst/>
           </a:prstGeom>
           <a:solidFill>
-            <a:srgbClr val="919169"/>
+            <a:srgbClr val="767171"/>
           </a:solidFill>
           <a:ln>
             <a:noFill/>
@@ -3926,7 +4021,7 @@
           <p:cNvPr id="2" name="Titel 1">
             <a:extLst>
               <a:ext uri="{FF2B5EF4-FFF2-40B4-BE49-F238E27FC236}">
-                <a16:creationId xmlns:a16="http://schemas.microsoft.com/office/drawing/2014/main" id="{D6603AF2-DDFE-4DF4-A2BF-A9659BD652CF}"/>
+                <a16:creationId xmlns:a16="http://schemas.microsoft.com/office/drawing/2014/main" id="{7DEEC474-0D75-45E1-B309-2307D2E29849}"/>
               </a:ext>
             </a:extLst>
           </p:cNvPr>
@@ -3950,12 +4045,12 @@
           <a:lstStyle/>
           <a:p>
             <a:r>
-              <a:rPr lang="en-US" sz="3600">
+              <a:rPr lang="en-US" sz="3100">
                 <a:solidFill>
                   <a:srgbClr val="FFFFFF"/>
                 </a:solidFill>
               </a:rPr>
-              <a:t>SEQEUNCE DIAGRAM FOR HOME APPLIANCES</a:t>
+              <a:t>SEQUENCE DIAGRAM FOR CONTROLLING LIGHT</a:t>
             </a:r>
           </a:p>
         </p:txBody>
@@ -4036,10 +4131,10 @@
       </p:sp>
       <p:pic>
         <p:nvPicPr>
-          <p:cNvPr id="7" name="Content Placeholder 6">
-            <a:extLst>
-              <a:ext uri="{FF2B5EF4-FFF2-40B4-BE49-F238E27FC236}">
-                <a16:creationId xmlns:a16="http://schemas.microsoft.com/office/drawing/2014/main" id="{BAA536C3-90EA-43F8-978E-ACFACF7BD376}"/>
+          <p:cNvPr id="9" name="Inhaltsplatzhalter 8">
+            <a:extLst>
+              <a:ext uri="{FF2B5EF4-FFF2-40B4-BE49-F238E27FC236}">
+                <a16:creationId xmlns:a16="http://schemas.microsoft.com/office/drawing/2014/main" id="{9BAFB1A1-8574-4975-85A3-2665D7798875}"/>
               </a:ext>
             </a:extLst>
           </p:cNvPr>
@@ -4064,109 +4159,15 @@
         </p:blipFill>
         <p:spPr>
           <a:xfrm>
-            <a:off x="0" y="0"/>
-            <a:ext cx="8622369" cy="6858000"/>
+            <a:off x="484632" y="484632"/>
+            <a:ext cx="8137738" cy="5724144"/>
           </a:xfrm>
         </p:spPr>
       </p:pic>
     </p:spTree>
     <p:extLst>
       <p:ext uri="{BB962C8B-B14F-4D97-AF65-F5344CB8AC3E}">
-        <p14:creationId xmlns:p14="http://schemas.microsoft.com/office/powerpoint/2010/main" val="1635133515"/>
-      </p:ext>
-    </p:extLst>
-  </p:cSld>
-  <p:clrMapOvr>
-    <a:masterClrMapping/>
-  </p:clrMapOvr>
-</p:sld>
-</file>
-
-<file path=ppt/slides/slide5.xml><?xml version="1.0" encoding="utf-8"?>
-<p:sld xmlns:a="http://schemas.openxmlformats.org/drawingml/2006/main" xmlns:r="http://schemas.openxmlformats.org/officeDocument/2006/relationships" xmlns:p="http://schemas.openxmlformats.org/presentationml/2006/main">
-  <p:cSld>
-    <p:spTree>
-      <p:nvGrpSpPr>
-        <p:cNvPr id="1" name=""/>
-        <p:cNvGrpSpPr/>
-        <p:nvPr/>
-      </p:nvGrpSpPr>
-      <p:grpSpPr>
-        <a:xfrm>
-          <a:off x="0" y="0"/>
-          <a:ext cx="0" cy="0"/>
-          <a:chOff x="0" y="0"/>
-          <a:chExt cx="0" cy="0"/>
-        </a:xfrm>
-      </p:grpSpPr>
-      <p:sp>
-        <p:nvSpPr>
-          <p:cNvPr id="2" name="Titel 1">
-            <a:extLst>
-              <a:ext uri="{FF2B5EF4-FFF2-40B4-BE49-F238E27FC236}">
-                <a16:creationId xmlns:a16="http://schemas.microsoft.com/office/drawing/2014/main" id="{1E29CA76-E75D-4AB7-8299-B44A273B9555}"/>
-              </a:ext>
-            </a:extLst>
-          </p:cNvPr>
-          <p:cNvSpPr>
-            <a:spLocks noGrp="1"/>
-          </p:cNvSpPr>
-          <p:nvPr>
-            <p:ph type="title"/>
-          </p:nvPr>
-        </p:nvSpPr>
-        <p:spPr/>
-        <p:txBody>
-          <a:bodyPr/>
-          <a:lstStyle/>
-          <a:p>
-            <a:pPr algn="ctr"/>
-            <a:r>
-              <a:rPr lang="de-DE" dirty="0"/>
-              <a:t>SEQUENCE DIAGRAM FOR LOGIN</a:t>
-            </a:r>
-          </a:p>
-        </p:txBody>
-      </p:sp>
-      <p:pic>
-        <p:nvPicPr>
-          <p:cNvPr id="5" name="Inhaltsplatzhalter 4">
-            <a:extLst>
-              <a:ext uri="{FF2B5EF4-FFF2-40B4-BE49-F238E27FC236}">
-                <a16:creationId xmlns:a16="http://schemas.microsoft.com/office/drawing/2014/main" id="{9480DBE4-CB95-413B-863C-4814D6A48C66}"/>
-              </a:ext>
-            </a:extLst>
-          </p:cNvPr>
-          <p:cNvPicPr>
-            <a:picLocks noGrp="1" noChangeAspect="1"/>
-          </p:cNvPicPr>
-          <p:nvPr>
-            <p:ph idx="1"/>
-          </p:nvPr>
-        </p:nvPicPr>
-        <p:blipFill>
-          <a:blip r:embed="rId2">
-            <a:extLst>
-              <a:ext uri="{28A0092B-C50C-407E-A947-70E740481C1C}">
-                <a14:useLocalDpi xmlns:a14="http://schemas.microsoft.com/office/drawing/2010/main" val="0"/>
-              </a:ext>
-            </a:extLst>
-          </a:blip>
-          <a:stretch>
-            <a:fillRect/>
-          </a:stretch>
-        </p:blipFill>
-        <p:spPr>
-          <a:xfrm>
-            <a:off x="2344366" y="1848095"/>
-            <a:ext cx="7821038" cy="4251147"/>
-          </a:xfrm>
-        </p:spPr>
-      </p:pic>
-    </p:spTree>
-    <p:extLst>
-      <p:ext uri="{BB962C8B-B14F-4D97-AF65-F5344CB8AC3E}">
-        <p14:creationId xmlns:p14="http://schemas.microsoft.com/office/powerpoint/2010/main" val="4003976245"/>
+        <p14:creationId xmlns:p14="http://schemas.microsoft.com/office/powerpoint/2010/main" val="3097639714"/>
       </p:ext>
     </p:extLst>
   </p:cSld>
@@ -4206,7 +4207,7 @@
           <p:cNvPr id="10" name="Rectangle 9">
             <a:extLst>
               <a:ext uri="{FF2B5EF4-FFF2-40B4-BE49-F238E27FC236}">
-                <a16:creationId xmlns:a16="http://schemas.microsoft.com/office/drawing/2014/main" id="{16C5FA50-8D52-4617-AF91-5C7B1C8352F1}"/>
+                <a16:creationId xmlns:a16="http://schemas.microsoft.com/office/drawing/2014/main" id="{BEE73255-8084-4DF9-BB0B-15EAC92E2CB9}"/>
               </a:ext>
               <a:ext uri="{C183D7F6-B498-43B3-948B-1728B52AA6E4}">
                 <adec:decorative xmlns:adec="http://schemas.microsoft.com/office/drawing/2017/decorative" val="1"/>
@@ -4233,7 +4234,7 @@
             <a:avLst/>
           </a:prstGeom>
           <a:solidFill>
-            <a:srgbClr val="767171"/>
+            <a:srgbClr val="C8CACA"/>
           </a:solidFill>
           <a:ln>
             <a:noFill/>
@@ -4269,7 +4270,259 @@
           <p:cNvPr id="2" name="Titel 1">
             <a:extLst>
               <a:ext uri="{FF2B5EF4-FFF2-40B4-BE49-F238E27FC236}">
-                <a16:creationId xmlns:a16="http://schemas.microsoft.com/office/drawing/2014/main" id="{7DEEC474-0D75-45E1-B309-2307D2E29849}"/>
+                <a16:creationId xmlns:a16="http://schemas.microsoft.com/office/drawing/2014/main" id="{F32A048B-4D26-4F9B-B9C1-A8722815BFED}"/>
+              </a:ext>
+            </a:extLst>
+          </p:cNvPr>
+          <p:cNvSpPr>
+            <a:spLocks noGrp="1"/>
+          </p:cNvSpPr>
+          <p:nvPr>
+            <p:ph type="title"/>
+          </p:nvPr>
+        </p:nvSpPr>
+        <p:spPr>
+          <a:xfrm>
+            <a:off x="603938" y="640081"/>
+            <a:ext cx="2608655" cy="5257799"/>
+          </a:xfrm>
+        </p:spPr>
+        <p:txBody>
+          <a:bodyPr vert="horz" lIns="91440" tIns="45720" rIns="91440" bIns="45720" rtlCol="0" anchor="ctr">
+            <a:normAutofit/>
+          </a:bodyPr>
+          <a:lstStyle/>
+          <a:p>
+            <a:r>
+              <a:rPr lang="en-US" sz="3600">
+                <a:solidFill>
+                  <a:srgbClr val="2C2C2C"/>
+                </a:solidFill>
+              </a:rPr>
+              <a:t>SEQUENCE DIAGRAM FOR HEATER</a:t>
+            </a:r>
+          </a:p>
+        </p:txBody>
+      </p:sp>
+      <p:sp>
+        <p:nvSpPr>
+          <p:cNvPr id="12" name="Rounded Rectangle 9">
+            <a:extLst>
+              <a:ext uri="{FF2B5EF4-FFF2-40B4-BE49-F238E27FC236}">
+                <a16:creationId xmlns:a16="http://schemas.microsoft.com/office/drawing/2014/main" id="{67048353-8981-459A-9BC6-9711CE462E06}"/>
+              </a:ext>
+              <a:ext uri="{C183D7F6-B498-43B3-948B-1728B52AA6E4}">
+                <adec:decorative xmlns:adec="http://schemas.microsoft.com/office/drawing/2017/decorative" val="1"/>
+              </a:ext>
+            </a:extLst>
+          </p:cNvPr>
+          <p:cNvSpPr>
+            <a:spLocks noGrp="1" noRot="1" noChangeAspect="1" noMove="1" noResize="1" noEditPoints="1" noAdjustHandles="1" noChangeArrowheads="1" noChangeShapeType="1" noTextEdit="1"/>
+          </p:cNvSpPr>
+          <p:nvPr>
+            <p:extLst>
+              <p:ext uri="{386F3935-93C4-4BCD-93E2-E3B085C9AB24}">
+                <p16:designElem xmlns:p16="http://schemas.microsoft.com/office/powerpoint/2015/main" val="1"/>
+              </p:ext>
+            </p:extLst>
+          </p:nvPr>
+        </p:nvSpPr>
+        <p:spPr>
+          <a:xfrm>
+            <a:off x="3580067" y="484632"/>
+            <a:ext cx="8129016" cy="5724144"/>
+          </a:xfrm>
+          <a:prstGeom prst="roundRect">
+            <a:avLst>
+              <a:gd name="adj" fmla="val 0"/>
+            </a:avLst>
+          </a:prstGeom>
+          <a:solidFill>
+            <a:srgbClr val="FFFFFF"/>
+          </a:solidFill>
+          <a:ln w="9525">
+            <a:solidFill>
+              <a:srgbClr val="C8CACA"/>
+            </a:solidFill>
+          </a:ln>
+          <a:effectLst>
+            <a:outerShdw blurRad="57150" dist="19050" dir="5400000" algn="t" rotWithShape="0">
+              <a:prstClr val="black">
+                <a:alpha val="63000"/>
+              </a:prstClr>
+            </a:outerShdw>
+          </a:effectLst>
+        </p:spPr>
+        <p:style>
+          <a:lnRef idx="2">
+            <a:schemeClr val="accent1">
+              <a:shade val="50000"/>
+            </a:schemeClr>
+          </a:lnRef>
+          <a:fillRef idx="1">
+            <a:schemeClr val="accent1"/>
+          </a:fillRef>
+          <a:effectRef idx="0">
+            <a:schemeClr val="accent1"/>
+          </a:effectRef>
+          <a:fontRef idx="minor">
+            <a:schemeClr val="lt1"/>
+          </a:fontRef>
+        </p:style>
+        <p:txBody>
+          <a:bodyPr rtlCol="0" anchor="ctr"/>
+          <a:lstStyle/>
+          <a:p>
+            <a:pPr algn="ctr"/>
+            <a:endParaRPr lang="en-US"/>
+          </a:p>
+        </p:txBody>
+      </p:sp>
+      <p:pic>
+        <p:nvPicPr>
+          <p:cNvPr id="5" name="Inhaltsplatzhalter 4">
+            <a:extLst>
+              <a:ext uri="{FF2B5EF4-FFF2-40B4-BE49-F238E27FC236}">
+                <a16:creationId xmlns:a16="http://schemas.microsoft.com/office/drawing/2014/main" id="{DB6AADEB-D501-4E41-88C9-264F06FA6F17}"/>
+              </a:ext>
+            </a:extLst>
+          </p:cNvPr>
+          <p:cNvPicPr>
+            <a:picLocks noGrp="1" noChangeAspect="1"/>
+          </p:cNvPicPr>
+          <p:nvPr>
+            <p:ph idx="1"/>
+          </p:nvPr>
+        </p:nvPicPr>
+        <p:blipFill rotWithShape="1">
+          <a:blip r:embed="rId2">
+            <a:extLst>
+              <a:ext uri="{28A0092B-C50C-407E-A947-70E740481C1C}">
+                <a14:useLocalDpi xmlns:a14="http://schemas.microsoft.com/office/drawing/2010/main" val="0"/>
+              </a:ext>
+            </a:extLst>
+          </a:blip>
+          <a:srcRect t="436" r="-5" b="24881"/>
+          <a:stretch/>
+        </p:blipFill>
+        <p:spPr>
+          <a:xfrm>
+            <a:off x="3808197" y="771525"/>
+            <a:ext cx="7417989" cy="5126355"/>
+          </a:xfrm>
+          <a:prstGeom prst="rect">
+            <a:avLst/>
+          </a:prstGeom>
+          <a:effectLst/>
+        </p:spPr>
+      </p:pic>
+    </p:spTree>
+    <p:extLst>
+      <p:ext uri="{BB962C8B-B14F-4D97-AF65-F5344CB8AC3E}">
+        <p14:creationId xmlns:p14="http://schemas.microsoft.com/office/powerpoint/2010/main" val="1624499205"/>
+      </p:ext>
+    </p:extLst>
+  </p:cSld>
+  <p:clrMapOvr>
+    <a:masterClrMapping/>
+  </p:clrMapOvr>
+</p:sld>
+</file>
+
+<file path=ppt/slides/slide7.xml><?xml version="1.0" encoding="utf-8"?>
+<p:sld xmlns:a="http://schemas.openxmlformats.org/drawingml/2006/main" xmlns:r="http://schemas.openxmlformats.org/officeDocument/2006/relationships" xmlns:p="http://schemas.openxmlformats.org/presentationml/2006/main">
+  <p:cSld>
+    <p:bg>
+      <p:bgPr>
+        <a:solidFill>
+          <a:schemeClr val="bg2"/>
+        </a:solidFill>
+        <a:effectLst/>
+      </p:bgPr>
+    </p:bg>
+    <p:spTree>
+      <p:nvGrpSpPr>
+        <p:cNvPr id="1" name=""/>
+        <p:cNvGrpSpPr/>
+        <p:nvPr/>
+      </p:nvGrpSpPr>
+      <p:grpSpPr>
+        <a:xfrm>
+          <a:off x="0" y="0"/>
+          <a:ext cx="0" cy="0"/>
+          <a:chOff x="0" y="0"/>
+          <a:chExt cx="0" cy="0"/>
+        </a:xfrm>
+      </p:grpSpPr>
+      <p:sp>
+        <p:nvSpPr>
+          <p:cNvPr id="10" name="Rectangle 9">
+            <a:extLst>
+              <a:ext uri="{FF2B5EF4-FFF2-40B4-BE49-F238E27FC236}">
+                <a16:creationId xmlns:a16="http://schemas.microsoft.com/office/drawing/2014/main" id="{16C5FA50-8D52-4617-AF91-5C7B1C8352F1}"/>
+              </a:ext>
+              <a:ext uri="{C183D7F6-B498-43B3-948B-1728B52AA6E4}">
+                <adec:decorative xmlns:adec="http://schemas.microsoft.com/office/drawing/2017/decorative" val="1"/>
+              </a:ext>
+            </a:extLst>
+          </p:cNvPr>
+          <p:cNvSpPr>
+            <a:spLocks noGrp="1" noRot="1" noChangeAspect="1" noMove="1" noResize="1" noEditPoints="1" noAdjustHandles="1" noChangeArrowheads="1" noChangeShapeType="1" noTextEdit="1"/>
+          </p:cNvSpPr>
+          <p:nvPr>
+            <p:extLst>
+              <p:ext uri="{386F3935-93C4-4BCD-93E2-E3B085C9AB24}">
+                <p16:designElem xmlns:p16="http://schemas.microsoft.com/office/powerpoint/2015/main" val="1"/>
+              </p:ext>
+            </p:extLst>
+          </p:nvPr>
+        </p:nvSpPr>
+        <p:spPr>
+          <a:xfrm>
+            <a:off x="0" y="0"/>
+            <a:ext cx="12192000" cy="6858000"/>
+          </a:xfrm>
+          <a:prstGeom prst="rect">
+            <a:avLst/>
+          </a:prstGeom>
+          <a:solidFill>
+            <a:srgbClr val="919169"/>
+          </a:solidFill>
+          <a:ln>
+            <a:noFill/>
+          </a:ln>
+        </p:spPr>
+        <p:style>
+          <a:lnRef idx="2">
+            <a:schemeClr val="accent1">
+              <a:shade val="50000"/>
+            </a:schemeClr>
+          </a:lnRef>
+          <a:fillRef idx="1">
+            <a:schemeClr val="accent1"/>
+          </a:fillRef>
+          <a:effectRef idx="0">
+            <a:schemeClr val="accent1"/>
+          </a:effectRef>
+          <a:fontRef idx="minor">
+            <a:schemeClr val="lt1"/>
+          </a:fontRef>
+        </p:style>
+        <p:txBody>
+          <a:bodyPr rtlCol="0" anchor="ctr"/>
+          <a:lstStyle/>
+          <a:p>
+            <a:pPr algn="ctr"/>
+            <a:endParaRPr lang="en-US"/>
+          </a:p>
+        </p:txBody>
+      </p:sp>
+      <p:sp>
+        <p:nvSpPr>
+          <p:cNvPr id="2" name="Titel 1">
+            <a:extLst>
+              <a:ext uri="{FF2B5EF4-FFF2-40B4-BE49-F238E27FC236}">
+                <a16:creationId xmlns:a16="http://schemas.microsoft.com/office/drawing/2014/main" id="{D6603AF2-DDFE-4DF4-A2BF-A9659BD652CF}"/>
               </a:ext>
             </a:extLst>
           </p:cNvPr>
@@ -4293,12 +4546,12 @@
           <a:lstStyle/>
           <a:p>
             <a:r>
-              <a:rPr lang="en-US" sz="3100">
+              <a:rPr lang="en-US" sz="3600" dirty="0">
                 <a:solidFill>
                   <a:srgbClr val="FFFFFF"/>
                 </a:solidFill>
               </a:rPr>
-              <a:t>SEQUENCE DIAGRAM FOR CONTROLLING LIGHT</a:t>
+              <a:t>SEQEUNCE DIAGRAM FOR SMART REMOTE</a:t>
             </a:r>
           </a:p>
         </p:txBody>
@@ -4379,10 +4632,10 @@
       </p:sp>
       <p:pic>
         <p:nvPicPr>
-          <p:cNvPr id="9" name="Inhaltsplatzhalter 8">
-            <a:extLst>
-              <a:ext uri="{FF2B5EF4-FFF2-40B4-BE49-F238E27FC236}">
-                <a16:creationId xmlns:a16="http://schemas.microsoft.com/office/drawing/2014/main" id="{9BAFB1A1-8574-4975-85A3-2665D7798875}"/>
+          <p:cNvPr id="7" name="Content Placeholder 6">
+            <a:extLst>
+              <a:ext uri="{FF2B5EF4-FFF2-40B4-BE49-F238E27FC236}">
+                <a16:creationId xmlns:a16="http://schemas.microsoft.com/office/drawing/2014/main" id="{BAA536C3-90EA-43F8-978E-ACFACF7BD376}"/>
               </a:ext>
             </a:extLst>
           </p:cNvPr>
@@ -4407,15 +4660,15 @@
         </p:blipFill>
         <p:spPr>
           <a:xfrm>
-            <a:off x="484632" y="484632"/>
-            <a:ext cx="8137738" cy="5724144"/>
+            <a:off x="0" y="0"/>
+            <a:ext cx="8622369" cy="6858000"/>
           </a:xfrm>
         </p:spPr>
       </p:pic>
     </p:spTree>
     <p:extLst>
       <p:ext uri="{BB962C8B-B14F-4D97-AF65-F5344CB8AC3E}">
-        <p14:creationId xmlns:p14="http://schemas.microsoft.com/office/powerpoint/2010/main" val="3097639714"/>
+        <p14:creationId xmlns:p14="http://schemas.microsoft.com/office/powerpoint/2010/main" val="1635133515"/>
       </p:ext>
     </p:extLst>
   </p:cSld>
@@ -4425,17 +4678,9 @@
 </p:sld>
 </file>
 
-<file path=ppt/slides/slide7.xml><?xml version="1.0" encoding="utf-8"?>
+<file path=ppt/slides/slide8.xml><?xml version="1.0" encoding="utf-8"?>
 <p:sld xmlns:a="http://schemas.openxmlformats.org/drawingml/2006/main" xmlns:r="http://schemas.openxmlformats.org/officeDocument/2006/relationships" xmlns:p="http://schemas.openxmlformats.org/presentationml/2006/main">
   <p:cSld>
-    <p:bg>
-      <p:bgPr>
-        <a:solidFill>
-          <a:schemeClr val="bg2"/>
-        </a:solidFill>
-        <a:effectLst/>
-      </p:bgPr>
-    </p:bg>
     <p:spTree>
       <p:nvGrpSpPr>
         <p:cNvPr id="1" name=""/>
@@ -4452,73 +4697,10 @@
       </p:grpSpPr>
       <p:sp>
         <p:nvSpPr>
-          <p:cNvPr id="10" name="Rectangle 9">
-            <a:extLst>
-              <a:ext uri="{FF2B5EF4-FFF2-40B4-BE49-F238E27FC236}">
-                <a16:creationId xmlns:a16="http://schemas.microsoft.com/office/drawing/2014/main" id="{BEE73255-8084-4DF9-BB0B-15EAC92E2CB9}"/>
-              </a:ext>
-              <a:ext uri="{C183D7F6-B498-43B3-948B-1728B52AA6E4}">
-                <adec:decorative xmlns:adec="http://schemas.microsoft.com/office/drawing/2017/decorative" val="1"/>
-              </a:ext>
-            </a:extLst>
-          </p:cNvPr>
-          <p:cNvSpPr>
-            <a:spLocks noGrp="1" noRot="1" noChangeAspect="1" noMove="1" noResize="1" noEditPoints="1" noAdjustHandles="1" noChangeArrowheads="1" noChangeShapeType="1" noTextEdit="1"/>
-          </p:cNvSpPr>
-          <p:nvPr>
-            <p:extLst>
-              <p:ext uri="{386F3935-93C4-4BCD-93E2-E3B085C9AB24}">
-                <p16:designElem xmlns:p16="http://schemas.microsoft.com/office/powerpoint/2015/main" val="1"/>
-              </p:ext>
-            </p:extLst>
-          </p:nvPr>
-        </p:nvSpPr>
-        <p:spPr>
-          <a:xfrm>
-            <a:off x="0" y="0"/>
-            <a:ext cx="12192000" cy="6858000"/>
-          </a:xfrm>
-          <a:prstGeom prst="rect">
-            <a:avLst/>
-          </a:prstGeom>
-          <a:solidFill>
-            <a:srgbClr val="C8CACA"/>
-          </a:solidFill>
-          <a:ln>
-            <a:noFill/>
-          </a:ln>
-        </p:spPr>
-        <p:style>
-          <a:lnRef idx="2">
-            <a:schemeClr val="accent1">
-              <a:shade val="50000"/>
-            </a:schemeClr>
-          </a:lnRef>
-          <a:fillRef idx="1">
-            <a:schemeClr val="accent1"/>
-          </a:fillRef>
-          <a:effectRef idx="0">
-            <a:schemeClr val="accent1"/>
-          </a:effectRef>
-          <a:fontRef idx="minor">
-            <a:schemeClr val="lt1"/>
-          </a:fontRef>
-        </p:style>
-        <p:txBody>
-          <a:bodyPr rtlCol="0" anchor="ctr"/>
-          <a:lstStyle/>
-          <a:p>
-            <a:pPr algn="ctr"/>
-            <a:endParaRPr lang="en-US"/>
-          </a:p>
-        </p:txBody>
-      </p:sp>
-      <p:sp>
-        <p:nvSpPr>
           <p:cNvPr id="2" name="Titel 1">
             <a:extLst>
               <a:ext uri="{FF2B5EF4-FFF2-40B4-BE49-F238E27FC236}">
-                <a16:creationId xmlns:a16="http://schemas.microsoft.com/office/drawing/2014/main" id="{F32A048B-4D26-4F9B-B9C1-A8722815BFED}"/>
+                <a16:creationId xmlns:a16="http://schemas.microsoft.com/office/drawing/2014/main" id="{4A4333C5-0081-481D-BA53-D88213B62CDB}"/>
               </a:ext>
             </a:extLst>
           </p:cNvPr>
@@ -4529,145 +4711,44 @@
             <p:ph type="title"/>
           </p:nvPr>
         </p:nvSpPr>
-        <p:spPr>
-          <a:xfrm>
-            <a:off x="603938" y="640081"/>
-            <a:ext cx="2608655" cy="5257799"/>
-          </a:xfrm>
-        </p:spPr>
-        <p:txBody>
-          <a:bodyPr vert="horz" lIns="91440" tIns="45720" rIns="91440" bIns="45720" rtlCol="0" anchor="ctr">
-            <a:normAutofit/>
-          </a:bodyPr>
-          <a:lstStyle/>
-          <a:p>
-            <a:r>
-              <a:rPr lang="en-US" sz="3600">
-                <a:solidFill>
-                  <a:srgbClr val="2C2C2C"/>
-                </a:solidFill>
-              </a:rPr>
-              <a:t>SEQUENCE DIAGRAM FOR HEATER</a:t>
-            </a:r>
-          </a:p>
-        </p:txBody>
-      </p:sp>
-      <p:sp>
-        <p:nvSpPr>
-          <p:cNvPr id="12" name="Rounded Rectangle 9">
-            <a:extLst>
-              <a:ext uri="{FF2B5EF4-FFF2-40B4-BE49-F238E27FC236}">
-                <a16:creationId xmlns:a16="http://schemas.microsoft.com/office/drawing/2014/main" id="{67048353-8981-459A-9BC6-9711CE462E06}"/>
-              </a:ext>
-              <a:ext uri="{C183D7F6-B498-43B3-948B-1728B52AA6E4}">
-                <adec:decorative xmlns:adec="http://schemas.microsoft.com/office/drawing/2017/decorative" val="1"/>
-              </a:ext>
-            </a:extLst>
-          </p:cNvPr>
-          <p:cNvSpPr>
-            <a:spLocks noGrp="1" noRot="1" noChangeAspect="1" noMove="1" noResize="1" noEditPoints="1" noAdjustHandles="1" noChangeArrowheads="1" noChangeShapeType="1" noTextEdit="1"/>
-          </p:cNvSpPr>
-          <p:nvPr>
-            <p:extLst>
-              <p:ext uri="{386F3935-93C4-4BCD-93E2-E3B085C9AB24}">
-                <p16:designElem xmlns:p16="http://schemas.microsoft.com/office/powerpoint/2015/main" val="1"/>
-              </p:ext>
-            </p:extLst>
-          </p:nvPr>
-        </p:nvSpPr>
-        <p:spPr>
-          <a:xfrm>
-            <a:off x="3580067" y="484632"/>
-            <a:ext cx="8129016" cy="5724144"/>
-          </a:xfrm>
-          <a:prstGeom prst="roundRect">
-            <a:avLst>
-              <a:gd name="adj" fmla="val 0"/>
-            </a:avLst>
-          </a:prstGeom>
-          <a:solidFill>
-            <a:srgbClr val="FFFFFF"/>
-          </a:solidFill>
-          <a:ln w="9525">
-            <a:solidFill>
-              <a:srgbClr val="C8CACA"/>
-            </a:solidFill>
-          </a:ln>
-          <a:effectLst>
-            <a:outerShdw blurRad="57150" dist="19050" dir="5400000" algn="t" rotWithShape="0">
-              <a:prstClr val="black">
-                <a:alpha val="63000"/>
-              </a:prstClr>
-            </a:outerShdw>
-          </a:effectLst>
-        </p:spPr>
-        <p:style>
-          <a:lnRef idx="2">
-            <a:schemeClr val="accent1">
-              <a:shade val="50000"/>
-            </a:schemeClr>
-          </a:lnRef>
-          <a:fillRef idx="1">
-            <a:schemeClr val="accent1"/>
-          </a:fillRef>
-          <a:effectRef idx="0">
-            <a:schemeClr val="accent1"/>
-          </a:effectRef>
-          <a:fontRef idx="minor">
-            <a:schemeClr val="lt1"/>
-          </a:fontRef>
-        </p:style>
-        <p:txBody>
-          <a:bodyPr rtlCol="0" anchor="ctr"/>
-          <a:lstStyle/>
-          <a:p>
-            <a:pPr algn="ctr"/>
-            <a:endParaRPr lang="en-US"/>
-          </a:p>
-        </p:txBody>
-      </p:sp>
-      <p:pic>
-        <p:nvPicPr>
-          <p:cNvPr id="5" name="Inhaltsplatzhalter 4">
-            <a:extLst>
-              <a:ext uri="{FF2B5EF4-FFF2-40B4-BE49-F238E27FC236}">
-                <a16:creationId xmlns:a16="http://schemas.microsoft.com/office/drawing/2014/main" id="{DB6AADEB-D501-4E41-88C9-264F06FA6F17}"/>
-              </a:ext>
-            </a:extLst>
-          </p:cNvPr>
-          <p:cNvPicPr>
-            <a:picLocks noGrp="1" noChangeAspect="1"/>
-          </p:cNvPicPr>
+        <p:spPr/>
+        <p:txBody>
+          <a:bodyPr/>
+          <a:lstStyle/>
+          <a:p>
+            <a:endParaRPr lang="de-DE"/>
+          </a:p>
+        </p:txBody>
+      </p:sp>
+      <p:sp>
+        <p:nvSpPr>
+          <p:cNvPr id="3" name="Inhaltsplatzhalter 2">
+            <a:extLst>
+              <a:ext uri="{FF2B5EF4-FFF2-40B4-BE49-F238E27FC236}">
+                <a16:creationId xmlns:a16="http://schemas.microsoft.com/office/drawing/2014/main" id="{DA126162-FB34-4D90-9C77-F64D9EAB336A}"/>
+              </a:ext>
+            </a:extLst>
+          </p:cNvPr>
+          <p:cNvSpPr>
+            <a:spLocks noGrp="1"/>
+          </p:cNvSpPr>
           <p:nvPr>
             <p:ph idx="1"/>
           </p:nvPr>
-        </p:nvPicPr>
-        <p:blipFill rotWithShape="1">
-          <a:blip r:embed="rId2">
-            <a:extLst>
-              <a:ext uri="{28A0092B-C50C-407E-A947-70E740481C1C}">
-                <a14:useLocalDpi xmlns:a14="http://schemas.microsoft.com/office/drawing/2010/main" val="0"/>
-              </a:ext>
-            </a:extLst>
-          </a:blip>
-          <a:srcRect t="436" r="-5" b="24881"/>
-          <a:stretch/>
-        </p:blipFill>
-        <p:spPr>
-          <a:xfrm>
-            <a:off x="3808197" y="771525"/>
-            <a:ext cx="7417989" cy="5126355"/>
-          </a:xfrm>
-          <a:prstGeom prst="rect">
-            <a:avLst/>
-          </a:prstGeom>
-          <a:effectLst/>
-        </p:spPr>
-      </p:pic>
+        </p:nvSpPr>
+        <p:spPr/>
+        <p:txBody>
+          <a:bodyPr/>
+          <a:lstStyle/>
+          <a:p>
+            <a:endParaRPr lang="de-DE"/>
+          </a:p>
+        </p:txBody>
+      </p:sp>
     </p:spTree>
     <p:extLst>
       <p:ext uri="{BB962C8B-B14F-4D97-AF65-F5344CB8AC3E}">
-        <p14:creationId xmlns:p14="http://schemas.microsoft.com/office/powerpoint/2010/main" val="1624499205"/>
+        <p14:creationId xmlns:p14="http://schemas.microsoft.com/office/powerpoint/2010/main" val="2541445627"/>
       </p:ext>
     </p:extLst>
   </p:cSld>
@@ -4677,7 +4758,7 @@
 </p:sld>
 </file>
 
-<file path=ppt/slides/slide8.xml><?xml version="1.0" encoding="utf-8"?>
+<file path=ppt/slides/slide9.xml><?xml version="1.0" encoding="utf-8"?>
 <p:sld xmlns:a="http://schemas.openxmlformats.org/drawingml/2006/main" xmlns:r="http://schemas.openxmlformats.org/officeDocument/2006/relationships" xmlns:p="http://schemas.openxmlformats.org/presentationml/2006/main">
   <p:cSld>
     <p:bg>

--- a/Project_Week_7&8/Precise Analysis.pptx
+++ b/Project_Week_7&8/Precise Analysis.pptx
@@ -14,6 +14,7 @@
     <p:sldId id="259" r:id="rId8"/>
     <p:sldId id="266" r:id="rId9"/>
     <p:sldId id="265" r:id="rId10"/>
+    <p:sldId id="267" r:id="rId11"/>
   </p:sldIdLst>
   <p:sldSz cx="12192000" cy="6858000"/>
   <p:notesSz cx="6858000" cy="9144000"/>
@@ -3404,6 +3405,86 @@
 </p:sld>
 </file>
 
+<file path=ppt/slides/slide10.xml><?xml version="1.0" encoding="utf-8"?>
+<p:sld xmlns:a="http://schemas.openxmlformats.org/drawingml/2006/main" xmlns:r="http://schemas.openxmlformats.org/officeDocument/2006/relationships" xmlns:p="http://schemas.openxmlformats.org/presentationml/2006/main">
+  <p:cSld>
+    <p:spTree>
+      <p:nvGrpSpPr>
+        <p:cNvPr id="1" name=""/>
+        <p:cNvGrpSpPr/>
+        <p:nvPr/>
+      </p:nvGrpSpPr>
+      <p:grpSpPr>
+        <a:xfrm>
+          <a:off x="0" y="0"/>
+          <a:ext cx="0" cy="0"/>
+          <a:chOff x="0" y="0"/>
+          <a:chExt cx="0" cy="0"/>
+        </a:xfrm>
+      </p:grpSpPr>
+      <p:sp>
+        <p:nvSpPr>
+          <p:cNvPr id="2" name="Titel 1">
+            <a:extLst>
+              <a:ext uri="{FF2B5EF4-FFF2-40B4-BE49-F238E27FC236}">
+                <a16:creationId xmlns:a16="http://schemas.microsoft.com/office/drawing/2014/main" id="{AC6B1C97-5045-4D32-9EE3-1148A8016777}"/>
+              </a:ext>
+            </a:extLst>
+          </p:cNvPr>
+          <p:cNvSpPr>
+            <a:spLocks noGrp="1"/>
+          </p:cNvSpPr>
+          <p:nvPr>
+            <p:ph type="title"/>
+          </p:nvPr>
+        </p:nvSpPr>
+        <p:spPr/>
+        <p:txBody>
+          <a:bodyPr/>
+          <a:lstStyle/>
+          <a:p>
+            <a:endParaRPr lang="de-DE"/>
+          </a:p>
+        </p:txBody>
+      </p:sp>
+      <p:sp>
+        <p:nvSpPr>
+          <p:cNvPr id="3" name="Inhaltsplatzhalter 2">
+            <a:extLst>
+              <a:ext uri="{FF2B5EF4-FFF2-40B4-BE49-F238E27FC236}">
+                <a16:creationId xmlns:a16="http://schemas.microsoft.com/office/drawing/2014/main" id="{77086BB7-08A4-4B7B-960A-7BB67BCE9628}"/>
+              </a:ext>
+            </a:extLst>
+          </p:cNvPr>
+          <p:cNvSpPr>
+            <a:spLocks noGrp="1"/>
+          </p:cNvSpPr>
+          <p:nvPr>
+            <p:ph idx="1"/>
+          </p:nvPr>
+        </p:nvSpPr>
+        <p:spPr/>
+        <p:txBody>
+          <a:bodyPr/>
+          <a:lstStyle/>
+          <a:p>
+            <a:endParaRPr lang="de-DE"/>
+          </a:p>
+        </p:txBody>
+      </p:sp>
+    </p:spTree>
+    <p:extLst>
+      <p:ext uri="{BB962C8B-B14F-4D97-AF65-F5344CB8AC3E}">
+        <p14:creationId xmlns:p14="http://schemas.microsoft.com/office/powerpoint/2010/main" val="2569426249"/>
+      </p:ext>
+    </p:extLst>
+  </p:cSld>
+  <p:clrMapOvr>
+    <a:masterClrMapping/>
+  </p:clrMapOvr>
+</p:sld>
+</file>
+
 <file path=ppt/slides/slide2.xml><?xml version="1.0" encoding="utf-8"?>
 <p:sld xmlns:a="http://schemas.openxmlformats.org/drawingml/2006/main" xmlns:r="http://schemas.openxmlformats.org/officeDocument/2006/relationships" xmlns:p="http://schemas.openxmlformats.org/presentationml/2006/main">
   <p:cSld>
@@ -4681,6 +4762,14 @@
 <file path=ppt/slides/slide8.xml><?xml version="1.0" encoding="utf-8"?>
 <p:sld xmlns:a="http://schemas.openxmlformats.org/drawingml/2006/main" xmlns:r="http://schemas.openxmlformats.org/officeDocument/2006/relationships" xmlns:p="http://schemas.openxmlformats.org/presentationml/2006/main">
   <p:cSld>
+    <p:bg>
+      <p:bgPr>
+        <a:solidFill>
+          <a:schemeClr val="bg2"/>
+        </a:solidFill>
+        <a:effectLst/>
+      </p:bgPr>
+    </p:bg>
     <p:spTree>
       <p:nvGrpSpPr>
         <p:cNvPr id="1" name=""/>
@@ -4697,6 +4786,69 @@
       </p:grpSpPr>
       <p:sp>
         <p:nvSpPr>
+          <p:cNvPr id="10" name="Rectangle 9">
+            <a:extLst>
+              <a:ext uri="{FF2B5EF4-FFF2-40B4-BE49-F238E27FC236}">
+                <a16:creationId xmlns:a16="http://schemas.microsoft.com/office/drawing/2014/main" id="{16C5FA50-8D52-4617-AF91-5C7B1C8352F1}"/>
+              </a:ext>
+              <a:ext uri="{C183D7F6-B498-43B3-948B-1728B52AA6E4}">
+                <adec:decorative xmlns:adec="http://schemas.microsoft.com/office/drawing/2017/decorative" val="1"/>
+              </a:ext>
+            </a:extLst>
+          </p:cNvPr>
+          <p:cNvSpPr>
+            <a:spLocks noGrp="1" noRot="1" noChangeAspect="1" noMove="1" noResize="1" noEditPoints="1" noAdjustHandles="1" noChangeArrowheads="1" noChangeShapeType="1" noTextEdit="1"/>
+          </p:cNvSpPr>
+          <p:nvPr>
+            <p:extLst>
+              <p:ext uri="{386F3935-93C4-4BCD-93E2-E3B085C9AB24}">
+                <p16:designElem xmlns:p16="http://schemas.microsoft.com/office/powerpoint/2015/main" val="1"/>
+              </p:ext>
+            </p:extLst>
+          </p:nvPr>
+        </p:nvSpPr>
+        <p:spPr>
+          <a:xfrm>
+            <a:off x="0" y="0"/>
+            <a:ext cx="12192000" cy="6858000"/>
+          </a:xfrm>
+          <a:prstGeom prst="rect">
+            <a:avLst/>
+          </a:prstGeom>
+          <a:solidFill>
+            <a:srgbClr val="7D7D5B"/>
+          </a:solidFill>
+          <a:ln>
+            <a:noFill/>
+          </a:ln>
+        </p:spPr>
+        <p:style>
+          <a:lnRef idx="2">
+            <a:schemeClr val="accent1">
+              <a:shade val="50000"/>
+            </a:schemeClr>
+          </a:lnRef>
+          <a:fillRef idx="1">
+            <a:schemeClr val="accent1"/>
+          </a:fillRef>
+          <a:effectRef idx="0">
+            <a:schemeClr val="accent1"/>
+          </a:effectRef>
+          <a:fontRef idx="minor">
+            <a:schemeClr val="lt1"/>
+          </a:fontRef>
+        </p:style>
+        <p:txBody>
+          <a:bodyPr rtlCol="0" anchor="ctr"/>
+          <a:lstStyle/>
+          <a:p>
+            <a:pPr algn="ctr"/>
+            <a:endParaRPr lang="en-US"/>
+          </a:p>
+        </p:txBody>
+      </p:sp>
+      <p:sp>
+        <p:nvSpPr>
           <p:cNvPr id="2" name="Titel 1">
             <a:extLst>
               <a:ext uri="{FF2B5EF4-FFF2-40B4-BE49-F238E27FC236}">
@@ -4711,40 +4863,141 @@
             <p:ph type="title"/>
           </p:nvPr>
         </p:nvSpPr>
-        <p:spPr/>
-        <p:txBody>
-          <a:bodyPr/>
-          <a:lstStyle/>
-          <a:p>
-            <a:endParaRPr lang="de-DE"/>
-          </a:p>
-        </p:txBody>
-      </p:sp>
-      <p:sp>
-        <p:nvSpPr>
-          <p:cNvPr id="3" name="Inhaltsplatzhalter 2">
-            <a:extLst>
-              <a:ext uri="{FF2B5EF4-FFF2-40B4-BE49-F238E27FC236}">
-                <a16:creationId xmlns:a16="http://schemas.microsoft.com/office/drawing/2014/main" id="{DA126162-FB34-4D90-9C77-F64D9EAB336A}"/>
-              </a:ext>
-            </a:extLst>
-          </p:cNvPr>
-          <p:cNvSpPr>
-            <a:spLocks noGrp="1"/>
-          </p:cNvSpPr>
+        <p:spPr>
+          <a:xfrm>
+            <a:off x="9093496" y="618681"/>
+            <a:ext cx="2613872" cy="4794567"/>
+          </a:xfrm>
+        </p:spPr>
+        <p:txBody>
+          <a:bodyPr vert="horz" lIns="91440" tIns="45720" rIns="91440" bIns="45720" rtlCol="0" anchor="ctr">
+            <a:normAutofit/>
+          </a:bodyPr>
+          <a:lstStyle/>
+          <a:p>
+            <a:r>
+              <a:rPr lang="en-US" sz="3600">
+                <a:solidFill>
+                  <a:srgbClr val="FFFFFF"/>
+                </a:solidFill>
+              </a:rPr>
+              <a:t>SEQUENCE DIAGRAM FOR SECURITY</a:t>
+            </a:r>
+          </a:p>
+        </p:txBody>
+      </p:sp>
+      <p:sp>
+        <p:nvSpPr>
+          <p:cNvPr id="12" name="Rounded Rectangle 9">
+            <a:extLst>
+              <a:ext uri="{FF2B5EF4-FFF2-40B4-BE49-F238E27FC236}">
+                <a16:creationId xmlns:a16="http://schemas.microsoft.com/office/drawing/2014/main" id="{E223798C-12AD-4B0C-A50C-D676347D67CF}"/>
+              </a:ext>
+              <a:ext uri="{C183D7F6-B498-43B3-948B-1728B52AA6E4}">
+                <adec:decorative xmlns:adec="http://schemas.microsoft.com/office/drawing/2017/decorative" val="1"/>
+              </a:ext>
+            </a:extLst>
+          </p:cNvPr>
+          <p:cNvSpPr>
+            <a:spLocks noGrp="1" noRot="1" noChangeAspect="1" noMove="1" noResize="1" noEditPoints="1" noAdjustHandles="1" noChangeArrowheads="1" noChangeShapeType="1" noTextEdit="1"/>
+          </p:cNvSpPr>
+          <p:nvPr>
+            <p:extLst>
+              <p:ext uri="{386F3935-93C4-4BCD-93E2-E3B085C9AB24}">
+                <p16:designElem xmlns:p16="http://schemas.microsoft.com/office/powerpoint/2015/main" val="1"/>
+              </p:ext>
+            </p:extLst>
+          </p:nvPr>
+        </p:nvSpPr>
+        <p:spPr>
+          <a:xfrm>
+            <a:off x="493354" y="484632"/>
+            <a:ext cx="8129016" cy="5724144"/>
+          </a:xfrm>
+          <a:prstGeom prst="roundRect">
+            <a:avLst>
+              <a:gd name="adj" fmla="val 0"/>
+            </a:avLst>
+          </a:prstGeom>
+          <a:solidFill>
+            <a:srgbClr val="FFFFFF"/>
+          </a:solidFill>
+          <a:ln w="9525">
+            <a:solidFill>
+              <a:srgbClr val="C8CACA"/>
+            </a:solidFill>
+          </a:ln>
+          <a:effectLst>
+            <a:outerShdw blurRad="57150" dist="19050" dir="5400000" algn="t" rotWithShape="0">
+              <a:prstClr val="black">
+                <a:alpha val="63000"/>
+              </a:prstClr>
+            </a:outerShdw>
+          </a:effectLst>
+        </p:spPr>
+        <p:style>
+          <a:lnRef idx="2">
+            <a:schemeClr val="accent1">
+              <a:shade val="50000"/>
+            </a:schemeClr>
+          </a:lnRef>
+          <a:fillRef idx="1">
+            <a:schemeClr val="accent1"/>
+          </a:fillRef>
+          <a:effectRef idx="0">
+            <a:schemeClr val="accent1"/>
+          </a:effectRef>
+          <a:fontRef idx="minor">
+            <a:schemeClr val="lt1"/>
+          </a:fontRef>
+        </p:style>
+        <p:txBody>
+          <a:bodyPr rtlCol="0" anchor="ctr"/>
+          <a:lstStyle/>
+          <a:p>
+            <a:pPr algn="ctr"/>
+            <a:endParaRPr lang="en-US"/>
+          </a:p>
+        </p:txBody>
+      </p:sp>
+      <p:pic>
+        <p:nvPicPr>
+          <p:cNvPr id="5" name="Inhaltsplatzhalter 4" descr="Ein Bild, das drinnen, Karte, Screenshot, Tisch enthält.&#10;&#10;Automatisch generierte Beschreibung">
+            <a:extLst>
+              <a:ext uri="{FF2B5EF4-FFF2-40B4-BE49-F238E27FC236}">
+                <a16:creationId xmlns:a16="http://schemas.microsoft.com/office/drawing/2014/main" id="{51FF1BEC-A423-4CD8-A666-B202B7EBD374}"/>
+              </a:ext>
+            </a:extLst>
+          </p:cNvPr>
+          <p:cNvPicPr>
+            <a:picLocks noGrp="1" noChangeAspect="1"/>
+          </p:cNvPicPr>
           <p:nvPr>
             <p:ph idx="1"/>
           </p:nvPr>
-        </p:nvSpPr>
-        <p:spPr/>
-        <p:txBody>
-          <a:bodyPr/>
-          <a:lstStyle/>
-          <a:p>
-            <a:endParaRPr lang="de-DE"/>
-          </a:p>
-        </p:txBody>
-      </p:sp>
+        </p:nvPicPr>
+        <p:blipFill rotWithShape="1">
+          <a:blip r:embed="rId2">
+            <a:extLst>
+              <a:ext uri="{28A0092B-C50C-407E-A947-70E740481C1C}">
+                <a14:useLocalDpi xmlns:a14="http://schemas.microsoft.com/office/drawing/2010/main" val="0"/>
+              </a:ext>
+            </a:extLst>
+          </a:blip>
+          <a:srcRect l="3539"/>
+          <a:stretch/>
+        </p:blipFill>
+        <p:spPr>
+          <a:xfrm>
+            <a:off x="888701" y="729574"/>
+            <a:ext cx="7393535" cy="4962930"/>
+          </a:xfrm>
+          <a:prstGeom prst="rect">
+            <a:avLst/>
+          </a:prstGeom>
+          <a:effectLst/>
+        </p:spPr>
+      </p:pic>
     </p:spTree>
     <p:extLst>
       <p:ext uri="{BB962C8B-B14F-4D97-AF65-F5344CB8AC3E}">

--- a/Project_Week_7&8/Precise Analysis.pptx
+++ b/Project_Week_7&8/Precise Analysis.pptx
@@ -322,7 +322,7 @@
           <a:p>
             <a:fld id="{59436D6C-09F6-4967-B045-448DC0A44960}" type="slidenum">
               <a:rPr lang="de-DE" smtClean="0"/>
-              <a:t>‹Nr.›</a:t>
+              <a:t>‹#›</a:t>
             </a:fld>
             <a:endParaRPr lang="de-DE"/>
           </a:p>
@@ -520,7 +520,7 @@
           <a:p>
             <a:fld id="{59436D6C-09F6-4967-B045-448DC0A44960}" type="slidenum">
               <a:rPr lang="de-DE" smtClean="0"/>
-              <a:t>‹Nr.›</a:t>
+              <a:t>‹#›</a:t>
             </a:fld>
             <a:endParaRPr lang="de-DE"/>
           </a:p>
@@ -728,7 +728,7 @@
           <a:p>
             <a:fld id="{59436D6C-09F6-4967-B045-448DC0A44960}" type="slidenum">
               <a:rPr lang="de-DE" smtClean="0"/>
-              <a:t>‹Nr.›</a:t>
+              <a:t>‹#›</a:t>
             </a:fld>
             <a:endParaRPr lang="de-DE"/>
           </a:p>
@@ -926,7 +926,7 @@
           <a:p>
             <a:fld id="{59436D6C-09F6-4967-B045-448DC0A44960}" type="slidenum">
               <a:rPr lang="de-DE" smtClean="0"/>
-              <a:t>‹Nr.›</a:t>
+              <a:t>‹#›</a:t>
             </a:fld>
             <a:endParaRPr lang="de-DE"/>
           </a:p>
@@ -1201,7 +1201,7 @@
           <a:p>
             <a:fld id="{59436D6C-09F6-4967-B045-448DC0A44960}" type="slidenum">
               <a:rPr lang="de-DE" smtClean="0"/>
-              <a:t>‹Nr.›</a:t>
+              <a:t>‹#›</a:t>
             </a:fld>
             <a:endParaRPr lang="de-DE"/>
           </a:p>
@@ -1466,7 +1466,7 @@
           <a:p>
             <a:fld id="{59436D6C-09F6-4967-B045-448DC0A44960}" type="slidenum">
               <a:rPr lang="de-DE" smtClean="0"/>
-              <a:t>‹Nr.›</a:t>
+              <a:t>‹#›</a:t>
             </a:fld>
             <a:endParaRPr lang="de-DE"/>
           </a:p>
@@ -1878,7 +1878,7 @@
           <a:p>
             <a:fld id="{59436D6C-09F6-4967-B045-448DC0A44960}" type="slidenum">
               <a:rPr lang="de-DE" smtClean="0"/>
-              <a:t>‹Nr.›</a:t>
+              <a:t>‹#›</a:t>
             </a:fld>
             <a:endParaRPr lang="de-DE"/>
           </a:p>
@@ -2019,7 +2019,7 @@
           <a:p>
             <a:fld id="{59436D6C-09F6-4967-B045-448DC0A44960}" type="slidenum">
               <a:rPr lang="de-DE" smtClean="0"/>
-              <a:t>‹Nr.›</a:t>
+              <a:t>‹#›</a:t>
             </a:fld>
             <a:endParaRPr lang="de-DE"/>
           </a:p>
@@ -2132,7 +2132,7 @@
           <a:p>
             <a:fld id="{59436D6C-09F6-4967-B045-448DC0A44960}" type="slidenum">
               <a:rPr lang="de-DE" smtClean="0"/>
-              <a:t>‹Nr.›</a:t>
+              <a:t>‹#›</a:t>
             </a:fld>
             <a:endParaRPr lang="de-DE"/>
           </a:p>
@@ -2443,7 +2443,7 @@
           <a:p>
             <a:fld id="{59436D6C-09F6-4967-B045-448DC0A44960}" type="slidenum">
               <a:rPr lang="de-DE" smtClean="0"/>
-              <a:t>‹Nr.›</a:t>
+              <a:t>‹#›</a:t>
             </a:fld>
             <a:endParaRPr lang="de-DE"/>
           </a:p>
@@ -2731,7 +2731,7 @@
           <a:p>
             <a:fld id="{59436D6C-09F6-4967-B045-448DC0A44960}" type="slidenum">
               <a:rPr lang="de-DE" smtClean="0"/>
-              <a:t>‹Nr.›</a:t>
+              <a:t>‹#›</a:t>
             </a:fld>
             <a:endParaRPr lang="de-DE"/>
           </a:p>
@@ -3008,7 +3008,7 @@
           <a:p>
             <a:fld id="{59436D6C-09F6-4967-B045-448DC0A44960}" type="slidenum">
               <a:rPr lang="de-DE" smtClean="0"/>
-              <a:t>‹Nr.›</a:t>
+              <a:t>‹#›</a:t>
             </a:fld>
             <a:endParaRPr lang="de-DE"/>
           </a:p>
@@ -4212,10 +4212,10 @@
       </p:sp>
       <p:pic>
         <p:nvPicPr>
-          <p:cNvPr id="9" name="Inhaltsplatzhalter 8">
-            <a:extLst>
-              <a:ext uri="{FF2B5EF4-FFF2-40B4-BE49-F238E27FC236}">
-                <a16:creationId xmlns:a16="http://schemas.microsoft.com/office/drawing/2014/main" id="{9BAFB1A1-8574-4975-85A3-2665D7798875}"/>
+          <p:cNvPr id="6" name="Content Placeholder 5" descr="Diagram&#10;&#10;Description automatically generated">
+            <a:extLst>
+              <a:ext uri="{FF2B5EF4-FFF2-40B4-BE49-F238E27FC236}">
+                <a16:creationId xmlns:a16="http://schemas.microsoft.com/office/drawing/2014/main" id="{DFF76A4E-429C-4E0B-9D75-B1C85D630DED}"/>
               </a:ext>
             </a:extLst>
           </p:cNvPr>
@@ -4240,8 +4240,8 @@
         </p:blipFill>
         <p:spPr>
           <a:xfrm>
-            <a:off x="484632" y="484632"/>
-            <a:ext cx="8137738" cy="5724144"/>
+            <a:off x="493355" y="757007"/>
+            <a:ext cx="8115510" cy="5099044"/>
           </a:xfrm>
         </p:spPr>
       </p:pic>

--- a/Project_Week_7&8/Precise Analysis.pptx
+++ b/Project_Week_7&8/Precise Analysis.pptx
@@ -10,11 +10,12 @@
     <p:sldId id="261" r:id="rId4"/>
     <p:sldId id="262" r:id="rId5"/>
     <p:sldId id="263" r:id="rId6"/>
-    <p:sldId id="264" r:id="rId7"/>
-    <p:sldId id="259" r:id="rId8"/>
-    <p:sldId id="266" r:id="rId9"/>
-    <p:sldId id="265" r:id="rId10"/>
-    <p:sldId id="267" r:id="rId11"/>
+    <p:sldId id="267" r:id="rId7"/>
+    <p:sldId id="268" r:id="rId8"/>
+    <p:sldId id="264" r:id="rId9"/>
+    <p:sldId id="259" r:id="rId10"/>
+    <p:sldId id="266" r:id="rId11"/>
+    <p:sldId id="265" r:id="rId12"/>
   </p:sldIdLst>
   <p:sldSz cx="12192000" cy="6858000"/>
   <p:notesSz cx="6858000" cy="9144000"/>
@@ -322,7 +323,7 @@
           <a:p>
             <a:fld id="{59436D6C-09F6-4967-B045-448DC0A44960}" type="slidenum">
               <a:rPr lang="de-DE" smtClean="0"/>
-              <a:t>‹#›</a:t>
+              <a:t>‹Nr.›</a:t>
             </a:fld>
             <a:endParaRPr lang="de-DE"/>
           </a:p>
@@ -520,7 +521,7 @@
           <a:p>
             <a:fld id="{59436D6C-09F6-4967-B045-448DC0A44960}" type="slidenum">
               <a:rPr lang="de-DE" smtClean="0"/>
-              <a:t>‹#›</a:t>
+              <a:t>‹Nr.›</a:t>
             </a:fld>
             <a:endParaRPr lang="de-DE"/>
           </a:p>
@@ -728,7 +729,7 @@
           <a:p>
             <a:fld id="{59436D6C-09F6-4967-B045-448DC0A44960}" type="slidenum">
               <a:rPr lang="de-DE" smtClean="0"/>
-              <a:t>‹#›</a:t>
+              <a:t>‹Nr.›</a:t>
             </a:fld>
             <a:endParaRPr lang="de-DE"/>
           </a:p>
@@ -926,7 +927,7 @@
           <a:p>
             <a:fld id="{59436D6C-09F6-4967-B045-448DC0A44960}" type="slidenum">
               <a:rPr lang="de-DE" smtClean="0"/>
-              <a:t>‹#›</a:t>
+              <a:t>‹Nr.›</a:t>
             </a:fld>
             <a:endParaRPr lang="de-DE"/>
           </a:p>
@@ -1201,7 +1202,7 @@
           <a:p>
             <a:fld id="{59436D6C-09F6-4967-B045-448DC0A44960}" type="slidenum">
               <a:rPr lang="de-DE" smtClean="0"/>
-              <a:t>‹#›</a:t>
+              <a:t>‹Nr.›</a:t>
             </a:fld>
             <a:endParaRPr lang="de-DE"/>
           </a:p>
@@ -1466,7 +1467,7 @@
           <a:p>
             <a:fld id="{59436D6C-09F6-4967-B045-448DC0A44960}" type="slidenum">
               <a:rPr lang="de-DE" smtClean="0"/>
-              <a:t>‹#›</a:t>
+              <a:t>‹Nr.›</a:t>
             </a:fld>
             <a:endParaRPr lang="de-DE"/>
           </a:p>
@@ -1878,7 +1879,7 @@
           <a:p>
             <a:fld id="{59436D6C-09F6-4967-B045-448DC0A44960}" type="slidenum">
               <a:rPr lang="de-DE" smtClean="0"/>
-              <a:t>‹#›</a:t>
+              <a:t>‹Nr.›</a:t>
             </a:fld>
             <a:endParaRPr lang="de-DE"/>
           </a:p>
@@ -2019,7 +2020,7 @@
           <a:p>
             <a:fld id="{59436D6C-09F6-4967-B045-448DC0A44960}" type="slidenum">
               <a:rPr lang="de-DE" smtClean="0"/>
-              <a:t>‹#›</a:t>
+              <a:t>‹Nr.›</a:t>
             </a:fld>
             <a:endParaRPr lang="de-DE"/>
           </a:p>
@@ -2132,7 +2133,7 @@
           <a:p>
             <a:fld id="{59436D6C-09F6-4967-B045-448DC0A44960}" type="slidenum">
               <a:rPr lang="de-DE" smtClean="0"/>
-              <a:t>‹#›</a:t>
+              <a:t>‹Nr.›</a:t>
             </a:fld>
             <a:endParaRPr lang="de-DE"/>
           </a:p>
@@ -2443,7 +2444,7 @@
           <a:p>
             <a:fld id="{59436D6C-09F6-4967-B045-448DC0A44960}" type="slidenum">
               <a:rPr lang="de-DE" smtClean="0"/>
-              <a:t>‹#›</a:t>
+              <a:t>‹Nr.›</a:t>
             </a:fld>
             <a:endParaRPr lang="de-DE"/>
           </a:p>
@@ -2731,7 +2732,7 @@
           <a:p>
             <a:fld id="{59436D6C-09F6-4967-B045-448DC0A44960}" type="slidenum">
               <a:rPr lang="de-DE" smtClean="0"/>
-              <a:t>‹#›</a:t>
+              <a:t>‹Nr.›</a:t>
             </a:fld>
             <a:endParaRPr lang="de-DE"/>
           </a:p>
@@ -3008,7 +3009,7 @@
           <a:p>
             <a:fld id="{59436D6C-09F6-4967-B045-448DC0A44960}" type="slidenum">
               <a:rPr lang="de-DE" smtClean="0"/>
-              <a:t>‹#›</a:t>
+              <a:t>‹Nr.›</a:t>
             </a:fld>
             <a:endParaRPr lang="de-DE"/>
           </a:p>
@@ -3408,6 +3409,14 @@
 <file path=ppt/slides/slide10.xml><?xml version="1.0" encoding="utf-8"?>
 <p:sld xmlns:a="http://schemas.openxmlformats.org/drawingml/2006/main" xmlns:r="http://schemas.openxmlformats.org/officeDocument/2006/relationships" xmlns:p="http://schemas.openxmlformats.org/presentationml/2006/main">
   <p:cSld>
+    <p:bg>
+      <p:bgPr>
+        <a:solidFill>
+          <a:schemeClr val="bg2"/>
+        </a:solidFill>
+        <a:effectLst/>
+      </p:bgPr>
+    </p:bg>
     <p:spTree>
       <p:nvGrpSpPr>
         <p:cNvPr id="1" name=""/>
@@ -3424,10 +3433,73 @@
       </p:grpSpPr>
       <p:sp>
         <p:nvSpPr>
+          <p:cNvPr id="10" name="Rectangle 9">
+            <a:extLst>
+              <a:ext uri="{FF2B5EF4-FFF2-40B4-BE49-F238E27FC236}">
+                <a16:creationId xmlns:a16="http://schemas.microsoft.com/office/drawing/2014/main" id="{16C5FA50-8D52-4617-AF91-5C7B1C8352F1}"/>
+              </a:ext>
+              <a:ext uri="{C183D7F6-B498-43B3-948B-1728B52AA6E4}">
+                <adec:decorative xmlns:adec="http://schemas.microsoft.com/office/drawing/2017/decorative" val="1"/>
+              </a:ext>
+            </a:extLst>
+          </p:cNvPr>
+          <p:cNvSpPr>
+            <a:spLocks noGrp="1" noRot="1" noChangeAspect="1" noMove="1" noResize="1" noEditPoints="1" noAdjustHandles="1" noChangeArrowheads="1" noChangeShapeType="1" noTextEdit="1"/>
+          </p:cNvSpPr>
+          <p:nvPr>
+            <p:extLst>
+              <p:ext uri="{386F3935-93C4-4BCD-93E2-E3B085C9AB24}">
+                <p16:designElem xmlns:p16="http://schemas.microsoft.com/office/powerpoint/2015/main" val="1"/>
+              </p:ext>
+            </p:extLst>
+          </p:nvPr>
+        </p:nvSpPr>
+        <p:spPr>
+          <a:xfrm>
+            <a:off x="0" y="0"/>
+            <a:ext cx="12192000" cy="6858000"/>
+          </a:xfrm>
+          <a:prstGeom prst="rect">
+            <a:avLst/>
+          </a:prstGeom>
+          <a:solidFill>
+            <a:srgbClr val="7D7D5B"/>
+          </a:solidFill>
+          <a:ln>
+            <a:noFill/>
+          </a:ln>
+        </p:spPr>
+        <p:style>
+          <a:lnRef idx="2">
+            <a:schemeClr val="accent1">
+              <a:shade val="50000"/>
+            </a:schemeClr>
+          </a:lnRef>
+          <a:fillRef idx="1">
+            <a:schemeClr val="accent1"/>
+          </a:fillRef>
+          <a:effectRef idx="0">
+            <a:schemeClr val="accent1"/>
+          </a:effectRef>
+          <a:fontRef idx="minor">
+            <a:schemeClr val="lt1"/>
+          </a:fontRef>
+        </p:style>
+        <p:txBody>
+          <a:bodyPr rtlCol="0" anchor="ctr"/>
+          <a:lstStyle/>
+          <a:p>
+            <a:pPr algn="ctr"/>
+            <a:endParaRPr lang="en-US"/>
+          </a:p>
+        </p:txBody>
+      </p:sp>
+      <p:sp>
+        <p:nvSpPr>
           <p:cNvPr id="2" name="Titel 1">
             <a:extLst>
               <a:ext uri="{FF2B5EF4-FFF2-40B4-BE49-F238E27FC236}">
-                <a16:creationId xmlns:a16="http://schemas.microsoft.com/office/drawing/2014/main" id="{AC6B1C97-5045-4D32-9EE3-1148A8016777}"/>
+                <a16:creationId xmlns:a16="http://schemas.microsoft.com/office/drawing/2014/main" id="{4A4333C5-0081-481D-BA53-D88213B62CDB}"/>
               </a:ext>
             </a:extLst>
           </p:cNvPr>
@@ -3438,44 +3510,321 @@
             <p:ph type="title"/>
           </p:nvPr>
         </p:nvSpPr>
-        <p:spPr/>
-        <p:txBody>
-          <a:bodyPr/>
-          <a:lstStyle/>
-          <a:p>
-            <a:endParaRPr lang="de-DE"/>
-          </a:p>
-        </p:txBody>
-      </p:sp>
-      <p:sp>
-        <p:nvSpPr>
-          <p:cNvPr id="3" name="Inhaltsplatzhalter 2">
-            <a:extLst>
-              <a:ext uri="{FF2B5EF4-FFF2-40B4-BE49-F238E27FC236}">
-                <a16:creationId xmlns:a16="http://schemas.microsoft.com/office/drawing/2014/main" id="{77086BB7-08A4-4B7B-960A-7BB67BCE9628}"/>
-              </a:ext>
-            </a:extLst>
-          </p:cNvPr>
-          <p:cNvSpPr>
-            <a:spLocks noGrp="1"/>
-          </p:cNvSpPr>
+        <p:spPr>
+          <a:xfrm>
+            <a:off x="9093496" y="618681"/>
+            <a:ext cx="2613872" cy="4794567"/>
+          </a:xfrm>
+        </p:spPr>
+        <p:txBody>
+          <a:bodyPr vert="horz" lIns="91440" tIns="45720" rIns="91440" bIns="45720" rtlCol="0" anchor="ctr">
+            <a:normAutofit/>
+          </a:bodyPr>
+          <a:lstStyle/>
+          <a:p>
+            <a:r>
+              <a:rPr lang="en-US" sz="3600">
+                <a:solidFill>
+                  <a:srgbClr val="FFFFFF"/>
+                </a:solidFill>
+              </a:rPr>
+              <a:t>SEQUENCE DIAGRAM FOR SECURITY</a:t>
+            </a:r>
+          </a:p>
+        </p:txBody>
+      </p:sp>
+      <p:sp>
+        <p:nvSpPr>
+          <p:cNvPr id="12" name="Rounded Rectangle 9">
+            <a:extLst>
+              <a:ext uri="{FF2B5EF4-FFF2-40B4-BE49-F238E27FC236}">
+                <a16:creationId xmlns:a16="http://schemas.microsoft.com/office/drawing/2014/main" id="{E223798C-12AD-4B0C-A50C-D676347D67CF}"/>
+              </a:ext>
+              <a:ext uri="{C183D7F6-B498-43B3-948B-1728B52AA6E4}">
+                <adec:decorative xmlns:adec="http://schemas.microsoft.com/office/drawing/2017/decorative" val="1"/>
+              </a:ext>
+            </a:extLst>
+          </p:cNvPr>
+          <p:cNvSpPr>
+            <a:spLocks noGrp="1" noRot="1" noChangeAspect="1" noMove="1" noResize="1" noEditPoints="1" noAdjustHandles="1" noChangeArrowheads="1" noChangeShapeType="1" noTextEdit="1"/>
+          </p:cNvSpPr>
+          <p:nvPr>
+            <p:extLst>
+              <p:ext uri="{386F3935-93C4-4BCD-93E2-E3B085C9AB24}">
+                <p16:designElem xmlns:p16="http://schemas.microsoft.com/office/powerpoint/2015/main" val="1"/>
+              </p:ext>
+            </p:extLst>
+          </p:nvPr>
+        </p:nvSpPr>
+        <p:spPr>
+          <a:xfrm>
+            <a:off x="493354" y="484632"/>
+            <a:ext cx="8129016" cy="5724144"/>
+          </a:xfrm>
+          <a:prstGeom prst="roundRect">
+            <a:avLst>
+              <a:gd name="adj" fmla="val 0"/>
+            </a:avLst>
+          </a:prstGeom>
+          <a:solidFill>
+            <a:srgbClr val="FFFFFF"/>
+          </a:solidFill>
+          <a:ln w="9525">
+            <a:solidFill>
+              <a:srgbClr val="C8CACA"/>
+            </a:solidFill>
+          </a:ln>
+          <a:effectLst>
+            <a:outerShdw blurRad="57150" dist="19050" dir="5400000" algn="t" rotWithShape="0">
+              <a:prstClr val="black">
+                <a:alpha val="63000"/>
+              </a:prstClr>
+            </a:outerShdw>
+          </a:effectLst>
+        </p:spPr>
+        <p:style>
+          <a:lnRef idx="2">
+            <a:schemeClr val="accent1">
+              <a:shade val="50000"/>
+            </a:schemeClr>
+          </a:lnRef>
+          <a:fillRef idx="1">
+            <a:schemeClr val="accent1"/>
+          </a:fillRef>
+          <a:effectRef idx="0">
+            <a:schemeClr val="accent1"/>
+          </a:effectRef>
+          <a:fontRef idx="minor">
+            <a:schemeClr val="lt1"/>
+          </a:fontRef>
+        </p:style>
+        <p:txBody>
+          <a:bodyPr rtlCol="0" anchor="ctr"/>
+          <a:lstStyle/>
+          <a:p>
+            <a:pPr algn="ctr"/>
+            <a:endParaRPr lang="en-US"/>
+          </a:p>
+        </p:txBody>
+      </p:sp>
+      <p:pic>
+        <p:nvPicPr>
+          <p:cNvPr id="5" name="Inhaltsplatzhalter 4" descr="Ein Bild, das drinnen, Karte, Screenshot, Tisch enthält.&#10;&#10;Automatisch generierte Beschreibung">
+            <a:extLst>
+              <a:ext uri="{FF2B5EF4-FFF2-40B4-BE49-F238E27FC236}">
+                <a16:creationId xmlns:a16="http://schemas.microsoft.com/office/drawing/2014/main" id="{51FF1BEC-A423-4CD8-A666-B202B7EBD374}"/>
+              </a:ext>
+            </a:extLst>
+          </p:cNvPr>
+          <p:cNvPicPr>
+            <a:picLocks noGrp="1" noChangeAspect="1"/>
+          </p:cNvPicPr>
           <p:nvPr>
             <p:ph idx="1"/>
           </p:nvPr>
-        </p:nvSpPr>
-        <p:spPr/>
-        <p:txBody>
-          <a:bodyPr/>
-          <a:lstStyle/>
-          <a:p>
-            <a:endParaRPr lang="de-DE"/>
-          </a:p>
-        </p:txBody>
-      </p:sp>
+        </p:nvPicPr>
+        <p:blipFill rotWithShape="1">
+          <a:blip r:embed="rId2">
+            <a:extLst>
+              <a:ext uri="{28A0092B-C50C-407E-A947-70E740481C1C}">
+                <a14:useLocalDpi xmlns:a14="http://schemas.microsoft.com/office/drawing/2010/main" val="0"/>
+              </a:ext>
+            </a:extLst>
+          </a:blip>
+          <a:srcRect l="3539"/>
+          <a:stretch/>
+        </p:blipFill>
+        <p:spPr>
+          <a:xfrm>
+            <a:off x="888701" y="729574"/>
+            <a:ext cx="7393535" cy="4962930"/>
+          </a:xfrm>
+          <a:prstGeom prst="rect">
+            <a:avLst/>
+          </a:prstGeom>
+          <a:effectLst/>
+        </p:spPr>
+      </p:pic>
     </p:spTree>
     <p:extLst>
       <p:ext uri="{BB962C8B-B14F-4D97-AF65-F5344CB8AC3E}">
-        <p14:creationId xmlns:p14="http://schemas.microsoft.com/office/powerpoint/2010/main" val="2569426249"/>
+        <p14:creationId xmlns:p14="http://schemas.microsoft.com/office/powerpoint/2010/main" val="2541445627"/>
+      </p:ext>
+    </p:extLst>
+  </p:cSld>
+  <p:clrMapOvr>
+    <a:masterClrMapping/>
+  </p:clrMapOvr>
+</p:sld>
+</file>
+
+<file path=ppt/slides/slide11.xml><?xml version="1.0" encoding="utf-8"?>
+<p:sld xmlns:a="http://schemas.openxmlformats.org/drawingml/2006/main" xmlns:r="http://schemas.openxmlformats.org/officeDocument/2006/relationships" xmlns:p="http://schemas.openxmlformats.org/presentationml/2006/main">
+  <p:cSld>
+    <p:bg>
+      <p:bgPr>
+        <a:solidFill>
+          <a:schemeClr val="bg1"/>
+        </a:solidFill>
+        <a:effectLst/>
+      </p:bgPr>
+    </p:bg>
+    <p:spTree>
+      <p:nvGrpSpPr>
+        <p:cNvPr id="1" name=""/>
+        <p:cNvGrpSpPr/>
+        <p:nvPr/>
+      </p:nvGrpSpPr>
+      <p:grpSpPr>
+        <a:xfrm>
+          <a:off x="0" y="0"/>
+          <a:ext cx="0" cy="0"/>
+          <a:chOff x="0" y="0"/>
+          <a:chExt cx="0" cy="0"/>
+        </a:xfrm>
+      </p:grpSpPr>
+      <p:sp>
+        <p:nvSpPr>
+          <p:cNvPr id="21" name="Rectangle 9">
+            <a:extLst>
+              <a:ext uri="{FF2B5EF4-FFF2-40B4-BE49-F238E27FC236}">
+                <a16:creationId xmlns:a16="http://schemas.microsoft.com/office/drawing/2014/main" id="{6F66A575-7835-4400-BEDE-89F2EF034034}"/>
+              </a:ext>
+              <a:ext uri="{C183D7F6-B498-43B3-948B-1728B52AA6E4}">
+                <adec:decorative xmlns:adec="http://schemas.microsoft.com/office/drawing/2017/decorative" val="1"/>
+              </a:ext>
+            </a:extLst>
+          </p:cNvPr>
+          <p:cNvSpPr>
+            <a:spLocks noGrp="1" noRot="1" noChangeAspect="1" noMove="1" noResize="1" noEditPoints="1" noAdjustHandles="1" noChangeArrowheads="1" noChangeShapeType="1" noTextEdit="1"/>
+          </p:cNvSpPr>
+          <p:nvPr>
+            <p:extLst>
+              <p:ext uri="{386F3935-93C4-4BCD-93E2-E3B085C9AB24}">
+                <p16:designElem xmlns:p16="http://schemas.microsoft.com/office/powerpoint/2015/main" val="1"/>
+              </p:ext>
+            </p:extLst>
+          </p:nvPr>
+        </p:nvSpPr>
+        <p:spPr>
+          <a:xfrm>
+            <a:off x="0" y="0"/>
+            <a:ext cx="5468548" cy="6858000"/>
+          </a:xfrm>
+          <a:prstGeom prst="rect">
+            <a:avLst/>
+          </a:prstGeom>
+          <a:solidFill>
+            <a:srgbClr val="4E2E46"/>
+          </a:solidFill>
+          <a:ln>
+            <a:noFill/>
+          </a:ln>
+        </p:spPr>
+        <p:style>
+          <a:lnRef idx="2">
+            <a:schemeClr val="accent1">
+              <a:shade val="50000"/>
+            </a:schemeClr>
+          </a:lnRef>
+          <a:fillRef idx="1">
+            <a:schemeClr val="accent1"/>
+          </a:fillRef>
+          <a:effectRef idx="0">
+            <a:schemeClr val="accent1"/>
+          </a:effectRef>
+          <a:fontRef idx="minor">
+            <a:schemeClr val="lt1"/>
+          </a:fontRef>
+        </p:style>
+        <p:txBody>
+          <a:bodyPr rtlCol="0" anchor="ctr"/>
+          <a:lstStyle/>
+          <a:p>
+            <a:pPr algn="ctr"/>
+            <a:endParaRPr lang="en-US"/>
+          </a:p>
+        </p:txBody>
+      </p:sp>
+      <p:sp>
+        <p:nvSpPr>
+          <p:cNvPr id="2" name="Titel 1">
+            <a:extLst>
+              <a:ext uri="{FF2B5EF4-FFF2-40B4-BE49-F238E27FC236}">
+                <a16:creationId xmlns:a16="http://schemas.microsoft.com/office/drawing/2014/main" id="{5F0E556C-D1B9-475B-8777-07838745795E}"/>
+              </a:ext>
+            </a:extLst>
+          </p:cNvPr>
+          <p:cNvSpPr>
+            <a:spLocks noGrp="1"/>
+          </p:cNvSpPr>
+          <p:nvPr>
+            <p:ph type="title"/>
+          </p:nvPr>
+        </p:nvSpPr>
+        <p:spPr>
+          <a:xfrm>
+            <a:off x="621629" y="640080"/>
+            <a:ext cx="4225290" cy="5578816"/>
+          </a:xfrm>
+        </p:spPr>
+        <p:txBody>
+          <a:bodyPr vert="horz" lIns="91440" tIns="45720" rIns="91440" bIns="45720" rtlCol="0" anchor="ctr">
+            <a:normAutofit/>
+          </a:bodyPr>
+          <a:lstStyle/>
+          <a:p>
+            <a:pPr algn="ctr"/>
+            <a:r>
+              <a:rPr lang="en-US">
+                <a:solidFill>
+                  <a:srgbClr val="FFFFFF"/>
+                </a:solidFill>
+              </a:rPr>
+              <a:t>MORE GENERAL FORM</a:t>
+            </a:r>
+          </a:p>
+        </p:txBody>
+      </p:sp>
+      <p:pic>
+        <p:nvPicPr>
+          <p:cNvPr id="7" name="Inhaltsplatzhalter 6">
+            <a:extLst>
+              <a:ext uri="{FF2B5EF4-FFF2-40B4-BE49-F238E27FC236}">
+                <a16:creationId xmlns:a16="http://schemas.microsoft.com/office/drawing/2014/main" id="{13B25946-65E2-4813-8B3C-CA4DCECF5B81}"/>
+              </a:ext>
+            </a:extLst>
+          </p:cNvPr>
+          <p:cNvPicPr>
+            <a:picLocks noGrp="1" noChangeAspect="1"/>
+          </p:cNvPicPr>
+          <p:nvPr>
+            <p:ph idx="1"/>
+          </p:nvPr>
+        </p:nvPicPr>
+        <p:blipFill>
+          <a:blip r:embed="rId2">
+            <a:extLst>
+              <a:ext uri="{28A0092B-C50C-407E-A947-70E740481C1C}">
+                <a14:useLocalDpi xmlns:a14="http://schemas.microsoft.com/office/drawing/2010/main" val="0"/>
+              </a:ext>
+            </a:extLst>
+          </a:blip>
+          <a:stretch>
+            <a:fillRect/>
+          </a:stretch>
+        </p:blipFill>
+        <p:spPr>
+          <a:xfrm>
+            <a:off x="5573949" y="107004"/>
+            <a:ext cx="6361889" cy="6546715"/>
+          </a:xfrm>
+        </p:spPr>
+      </p:pic>
+    </p:spTree>
+    <p:extLst>
+      <p:ext uri="{BB962C8B-B14F-4D97-AF65-F5344CB8AC3E}">
+        <p14:creationId xmlns:p14="http://schemas.microsoft.com/office/powerpoint/2010/main" val="3767930465"/>
       </p:ext>
     </p:extLst>
   </p:cSld>
@@ -4261,6 +4610,193 @@
 <file path=ppt/slides/slide6.xml><?xml version="1.0" encoding="utf-8"?>
 <p:sld xmlns:a="http://schemas.openxmlformats.org/drawingml/2006/main" xmlns:r="http://schemas.openxmlformats.org/officeDocument/2006/relationships" xmlns:p="http://schemas.openxmlformats.org/presentationml/2006/main">
   <p:cSld>
+    <p:spTree>
+      <p:nvGrpSpPr>
+        <p:cNvPr id="1" name=""/>
+        <p:cNvGrpSpPr/>
+        <p:nvPr/>
+      </p:nvGrpSpPr>
+      <p:grpSpPr>
+        <a:xfrm>
+          <a:off x="0" y="0"/>
+          <a:ext cx="0" cy="0"/>
+          <a:chOff x="0" y="0"/>
+          <a:chExt cx="0" cy="0"/>
+        </a:xfrm>
+      </p:grpSpPr>
+      <p:sp>
+        <p:nvSpPr>
+          <p:cNvPr id="2" name="Titel 1">
+            <a:extLst>
+              <a:ext uri="{FF2B5EF4-FFF2-40B4-BE49-F238E27FC236}">
+                <a16:creationId xmlns:a16="http://schemas.microsoft.com/office/drawing/2014/main" id="{AC6B1C97-5045-4D32-9EE3-1148A8016777}"/>
+              </a:ext>
+            </a:extLst>
+          </p:cNvPr>
+          <p:cNvSpPr>
+            <a:spLocks noGrp="1"/>
+          </p:cNvSpPr>
+          <p:nvPr>
+            <p:ph type="title"/>
+          </p:nvPr>
+        </p:nvSpPr>
+        <p:spPr/>
+        <p:txBody>
+          <a:bodyPr/>
+          <a:lstStyle/>
+          <a:p>
+            <a:pPr algn="ctr"/>
+            <a:r>
+              <a:rPr lang="de-DE"/>
+              <a:t>STATE DIAGRAM FOR LIGHT AND MOTION SENSOR</a:t>
+            </a:r>
+            <a:endParaRPr lang="de-DE" dirty="0"/>
+          </a:p>
+        </p:txBody>
+      </p:sp>
+      <p:pic>
+        <p:nvPicPr>
+          <p:cNvPr id="7" name="Inhaltsplatzhalter 6">
+            <a:extLst>
+              <a:ext uri="{FF2B5EF4-FFF2-40B4-BE49-F238E27FC236}">
+                <a16:creationId xmlns:a16="http://schemas.microsoft.com/office/drawing/2014/main" id="{4B60C980-F821-42E1-83FC-0823B960357C}"/>
+              </a:ext>
+            </a:extLst>
+          </p:cNvPr>
+          <p:cNvPicPr>
+            <a:picLocks noGrp="1" noChangeAspect="1"/>
+          </p:cNvPicPr>
+          <p:nvPr>
+            <p:ph idx="1"/>
+          </p:nvPr>
+        </p:nvPicPr>
+        <p:blipFill>
+          <a:blip r:embed="rId2"/>
+          <a:stretch>
+            <a:fillRect/>
+          </a:stretch>
+        </p:blipFill>
+        <p:spPr>
+          <a:xfrm>
+            <a:off x="1450782" y="1944208"/>
+            <a:ext cx="8770680" cy="3975301"/>
+          </a:xfrm>
+          <a:prstGeom prst="rect">
+            <a:avLst/>
+          </a:prstGeom>
+        </p:spPr>
+      </p:pic>
+    </p:spTree>
+    <p:extLst>
+      <p:ext uri="{BB962C8B-B14F-4D97-AF65-F5344CB8AC3E}">
+        <p14:creationId xmlns:p14="http://schemas.microsoft.com/office/powerpoint/2010/main" val="2569426249"/>
+      </p:ext>
+    </p:extLst>
+  </p:cSld>
+  <p:clrMapOvr>
+    <a:masterClrMapping/>
+  </p:clrMapOvr>
+</p:sld>
+</file>
+
+<file path=ppt/slides/slide7.xml><?xml version="1.0" encoding="utf-8"?>
+<p:sld xmlns:a="http://schemas.openxmlformats.org/drawingml/2006/main" xmlns:r="http://schemas.openxmlformats.org/officeDocument/2006/relationships" xmlns:p="http://schemas.openxmlformats.org/presentationml/2006/main">
+  <p:cSld>
+    <p:spTree>
+      <p:nvGrpSpPr>
+        <p:cNvPr id="1" name=""/>
+        <p:cNvGrpSpPr/>
+        <p:nvPr/>
+      </p:nvGrpSpPr>
+      <p:grpSpPr>
+        <a:xfrm>
+          <a:off x="0" y="0"/>
+          <a:ext cx="0" cy="0"/>
+          <a:chOff x="0" y="0"/>
+          <a:chExt cx="0" cy="0"/>
+        </a:xfrm>
+      </p:grpSpPr>
+      <p:sp>
+        <p:nvSpPr>
+          <p:cNvPr id="2" name="Titel 1">
+            <a:extLst>
+              <a:ext uri="{FF2B5EF4-FFF2-40B4-BE49-F238E27FC236}">
+                <a16:creationId xmlns:a16="http://schemas.microsoft.com/office/drawing/2014/main" id="{6CBDF994-97B1-4680-863A-8B0086CDA45B}"/>
+              </a:ext>
+            </a:extLst>
+          </p:cNvPr>
+          <p:cNvSpPr>
+            <a:spLocks noGrp="1"/>
+          </p:cNvSpPr>
+          <p:nvPr>
+            <p:ph type="title"/>
+          </p:nvPr>
+        </p:nvSpPr>
+        <p:spPr/>
+        <p:txBody>
+          <a:bodyPr/>
+          <a:lstStyle/>
+          <a:p>
+            <a:pPr algn="ctr"/>
+            <a:r>
+              <a:rPr lang="de-DE"/>
+              <a:t>STATE DIAGRAM FOR HEATING/COOLING SYSTEM</a:t>
+            </a:r>
+            <a:endParaRPr lang="de-DE" dirty="0"/>
+          </a:p>
+        </p:txBody>
+      </p:sp>
+      <p:pic>
+        <p:nvPicPr>
+          <p:cNvPr id="5" name="Inhaltsplatzhalter 4">
+            <a:extLst>
+              <a:ext uri="{FF2B5EF4-FFF2-40B4-BE49-F238E27FC236}">
+                <a16:creationId xmlns:a16="http://schemas.microsoft.com/office/drawing/2014/main" id="{2283C870-F831-433B-BEF3-E48F0DAB67CF}"/>
+              </a:ext>
+            </a:extLst>
+          </p:cNvPr>
+          <p:cNvPicPr>
+            <a:picLocks noGrp="1" noChangeAspect="1"/>
+          </p:cNvPicPr>
+          <p:nvPr>
+            <p:ph idx="1"/>
+          </p:nvPr>
+        </p:nvPicPr>
+        <p:blipFill>
+          <a:blip r:embed="rId2">
+            <a:extLst>
+              <a:ext uri="{28A0092B-C50C-407E-A947-70E740481C1C}">
+                <a14:useLocalDpi xmlns:a14="http://schemas.microsoft.com/office/drawing/2010/main" val="0"/>
+              </a:ext>
+            </a:extLst>
+          </a:blip>
+          <a:stretch>
+            <a:fillRect/>
+          </a:stretch>
+        </p:blipFill>
+        <p:spPr>
+          <a:xfrm>
+            <a:off x="2503503" y="2204080"/>
+            <a:ext cx="7416276" cy="3686261"/>
+          </a:xfrm>
+        </p:spPr>
+      </p:pic>
+    </p:spTree>
+    <p:extLst>
+      <p:ext uri="{BB962C8B-B14F-4D97-AF65-F5344CB8AC3E}">
+        <p14:creationId xmlns:p14="http://schemas.microsoft.com/office/powerpoint/2010/main" val="21237439"/>
+      </p:ext>
+    </p:extLst>
+  </p:cSld>
+  <p:clrMapOvr>
+    <a:masterClrMapping/>
+  </p:clrMapOvr>
+</p:sld>
+</file>
+
+<file path=ppt/slides/slide8.xml><?xml version="1.0" encoding="utf-8"?>
+<p:sld xmlns:a="http://schemas.openxmlformats.org/drawingml/2006/main" xmlns:r="http://schemas.openxmlformats.org/officeDocument/2006/relationships" xmlns:p="http://schemas.openxmlformats.org/presentationml/2006/main">
+  <p:cSld>
     <p:bg>
       <p:bgPr>
         <a:solidFill>
@@ -4510,7 +5046,7 @@
 </p:sld>
 </file>
 
-<file path=ppt/slides/slide7.xml><?xml version="1.0" encoding="utf-8"?>
+<file path=ppt/slides/slide9.xml><?xml version="1.0" encoding="utf-8"?>
 <p:sld xmlns:a="http://schemas.openxmlformats.org/drawingml/2006/main" xmlns:r="http://schemas.openxmlformats.org/officeDocument/2006/relationships" xmlns:p="http://schemas.openxmlformats.org/presentationml/2006/main">
   <p:cSld>
     <p:bg>
@@ -4750,434 +5286,6 @@
     <p:extLst>
       <p:ext uri="{BB962C8B-B14F-4D97-AF65-F5344CB8AC3E}">
         <p14:creationId xmlns:p14="http://schemas.microsoft.com/office/powerpoint/2010/main" val="1635133515"/>
-      </p:ext>
-    </p:extLst>
-  </p:cSld>
-  <p:clrMapOvr>
-    <a:masterClrMapping/>
-  </p:clrMapOvr>
-</p:sld>
-</file>
-
-<file path=ppt/slides/slide8.xml><?xml version="1.0" encoding="utf-8"?>
-<p:sld xmlns:a="http://schemas.openxmlformats.org/drawingml/2006/main" xmlns:r="http://schemas.openxmlformats.org/officeDocument/2006/relationships" xmlns:p="http://schemas.openxmlformats.org/presentationml/2006/main">
-  <p:cSld>
-    <p:bg>
-      <p:bgPr>
-        <a:solidFill>
-          <a:schemeClr val="bg2"/>
-        </a:solidFill>
-        <a:effectLst/>
-      </p:bgPr>
-    </p:bg>
-    <p:spTree>
-      <p:nvGrpSpPr>
-        <p:cNvPr id="1" name=""/>
-        <p:cNvGrpSpPr/>
-        <p:nvPr/>
-      </p:nvGrpSpPr>
-      <p:grpSpPr>
-        <a:xfrm>
-          <a:off x="0" y="0"/>
-          <a:ext cx="0" cy="0"/>
-          <a:chOff x="0" y="0"/>
-          <a:chExt cx="0" cy="0"/>
-        </a:xfrm>
-      </p:grpSpPr>
-      <p:sp>
-        <p:nvSpPr>
-          <p:cNvPr id="10" name="Rectangle 9">
-            <a:extLst>
-              <a:ext uri="{FF2B5EF4-FFF2-40B4-BE49-F238E27FC236}">
-                <a16:creationId xmlns:a16="http://schemas.microsoft.com/office/drawing/2014/main" id="{16C5FA50-8D52-4617-AF91-5C7B1C8352F1}"/>
-              </a:ext>
-              <a:ext uri="{C183D7F6-B498-43B3-948B-1728B52AA6E4}">
-                <adec:decorative xmlns:adec="http://schemas.microsoft.com/office/drawing/2017/decorative" val="1"/>
-              </a:ext>
-            </a:extLst>
-          </p:cNvPr>
-          <p:cNvSpPr>
-            <a:spLocks noGrp="1" noRot="1" noChangeAspect="1" noMove="1" noResize="1" noEditPoints="1" noAdjustHandles="1" noChangeArrowheads="1" noChangeShapeType="1" noTextEdit="1"/>
-          </p:cNvSpPr>
-          <p:nvPr>
-            <p:extLst>
-              <p:ext uri="{386F3935-93C4-4BCD-93E2-E3B085C9AB24}">
-                <p16:designElem xmlns:p16="http://schemas.microsoft.com/office/powerpoint/2015/main" val="1"/>
-              </p:ext>
-            </p:extLst>
-          </p:nvPr>
-        </p:nvSpPr>
-        <p:spPr>
-          <a:xfrm>
-            <a:off x="0" y="0"/>
-            <a:ext cx="12192000" cy="6858000"/>
-          </a:xfrm>
-          <a:prstGeom prst="rect">
-            <a:avLst/>
-          </a:prstGeom>
-          <a:solidFill>
-            <a:srgbClr val="7D7D5B"/>
-          </a:solidFill>
-          <a:ln>
-            <a:noFill/>
-          </a:ln>
-        </p:spPr>
-        <p:style>
-          <a:lnRef idx="2">
-            <a:schemeClr val="accent1">
-              <a:shade val="50000"/>
-            </a:schemeClr>
-          </a:lnRef>
-          <a:fillRef idx="1">
-            <a:schemeClr val="accent1"/>
-          </a:fillRef>
-          <a:effectRef idx="0">
-            <a:schemeClr val="accent1"/>
-          </a:effectRef>
-          <a:fontRef idx="minor">
-            <a:schemeClr val="lt1"/>
-          </a:fontRef>
-        </p:style>
-        <p:txBody>
-          <a:bodyPr rtlCol="0" anchor="ctr"/>
-          <a:lstStyle/>
-          <a:p>
-            <a:pPr algn="ctr"/>
-            <a:endParaRPr lang="en-US"/>
-          </a:p>
-        </p:txBody>
-      </p:sp>
-      <p:sp>
-        <p:nvSpPr>
-          <p:cNvPr id="2" name="Titel 1">
-            <a:extLst>
-              <a:ext uri="{FF2B5EF4-FFF2-40B4-BE49-F238E27FC236}">
-                <a16:creationId xmlns:a16="http://schemas.microsoft.com/office/drawing/2014/main" id="{4A4333C5-0081-481D-BA53-D88213B62CDB}"/>
-              </a:ext>
-            </a:extLst>
-          </p:cNvPr>
-          <p:cNvSpPr>
-            <a:spLocks noGrp="1"/>
-          </p:cNvSpPr>
-          <p:nvPr>
-            <p:ph type="title"/>
-          </p:nvPr>
-        </p:nvSpPr>
-        <p:spPr>
-          <a:xfrm>
-            <a:off x="9093496" y="618681"/>
-            <a:ext cx="2613872" cy="4794567"/>
-          </a:xfrm>
-        </p:spPr>
-        <p:txBody>
-          <a:bodyPr vert="horz" lIns="91440" tIns="45720" rIns="91440" bIns="45720" rtlCol="0" anchor="ctr">
-            <a:normAutofit/>
-          </a:bodyPr>
-          <a:lstStyle/>
-          <a:p>
-            <a:r>
-              <a:rPr lang="en-US" sz="3600">
-                <a:solidFill>
-                  <a:srgbClr val="FFFFFF"/>
-                </a:solidFill>
-              </a:rPr>
-              <a:t>SEQUENCE DIAGRAM FOR SECURITY</a:t>
-            </a:r>
-          </a:p>
-        </p:txBody>
-      </p:sp>
-      <p:sp>
-        <p:nvSpPr>
-          <p:cNvPr id="12" name="Rounded Rectangle 9">
-            <a:extLst>
-              <a:ext uri="{FF2B5EF4-FFF2-40B4-BE49-F238E27FC236}">
-                <a16:creationId xmlns:a16="http://schemas.microsoft.com/office/drawing/2014/main" id="{E223798C-12AD-4B0C-A50C-D676347D67CF}"/>
-              </a:ext>
-              <a:ext uri="{C183D7F6-B498-43B3-948B-1728B52AA6E4}">
-                <adec:decorative xmlns:adec="http://schemas.microsoft.com/office/drawing/2017/decorative" val="1"/>
-              </a:ext>
-            </a:extLst>
-          </p:cNvPr>
-          <p:cNvSpPr>
-            <a:spLocks noGrp="1" noRot="1" noChangeAspect="1" noMove="1" noResize="1" noEditPoints="1" noAdjustHandles="1" noChangeArrowheads="1" noChangeShapeType="1" noTextEdit="1"/>
-          </p:cNvSpPr>
-          <p:nvPr>
-            <p:extLst>
-              <p:ext uri="{386F3935-93C4-4BCD-93E2-E3B085C9AB24}">
-                <p16:designElem xmlns:p16="http://schemas.microsoft.com/office/powerpoint/2015/main" val="1"/>
-              </p:ext>
-            </p:extLst>
-          </p:nvPr>
-        </p:nvSpPr>
-        <p:spPr>
-          <a:xfrm>
-            <a:off x="493354" y="484632"/>
-            <a:ext cx="8129016" cy="5724144"/>
-          </a:xfrm>
-          <a:prstGeom prst="roundRect">
-            <a:avLst>
-              <a:gd name="adj" fmla="val 0"/>
-            </a:avLst>
-          </a:prstGeom>
-          <a:solidFill>
-            <a:srgbClr val="FFFFFF"/>
-          </a:solidFill>
-          <a:ln w="9525">
-            <a:solidFill>
-              <a:srgbClr val="C8CACA"/>
-            </a:solidFill>
-          </a:ln>
-          <a:effectLst>
-            <a:outerShdw blurRad="57150" dist="19050" dir="5400000" algn="t" rotWithShape="0">
-              <a:prstClr val="black">
-                <a:alpha val="63000"/>
-              </a:prstClr>
-            </a:outerShdw>
-          </a:effectLst>
-        </p:spPr>
-        <p:style>
-          <a:lnRef idx="2">
-            <a:schemeClr val="accent1">
-              <a:shade val="50000"/>
-            </a:schemeClr>
-          </a:lnRef>
-          <a:fillRef idx="1">
-            <a:schemeClr val="accent1"/>
-          </a:fillRef>
-          <a:effectRef idx="0">
-            <a:schemeClr val="accent1"/>
-          </a:effectRef>
-          <a:fontRef idx="minor">
-            <a:schemeClr val="lt1"/>
-          </a:fontRef>
-        </p:style>
-        <p:txBody>
-          <a:bodyPr rtlCol="0" anchor="ctr"/>
-          <a:lstStyle/>
-          <a:p>
-            <a:pPr algn="ctr"/>
-            <a:endParaRPr lang="en-US"/>
-          </a:p>
-        </p:txBody>
-      </p:sp>
-      <p:pic>
-        <p:nvPicPr>
-          <p:cNvPr id="5" name="Inhaltsplatzhalter 4" descr="Ein Bild, das drinnen, Karte, Screenshot, Tisch enthält.&#10;&#10;Automatisch generierte Beschreibung">
-            <a:extLst>
-              <a:ext uri="{FF2B5EF4-FFF2-40B4-BE49-F238E27FC236}">
-                <a16:creationId xmlns:a16="http://schemas.microsoft.com/office/drawing/2014/main" id="{51FF1BEC-A423-4CD8-A666-B202B7EBD374}"/>
-              </a:ext>
-            </a:extLst>
-          </p:cNvPr>
-          <p:cNvPicPr>
-            <a:picLocks noGrp="1" noChangeAspect="1"/>
-          </p:cNvPicPr>
-          <p:nvPr>
-            <p:ph idx="1"/>
-          </p:nvPr>
-        </p:nvPicPr>
-        <p:blipFill rotWithShape="1">
-          <a:blip r:embed="rId2">
-            <a:extLst>
-              <a:ext uri="{28A0092B-C50C-407E-A947-70E740481C1C}">
-                <a14:useLocalDpi xmlns:a14="http://schemas.microsoft.com/office/drawing/2010/main" val="0"/>
-              </a:ext>
-            </a:extLst>
-          </a:blip>
-          <a:srcRect l="3539"/>
-          <a:stretch/>
-        </p:blipFill>
-        <p:spPr>
-          <a:xfrm>
-            <a:off x="888701" y="729574"/>
-            <a:ext cx="7393535" cy="4962930"/>
-          </a:xfrm>
-          <a:prstGeom prst="rect">
-            <a:avLst/>
-          </a:prstGeom>
-          <a:effectLst/>
-        </p:spPr>
-      </p:pic>
-    </p:spTree>
-    <p:extLst>
-      <p:ext uri="{BB962C8B-B14F-4D97-AF65-F5344CB8AC3E}">
-        <p14:creationId xmlns:p14="http://schemas.microsoft.com/office/powerpoint/2010/main" val="2541445627"/>
-      </p:ext>
-    </p:extLst>
-  </p:cSld>
-  <p:clrMapOvr>
-    <a:masterClrMapping/>
-  </p:clrMapOvr>
-</p:sld>
-</file>
-
-<file path=ppt/slides/slide9.xml><?xml version="1.0" encoding="utf-8"?>
-<p:sld xmlns:a="http://schemas.openxmlformats.org/drawingml/2006/main" xmlns:r="http://schemas.openxmlformats.org/officeDocument/2006/relationships" xmlns:p="http://schemas.openxmlformats.org/presentationml/2006/main">
-  <p:cSld>
-    <p:bg>
-      <p:bgPr>
-        <a:solidFill>
-          <a:schemeClr val="bg1"/>
-        </a:solidFill>
-        <a:effectLst/>
-      </p:bgPr>
-    </p:bg>
-    <p:spTree>
-      <p:nvGrpSpPr>
-        <p:cNvPr id="1" name=""/>
-        <p:cNvGrpSpPr/>
-        <p:nvPr/>
-      </p:nvGrpSpPr>
-      <p:grpSpPr>
-        <a:xfrm>
-          <a:off x="0" y="0"/>
-          <a:ext cx="0" cy="0"/>
-          <a:chOff x="0" y="0"/>
-          <a:chExt cx="0" cy="0"/>
-        </a:xfrm>
-      </p:grpSpPr>
-      <p:sp>
-        <p:nvSpPr>
-          <p:cNvPr id="21" name="Rectangle 9">
-            <a:extLst>
-              <a:ext uri="{FF2B5EF4-FFF2-40B4-BE49-F238E27FC236}">
-                <a16:creationId xmlns:a16="http://schemas.microsoft.com/office/drawing/2014/main" id="{6F66A575-7835-4400-BEDE-89F2EF034034}"/>
-              </a:ext>
-              <a:ext uri="{C183D7F6-B498-43B3-948B-1728B52AA6E4}">
-                <adec:decorative xmlns:adec="http://schemas.microsoft.com/office/drawing/2017/decorative" val="1"/>
-              </a:ext>
-            </a:extLst>
-          </p:cNvPr>
-          <p:cNvSpPr>
-            <a:spLocks noGrp="1" noRot="1" noChangeAspect="1" noMove="1" noResize="1" noEditPoints="1" noAdjustHandles="1" noChangeArrowheads="1" noChangeShapeType="1" noTextEdit="1"/>
-          </p:cNvSpPr>
-          <p:nvPr>
-            <p:extLst>
-              <p:ext uri="{386F3935-93C4-4BCD-93E2-E3B085C9AB24}">
-                <p16:designElem xmlns:p16="http://schemas.microsoft.com/office/powerpoint/2015/main" val="1"/>
-              </p:ext>
-            </p:extLst>
-          </p:nvPr>
-        </p:nvSpPr>
-        <p:spPr>
-          <a:xfrm>
-            <a:off x="0" y="0"/>
-            <a:ext cx="5468548" cy="6858000"/>
-          </a:xfrm>
-          <a:prstGeom prst="rect">
-            <a:avLst/>
-          </a:prstGeom>
-          <a:solidFill>
-            <a:srgbClr val="4E2E46"/>
-          </a:solidFill>
-          <a:ln>
-            <a:noFill/>
-          </a:ln>
-        </p:spPr>
-        <p:style>
-          <a:lnRef idx="2">
-            <a:schemeClr val="accent1">
-              <a:shade val="50000"/>
-            </a:schemeClr>
-          </a:lnRef>
-          <a:fillRef idx="1">
-            <a:schemeClr val="accent1"/>
-          </a:fillRef>
-          <a:effectRef idx="0">
-            <a:schemeClr val="accent1"/>
-          </a:effectRef>
-          <a:fontRef idx="minor">
-            <a:schemeClr val="lt1"/>
-          </a:fontRef>
-        </p:style>
-        <p:txBody>
-          <a:bodyPr rtlCol="0" anchor="ctr"/>
-          <a:lstStyle/>
-          <a:p>
-            <a:pPr algn="ctr"/>
-            <a:endParaRPr lang="en-US"/>
-          </a:p>
-        </p:txBody>
-      </p:sp>
-      <p:sp>
-        <p:nvSpPr>
-          <p:cNvPr id="2" name="Titel 1">
-            <a:extLst>
-              <a:ext uri="{FF2B5EF4-FFF2-40B4-BE49-F238E27FC236}">
-                <a16:creationId xmlns:a16="http://schemas.microsoft.com/office/drawing/2014/main" id="{5F0E556C-D1B9-475B-8777-07838745795E}"/>
-              </a:ext>
-            </a:extLst>
-          </p:cNvPr>
-          <p:cNvSpPr>
-            <a:spLocks noGrp="1"/>
-          </p:cNvSpPr>
-          <p:nvPr>
-            <p:ph type="title"/>
-          </p:nvPr>
-        </p:nvSpPr>
-        <p:spPr>
-          <a:xfrm>
-            <a:off x="621629" y="640080"/>
-            <a:ext cx="4225290" cy="5578816"/>
-          </a:xfrm>
-        </p:spPr>
-        <p:txBody>
-          <a:bodyPr vert="horz" lIns="91440" tIns="45720" rIns="91440" bIns="45720" rtlCol="0" anchor="ctr">
-            <a:normAutofit/>
-          </a:bodyPr>
-          <a:lstStyle/>
-          <a:p>
-            <a:pPr algn="ctr"/>
-            <a:r>
-              <a:rPr lang="en-US">
-                <a:solidFill>
-                  <a:srgbClr val="FFFFFF"/>
-                </a:solidFill>
-              </a:rPr>
-              <a:t>MORE GENERAL FORM</a:t>
-            </a:r>
-          </a:p>
-        </p:txBody>
-      </p:sp>
-      <p:pic>
-        <p:nvPicPr>
-          <p:cNvPr id="7" name="Inhaltsplatzhalter 6">
-            <a:extLst>
-              <a:ext uri="{FF2B5EF4-FFF2-40B4-BE49-F238E27FC236}">
-                <a16:creationId xmlns:a16="http://schemas.microsoft.com/office/drawing/2014/main" id="{13B25946-65E2-4813-8B3C-CA4DCECF5B81}"/>
-              </a:ext>
-            </a:extLst>
-          </p:cNvPr>
-          <p:cNvPicPr>
-            <a:picLocks noGrp="1" noChangeAspect="1"/>
-          </p:cNvPicPr>
-          <p:nvPr>
-            <p:ph idx="1"/>
-          </p:nvPr>
-        </p:nvPicPr>
-        <p:blipFill>
-          <a:blip r:embed="rId2">
-            <a:extLst>
-              <a:ext uri="{28A0092B-C50C-407E-A947-70E740481C1C}">
-                <a14:useLocalDpi xmlns:a14="http://schemas.microsoft.com/office/drawing/2010/main" val="0"/>
-              </a:ext>
-            </a:extLst>
-          </a:blip>
-          <a:stretch>
-            <a:fillRect/>
-          </a:stretch>
-        </p:blipFill>
-        <p:spPr>
-          <a:xfrm>
-            <a:off x="5573949" y="107004"/>
-            <a:ext cx="6361889" cy="6546715"/>
-          </a:xfrm>
-        </p:spPr>
-      </p:pic>
-    </p:spTree>
-    <p:extLst>
-      <p:ext uri="{BB962C8B-B14F-4D97-AF65-F5344CB8AC3E}">
-        <p14:creationId xmlns:p14="http://schemas.microsoft.com/office/powerpoint/2010/main" val="3767930465"/>
       </p:ext>
     </p:extLst>
   </p:cSld>

--- a/Project_Week_7&8/Precise Analysis.pptx
+++ b/Project_Week_7&8/Precise Analysis.pptx
@@ -13,9 +13,11 @@
     <p:sldId id="267" r:id="rId7"/>
     <p:sldId id="268" r:id="rId8"/>
     <p:sldId id="264" r:id="rId9"/>
-    <p:sldId id="259" r:id="rId10"/>
-    <p:sldId id="266" r:id="rId11"/>
-    <p:sldId id="265" r:id="rId12"/>
+    <p:sldId id="269" r:id="rId10"/>
+    <p:sldId id="259" r:id="rId11"/>
+    <p:sldId id="266" r:id="rId12"/>
+    <p:sldId id="270" r:id="rId13"/>
+    <p:sldId id="265" r:id="rId14"/>
   </p:sldIdLst>
   <p:sldSz cx="12192000" cy="6858000"/>
   <p:notesSz cx="6858000" cy="9144000"/>
@@ -3463,7 +3465,7 @@
             <a:avLst/>
           </a:prstGeom>
           <a:solidFill>
-            <a:srgbClr val="7D7D5B"/>
+            <a:srgbClr val="919169"/>
           </a:solidFill>
           <a:ln>
             <a:noFill/>
@@ -3499,7 +3501,7 @@
           <p:cNvPr id="2" name="Titel 1">
             <a:extLst>
               <a:ext uri="{FF2B5EF4-FFF2-40B4-BE49-F238E27FC236}">
-                <a16:creationId xmlns:a16="http://schemas.microsoft.com/office/drawing/2014/main" id="{4A4333C5-0081-481D-BA53-D88213B62CDB}"/>
+                <a16:creationId xmlns:a16="http://schemas.microsoft.com/office/drawing/2014/main" id="{D6603AF2-DDFE-4DF4-A2BF-A9659BD652CF}"/>
               </a:ext>
             </a:extLst>
           </p:cNvPr>
@@ -3523,12 +3525,12 @@
           <a:lstStyle/>
           <a:p>
             <a:r>
-              <a:rPr lang="en-US" sz="3600">
+              <a:rPr lang="en-US" sz="3600" dirty="0">
                 <a:solidFill>
                   <a:srgbClr val="FFFFFF"/>
                 </a:solidFill>
               </a:rPr>
-              <a:t>SEQUENCE DIAGRAM FOR SECURITY</a:t>
+              <a:t>SEQEUNCE DIAGRAM FOR SMART REMOTE</a:t>
             </a:r>
           </a:p>
         </p:txBody>
@@ -3609,6 +3611,255 @@
       </p:sp>
       <p:pic>
         <p:nvPicPr>
+          <p:cNvPr id="7" name="Content Placeholder 6">
+            <a:extLst>
+              <a:ext uri="{FF2B5EF4-FFF2-40B4-BE49-F238E27FC236}">
+                <a16:creationId xmlns:a16="http://schemas.microsoft.com/office/drawing/2014/main" id="{BAA536C3-90EA-43F8-978E-ACFACF7BD376}"/>
+              </a:ext>
+            </a:extLst>
+          </p:cNvPr>
+          <p:cNvPicPr>
+            <a:picLocks noGrp="1" noChangeAspect="1"/>
+          </p:cNvPicPr>
+          <p:nvPr>
+            <p:ph idx="1"/>
+          </p:nvPr>
+        </p:nvPicPr>
+        <p:blipFill>
+          <a:blip r:embed="rId2">
+            <a:extLst>
+              <a:ext uri="{28A0092B-C50C-407E-A947-70E740481C1C}">
+                <a14:useLocalDpi xmlns:a14="http://schemas.microsoft.com/office/drawing/2010/main" val="0"/>
+              </a:ext>
+            </a:extLst>
+          </a:blip>
+          <a:stretch>
+            <a:fillRect/>
+          </a:stretch>
+        </p:blipFill>
+        <p:spPr>
+          <a:xfrm>
+            <a:off x="0" y="0"/>
+            <a:ext cx="8622369" cy="6858000"/>
+          </a:xfrm>
+        </p:spPr>
+      </p:pic>
+    </p:spTree>
+    <p:extLst>
+      <p:ext uri="{BB962C8B-B14F-4D97-AF65-F5344CB8AC3E}">
+        <p14:creationId xmlns:p14="http://schemas.microsoft.com/office/powerpoint/2010/main" val="1635133515"/>
+      </p:ext>
+    </p:extLst>
+  </p:cSld>
+  <p:clrMapOvr>
+    <a:masterClrMapping/>
+  </p:clrMapOvr>
+</p:sld>
+</file>
+
+<file path=ppt/slides/slide11.xml><?xml version="1.0" encoding="utf-8"?>
+<p:sld xmlns:a="http://schemas.openxmlformats.org/drawingml/2006/main" xmlns:r="http://schemas.openxmlformats.org/officeDocument/2006/relationships" xmlns:p="http://schemas.openxmlformats.org/presentationml/2006/main">
+  <p:cSld>
+    <p:bg>
+      <p:bgPr>
+        <a:solidFill>
+          <a:schemeClr val="bg2"/>
+        </a:solidFill>
+        <a:effectLst/>
+      </p:bgPr>
+    </p:bg>
+    <p:spTree>
+      <p:nvGrpSpPr>
+        <p:cNvPr id="1" name=""/>
+        <p:cNvGrpSpPr/>
+        <p:nvPr/>
+      </p:nvGrpSpPr>
+      <p:grpSpPr>
+        <a:xfrm>
+          <a:off x="0" y="0"/>
+          <a:ext cx="0" cy="0"/>
+          <a:chOff x="0" y="0"/>
+          <a:chExt cx="0" cy="0"/>
+        </a:xfrm>
+      </p:grpSpPr>
+      <p:sp>
+        <p:nvSpPr>
+          <p:cNvPr id="10" name="Rectangle 9">
+            <a:extLst>
+              <a:ext uri="{FF2B5EF4-FFF2-40B4-BE49-F238E27FC236}">
+                <a16:creationId xmlns:a16="http://schemas.microsoft.com/office/drawing/2014/main" id="{16C5FA50-8D52-4617-AF91-5C7B1C8352F1}"/>
+              </a:ext>
+              <a:ext uri="{C183D7F6-B498-43B3-948B-1728B52AA6E4}">
+                <adec:decorative xmlns:adec="http://schemas.microsoft.com/office/drawing/2017/decorative" val="1"/>
+              </a:ext>
+            </a:extLst>
+          </p:cNvPr>
+          <p:cNvSpPr>
+            <a:spLocks noGrp="1" noRot="1" noChangeAspect="1" noMove="1" noResize="1" noEditPoints="1" noAdjustHandles="1" noChangeArrowheads="1" noChangeShapeType="1" noTextEdit="1"/>
+          </p:cNvSpPr>
+          <p:nvPr>
+            <p:extLst>
+              <p:ext uri="{386F3935-93C4-4BCD-93E2-E3B085C9AB24}">
+                <p16:designElem xmlns:p16="http://schemas.microsoft.com/office/powerpoint/2015/main" val="1"/>
+              </p:ext>
+            </p:extLst>
+          </p:nvPr>
+        </p:nvSpPr>
+        <p:spPr>
+          <a:xfrm>
+            <a:off x="0" y="0"/>
+            <a:ext cx="12192000" cy="6858000"/>
+          </a:xfrm>
+          <a:prstGeom prst="rect">
+            <a:avLst/>
+          </a:prstGeom>
+          <a:solidFill>
+            <a:srgbClr val="7D7D5B"/>
+          </a:solidFill>
+          <a:ln>
+            <a:noFill/>
+          </a:ln>
+        </p:spPr>
+        <p:style>
+          <a:lnRef idx="2">
+            <a:schemeClr val="accent1">
+              <a:shade val="50000"/>
+            </a:schemeClr>
+          </a:lnRef>
+          <a:fillRef idx="1">
+            <a:schemeClr val="accent1"/>
+          </a:fillRef>
+          <a:effectRef idx="0">
+            <a:schemeClr val="accent1"/>
+          </a:effectRef>
+          <a:fontRef idx="minor">
+            <a:schemeClr val="lt1"/>
+          </a:fontRef>
+        </p:style>
+        <p:txBody>
+          <a:bodyPr rtlCol="0" anchor="ctr"/>
+          <a:lstStyle/>
+          <a:p>
+            <a:pPr algn="ctr"/>
+            <a:endParaRPr lang="en-US"/>
+          </a:p>
+        </p:txBody>
+      </p:sp>
+      <p:sp>
+        <p:nvSpPr>
+          <p:cNvPr id="2" name="Titel 1">
+            <a:extLst>
+              <a:ext uri="{FF2B5EF4-FFF2-40B4-BE49-F238E27FC236}">
+                <a16:creationId xmlns:a16="http://schemas.microsoft.com/office/drawing/2014/main" id="{4A4333C5-0081-481D-BA53-D88213B62CDB}"/>
+              </a:ext>
+            </a:extLst>
+          </p:cNvPr>
+          <p:cNvSpPr>
+            <a:spLocks noGrp="1"/>
+          </p:cNvSpPr>
+          <p:nvPr>
+            <p:ph type="title"/>
+          </p:nvPr>
+        </p:nvSpPr>
+        <p:spPr>
+          <a:xfrm>
+            <a:off x="9093496" y="618681"/>
+            <a:ext cx="2613872" cy="4794567"/>
+          </a:xfrm>
+        </p:spPr>
+        <p:txBody>
+          <a:bodyPr vert="horz" lIns="91440" tIns="45720" rIns="91440" bIns="45720" rtlCol="0" anchor="ctr">
+            <a:normAutofit/>
+          </a:bodyPr>
+          <a:lstStyle/>
+          <a:p>
+            <a:r>
+              <a:rPr lang="en-US" sz="3600">
+                <a:solidFill>
+                  <a:srgbClr val="FFFFFF"/>
+                </a:solidFill>
+              </a:rPr>
+              <a:t>SEQUENCE DIAGRAM FOR SECURITY</a:t>
+            </a:r>
+          </a:p>
+        </p:txBody>
+      </p:sp>
+      <p:sp>
+        <p:nvSpPr>
+          <p:cNvPr id="12" name="Rounded Rectangle 9">
+            <a:extLst>
+              <a:ext uri="{FF2B5EF4-FFF2-40B4-BE49-F238E27FC236}">
+                <a16:creationId xmlns:a16="http://schemas.microsoft.com/office/drawing/2014/main" id="{E223798C-12AD-4B0C-A50C-D676347D67CF}"/>
+              </a:ext>
+              <a:ext uri="{C183D7F6-B498-43B3-948B-1728B52AA6E4}">
+                <adec:decorative xmlns:adec="http://schemas.microsoft.com/office/drawing/2017/decorative" val="1"/>
+              </a:ext>
+            </a:extLst>
+          </p:cNvPr>
+          <p:cNvSpPr>
+            <a:spLocks noGrp="1" noRot="1" noChangeAspect="1" noMove="1" noResize="1" noEditPoints="1" noAdjustHandles="1" noChangeArrowheads="1" noChangeShapeType="1" noTextEdit="1"/>
+          </p:cNvSpPr>
+          <p:nvPr>
+            <p:extLst>
+              <p:ext uri="{386F3935-93C4-4BCD-93E2-E3B085C9AB24}">
+                <p16:designElem xmlns:p16="http://schemas.microsoft.com/office/powerpoint/2015/main" val="1"/>
+              </p:ext>
+            </p:extLst>
+          </p:nvPr>
+        </p:nvSpPr>
+        <p:spPr>
+          <a:xfrm>
+            <a:off x="493354" y="484632"/>
+            <a:ext cx="8129016" cy="5724144"/>
+          </a:xfrm>
+          <a:prstGeom prst="roundRect">
+            <a:avLst>
+              <a:gd name="adj" fmla="val 0"/>
+            </a:avLst>
+          </a:prstGeom>
+          <a:solidFill>
+            <a:srgbClr val="FFFFFF"/>
+          </a:solidFill>
+          <a:ln w="9525">
+            <a:solidFill>
+              <a:srgbClr val="C8CACA"/>
+            </a:solidFill>
+          </a:ln>
+          <a:effectLst>
+            <a:outerShdw blurRad="57150" dist="19050" dir="5400000" algn="t" rotWithShape="0">
+              <a:prstClr val="black">
+                <a:alpha val="63000"/>
+              </a:prstClr>
+            </a:outerShdw>
+          </a:effectLst>
+        </p:spPr>
+        <p:style>
+          <a:lnRef idx="2">
+            <a:schemeClr val="accent1">
+              <a:shade val="50000"/>
+            </a:schemeClr>
+          </a:lnRef>
+          <a:fillRef idx="1">
+            <a:schemeClr val="accent1"/>
+          </a:fillRef>
+          <a:effectRef idx="0">
+            <a:schemeClr val="accent1"/>
+          </a:effectRef>
+          <a:fontRef idx="minor">
+            <a:schemeClr val="lt1"/>
+          </a:fontRef>
+        </p:style>
+        <p:txBody>
+          <a:bodyPr rtlCol="0" anchor="ctr"/>
+          <a:lstStyle/>
+          <a:p>
+            <a:pPr algn="ctr"/>
+            <a:endParaRPr lang="en-US"/>
+          </a:p>
+        </p:txBody>
+      </p:sp>
+      <p:pic>
+        <p:nvPicPr>
           <p:cNvPr id="5" name="Inhaltsplatzhalter 4" descr="Ein Bild, das drinnen, Karte, Screenshot, Tisch enthält.&#10;&#10;Automatisch generierte Beschreibung">
             <a:extLst>
               <a:ext uri="{FF2B5EF4-FFF2-40B4-BE49-F238E27FC236}">
@@ -3658,7 +3909,268 @@
 </p:sld>
 </file>
 
-<file path=ppt/slides/slide11.xml><?xml version="1.0" encoding="utf-8"?>
+<file path=ppt/slides/slide12.xml><?xml version="1.0" encoding="utf-8"?>
+<p:sld xmlns:a="http://schemas.openxmlformats.org/drawingml/2006/main" xmlns:r="http://schemas.openxmlformats.org/officeDocument/2006/relationships" xmlns:p="http://schemas.openxmlformats.org/presentationml/2006/main">
+  <p:cSld>
+    <p:bg>
+      <p:bgPr>
+        <a:solidFill>
+          <a:schemeClr val="bg1"/>
+        </a:solidFill>
+        <a:effectLst/>
+      </p:bgPr>
+    </p:bg>
+    <p:spTree>
+      <p:nvGrpSpPr>
+        <p:cNvPr id="1" name=""/>
+        <p:cNvGrpSpPr/>
+        <p:nvPr/>
+      </p:nvGrpSpPr>
+      <p:grpSpPr>
+        <a:xfrm>
+          <a:off x="0" y="0"/>
+          <a:ext cx="0" cy="0"/>
+          <a:chOff x="0" y="0"/>
+          <a:chExt cx="0" cy="0"/>
+        </a:xfrm>
+      </p:grpSpPr>
+      <p:sp>
+        <p:nvSpPr>
+          <p:cNvPr id="14" name="Rectangle 9">
+            <a:extLst>
+              <a:ext uri="{FF2B5EF4-FFF2-40B4-BE49-F238E27FC236}">
+                <a16:creationId xmlns:a16="http://schemas.microsoft.com/office/drawing/2014/main" id="{86295E7F-EA66-480B-B001-C8BE7CD61903}"/>
+              </a:ext>
+              <a:ext uri="{C183D7F6-B498-43B3-948B-1728B52AA6E4}">
+                <adec:decorative xmlns:adec="http://schemas.microsoft.com/office/drawing/2017/decorative" val="1"/>
+              </a:ext>
+            </a:extLst>
+          </p:cNvPr>
+          <p:cNvSpPr>
+            <a:spLocks noGrp="1" noRot="1" noChangeAspect="1" noMove="1" noResize="1" noEditPoints="1" noAdjustHandles="1" noChangeArrowheads="1" noChangeShapeType="1" noTextEdit="1"/>
+          </p:cNvSpPr>
+          <p:nvPr>
+            <p:extLst>
+              <p:ext uri="{386F3935-93C4-4BCD-93E2-E3B085C9AB24}">
+                <p16:designElem xmlns:p16="http://schemas.microsoft.com/office/powerpoint/2015/main" val="1"/>
+              </p:ext>
+            </p:extLst>
+          </p:nvPr>
+        </p:nvSpPr>
+        <p:spPr bwMode="ltGray">
+          <a:xfrm>
+            <a:off x="320040" y="4892040"/>
+            <a:ext cx="11548872" cy="1645920"/>
+          </a:xfrm>
+          <a:prstGeom prst="rect">
+            <a:avLst/>
+          </a:prstGeom>
+          <a:solidFill>
+            <a:srgbClr val="262626"/>
+          </a:solidFill>
+          <a:ln w="127000" cap="sq" cmpd="thinThick">
+            <a:noFill/>
+          </a:ln>
+        </p:spPr>
+        <p:style>
+          <a:lnRef idx="2">
+            <a:schemeClr val="accent1">
+              <a:shade val="50000"/>
+            </a:schemeClr>
+          </a:lnRef>
+          <a:fillRef idx="1">
+            <a:schemeClr val="accent1"/>
+          </a:fillRef>
+          <a:effectRef idx="0">
+            <a:schemeClr val="accent1"/>
+          </a:effectRef>
+          <a:fontRef idx="minor">
+            <a:schemeClr val="lt1"/>
+          </a:fontRef>
+        </p:style>
+        <p:txBody>
+          <a:bodyPr rtlCol="0" anchor="ctr"/>
+          <a:lstStyle/>
+          <a:p>
+            <a:pPr marL="0" marR="0" lvl="0" indent="0" algn="ctr" defTabSz="914400" rtl="0" eaLnBrk="1" fontAlgn="auto" latinLnBrk="0" hangingPunct="1">
+              <a:lnSpc>
+                <a:spcPct val="100000"/>
+              </a:lnSpc>
+              <a:spcBef>
+                <a:spcPts val="0"/>
+              </a:spcBef>
+              <a:spcAft>
+                <a:spcPts val="0"/>
+              </a:spcAft>
+              <a:buClrTx/>
+              <a:buSzTx/>
+              <a:buFontTx/>
+              <a:buNone/>
+              <a:tabLst/>
+              <a:defRPr/>
+            </a:pPr>
+            <a:endParaRPr kumimoji="0" lang="en-US" sz="1800" b="0" i="0" u="none" strike="noStrike" kern="1200" cap="none" spc="0" normalizeH="0" baseline="0" noProof="0">
+              <a:ln>
+                <a:noFill/>
+              </a:ln>
+              <a:solidFill>
+                <a:prstClr val="white"/>
+              </a:solidFill>
+              <a:effectLst/>
+              <a:uLnTx/>
+              <a:uFillTx/>
+              <a:latin typeface="Calibri" panose="020F0502020204030204"/>
+              <a:ea typeface="+mn-ea"/>
+              <a:cs typeface="+mn-cs"/>
+            </a:endParaRPr>
+          </a:p>
+        </p:txBody>
+      </p:sp>
+      <p:sp>
+        <p:nvSpPr>
+          <p:cNvPr id="2" name="Titel 1">
+            <a:extLst>
+              <a:ext uri="{FF2B5EF4-FFF2-40B4-BE49-F238E27FC236}">
+                <a16:creationId xmlns:a16="http://schemas.microsoft.com/office/drawing/2014/main" id="{FEFC47E9-48ED-47F9-833F-1F032486923C}"/>
+              </a:ext>
+            </a:extLst>
+          </p:cNvPr>
+          <p:cNvSpPr>
+            <a:spLocks noGrp="1"/>
+          </p:cNvSpPr>
+          <p:nvPr>
+            <p:ph type="title"/>
+          </p:nvPr>
+        </p:nvSpPr>
+        <p:spPr>
+          <a:xfrm>
+            <a:off x="718686" y="5091762"/>
+            <a:ext cx="7484787" cy="1264588"/>
+          </a:xfrm>
+        </p:spPr>
+        <p:txBody>
+          <a:bodyPr vert="horz" lIns="91440" tIns="45720" rIns="91440" bIns="45720" rtlCol="0" anchor="ctr">
+            <a:normAutofit/>
+          </a:bodyPr>
+          <a:lstStyle/>
+          <a:p>
+            <a:pPr algn="r"/>
+            <a:r>
+              <a:rPr lang="en-US" sz="4100">
+                <a:solidFill>
+                  <a:srgbClr val="FFFFFF"/>
+                </a:solidFill>
+              </a:rPr>
+              <a:t>Sequence Diagram for Fire Alarm</a:t>
+            </a:r>
+          </a:p>
+        </p:txBody>
+      </p:sp>
+      <p:pic>
+        <p:nvPicPr>
+          <p:cNvPr id="5" name="Inhaltsplatzhalter 4">
+            <a:extLst>
+              <a:ext uri="{FF2B5EF4-FFF2-40B4-BE49-F238E27FC236}">
+                <a16:creationId xmlns:a16="http://schemas.microsoft.com/office/drawing/2014/main" id="{F09BC556-CFDF-45B9-AE24-4CE06FA23394}"/>
+              </a:ext>
+            </a:extLst>
+          </p:cNvPr>
+          <p:cNvPicPr>
+            <a:picLocks noGrp="1" noChangeAspect="1"/>
+          </p:cNvPicPr>
+          <p:nvPr>
+            <p:ph idx="1"/>
+          </p:nvPr>
+        </p:nvPicPr>
+        <p:blipFill rotWithShape="1">
+          <a:blip r:embed="rId2">
+            <a:extLst>
+              <a:ext uri="{28A0092B-C50C-407E-A947-70E740481C1C}">
+                <a14:useLocalDpi xmlns:a14="http://schemas.microsoft.com/office/drawing/2010/main" val="0"/>
+              </a:ext>
+            </a:extLst>
+          </a:blip>
+          <a:srcRect t="-1669" r="-1" b="-421"/>
+          <a:stretch/>
+        </p:blipFill>
+        <p:spPr>
+          <a:xfrm>
+            <a:off x="320040" y="87549"/>
+            <a:ext cx="11548872" cy="4804491"/>
+          </a:xfrm>
+          <a:prstGeom prst="rect">
+            <a:avLst/>
+          </a:prstGeom>
+        </p:spPr>
+      </p:pic>
+      <p:cxnSp>
+        <p:nvCxnSpPr>
+          <p:cNvPr id="15" name="Straight Connector 11">
+            <a:extLst>
+              <a:ext uri="{FF2B5EF4-FFF2-40B4-BE49-F238E27FC236}">
+                <a16:creationId xmlns:a16="http://schemas.microsoft.com/office/drawing/2014/main" id="{E126E481-B945-4179-BD79-05E96E9B29E1}"/>
+              </a:ext>
+              <a:ext uri="{C183D7F6-B498-43B3-948B-1728B52AA6E4}">
+                <adec:decorative xmlns:adec="http://schemas.microsoft.com/office/drawing/2017/decorative" val="1"/>
+              </a:ext>
+            </a:extLst>
+          </p:cNvPr>
+          <p:cNvCxnSpPr>
+            <a:cxnSpLocks noGrp="1" noRot="1" noChangeAspect="1" noMove="1" noResize="1" noEditPoints="1" noAdjustHandles="1" noChangeArrowheads="1" noChangeShapeType="1"/>
+          </p:cNvCxnSpPr>
+          <p:nvPr>
+            <p:extLst>
+              <p:ext uri="{386F3935-93C4-4BCD-93E2-E3B085C9AB24}">
+                <p16:designElem xmlns:p16="http://schemas.microsoft.com/office/powerpoint/2015/main" val="1"/>
+              </p:ext>
+            </p:extLst>
+          </p:nvPr>
+        </p:nvCxnSpPr>
+        <p:spPr>
+          <a:xfrm flipV="1">
+            <a:off x="8386843" y="5264106"/>
+            <a:ext cx="0" cy="914400"/>
+          </a:xfrm>
+          <a:prstGeom prst="line">
+            <a:avLst/>
+          </a:prstGeom>
+          <a:ln w="19050">
+            <a:solidFill>
+              <a:srgbClr val="FFFFFF">
+                <a:alpha val="80000"/>
+              </a:srgbClr>
+            </a:solidFill>
+          </a:ln>
+        </p:spPr>
+        <p:style>
+          <a:lnRef idx="1">
+            <a:schemeClr val="accent1"/>
+          </a:lnRef>
+          <a:fillRef idx="0">
+            <a:schemeClr val="accent1"/>
+          </a:fillRef>
+          <a:effectRef idx="0">
+            <a:schemeClr val="accent1"/>
+          </a:effectRef>
+          <a:fontRef idx="minor">
+            <a:schemeClr val="tx1"/>
+          </a:fontRef>
+        </p:style>
+      </p:cxnSp>
+    </p:spTree>
+    <p:extLst>
+      <p:ext uri="{BB962C8B-B14F-4D97-AF65-F5344CB8AC3E}">
+        <p14:creationId xmlns:p14="http://schemas.microsoft.com/office/powerpoint/2010/main" val="2608193044"/>
+      </p:ext>
+    </p:extLst>
+  </p:cSld>
+  <p:clrMapOvr>
+    <a:masterClrMapping/>
+  </p:clrMapOvr>
+</p:sld>
+</file>
+
+<file path=ppt/slides/slide13.xml><?xml version="1.0" encoding="utf-8"?>
 <p:sld xmlns:a="http://schemas.openxmlformats.org/drawingml/2006/main" xmlns:r="http://schemas.openxmlformats.org/officeDocument/2006/relationships" xmlns:p="http://schemas.openxmlformats.org/presentationml/2006/main">
   <p:cSld>
     <p:bg>
@@ -4267,6 +4779,14 @@
 <file path=ppt/slides/slide4.xml><?xml version="1.0" encoding="utf-8"?>
 <p:sld xmlns:a="http://schemas.openxmlformats.org/drawingml/2006/main" xmlns:r="http://schemas.openxmlformats.org/officeDocument/2006/relationships" xmlns:p="http://schemas.openxmlformats.org/presentationml/2006/main">
   <p:cSld>
+    <p:bg>
+      <p:bgPr>
+        <a:solidFill>
+          <a:schemeClr val="bg2"/>
+        </a:solidFill>
+        <a:effectLst/>
+      </p:bgPr>
+    </p:bg>
     <p:spTree>
       <p:nvGrpSpPr>
         <p:cNvPr id="1" name=""/>
@@ -4283,6 +4803,69 @@
       </p:grpSpPr>
       <p:sp>
         <p:nvSpPr>
+          <p:cNvPr id="12" name="Rectangle 11">
+            <a:extLst>
+              <a:ext uri="{FF2B5EF4-FFF2-40B4-BE49-F238E27FC236}">
+                <a16:creationId xmlns:a16="http://schemas.microsoft.com/office/drawing/2014/main" id="{16C5FA50-8D52-4617-AF91-5C7B1C8352F1}"/>
+              </a:ext>
+              <a:ext uri="{C183D7F6-B498-43B3-948B-1728B52AA6E4}">
+                <adec:decorative xmlns:adec="http://schemas.microsoft.com/office/drawing/2017/decorative" val="1"/>
+              </a:ext>
+            </a:extLst>
+          </p:cNvPr>
+          <p:cNvSpPr>
+            <a:spLocks noGrp="1" noRot="1" noChangeAspect="1" noMove="1" noResize="1" noEditPoints="1" noAdjustHandles="1" noChangeArrowheads="1" noChangeShapeType="1" noTextEdit="1"/>
+          </p:cNvSpPr>
+          <p:nvPr>
+            <p:extLst>
+              <p:ext uri="{386F3935-93C4-4BCD-93E2-E3B085C9AB24}">
+                <p16:designElem xmlns:p16="http://schemas.microsoft.com/office/powerpoint/2015/main" val="1"/>
+              </p:ext>
+            </p:extLst>
+          </p:nvPr>
+        </p:nvSpPr>
+        <p:spPr>
+          <a:xfrm>
+            <a:off x="0" y="0"/>
+            <a:ext cx="12192000" cy="6858000"/>
+          </a:xfrm>
+          <a:prstGeom prst="rect">
+            <a:avLst/>
+          </a:prstGeom>
+          <a:solidFill>
+            <a:srgbClr val="5F7A81"/>
+          </a:solidFill>
+          <a:ln>
+            <a:noFill/>
+          </a:ln>
+        </p:spPr>
+        <p:style>
+          <a:lnRef idx="2">
+            <a:schemeClr val="accent1">
+              <a:shade val="50000"/>
+            </a:schemeClr>
+          </a:lnRef>
+          <a:fillRef idx="1">
+            <a:schemeClr val="accent1"/>
+          </a:fillRef>
+          <a:effectRef idx="0">
+            <a:schemeClr val="accent1"/>
+          </a:effectRef>
+          <a:fontRef idx="minor">
+            <a:schemeClr val="lt1"/>
+          </a:fontRef>
+        </p:style>
+        <p:txBody>
+          <a:bodyPr rtlCol="0" anchor="ctr"/>
+          <a:lstStyle/>
+          <a:p>
+            <a:pPr algn="ctr"/>
+            <a:endParaRPr lang="en-US"/>
+          </a:p>
+        </p:txBody>
+      </p:sp>
+      <p:sp>
+        <p:nvSpPr>
           <p:cNvPr id="2" name="Titel 1">
             <a:extLst>
               <a:ext uri="{FF2B5EF4-FFF2-40B4-BE49-F238E27FC236}">
@@ -4297,25 +4880,109 @@
             <p:ph type="title"/>
           </p:nvPr>
         </p:nvSpPr>
-        <p:spPr/>
-        <p:txBody>
-          <a:bodyPr/>
+        <p:spPr>
+          <a:xfrm>
+            <a:off x="9093496" y="618681"/>
+            <a:ext cx="2613872" cy="4794567"/>
+          </a:xfrm>
+        </p:spPr>
+        <p:txBody>
+          <a:bodyPr vert="horz" lIns="91440" tIns="45720" rIns="91440" bIns="45720" rtlCol="0" anchor="ctr">
+            <a:normAutofit/>
+          </a:bodyPr>
+          <a:lstStyle/>
+          <a:p>
+            <a:r>
+              <a:rPr lang="en-US" sz="3600">
+                <a:solidFill>
+                  <a:srgbClr val="FFFFFF"/>
+                </a:solidFill>
+              </a:rPr>
+              <a:t>SEQUENCE DIAGRAM FOR LOGIN</a:t>
+            </a:r>
+          </a:p>
+        </p:txBody>
+      </p:sp>
+      <p:sp>
+        <p:nvSpPr>
+          <p:cNvPr id="14" name="Rounded Rectangle 9">
+            <a:extLst>
+              <a:ext uri="{FF2B5EF4-FFF2-40B4-BE49-F238E27FC236}">
+                <a16:creationId xmlns:a16="http://schemas.microsoft.com/office/drawing/2014/main" id="{E223798C-12AD-4B0C-A50C-D676347D67CF}"/>
+              </a:ext>
+              <a:ext uri="{C183D7F6-B498-43B3-948B-1728B52AA6E4}">
+                <adec:decorative xmlns:adec="http://schemas.microsoft.com/office/drawing/2017/decorative" val="1"/>
+              </a:ext>
+            </a:extLst>
+          </p:cNvPr>
+          <p:cNvSpPr>
+            <a:spLocks noGrp="1" noRot="1" noChangeAspect="1" noMove="1" noResize="1" noEditPoints="1" noAdjustHandles="1" noChangeArrowheads="1" noChangeShapeType="1" noTextEdit="1"/>
+          </p:cNvSpPr>
+          <p:nvPr>
+            <p:extLst>
+              <p:ext uri="{386F3935-93C4-4BCD-93E2-E3B085C9AB24}">
+                <p16:designElem xmlns:p16="http://schemas.microsoft.com/office/powerpoint/2015/main" val="1"/>
+              </p:ext>
+            </p:extLst>
+          </p:nvPr>
+        </p:nvSpPr>
+        <p:spPr>
+          <a:xfrm>
+            <a:off x="493354" y="484632"/>
+            <a:ext cx="8129016" cy="5724144"/>
+          </a:xfrm>
+          <a:prstGeom prst="roundRect">
+            <a:avLst>
+              <a:gd name="adj" fmla="val 0"/>
+            </a:avLst>
+          </a:prstGeom>
+          <a:solidFill>
+            <a:srgbClr val="FFFFFF"/>
+          </a:solidFill>
+          <a:ln w="9525">
+            <a:solidFill>
+              <a:srgbClr val="C8CACA"/>
+            </a:solidFill>
+          </a:ln>
+          <a:effectLst>
+            <a:outerShdw blurRad="57150" dist="19050" dir="5400000" algn="t" rotWithShape="0">
+              <a:prstClr val="black">
+                <a:alpha val="63000"/>
+              </a:prstClr>
+            </a:outerShdw>
+          </a:effectLst>
+        </p:spPr>
+        <p:style>
+          <a:lnRef idx="2">
+            <a:schemeClr val="accent1">
+              <a:shade val="50000"/>
+            </a:schemeClr>
+          </a:lnRef>
+          <a:fillRef idx="1">
+            <a:schemeClr val="accent1"/>
+          </a:fillRef>
+          <a:effectRef idx="0">
+            <a:schemeClr val="accent1"/>
+          </a:effectRef>
+          <a:fontRef idx="minor">
+            <a:schemeClr val="lt1"/>
+          </a:fontRef>
+        </p:style>
+        <p:txBody>
+          <a:bodyPr rtlCol="0" anchor="ctr"/>
           <a:lstStyle/>
           <a:p>
             <a:pPr algn="ctr"/>
-            <a:r>
-              <a:rPr lang="de-DE" dirty="0"/>
-              <a:t>SEQUENCE DIAGRAM FOR LOGIN</a:t>
-            </a:r>
+            <a:endParaRPr lang="en-US"/>
           </a:p>
         </p:txBody>
       </p:sp>
       <p:pic>
         <p:nvPicPr>
-          <p:cNvPr id="5" name="Inhaltsplatzhalter 4">
-            <a:extLst>
-              <a:ext uri="{FF2B5EF4-FFF2-40B4-BE49-F238E27FC236}">
-                <a16:creationId xmlns:a16="http://schemas.microsoft.com/office/drawing/2014/main" id="{9480DBE4-CB95-413B-863C-4814D6A48C66}"/>
+          <p:cNvPr id="7" name="Inhaltsplatzhalter 6">
+            <a:extLst>
+              <a:ext uri="{FF2B5EF4-FFF2-40B4-BE49-F238E27FC236}">
+                <a16:creationId xmlns:a16="http://schemas.microsoft.com/office/drawing/2014/main" id="{CE4A2BF2-B6F6-4F4C-BF98-26029D791126}"/>
               </a:ext>
             </a:extLst>
           </p:cNvPr>
@@ -4326,7 +4993,7 @@
             <p:ph idx="1"/>
           </p:nvPr>
         </p:nvPicPr>
-        <p:blipFill>
+        <p:blipFill rotWithShape="1">
           <a:blip r:embed="rId2">
             <a:extLst>
               <a:ext uri="{28A0092B-C50C-407E-A947-70E740481C1C}">
@@ -4334,15 +5001,18 @@
               </a:ext>
             </a:extLst>
           </a:blip>
-          <a:stretch>
-            <a:fillRect/>
-          </a:stretch>
+          <a:srcRect t="-210" r="-6578" b="-1290"/>
+          <a:stretch/>
         </p:blipFill>
         <p:spPr>
           <a:xfrm>
-            <a:off x="2344366" y="1848095"/>
-            <a:ext cx="7821038" cy="4251147"/>
-          </a:xfrm>
+            <a:off x="801153" y="649224"/>
+            <a:ext cx="7389536" cy="5559552"/>
+          </a:xfrm>
+          <a:prstGeom prst="rect">
+            <a:avLst/>
+          </a:prstGeom>
+          <a:effectLst/>
         </p:spPr>
       </p:pic>
     </p:spTree>
@@ -4800,7 +5470,7 @@
     <p:bg>
       <p:bgPr>
         <a:solidFill>
-          <a:schemeClr val="bg2"/>
+          <a:schemeClr val="bg1"/>
         </a:solidFill>
         <a:effectLst/>
       </p:bgPr>
@@ -4821,10 +5491,46 @@
       </p:grpSpPr>
       <p:sp>
         <p:nvSpPr>
-          <p:cNvPr id="10" name="Rectangle 9">
-            <a:extLst>
-              <a:ext uri="{FF2B5EF4-FFF2-40B4-BE49-F238E27FC236}">
-                <a16:creationId xmlns:a16="http://schemas.microsoft.com/office/drawing/2014/main" id="{BEE73255-8084-4DF9-BB0B-15EAC92E2CB9}"/>
+          <p:cNvPr id="2" name="Titel 1">
+            <a:extLst>
+              <a:ext uri="{FF2B5EF4-FFF2-40B4-BE49-F238E27FC236}">
+                <a16:creationId xmlns:a16="http://schemas.microsoft.com/office/drawing/2014/main" id="{F32A048B-4D26-4F9B-B9C1-A8722815BFED}"/>
+              </a:ext>
+            </a:extLst>
+          </p:cNvPr>
+          <p:cNvSpPr>
+            <a:spLocks noGrp="1"/>
+          </p:cNvSpPr>
+          <p:nvPr>
+            <p:ph type="title"/>
+          </p:nvPr>
+        </p:nvSpPr>
+        <p:spPr>
+          <a:xfrm>
+            <a:off x="645859" y="640081"/>
+            <a:ext cx="3494341" cy="3793488"/>
+          </a:xfrm>
+          <a:noFill/>
+        </p:spPr>
+        <p:txBody>
+          <a:bodyPr vert="horz" lIns="91440" tIns="45720" rIns="91440" bIns="45720" rtlCol="0" anchor="b">
+            <a:normAutofit/>
+          </a:bodyPr>
+          <a:lstStyle/>
+          <a:p>
+            <a:r>
+              <a:rPr lang="en-US" sz="4600" dirty="0"/>
+              <a:t>SEQUENCE DIAGRAM FOR HEATER</a:t>
+            </a:r>
+          </a:p>
+        </p:txBody>
+      </p:sp>
+      <p:sp>
+        <p:nvSpPr>
+          <p:cNvPr id="17" name="Rectangle 16">
+            <a:extLst>
+              <a:ext uri="{FF2B5EF4-FFF2-40B4-BE49-F238E27FC236}">
+                <a16:creationId xmlns:a16="http://schemas.microsoft.com/office/drawing/2014/main" id="{71FC7D98-7B8B-402A-90FC-F027482F2142}"/>
               </a:ext>
               <a:ext uri="{C183D7F6-B498-43B3-948B-1728B52AA6E4}">
                 <adec:decorative xmlns:adec="http://schemas.microsoft.com/office/drawing/2017/decorative" val="1"/>
@@ -4844,8 +5550,8 @@
         </p:nvSpPr>
         <p:spPr>
           <a:xfrm>
-            <a:off x="0" y="0"/>
-            <a:ext cx="12192000" cy="6858000"/>
+            <a:off x="4625926" y="0"/>
+            <a:ext cx="7566074" cy="6858000"/>
           </a:xfrm>
           <a:prstGeom prst="rect">
             <a:avLst/>
@@ -4884,49 +5590,10 @@
       </p:sp>
       <p:sp>
         <p:nvSpPr>
-          <p:cNvPr id="2" name="Titel 1">
-            <a:extLst>
-              <a:ext uri="{FF2B5EF4-FFF2-40B4-BE49-F238E27FC236}">
-                <a16:creationId xmlns:a16="http://schemas.microsoft.com/office/drawing/2014/main" id="{F32A048B-4D26-4F9B-B9C1-A8722815BFED}"/>
-              </a:ext>
-            </a:extLst>
-          </p:cNvPr>
-          <p:cNvSpPr>
-            <a:spLocks noGrp="1"/>
-          </p:cNvSpPr>
-          <p:nvPr>
-            <p:ph type="title"/>
-          </p:nvPr>
-        </p:nvSpPr>
-        <p:spPr>
-          <a:xfrm>
-            <a:off x="603938" y="640081"/>
-            <a:ext cx="2608655" cy="5257799"/>
-          </a:xfrm>
-        </p:spPr>
-        <p:txBody>
-          <a:bodyPr vert="horz" lIns="91440" tIns="45720" rIns="91440" bIns="45720" rtlCol="0" anchor="ctr">
-            <a:normAutofit/>
-          </a:bodyPr>
-          <a:lstStyle/>
-          <a:p>
-            <a:r>
-              <a:rPr lang="en-US" sz="3600">
-                <a:solidFill>
-                  <a:srgbClr val="2C2C2C"/>
-                </a:solidFill>
-              </a:rPr>
-              <a:t>SEQUENCE DIAGRAM FOR HEATER</a:t>
-            </a:r>
-          </a:p>
-        </p:txBody>
-      </p:sp>
-      <p:sp>
-        <p:nvSpPr>
-          <p:cNvPr id="12" name="Rounded Rectangle 9">
-            <a:extLst>
-              <a:ext uri="{FF2B5EF4-FFF2-40B4-BE49-F238E27FC236}">
-                <a16:creationId xmlns:a16="http://schemas.microsoft.com/office/drawing/2014/main" id="{67048353-8981-459A-9BC6-9711CE462E06}"/>
+          <p:cNvPr id="19" name="Rounded Rectangle 28">
+            <a:extLst>
+              <a:ext uri="{FF2B5EF4-FFF2-40B4-BE49-F238E27FC236}">
+                <a16:creationId xmlns:a16="http://schemas.microsoft.com/office/drawing/2014/main" id="{AD7356EA-285B-4E5D-8FEC-104659A4FD2C}"/>
               </a:ext>
               <a:ext uri="{C183D7F6-B498-43B3-948B-1728B52AA6E4}">
                 <adec:decorative xmlns:adec="http://schemas.microsoft.com/office/drawing/2017/decorative" val="1"/>
@@ -4946,8 +5613,8 @@
         </p:nvSpPr>
         <p:spPr>
           <a:xfrm>
-            <a:off x="3580067" y="484632"/>
-            <a:ext cx="8129016" cy="5724144"/>
+            <a:off x="5275903" y="640091"/>
+            <a:ext cx="6266120" cy="5577818"/>
           </a:xfrm>
           <a:prstGeom prst="roundRect">
             <a:avLst>
@@ -4997,10 +5664,10 @@
       </p:sp>
       <p:pic>
         <p:nvPicPr>
-          <p:cNvPr id="5" name="Inhaltsplatzhalter 4">
-            <a:extLst>
-              <a:ext uri="{FF2B5EF4-FFF2-40B4-BE49-F238E27FC236}">
-                <a16:creationId xmlns:a16="http://schemas.microsoft.com/office/drawing/2014/main" id="{DB6AADEB-D501-4E41-88C9-264F06FA6F17}"/>
+          <p:cNvPr id="7" name="Inhaltsplatzhalter 6">
+            <a:extLst>
+              <a:ext uri="{FF2B5EF4-FFF2-40B4-BE49-F238E27FC236}">
+                <a16:creationId xmlns:a16="http://schemas.microsoft.com/office/drawing/2014/main" id="{7E8F0839-00A8-4B20-8079-9D13F2DE4975}"/>
               </a:ext>
             </a:extLst>
           </p:cNvPr>
@@ -5019,13 +5686,13 @@
               </a:ext>
             </a:extLst>
           </a:blip>
-          <a:srcRect t="436" r="-5" b="24881"/>
+          <a:srcRect l="-6182" t="-9936" r="-11013" b="-11426"/>
           <a:stretch/>
         </p:blipFill>
         <p:spPr>
           <a:xfrm>
-            <a:off x="3808197" y="771525"/>
-            <a:ext cx="7417989" cy="5126355"/>
+            <a:off x="5441735" y="301557"/>
+            <a:ext cx="5900716" cy="6332707"/>
           </a:xfrm>
           <a:prstGeom prst="rect">
             <a:avLst/>
@@ -5103,7 +5770,7 @@
             <a:avLst/>
           </a:prstGeom>
           <a:solidFill>
-            <a:srgbClr val="919169"/>
+            <a:srgbClr val="354552"/>
           </a:solidFill>
           <a:ln>
             <a:noFill/>
@@ -5139,7 +5806,7 @@
           <p:cNvPr id="2" name="Titel 1">
             <a:extLst>
               <a:ext uri="{FF2B5EF4-FFF2-40B4-BE49-F238E27FC236}">
-                <a16:creationId xmlns:a16="http://schemas.microsoft.com/office/drawing/2014/main" id="{D6603AF2-DDFE-4DF4-A2BF-A9659BD652CF}"/>
+                <a16:creationId xmlns:a16="http://schemas.microsoft.com/office/drawing/2014/main" id="{23F9048C-4AB7-4D41-8E1C-554348E81A1A}"/>
               </a:ext>
             </a:extLst>
           </p:cNvPr>
@@ -5163,12 +5830,12 @@
           <a:lstStyle/>
           <a:p>
             <a:r>
-              <a:rPr lang="en-US" sz="3600" dirty="0">
+              <a:rPr lang="en-US" sz="3300">
                 <a:solidFill>
                   <a:srgbClr val="FFFFFF"/>
                 </a:solidFill>
               </a:rPr>
-              <a:t>SEQEUNCE DIAGRAM FOR SMART REMOTE</a:t>
+              <a:t>SEQUENCE DIAGRAM FOR AIR CONDITIONER</a:t>
             </a:r>
           </a:p>
         </p:txBody>
@@ -5249,10 +5916,10 @@
       </p:sp>
       <p:pic>
         <p:nvPicPr>
-          <p:cNvPr id="7" name="Content Placeholder 6">
-            <a:extLst>
-              <a:ext uri="{FF2B5EF4-FFF2-40B4-BE49-F238E27FC236}">
-                <a16:creationId xmlns:a16="http://schemas.microsoft.com/office/drawing/2014/main" id="{BAA536C3-90EA-43F8-978E-ACFACF7BD376}"/>
+          <p:cNvPr id="5" name="Inhaltsplatzhalter 4">
+            <a:extLst>
+              <a:ext uri="{FF2B5EF4-FFF2-40B4-BE49-F238E27FC236}">
+                <a16:creationId xmlns:a16="http://schemas.microsoft.com/office/drawing/2014/main" id="{42EF38C5-9490-466B-A4C8-2A1C9641A31E}"/>
               </a:ext>
             </a:extLst>
           </p:cNvPr>
@@ -5263,7 +5930,7 @@
             <p:ph idx="1"/>
           </p:nvPr>
         </p:nvPicPr>
-        <p:blipFill>
+        <p:blipFill rotWithShape="1">
           <a:blip r:embed="rId2">
             <a:extLst>
               <a:ext uri="{28A0092B-C50C-407E-A947-70E740481C1C}">
@@ -5271,21 +5938,24 @@
               </a:ext>
             </a:extLst>
           </a:blip>
-          <a:stretch>
-            <a:fillRect/>
-          </a:stretch>
+          <a:srcRect l="-1" t="-1386" r="509" b="-433"/>
+          <a:stretch/>
         </p:blipFill>
         <p:spPr>
           <a:xfrm>
-            <a:off x="0" y="0"/>
-            <a:ext cx="8622369" cy="6858000"/>
-          </a:xfrm>
+            <a:off x="849793" y="430935"/>
+            <a:ext cx="6796148" cy="5798339"/>
+          </a:xfrm>
+          <a:prstGeom prst="rect">
+            <a:avLst/>
+          </a:prstGeom>
+          <a:effectLst/>
         </p:spPr>
       </p:pic>
     </p:spTree>
     <p:extLst>
       <p:ext uri="{BB962C8B-B14F-4D97-AF65-F5344CB8AC3E}">
-        <p14:creationId xmlns:p14="http://schemas.microsoft.com/office/powerpoint/2010/main" val="1635133515"/>
+        <p14:creationId xmlns:p14="http://schemas.microsoft.com/office/powerpoint/2010/main" val="3029034905"/>
       </p:ext>
     </p:extLst>
   </p:cSld>

--- a/Project_Week_7&8/Precise Analysis.pptx
+++ b/Project_Week_7&8/Precise Analysis.pptx
@@ -323,7 +323,7 @@
           <a:p>
             <a:fld id="{59436D6C-09F6-4967-B045-448DC0A44960}" type="slidenum">
               <a:rPr lang="de-DE" smtClean="0"/>
-              <a:t>‹Nr.›</a:t>
+              <a:t>‹#›</a:t>
             </a:fld>
             <a:endParaRPr lang="de-DE"/>
           </a:p>
@@ -521,7 +521,7 @@
           <a:p>
             <a:fld id="{59436D6C-09F6-4967-B045-448DC0A44960}" type="slidenum">
               <a:rPr lang="de-DE" smtClean="0"/>
-              <a:t>‹Nr.›</a:t>
+              <a:t>‹#›</a:t>
             </a:fld>
             <a:endParaRPr lang="de-DE"/>
           </a:p>
@@ -729,7 +729,7 @@
           <a:p>
             <a:fld id="{59436D6C-09F6-4967-B045-448DC0A44960}" type="slidenum">
               <a:rPr lang="de-DE" smtClean="0"/>
-              <a:t>‹Nr.›</a:t>
+              <a:t>‹#›</a:t>
             </a:fld>
             <a:endParaRPr lang="de-DE"/>
           </a:p>
@@ -927,7 +927,7 @@
           <a:p>
             <a:fld id="{59436D6C-09F6-4967-B045-448DC0A44960}" type="slidenum">
               <a:rPr lang="de-DE" smtClean="0"/>
-              <a:t>‹Nr.›</a:t>
+              <a:t>‹#›</a:t>
             </a:fld>
             <a:endParaRPr lang="de-DE"/>
           </a:p>
@@ -1202,7 +1202,7 @@
           <a:p>
             <a:fld id="{59436D6C-09F6-4967-B045-448DC0A44960}" type="slidenum">
               <a:rPr lang="de-DE" smtClean="0"/>
-              <a:t>‹Nr.›</a:t>
+              <a:t>‹#›</a:t>
             </a:fld>
             <a:endParaRPr lang="de-DE"/>
           </a:p>
@@ -1467,7 +1467,7 @@
           <a:p>
             <a:fld id="{59436D6C-09F6-4967-B045-448DC0A44960}" type="slidenum">
               <a:rPr lang="de-DE" smtClean="0"/>
-              <a:t>‹Nr.›</a:t>
+              <a:t>‹#›</a:t>
             </a:fld>
             <a:endParaRPr lang="de-DE"/>
           </a:p>
@@ -1879,7 +1879,7 @@
           <a:p>
             <a:fld id="{59436D6C-09F6-4967-B045-448DC0A44960}" type="slidenum">
               <a:rPr lang="de-DE" smtClean="0"/>
-              <a:t>‹Nr.›</a:t>
+              <a:t>‹#›</a:t>
             </a:fld>
             <a:endParaRPr lang="de-DE"/>
           </a:p>
@@ -2020,7 +2020,7 @@
           <a:p>
             <a:fld id="{59436D6C-09F6-4967-B045-448DC0A44960}" type="slidenum">
               <a:rPr lang="de-DE" smtClean="0"/>
-              <a:t>‹Nr.›</a:t>
+              <a:t>‹#›</a:t>
             </a:fld>
             <a:endParaRPr lang="de-DE"/>
           </a:p>
@@ -2133,7 +2133,7 @@
           <a:p>
             <a:fld id="{59436D6C-09F6-4967-B045-448DC0A44960}" type="slidenum">
               <a:rPr lang="de-DE" smtClean="0"/>
-              <a:t>‹Nr.›</a:t>
+              <a:t>‹#›</a:t>
             </a:fld>
             <a:endParaRPr lang="de-DE"/>
           </a:p>
@@ -2444,7 +2444,7 @@
           <a:p>
             <a:fld id="{59436D6C-09F6-4967-B045-448DC0A44960}" type="slidenum">
               <a:rPr lang="de-DE" smtClean="0"/>
-              <a:t>‹Nr.›</a:t>
+              <a:t>‹#›</a:t>
             </a:fld>
             <a:endParaRPr lang="de-DE"/>
           </a:p>
@@ -2732,7 +2732,7 @@
           <a:p>
             <a:fld id="{59436D6C-09F6-4967-B045-448DC0A44960}" type="slidenum">
               <a:rPr lang="de-DE" smtClean="0"/>
-              <a:t>‹Nr.›</a:t>
+              <a:t>‹#›</a:t>
             </a:fld>
             <a:endParaRPr lang="de-DE"/>
           </a:p>
@@ -3009,7 +3009,7 @@
           <a:p>
             <a:fld id="{59436D6C-09F6-4967-B045-448DC0A44960}" type="slidenum">
               <a:rPr lang="de-DE" smtClean="0"/>
-              <a:t>‹Nr.›</a:t>
+              <a:t>‹#›</a:t>
             </a:fld>
             <a:endParaRPr lang="de-DE"/>
           </a:p>
@@ -3433,7 +3433,7 @@
       </p:grpSpPr>
       <p:sp>
         <p:nvSpPr>
-          <p:cNvPr id="10" name="Rectangle 9">
+          <p:cNvPr id="17" name="Rectangle 16">
             <a:extLst>
               <a:ext uri="{FF2B5EF4-FFF2-40B4-BE49-F238E27FC236}">
                 <a16:creationId xmlns:a16="http://schemas.microsoft.com/office/drawing/2014/main" id="{16C5FA50-8D52-4617-AF91-5C7B1C8352F1}"/>
@@ -3463,7 +3463,7 @@
             <a:avLst/>
           </a:prstGeom>
           <a:solidFill>
-            <a:srgbClr val="7D7D5B"/>
+            <a:srgbClr val="3C4953"/>
           </a:solidFill>
           <a:ln>
             <a:noFill/>
@@ -3535,7 +3535,7 @@
       </p:sp>
       <p:sp>
         <p:nvSpPr>
-          <p:cNvPr id="12" name="Rounded Rectangle 9">
+          <p:cNvPr id="19" name="Rounded Rectangle 9">
             <a:extLst>
               <a:ext uri="{FF2B5EF4-FFF2-40B4-BE49-F238E27FC236}">
                 <a16:creationId xmlns:a16="http://schemas.microsoft.com/office/drawing/2014/main" id="{E223798C-12AD-4B0C-A50C-D676347D67CF}"/>
@@ -3609,10 +3609,10 @@
       </p:sp>
       <p:pic>
         <p:nvPicPr>
-          <p:cNvPr id="5" name="Inhaltsplatzhalter 4" descr="Ein Bild, das drinnen, Karte, Screenshot, Tisch enthält.&#10;&#10;Automatisch generierte Beschreibung">
-            <a:extLst>
-              <a:ext uri="{FF2B5EF4-FFF2-40B4-BE49-F238E27FC236}">
-                <a16:creationId xmlns:a16="http://schemas.microsoft.com/office/drawing/2014/main" id="{51FF1BEC-A423-4CD8-A666-B202B7EBD374}"/>
+          <p:cNvPr id="7" name="Content Placeholder 6" descr="Chart, box and whisker chart&#10;&#10;Description automatically generated">
+            <a:extLst>
+              <a:ext uri="{FF2B5EF4-FFF2-40B4-BE49-F238E27FC236}">
+                <a16:creationId xmlns:a16="http://schemas.microsoft.com/office/drawing/2014/main" id="{62142689-4D9B-432A-9257-6CF670E9F486}"/>
               </a:ext>
             </a:extLst>
           </p:cNvPr>
@@ -3631,13 +3631,13 @@
               </a:ext>
             </a:extLst>
           </a:blip>
-          <a:srcRect l="3539"/>
+          <a:srcRect l="-3216" t="-4025" r="-1992" b="-3402"/>
           <a:stretch/>
         </p:blipFill>
         <p:spPr>
           <a:xfrm>
-            <a:off x="888701" y="729574"/>
-            <a:ext cx="7393535" cy="4962930"/>
+            <a:off x="768486" y="749029"/>
+            <a:ext cx="7752944" cy="5165387"/>
           </a:xfrm>
           <a:prstGeom prst="rect">
             <a:avLst/>
@@ -4647,10 +4647,9 @@
           <a:p>
             <a:pPr algn="ctr"/>
             <a:r>
-              <a:rPr lang="de-DE"/>
+              <a:rPr lang="de-DE" dirty="0"/>
               <a:t>STATE DIAGRAM FOR LIGHT AND MOTION SENSOR</a:t>
             </a:r>
-            <a:endParaRPr lang="de-DE" dirty="0"/>
           </a:p>
         </p:txBody>
       </p:sp>

--- a/Project_Week_7&8/Precise Analysis.pptx
+++ b/Project_Week_7&8/Precise Analysis.pptx
@@ -11,8 +11,8 @@
     <p:sldId id="262" r:id="rId5"/>
     <p:sldId id="263" r:id="rId6"/>
     <p:sldId id="267" r:id="rId7"/>
-    <p:sldId id="268" r:id="rId8"/>
-    <p:sldId id="264" r:id="rId9"/>
+    <p:sldId id="264" r:id="rId8"/>
+    <p:sldId id="268" r:id="rId9"/>
     <p:sldId id="259" r:id="rId10"/>
     <p:sldId id="266" r:id="rId11"/>
     <p:sldId id="265" r:id="rId12"/>
@@ -269,7 +269,7 @@
           <a:p>
             <a:fld id="{23549F34-81B6-4052-990C-DAB85C5B3430}" type="datetimeFigureOut">
               <a:rPr lang="de-DE" smtClean="0"/>
-              <a:t>06.12.2020</a:t>
+              <a:t>07.12.2020</a:t>
             </a:fld>
             <a:endParaRPr lang="de-DE"/>
           </a:p>
@@ -323,7 +323,7 @@
           <a:p>
             <a:fld id="{59436D6C-09F6-4967-B045-448DC0A44960}" type="slidenum">
               <a:rPr lang="de-DE" smtClean="0"/>
-              <a:t>‹#›</a:t>
+              <a:t>‹Nr.›</a:t>
             </a:fld>
             <a:endParaRPr lang="de-DE"/>
           </a:p>
@@ -467,7 +467,7 @@
           <a:p>
             <a:fld id="{23549F34-81B6-4052-990C-DAB85C5B3430}" type="datetimeFigureOut">
               <a:rPr lang="de-DE" smtClean="0"/>
-              <a:t>06.12.2020</a:t>
+              <a:t>07.12.2020</a:t>
             </a:fld>
             <a:endParaRPr lang="de-DE"/>
           </a:p>
@@ -521,7 +521,7 @@
           <a:p>
             <a:fld id="{59436D6C-09F6-4967-B045-448DC0A44960}" type="slidenum">
               <a:rPr lang="de-DE" smtClean="0"/>
-              <a:t>‹#›</a:t>
+              <a:t>‹Nr.›</a:t>
             </a:fld>
             <a:endParaRPr lang="de-DE"/>
           </a:p>
@@ -675,7 +675,7 @@
           <a:p>
             <a:fld id="{23549F34-81B6-4052-990C-DAB85C5B3430}" type="datetimeFigureOut">
               <a:rPr lang="de-DE" smtClean="0"/>
-              <a:t>06.12.2020</a:t>
+              <a:t>07.12.2020</a:t>
             </a:fld>
             <a:endParaRPr lang="de-DE"/>
           </a:p>
@@ -729,7 +729,7 @@
           <a:p>
             <a:fld id="{59436D6C-09F6-4967-B045-448DC0A44960}" type="slidenum">
               <a:rPr lang="de-DE" smtClean="0"/>
-              <a:t>‹#›</a:t>
+              <a:t>‹Nr.›</a:t>
             </a:fld>
             <a:endParaRPr lang="de-DE"/>
           </a:p>
@@ -873,7 +873,7 @@
           <a:p>
             <a:fld id="{23549F34-81B6-4052-990C-DAB85C5B3430}" type="datetimeFigureOut">
               <a:rPr lang="de-DE" smtClean="0"/>
-              <a:t>06.12.2020</a:t>
+              <a:t>07.12.2020</a:t>
             </a:fld>
             <a:endParaRPr lang="de-DE"/>
           </a:p>
@@ -927,7 +927,7 @@
           <a:p>
             <a:fld id="{59436D6C-09F6-4967-B045-448DC0A44960}" type="slidenum">
               <a:rPr lang="de-DE" smtClean="0"/>
-              <a:t>‹#›</a:t>
+              <a:t>‹Nr.›</a:t>
             </a:fld>
             <a:endParaRPr lang="de-DE"/>
           </a:p>
@@ -1148,7 +1148,7 @@
           <a:p>
             <a:fld id="{23549F34-81B6-4052-990C-DAB85C5B3430}" type="datetimeFigureOut">
               <a:rPr lang="de-DE" smtClean="0"/>
-              <a:t>06.12.2020</a:t>
+              <a:t>07.12.2020</a:t>
             </a:fld>
             <a:endParaRPr lang="de-DE"/>
           </a:p>
@@ -1202,7 +1202,7 @@
           <a:p>
             <a:fld id="{59436D6C-09F6-4967-B045-448DC0A44960}" type="slidenum">
               <a:rPr lang="de-DE" smtClean="0"/>
-              <a:t>‹#›</a:t>
+              <a:t>‹Nr.›</a:t>
             </a:fld>
             <a:endParaRPr lang="de-DE"/>
           </a:p>
@@ -1413,7 +1413,7 @@
           <a:p>
             <a:fld id="{23549F34-81B6-4052-990C-DAB85C5B3430}" type="datetimeFigureOut">
               <a:rPr lang="de-DE" smtClean="0"/>
-              <a:t>06.12.2020</a:t>
+              <a:t>07.12.2020</a:t>
             </a:fld>
             <a:endParaRPr lang="de-DE"/>
           </a:p>
@@ -1467,7 +1467,7 @@
           <a:p>
             <a:fld id="{59436D6C-09F6-4967-B045-448DC0A44960}" type="slidenum">
               <a:rPr lang="de-DE" smtClean="0"/>
-              <a:t>‹#›</a:t>
+              <a:t>‹Nr.›</a:t>
             </a:fld>
             <a:endParaRPr lang="de-DE"/>
           </a:p>
@@ -1825,7 +1825,7 @@
           <a:p>
             <a:fld id="{23549F34-81B6-4052-990C-DAB85C5B3430}" type="datetimeFigureOut">
               <a:rPr lang="de-DE" smtClean="0"/>
-              <a:t>06.12.2020</a:t>
+              <a:t>07.12.2020</a:t>
             </a:fld>
             <a:endParaRPr lang="de-DE"/>
           </a:p>
@@ -1879,7 +1879,7 @@
           <a:p>
             <a:fld id="{59436D6C-09F6-4967-B045-448DC0A44960}" type="slidenum">
               <a:rPr lang="de-DE" smtClean="0"/>
-              <a:t>‹#›</a:t>
+              <a:t>‹Nr.›</a:t>
             </a:fld>
             <a:endParaRPr lang="de-DE"/>
           </a:p>
@@ -1966,7 +1966,7 @@
           <a:p>
             <a:fld id="{23549F34-81B6-4052-990C-DAB85C5B3430}" type="datetimeFigureOut">
               <a:rPr lang="de-DE" smtClean="0"/>
-              <a:t>06.12.2020</a:t>
+              <a:t>07.12.2020</a:t>
             </a:fld>
             <a:endParaRPr lang="de-DE"/>
           </a:p>
@@ -2020,7 +2020,7 @@
           <a:p>
             <a:fld id="{59436D6C-09F6-4967-B045-448DC0A44960}" type="slidenum">
               <a:rPr lang="de-DE" smtClean="0"/>
-              <a:t>‹#›</a:t>
+              <a:t>‹Nr.›</a:t>
             </a:fld>
             <a:endParaRPr lang="de-DE"/>
           </a:p>
@@ -2079,7 +2079,7 @@
           <a:p>
             <a:fld id="{23549F34-81B6-4052-990C-DAB85C5B3430}" type="datetimeFigureOut">
               <a:rPr lang="de-DE" smtClean="0"/>
-              <a:t>06.12.2020</a:t>
+              <a:t>07.12.2020</a:t>
             </a:fld>
             <a:endParaRPr lang="de-DE"/>
           </a:p>
@@ -2133,7 +2133,7 @@
           <a:p>
             <a:fld id="{59436D6C-09F6-4967-B045-448DC0A44960}" type="slidenum">
               <a:rPr lang="de-DE" smtClean="0"/>
-              <a:t>‹#›</a:t>
+              <a:t>‹Nr.›</a:t>
             </a:fld>
             <a:endParaRPr lang="de-DE"/>
           </a:p>
@@ -2390,7 +2390,7 @@
           <a:p>
             <a:fld id="{23549F34-81B6-4052-990C-DAB85C5B3430}" type="datetimeFigureOut">
               <a:rPr lang="de-DE" smtClean="0"/>
-              <a:t>06.12.2020</a:t>
+              <a:t>07.12.2020</a:t>
             </a:fld>
             <a:endParaRPr lang="de-DE"/>
           </a:p>
@@ -2444,7 +2444,7 @@
           <a:p>
             <a:fld id="{59436D6C-09F6-4967-B045-448DC0A44960}" type="slidenum">
               <a:rPr lang="de-DE" smtClean="0"/>
-              <a:t>‹#›</a:t>
+              <a:t>‹Nr.›</a:t>
             </a:fld>
             <a:endParaRPr lang="de-DE"/>
           </a:p>
@@ -2678,7 +2678,7 @@
           <a:p>
             <a:fld id="{23549F34-81B6-4052-990C-DAB85C5B3430}" type="datetimeFigureOut">
               <a:rPr lang="de-DE" smtClean="0"/>
-              <a:t>06.12.2020</a:t>
+              <a:t>07.12.2020</a:t>
             </a:fld>
             <a:endParaRPr lang="de-DE"/>
           </a:p>
@@ -2732,7 +2732,7 @@
           <a:p>
             <a:fld id="{59436D6C-09F6-4967-B045-448DC0A44960}" type="slidenum">
               <a:rPr lang="de-DE" smtClean="0"/>
-              <a:t>‹#›</a:t>
+              <a:t>‹Nr.›</a:t>
             </a:fld>
             <a:endParaRPr lang="de-DE"/>
           </a:p>
@@ -2919,7 +2919,7 @@
           <a:p>
             <a:fld id="{23549F34-81B6-4052-990C-DAB85C5B3430}" type="datetimeFigureOut">
               <a:rPr lang="de-DE" smtClean="0"/>
-              <a:t>06.12.2020</a:t>
+              <a:t>07.12.2020</a:t>
             </a:fld>
             <a:endParaRPr lang="de-DE"/>
           </a:p>
@@ -3009,7 +3009,7 @@
           <a:p>
             <a:fld id="{59436D6C-09F6-4967-B045-448DC0A44960}" type="slidenum">
               <a:rPr lang="de-DE" smtClean="0"/>
-              <a:t>‹#›</a:t>
+              <a:t>‹Nr.›</a:t>
             </a:fld>
             <a:endParaRPr lang="de-DE"/>
           </a:p>
@@ -4701,101 +4701,6 @@
 <file path=ppt/slides/slide7.xml><?xml version="1.0" encoding="utf-8"?>
 <p:sld xmlns:a="http://schemas.openxmlformats.org/drawingml/2006/main" xmlns:r="http://schemas.openxmlformats.org/officeDocument/2006/relationships" xmlns:p="http://schemas.openxmlformats.org/presentationml/2006/main">
   <p:cSld>
-    <p:spTree>
-      <p:nvGrpSpPr>
-        <p:cNvPr id="1" name=""/>
-        <p:cNvGrpSpPr/>
-        <p:nvPr/>
-      </p:nvGrpSpPr>
-      <p:grpSpPr>
-        <a:xfrm>
-          <a:off x="0" y="0"/>
-          <a:ext cx="0" cy="0"/>
-          <a:chOff x="0" y="0"/>
-          <a:chExt cx="0" cy="0"/>
-        </a:xfrm>
-      </p:grpSpPr>
-      <p:sp>
-        <p:nvSpPr>
-          <p:cNvPr id="2" name="Titel 1">
-            <a:extLst>
-              <a:ext uri="{FF2B5EF4-FFF2-40B4-BE49-F238E27FC236}">
-                <a16:creationId xmlns:a16="http://schemas.microsoft.com/office/drawing/2014/main" id="{6CBDF994-97B1-4680-863A-8B0086CDA45B}"/>
-              </a:ext>
-            </a:extLst>
-          </p:cNvPr>
-          <p:cNvSpPr>
-            <a:spLocks noGrp="1"/>
-          </p:cNvSpPr>
-          <p:nvPr>
-            <p:ph type="title"/>
-          </p:nvPr>
-        </p:nvSpPr>
-        <p:spPr/>
-        <p:txBody>
-          <a:bodyPr/>
-          <a:lstStyle/>
-          <a:p>
-            <a:pPr algn="ctr"/>
-            <a:r>
-              <a:rPr lang="de-DE"/>
-              <a:t>STATE DIAGRAM FOR HEATING/COOLING SYSTEM</a:t>
-            </a:r>
-            <a:endParaRPr lang="de-DE" dirty="0"/>
-          </a:p>
-        </p:txBody>
-      </p:sp>
-      <p:pic>
-        <p:nvPicPr>
-          <p:cNvPr id="5" name="Inhaltsplatzhalter 4">
-            <a:extLst>
-              <a:ext uri="{FF2B5EF4-FFF2-40B4-BE49-F238E27FC236}">
-                <a16:creationId xmlns:a16="http://schemas.microsoft.com/office/drawing/2014/main" id="{2283C870-F831-433B-BEF3-E48F0DAB67CF}"/>
-              </a:ext>
-            </a:extLst>
-          </p:cNvPr>
-          <p:cNvPicPr>
-            <a:picLocks noGrp="1" noChangeAspect="1"/>
-          </p:cNvPicPr>
-          <p:nvPr>
-            <p:ph idx="1"/>
-          </p:nvPr>
-        </p:nvPicPr>
-        <p:blipFill>
-          <a:blip r:embed="rId2">
-            <a:extLst>
-              <a:ext uri="{28A0092B-C50C-407E-A947-70E740481C1C}">
-                <a14:useLocalDpi xmlns:a14="http://schemas.microsoft.com/office/drawing/2010/main" val="0"/>
-              </a:ext>
-            </a:extLst>
-          </a:blip>
-          <a:stretch>
-            <a:fillRect/>
-          </a:stretch>
-        </p:blipFill>
-        <p:spPr>
-          <a:xfrm>
-            <a:off x="2503503" y="2204080"/>
-            <a:ext cx="7416276" cy="3686261"/>
-          </a:xfrm>
-        </p:spPr>
-      </p:pic>
-    </p:spTree>
-    <p:extLst>
-      <p:ext uri="{BB962C8B-B14F-4D97-AF65-F5344CB8AC3E}">
-        <p14:creationId xmlns:p14="http://schemas.microsoft.com/office/powerpoint/2010/main" val="21237439"/>
-      </p:ext>
-    </p:extLst>
-  </p:cSld>
-  <p:clrMapOvr>
-    <a:masterClrMapping/>
-  </p:clrMapOvr>
-</p:sld>
-</file>
-
-<file path=ppt/slides/slide8.xml><?xml version="1.0" encoding="utf-8"?>
-<p:sld xmlns:a="http://schemas.openxmlformats.org/drawingml/2006/main" xmlns:r="http://schemas.openxmlformats.org/officeDocument/2006/relationships" xmlns:p="http://schemas.openxmlformats.org/presentationml/2006/main">
-  <p:cSld>
     <p:bg>
       <p:bgPr>
         <a:solidFill>
@@ -5036,6 +4941,101 @@
     <p:extLst>
       <p:ext uri="{BB962C8B-B14F-4D97-AF65-F5344CB8AC3E}">
         <p14:creationId xmlns:p14="http://schemas.microsoft.com/office/powerpoint/2010/main" val="1624499205"/>
+      </p:ext>
+    </p:extLst>
+  </p:cSld>
+  <p:clrMapOvr>
+    <a:masterClrMapping/>
+  </p:clrMapOvr>
+</p:sld>
+</file>
+
+<file path=ppt/slides/slide8.xml><?xml version="1.0" encoding="utf-8"?>
+<p:sld xmlns:a="http://schemas.openxmlformats.org/drawingml/2006/main" xmlns:r="http://schemas.openxmlformats.org/officeDocument/2006/relationships" xmlns:p="http://schemas.openxmlformats.org/presentationml/2006/main">
+  <p:cSld>
+    <p:spTree>
+      <p:nvGrpSpPr>
+        <p:cNvPr id="1" name=""/>
+        <p:cNvGrpSpPr/>
+        <p:nvPr/>
+      </p:nvGrpSpPr>
+      <p:grpSpPr>
+        <a:xfrm>
+          <a:off x="0" y="0"/>
+          <a:ext cx="0" cy="0"/>
+          <a:chOff x="0" y="0"/>
+          <a:chExt cx="0" cy="0"/>
+        </a:xfrm>
+      </p:grpSpPr>
+      <p:sp>
+        <p:nvSpPr>
+          <p:cNvPr id="2" name="Titel 1">
+            <a:extLst>
+              <a:ext uri="{FF2B5EF4-FFF2-40B4-BE49-F238E27FC236}">
+                <a16:creationId xmlns:a16="http://schemas.microsoft.com/office/drawing/2014/main" id="{6CBDF994-97B1-4680-863A-8B0086CDA45B}"/>
+              </a:ext>
+            </a:extLst>
+          </p:cNvPr>
+          <p:cNvSpPr>
+            <a:spLocks noGrp="1"/>
+          </p:cNvSpPr>
+          <p:nvPr>
+            <p:ph type="title"/>
+          </p:nvPr>
+        </p:nvSpPr>
+        <p:spPr/>
+        <p:txBody>
+          <a:bodyPr/>
+          <a:lstStyle/>
+          <a:p>
+            <a:pPr algn="ctr"/>
+            <a:r>
+              <a:rPr lang="de-DE"/>
+              <a:t>STATE DIAGRAM FOR HEATING/COOLING SYSTEM</a:t>
+            </a:r>
+            <a:endParaRPr lang="de-DE" dirty="0"/>
+          </a:p>
+        </p:txBody>
+      </p:sp>
+      <p:pic>
+        <p:nvPicPr>
+          <p:cNvPr id="5" name="Inhaltsplatzhalter 4">
+            <a:extLst>
+              <a:ext uri="{FF2B5EF4-FFF2-40B4-BE49-F238E27FC236}">
+                <a16:creationId xmlns:a16="http://schemas.microsoft.com/office/drawing/2014/main" id="{2283C870-F831-433B-BEF3-E48F0DAB67CF}"/>
+              </a:ext>
+            </a:extLst>
+          </p:cNvPr>
+          <p:cNvPicPr>
+            <a:picLocks noGrp="1" noChangeAspect="1"/>
+          </p:cNvPicPr>
+          <p:nvPr>
+            <p:ph idx="1"/>
+          </p:nvPr>
+        </p:nvPicPr>
+        <p:blipFill>
+          <a:blip r:embed="rId2">
+            <a:extLst>
+              <a:ext uri="{28A0092B-C50C-407E-A947-70E740481C1C}">
+                <a14:useLocalDpi xmlns:a14="http://schemas.microsoft.com/office/drawing/2010/main" val="0"/>
+              </a:ext>
+            </a:extLst>
+          </a:blip>
+          <a:stretch>
+            <a:fillRect/>
+          </a:stretch>
+        </p:blipFill>
+        <p:spPr>
+          <a:xfrm>
+            <a:off x="2503503" y="2204080"/>
+            <a:ext cx="7416276" cy="3686261"/>
+          </a:xfrm>
+        </p:spPr>
+      </p:pic>
+    </p:spTree>
+    <p:extLst>
+      <p:ext uri="{BB962C8B-B14F-4D97-AF65-F5344CB8AC3E}">
+        <p14:creationId xmlns:p14="http://schemas.microsoft.com/office/powerpoint/2010/main" val="21237439"/>
       </p:ext>
     </p:extLst>
   </p:cSld>

--- a/Project_Week_7&8/Precise Analysis.pptx
+++ b/Project_Week_7&8/Precise Analysis.pptx
@@ -13,9 +13,11 @@
     <p:sldId id="267" r:id="rId7"/>
     <p:sldId id="268" r:id="rId8"/>
     <p:sldId id="264" r:id="rId9"/>
-    <p:sldId id="259" r:id="rId10"/>
-    <p:sldId id="266" r:id="rId11"/>
-    <p:sldId id="265" r:id="rId12"/>
+    <p:sldId id="269" r:id="rId10"/>
+    <p:sldId id="259" r:id="rId11"/>
+    <p:sldId id="266" r:id="rId12"/>
+    <p:sldId id="270" r:id="rId13"/>
+    <p:sldId id="265" r:id="rId14"/>
   </p:sldIdLst>
   <p:sldSz cx="12192000" cy="6858000"/>
   <p:notesSz cx="6858000" cy="9144000"/>
@@ -323,7 +325,7 @@
           <a:p>
             <a:fld id="{59436D6C-09F6-4967-B045-448DC0A44960}" type="slidenum">
               <a:rPr lang="de-DE" smtClean="0"/>
-              <a:t>‹#›</a:t>
+              <a:t>‹Nr.›</a:t>
             </a:fld>
             <a:endParaRPr lang="de-DE"/>
           </a:p>
@@ -521,7 +523,7 @@
           <a:p>
             <a:fld id="{59436D6C-09F6-4967-B045-448DC0A44960}" type="slidenum">
               <a:rPr lang="de-DE" smtClean="0"/>
-              <a:t>‹#›</a:t>
+              <a:t>‹Nr.›</a:t>
             </a:fld>
             <a:endParaRPr lang="de-DE"/>
           </a:p>
@@ -729,7 +731,7 @@
           <a:p>
             <a:fld id="{59436D6C-09F6-4967-B045-448DC0A44960}" type="slidenum">
               <a:rPr lang="de-DE" smtClean="0"/>
-              <a:t>‹#›</a:t>
+              <a:t>‹Nr.›</a:t>
             </a:fld>
             <a:endParaRPr lang="de-DE"/>
           </a:p>
@@ -927,7 +929,7 @@
           <a:p>
             <a:fld id="{59436D6C-09F6-4967-B045-448DC0A44960}" type="slidenum">
               <a:rPr lang="de-DE" smtClean="0"/>
-              <a:t>‹#›</a:t>
+              <a:t>‹Nr.›</a:t>
             </a:fld>
             <a:endParaRPr lang="de-DE"/>
           </a:p>
@@ -1202,7 +1204,7 @@
           <a:p>
             <a:fld id="{59436D6C-09F6-4967-B045-448DC0A44960}" type="slidenum">
               <a:rPr lang="de-DE" smtClean="0"/>
-              <a:t>‹#›</a:t>
+              <a:t>‹Nr.›</a:t>
             </a:fld>
             <a:endParaRPr lang="de-DE"/>
           </a:p>
@@ -1467,7 +1469,7 @@
           <a:p>
             <a:fld id="{59436D6C-09F6-4967-B045-448DC0A44960}" type="slidenum">
               <a:rPr lang="de-DE" smtClean="0"/>
-              <a:t>‹#›</a:t>
+              <a:t>‹Nr.›</a:t>
             </a:fld>
             <a:endParaRPr lang="de-DE"/>
           </a:p>
@@ -1879,7 +1881,7 @@
           <a:p>
             <a:fld id="{59436D6C-09F6-4967-B045-448DC0A44960}" type="slidenum">
               <a:rPr lang="de-DE" smtClean="0"/>
-              <a:t>‹#›</a:t>
+              <a:t>‹Nr.›</a:t>
             </a:fld>
             <a:endParaRPr lang="de-DE"/>
           </a:p>
@@ -2020,7 +2022,7 @@
           <a:p>
             <a:fld id="{59436D6C-09F6-4967-B045-448DC0A44960}" type="slidenum">
               <a:rPr lang="de-DE" smtClean="0"/>
-              <a:t>‹#›</a:t>
+              <a:t>‹Nr.›</a:t>
             </a:fld>
             <a:endParaRPr lang="de-DE"/>
           </a:p>
@@ -2133,7 +2135,7 @@
           <a:p>
             <a:fld id="{59436D6C-09F6-4967-B045-448DC0A44960}" type="slidenum">
               <a:rPr lang="de-DE" smtClean="0"/>
-              <a:t>‹#›</a:t>
+              <a:t>‹Nr.›</a:t>
             </a:fld>
             <a:endParaRPr lang="de-DE"/>
           </a:p>
@@ -2444,7 +2446,7 @@
           <a:p>
             <a:fld id="{59436D6C-09F6-4967-B045-448DC0A44960}" type="slidenum">
               <a:rPr lang="de-DE" smtClean="0"/>
-              <a:t>‹#›</a:t>
+              <a:t>‹Nr.›</a:t>
             </a:fld>
             <a:endParaRPr lang="de-DE"/>
           </a:p>
@@ -2732,7 +2734,7 @@
           <a:p>
             <a:fld id="{59436D6C-09F6-4967-B045-448DC0A44960}" type="slidenum">
               <a:rPr lang="de-DE" smtClean="0"/>
-              <a:t>‹#›</a:t>
+              <a:t>‹Nr.›</a:t>
             </a:fld>
             <a:endParaRPr lang="de-DE"/>
           </a:p>
@@ -3009,7 +3011,7 @@
           <a:p>
             <a:fld id="{59436D6C-09F6-4967-B045-448DC0A44960}" type="slidenum">
               <a:rPr lang="de-DE" smtClean="0"/>
-              <a:t>‹#›</a:t>
+              <a:t>‹Nr.›</a:t>
             </a:fld>
             <a:endParaRPr lang="de-DE"/>
           </a:p>
@@ -3433,7 +3435,7 @@
       </p:grpSpPr>
       <p:sp>
         <p:nvSpPr>
-          <p:cNvPr id="17" name="Rectangle 16">
+          <p:cNvPr id="10" name="Rectangle 9">
             <a:extLst>
               <a:ext uri="{FF2B5EF4-FFF2-40B4-BE49-F238E27FC236}">
                 <a16:creationId xmlns:a16="http://schemas.microsoft.com/office/drawing/2014/main" id="{16C5FA50-8D52-4617-AF91-5C7B1C8352F1}"/>
@@ -3463,7 +3465,7 @@
             <a:avLst/>
           </a:prstGeom>
           <a:solidFill>
-            <a:srgbClr val="3C4953"/>
+            <a:srgbClr val="919169"/>
           </a:solidFill>
           <a:ln>
             <a:noFill/>
@@ -3499,7 +3501,7 @@
           <p:cNvPr id="2" name="Titel 1">
             <a:extLst>
               <a:ext uri="{FF2B5EF4-FFF2-40B4-BE49-F238E27FC236}">
-                <a16:creationId xmlns:a16="http://schemas.microsoft.com/office/drawing/2014/main" id="{4A4333C5-0081-481D-BA53-D88213B62CDB}"/>
+                <a16:creationId xmlns:a16="http://schemas.microsoft.com/office/drawing/2014/main" id="{D6603AF2-DDFE-4DF4-A2BF-A9659BD652CF}"/>
               </a:ext>
             </a:extLst>
           </p:cNvPr>
@@ -3523,19 +3525,19 @@
           <a:lstStyle/>
           <a:p>
             <a:r>
-              <a:rPr lang="en-US" sz="3600">
+              <a:rPr lang="en-US" sz="3600" dirty="0">
                 <a:solidFill>
                   <a:srgbClr val="FFFFFF"/>
                 </a:solidFill>
               </a:rPr>
-              <a:t>SEQUENCE DIAGRAM FOR SECURITY</a:t>
-            </a:r>
-          </a:p>
-        </p:txBody>
-      </p:sp>
-      <p:sp>
-        <p:nvSpPr>
-          <p:cNvPr id="19" name="Rounded Rectangle 9">
+              <a:t>SEQEUNCE DIAGRAM FOR SMART REMOTE</a:t>
+            </a:r>
+          </a:p>
+        </p:txBody>
+      </p:sp>
+      <p:sp>
+        <p:nvSpPr>
+          <p:cNvPr id="12" name="Rounded Rectangle 9">
             <a:extLst>
               <a:ext uri="{FF2B5EF4-FFF2-40B4-BE49-F238E27FC236}">
                 <a16:creationId xmlns:a16="http://schemas.microsoft.com/office/drawing/2014/main" id="{E223798C-12AD-4B0C-A50C-D676347D67CF}"/>
@@ -3609,6 +3611,255 @@
       </p:sp>
       <p:pic>
         <p:nvPicPr>
+          <p:cNvPr id="7" name="Content Placeholder 6">
+            <a:extLst>
+              <a:ext uri="{FF2B5EF4-FFF2-40B4-BE49-F238E27FC236}">
+                <a16:creationId xmlns:a16="http://schemas.microsoft.com/office/drawing/2014/main" id="{BAA536C3-90EA-43F8-978E-ACFACF7BD376}"/>
+              </a:ext>
+            </a:extLst>
+          </p:cNvPr>
+          <p:cNvPicPr>
+            <a:picLocks noGrp="1" noChangeAspect="1"/>
+          </p:cNvPicPr>
+          <p:nvPr>
+            <p:ph idx="1"/>
+          </p:nvPr>
+        </p:nvPicPr>
+        <p:blipFill>
+          <a:blip r:embed="rId2">
+            <a:extLst>
+              <a:ext uri="{28A0092B-C50C-407E-A947-70E740481C1C}">
+                <a14:useLocalDpi xmlns:a14="http://schemas.microsoft.com/office/drawing/2010/main" val="0"/>
+              </a:ext>
+            </a:extLst>
+          </a:blip>
+          <a:stretch>
+            <a:fillRect/>
+          </a:stretch>
+        </p:blipFill>
+        <p:spPr>
+          <a:xfrm>
+            <a:off x="0" y="0"/>
+            <a:ext cx="8622369" cy="6858000"/>
+          </a:xfrm>
+        </p:spPr>
+      </p:pic>
+    </p:spTree>
+    <p:extLst>
+      <p:ext uri="{BB962C8B-B14F-4D97-AF65-F5344CB8AC3E}">
+        <p14:creationId xmlns:p14="http://schemas.microsoft.com/office/powerpoint/2010/main" val="1635133515"/>
+      </p:ext>
+    </p:extLst>
+  </p:cSld>
+  <p:clrMapOvr>
+    <a:masterClrMapping/>
+  </p:clrMapOvr>
+</p:sld>
+</file>
+
+<file path=ppt/slides/slide11.xml><?xml version="1.0" encoding="utf-8"?>
+<p:sld xmlns:a="http://schemas.openxmlformats.org/drawingml/2006/main" xmlns:r="http://schemas.openxmlformats.org/officeDocument/2006/relationships" xmlns:p="http://schemas.openxmlformats.org/presentationml/2006/main">
+  <p:cSld>
+    <p:bg>
+      <p:bgPr>
+        <a:solidFill>
+          <a:schemeClr val="bg2"/>
+        </a:solidFill>
+        <a:effectLst/>
+      </p:bgPr>
+    </p:bg>
+    <p:spTree>
+      <p:nvGrpSpPr>
+        <p:cNvPr id="1" name=""/>
+        <p:cNvGrpSpPr/>
+        <p:nvPr/>
+      </p:nvGrpSpPr>
+      <p:grpSpPr>
+        <a:xfrm>
+          <a:off x="0" y="0"/>
+          <a:ext cx="0" cy="0"/>
+          <a:chOff x="0" y="0"/>
+          <a:chExt cx="0" cy="0"/>
+        </a:xfrm>
+      </p:grpSpPr>
+      <p:sp>
+        <p:nvSpPr>
+          <p:cNvPr id="17" name="Rectangle 16">
+            <a:extLst>
+              <a:ext uri="{FF2B5EF4-FFF2-40B4-BE49-F238E27FC236}">
+                <a16:creationId xmlns:a16="http://schemas.microsoft.com/office/drawing/2014/main" id="{16C5FA50-8D52-4617-AF91-5C7B1C8352F1}"/>
+              </a:ext>
+              <a:ext uri="{C183D7F6-B498-43B3-948B-1728B52AA6E4}">
+                <adec:decorative xmlns:adec="http://schemas.microsoft.com/office/drawing/2017/decorative" val="1"/>
+              </a:ext>
+            </a:extLst>
+          </p:cNvPr>
+          <p:cNvSpPr>
+            <a:spLocks noGrp="1" noRot="1" noChangeAspect="1" noMove="1" noResize="1" noEditPoints="1" noAdjustHandles="1" noChangeArrowheads="1" noChangeShapeType="1" noTextEdit="1"/>
+          </p:cNvSpPr>
+          <p:nvPr>
+            <p:extLst>
+              <p:ext uri="{386F3935-93C4-4BCD-93E2-E3B085C9AB24}">
+                <p16:designElem xmlns:p16="http://schemas.microsoft.com/office/powerpoint/2015/main" val="1"/>
+              </p:ext>
+            </p:extLst>
+          </p:nvPr>
+        </p:nvSpPr>
+        <p:spPr>
+          <a:xfrm>
+            <a:off x="0" y="0"/>
+            <a:ext cx="12192000" cy="6858000"/>
+          </a:xfrm>
+          <a:prstGeom prst="rect">
+            <a:avLst/>
+          </a:prstGeom>
+          <a:solidFill>
+            <a:srgbClr val="3C4953"/>
+          </a:solidFill>
+          <a:ln>
+            <a:noFill/>
+          </a:ln>
+        </p:spPr>
+        <p:style>
+          <a:lnRef idx="2">
+            <a:schemeClr val="accent1">
+              <a:shade val="50000"/>
+            </a:schemeClr>
+          </a:lnRef>
+          <a:fillRef idx="1">
+            <a:schemeClr val="accent1"/>
+          </a:fillRef>
+          <a:effectRef idx="0">
+            <a:schemeClr val="accent1"/>
+          </a:effectRef>
+          <a:fontRef idx="minor">
+            <a:schemeClr val="lt1"/>
+          </a:fontRef>
+        </p:style>
+        <p:txBody>
+          <a:bodyPr rtlCol="0" anchor="ctr"/>
+          <a:lstStyle/>
+          <a:p>
+            <a:pPr algn="ctr"/>
+            <a:endParaRPr lang="en-US"/>
+          </a:p>
+        </p:txBody>
+      </p:sp>
+      <p:sp>
+        <p:nvSpPr>
+          <p:cNvPr id="2" name="Titel 1">
+            <a:extLst>
+              <a:ext uri="{FF2B5EF4-FFF2-40B4-BE49-F238E27FC236}">
+                <a16:creationId xmlns:a16="http://schemas.microsoft.com/office/drawing/2014/main" id="{4A4333C5-0081-481D-BA53-D88213B62CDB}"/>
+              </a:ext>
+            </a:extLst>
+          </p:cNvPr>
+          <p:cNvSpPr>
+            <a:spLocks noGrp="1"/>
+          </p:cNvSpPr>
+          <p:nvPr>
+            <p:ph type="title"/>
+          </p:nvPr>
+        </p:nvSpPr>
+        <p:spPr>
+          <a:xfrm>
+            <a:off x="9093496" y="618681"/>
+            <a:ext cx="2613872" cy="4794567"/>
+          </a:xfrm>
+        </p:spPr>
+        <p:txBody>
+          <a:bodyPr vert="horz" lIns="91440" tIns="45720" rIns="91440" bIns="45720" rtlCol="0" anchor="ctr">
+            <a:normAutofit/>
+          </a:bodyPr>
+          <a:lstStyle/>
+          <a:p>
+            <a:r>
+              <a:rPr lang="en-US" sz="3600">
+                <a:solidFill>
+                  <a:srgbClr val="FFFFFF"/>
+                </a:solidFill>
+              </a:rPr>
+              <a:t>SEQUENCE DIAGRAM FOR SECURITY</a:t>
+            </a:r>
+          </a:p>
+        </p:txBody>
+      </p:sp>
+      <p:sp>
+        <p:nvSpPr>
+          <p:cNvPr id="19" name="Rounded Rectangle 9">
+            <a:extLst>
+              <a:ext uri="{FF2B5EF4-FFF2-40B4-BE49-F238E27FC236}">
+                <a16:creationId xmlns:a16="http://schemas.microsoft.com/office/drawing/2014/main" id="{E223798C-12AD-4B0C-A50C-D676347D67CF}"/>
+              </a:ext>
+              <a:ext uri="{C183D7F6-B498-43B3-948B-1728B52AA6E4}">
+                <adec:decorative xmlns:adec="http://schemas.microsoft.com/office/drawing/2017/decorative" val="1"/>
+              </a:ext>
+            </a:extLst>
+          </p:cNvPr>
+          <p:cNvSpPr>
+            <a:spLocks noGrp="1" noRot="1" noChangeAspect="1" noMove="1" noResize="1" noEditPoints="1" noAdjustHandles="1" noChangeArrowheads="1" noChangeShapeType="1" noTextEdit="1"/>
+          </p:cNvSpPr>
+          <p:nvPr>
+            <p:extLst>
+              <p:ext uri="{386F3935-93C4-4BCD-93E2-E3B085C9AB24}">
+                <p16:designElem xmlns:p16="http://schemas.microsoft.com/office/powerpoint/2015/main" val="1"/>
+              </p:ext>
+            </p:extLst>
+          </p:nvPr>
+        </p:nvSpPr>
+        <p:spPr>
+          <a:xfrm>
+            <a:off x="493354" y="484632"/>
+            <a:ext cx="8129016" cy="5724144"/>
+          </a:xfrm>
+          <a:prstGeom prst="roundRect">
+            <a:avLst>
+              <a:gd name="adj" fmla="val 0"/>
+            </a:avLst>
+          </a:prstGeom>
+          <a:solidFill>
+            <a:srgbClr val="FFFFFF"/>
+          </a:solidFill>
+          <a:ln w="9525">
+            <a:solidFill>
+              <a:srgbClr val="C8CACA"/>
+            </a:solidFill>
+          </a:ln>
+          <a:effectLst>
+            <a:outerShdw blurRad="57150" dist="19050" dir="5400000" algn="t" rotWithShape="0">
+              <a:prstClr val="black">
+                <a:alpha val="63000"/>
+              </a:prstClr>
+            </a:outerShdw>
+          </a:effectLst>
+        </p:spPr>
+        <p:style>
+          <a:lnRef idx="2">
+            <a:schemeClr val="accent1">
+              <a:shade val="50000"/>
+            </a:schemeClr>
+          </a:lnRef>
+          <a:fillRef idx="1">
+            <a:schemeClr val="accent1"/>
+          </a:fillRef>
+          <a:effectRef idx="0">
+            <a:schemeClr val="accent1"/>
+          </a:effectRef>
+          <a:fontRef idx="minor">
+            <a:schemeClr val="lt1"/>
+          </a:fontRef>
+        </p:style>
+        <p:txBody>
+          <a:bodyPr rtlCol="0" anchor="ctr"/>
+          <a:lstStyle/>
+          <a:p>
+            <a:pPr algn="ctr"/>
+            <a:endParaRPr lang="en-US"/>
+          </a:p>
+        </p:txBody>
+      </p:sp>
+      <p:pic>
+        <p:nvPicPr>
           <p:cNvPr id="7" name="Content Placeholder 6" descr="Chart, box and whisker chart&#10;&#10;Description automatically generated">
             <a:extLst>
               <a:ext uri="{FF2B5EF4-FFF2-40B4-BE49-F238E27FC236}">
@@ -3658,7 +3909,128 @@
 </p:sld>
 </file>
 
-<file path=ppt/slides/slide11.xml><?xml version="1.0" encoding="utf-8"?>
+<file path=ppt/slides/slide12.xml><?xml version="1.0" encoding="utf-8"?>
+<p:sld xmlns:a="http://schemas.openxmlformats.org/drawingml/2006/main" xmlns:r="http://schemas.openxmlformats.org/officeDocument/2006/relationships" xmlns:p="http://schemas.openxmlformats.org/presentationml/2006/main">
+  <p:cSld>
+    <p:spTree>
+      <p:nvGrpSpPr>
+        <p:cNvPr id="1" name=""/>
+        <p:cNvGrpSpPr/>
+        <p:nvPr/>
+      </p:nvGrpSpPr>
+      <p:grpSpPr>
+        <a:xfrm>
+          <a:off x="0" y="0"/>
+          <a:ext cx="0" cy="0"/>
+          <a:chOff x="0" y="0"/>
+          <a:chExt cx="0" cy="0"/>
+        </a:xfrm>
+      </p:grpSpPr>
+      <p:sp>
+        <p:nvSpPr>
+          <p:cNvPr id="2" name="Titel 1">
+            <a:extLst>
+              <a:ext uri="{FF2B5EF4-FFF2-40B4-BE49-F238E27FC236}">
+                <a16:creationId xmlns:a16="http://schemas.microsoft.com/office/drawing/2014/main" id="{B8437B35-6466-44DD-B967-D220C5E89F8B}"/>
+              </a:ext>
+            </a:extLst>
+          </p:cNvPr>
+          <p:cNvSpPr>
+            <a:spLocks noGrp="1"/>
+          </p:cNvSpPr>
+          <p:nvPr>
+            <p:ph type="title"/>
+          </p:nvPr>
+        </p:nvSpPr>
+        <p:spPr/>
+        <p:txBody>
+          <a:bodyPr/>
+          <a:lstStyle/>
+          <a:p>
+            <a:r>
+              <a:rPr lang="de-DE" dirty="0" err="1"/>
+              <a:t>Sequence</a:t>
+            </a:r>
+            <a:r>
+              <a:rPr lang="de-DE" dirty="0"/>
+              <a:t> </a:t>
+            </a:r>
+            <a:r>
+              <a:rPr lang="de-DE" dirty="0" err="1"/>
+              <a:t>Diagram</a:t>
+            </a:r>
+            <a:r>
+              <a:rPr lang="de-DE" dirty="0"/>
+              <a:t> </a:t>
+            </a:r>
+            <a:r>
+              <a:rPr lang="de-DE" dirty="0" err="1"/>
+              <a:t>for</a:t>
+            </a:r>
+            <a:r>
+              <a:rPr lang="de-DE" dirty="0"/>
+              <a:t> </a:t>
+            </a:r>
+            <a:r>
+              <a:rPr lang="de-DE" dirty="0" err="1"/>
+              <a:t>Fire</a:t>
+            </a:r>
+            <a:r>
+              <a:rPr lang="de-DE" dirty="0"/>
+              <a:t> Alarm</a:t>
+            </a:r>
+          </a:p>
+        </p:txBody>
+      </p:sp>
+      <p:pic>
+        <p:nvPicPr>
+          <p:cNvPr id="5" name="Inhaltsplatzhalter 4">
+            <a:extLst>
+              <a:ext uri="{FF2B5EF4-FFF2-40B4-BE49-F238E27FC236}">
+                <a16:creationId xmlns:a16="http://schemas.microsoft.com/office/drawing/2014/main" id="{722BDD0C-73BE-4C41-935C-950040DA3C43}"/>
+              </a:ext>
+            </a:extLst>
+          </p:cNvPr>
+          <p:cNvPicPr>
+            <a:picLocks noGrp="1" noChangeAspect="1"/>
+          </p:cNvPicPr>
+          <p:nvPr>
+            <p:ph idx="1"/>
+          </p:nvPr>
+        </p:nvPicPr>
+        <p:blipFill>
+          <a:blip r:embed="rId2">
+            <a:extLst>
+              <a:ext uri="{28A0092B-C50C-407E-A947-70E740481C1C}">
+                <a14:useLocalDpi xmlns:a14="http://schemas.microsoft.com/office/drawing/2010/main" val="0"/>
+              </a:ext>
+            </a:extLst>
+          </a:blip>
+          <a:stretch>
+            <a:fillRect/>
+          </a:stretch>
+        </p:blipFill>
+        <p:spPr>
+          <a:xfrm>
+            <a:off x="838200" y="2186249"/>
+            <a:ext cx="8746170" cy="3573530"/>
+          </a:xfrm>
+        </p:spPr>
+      </p:pic>
+    </p:spTree>
+    <p:extLst>
+      <p:ext uri="{BB962C8B-B14F-4D97-AF65-F5344CB8AC3E}">
+        <p14:creationId xmlns:p14="http://schemas.microsoft.com/office/powerpoint/2010/main" val="810842354"/>
+      </p:ext>
+    </p:extLst>
+  </p:cSld>
+  <p:clrMapOvr>
+    <a:masterClrMapping/>
+  </p:clrMapOvr>
+</p:sld>
+</file>
+
+<file path=ppt/slides/slide13.xml><?xml version="1.0" encoding="utf-8"?>
 <p:sld xmlns:a="http://schemas.openxmlformats.org/drawingml/2006/main" xmlns:r="http://schemas.openxmlformats.org/officeDocument/2006/relationships" xmlns:p="http://schemas.openxmlformats.org/presentationml/2006/main">
   <p:cSld>
     <p:bg>
@@ -4267,6 +4639,14 @@
 <file path=ppt/slides/slide4.xml><?xml version="1.0" encoding="utf-8"?>
 <p:sld xmlns:a="http://schemas.openxmlformats.org/drawingml/2006/main" xmlns:r="http://schemas.openxmlformats.org/officeDocument/2006/relationships" xmlns:p="http://schemas.openxmlformats.org/presentationml/2006/main">
   <p:cSld>
+    <p:bg>
+      <p:bgPr>
+        <a:solidFill>
+          <a:schemeClr val="bg2"/>
+        </a:solidFill>
+        <a:effectLst/>
+      </p:bgPr>
+    </p:bg>
     <p:spTree>
       <p:nvGrpSpPr>
         <p:cNvPr id="1" name=""/>
@@ -4283,6 +4663,69 @@
       </p:grpSpPr>
       <p:sp>
         <p:nvSpPr>
+          <p:cNvPr id="12" name="Rectangle 11">
+            <a:extLst>
+              <a:ext uri="{FF2B5EF4-FFF2-40B4-BE49-F238E27FC236}">
+                <a16:creationId xmlns:a16="http://schemas.microsoft.com/office/drawing/2014/main" id="{16C5FA50-8D52-4617-AF91-5C7B1C8352F1}"/>
+              </a:ext>
+              <a:ext uri="{C183D7F6-B498-43B3-948B-1728B52AA6E4}">
+                <adec:decorative xmlns:adec="http://schemas.microsoft.com/office/drawing/2017/decorative" val="1"/>
+              </a:ext>
+            </a:extLst>
+          </p:cNvPr>
+          <p:cNvSpPr>
+            <a:spLocks noGrp="1" noRot="1" noChangeAspect="1" noMove="1" noResize="1" noEditPoints="1" noAdjustHandles="1" noChangeArrowheads="1" noChangeShapeType="1" noTextEdit="1"/>
+          </p:cNvSpPr>
+          <p:nvPr>
+            <p:extLst>
+              <p:ext uri="{386F3935-93C4-4BCD-93E2-E3B085C9AB24}">
+                <p16:designElem xmlns:p16="http://schemas.microsoft.com/office/powerpoint/2015/main" val="1"/>
+              </p:ext>
+            </p:extLst>
+          </p:nvPr>
+        </p:nvSpPr>
+        <p:spPr>
+          <a:xfrm>
+            <a:off x="0" y="0"/>
+            <a:ext cx="12192000" cy="6858000"/>
+          </a:xfrm>
+          <a:prstGeom prst="rect">
+            <a:avLst/>
+          </a:prstGeom>
+          <a:solidFill>
+            <a:srgbClr val="5F7A81"/>
+          </a:solidFill>
+          <a:ln>
+            <a:noFill/>
+          </a:ln>
+        </p:spPr>
+        <p:style>
+          <a:lnRef idx="2">
+            <a:schemeClr val="accent1">
+              <a:shade val="50000"/>
+            </a:schemeClr>
+          </a:lnRef>
+          <a:fillRef idx="1">
+            <a:schemeClr val="accent1"/>
+          </a:fillRef>
+          <a:effectRef idx="0">
+            <a:schemeClr val="accent1"/>
+          </a:effectRef>
+          <a:fontRef idx="minor">
+            <a:schemeClr val="lt1"/>
+          </a:fontRef>
+        </p:style>
+        <p:txBody>
+          <a:bodyPr rtlCol="0" anchor="ctr"/>
+          <a:lstStyle/>
+          <a:p>
+            <a:pPr algn="ctr"/>
+            <a:endParaRPr lang="en-US"/>
+          </a:p>
+        </p:txBody>
+      </p:sp>
+      <p:sp>
+        <p:nvSpPr>
           <p:cNvPr id="2" name="Titel 1">
             <a:extLst>
               <a:ext uri="{FF2B5EF4-FFF2-40B4-BE49-F238E27FC236}">
@@ -4297,25 +4740,109 @@
             <p:ph type="title"/>
           </p:nvPr>
         </p:nvSpPr>
-        <p:spPr/>
-        <p:txBody>
-          <a:bodyPr/>
+        <p:spPr>
+          <a:xfrm>
+            <a:off x="9093496" y="618681"/>
+            <a:ext cx="2613872" cy="4794567"/>
+          </a:xfrm>
+        </p:spPr>
+        <p:txBody>
+          <a:bodyPr vert="horz" lIns="91440" tIns="45720" rIns="91440" bIns="45720" rtlCol="0" anchor="ctr">
+            <a:normAutofit/>
+          </a:bodyPr>
+          <a:lstStyle/>
+          <a:p>
+            <a:r>
+              <a:rPr lang="en-US" sz="3600">
+                <a:solidFill>
+                  <a:srgbClr val="FFFFFF"/>
+                </a:solidFill>
+              </a:rPr>
+              <a:t>SEQUENCE DIAGRAM FOR LOGIN</a:t>
+            </a:r>
+          </a:p>
+        </p:txBody>
+      </p:sp>
+      <p:sp>
+        <p:nvSpPr>
+          <p:cNvPr id="14" name="Rounded Rectangle 9">
+            <a:extLst>
+              <a:ext uri="{FF2B5EF4-FFF2-40B4-BE49-F238E27FC236}">
+                <a16:creationId xmlns:a16="http://schemas.microsoft.com/office/drawing/2014/main" id="{E223798C-12AD-4B0C-A50C-D676347D67CF}"/>
+              </a:ext>
+              <a:ext uri="{C183D7F6-B498-43B3-948B-1728B52AA6E4}">
+                <adec:decorative xmlns:adec="http://schemas.microsoft.com/office/drawing/2017/decorative" val="1"/>
+              </a:ext>
+            </a:extLst>
+          </p:cNvPr>
+          <p:cNvSpPr>
+            <a:spLocks noGrp="1" noRot="1" noChangeAspect="1" noMove="1" noResize="1" noEditPoints="1" noAdjustHandles="1" noChangeArrowheads="1" noChangeShapeType="1" noTextEdit="1"/>
+          </p:cNvSpPr>
+          <p:nvPr>
+            <p:extLst>
+              <p:ext uri="{386F3935-93C4-4BCD-93E2-E3B085C9AB24}">
+                <p16:designElem xmlns:p16="http://schemas.microsoft.com/office/powerpoint/2015/main" val="1"/>
+              </p:ext>
+            </p:extLst>
+          </p:nvPr>
+        </p:nvSpPr>
+        <p:spPr>
+          <a:xfrm>
+            <a:off x="493354" y="484632"/>
+            <a:ext cx="8129016" cy="5724144"/>
+          </a:xfrm>
+          <a:prstGeom prst="roundRect">
+            <a:avLst>
+              <a:gd name="adj" fmla="val 0"/>
+            </a:avLst>
+          </a:prstGeom>
+          <a:solidFill>
+            <a:srgbClr val="FFFFFF"/>
+          </a:solidFill>
+          <a:ln w="9525">
+            <a:solidFill>
+              <a:srgbClr val="C8CACA"/>
+            </a:solidFill>
+          </a:ln>
+          <a:effectLst>
+            <a:outerShdw blurRad="57150" dist="19050" dir="5400000" algn="t" rotWithShape="0">
+              <a:prstClr val="black">
+                <a:alpha val="63000"/>
+              </a:prstClr>
+            </a:outerShdw>
+          </a:effectLst>
+        </p:spPr>
+        <p:style>
+          <a:lnRef idx="2">
+            <a:schemeClr val="accent1">
+              <a:shade val="50000"/>
+            </a:schemeClr>
+          </a:lnRef>
+          <a:fillRef idx="1">
+            <a:schemeClr val="accent1"/>
+          </a:fillRef>
+          <a:effectRef idx="0">
+            <a:schemeClr val="accent1"/>
+          </a:effectRef>
+          <a:fontRef idx="minor">
+            <a:schemeClr val="lt1"/>
+          </a:fontRef>
+        </p:style>
+        <p:txBody>
+          <a:bodyPr rtlCol="0" anchor="ctr"/>
           <a:lstStyle/>
           <a:p>
             <a:pPr algn="ctr"/>
-            <a:r>
-              <a:rPr lang="de-DE" dirty="0"/>
-              <a:t>SEQUENCE DIAGRAM FOR LOGIN</a:t>
-            </a:r>
+            <a:endParaRPr lang="en-US"/>
           </a:p>
         </p:txBody>
       </p:sp>
       <p:pic>
         <p:nvPicPr>
-          <p:cNvPr id="5" name="Inhaltsplatzhalter 4">
-            <a:extLst>
-              <a:ext uri="{FF2B5EF4-FFF2-40B4-BE49-F238E27FC236}">
-                <a16:creationId xmlns:a16="http://schemas.microsoft.com/office/drawing/2014/main" id="{9480DBE4-CB95-413B-863C-4814D6A48C66}"/>
+          <p:cNvPr id="7" name="Inhaltsplatzhalter 6">
+            <a:extLst>
+              <a:ext uri="{FF2B5EF4-FFF2-40B4-BE49-F238E27FC236}">
+                <a16:creationId xmlns:a16="http://schemas.microsoft.com/office/drawing/2014/main" id="{6053D9DA-70EA-4354-85C9-74263C50CD07}"/>
               </a:ext>
             </a:extLst>
           </p:cNvPr>
@@ -4326,7 +4853,7 @@
             <p:ph idx="1"/>
           </p:nvPr>
         </p:nvPicPr>
-        <p:blipFill>
+        <p:blipFill rotWithShape="1">
           <a:blip r:embed="rId2">
             <a:extLst>
               <a:ext uri="{28A0092B-C50C-407E-A947-70E740481C1C}">
@@ -4334,15 +4861,18 @@
               </a:ext>
             </a:extLst>
           </a:blip>
-          <a:stretch>
-            <a:fillRect/>
-          </a:stretch>
+          <a:srcRect t="-1656" b="505"/>
+          <a:stretch/>
         </p:blipFill>
         <p:spPr>
           <a:xfrm>
-            <a:off x="2344366" y="1848095"/>
-            <a:ext cx="7821038" cy="4251147"/>
+            <a:off x="976251" y="484631"/>
+            <a:ext cx="7163222" cy="5724143"/>
           </a:xfrm>
+          <a:prstGeom prst="rect">
+            <a:avLst/>
+          </a:prstGeom>
+          <a:effectLst/>
         </p:spPr>
       </p:pic>
     </p:spTree>
@@ -4799,7 +5329,7 @@
     <p:bg>
       <p:bgPr>
         <a:solidFill>
-          <a:schemeClr val="bg2"/>
+          <a:schemeClr val="bg1"/>
         </a:solidFill>
         <a:effectLst/>
       </p:bgPr>
@@ -4820,10 +5350,10 @@
       </p:grpSpPr>
       <p:sp>
         <p:nvSpPr>
-          <p:cNvPr id="10" name="Rectangle 9">
-            <a:extLst>
-              <a:ext uri="{FF2B5EF4-FFF2-40B4-BE49-F238E27FC236}">
-                <a16:creationId xmlns:a16="http://schemas.microsoft.com/office/drawing/2014/main" id="{BEE73255-8084-4DF9-BB0B-15EAC92E2CB9}"/>
+          <p:cNvPr id="17" name="Rectangle 16">
+            <a:extLst>
+              <a:ext uri="{FF2B5EF4-FFF2-40B4-BE49-F238E27FC236}">
+                <a16:creationId xmlns:a16="http://schemas.microsoft.com/office/drawing/2014/main" id="{6F66A575-7835-4400-BEDE-89F2EF034034}"/>
               </a:ext>
               <a:ext uri="{C183D7F6-B498-43B3-948B-1728B52AA6E4}">
                 <adec:decorative xmlns:adec="http://schemas.microsoft.com/office/drawing/2017/decorative" val="1"/>
@@ -4844,13 +5374,13 @@
         <p:spPr>
           <a:xfrm>
             <a:off x="0" y="0"/>
-            <a:ext cx="12192000" cy="6858000"/>
+            <a:ext cx="5468548" cy="6858000"/>
           </a:xfrm>
           <a:prstGeom prst="rect">
             <a:avLst/>
           </a:prstGeom>
           <a:solidFill>
-            <a:srgbClr val="C8CACA"/>
+            <a:srgbClr val="4F6267"/>
           </a:solidFill>
           <a:ln>
             <a:noFill/>
@@ -4899,8 +5429,8 @@
         </p:nvSpPr>
         <p:spPr>
           <a:xfrm>
-            <a:off x="603938" y="640081"/>
-            <a:ext cx="2608655" cy="5257799"/>
+            <a:off x="621629" y="640080"/>
+            <a:ext cx="4225290" cy="5578816"/>
           </a:xfrm>
         </p:spPr>
         <p:txBody>
@@ -4909,10 +5439,11 @@
           </a:bodyPr>
           <a:lstStyle/>
           <a:p>
-            <a:r>
-              <a:rPr lang="en-US" sz="3600">
+            <a:pPr algn="ctr"/>
+            <a:r>
+              <a:rPr lang="en-US">
                 <a:solidFill>
-                  <a:srgbClr val="2C2C2C"/>
+                  <a:srgbClr val="FFFFFF"/>
                 </a:solidFill>
               </a:rPr>
               <a:t>SEQUENCE DIAGRAM FOR HEATER</a:t>
@@ -4920,86 +5451,12 @@
           </a:p>
         </p:txBody>
       </p:sp>
-      <p:sp>
-        <p:nvSpPr>
-          <p:cNvPr id="12" name="Rounded Rectangle 9">
-            <a:extLst>
-              <a:ext uri="{FF2B5EF4-FFF2-40B4-BE49-F238E27FC236}">
-                <a16:creationId xmlns:a16="http://schemas.microsoft.com/office/drawing/2014/main" id="{67048353-8981-459A-9BC6-9711CE462E06}"/>
-              </a:ext>
-              <a:ext uri="{C183D7F6-B498-43B3-948B-1728B52AA6E4}">
-                <adec:decorative xmlns:adec="http://schemas.microsoft.com/office/drawing/2017/decorative" val="1"/>
-              </a:ext>
-            </a:extLst>
-          </p:cNvPr>
-          <p:cNvSpPr>
-            <a:spLocks noGrp="1" noRot="1" noChangeAspect="1" noMove="1" noResize="1" noEditPoints="1" noAdjustHandles="1" noChangeArrowheads="1" noChangeShapeType="1" noTextEdit="1"/>
-          </p:cNvSpPr>
-          <p:nvPr>
-            <p:extLst>
-              <p:ext uri="{386F3935-93C4-4BCD-93E2-E3B085C9AB24}">
-                <p16:designElem xmlns:p16="http://schemas.microsoft.com/office/powerpoint/2015/main" val="1"/>
-              </p:ext>
-            </p:extLst>
-          </p:nvPr>
-        </p:nvSpPr>
-        <p:spPr>
-          <a:xfrm>
-            <a:off x="3580067" y="484632"/>
-            <a:ext cx="8129016" cy="5724144"/>
-          </a:xfrm>
-          <a:prstGeom prst="roundRect">
-            <a:avLst>
-              <a:gd name="adj" fmla="val 0"/>
-            </a:avLst>
-          </a:prstGeom>
-          <a:solidFill>
-            <a:srgbClr val="FFFFFF"/>
-          </a:solidFill>
-          <a:ln w="9525">
-            <a:solidFill>
-              <a:srgbClr val="C8CACA"/>
-            </a:solidFill>
-          </a:ln>
-          <a:effectLst>
-            <a:outerShdw blurRad="57150" dist="19050" dir="5400000" algn="t" rotWithShape="0">
-              <a:prstClr val="black">
-                <a:alpha val="63000"/>
-              </a:prstClr>
-            </a:outerShdw>
-          </a:effectLst>
-        </p:spPr>
-        <p:style>
-          <a:lnRef idx="2">
-            <a:schemeClr val="accent1">
-              <a:shade val="50000"/>
-            </a:schemeClr>
-          </a:lnRef>
-          <a:fillRef idx="1">
-            <a:schemeClr val="accent1"/>
-          </a:fillRef>
-          <a:effectRef idx="0">
-            <a:schemeClr val="accent1"/>
-          </a:effectRef>
-          <a:fontRef idx="minor">
-            <a:schemeClr val="lt1"/>
-          </a:fontRef>
-        </p:style>
-        <p:txBody>
-          <a:bodyPr rtlCol="0" anchor="ctr"/>
-          <a:lstStyle/>
-          <a:p>
-            <a:pPr algn="ctr"/>
-            <a:endParaRPr lang="en-US"/>
-          </a:p>
-        </p:txBody>
-      </p:sp>
       <p:pic>
         <p:nvPicPr>
-          <p:cNvPr id="5" name="Inhaltsplatzhalter 4">
-            <a:extLst>
-              <a:ext uri="{FF2B5EF4-FFF2-40B4-BE49-F238E27FC236}">
-                <a16:creationId xmlns:a16="http://schemas.microsoft.com/office/drawing/2014/main" id="{DB6AADEB-D501-4E41-88C9-264F06FA6F17}"/>
+          <p:cNvPr id="7" name="Inhaltsplatzhalter 6">
+            <a:extLst>
+              <a:ext uri="{FF2B5EF4-FFF2-40B4-BE49-F238E27FC236}">
+                <a16:creationId xmlns:a16="http://schemas.microsoft.com/office/drawing/2014/main" id="{1D55F826-0FAE-4D6D-A782-3A4D5867AC27}"/>
               </a:ext>
             </a:extLst>
           </p:cNvPr>
@@ -5018,18 +5475,17 @@
               </a:ext>
             </a:extLst>
           </a:blip>
-          <a:srcRect t="436" r="-5" b="24881"/>
+          <a:srcRect t="52" r="-3" b="-1274"/>
           <a:stretch/>
         </p:blipFill>
         <p:spPr>
           <a:xfrm>
-            <a:off x="3808197" y="771525"/>
-            <a:ext cx="7417989" cy="5126355"/>
+            <a:off x="6096000" y="640079"/>
+            <a:ext cx="5459470" cy="5741265"/>
           </a:xfrm>
           <a:prstGeom prst="rect">
             <a:avLst/>
           </a:prstGeom>
-          <a:effectLst/>
         </p:spPr>
       </p:pic>
     </p:spTree>
@@ -5051,7 +5507,7 @@
     <p:bg>
       <p:bgPr>
         <a:solidFill>
-          <a:schemeClr val="bg2"/>
+          <a:schemeClr val="bg1"/>
         </a:solidFill>
         <a:effectLst/>
       </p:bgPr>
@@ -5075,7 +5531,7 @@
           <p:cNvPr id="10" name="Rectangle 9">
             <a:extLst>
               <a:ext uri="{FF2B5EF4-FFF2-40B4-BE49-F238E27FC236}">
-                <a16:creationId xmlns:a16="http://schemas.microsoft.com/office/drawing/2014/main" id="{16C5FA50-8D52-4617-AF91-5C7B1C8352F1}"/>
+                <a16:creationId xmlns:a16="http://schemas.microsoft.com/office/drawing/2014/main" id="{6F66A575-7835-4400-BEDE-89F2EF034034}"/>
               </a:ext>
               <a:ext uri="{C183D7F6-B498-43B3-948B-1728B52AA6E4}">
                 <adec:decorative xmlns:adec="http://schemas.microsoft.com/office/drawing/2017/decorative" val="1"/>
@@ -5096,13 +5552,13 @@
         <p:spPr>
           <a:xfrm>
             <a:off x="0" y="0"/>
-            <a:ext cx="12192000" cy="6858000"/>
+            <a:ext cx="5468548" cy="6858000"/>
           </a:xfrm>
           <a:prstGeom prst="rect">
             <a:avLst/>
           </a:prstGeom>
           <a:solidFill>
-            <a:srgbClr val="919169"/>
+            <a:srgbClr val="354552"/>
           </a:solidFill>
           <a:ln>
             <a:noFill/>
@@ -5138,7 +5594,7 @@
           <p:cNvPr id="2" name="Titel 1">
             <a:extLst>
               <a:ext uri="{FF2B5EF4-FFF2-40B4-BE49-F238E27FC236}">
-                <a16:creationId xmlns:a16="http://schemas.microsoft.com/office/drawing/2014/main" id="{D6603AF2-DDFE-4DF4-A2BF-A9659BD652CF}"/>
+                <a16:creationId xmlns:a16="http://schemas.microsoft.com/office/drawing/2014/main" id="{C1FC8566-AC65-477D-9478-39E2B8C35E87}"/>
               </a:ext>
             </a:extLst>
           </p:cNvPr>
@@ -5151,8 +5607,8 @@
         </p:nvSpPr>
         <p:spPr>
           <a:xfrm>
-            <a:off x="9093496" y="618681"/>
-            <a:ext cx="2613872" cy="4794567"/>
+            <a:off x="621629" y="640080"/>
+            <a:ext cx="4225290" cy="5578816"/>
           </a:xfrm>
         </p:spPr>
         <p:txBody>
@@ -5161,97 +5617,24 @@
           </a:bodyPr>
           <a:lstStyle/>
           <a:p>
-            <a:r>
-              <a:rPr lang="en-US" sz="3600" dirty="0">
+            <a:pPr algn="ctr"/>
+            <a:r>
+              <a:rPr lang="en-US">
                 <a:solidFill>
                   <a:srgbClr val="FFFFFF"/>
                 </a:solidFill>
               </a:rPr>
-              <a:t>SEQEUNCE DIAGRAM FOR SMART REMOTE</a:t>
-            </a:r>
-          </a:p>
-        </p:txBody>
-      </p:sp>
-      <p:sp>
-        <p:nvSpPr>
-          <p:cNvPr id="12" name="Rounded Rectangle 9">
-            <a:extLst>
-              <a:ext uri="{FF2B5EF4-FFF2-40B4-BE49-F238E27FC236}">
-                <a16:creationId xmlns:a16="http://schemas.microsoft.com/office/drawing/2014/main" id="{E223798C-12AD-4B0C-A50C-D676347D67CF}"/>
-              </a:ext>
-              <a:ext uri="{C183D7F6-B498-43B3-948B-1728B52AA6E4}">
-                <adec:decorative xmlns:adec="http://schemas.microsoft.com/office/drawing/2017/decorative" val="1"/>
-              </a:ext>
-            </a:extLst>
-          </p:cNvPr>
-          <p:cNvSpPr>
-            <a:spLocks noGrp="1" noRot="1" noChangeAspect="1" noMove="1" noResize="1" noEditPoints="1" noAdjustHandles="1" noChangeArrowheads="1" noChangeShapeType="1" noTextEdit="1"/>
-          </p:cNvSpPr>
-          <p:nvPr>
-            <p:extLst>
-              <p:ext uri="{386F3935-93C4-4BCD-93E2-E3B085C9AB24}">
-                <p16:designElem xmlns:p16="http://schemas.microsoft.com/office/powerpoint/2015/main" val="1"/>
-              </p:ext>
-            </p:extLst>
-          </p:nvPr>
-        </p:nvSpPr>
-        <p:spPr>
-          <a:xfrm>
-            <a:off x="493354" y="484632"/>
-            <a:ext cx="8129016" cy="5724144"/>
-          </a:xfrm>
-          <a:prstGeom prst="roundRect">
-            <a:avLst>
-              <a:gd name="adj" fmla="val 0"/>
-            </a:avLst>
-          </a:prstGeom>
-          <a:solidFill>
-            <a:srgbClr val="FFFFFF"/>
-          </a:solidFill>
-          <a:ln w="9525">
-            <a:solidFill>
-              <a:srgbClr val="C8CACA"/>
-            </a:solidFill>
-          </a:ln>
-          <a:effectLst>
-            <a:outerShdw blurRad="57150" dist="19050" dir="5400000" algn="t" rotWithShape="0">
-              <a:prstClr val="black">
-                <a:alpha val="63000"/>
-              </a:prstClr>
-            </a:outerShdw>
-          </a:effectLst>
-        </p:spPr>
-        <p:style>
-          <a:lnRef idx="2">
-            <a:schemeClr val="accent1">
-              <a:shade val="50000"/>
-            </a:schemeClr>
-          </a:lnRef>
-          <a:fillRef idx="1">
-            <a:schemeClr val="accent1"/>
-          </a:fillRef>
-          <a:effectRef idx="0">
-            <a:schemeClr val="accent1"/>
-          </a:effectRef>
-          <a:fontRef idx="minor">
-            <a:schemeClr val="lt1"/>
-          </a:fontRef>
-        </p:style>
-        <p:txBody>
-          <a:bodyPr rtlCol="0" anchor="ctr"/>
-          <a:lstStyle/>
-          <a:p>
-            <a:pPr algn="ctr"/>
-            <a:endParaRPr lang="en-US"/>
+              <a:t>Sequence Diagram for Air Conditioner</a:t>
+            </a:r>
           </a:p>
         </p:txBody>
       </p:sp>
       <p:pic>
         <p:nvPicPr>
-          <p:cNvPr id="7" name="Content Placeholder 6">
-            <a:extLst>
-              <a:ext uri="{FF2B5EF4-FFF2-40B4-BE49-F238E27FC236}">
-                <a16:creationId xmlns:a16="http://schemas.microsoft.com/office/drawing/2014/main" id="{BAA536C3-90EA-43F8-978E-ACFACF7BD376}"/>
+          <p:cNvPr id="5" name="Inhaltsplatzhalter 4">
+            <a:extLst>
+              <a:ext uri="{FF2B5EF4-FFF2-40B4-BE49-F238E27FC236}">
+                <a16:creationId xmlns:a16="http://schemas.microsoft.com/office/drawing/2014/main" id="{A7FB7006-6325-488F-9560-DB54EC12C862}"/>
               </a:ext>
             </a:extLst>
           </p:cNvPr>
@@ -5262,7 +5645,7 @@
             <p:ph idx="1"/>
           </p:nvPr>
         </p:nvPicPr>
-        <p:blipFill>
+        <p:blipFill rotWithShape="1">
           <a:blip r:embed="rId2">
             <a:extLst>
               <a:ext uri="{28A0092B-C50C-407E-A947-70E740481C1C}">
@@ -5270,21 +5653,23 @@
               </a:ext>
             </a:extLst>
           </a:blip>
-          <a:stretch>
-            <a:fillRect/>
-          </a:stretch>
+          <a:srcRect t="25" r="-3" b="2165"/>
+          <a:stretch/>
         </p:blipFill>
         <p:spPr>
           <a:xfrm>
-            <a:off x="0" y="0"/>
-            <a:ext cx="8622369" cy="6858000"/>
+            <a:off x="6096000" y="640080"/>
+            <a:ext cx="5459470" cy="5578816"/>
           </a:xfrm>
+          <a:prstGeom prst="rect">
+            <a:avLst/>
+          </a:prstGeom>
         </p:spPr>
       </p:pic>
     </p:spTree>
     <p:extLst>
       <p:ext uri="{BB962C8B-B14F-4D97-AF65-F5344CB8AC3E}">
-        <p14:creationId xmlns:p14="http://schemas.microsoft.com/office/powerpoint/2010/main" val="1635133515"/>
+        <p14:creationId xmlns:p14="http://schemas.microsoft.com/office/powerpoint/2010/main" val="943629256"/>
       </p:ext>
     </p:extLst>
   </p:cSld>

--- a/Project_Week_7&8/Precise Analysis.pptx
+++ b/Project_Week_7&8/Precise Analysis.pptx
@@ -271,7 +271,7 @@
           <a:p>
             <a:fld id="{23549F34-81B6-4052-990C-DAB85C5B3430}" type="datetimeFigureOut">
               <a:rPr lang="de-DE" smtClean="0"/>
-              <a:t>06.12.2020</a:t>
+              <a:t>13.12.2020</a:t>
             </a:fld>
             <a:endParaRPr lang="de-DE"/>
           </a:p>
@@ -469,7 +469,7 @@
           <a:p>
             <a:fld id="{23549F34-81B6-4052-990C-DAB85C5B3430}" type="datetimeFigureOut">
               <a:rPr lang="de-DE" smtClean="0"/>
-              <a:t>06.12.2020</a:t>
+              <a:t>13.12.2020</a:t>
             </a:fld>
             <a:endParaRPr lang="de-DE"/>
           </a:p>
@@ -677,7 +677,7 @@
           <a:p>
             <a:fld id="{23549F34-81B6-4052-990C-DAB85C5B3430}" type="datetimeFigureOut">
               <a:rPr lang="de-DE" smtClean="0"/>
-              <a:t>06.12.2020</a:t>
+              <a:t>13.12.2020</a:t>
             </a:fld>
             <a:endParaRPr lang="de-DE"/>
           </a:p>
@@ -875,7 +875,7 @@
           <a:p>
             <a:fld id="{23549F34-81B6-4052-990C-DAB85C5B3430}" type="datetimeFigureOut">
               <a:rPr lang="de-DE" smtClean="0"/>
-              <a:t>06.12.2020</a:t>
+              <a:t>13.12.2020</a:t>
             </a:fld>
             <a:endParaRPr lang="de-DE"/>
           </a:p>
@@ -1150,7 +1150,7 @@
           <a:p>
             <a:fld id="{23549F34-81B6-4052-990C-DAB85C5B3430}" type="datetimeFigureOut">
               <a:rPr lang="de-DE" smtClean="0"/>
-              <a:t>06.12.2020</a:t>
+              <a:t>13.12.2020</a:t>
             </a:fld>
             <a:endParaRPr lang="de-DE"/>
           </a:p>
@@ -1415,7 +1415,7 @@
           <a:p>
             <a:fld id="{23549F34-81B6-4052-990C-DAB85C5B3430}" type="datetimeFigureOut">
               <a:rPr lang="de-DE" smtClean="0"/>
-              <a:t>06.12.2020</a:t>
+              <a:t>13.12.2020</a:t>
             </a:fld>
             <a:endParaRPr lang="de-DE"/>
           </a:p>
@@ -1827,7 +1827,7 @@
           <a:p>
             <a:fld id="{23549F34-81B6-4052-990C-DAB85C5B3430}" type="datetimeFigureOut">
               <a:rPr lang="de-DE" smtClean="0"/>
-              <a:t>06.12.2020</a:t>
+              <a:t>13.12.2020</a:t>
             </a:fld>
             <a:endParaRPr lang="de-DE"/>
           </a:p>
@@ -1968,7 +1968,7 @@
           <a:p>
             <a:fld id="{23549F34-81B6-4052-990C-DAB85C5B3430}" type="datetimeFigureOut">
               <a:rPr lang="de-DE" smtClean="0"/>
-              <a:t>06.12.2020</a:t>
+              <a:t>13.12.2020</a:t>
             </a:fld>
             <a:endParaRPr lang="de-DE"/>
           </a:p>
@@ -2081,7 +2081,7 @@
           <a:p>
             <a:fld id="{23549F34-81B6-4052-990C-DAB85C5B3430}" type="datetimeFigureOut">
               <a:rPr lang="de-DE" smtClean="0"/>
-              <a:t>06.12.2020</a:t>
+              <a:t>13.12.2020</a:t>
             </a:fld>
             <a:endParaRPr lang="de-DE"/>
           </a:p>
@@ -2392,7 +2392,7 @@
           <a:p>
             <a:fld id="{23549F34-81B6-4052-990C-DAB85C5B3430}" type="datetimeFigureOut">
               <a:rPr lang="de-DE" smtClean="0"/>
-              <a:t>06.12.2020</a:t>
+              <a:t>13.12.2020</a:t>
             </a:fld>
             <a:endParaRPr lang="de-DE"/>
           </a:p>
@@ -2680,7 +2680,7 @@
           <a:p>
             <a:fld id="{23549F34-81B6-4052-990C-DAB85C5B3430}" type="datetimeFigureOut">
               <a:rPr lang="de-DE" smtClean="0"/>
-              <a:t>06.12.2020</a:t>
+              <a:t>13.12.2020</a:t>
             </a:fld>
             <a:endParaRPr lang="de-DE"/>
           </a:p>
@@ -2921,7 +2921,7 @@
           <a:p>
             <a:fld id="{23549F34-81B6-4052-990C-DAB85C5B3430}" type="datetimeFigureOut">
               <a:rPr lang="de-DE" smtClean="0"/>
-              <a:t>06.12.2020</a:t>
+              <a:t>13.12.2020</a:t>
             </a:fld>
             <a:endParaRPr lang="de-DE"/>
           </a:p>
@@ -3386,6 +3386,14 @@
 <file path=ppt/slides/slide10.xml><?xml version="1.0" encoding="utf-8"?>
 <p:sld xmlns:a="http://schemas.openxmlformats.org/drawingml/2006/main" xmlns:r="http://schemas.openxmlformats.org/officeDocument/2006/relationships" xmlns:p="http://schemas.openxmlformats.org/presentationml/2006/main">
   <p:cSld>
+    <p:bg>
+      <p:bgPr>
+        <a:solidFill>
+          <a:schemeClr val="bg2"/>
+        </a:solidFill>
+        <a:effectLst/>
+      </p:bgPr>
+    </p:bg>
     <p:spTree>
       <p:nvGrpSpPr>
         <p:cNvPr id="1" name=""/>
@@ -3402,6 +3410,69 @@
       </p:grpSpPr>
       <p:sp>
         <p:nvSpPr>
+          <p:cNvPr id="12" name="Rectangle 11">
+            <a:extLst>
+              <a:ext uri="{FF2B5EF4-FFF2-40B4-BE49-F238E27FC236}">
+                <a16:creationId xmlns:a16="http://schemas.microsoft.com/office/drawing/2014/main" id="{16C5FA50-8D52-4617-AF91-5C7B1C8352F1}"/>
+              </a:ext>
+              <a:ext uri="{C183D7F6-B498-43B3-948B-1728B52AA6E4}">
+                <adec:decorative xmlns:adec="http://schemas.microsoft.com/office/drawing/2017/decorative" val="1"/>
+              </a:ext>
+            </a:extLst>
+          </p:cNvPr>
+          <p:cNvSpPr>
+            <a:spLocks noGrp="1" noRot="1" noChangeAspect="1" noMove="1" noResize="1" noEditPoints="1" noAdjustHandles="1" noChangeArrowheads="1" noChangeShapeType="1" noTextEdit="1"/>
+          </p:cNvSpPr>
+          <p:nvPr>
+            <p:extLst>
+              <p:ext uri="{386F3935-93C4-4BCD-93E2-E3B085C9AB24}">
+                <p16:designElem xmlns:p16="http://schemas.microsoft.com/office/powerpoint/2015/main" val="1"/>
+              </p:ext>
+            </p:extLst>
+          </p:nvPr>
+        </p:nvSpPr>
+        <p:spPr>
+          <a:xfrm>
+            <a:off x="0" y="0"/>
+            <a:ext cx="12192000" cy="6858000"/>
+          </a:xfrm>
+          <a:prstGeom prst="rect">
+            <a:avLst/>
+          </a:prstGeom>
+          <a:solidFill>
+            <a:srgbClr val="3E4B55"/>
+          </a:solidFill>
+          <a:ln>
+            <a:noFill/>
+          </a:ln>
+        </p:spPr>
+        <p:style>
+          <a:lnRef idx="2">
+            <a:schemeClr val="accent1">
+              <a:shade val="50000"/>
+            </a:schemeClr>
+          </a:lnRef>
+          <a:fillRef idx="1">
+            <a:schemeClr val="accent1"/>
+          </a:fillRef>
+          <a:effectRef idx="0">
+            <a:schemeClr val="accent1"/>
+          </a:effectRef>
+          <a:fontRef idx="minor">
+            <a:schemeClr val="lt1"/>
+          </a:fontRef>
+        </p:style>
+        <p:txBody>
+          <a:bodyPr rtlCol="0" anchor="ctr"/>
+          <a:lstStyle/>
+          <a:p>
+            <a:pPr algn="ctr"/>
+            <a:endParaRPr lang="en-US"/>
+          </a:p>
+        </p:txBody>
+      </p:sp>
+      <p:sp>
+        <p:nvSpPr>
           <p:cNvPr id="2" name="Titel 1">
             <a:extLst>
               <a:ext uri="{FF2B5EF4-FFF2-40B4-BE49-F238E27FC236}">
@@ -3416,52 +3487,109 @@
             <p:ph type="title"/>
           </p:nvPr>
         </p:nvSpPr>
-        <p:spPr/>
-        <p:txBody>
-          <a:bodyPr/>
-          <a:lstStyle/>
-          <a:p>
-            <a:r>
-              <a:rPr lang="de-DE" dirty="0" err="1"/>
-              <a:t>Sequence</a:t>
-            </a:r>
-            <a:r>
-              <a:rPr lang="de-DE" dirty="0"/>
-              <a:t> </a:t>
-            </a:r>
-            <a:r>
-              <a:rPr lang="de-DE" dirty="0" err="1"/>
-              <a:t>Diagram</a:t>
-            </a:r>
-            <a:r>
-              <a:rPr lang="de-DE" dirty="0"/>
-              <a:t> </a:t>
-            </a:r>
-            <a:r>
-              <a:rPr lang="de-DE" dirty="0" err="1"/>
-              <a:t>for</a:t>
-            </a:r>
-            <a:r>
-              <a:rPr lang="de-DE" dirty="0"/>
-              <a:t> </a:t>
-            </a:r>
-            <a:r>
-              <a:rPr lang="de-DE" dirty="0" err="1"/>
-              <a:t>Fire</a:t>
-            </a:r>
-            <a:r>
-              <a:rPr lang="de-DE" dirty="0"/>
-              <a:t> Alarm</a:t>
-            </a:r>
+        <p:spPr>
+          <a:xfrm>
+            <a:off x="9093496" y="618681"/>
+            <a:ext cx="2613872" cy="4794567"/>
+          </a:xfrm>
+        </p:spPr>
+        <p:txBody>
+          <a:bodyPr vert="horz" lIns="91440" tIns="45720" rIns="91440" bIns="45720" rtlCol="0" anchor="ctr">
+            <a:normAutofit/>
+          </a:bodyPr>
+          <a:lstStyle/>
+          <a:p>
+            <a:r>
+              <a:rPr lang="en-US" sz="3600">
+                <a:solidFill>
+                  <a:srgbClr val="FFFFFF"/>
+                </a:solidFill>
+              </a:rPr>
+              <a:t>Sequence Diagram for Fire Alarm</a:t>
+            </a:r>
+          </a:p>
+        </p:txBody>
+      </p:sp>
+      <p:sp>
+        <p:nvSpPr>
+          <p:cNvPr id="14" name="Rounded Rectangle 9">
+            <a:extLst>
+              <a:ext uri="{FF2B5EF4-FFF2-40B4-BE49-F238E27FC236}">
+                <a16:creationId xmlns:a16="http://schemas.microsoft.com/office/drawing/2014/main" id="{E223798C-12AD-4B0C-A50C-D676347D67CF}"/>
+              </a:ext>
+              <a:ext uri="{C183D7F6-B498-43B3-948B-1728B52AA6E4}">
+                <adec:decorative xmlns:adec="http://schemas.microsoft.com/office/drawing/2017/decorative" val="1"/>
+              </a:ext>
+            </a:extLst>
+          </p:cNvPr>
+          <p:cNvSpPr>
+            <a:spLocks noGrp="1" noRot="1" noChangeAspect="1" noMove="1" noResize="1" noEditPoints="1" noAdjustHandles="1" noChangeArrowheads="1" noChangeShapeType="1" noTextEdit="1"/>
+          </p:cNvSpPr>
+          <p:nvPr>
+            <p:extLst>
+              <p:ext uri="{386F3935-93C4-4BCD-93E2-E3B085C9AB24}">
+                <p16:designElem xmlns:p16="http://schemas.microsoft.com/office/powerpoint/2015/main" val="1"/>
+              </p:ext>
+            </p:extLst>
+          </p:nvPr>
+        </p:nvSpPr>
+        <p:spPr>
+          <a:xfrm>
+            <a:off x="493354" y="484632"/>
+            <a:ext cx="8129016" cy="5724144"/>
+          </a:xfrm>
+          <a:prstGeom prst="roundRect">
+            <a:avLst>
+              <a:gd name="adj" fmla="val 0"/>
+            </a:avLst>
+          </a:prstGeom>
+          <a:solidFill>
+            <a:srgbClr val="FFFFFF"/>
+          </a:solidFill>
+          <a:ln w="9525">
+            <a:solidFill>
+              <a:srgbClr val="C8CACA"/>
+            </a:solidFill>
+          </a:ln>
+          <a:effectLst>
+            <a:outerShdw blurRad="57150" dist="19050" dir="5400000" algn="t" rotWithShape="0">
+              <a:prstClr val="black">
+                <a:alpha val="63000"/>
+              </a:prstClr>
+            </a:outerShdw>
+          </a:effectLst>
+        </p:spPr>
+        <p:style>
+          <a:lnRef idx="2">
+            <a:schemeClr val="accent1">
+              <a:shade val="50000"/>
+            </a:schemeClr>
+          </a:lnRef>
+          <a:fillRef idx="1">
+            <a:schemeClr val="accent1"/>
+          </a:fillRef>
+          <a:effectRef idx="0">
+            <a:schemeClr val="accent1"/>
+          </a:effectRef>
+          <a:fontRef idx="minor">
+            <a:schemeClr val="lt1"/>
+          </a:fontRef>
+        </p:style>
+        <p:txBody>
+          <a:bodyPr rtlCol="0" anchor="ctr"/>
+          <a:lstStyle/>
+          <a:p>
+            <a:pPr algn="ctr"/>
+            <a:endParaRPr lang="en-US"/>
           </a:p>
         </p:txBody>
       </p:sp>
       <p:pic>
         <p:nvPicPr>
-          <p:cNvPr id="5" name="Inhaltsplatzhalter 4">
-            <a:extLst>
-              <a:ext uri="{FF2B5EF4-FFF2-40B4-BE49-F238E27FC236}">
-                <a16:creationId xmlns:a16="http://schemas.microsoft.com/office/drawing/2014/main" id="{722BDD0C-73BE-4C41-935C-950040DA3C43}"/>
+          <p:cNvPr id="7" name="Inhaltsplatzhalter 6">
+            <a:extLst>
+              <a:ext uri="{FF2B5EF4-FFF2-40B4-BE49-F238E27FC236}">
+                <a16:creationId xmlns:a16="http://schemas.microsoft.com/office/drawing/2014/main" id="{9FE24162-9809-4F88-869D-B2B93024ACF1}"/>
               </a:ext>
             </a:extLst>
           </p:cNvPr>
@@ -3472,7 +3600,7 @@
             <p:ph idx="1"/>
           </p:nvPr>
         </p:nvPicPr>
-        <p:blipFill>
+        <p:blipFill rotWithShape="1">
           <a:blip r:embed="rId2">
             <a:extLst>
               <a:ext uri="{28A0092B-C50C-407E-A947-70E740481C1C}">
@@ -3480,15 +3608,18 @@
               </a:ext>
             </a:extLst>
           </a:blip>
-          <a:stretch>
-            <a:fillRect/>
-          </a:stretch>
+          <a:srcRect l="171" t="-2630" r="-1373" b="-854"/>
+          <a:stretch/>
         </p:blipFill>
         <p:spPr>
           <a:xfrm>
-            <a:off x="838200" y="2186249"/>
-            <a:ext cx="8746170" cy="3573530"/>
-          </a:xfrm>
+            <a:off x="671208" y="817123"/>
+            <a:ext cx="7937655" cy="4933747"/>
+          </a:xfrm>
+          <a:prstGeom prst="rect">
+            <a:avLst/>
+          </a:prstGeom>
+          <a:effectLst/>
         </p:spPr>
       </p:pic>
     </p:spTree>

--- a/Project_Week_7&8/Precise Analysis.pptx
+++ b/Project_Week_7&8/Precise Analysis.pptx
@@ -9,15 +9,14 @@
     <p:sldId id="257" r:id="rId3"/>
     <p:sldId id="261" r:id="rId4"/>
     <p:sldId id="262" r:id="rId5"/>
-    <p:sldId id="263" r:id="rId6"/>
-    <p:sldId id="264" r:id="rId7"/>
-    <p:sldId id="269" r:id="rId8"/>
-    <p:sldId id="259" r:id="rId9"/>
-    <p:sldId id="266" r:id="rId10"/>
-    <p:sldId id="270" r:id="rId11"/>
-    <p:sldId id="267" r:id="rId12"/>
-    <p:sldId id="268" r:id="rId13"/>
-    <p:sldId id="265" r:id="rId14"/>
+    <p:sldId id="271" r:id="rId6"/>
+    <p:sldId id="263" r:id="rId7"/>
+    <p:sldId id="259" r:id="rId8"/>
+    <p:sldId id="266" r:id="rId9"/>
+    <p:sldId id="270" r:id="rId10"/>
+    <p:sldId id="267" r:id="rId11"/>
+    <p:sldId id="268" r:id="rId12"/>
+    <p:sldId id="265" r:id="rId13"/>
   </p:sldIdLst>
   <p:sldSz cx="12192000" cy="6858000"/>
   <p:notesSz cx="6858000" cy="9144000"/>
@@ -3386,258 +3385,6 @@
 <file path=ppt/slides/slide10.xml><?xml version="1.0" encoding="utf-8"?>
 <p:sld xmlns:a="http://schemas.openxmlformats.org/drawingml/2006/main" xmlns:r="http://schemas.openxmlformats.org/officeDocument/2006/relationships" xmlns:p="http://schemas.openxmlformats.org/presentationml/2006/main">
   <p:cSld>
-    <p:bg>
-      <p:bgPr>
-        <a:solidFill>
-          <a:schemeClr val="bg2"/>
-        </a:solidFill>
-        <a:effectLst/>
-      </p:bgPr>
-    </p:bg>
-    <p:spTree>
-      <p:nvGrpSpPr>
-        <p:cNvPr id="1" name=""/>
-        <p:cNvGrpSpPr/>
-        <p:nvPr/>
-      </p:nvGrpSpPr>
-      <p:grpSpPr>
-        <a:xfrm>
-          <a:off x="0" y="0"/>
-          <a:ext cx="0" cy="0"/>
-          <a:chOff x="0" y="0"/>
-          <a:chExt cx="0" cy="0"/>
-        </a:xfrm>
-      </p:grpSpPr>
-      <p:sp>
-        <p:nvSpPr>
-          <p:cNvPr id="12" name="Rectangle 11">
-            <a:extLst>
-              <a:ext uri="{FF2B5EF4-FFF2-40B4-BE49-F238E27FC236}">
-                <a16:creationId xmlns:a16="http://schemas.microsoft.com/office/drawing/2014/main" id="{16C5FA50-8D52-4617-AF91-5C7B1C8352F1}"/>
-              </a:ext>
-              <a:ext uri="{C183D7F6-B498-43B3-948B-1728B52AA6E4}">
-                <adec:decorative xmlns:adec="http://schemas.microsoft.com/office/drawing/2017/decorative" val="1"/>
-              </a:ext>
-            </a:extLst>
-          </p:cNvPr>
-          <p:cNvSpPr>
-            <a:spLocks noGrp="1" noRot="1" noChangeAspect="1" noMove="1" noResize="1" noEditPoints="1" noAdjustHandles="1" noChangeArrowheads="1" noChangeShapeType="1" noTextEdit="1"/>
-          </p:cNvSpPr>
-          <p:nvPr>
-            <p:extLst>
-              <p:ext uri="{386F3935-93C4-4BCD-93E2-E3B085C9AB24}">
-                <p16:designElem xmlns:p16="http://schemas.microsoft.com/office/powerpoint/2015/main" val="1"/>
-              </p:ext>
-            </p:extLst>
-          </p:nvPr>
-        </p:nvSpPr>
-        <p:spPr>
-          <a:xfrm>
-            <a:off x="0" y="0"/>
-            <a:ext cx="12192000" cy="6858000"/>
-          </a:xfrm>
-          <a:prstGeom prst="rect">
-            <a:avLst/>
-          </a:prstGeom>
-          <a:solidFill>
-            <a:srgbClr val="3E4B55"/>
-          </a:solidFill>
-          <a:ln>
-            <a:noFill/>
-          </a:ln>
-        </p:spPr>
-        <p:style>
-          <a:lnRef idx="2">
-            <a:schemeClr val="accent1">
-              <a:shade val="50000"/>
-            </a:schemeClr>
-          </a:lnRef>
-          <a:fillRef idx="1">
-            <a:schemeClr val="accent1"/>
-          </a:fillRef>
-          <a:effectRef idx="0">
-            <a:schemeClr val="accent1"/>
-          </a:effectRef>
-          <a:fontRef idx="minor">
-            <a:schemeClr val="lt1"/>
-          </a:fontRef>
-        </p:style>
-        <p:txBody>
-          <a:bodyPr rtlCol="0" anchor="ctr"/>
-          <a:lstStyle/>
-          <a:p>
-            <a:pPr algn="ctr"/>
-            <a:endParaRPr lang="en-US"/>
-          </a:p>
-        </p:txBody>
-      </p:sp>
-      <p:sp>
-        <p:nvSpPr>
-          <p:cNvPr id="2" name="Titel 1">
-            <a:extLst>
-              <a:ext uri="{FF2B5EF4-FFF2-40B4-BE49-F238E27FC236}">
-                <a16:creationId xmlns:a16="http://schemas.microsoft.com/office/drawing/2014/main" id="{B8437B35-6466-44DD-B967-D220C5E89F8B}"/>
-              </a:ext>
-            </a:extLst>
-          </p:cNvPr>
-          <p:cNvSpPr>
-            <a:spLocks noGrp="1"/>
-          </p:cNvSpPr>
-          <p:nvPr>
-            <p:ph type="title"/>
-          </p:nvPr>
-        </p:nvSpPr>
-        <p:spPr>
-          <a:xfrm>
-            <a:off x="9093496" y="618681"/>
-            <a:ext cx="2613872" cy="4794567"/>
-          </a:xfrm>
-        </p:spPr>
-        <p:txBody>
-          <a:bodyPr vert="horz" lIns="91440" tIns="45720" rIns="91440" bIns="45720" rtlCol="0" anchor="ctr">
-            <a:normAutofit/>
-          </a:bodyPr>
-          <a:lstStyle/>
-          <a:p>
-            <a:r>
-              <a:rPr lang="en-US" sz="3600">
-                <a:solidFill>
-                  <a:srgbClr val="FFFFFF"/>
-                </a:solidFill>
-              </a:rPr>
-              <a:t>Sequence Diagram for Fire Alarm</a:t>
-            </a:r>
-          </a:p>
-        </p:txBody>
-      </p:sp>
-      <p:sp>
-        <p:nvSpPr>
-          <p:cNvPr id="14" name="Rounded Rectangle 9">
-            <a:extLst>
-              <a:ext uri="{FF2B5EF4-FFF2-40B4-BE49-F238E27FC236}">
-                <a16:creationId xmlns:a16="http://schemas.microsoft.com/office/drawing/2014/main" id="{E223798C-12AD-4B0C-A50C-D676347D67CF}"/>
-              </a:ext>
-              <a:ext uri="{C183D7F6-B498-43B3-948B-1728B52AA6E4}">
-                <adec:decorative xmlns:adec="http://schemas.microsoft.com/office/drawing/2017/decorative" val="1"/>
-              </a:ext>
-            </a:extLst>
-          </p:cNvPr>
-          <p:cNvSpPr>
-            <a:spLocks noGrp="1" noRot="1" noChangeAspect="1" noMove="1" noResize="1" noEditPoints="1" noAdjustHandles="1" noChangeArrowheads="1" noChangeShapeType="1" noTextEdit="1"/>
-          </p:cNvSpPr>
-          <p:nvPr>
-            <p:extLst>
-              <p:ext uri="{386F3935-93C4-4BCD-93E2-E3B085C9AB24}">
-                <p16:designElem xmlns:p16="http://schemas.microsoft.com/office/powerpoint/2015/main" val="1"/>
-              </p:ext>
-            </p:extLst>
-          </p:nvPr>
-        </p:nvSpPr>
-        <p:spPr>
-          <a:xfrm>
-            <a:off x="493354" y="484632"/>
-            <a:ext cx="8129016" cy="5724144"/>
-          </a:xfrm>
-          <a:prstGeom prst="roundRect">
-            <a:avLst>
-              <a:gd name="adj" fmla="val 0"/>
-            </a:avLst>
-          </a:prstGeom>
-          <a:solidFill>
-            <a:srgbClr val="FFFFFF"/>
-          </a:solidFill>
-          <a:ln w="9525">
-            <a:solidFill>
-              <a:srgbClr val="C8CACA"/>
-            </a:solidFill>
-          </a:ln>
-          <a:effectLst>
-            <a:outerShdw blurRad="57150" dist="19050" dir="5400000" algn="t" rotWithShape="0">
-              <a:prstClr val="black">
-                <a:alpha val="63000"/>
-              </a:prstClr>
-            </a:outerShdw>
-          </a:effectLst>
-        </p:spPr>
-        <p:style>
-          <a:lnRef idx="2">
-            <a:schemeClr val="accent1">
-              <a:shade val="50000"/>
-            </a:schemeClr>
-          </a:lnRef>
-          <a:fillRef idx="1">
-            <a:schemeClr val="accent1"/>
-          </a:fillRef>
-          <a:effectRef idx="0">
-            <a:schemeClr val="accent1"/>
-          </a:effectRef>
-          <a:fontRef idx="minor">
-            <a:schemeClr val="lt1"/>
-          </a:fontRef>
-        </p:style>
-        <p:txBody>
-          <a:bodyPr rtlCol="0" anchor="ctr"/>
-          <a:lstStyle/>
-          <a:p>
-            <a:pPr algn="ctr"/>
-            <a:endParaRPr lang="en-US"/>
-          </a:p>
-        </p:txBody>
-      </p:sp>
-      <p:pic>
-        <p:nvPicPr>
-          <p:cNvPr id="7" name="Inhaltsplatzhalter 6">
-            <a:extLst>
-              <a:ext uri="{FF2B5EF4-FFF2-40B4-BE49-F238E27FC236}">
-                <a16:creationId xmlns:a16="http://schemas.microsoft.com/office/drawing/2014/main" id="{9FE24162-9809-4F88-869D-B2B93024ACF1}"/>
-              </a:ext>
-            </a:extLst>
-          </p:cNvPr>
-          <p:cNvPicPr>
-            <a:picLocks noGrp="1" noChangeAspect="1"/>
-          </p:cNvPicPr>
-          <p:nvPr>
-            <p:ph idx="1"/>
-          </p:nvPr>
-        </p:nvPicPr>
-        <p:blipFill rotWithShape="1">
-          <a:blip r:embed="rId2">
-            <a:extLst>
-              <a:ext uri="{28A0092B-C50C-407E-A947-70E740481C1C}">
-                <a14:useLocalDpi xmlns:a14="http://schemas.microsoft.com/office/drawing/2010/main" val="0"/>
-              </a:ext>
-            </a:extLst>
-          </a:blip>
-          <a:srcRect l="171" t="-2630" r="-1373" b="-854"/>
-          <a:stretch/>
-        </p:blipFill>
-        <p:spPr>
-          <a:xfrm>
-            <a:off x="671208" y="817123"/>
-            <a:ext cx="7937655" cy="4933747"/>
-          </a:xfrm>
-          <a:prstGeom prst="rect">
-            <a:avLst/>
-          </a:prstGeom>
-          <a:effectLst/>
-        </p:spPr>
-      </p:pic>
-    </p:spTree>
-    <p:extLst>
-      <p:ext uri="{BB962C8B-B14F-4D97-AF65-F5344CB8AC3E}">
-        <p14:creationId xmlns:p14="http://schemas.microsoft.com/office/powerpoint/2010/main" val="810842354"/>
-      </p:ext>
-    </p:extLst>
-  </p:cSld>
-  <p:clrMapOvr>
-    <a:masterClrMapping/>
-  </p:clrMapOvr>
-</p:sld>
-</file>
-
-<file path=ppt/slides/slide11.xml><?xml version="1.0" encoding="utf-8"?>
-<p:sld xmlns:a="http://schemas.openxmlformats.org/drawingml/2006/main" xmlns:r="http://schemas.openxmlformats.org/officeDocument/2006/relationships" xmlns:p="http://schemas.openxmlformats.org/presentationml/2006/main">
-  <p:cSld>
     <p:spTree>
       <p:nvGrpSpPr>
         <p:cNvPr id="1" name=""/>
@@ -3726,7 +3473,7 @@
 </p:sld>
 </file>
 
-<file path=ppt/slides/slide12.xml><?xml version="1.0" encoding="utf-8"?>
+<file path=ppt/slides/slide11.xml><?xml version="1.0" encoding="utf-8"?>
 <p:sld xmlns:a="http://schemas.openxmlformats.org/drawingml/2006/main" xmlns:r="http://schemas.openxmlformats.org/officeDocument/2006/relationships" xmlns:p="http://schemas.openxmlformats.org/presentationml/2006/main">
   <p:cSld>
     <p:spTree>
@@ -3821,7 +3568,7 @@
 </p:sld>
 </file>
 
-<file path=ppt/slides/slide13.xml><?xml version="1.0" encoding="utf-8"?>
+<file path=ppt/slides/slide12.xml><?xml version="1.0" encoding="utf-8"?>
 <p:sld xmlns:a="http://schemas.openxmlformats.org/drawingml/2006/main" xmlns:r="http://schemas.openxmlformats.org/officeDocument/2006/relationships" xmlns:p="http://schemas.openxmlformats.org/presentationml/2006/main">
   <p:cSld>
     <p:bg>
@@ -4652,13 +4399,13 @@
               </a:ext>
             </a:extLst>
           </a:blip>
-          <a:srcRect t="-1656" b="505"/>
+          <a:srcRect l="-5486" t="-1706" r="-2919" b="-2532"/>
           <a:stretch/>
         </p:blipFill>
         <p:spPr>
           <a:xfrm>
-            <a:off x="976251" y="484631"/>
-            <a:ext cx="7163222" cy="5724143"/>
+            <a:off x="573932" y="484631"/>
+            <a:ext cx="7947498" cy="5724143"/>
           </a:xfrm>
           <a:prstGeom prst="rect">
             <a:avLst/>
@@ -4736,7 +4483,7 @@
             <a:avLst/>
           </a:prstGeom>
           <a:solidFill>
-            <a:srgbClr val="767171"/>
+            <a:srgbClr val="577177"/>
           </a:solidFill>
           <a:ln>
             <a:noFill/>
@@ -4772,7 +4519,7 @@
           <p:cNvPr id="2" name="Titel 1">
             <a:extLst>
               <a:ext uri="{FF2B5EF4-FFF2-40B4-BE49-F238E27FC236}">
-                <a16:creationId xmlns:a16="http://schemas.microsoft.com/office/drawing/2014/main" id="{7DEEC474-0D75-45E1-B309-2307D2E29849}"/>
+                <a16:creationId xmlns:a16="http://schemas.microsoft.com/office/drawing/2014/main" id="{674AF38F-3074-4503-A21A-1C0F0E8D17F0}"/>
               </a:ext>
             </a:extLst>
           </p:cNvPr>
@@ -4796,12 +4543,12 @@
           <a:lstStyle/>
           <a:p>
             <a:r>
-              <a:rPr lang="en-US" sz="3100">
+              <a:rPr lang="en-US" sz="3600">
                 <a:solidFill>
                   <a:srgbClr val="FFFFFF"/>
                 </a:solidFill>
               </a:rPr>
-              <a:t>SEQUENCE DIAGRAM FOR CONTROLLING LIGHT</a:t>
+              <a:t>Sequence Diagram For Heater And Conditioner</a:t>
             </a:r>
           </a:p>
         </p:txBody>
@@ -4882,10 +4629,10 @@
       </p:sp>
       <p:pic>
         <p:nvPicPr>
-          <p:cNvPr id="6" name="Content Placeholder 5" descr="Diagram&#10;&#10;Description automatically generated">
-            <a:extLst>
-              <a:ext uri="{FF2B5EF4-FFF2-40B4-BE49-F238E27FC236}">
-                <a16:creationId xmlns:a16="http://schemas.microsoft.com/office/drawing/2014/main" id="{DFF76A4E-429C-4E0B-9D75-B1C85D630DED}"/>
+          <p:cNvPr id="5" name="Inhaltsplatzhalter 4">
+            <a:extLst>
+              <a:ext uri="{FF2B5EF4-FFF2-40B4-BE49-F238E27FC236}">
+                <a16:creationId xmlns:a16="http://schemas.microsoft.com/office/drawing/2014/main" id="{B4E48B3B-5500-4B1A-AEE8-F6679EE7FEF6}"/>
               </a:ext>
             </a:extLst>
           </p:cNvPr>
@@ -4896,7 +4643,7 @@
             <p:ph idx="1"/>
           </p:nvPr>
         </p:nvPicPr>
-        <p:blipFill>
+        <p:blipFill rotWithShape="1">
           <a:blip r:embed="rId2">
             <a:extLst>
               <a:ext uri="{28A0092B-C50C-407E-A947-70E740481C1C}">
@@ -4904,21 +4651,24 @@
               </a:ext>
             </a:extLst>
           </a:blip>
-          <a:stretch>
-            <a:fillRect/>
-          </a:stretch>
+          <a:srcRect l="-1" t="-1770" r="-3019" b="-3385"/>
+          <a:stretch/>
         </p:blipFill>
         <p:spPr>
           <a:xfrm>
-            <a:off x="493355" y="757007"/>
-            <a:ext cx="8115510" cy="5099044"/>
+            <a:off x="493354" y="484632"/>
+            <a:ext cx="8115510" cy="5888735"/>
           </a:xfrm>
+          <a:prstGeom prst="rect">
+            <a:avLst/>
+          </a:prstGeom>
+          <a:effectLst/>
         </p:spPr>
       </p:pic>
     </p:spTree>
     <p:extLst>
       <p:ext uri="{BB962C8B-B14F-4D97-AF65-F5344CB8AC3E}">
-        <p14:creationId xmlns:p14="http://schemas.microsoft.com/office/powerpoint/2010/main" val="3097639714"/>
+        <p14:creationId xmlns:p14="http://schemas.microsoft.com/office/powerpoint/2010/main" val="2859926030"/>
       </p:ext>
     </p:extLst>
   </p:cSld>
@@ -4929,362 +4679,6 @@
 </file>
 
 <file path=ppt/slides/slide6.xml><?xml version="1.0" encoding="utf-8"?>
-<p:sld xmlns:a="http://schemas.openxmlformats.org/drawingml/2006/main" xmlns:r="http://schemas.openxmlformats.org/officeDocument/2006/relationships" xmlns:p="http://schemas.openxmlformats.org/presentationml/2006/main">
-  <p:cSld>
-    <p:bg>
-      <p:bgPr>
-        <a:solidFill>
-          <a:schemeClr val="bg1"/>
-        </a:solidFill>
-        <a:effectLst/>
-      </p:bgPr>
-    </p:bg>
-    <p:spTree>
-      <p:nvGrpSpPr>
-        <p:cNvPr id="1" name=""/>
-        <p:cNvGrpSpPr/>
-        <p:nvPr/>
-      </p:nvGrpSpPr>
-      <p:grpSpPr>
-        <a:xfrm>
-          <a:off x="0" y="0"/>
-          <a:ext cx="0" cy="0"/>
-          <a:chOff x="0" y="0"/>
-          <a:chExt cx="0" cy="0"/>
-        </a:xfrm>
-      </p:grpSpPr>
-      <p:sp>
-        <p:nvSpPr>
-          <p:cNvPr id="17" name="Rectangle 16">
-            <a:extLst>
-              <a:ext uri="{FF2B5EF4-FFF2-40B4-BE49-F238E27FC236}">
-                <a16:creationId xmlns:a16="http://schemas.microsoft.com/office/drawing/2014/main" id="{6F66A575-7835-4400-BEDE-89F2EF034034}"/>
-              </a:ext>
-              <a:ext uri="{C183D7F6-B498-43B3-948B-1728B52AA6E4}">
-                <adec:decorative xmlns:adec="http://schemas.microsoft.com/office/drawing/2017/decorative" val="1"/>
-              </a:ext>
-            </a:extLst>
-          </p:cNvPr>
-          <p:cNvSpPr>
-            <a:spLocks noGrp="1" noRot="1" noChangeAspect="1" noMove="1" noResize="1" noEditPoints="1" noAdjustHandles="1" noChangeArrowheads="1" noChangeShapeType="1" noTextEdit="1"/>
-          </p:cNvSpPr>
-          <p:nvPr>
-            <p:extLst>
-              <p:ext uri="{386F3935-93C4-4BCD-93E2-E3B085C9AB24}">
-                <p16:designElem xmlns:p16="http://schemas.microsoft.com/office/powerpoint/2015/main" val="1"/>
-              </p:ext>
-            </p:extLst>
-          </p:nvPr>
-        </p:nvSpPr>
-        <p:spPr>
-          <a:xfrm>
-            <a:off x="0" y="0"/>
-            <a:ext cx="5468548" cy="6858000"/>
-          </a:xfrm>
-          <a:prstGeom prst="rect">
-            <a:avLst/>
-          </a:prstGeom>
-          <a:solidFill>
-            <a:srgbClr val="4F6267"/>
-          </a:solidFill>
-          <a:ln>
-            <a:noFill/>
-          </a:ln>
-        </p:spPr>
-        <p:style>
-          <a:lnRef idx="2">
-            <a:schemeClr val="accent1">
-              <a:shade val="50000"/>
-            </a:schemeClr>
-          </a:lnRef>
-          <a:fillRef idx="1">
-            <a:schemeClr val="accent1"/>
-          </a:fillRef>
-          <a:effectRef idx="0">
-            <a:schemeClr val="accent1"/>
-          </a:effectRef>
-          <a:fontRef idx="minor">
-            <a:schemeClr val="lt1"/>
-          </a:fontRef>
-        </p:style>
-        <p:txBody>
-          <a:bodyPr rtlCol="0" anchor="ctr"/>
-          <a:lstStyle/>
-          <a:p>
-            <a:pPr algn="ctr"/>
-            <a:endParaRPr lang="en-US"/>
-          </a:p>
-        </p:txBody>
-      </p:sp>
-      <p:sp>
-        <p:nvSpPr>
-          <p:cNvPr id="2" name="Titel 1">
-            <a:extLst>
-              <a:ext uri="{FF2B5EF4-FFF2-40B4-BE49-F238E27FC236}">
-                <a16:creationId xmlns:a16="http://schemas.microsoft.com/office/drawing/2014/main" id="{F32A048B-4D26-4F9B-B9C1-A8722815BFED}"/>
-              </a:ext>
-            </a:extLst>
-          </p:cNvPr>
-          <p:cNvSpPr>
-            <a:spLocks noGrp="1"/>
-          </p:cNvSpPr>
-          <p:nvPr>
-            <p:ph type="title"/>
-          </p:nvPr>
-        </p:nvSpPr>
-        <p:spPr>
-          <a:xfrm>
-            <a:off x="621629" y="640080"/>
-            <a:ext cx="4225290" cy="5578816"/>
-          </a:xfrm>
-        </p:spPr>
-        <p:txBody>
-          <a:bodyPr vert="horz" lIns="91440" tIns="45720" rIns="91440" bIns="45720" rtlCol="0" anchor="ctr">
-            <a:normAutofit/>
-          </a:bodyPr>
-          <a:lstStyle/>
-          <a:p>
-            <a:pPr algn="ctr"/>
-            <a:r>
-              <a:rPr lang="en-US">
-                <a:solidFill>
-                  <a:srgbClr val="FFFFFF"/>
-                </a:solidFill>
-              </a:rPr>
-              <a:t>SEQUENCE DIAGRAM FOR HEATER</a:t>
-            </a:r>
-          </a:p>
-        </p:txBody>
-      </p:sp>
-      <p:pic>
-        <p:nvPicPr>
-          <p:cNvPr id="7" name="Inhaltsplatzhalter 6">
-            <a:extLst>
-              <a:ext uri="{FF2B5EF4-FFF2-40B4-BE49-F238E27FC236}">
-                <a16:creationId xmlns:a16="http://schemas.microsoft.com/office/drawing/2014/main" id="{1D55F826-0FAE-4D6D-A782-3A4D5867AC27}"/>
-              </a:ext>
-            </a:extLst>
-          </p:cNvPr>
-          <p:cNvPicPr>
-            <a:picLocks noGrp="1" noChangeAspect="1"/>
-          </p:cNvPicPr>
-          <p:nvPr>
-            <p:ph idx="1"/>
-          </p:nvPr>
-        </p:nvPicPr>
-        <p:blipFill rotWithShape="1">
-          <a:blip r:embed="rId2">
-            <a:extLst>
-              <a:ext uri="{28A0092B-C50C-407E-A947-70E740481C1C}">
-                <a14:useLocalDpi xmlns:a14="http://schemas.microsoft.com/office/drawing/2010/main" val="0"/>
-              </a:ext>
-            </a:extLst>
-          </a:blip>
-          <a:srcRect t="52" r="-3" b="-1274"/>
-          <a:stretch/>
-        </p:blipFill>
-        <p:spPr>
-          <a:xfrm>
-            <a:off x="6096000" y="640079"/>
-            <a:ext cx="5459470" cy="5741265"/>
-          </a:xfrm>
-          <a:prstGeom prst="rect">
-            <a:avLst/>
-          </a:prstGeom>
-        </p:spPr>
-      </p:pic>
-    </p:spTree>
-    <p:extLst>
-      <p:ext uri="{BB962C8B-B14F-4D97-AF65-F5344CB8AC3E}">
-        <p14:creationId xmlns:p14="http://schemas.microsoft.com/office/powerpoint/2010/main" val="1624499205"/>
-      </p:ext>
-    </p:extLst>
-  </p:cSld>
-  <p:clrMapOvr>
-    <a:masterClrMapping/>
-  </p:clrMapOvr>
-</p:sld>
-</file>
-
-<file path=ppt/slides/slide7.xml><?xml version="1.0" encoding="utf-8"?>
-<p:sld xmlns:a="http://schemas.openxmlformats.org/drawingml/2006/main" xmlns:r="http://schemas.openxmlformats.org/officeDocument/2006/relationships" xmlns:p="http://schemas.openxmlformats.org/presentationml/2006/main">
-  <p:cSld>
-    <p:bg>
-      <p:bgPr>
-        <a:solidFill>
-          <a:schemeClr val="bg1"/>
-        </a:solidFill>
-        <a:effectLst/>
-      </p:bgPr>
-    </p:bg>
-    <p:spTree>
-      <p:nvGrpSpPr>
-        <p:cNvPr id="1" name=""/>
-        <p:cNvGrpSpPr/>
-        <p:nvPr/>
-      </p:nvGrpSpPr>
-      <p:grpSpPr>
-        <a:xfrm>
-          <a:off x="0" y="0"/>
-          <a:ext cx="0" cy="0"/>
-          <a:chOff x="0" y="0"/>
-          <a:chExt cx="0" cy="0"/>
-        </a:xfrm>
-      </p:grpSpPr>
-      <p:sp>
-        <p:nvSpPr>
-          <p:cNvPr id="10" name="Rectangle 9">
-            <a:extLst>
-              <a:ext uri="{FF2B5EF4-FFF2-40B4-BE49-F238E27FC236}">
-                <a16:creationId xmlns:a16="http://schemas.microsoft.com/office/drawing/2014/main" id="{6F66A575-7835-4400-BEDE-89F2EF034034}"/>
-              </a:ext>
-              <a:ext uri="{C183D7F6-B498-43B3-948B-1728B52AA6E4}">
-                <adec:decorative xmlns:adec="http://schemas.microsoft.com/office/drawing/2017/decorative" val="1"/>
-              </a:ext>
-            </a:extLst>
-          </p:cNvPr>
-          <p:cNvSpPr>
-            <a:spLocks noGrp="1" noRot="1" noChangeAspect="1" noMove="1" noResize="1" noEditPoints="1" noAdjustHandles="1" noChangeArrowheads="1" noChangeShapeType="1" noTextEdit="1"/>
-          </p:cNvSpPr>
-          <p:nvPr>
-            <p:extLst>
-              <p:ext uri="{386F3935-93C4-4BCD-93E2-E3B085C9AB24}">
-                <p16:designElem xmlns:p16="http://schemas.microsoft.com/office/powerpoint/2015/main" val="1"/>
-              </p:ext>
-            </p:extLst>
-          </p:nvPr>
-        </p:nvSpPr>
-        <p:spPr>
-          <a:xfrm>
-            <a:off x="0" y="0"/>
-            <a:ext cx="5468548" cy="6858000"/>
-          </a:xfrm>
-          <a:prstGeom prst="rect">
-            <a:avLst/>
-          </a:prstGeom>
-          <a:solidFill>
-            <a:srgbClr val="354552"/>
-          </a:solidFill>
-          <a:ln>
-            <a:noFill/>
-          </a:ln>
-        </p:spPr>
-        <p:style>
-          <a:lnRef idx="2">
-            <a:schemeClr val="accent1">
-              <a:shade val="50000"/>
-            </a:schemeClr>
-          </a:lnRef>
-          <a:fillRef idx="1">
-            <a:schemeClr val="accent1"/>
-          </a:fillRef>
-          <a:effectRef idx="0">
-            <a:schemeClr val="accent1"/>
-          </a:effectRef>
-          <a:fontRef idx="minor">
-            <a:schemeClr val="lt1"/>
-          </a:fontRef>
-        </p:style>
-        <p:txBody>
-          <a:bodyPr rtlCol="0" anchor="ctr"/>
-          <a:lstStyle/>
-          <a:p>
-            <a:pPr algn="ctr"/>
-            <a:endParaRPr lang="en-US"/>
-          </a:p>
-        </p:txBody>
-      </p:sp>
-      <p:sp>
-        <p:nvSpPr>
-          <p:cNvPr id="2" name="Titel 1">
-            <a:extLst>
-              <a:ext uri="{FF2B5EF4-FFF2-40B4-BE49-F238E27FC236}">
-                <a16:creationId xmlns:a16="http://schemas.microsoft.com/office/drawing/2014/main" id="{C1FC8566-AC65-477D-9478-39E2B8C35E87}"/>
-              </a:ext>
-            </a:extLst>
-          </p:cNvPr>
-          <p:cNvSpPr>
-            <a:spLocks noGrp="1"/>
-          </p:cNvSpPr>
-          <p:nvPr>
-            <p:ph type="title"/>
-          </p:nvPr>
-        </p:nvSpPr>
-        <p:spPr>
-          <a:xfrm>
-            <a:off x="621629" y="640080"/>
-            <a:ext cx="4225290" cy="5578816"/>
-          </a:xfrm>
-        </p:spPr>
-        <p:txBody>
-          <a:bodyPr vert="horz" lIns="91440" tIns="45720" rIns="91440" bIns="45720" rtlCol="0" anchor="ctr">
-            <a:normAutofit/>
-          </a:bodyPr>
-          <a:lstStyle/>
-          <a:p>
-            <a:pPr algn="ctr"/>
-            <a:r>
-              <a:rPr lang="en-US">
-                <a:solidFill>
-                  <a:srgbClr val="FFFFFF"/>
-                </a:solidFill>
-              </a:rPr>
-              <a:t>Sequence Diagram for Air Conditioner</a:t>
-            </a:r>
-          </a:p>
-        </p:txBody>
-      </p:sp>
-      <p:pic>
-        <p:nvPicPr>
-          <p:cNvPr id="5" name="Inhaltsplatzhalter 4">
-            <a:extLst>
-              <a:ext uri="{FF2B5EF4-FFF2-40B4-BE49-F238E27FC236}">
-                <a16:creationId xmlns:a16="http://schemas.microsoft.com/office/drawing/2014/main" id="{A7FB7006-6325-488F-9560-DB54EC12C862}"/>
-              </a:ext>
-            </a:extLst>
-          </p:cNvPr>
-          <p:cNvPicPr>
-            <a:picLocks noGrp="1" noChangeAspect="1"/>
-          </p:cNvPicPr>
-          <p:nvPr>
-            <p:ph idx="1"/>
-          </p:nvPr>
-        </p:nvPicPr>
-        <p:blipFill rotWithShape="1">
-          <a:blip r:embed="rId2">
-            <a:extLst>
-              <a:ext uri="{28A0092B-C50C-407E-A947-70E740481C1C}">
-                <a14:useLocalDpi xmlns:a14="http://schemas.microsoft.com/office/drawing/2010/main" val="0"/>
-              </a:ext>
-            </a:extLst>
-          </a:blip>
-          <a:srcRect t="25" r="-3" b="2165"/>
-          <a:stretch/>
-        </p:blipFill>
-        <p:spPr>
-          <a:xfrm>
-            <a:off x="6096000" y="640080"/>
-            <a:ext cx="5459470" cy="5578816"/>
-          </a:xfrm>
-          <a:prstGeom prst="rect">
-            <a:avLst/>
-          </a:prstGeom>
-        </p:spPr>
-      </p:pic>
-    </p:spTree>
-    <p:extLst>
-      <p:ext uri="{BB962C8B-B14F-4D97-AF65-F5344CB8AC3E}">
-        <p14:creationId xmlns:p14="http://schemas.microsoft.com/office/powerpoint/2010/main" val="943629256"/>
-      </p:ext>
-    </p:extLst>
-  </p:cSld>
-  <p:clrMapOvr>
-    <a:masterClrMapping/>
-  </p:clrMapOvr>
-</p:sld>
-</file>
-
-<file path=ppt/slides/slide8.xml><?xml version="1.0" encoding="utf-8"?>
 <p:sld xmlns:a="http://schemas.openxmlformats.org/drawingml/2006/main" xmlns:r="http://schemas.openxmlformats.org/officeDocument/2006/relationships" xmlns:p="http://schemas.openxmlformats.org/presentationml/2006/main">
   <p:cSld>
     <p:bg>
@@ -5341,7 +4735,7 @@
             <a:avLst/>
           </a:prstGeom>
           <a:solidFill>
-            <a:srgbClr val="919169"/>
+            <a:srgbClr val="767171"/>
           </a:solidFill>
           <a:ln>
             <a:noFill/>
@@ -5377,7 +4771,7 @@
           <p:cNvPr id="2" name="Titel 1">
             <a:extLst>
               <a:ext uri="{FF2B5EF4-FFF2-40B4-BE49-F238E27FC236}">
-                <a16:creationId xmlns:a16="http://schemas.microsoft.com/office/drawing/2014/main" id="{D6603AF2-DDFE-4DF4-A2BF-A9659BD652CF}"/>
+                <a16:creationId xmlns:a16="http://schemas.microsoft.com/office/drawing/2014/main" id="{7DEEC474-0D75-45E1-B309-2307D2E29849}"/>
               </a:ext>
             </a:extLst>
           </p:cNvPr>
@@ -5401,12 +4795,12 @@
           <a:lstStyle/>
           <a:p>
             <a:r>
-              <a:rPr lang="en-US" sz="3600" dirty="0">
+              <a:rPr lang="en-US" sz="3100">
                 <a:solidFill>
                   <a:srgbClr val="FFFFFF"/>
                 </a:solidFill>
               </a:rPr>
-              <a:t>SEQEUNCE DIAGRAM FOR SMART REMOTE</a:t>
+              <a:t>SEQUENCE DIAGRAM FOR CONTROLLING LIGHT</a:t>
             </a:r>
           </a:p>
         </p:txBody>
@@ -5487,10 +4881,10 @@
       </p:sp>
       <p:pic>
         <p:nvPicPr>
-          <p:cNvPr id="7" name="Content Placeholder 6">
-            <a:extLst>
-              <a:ext uri="{FF2B5EF4-FFF2-40B4-BE49-F238E27FC236}">
-                <a16:creationId xmlns:a16="http://schemas.microsoft.com/office/drawing/2014/main" id="{BAA536C3-90EA-43F8-978E-ACFACF7BD376}"/>
+          <p:cNvPr id="6" name="Content Placeholder 5" descr="Diagram&#10;&#10;Description automatically generated">
+            <a:extLst>
+              <a:ext uri="{FF2B5EF4-FFF2-40B4-BE49-F238E27FC236}">
+                <a16:creationId xmlns:a16="http://schemas.microsoft.com/office/drawing/2014/main" id="{DFF76A4E-429C-4E0B-9D75-B1C85D630DED}"/>
               </a:ext>
             </a:extLst>
           </p:cNvPr>
@@ -5515,15 +4909,15 @@
         </p:blipFill>
         <p:spPr>
           <a:xfrm>
-            <a:off x="0" y="0"/>
-            <a:ext cx="8622369" cy="6858000"/>
+            <a:off x="493355" y="757007"/>
+            <a:ext cx="8115510" cy="5099044"/>
           </a:xfrm>
         </p:spPr>
       </p:pic>
     </p:spTree>
     <p:extLst>
       <p:ext uri="{BB962C8B-B14F-4D97-AF65-F5344CB8AC3E}">
-        <p14:creationId xmlns:p14="http://schemas.microsoft.com/office/powerpoint/2010/main" val="1635133515"/>
+        <p14:creationId xmlns:p14="http://schemas.microsoft.com/office/powerpoint/2010/main" val="3097639714"/>
       </p:ext>
     </p:extLst>
   </p:cSld>
@@ -5533,7 +4927,7 @@
 </p:sld>
 </file>
 
-<file path=ppt/slides/slide9.xml><?xml version="1.0" encoding="utf-8"?>
+<file path=ppt/slides/slide7.xml><?xml version="1.0" encoding="utf-8"?>
 <p:sld xmlns:a="http://schemas.openxmlformats.org/drawingml/2006/main" xmlns:r="http://schemas.openxmlformats.org/officeDocument/2006/relationships" xmlns:p="http://schemas.openxmlformats.org/presentationml/2006/main">
   <p:cSld>
     <p:bg>
@@ -5560,7 +4954,7 @@
       </p:grpSpPr>
       <p:sp>
         <p:nvSpPr>
-          <p:cNvPr id="17" name="Rectangle 16">
+          <p:cNvPr id="10" name="Rectangle 9">
             <a:extLst>
               <a:ext uri="{FF2B5EF4-FFF2-40B4-BE49-F238E27FC236}">
                 <a16:creationId xmlns:a16="http://schemas.microsoft.com/office/drawing/2014/main" id="{16C5FA50-8D52-4617-AF91-5C7B1C8352F1}"/>
@@ -5590,7 +4984,7 @@
             <a:avLst/>
           </a:prstGeom>
           <a:solidFill>
-            <a:srgbClr val="3C4953"/>
+            <a:srgbClr val="919169"/>
           </a:solidFill>
           <a:ln>
             <a:noFill/>
@@ -5626,7 +5020,7 @@
           <p:cNvPr id="2" name="Titel 1">
             <a:extLst>
               <a:ext uri="{FF2B5EF4-FFF2-40B4-BE49-F238E27FC236}">
-                <a16:creationId xmlns:a16="http://schemas.microsoft.com/office/drawing/2014/main" id="{4A4333C5-0081-481D-BA53-D88213B62CDB}"/>
+                <a16:creationId xmlns:a16="http://schemas.microsoft.com/office/drawing/2014/main" id="{D6603AF2-DDFE-4DF4-A2BF-A9659BD652CF}"/>
               </a:ext>
             </a:extLst>
           </p:cNvPr>
@@ -5650,19 +5044,19 @@
           <a:lstStyle/>
           <a:p>
             <a:r>
-              <a:rPr lang="en-US" sz="3600">
+              <a:rPr lang="en-US" sz="3600" dirty="0">
                 <a:solidFill>
                   <a:srgbClr val="FFFFFF"/>
                 </a:solidFill>
               </a:rPr>
-              <a:t>SEQUENCE DIAGRAM FOR SECURITY</a:t>
-            </a:r>
-          </a:p>
-        </p:txBody>
-      </p:sp>
-      <p:sp>
-        <p:nvSpPr>
-          <p:cNvPr id="19" name="Rounded Rectangle 9">
+              <a:t>SEQEUNCE DIAGRAM FOR SMART REMOTE</a:t>
+            </a:r>
+          </a:p>
+        </p:txBody>
+      </p:sp>
+      <p:sp>
+        <p:nvSpPr>
+          <p:cNvPr id="12" name="Rounded Rectangle 9">
             <a:extLst>
               <a:ext uri="{FF2B5EF4-FFF2-40B4-BE49-F238E27FC236}">
                 <a16:creationId xmlns:a16="http://schemas.microsoft.com/office/drawing/2014/main" id="{E223798C-12AD-4B0C-A50C-D676347D67CF}"/>
@@ -5736,6 +5130,255 @@
       </p:sp>
       <p:pic>
         <p:nvPicPr>
+          <p:cNvPr id="7" name="Content Placeholder 6">
+            <a:extLst>
+              <a:ext uri="{FF2B5EF4-FFF2-40B4-BE49-F238E27FC236}">
+                <a16:creationId xmlns:a16="http://schemas.microsoft.com/office/drawing/2014/main" id="{BAA536C3-90EA-43F8-978E-ACFACF7BD376}"/>
+              </a:ext>
+            </a:extLst>
+          </p:cNvPr>
+          <p:cNvPicPr>
+            <a:picLocks noGrp="1" noChangeAspect="1"/>
+          </p:cNvPicPr>
+          <p:nvPr>
+            <p:ph idx="1"/>
+          </p:nvPr>
+        </p:nvPicPr>
+        <p:blipFill>
+          <a:blip r:embed="rId2">
+            <a:extLst>
+              <a:ext uri="{28A0092B-C50C-407E-A947-70E740481C1C}">
+                <a14:useLocalDpi xmlns:a14="http://schemas.microsoft.com/office/drawing/2010/main" val="0"/>
+              </a:ext>
+            </a:extLst>
+          </a:blip>
+          <a:stretch>
+            <a:fillRect/>
+          </a:stretch>
+        </p:blipFill>
+        <p:spPr>
+          <a:xfrm>
+            <a:off x="0" y="0"/>
+            <a:ext cx="8622369" cy="6858000"/>
+          </a:xfrm>
+        </p:spPr>
+      </p:pic>
+    </p:spTree>
+    <p:extLst>
+      <p:ext uri="{BB962C8B-B14F-4D97-AF65-F5344CB8AC3E}">
+        <p14:creationId xmlns:p14="http://schemas.microsoft.com/office/powerpoint/2010/main" val="1635133515"/>
+      </p:ext>
+    </p:extLst>
+  </p:cSld>
+  <p:clrMapOvr>
+    <a:masterClrMapping/>
+  </p:clrMapOvr>
+</p:sld>
+</file>
+
+<file path=ppt/slides/slide8.xml><?xml version="1.0" encoding="utf-8"?>
+<p:sld xmlns:a="http://schemas.openxmlformats.org/drawingml/2006/main" xmlns:r="http://schemas.openxmlformats.org/officeDocument/2006/relationships" xmlns:p="http://schemas.openxmlformats.org/presentationml/2006/main">
+  <p:cSld>
+    <p:bg>
+      <p:bgPr>
+        <a:solidFill>
+          <a:schemeClr val="bg2"/>
+        </a:solidFill>
+        <a:effectLst/>
+      </p:bgPr>
+    </p:bg>
+    <p:spTree>
+      <p:nvGrpSpPr>
+        <p:cNvPr id="1" name=""/>
+        <p:cNvGrpSpPr/>
+        <p:nvPr/>
+      </p:nvGrpSpPr>
+      <p:grpSpPr>
+        <a:xfrm>
+          <a:off x="0" y="0"/>
+          <a:ext cx="0" cy="0"/>
+          <a:chOff x="0" y="0"/>
+          <a:chExt cx="0" cy="0"/>
+        </a:xfrm>
+      </p:grpSpPr>
+      <p:sp>
+        <p:nvSpPr>
+          <p:cNvPr id="17" name="Rectangle 16">
+            <a:extLst>
+              <a:ext uri="{FF2B5EF4-FFF2-40B4-BE49-F238E27FC236}">
+                <a16:creationId xmlns:a16="http://schemas.microsoft.com/office/drawing/2014/main" id="{16C5FA50-8D52-4617-AF91-5C7B1C8352F1}"/>
+              </a:ext>
+              <a:ext uri="{C183D7F6-B498-43B3-948B-1728B52AA6E4}">
+                <adec:decorative xmlns:adec="http://schemas.microsoft.com/office/drawing/2017/decorative" val="1"/>
+              </a:ext>
+            </a:extLst>
+          </p:cNvPr>
+          <p:cNvSpPr>
+            <a:spLocks noGrp="1" noRot="1" noChangeAspect="1" noMove="1" noResize="1" noEditPoints="1" noAdjustHandles="1" noChangeArrowheads="1" noChangeShapeType="1" noTextEdit="1"/>
+          </p:cNvSpPr>
+          <p:nvPr>
+            <p:extLst>
+              <p:ext uri="{386F3935-93C4-4BCD-93E2-E3B085C9AB24}">
+                <p16:designElem xmlns:p16="http://schemas.microsoft.com/office/powerpoint/2015/main" val="1"/>
+              </p:ext>
+            </p:extLst>
+          </p:nvPr>
+        </p:nvSpPr>
+        <p:spPr>
+          <a:xfrm>
+            <a:off x="0" y="0"/>
+            <a:ext cx="12192000" cy="6858000"/>
+          </a:xfrm>
+          <a:prstGeom prst="rect">
+            <a:avLst/>
+          </a:prstGeom>
+          <a:solidFill>
+            <a:srgbClr val="3C4953"/>
+          </a:solidFill>
+          <a:ln>
+            <a:noFill/>
+          </a:ln>
+        </p:spPr>
+        <p:style>
+          <a:lnRef idx="2">
+            <a:schemeClr val="accent1">
+              <a:shade val="50000"/>
+            </a:schemeClr>
+          </a:lnRef>
+          <a:fillRef idx="1">
+            <a:schemeClr val="accent1"/>
+          </a:fillRef>
+          <a:effectRef idx="0">
+            <a:schemeClr val="accent1"/>
+          </a:effectRef>
+          <a:fontRef idx="minor">
+            <a:schemeClr val="lt1"/>
+          </a:fontRef>
+        </p:style>
+        <p:txBody>
+          <a:bodyPr rtlCol="0" anchor="ctr"/>
+          <a:lstStyle/>
+          <a:p>
+            <a:pPr algn="ctr"/>
+            <a:endParaRPr lang="en-US"/>
+          </a:p>
+        </p:txBody>
+      </p:sp>
+      <p:sp>
+        <p:nvSpPr>
+          <p:cNvPr id="2" name="Titel 1">
+            <a:extLst>
+              <a:ext uri="{FF2B5EF4-FFF2-40B4-BE49-F238E27FC236}">
+                <a16:creationId xmlns:a16="http://schemas.microsoft.com/office/drawing/2014/main" id="{4A4333C5-0081-481D-BA53-D88213B62CDB}"/>
+              </a:ext>
+            </a:extLst>
+          </p:cNvPr>
+          <p:cNvSpPr>
+            <a:spLocks noGrp="1"/>
+          </p:cNvSpPr>
+          <p:nvPr>
+            <p:ph type="title"/>
+          </p:nvPr>
+        </p:nvSpPr>
+        <p:spPr>
+          <a:xfrm>
+            <a:off x="9093496" y="618681"/>
+            <a:ext cx="2613872" cy="4794567"/>
+          </a:xfrm>
+        </p:spPr>
+        <p:txBody>
+          <a:bodyPr vert="horz" lIns="91440" tIns="45720" rIns="91440" bIns="45720" rtlCol="0" anchor="ctr">
+            <a:normAutofit/>
+          </a:bodyPr>
+          <a:lstStyle/>
+          <a:p>
+            <a:r>
+              <a:rPr lang="en-US" sz="3600">
+                <a:solidFill>
+                  <a:srgbClr val="FFFFFF"/>
+                </a:solidFill>
+              </a:rPr>
+              <a:t>SEQUENCE DIAGRAM FOR SECURITY</a:t>
+            </a:r>
+          </a:p>
+        </p:txBody>
+      </p:sp>
+      <p:sp>
+        <p:nvSpPr>
+          <p:cNvPr id="19" name="Rounded Rectangle 9">
+            <a:extLst>
+              <a:ext uri="{FF2B5EF4-FFF2-40B4-BE49-F238E27FC236}">
+                <a16:creationId xmlns:a16="http://schemas.microsoft.com/office/drawing/2014/main" id="{E223798C-12AD-4B0C-A50C-D676347D67CF}"/>
+              </a:ext>
+              <a:ext uri="{C183D7F6-B498-43B3-948B-1728B52AA6E4}">
+                <adec:decorative xmlns:adec="http://schemas.microsoft.com/office/drawing/2017/decorative" val="1"/>
+              </a:ext>
+            </a:extLst>
+          </p:cNvPr>
+          <p:cNvSpPr>
+            <a:spLocks noGrp="1" noRot="1" noChangeAspect="1" noMove="1" noResize="1" noEditPoints="1" noAdjustHandles="1" noChangeArrowheads="1" noChangeShapeType="1" noTextEdit="1"/>
+          </p:cNvSpPr>
+          <p:nvPr>
+            <p:extLst>
+              <p:ext uri="{386F3935-93C4-4BCD-93E2-E3B085C9AB24}">
+                <p16:designElem xmlns:p16="http://schemas.microsoft.com/office/powerpoint/2015/main" val="1"/>
+              </p:ext>
+            </p:extLst>
+          </p:nvPr>
+        </p:nvSpPr>
+        <p:spPr>
+          <a:xfrm>
+            <a:off x="493354" y="484632"/>
+            <a:ext cx="8129016" cy="5724144"/>
+          </a:xfrm>
+          <a:prstGeom prst="roundRect">
+            <a:avLst>
+              <a:gd name="adj" fmla="val 0"/>
+            </a:avLst>
+          </a:prstGeom>
+          <a:solidFill>
+            <a:srgbClr val="FFFFFF"/>
+          </a:solidFill>
+          <a:ln w="9525">
+            <a:solidFill>
+              <a:srgbClr val="C8CACA"/>
+            </a:solidFill>
+          </a:ln>
+          <a:effectLst>
+            <a:outerShdw blurRad="57150" dist="19050" dir="5400000" algn="t" rotWithShape="0">
+              <a:prstClr val="black">
+                <a:alpha val="63000"/>
+              </a:prstClr>
+            </a:outerShdw>
+          </a:effectLst>
+        </p:spPr>
+        <p:style>
+          <a:lnRef idx="2">
+            <a:schemeClr val="accent1">
+              <a:shade val="50000"/>
+            </a:schemeClr>
+          </a:lnRef>
+          <a:fillRef idx="1">
+            <a:schemeClr val="accent1"/>
+          </a:fillRef>
+          <a:effectRef idx="0">
+            <a:schemeClr val="accent1"/>
+          </a:effectRef>
+          <a:fontRef idx="minor">
+            <a:schemeClr val="lt1"/>
+          </a:fontRef>
+        </p:style>
+        <p:txBody>
+          <a:bodyPr rtlCol="0" anchor="ctr"/>
+          <a:lstStyle/>
+          <a:p>
+            <a:pPr algn="ctr"/>
+            <a:endParaRPr lang="en-US"/>
+          </a:p>
+        </p:txBody>
+      </p:sp>
+      <p:pic>
+        <p:nvPicPr>
           <p:cNvPr id="7" name="Content Placeholder 6" descr="Chart, box and whisker chart&#10;&#10;Description automatically generated">
             <a:extLst>
               <a:ext uri="{FF2B5EF4-FFF2-40B4-BE49-F238E27FC236}">
@@ -5776,6 +5419,258 @@
     <p:extLst>
       <p:ext uri="{BB962C8B-B14F-4D97-AF65-F5344CB8AC3E}">
         <p14:creationId xmlns:p14="http://schemas.microsoft.com/office/powerpoint/2010/main" val="2541445627"/>
+      </p:ext>
+    </p:extLst>
+  </p:cSld>
+  <p:clrMapOvr>
+    <a:masterClrMapping/>
+  </p:clrMapOvr>
+</p:sld>
+</file>
+
+<file path=ppt/slides/slide9.xml><?xml version="1.0" encoding="utf-8"?>
+<p:sld xmlns:a="http://schemas.openxmlformats.org/drawingml/2006/main" xmlns:r="http://schemas.openxmlformats.org/officeDocument/2006/relationships" xmlns:p="http://schemas.openxmlformats.org/presentationml/2006/main">
+  <p:cSld>
+    <p:bg>
+      <p:bgPr>
+        <a:solidFill>
+          <a:schemeClr val="bg2"/>
+        </a:solidFill>
+        <a:effectLst/>
+      </p:bgPr>
+    </p:bg>
+    <p:spTree>
+      <p:nvGrpSpPr>
+        <p:cNvPr id="1" name=""/>
+        <p:cNvGrpSpPr/>
+        <p:nvPr/>
+      </p:nvGrpSpPr>
+      <p:grpSpPr>
+        <a:xfrm>
+          <a:off x="0" y="0"/>
+          <a:ext cx="0" cy="0"/>
+          <a:chOff x="0" y="0"/>
+          <a:chExt cx="0" cy="0"/>
+        </a:xfrm>
+      </p:grpSpPr>
+      <p:sp>
+        <p:nvSpPr>
+          <p:cNvPr id="12" name="Rectangle 11">
+            <a:extLst>
+              <a:ext uri="{FF2B5EF4-FFF2-40B4-BE49-F238E27FC236}">
+                <a16:creationId xmlns:a16="http://schemas.microsoft.com/office/drawing/2014/main" id="{16C5FA50-8D52-4617-AF91-5C7B1C8352F1}"/>
+              </a:ext>
+              <a:ext uri="{C183D7F6-B498-43B3-948B-1728B52AA6E4}">
+                <adec:decorative xmlns:adec="http://schemas.microsoft.com/office/drawing/2017/decorative" val="1"/>
+              </a:ext>
+            </a:extLst>
+          </p:cNvPr>
+          <p:cNvSpPr>
+            <a:spLocks noGrp="1" noRot="1" noChangeAspect="1" noMove="1" noResize="1" noEditPoints="1" noAdjustHandles="1" noChangeArrowheads="1" noChangeShapeType="1" noTextEdit="1"/>
+          </p:cNvSpPr>
+          <p:nvPr>
+            <p:extLst>
+              <p:ext uri="{386F3935-93C4-4BCD-93E2-E3B085C9AB24}">
+                <p16:designElem xmlns:p16="http://schemas.microsoft.com/office/powerpoint/2015/main" val="1"/>
+              </p:ext>
+            </p:extLst>
+          </p:nvPr>
+        </p:nvSpPr>
+        <p:spPr>
+          <a:xfrm>
+            <a:off x="0" y="0"/>
+            <a:ext cx="12192000" cy="6858000"/>
+          </a:xfrm>
+          <a:prstGeom prst="rect">
+            <a:avLst/>
+          </a:prstGeom>
+          <a:solidFill>
+            <a:srgbClr val="3E4B55"/>
+          </a:solidFill>
+          <a:ln>
+            <a:noFill/>
+          </a:ln>
+        </p:spPr>
+        <p:style>
+          <a:lnRef idx="2">
+            <a:schemeClr val="accent1">
+              <a:shade val="50000"/>
+            </a:schemeClr>
+          </a:lnRef>
+          <a:fillRef idx="1">
+            <a:schemeClr val="accent1"/>
+          </a:fillRef>
+          <a:effectRef idx="0">
+            <a:schemeClr val="accent1"/>
+          </a:effectRef>
+          <a:fontRef idx="minor">
+            <a:schemeClr val="lt1"/>
+          </a:fontRef>
+        </p:style>
+        <p:txBody>
+          <a:bodyPr rtlCol="0" anchor="ctr"/>
+          <a:lstStyle/>
+          <a:p>
+            <a:pPr algn="ctr"/>
+            <a:endParaRPr lang="en-US"/>
+          </a:p>
+        </p:txBody>
+      </p:sp>
+      <p:sp>
+        <p:nvSpPr>
+          <p:cNvPr id="2" name="Titel 1">
+            <a:extLst>
+              <a:ext uri="{FF2B5EF4-FFF2-40B4-BE49-F238E27FC236}">
+                <a16:creationId xmlns:a16="http://schemas.microsoft.com/office/drawing/2014/main" id="{B8437B35-6466-44DD-B967-D220C5E89F8B}"/>
+              </a:ext>
+            </a:extLst>
+          </p:cNvPr>
+          <p:cNvSpPr>
+            <a:spLocks noGrp="1"/>
+          </p:cNvSpPr>
+          <p:nvPr>
+            <p:ph type="title"/>
+          </p:nvPr>
+        </p:nvSpPr>
+        <p:spPr>
+          <a:xfrm>
+            <a:off x="9093496" y="618681"/>
+            <a:ext cx="2613872" cy="4794567"/>
+          </a:xfrm>
+        </p:spPr>
+        <p:txBody>
+          <a:bodyPr vert="horz" lIns="91440" tIns="45720" rIns="91440" bIns="45720" rtlCol="0" anchor="ctr">
+            <a:normAutofit/>
+          </a:bodyPr>
+          <a:lstStyle/>
+          <a:p>
+            <a:r>
+              <a:rPr lang="en-US" sz="3600">
+                <a:solidFill>
+                  <a:srgbClr val="FFFFFF"/>
+                </a:solidFill>
+              </a:rPr>
+              <a:t>Sequence Diagram for Fire Alarm</a:t>
+            </a:r>
+          </a:p>
+        </p:txBody>
+      </p:sp>
+      <p:sp>
+        <p:nvSpPr>
+          <p:cNvPr id="14" name="Rounded Rectangle 9">
+            <a:extLst>
+              <a:ext uri="{FF2B5EF4-FFF2-40B4-BE49-F238E27FC236}">
+                <a16:creationId xmlns:a16="http://schemas.microsoft.com/office/drawing/2014/main" id="{E223798C-12AD-4B0C-A50C-D676347D67CF}"/>
+              </a:ext>
+              <a:ext uri="{C183D7F6-B498-43B3-948B-1728B52AA6E4}">
+                <adec:decorative xmlns:adec="http://schemas.microsoft.com/office/drawing/2017/decorative" val="1"/>
+              </a:ext>
+            </a:extLst>
+          </p:cNvPr>
+          <p:cNvSpPr>
+            <a:spLocks noGrp="1" noRot="1" noChangeAspect="1" noMove="1" noResize="1" noEditPoints="1" noAdjustHandles="1" noChangeArrowheads="1" noChangeShapeType="1" noTextEdit="1"/>
+          </p:cNvSpPr>
+          <p:nvPr>
+            <p:extLst>
+              <p:ext uri="{386F3935-93C4-4BCD-93E2-E3B085C9AB24}">
+                <p16:designElem xmlns:p16="http://schemas.microsoft.com/office/powerpoint/2015/main" val="1"/>
+              </p:ext>
+            </p:extLst>
+          </p:nvPr>
+        </p:nvSpPr>
+        <p:spPr>
+          <a:xfrm>
+            <a:off x="493354" y="484632"/>
+            <a:ext cx="8129016" cy="5724144"/>
+          </a:xfrm>
+          <a:prstGeom prst="roundRect">
+            <a:avLst>
+              <a:gd name="adj" fmla="val 0"/>
+            </a:avLst>
+          </a:prstGeom>
+          <a:solidFill>
+            <a:srgbClr val="FFFFFF"/>
+          </a:solidFill>
+          <a:ln w="9525">
+            <a:solidFill>
+              <a:srgbClr val="C8CACA"/>
+            </a:solidFill>
+          </a:ln>
+          <a:effectLst>
+            <a:outerShdw blurRad="57150" dist="19050" dir="5400000" algn="t" rotWithShape="0">
+              <a:prstClr val="black">
+                <a:alpha val="63000"/>
+              </a:prstClr>
+            </a:outerShdw>
+          </a:effectLst>
+        </p:spPr>
+        <p:style>
+          <a:lnRef idx="2">
+            <a:schemeClr val="accent1">
+              <a:shade val="50000"/>
+            </a:schemeClr>
+          </a:lnRef>
+          <a:fillRef idx="1">
+            <a:schemeClr val="accent1"/>
+          </a:fillRef>
+          <a:effectRef idx="0">
+            <a:schemeClr val="accent1"/>
+          </a:effectRef>
+          <a:fontRef idx="minor">
+            <a:schemeClr val="lt1"/>
+          </a:fontRef>
+        </p:style>
+        <p:txBody>
+          <a:bodyPr rtlCol="0" anchor="ctr"/>
+          <a:lstStyle/>
+          <a:p>
+            <a:pPr algn="ctr"/>
+            <a:endParaRPr lang="en-US"/>
+          </a:p>
+        </p:txBody>
+      </p:sp>
+      <p:pic>
+        <p:nvPicPr>
+          <p:cNvPr id="7" name="Inhaltsplatzhalter 6">
+            <a:extLst>
+              <a:ext uri="{FF2B5EF4-FFF2-40B4-BE49-F238E27FC236}">
+                <a16:creationId xmlns:a16="http://schemas.microsoft.com/office/drawing/2014/main" id="{9FE24162-9809-4F88-869D-B2B93024ACF1}"/>
+              </a:ext>
+            </a:extLst>
+          </p:cNvPr>
+          <p:cNvPicPr>
+            <a:picLocks noGrp="1" noChangeAspect="1"/>
+          </p:cNvPicPr>
+          <p:nvPr>
+            <p:ph idx="1"/>
+          </p:nvPr>
+        </p:nvPicPr>
+        <p:blipFill rotWithShape="1">
+          <a:blip r:embed="rId2">
+            <a:extLst>
+              <a:ext uri="{28A0092B-C50C-407E-A947-70E740481C1C}">
+                <a14:useLocalDpi xmlns:a14="http://schemas.microsoft.com/office/drawing/2010/main" val="0"/>
+              </a:ext>
+            </a:extLst>
+          </a:blip>
+          <a:srcRect l="171" t="-2630" r="-1373" b="-854"/>
+          <a:stretch/>
+        </p:blipFill>
+        <p:spPr>
+          <a:xfrm>
+            <a:off x="671208" y="817123"/>
+            <a:ext cx="7937655" cy="4933747"/>
+          </a:xfrm>
+          <a:prstGeom prst="rect">
+            <a:avLst/>
+          </a:prstGeom>
+          <a:effectLst/>
+        </p:spPr>
+      </p:pic>
+    </p:spTree>
+    <p:extLst>
+      <p:ext uri="{BB962C8B-B14F-4D97-AF65-F5344CB8AC3E}">
+        <p14:creationId xmlns:p14="http://schemas.microsoft.com/office/powerpoint/2010/main" val="810842354"/>
       </p:ext>
     </p:extLst>
   </p:cSld>

--- a/Project_Week_7&8/Precise Analysis.pptx
+++ b/Project_Week_7&8/Precise Analysis.pptx
@@ -324,7 +324,7 @@
           <a:p>
             <a:fld id="{59436D6C-09F6-4967-B045-448DC0A44960}" type="slidenum">
               <a:rPr lang="de-DE" smtClean="0"/>
-              <a:t>‹Nr.›</a:t>
+              <a:t>‹#›</a:t>
             </a:fld>
             <a:endParaRPr lang="de-DE"/>
           </a:p>
@@ -522,7 +522,7 @@
           <a:p>
             <a:fld id="{59436D6C-09F6-4967-B045-448DC0A44960}" type="slidenum">
               <a:rPr lang="de-DE" smtClean="0"/>
-              <a:t>‹Nr.›</a:t>
+              <a:t>‹#›</a:t>
             </a:fld>
             <a:endParaRPr lang="de-DE"/>
           </a:p>
@@ -730,7 +730,7 @@
           <a:p>
             <a:fld id="{59436D6C-09F6-4967-B045-448DC0A44960}" type="slidenum">
               <a:rPr lang="de-DE" smtClean="0"/>
-              <a:t>‹Nr.›</a:t>
+              <a:t>‹#›</a:t>
             </a:fld>
             <a:endParaRPr lang="de-DE"/>
           </a:p>
@@ -928,7 +928,7 @@
           <a:p>
             <a:fld id="{59436D6C-09F6-4967-B045-448DC0A44960}" type="slidenum">
               <a:rPr lang="de-DE" smtClean="0"/>
-              <a:t>‹Nr.›</a:t>
+              <a:t>‹#›</a:t>
             </a:fld>
             <a:endParaRPr lang="de-DE"/>
           </a:p>
@@ -1203,7 +1203,7 @@
           <a:p>
             <a:fld id="{59436D6C-09F6-4967-B045-448DC0A44960}" type="slidenum">
               <a:rPr lang="de-DE" smtClean="0"/>
-              <a:t>‹Nr.›</a:t>
+              <a:t>‹#›</a:t>
             </a:fld>
             <a:endParaRPr lang="de-DE"/>
           </a:p>
@@ -1468,7 +1468,7 @@
           <a:p>
             <a:fld id="{59436D6C-09F6-4967-B045-448DC0A44960}" type="slidenum">
               <a:rPr lang="de-DE" smtClean="0"/>
-              <a:t>‹Nr.›</a:t>
+              <a:t>‹#›</a:t>
             </a:fld>
             <a:endParaRPr lang="de-DE"/>
           </a:p>
@@ -1880,7 +1880,7 @@
           <a:p>
             <a:fld id="{59436D6C-09F6-4967-B045-448DC0A44960}" type="slidenum">
               <a:rPr lang="de-DE" smtClean="0"/>
-              <a:t>‹Nr.›</a:t>
+              <a:t>‹#›</a:t>
             </a:fld>
             <a:endParaRPr lang="de-DE"/>
           </a:p>
@@ -2021,7 +2021,7 @@
           <a:p>
             <a:fld id="{59436D6C-09F6-4967-B045-448DC0A44960}" type="slidenum">
               <a:rPr lang="de-DE" smtClean="0"/>
-              <a:t>‹Nr.›</a:t>
+              <a:t>‹#›</a:t>
             </a:fld>
             <a:endParaRPr lang="de-DE"/>
           </a:p>
@@ -2134,7 +2134,7 @@
           <a:p>
             <a:fld id="{59436D6C-09F6-4967-B045-448DC0A44960}" type="slidenum">
               <a:rPr lang="de-DE" smtClean="0"/>
-              <a:t>‹Nr.›</a:t>
+              <a:t>‹#›</a:t>
             </a:fld>
             <a:endParaRPr lang="de-DE"/>
           </a:p>
@@ -2445,7 +2445,7 @@
           <a:p>
             <a:fld id="{59436D6C-09F6-4967-B045-448DC0A44960}" type="slidenum">
               <a:rPr lang="de-DE" smtClean="0"/>
-              <a:t>‹Nr.›</a:t>
+              <a:t>‹#›</a:t>
             </a:fld>
             <a:endParaRPr lang="de-DE"/>
           </a:p>
@@ -2733,7 +2733,7 @@
           <a:p>
             <a:fld id="{59436D6C-09F6-4967-B045-448DC0A44960}" type="slidenum">
               <a:rPr lang="de-DE" smtClean="0"/>
-              <a:t>‹Nr.›</a:t>
+              <a:t>‹#›</a:t>
             </a:fld>
             <a:endParaRPr lang="de-DE"/>
           </a:p>
@@ -3010,7 +3010,7 @@
           <a:p>
             <a:fld id="{59436D6C-09F6-4967-B045-448DC0A44960}" type="slidenum">
               <a:rPr lang="de-DE" smtClean="0"/>
-              <a:t>‹Nr.›</a:t>
+              <a:t>‹#›</a:t>
             </a:fld>
             <a:endParaRPr lang="de-DE"/>
           </a:p>
@@ -4881,10 +4881,10 @@
       </p:sp>
       <p:pic>
         <p:nvPicPr>
-          <p:cNvPr id="6" name="Content Placeholder 5" descr="Diagram&#10;&#10;Description automatically generated">
-            <a:extLst>
-              <a:ext uri="{FF2B5EF4-FFF2-40B4-BE49-F238E27FC236}">
-                <a16:creationId xmlns:a16="http://schemas.microsoft.com/office/drawing/2014/main" id="{DFF76A4E-429C-4E0B-9D75-B1C85D630DED}"/>
+          <p:cNvPr id="7" name="Content Placeholder 6">
+            <a:extLst>
+              <a:ext uri="{FF2B5EF4-FFF2-40B4-BE49-F238E27FC236}">
+                <a16:creationId xmlns:a16="http://schemas.microsoft.com/office/drawing/2014/main" id="{88403374-7734-4724-A241-717DEFE61211}"/>
               </a:ext>
             </a:extLst>
           </p:cNvPr>
@@ -4896,21 +4896,15 @@
           </p:nvPr>
         </p:nvPicPr>
         <p:blipFill>
-          <a:blip r:embed="rId2">
-            <a:extLst>
-              <a:ext uri="{28A0092B-C50C-407E-A947-70E740481C1C}">
-                <a14:useLocalDpi xmlns:a14="http://schemas.microsoft.com/office/drawing/2010/main" val="0"/>
-              </a:ext>
-            </a:extLst>
-          </a:blip>
+          <a:blip r:embed="rId2"/>
           <a:stretch>
             <a:fillRect/>
           </a:stretch>
         </p:blipFill>
         <p:spPr>
           <a:xfrm>
-            <a:off x="493355" y="757007"/>
-            <a:ext cx="8115510" cy="5099044"/>
+            <a:off x="545204" y="484632"/>
+            <a:ext cx="8058032" cy="5724144"/>
           </a:xfrm>
         </p:spPr>
       </p:pic>

--- a/Project_Week_7&8/Precise Analysis.pptx
+++ b/Project_Week_7&8/Precise Analysis.pptx
@@ -8,15 +8,16 @@
     <p:sldId id="256" r:id="rId2"/>
     <p:sldId id="257" r:id="rId3"/>
     <p:sldId id="261" r:id="rId4"/>
-    <p:sldId id="262" r:id="rId5"/>
-    <p:sldId id="271" r:id="rId6"/>
-    <p:sldId id="263" r:id="rId7"/>
-    <p:sldId id="259" r:id="rId8"/>
-    <p:sldId id="266" r:id="rId9"/>
-    <p:sldId id="270" r:id="rId10"/>
+    <p:sldId id="259" r:id="rId5"/>
+    <p:sldId id="262" r:id="rId6"/>
+    <p:sldId id="272" r:id="rId7"/>
+    <p:sldId id="271" r:id="rId8"/>
+    <p:sldId id="268" r:id="rId9"/>
+    <p:sldId id="263" r:id="rId10"/>
     <p:sldId id="267" r:id="rId11"/>
-    <p:sldId id="268" r:id="rId12"/>
-    <p:sldId id="265" r:id="rId13"/>
+    <p:sldId id="270" r:id="rId12"/>
+    <p:sldId id="266" r:id="rId13"/>
+    <p:sldId id="265" r:id="rId14"/>
   </p:sldIdLst>
   <p:sldSz cx="12192000" cy="6858000"/>
   <p:notesSz cx="6858000" cy="9144000"/>
@@ -324,7 +325,7 @@
           <a:p>
             <a:fld id="{59436D6C-09F6-4967-B045-448DC0A44960}" type="slidenum">
               <a:rPr lang="de-DE" smtClean="0"/>
-              <a:t>‹#›</a:t>
+              <a:t>‹Nr.›</a:t>
             </a:fld>
             <a:endParaRPr lang="de-DE"/>
           </a:p>
@@ -522,7 +523,7 @@
           <a:p>
             <a:fld id="{59436D6C-09F6-4967-B045-448DC0A44960}" type="slidenum">
               <a:rPr lang="de-DE" smtClean="0"/>
-              <a:t>‹#›</a:t>
+              <a:t>‹Nr.›</a:t>
             </a:fld>
             <a:endParaRPr lang="de-DE"/>
           </a:p>
@@ -730,7 +731,7 @@
           <a:p>
             <a:fld id="{59436D6C-09F6-4967-B045-448DC0A44960}" type="slidenum">
               <a:rPr lang="de-DE" smtClean="0"/>
-              <a:t>‹#›</a:t>
+              <a:t>‹Nr.›</a:t>
             </a:fld>
             <a:endParaRPr lang="de-DE"/>
           </a:p>
@@ -928,7 +929,7 @@
           <a:p>
             <a:fld id="{59436D6C-09F6-4967-B045-448DC0A44960}" type="slidenum">
               <a:rPr lang="de-DE" smtClean="0"/>
-              <a:t>‹#›</a:t>
+              <a:t>‹Nr.›</a:t>
             </a:fld>
             <a:endParaRPr lang="de-DE"/>
           </a:p>
@@ -1203,7 +1204,7 @@
           <a:p>
             <a:fld id="{59436D6C-09F6-4967-B045-448DC0A44960}" type="slidenum">
               <a:rPr lang="de-DE" smtClean="0"/>
-              <a:t>‹#›</a:t>
+              <a:t>‹Nr.›</a:t>
             </a:fld>
             <a:endParaRPr lang="de-DE"/>
           </a:p>
@@ -1468,7 +1469,7 @@
           <a:p>
             <a:fld id="{59436D6C-09F6-4967-B045-448DC0A44960}" type="slidenum">
               <a:rPr lang="de-DE" smtClean="0"/>
-              <a:t>‹#›</a:t>
+              <a:t>‹Nr.›</a:t>
             </a:fld>
             <a:endParaRPr lang="de-DE"/>
           </a:p>
@@ -1880,7 +1881,7 @@
           <a:p>
             <a:fld id="{59436D6C-09F6-4967-B045-448DC0A44960}" type="slidenum">
               <a:rPr lang="de-DE" smtClean="0"/>
-              <a:t>‹#›</a:t>
+              <a:t>‹Nr.›</a:t>
             </a:fld>
             <a:endParaRPr lang="de-DE"/>
           </a:p>
@@ -2021,7 +2022,7 @@
           <a:p>
             <a:fld id="{59436D6C-09F6-4967-B045-448DC0A44960}" type="slidenum">
               <a:rPr lang="de-DE" smtClean="0"/>
-              <a:t>‹#›</a:t>
+              <a:t>‹Nr.›</a:t>
             </a:fld>
             <a:endParaRPr lang="de-DE"/>
           </a:p>
@@ -2134,7 +2135,7 @@
           <a:p>
             <a:fld id="{59436D6C-09F6-4967-B045-448DC0A44960}" type="slidenum">
               <a:rPr lang="de-DE" smtClean="0"/>
-              <a:t>‹#›</a:t>
+              <a:t>‹Nr.›</a:t>
             </a:fld>
             <a:endParaRPr lang="de-DE"/>
           </a:p>
@@ -2445,7 +2446,7 @@
           <a:p>
             <a:fld id="{59436D6C-09F6-4967-B045-448DC0A44960}" type="slidenum">
               <a:rPr lang="de-DE" smtClean="0"/>
-              <a:t>‹#›</a:t>
+              <a:t>‹Nr.›</a:t>
             </a:fld>
             <a:endParaRPr lang="de-DE"/>
           </a:p>
@@ -2733,7 +2734,7 @@
           <a:p>
             <a:fld id="{59436D6C-09F6-4967-B045-448DC0A44960}" type="slidenum">
               <a:rPr lang="de-DE" smtClean="0"/>
-              <a:t>‹#›</a:t>
+              <a:t>‹Nr.›</a:t>
             </a:fld>
             <a:endParaRPr lang="de-DE"/>
           </a:p>
@@ -3010,7 +3011,7 @@
           <a:p>
             <a:fld id="{59436D6C-09F6-4967-B045-448DC0A44960}" type="slidenum">
               <a:rPr lang="de-DE" smtClean="0"/>
-              <a:t>‹#›</a:t>
+              <a:t>‹Nr.›</a:t>
             </a:fld>
             <a:endParaRPr lang="de-DE"/>
           </a:p>
@@ -3476,6 +3477,14 @@
 <file path=ppt/slides/slide11.xml><?xml version="1.0" encoding="utf-8"?>
 <p:sld xmlns:a="http://schemas.openxmlformats.org/drawingml/2006/main" xmlns:r="http://schemas.openxmlformats.org/officeDocument/2006/relationships" xmlns:p="http://schemas.openxmlformats.org/presentationml/2006/main">
   <p:cSld>
+    <p:bg>
+      <p:bgPr>
+        <a:solidFill>
+          <a:schemeClr val="bg2"/>
+        </a:solidFill>
+        <a:effectLst/>
+      </p:bgPr>
+    </p:bg>
     <p:spTree>
       <p:nvGrpSpPr>
         <p:cNvPr id="1" name=""/>
@@ -3492,10 +3501,73 @@
       </p:grpSpPr>
       <p:sp>
         <p:nvSpPr>
+          <p:cNvPr id="12" name="Rectangle 11">
+            <a:extLst>
+              <a:ext uri="{FF2B5EF4-FFF2-40B4-BE49-F238E27FC236}">
+                <a16:creationId xmlns:a16="http://schemas.microsoft.com/office/drawing/2014/main" id="{16C5FA50-8D52-4617-AF91-5C7B1C8352F1}"/>
+              </a:ext>
+              <a:ext uri="{C183D7F6-B498-43B3-948B-1728B52AA6E4}">
+                <adec:decorative xmlns:adec="http://schemas.microsoft.com/office/drawing/2017/decorative" val="1"/>
+              </a:ext>
+            </a:extLst>
+          </p:cNvPr>
+          <p:cNvSpPr>
+            <a:spLocks noGrp="1" noRot="1" noChangeAspect="1" noMove="1" noResize="1" noEditPoints="1" noAdjustHandles="1" noChangeArrowheads="1" noChangeShapeType="1" noTextEdit="1"/>
+          </p:cNvSpPr>
+          <p:nvPr>
+            <p:extLst>
+              <p:ext uri="{386F3935-93C4-4BCD-93E2-E3B085C9AB24}">
+                <p16:designElem xmlns:p16="http://schemas.microsoft.com/office/powerpoint/2015/main" val="1"/>
+              </p:ext>
+            </p:extLst>
+          </p:nvPr>
+        </p:nvSpPr>
+        <p:spPr>
+          <a:xfrm>
+            <a:off x="0" y="0"/>
+            <a:ext cx="12192000" cy="6858000"/>
+          </a:xfrm>
+          <a:prstGeom prst="rect">
+            <a:avLst/>
+          </a:prstGeom>
+          <a:solidFill>
+            <a:srgbClr val="3E4B55"/>
+          </a:solidFill>
+          <a:ln>
+            <a:noFill/>
+          </a:ln>
+        </p:spPr>
+        <p:style>
+          <a:lnRef idx="2">
+            <a:schemeClr val="accent1">
+              <a:shade val="50000"/>
+            </a:schemeClr>
+          </a:lnRef>
+          <a:fillRef idx="1">
+            <a:schemeClr val="accent1"/>
+          </a:fillRef>
+          <a:effectRef idx="0">
+            <a:schemeClr val="accent1"/>
+          </a:effectRef>
+          <a:fontRef idx="minor">
+            <a:schemeClr val="lt1"/>
+          </a:fontRef>
+        </p:style>
+        <p:txBody>
+          <a:bodyPr rtlCol="0" anchor="ctr"/>
+          <a:lstStyle/>
+          <a:p>
+            <a:pPr algn="ctr"/>
+            <a:endParaRPr lang="en-US"/>
+          </a:p>
+        </p:txBody>
+      </p:sp>
+      <p:sp>
+        <p:nvSpPr>
           <p:cNvPr id="2" name="Titel 1">
             <a:extLst>
               <a:ext uri="{FF2B5EF4-FFF2-40B4-BE49-F238E27FC236}">
-                <a16:creationId xmlns:a16="http://schemas.microsoft.com/office/drawing/2014/main" id="{6CBDF994-97B1-4680-863A-8B0086CDA45B}"/>
+                <a16:creationId xmlns:a16="http://schemas.microsoft.com/office/drawing/2014/main" id="{B8437B35-6466-44DD-B967-D220C5E89F8B}"/>
               </a:ext>
             </a:extLst>
           </p:cNvPr>
@@ -3506,26 +3578,109 @@
             <p:ph type="title"/>
           </p:nvPr>
         </p:nvSpPr>
-        <p:spPr/>
-        <p:txBody>
-          <a:bodyPr/>
+        <p:spPr>
+          <a:xfrm>
+            <a:off x="9093496" y="618681"/>
+            <a:ext cx="2613872" cy="4794567"/>
+          </a:xfrm>
+        </p:spPr>
+        <p:txBody>
+          <a:bodyPr vert="horz" lIns="91440" tIns="45720" rIns="91440" bIns="45720" rtlCol="0" anchor="ctr">
+            <a:normAutofit/>
+          </a:bodyPr>
+          <a:lstStyle/>
+          <a:p>
+            <a:r>
+              <a:rPr lang="en-US" sz="3600">
+                <a:solidFill>
+                  <a:srgbClr val="FFFFFF"/>
+                </a:solidFill>
+              </a:rPr>
+              <a:t>Sequence Diagram for Fire Alarm</a:t>
+            </a:r>
+          </a:p>
+        </p:txBody>
+      </p:sp>
+      <p:sp>
+        <p:nvSpPr>
+          <p:cNvPr id="14" name="Rounded Rectangle 9">
+            <a:extLst>
+              <a:ext uri="{FF2B5EF4-FFF2-40B4-BE49-F238E27FC236}">
+                <a16:creationId xmlns:a16="http://schemas.microsoft.com/office/drawing/2014/main" id="{E223798C-12AD-4B0C-A50C-D676347D67CF}"/>
+              </a:ext>
+              <a:ext uri="{C183D7F6-B498-43B3-948B-1728B52AA6E4}">
+                <adec:decorative xmlns:adec="http://schemas.microsoft.com/office/drawing/2017/decorative" val="1"/>
+              </a:ext>
+            </a:extLst>
+          </p:cNvPr>
+          <p:cNvSpPr>
+            <a:spLocks noGrp="1" noRot="1" noChangeAspect="1" noMove="1" noResize="1" noEditPoints="1" noAdjustHandles="1" noChangeArrowheads="1" noChangeShapeType="1" noTextEdit="1"/>
+          </p:cNvSpPr>
+          <p:nvPr>
+            <p:extLst>
+              <p:ext uri="{386F3935-93C4-4BCD-93E2-E3B085C9AB24}">
+                <p16:designElem xmlns:p16="http://schemas.microsoft.com/office/powerpoint/2015/main" val="1"/>
+              </p:ext>
+            </p:extLst>
+          </p:nvPr>
+        </p:nvSpPr>
+        <p:spPr>
+          <a:xfrm>
+            <a:off x="493354" y="484632"/>
+            <a:ext cx="8129016" cy="5724144"/>
+          </a:xfrm>
+          <a:prstGeom prst="roundRect">
+            <a:avLst>
+              <a:gd name="adj" fmla="val 0"/>
+            </a:avLst>
+          </a:prstGeom>
+          <a:solidFill>
+            <a:srgbClr val="FFFFFF"/>
+          </a:solidFill>
+          <a:ln w="9525">
+            <a:solidFill>
+              <a:srgbClr val="C8CACA"/>
+            </a:solidFill>
+          </a:ln>
+          <a:effectLst>
+            <a:outerShdw blurRad="57150" dist="19050" dir="5400000" algn="t" rotWithShape="0">
+              <a:prstClr val="black">
+                <a:alpha val="63000"/>
+              </a:prstClr>
+            </a:outerShdw>
+          </a:effectLst>
+        </p:spPr>
+        <p:style>
+          <a:lnRef idx="2">
+            <a:schemeClr val="accent1">
+              <a:shade val="50000"/>
+            </a:schemeClr>
+          </a:lnRef>
+          <a:fillRef idx="1">
+            <a:schemeClr val="accent1"/>
+          </a:fillRef>
+          <a:effectRef idx="0">
+            <a:schemeClr val="accent1"/>
+          </a:effectRef>
+          <a:fontRef idx="minor">
+            <a:schemeClr val="lt1"/>
+          </a:fontRef>
+        </p:style>
+        <p:txBody>
+          <a:bodyPr rtlCol="0" anchor="ctr"/>
           <a:lstStyle/>
           <a:p>
             <a:pPr algn="ctr"/>
-            <a:r>
-              <a:rPr lang="de-DE"/>
-              <a:t>STATE DIAGRAM FOR HEATING/COOLING SYSTEM</a:t>
-            </a:r>
-            <a:endParaRPr lang="de-DE" dirty="0"/>
+            <a:endParaRPr lang="en-US"/>
           </a:p>
         </p:txBody>
       </p:sp>
       <p:pic>
         <p:nvPicPr>
-          <p:cNvPr id="5" name="Inhaltsplatzhalter 4">
-            <a:extLst>
-              <a:ext uri="{FF2B5EF4-FFF2-40B4-BE49-F238E27FC236}">
-                <a16:creationId xmlns:a16="http://schemas.microsoft.com/office/drawing/2014/main" id="{2283C870-F831-433B-BEF3-E48F0DAB67CF}"/>
+          <p:cNvPr id="7" name="Inhaltsplatzhalter 6">
+            <a:extLst>
+              <a:ext uri="{FF2B5EF4-FFF2-40B4-BE49-F238E27FC236}">
+                <a16:creationId xmlns:a16="http://schemas.microsoft.com/office/drawing/2014/main" id="{9FE24162-9809-4F88-869D-B2B93024ACF1}"/>
               </a:ext>
             </a:extLst>
           </p:cNvPr>
@@ -3536,7 +3691,7 @@
             <p:ph idx="1"/>
           </p:nvPr>
         </p:nvPicPr>
-        <p:blipFill>
+        <p:blipFill rotWithShape="1">
           <a:blip r:embed="rId2">
             <a:extLst>
               <a:ext uri="{28A0092B-C50C-407E-A947-70E740481C1C}">
@@ -3544,21 +3699,24 @@
               </a:ext>
             </a:extLst>
           </a:blip>
-          <a:stretch>
-            <a:fillRect/>
-          </a:stretch>
+          <a:srcRect l="171" t="-2630" r="-1373" b="-854"/>
+          <a:stretch/>
         </p:blipFill>
         <p:spPr>
           <a:xfrm>
-            <a:off x="2503503" y="2204080"/>
-            <a:ext cx="7416276" cy="3686261"/>
-          </a:xfrm>
+            <a:off x="671208" y="817123"/>
+            <a:ext cx="7937655" cy="4933747"/>
+          </a:xfrm>
+          <a:prstGeom prst="rect">
+            <a:avLst/>
+          </a:prstGeom>
+          <a:effectLst/>
         </p:spPr>
       </p:pic>
     </p:spTree>
     <p:extLst>
       <p:ext uri="{BB962C8B-B14F-4D97-AF65-F5344CB8AC3E}">
-        <p14:creationId xmlns:p14="http://schemas.microsoft.com/office/powerpoint/2010/main" val="21237439"/>
+        <p14:creationId xmlns:p14="http://schemas.microsoft.com/office/powerpoint/2010/main" val="810842354"/>
       </p:ext>
     </p:extLst>
   </p:cSld>
@@ -3569,6 +3727,258 @@
 </file>
 
 <file path=ppt/slides/slide12.xml><?xml version="1.0" encoding="utf-8"?>
+<p:sld xmlns:a="http://schemas.openxmlformats.org/drawingml/2006/main" xmlns:r="http://schemas.openxmlformats.org/officeDocument/2006/relationships" xmlns:p="http://schemas.openxmlformats.org/presentationml/2006/main">
+  <p:cSld>
+    <p:bg>
+      <p:bgPr>
+        <a:solidFill>
+          <a:schemeClr val="bg2"/>
+        </a:solidFill>
+        <a:effectLst/>
+      </p:bgPr>
+    </p:bg>
+    <p:spTree>
+      <p:nvGrpSpPr>
+        <p:cNvPr id="1" name=""/>
+        <p:cNvGrpSpPr/>
+        <p:nvPr/>
+      </p:nvGrpSpPr>
+      <p:grpSpPr>
+        <a:xfrm>
+          <a:off x="0" y="0"/>
+          <a:ext cx="0" cy="0"/>
+          <a:chOff x="0" y="0"/>
+          <a:chExt cx="0" cy="0"/>
+        </a:xfrm>
+      </p:grpSpPr>
+      <p:sp>
+        <p:nvSpPr>
+          <p:cNvPr id="17" name="Rectangle 16">
+            <a:extLst>
+              <a:ext uri="{FF2B5EF4-FFF2-40B4-BE49-F238E27FC236}">
+                <a16:creationId xmlns:a16="http://schemas.microsoft.com/office/drawing/2014/main" id="{16C5FA50-8D52-4617-AF91-5C7B1C8352F1}"/>
+              </a:ext>
+              <a:ext uri="{C183D7F6-B498-43B3-948B-1728B52AA6E4}">
+                <adec:decorative xmlns:adec="http://schemas.microsoft.com/office/drawing/2017/decorative" val="1"/>
+              </a:ext>
+            </a:extLst>
+          </p:cNvPr>
+          <p:cNvSpPr>
+            <a:spLocks noGrp="1" noRot="1" noChangeAspect="1" noMove="1" noResize="1" noEditPoints="1" noAdjustHandles="1" noChangeArrowheads="1" noChangeShapeType="1" noTextEdit="1"/>
+          </p:cNvSpPr>
+          <p:nvPr>
+            <p:extLst>
+              <p:ext uri="{386F3935-93C4-4BCD-93E2-E3B085C9AB24}">
+                <p16:designElem xmlns:p16="http://schemas.microsoft.com/office/powerpoint/2015/main" val="1"/>
+              </p:ext>
+            </p:extLst>
+          </p:nvPr>
+        </p:nvSpPr>
+        <p:spPr>
+          <a:xfrm>
+            <a:off x="0" y="0"/>
+            <a:ext cx="12192000" cy="6858000"/>
+          </a:xfrm>
+          <a:prstGeom prst="rect">
+            <a:avLst/>
+          </a:prstGeom>
+          <a:solidFill>
+            <a:srgbClr val="3C4953"/>
+          </a:solidFill>
+          <a:ln>
+            <a:noFill/>
+          </a:ln>
+        </p:spPr>
+        <p:style>
+          <a:lnRef idx="2">
+            <a:schemeClr val="accent1">
+              <a:shade val="50000"/>
+            </a:schemeClr>
+          </a:lnRef>
+          <a:fillRef idx="1">
+            <a:schemeClr val="accent1"/>
+          </a:fillRef>
+          <a:effectRef idx="0">
+            <a:schemeClr val="accent1"/>
+          </a:effectRef>
+          <a:fontRef idx="minor">
+            <a:schemeClr val="lt1"/>
+          </a:fontRef>
+        </p:style>
+        <p:txBody>
+          <a:bodyPr rtlCol="0" anchor="ctr"/>
+          <a:lstStyle/>
+          <a:p>
+            <a:pPr algn="ctr"/>
+            <a:endParaRPr lang="en-US"/>
+          </a:p>
+        </p:txBody>
+      </p:sp>
+      <p:sp>
+        <p:nvSpPr>
+          <p:cNvPr id="2" name="Titel 1">
+            <a:extLst>
+              <a:ext uri="{FF2B5EF4-FFF2-40B4-BE49-F238E27FC236}">
+                <a16:creationId xmlns:a16="http://schemas.microsoft.com/office/drawing/2014/main" id="{4A4333C5-0081-481D-BA53-D88213B62CDB}"/>
+              </a:ext>
+            </a:extLst>
+          </p:cNvPr>
+          <p:cNvSpPr>
+            <a:spLocks noGrp="1"/>
+          </p:cNvSpPr>
+          <p:nvPr>
+            <p:ph type="title"/>
+          </p:nvPr>
+        </p:nvSpPr>
+        <p:spPr>
+          <a:xfrm>
+            <a:off x="9093496" y="618681"/>
+            <a:ext cx="2613872" cy="4794567"/>
+          </a:xfrm>
+        </p:spPr>
+        <p:txBody>
+          <a:bodyPr vert="horz" lIns="91440" tIns="45720" rIns="91440" bIns="45720" rtlCol="0" anchor="ctr">
+            <a:normAutofit/>
+          </a:bodyPr>
+          <a:lstStyle/>
+          <a:p>
+            <a:r>
+              <a:rPr lang="en-US" sz="3600">
+                <a:solidFill>
+                  <a:srgbClr val="FFFFFF"/>
+                </a:solidFill>
+              </a:rPr>
+              <a:t>SEQUENCE DIAGRAM FOR SECURITY</a:t>
+            </a:r>
+          </a:p>
+        </p:txBody>
+      </p:sp>
+      <p:sp>
+        <p:nvSpPr>
+          <p:cNvPr id="19" name="Rounded Rectangle 9">
+            <a:extLst>
+              <a:ext uri="{FF2B5EF4-FFF2-40B4-BE49-F238E27FC236}">
+                <a16:creationId xmlns:a16="http://schemas.microsoft.com/office/drawing/2014/main" id="{E223798C-12AD-4B0C-A50C-D676347D67CF}"/>
+              </a:ext>
+              <a:ext uri="{C183D7F6-B498-43B3-948B-1728B52AA6E4}">
+                <adec:decorative xmlns:adec="http://schemas.microsoft.com/office/drawing/2017/decorative" val="1"/>
+              </a:ext>
+            </a:extLst>
+          </p:cNvPr>
+          <p:cNvSpPr>
+            <a:spLocks noGrp="1" noRot="1" noChangeAspect="1" noMove="1" noResize="1" noEditPoints="1" noAdjustHandles="1" noChangeArrowheads="1" noChangeShapeType="1" noTextEdit="1"/>
+          </p:cNvSpPr>
+          <p:nvPr>
+            <p:extLst>
+              <p:ext uri="{386F3935-93C4-4BCD-93E2-E3B085C9AB24}">
+                <p16:designElem xmlns:p16="http://schemas.microsoft.com/office/powerpoint/2015/main" val="1"/>
+              </p:ext>
+            </p:extLst>
+          </p:nvPr>
+        </p:nvSpPr>
+        <p:spPr>
+          <a:xfrm>
+            <a:off x="493354" y="484632"/>
+            <a:ext cx="8129016" cy="5724144"/>
+          </a:xfrm>
+          <a:prstGeom prst="roundRect">
+            <a:avLst>
+              <a:gd name="adj" fmla="val 0"/>
+            </a:avLst>
+          </a:prstGeom>
+          <a:solidFill>
+            <a:srgbClr val="FFFFFF"/>
+          </a:solidFill>
+          <a:ln w="9525">
+            <a:solidFill>
+              <a:srgbClr val="C8CACA"/>
+            </a:solidFill>
+          </a:ln>
+          <a:effectLst>
+            <a:outerShdw blurRad="57150" dist="19050" dir="5400000" algn="t" rotWithShape="0">
+              <a:prstClr val="black">
+                <a:alpha val="63000"/>
+              </a:prstClr>
+            </a:outerShdw>
+          </a:effectLst>
+        </p:spPr>
+        <p:style>
+          <a:lnRef idx="2">
+            <a:schemeClr val="accent1">
+              <a:shade val="50000"/>
+            </a:schemeClr>
+          </a:lnRef>
+          <a:fillRef idx="1">
+            <a:schemeClr val="accent1"/>
+          </a:fillRef>
+          <a:effectRef idx="0">
+            <a:schemeClr val="accent1"/>
+          </a:effectRef>
+          <a:fontRef idx="minor">
+            <a:schemeClr val="lt1"/>
+          </a:fontRef>
+        </p:style>
+        <p:txBody>
+          <a:bodyPr rtlCol="0" anchor="ctr"/>
+          <a:lstStyle/>
+          <a:p>
+            <a:pPr algn="ctr"/>
+            <a:endParaRPr lang="en-US"/>
+          </a:p>
+        </p:txBody>
+      </p:sp>
+      <p:pic>
+        <p:nvPicPr>
+          <p:cNvPr id="7" name="Content Placeholder 6" descr="Chart, box and whisker chart&#10;&#10;Description automatically generated">
+            <a:extLst>
+              <a:ext uri="{FF2B5EF4-FFF2-40B4-BE49-F238E27FC236}">
+                <a16:creationId xmlns:a16="http://schemas.microsoft.com/office/drawing/2014/main" id="{62142689-4D9B-432A-9257-6CF670E9F486}"/>
+              </a:ext>
+            </a:extLst>
+          </p:cNvPr>
+          <p:cNvPicPr>
+            <a:picLocks noGrp="1" noChangeAspect="1"/>
+          </p:cNvPicPr>
+          <p:nvPr>
+            <p:ph idx="1"/>
+          </p:nvPr>
+        </p:nvPicPr>
+        <p:blipFill rotWithShape="1">
+          <a:blip r:embed="rId2">
+            <a:extLst>
+              <a:ext uri="{28A0092B-C50C-407E-A947-70E740481C1C}">
+                <a14:useLocalDpi xmlns:a14="http://schemas.microsoft.com/office/drawing/2010/main" val="0"/>
+              </a:ext>
+            </a:extLst>
+          </a:blip>
+          <a:srcRect l="-3216" t="-4025" r="-1992" b="-3402"/>
+          <a:stretch/>
+        </p:blipFill>
+        <p:spPr>
+          <a:xfrm>
+            <a:off x="768486" y="749029"/>
+            <a:ext cx="7752944" cy="5165387"/>
+          </a:xfrm>
+          <a:prstGeom prst="rect">
+            <a:avLst/>
+          </a:prstGeom>
+          <a:effectLst/>
+        </p:spPr>
+      </p:pic>
+    </p:spTree>
+    <p:extLst>
+      <p:ext uri="{BB962C8B-B14F-4D97-AF65-F5344CB8AC3E}">
+        <p14:creationId xmlns:p14="http://schemas.microsoft.com/office/powerpoint/2010/main" val="2541445627"/>
+      </p:ext>
+    </p:extLst>
+  </p:cSld>
+  <p:clrMapOvr>
+    <a:masterClrMapping/>
+  </p:clrMapOvr>
+</p:sld>
+</file>
+
+<file path=ppt/slides/slide13.xml><?xml version="1.0" encoding="utf-8"?>
 <p:sld xmlns:a="http://schemas.openxmlformats.org/drawingml/2006/main" xmlns:r="http://schemas.openxmlformats.org/officeDocument/2006/relationships" xmlns:p="http://schemas.openxmlformats.org/presentationml/2006/main">
   <p:cSld>
     <p:bg>
@@ -4044,7 +4454,7 @@
                   <a:srgbClr val="FFFFFF"/>
                 </a:solidFill>
               </a:rPr>
-              <a:t>Class Diagram</a:t>
+              <a:t>Main Class Diagram For Smart Home System</a:t>
             </a:r>
           </a:p>
         </p:txBody>
@@ -4201,7 +4611,7 @@
       </p:grpSpPr>
       <p:sp>
         <p:nvSpPr>
-          <p:cNvPr id="12" name="Rectangle 11">
+          <p:cNvPr id="10" name="Rectangle 9">
             <a:extLst>
               <a:ext uri="{FF2B5EF4-FFF2-40B4-BE49-F238E27FC236}">
                 <a16:creationId xmlns:a16="http://schemas.microsoft.com/office/drawing/2014/main" id="{16C5FA50-8D52-4617-AF91-5C7B1C8352F1}"/>
@@ -4231,7 +4641,7 @@
             <a:avLst/>
           </a:prstGeom>
           <a:solidFill>
-            <a:srgbClr val="5F7A81"/>
+            <a:srgbClr val="919169"/>
           </a:solidFill>
           <a:ln>
             <a:noFill/>
@@ -4267,7 +4677,7 @@
           <p:cNvPr id="2" name="Titel 1">
             <a:extLst>
               <a:ext uri="{FF2B5EF4-FFF2-40B4-BE49-F238E27FC236}">
-                <a16:creationId xmlns:a16="http://schemas.microsoft.com/office/drawing/2014/main" id="{1E29CA76-E75D-4AB7-8299-B44A273B9555}"/>
+                <a16:creationId xmlns:a16="http://schemas.microsoft.com/office/drawing/2014/main" id="{D6603AF2-DDFE-4DF4-A2BF-A9659BD652CF}"/>
               </a:ext>
             </a:extLst>
           </p:cNvPr>
@@ -4291,19 +4701,19 @@
           <a:lstStyle/>
           <a:p>
             <a:r>
-              <a:rPr lang="en-US" sz="3600">
+              <a:rPr lang="en-US" sz="3600" dirty="0">
                 <a:solidFill>
                   <a:srgbClr val="FFFFFF"/>
                 </a:solidFill>
               </a:rPr>
-              <a:t>SEQUENCE DIAGRAM FOR LOGIN</a:t>
-            </a:r>
-          </a:p>
-        </p:txBody>
-      </p:sp>
-      <p:sp>
-        <p:nvSpPr>
-          <p:cNvPr id="14" name="Rounded Rectangle 9">
+              <a:t>SEQEUNCE DIAGRAM FOR SMART REMOTE</a:t>
+            </a:r>
+          </a:p>
+        </p:txBody>
+      </p:sp>
+      <p:sp>
+        <p:nvSpPr>
+          <p:cNvPr id="12" name="Rounded Rectangle 9">
             <a:extLst>
               <a:ext uri="{FF2B5EF4-FFF2-40B4-BE49-F238E27FC236}">
                 <a16:creationId xmlns:a16="http://schemas.microsoft.com/office/drawing/2014/main" id="{E223798C-12AD-4B0C-A50C-D676347D67CF}"/>
@@ -4377,10 +4787,10 @@
       </p:sp>
       <p:pic>
         <p:nvPicPr>
-          <p:cNvPr id="7" name="Inhaltsplatzhalter 6">
-            <a:extLst>
-              <a:ext uri="{FF2B5EF4-FFF2-40B4-BE49-F238E27FC236}">
-                <a16:creationId xmlns:a16="http://schemas.microsoft.com/office/drawing/2014/main" id="{6053D9DA-70EA-4354-85C9-74263C50CD07}"/>
+          <p:cNvPr id="7" name="Content Placeholder 6">
+            <a:extLst>
+              <a:ext uri="{FF2B5EF4-FFF2-40B4-BE49-F238E27FC236}">
+                <a16:creationId xmlns:a16="http://schemas.microsoft.com/office/drawing/2014/main" id="{BAA536C3-90EA-43F8-978E-ACFACF7BD376}"/>
               </a:ext>
             </a:extLst>
           </p:cNvPr>
@@ -4391,7 +4801,7 @@
             <p:ph idx="1"/>
           </p:nvPr>
         </p:nvPicPr>
-        <p:blipFill rotWithShape="1">
+        <p:blipFill>
           <a:blip r:embed="rId2">
             <a:extLst>
               <a:ext uri="{28A0092B-C50C-407E-A947-70E740481C1C}">
@@ -4399,24 +4809,21 @@
               </a:ext>
             </a:extLst>
           </a:blip>
-          <a:srcRect l="-5486" t="-1706" r="-2919" b="-2532"/>
-          <a:stretch/>
+          <a:stretch>
+            <a:fillRect/>
+          </a:stretch>
         </p:blipFill>
         <p:spPr>
           <a:xfrm>
-            <a:off x="573932" y="484631"/>
-            <a:ext cx="7947498" cy="5724143"/>
-          </a:xfrm>
-          <a:prstGeom prst="rect">
-            <a:avLst/>
-          </a:prstGeom>
-          <a:effectLst/>
+            <a:off x="0" y="0"/>
+            <a:ext cx="8622369" cy="6858000"/>
+          </a:xfrm>
         </p:spPr>
       </p:pic>
     </p:spTree>
     <p:extLst>
       <p:ext uri="{BB962C8B-B14F-4D97-AF65-F5344CB8AC3E}">
-        <p14:creationId xmlns:p14="http://schemas.microsoft.com/office/powerpoint/2010/main" val="4003976245"/>
+        <p14:creationId xmlns:p14="http://schemas.microsoft.com/office/powerpoint/2010/main" val="1635133515"/>
       </p:ext>
     </p:extLst>
   </p:cSld>
@@ -4453,7 +4860,7 @@
       </p:grpSpPr>
       <p:sp>
         <p:nvSpPr>
-          <p:cNvPr id="10" name="Rectangle 9">
+          <p:cNvPr id="12" name="Rectangle 11">
             <a:extLst>
               <a:ext uri="{FF2B5EF4-FFF2-40B4-BE49-F238E27FC236}">
                 <a16:creationId xmlns:a16="http://schemas.microsoft.com/office/drawing/2014/main" id="{16C5FA50-8D52-4617-AF91-5C7B1C8352F1}"/>
@@ -4483,7 +4890,7 @@
             <a:avLst/>
           </a:prstGeom>
           <a:solidFill>
-            <a:srgbClr val="577177"/>
+            <a:srgbClr val="5F7A81"/>
           </a:solidFill>
           <a:ln>
             <a:noFill/>
@@ -4519,7 +4926,7 @@
           <p:cNvPr id="2" name="Titel 1">
             <a:extLst>
               <a:ext uri="{FF2B5EF4-FFF2-40B4-BE49-F238E27FC236}">
-                <a16:creationId xmlns:a16="http://schemas.microsoft.com/office/drawing/2014/main" id="{674AF38F-3074-4503-A21A-1C0F0E8D17F0}"/>
+                <a16:creationId xmlns:a16="http://schemas.microsoft.com/office/drawing/2014/main" id="{1E29CA76-E75D-4AB7-8299-B44A273B9555}"/>
               </a:ext>
             </a:extLst>
           </p:cNvPr>
@@ -4548,14 +4955,14 @@
                   <a:srgbClr val="FFFFFF"/>
                 </a:solidFill>
               </a:rPr>
-              <a:t>Sequence Diagram For Heater And Conditioner</a:t>
-            </a:r>
-          </a:p>
-        </p:txBody>
-      </p:sp>
-      <p:sp>
-        <p:nvSpPr>
-          <p:cNvPr id="12" name="Rounded Rectangle 9">
+              <a:t>SEQUENCE DIAGRAM FOR LOGIN</a:t>
+            </a:r>
+          </a:p>
+        </p:txBody>
+      </p:sp>
+      <p:sp>
+        <p:nvSpPr>
+          <p:cNvPr id="14" name="Rounded Rectangle 9">
             <a:extLst>
               <a:ext uri="{FF2B5EF4-FFF2-40B4-BE49-F238E27FC236}">
                 <a16:creationId xmlns:a16="http://schemas.microsoft.com/office/drawing/2014/main" id="{E223798C-12AD-4B0C-A50C-D676347D67CF}"/>
@@ -4629,10 +5036,10 @@
       </p:sp>
       <p:pic>
         <p:nvPicPr>
-          <p:cNvPr id="5" name="Inhaltsplatzhalter 4">
-            <a:extLst>
-              <a:ext uri="{FF2B5EF4-FFF2-40B4-BE49-F238E27FC236}">
-                <a16:creationId xmlns:a16="http://schemas.microsoft.com/office/drawing/2014/main" id="{B4E48B3B-5500-4B1A-AEE8-F6679EE7FEF6}"/>
+          <p:cNvPr id="7" name="Inhaltsplatzhalter 6">
+            <a:extLst>
+              <a:ext uri="{FF2B5EF4-FFF2-40B4-BE49-F238E27FC236}">
+                <a16:creationId xmlns:a16="http://schemas.microsoft.com/office/drawing/2014/main" id="{6053D9DA-70EA-4354-85C9-74263C50CD07}"/>
               </a:ext>
             </a:extLst>
           </p:cNvPr>
@@ -4651,13 +5058,13 @@
               </a:ext>
             </a:extLst>
           </a:blip>
-          <a:srcRect l="-1" t="-1770" r="-3019" b="-3385"/>
+          <a:srcRect l="-5486" t="-1706" r="-2919" b="-2532"/>
           <a:stretch/>
         </p:blipFill>
         <p:spPr>
           <a:xfrm>
-            <a:off x="493354" y="484632"/>
-            <a:ext cx="8115510" cy="5888735"/>
+            <a:off x="573932" y="484631"/>
+            <a:ext cx="7947498" cy="5724143"/>
           </a:xfrm>
           <a:prstGeom prst="rect">
             <a:avLst/>
@@ -4668,7 +5075,7 @@
     </p:spTree>
     <p:extLst>
       <p:ext uri="{BB962C8B-B14F-4D97-AF65-F5344CB8AC3E}">
-        <p14:creationId xmlns:p14="http://schemas.microsoft.com/office/powerpoint/2010/main" val="2859926030"/>
+        <p14:creationId xmlns:p14="http://schemas.microsoft.com/office/powerpoint/2010/main" val="4003976245"/>
       </p:ext>
     </p:extLst>
   </p:cSld>
@@ -4735,7 +5142,7 @@
             <a:avLst/>
           </a:prstGeom>
           <a:solidFill>
-            <a:srgbClr val="767171"/>
+            <a:srgbClr val="25294D"/>
           </a:solidFill>
           <a:ln>
             <a:noFill/>
@@ -4771,7 +5178,7 @@
           <p:cNvPr id="2" name="Titel 1">
             <a:extLst>
               <a:ext uri="{FF2B5EF4-FFF2-40B4-BE49-F238E27FC236}">
-                <a16:creationId xmlns:a16="http://schemas.microsoft.com/office/drawing/2014/main" id="{7DEEC474-0D75-45E1-B309-2307D2E29849}"/>
+                <a16:creationId xmlns:a16="http://schemas.microsoft.com/office/drawing/2014/main" id="{809A6CB6-7EF8-46A8-8641-88A1370C30E9}"/>
               </a:ext>
             </a:extLst>
           </p:cNvPr>
@@ -4795,12 +5202,12 @@
           <a:lstStyle/>
           <a:p>
             <a:r>
-              <a:rPr lang="en-US" sz="3100">
+              <a:rPr lang="en-US" sz="3600">
                 <a:solidFill>
                   <a:srgbClr val="FFFFFF"/>
                 </a:solidFill>
               </a:rPr>
-              <a:t>SEQUENCE DIAGRAM FOR CONTROLLING LIGHT</a:t>
+              <a:t>State Diagram For Smart Home Login System</a:t>
             </a:r>
           </a:p>
         </p:txBody>
@@ -4881,10 +5288,10 @@
       </p:sp>
       <p:pic>
         <p:nvPicPr>
-          <p:cNvPr id="7" name="Content Placeholder 6">
-            <a:extLst>
-              <a:ext uri="{FF2B5EF4-FFF2-40B4-BE49-F238E27FC236}">
-                <a16:creationId xmlns:a16="http://schemas.microsoft.com/office/drawing/2014/main" id="{88403374-7734-4724-A241-717DEFE61211}"/>
+          <p:cNvPr id="5" name="Inhaltsplatzhalter 4">
+            <a:extLst>
+              <a:ext uri="{FF2B5EF4-FFF2-40B4-BE49-F238E27FC236}">
+                <a16:creationId xmlns:a16="http://schemas.microsoft.com/office/drawing/2014/main" id="{CA6DD33F-6A11-4BEA-97F7-1FE059E23D65}"/>
               </a:ext>
             </a:extLst>
           </p:cNvPr>
@@ -4895,23 +5302,32 @@
             <p:ph idx="1"/>
           </p:nvPr>
         </p:nvPicPr>
-        <p:blipFill>
-          <a:blip r:embed="rId2"/>
-          <a:stretch>
-            <a:fillRect/>
-          </a:stretch>
+        <p:blipFill rotWithShape="1">
+          <a:blip r:embed="rId2">
+            <a:extLst>
+              <a:ext uri="{28A0092B-C50C-407E-A947-70E740481C1C}">
+                <a14:useLocalDpi xmlns:a14="http://schemas.microsoft.com/office/drawing/2010/main" val="0"/>
+              </a:ext>
+            </a:extLst>
+          </a:blip>
+          <a:srcRect b="4106"/>
+          <a:stretch/>
         </p:blipFill>
         <p:spPr>
           <a:xfrm>
-            <a:off x="545204" y="484632"/>
-            <a:ext cx="8058032" cy="5724144"/>
-          </a:xfrm>
+            <a:off x="976251" y="942538"/>
+            <a:ext cx="7163222" cy="4808332"/>
+          </a:xfrm>
+          <a:prstGeom prst="rect">
+            <a:avLst/>
+          </a:prstGeom>
+          <a:effectLst/>
         </p:spPr>
       </p:pic>
     </p:spTree>
     <p:extLst>
       <p:ext uri="{BB962C8B-B14F-4D97-AF65-F5344CB8AC3E}">
-        <p14:creationId xmlns:p14="http://schemas.microsoft.com/office/powerpoint/2010/main" val="3097639714"/>
+        <p14:creationId xmlns:p14="http://schemas.microsoft.com/office/powerpoint/2010/main" val="931126424"/>
       </p:ext>
     </p:extLst>
   </p:cSld>
@@ -4978,7 +5394,7 @@
             <a:avLst/>
           </a:prstGeom>
           <a:solidFill>
-            <a:srgbClr val="919169"/>
+            <a:srgbClr val="577177"/>
           </a:solidFill>
           <a:ln>
             <a:noFill/>
@@ -5014,7 +5430,7 @@
           <p:cNvPr id="2" name="Titel 1">
             <a:extLst>
               <a:ext uri="{FF2B5EF4-FFF2-40B4-BE49-F238E27FC236}">
-                <a16:creationId xmlns:a16="http://schemas.microsoft.com/office/drawing/2014/main" id="{D6603AF2-DDFE-4DF4-A2BF-A9659BD652CF}"/>
+                <a16:creationId xmlns:a16="http://schemas.microsoft.com/office/drawing/2014/main" id="{674AF38F-3074-4503-A21A-1C0F0E8D17F0}"/>
               </a:ext>
             </a:extLst>
           </p:cNvPr>
@@ -5043,7 +5459,7 @@
                   <a:srgbClr val="FFFFFF"/>
                 </a:solidFill>
               </a:rPr>
-              <a:t>SEQEUNCE DIAGRAM FOR SMART REMOTE</a:t>
+              <a:t>Sequence Diagram For Heating And Cooling Initiated by Temperature System</a:t>
             </a:r>
           </a:p>
         </p:txBody>
@@ -5124,10 +5540,10 @@
       </p:sp>
       <p:pic>
         <p:nvPicPr>
-          <p:cNvPr id="7" name="Content Placeholder 6">
-            <a:extLst>
-              <a:ext uri="{FF2B5EF4-FFF2-40B4-BE49-F238E27FC236}">
-                <a16:creationId xmlns:a16="http://schemas.microsoft.com/office/drawing/2014/main" id="{BAA536C3-90EA-43F8-978E-ACFACF7BD376}"/>
+          <p:cNvPr id="5" name="Inhaltsplatzhalter 4">
+            <a:extLst>
+              <a:ext uri="{FF2B5EF4-FFF2-40B4-BE49-F238E27FC236}">
+                <a16:creationId xmlns:a16="http://schemas.microsoft.com/office/drawing/2014/main" id="{B4E48B3B-5500-4B1A-AEE8-F6679EE7FEF6}"/>
               </a:ext>
             </a:extLst>
           </p:cNvPr>
@@ -5138,7 +5554,7 @@
             <p:ph idx="1"/>
           </p:nvPr>
         </p:nvPicPr>
-        <p:blipFill>
+        <p:blipFill rotWithShape="1">
           <a:blip r:embed="rId2">
             <a:extLst>
               <a:ext uri="{28A0092B-C50C-407E-A947-70E740481C1C}">
@@ -5146,21 +5562,24 @@
               </a:ext>
             </a:extLst>
           </a:blip>
-          <a:stretch>
-            <a:fillRect/>
-          </a:stretch>
+          <a:srcRect l="-1" t="-1770" r="-3019" b="-3385"/>
+          <a:stretch/>
         </p:blipFill>
         <p:spPr>
           <a:xfrm>
-            <a:off x="0" y="0"/>
-            <a:ext cx="8622369" cy="6858000"/>
-          </a:xfrm>
+            <a:off x="493354" y="484632"/>
+            <a:ext cx="8115510" cy="5888735"/>
+          </a:xfrm>
+          <a:prstGeom prst="rect">
+            <a:avLst/>
+          </a:prstGeom>
+          <a:effectLst/>
         </p:spPr>
       </p:pic>
     </p:spTree>
     <p:extLst>
       <p:ext uri="{BB962C8B-B14F-4D97-AF65-F5344CB8AC3E}">
-        <p14:creationId xmlns:p14="http://schemas.microsoft.com/office/powerpoint/2010/main" val="1635133515"/>
+        <p14:creationId xmlns:p14="http://schemas.microsoft.com/office/powerpoint/2010/main" val="2859926030"/>
       </p:ext>
     </p:extLst>
   </p:cSld>
@@ -5173,14 +5592,6 @@
 <file path=ppt/slides/slide8.xml><?xml version="1.0" encoding="utf-8"?>
 <p:sld xmlns:a="http://schemas.openxmlformats.org/drawingml/2006/main" xmlns:r="http://schemas.openxmlformats.org/officeDocument/2006/relationships" xmlns:p="http://schemas.openxmlformats.org/presentationml/2006/main">
   <p:cSld>
-    <p:bg>
-      <p:bgPr>
-        <a:solidFill>
-          <a:schemeClr val="bg2"/>
-        </a:solidFill>
-        <a:effectLst/>
-      </p:bgPr>
-    </p:bg>
     <p:spTree>
       <p:nvGrpSpPr>
         <p:cNvPr id="1" name=""/>
@@ -5197,186 +5608,40 @@
       </p:grpSpPr>
       <p:sp>
         <p:nvSpPr>
-          <p:cNvPr id="17" name="Rectangle 16">
-            <a:extLst>
-              <a:ext uri="{FF2B5EF4-FFF2-40B4-BE49-F238E27FC236}">
-                <a16:creationId xmlns:a16="http://schemas.microsoft.com/office/drawing/2014/main" id="{16C5FA50-8D52-4617-AF91-5C7B1C8352F1}"/>
-              </a:ext>
-              <a:ext uri="{C183D7F6-B498-43B3-948B-1728B52AA6E4}">
-                <adec:decorative xmlns:adec="http://schemas.microsoft.com/office/drawing/2017/decorative" val="1"/>
-              </a:ext>
-            </a:extLst>
-          </p:cNvPr>
-          <p:cNvSpPr>
-            <a:spLocks noGrp="1" noRot="1" noChangeAspect="1" noMove="1" noResize="1" noEditPoints="1" noAdjustHandles="1" noChangeArrowheads="1" noChangeShapeType="1" noTextEdit="1"/>
-          </p:cNvSpPr>
-          <p:nvPr>
-            <p:extLst>
-              <p:ext uri="{386F3935-93C4-4BCD-93E2-E3B085C9AB24}">
-                <p16:designElem xmlns:p16="http://schemas.microsoft.com/office/powerpoint/2015/main" val="1"/>
-              </p:ext>
-            </p:extLst>
-          </p:nvPr>
-        </p:nvSpPr>
-        <p:spPr>
-          <a:xfrm>
-            <a:off x="0" y="0"/>
-            <a:ext cx="12192000" cy="6858000"/>
-          </a:xfrm>
-          <a:prstGeom prst="rect">
-            <a:avLst/>
-          </a:prstGeom>
-          <a:solidFill>
-            <a:srgbClr val="3C4953"/>
-          </a:solidFill>
-          <a:ln>
-            <a:noFill/>
-          </a:ln>
-        </p:spPr>
-        <p:style>
-          <a:lnRef idx="2">
-            <a:schemeClr val="accent1">
-              <a:shade val="50000"/>
-            </a:schemeClr>
-          </a:lnRef>
-          <a:fillRef idx="1">
-            <a:schemeClr val="accent1"/>
-          </a:fillRef>
-          <a:effectRef idx="0">
-            <a:schemeClr val="accent1"/>
-          </a:effectRef>
-          <a:fontRef idx="minor">
-            <a:schemeClr val="lt1"/>
-          </a:fontRef>
-        </p:style>
-        <p:txBody>
-          <a:bodyPr rtlCol="0" anchor="ctr"/>
+          <p:cNvPr id="2" name="Titel 1">
+            <a:extLst>
+              <a:ext uri="{FF2B5EF4-FFF2-40B4-BE49-F238E27FC236}">
+                <a16:creationId xmlns:a16="http://schemas.microsoft.com/office/drawing/2014/main" id="{6CBDF994-97B1-4680-863A-8B0086CDA45B}"/>
+              </a:ext>
+            </a:extLst>
+          </p:cNvPr>
+          <p:cNvSpPr>
+            <a:spLocks noGrp="1"/>
+          </p:cNvSpPr>
+          <p:nvPr>
+            <p:ph type="title"/>
+          </p:nvPr>
+        </p:nvSpPr>
+        <p:spPr/>
+        <p:txBody>
+          <a:bodyPr/>
           <a:lstStyle/>
           <a:p>
             <a:pPr algn="ctr"/>
-            <a:endParaRPr lang="en-US"/>
-          </a:p>
-        </p:txBody>
-      </p:sp>
-      <p:sp>
-        <p:nvSpPr>
-          <p:cNvPr id="2" name="Titel 1">
-            <a:extLst>
-              <a:ext uri="{FF2B5EF4-FFF2-40B4-BE49-F238E27FC236}">
-                <a16:creationId xmlns:a16="http://schemas.microsoft.com/office/drawing/2014/main" id="{4A4333C5-0081-481D-BA53-D88213B62CDB}"/>
-              </a:ext>
-            </a:extLst>
-          </p:cNvPr>
-          <p:cNvSpPr>
-            <a:spLocks noGrp="1"/>
-          </p:cNvSpPr>
-          <p:nvPr>
-            <p:ph type="title"/>
-          </p:nvPr>
-        </p:nvSpPr>
-        <p:spPr>
-          <a:xfrm>
-            <a:off x="9093496" y="618681"/>
-            <a:ext cx="2613872" cy="4794567"/>
-          </a:xfrm>
-        </p:spPr>
-        <p:txBody>
-          <a:bodyPr vert="horz" lIns="91440" tIns="45720" rIns="91440" bIns="45720" rtlCol="0" anchor="ctr">
-            <a:normAutofit/>
-          </a:bodyPr>
-          <a:lstStyle/>
-          <a:p>
-            <a:r>
-              <a:rPr lang="en-US" sz="3600">
-                <a:solidFill>
-                  <a:srgbClr val="FFFFFF"/>
-                </a:solidFill>
-              </a:rPr>
-              <a:t>SEQUENCE DIAGRAM FOR SECURITY</a:t>
-            </a:r>
-          </a:p>
-        </p:txBody>
-      </p:sp>
-      <p:sp>
-        <p:nvSpPr>
-          <p:cNvPr id="19" name="Rounded Rectangle 9">
-            <a:extLst>
-              <a:ext uri="{FF2B5EF4-FFF2-40B4-BE49-F238E27FC236}">
-                <a16:creationId xmlns:a16="http://schemas.microsoft.com/office/drawing/2014/main" id="{E223798C-12AD-4B0C-A50C-D676347D67CF}"/>
-              </a:ext>
-              <a:ext uri="{C183D7F6-B498-43B3-948B-1728B52AA6E4}">
-                <adec:decorative xmlns:adec="http://schemas.microsoft.com/office/drawing/2017/decorative" val="1"/>
-              </a:ext>
-            </a:extLst>
-          </p:cNvPr>
-          <p:cNvSpPr>
-            <a:spLocks noGrp="1" noRot="1" noChangeAspect="1" noMove="1" noResize="1" noEditPoints="1" noAdjustHandles="1" noChangeArrowheads="1" noChangeShapeType="1" noTextEdit="1"/>
-          </p:cNvSpPr>
-          <p:nvPr>
-            <p:extLst>
-              <p:ext uri="{386F3935-93C4-4BCD-93E2-E3B085C9AB24}">
-                <p16:designElem xmlns:p16="http://schemas.microsoft.com/office/powerpoint/2015/main" val="1"/>
-              </p:ext>
-            </p:extLst>
-          </p:nvPr>
-        </p:nvSpPr>
-        <p:spPr>
-          <a:xfrm>
-            <a:off x="493354" y="484632"/>
-            <a:ext cx="8129016" cy="5724144"/>
-          </a:xfrm>
-          <a:prstGeom prst="roundRect">
-            <a:avLst>
-              <a:gd name="adj" fmla="val 0"/>
-            </a:avLst>
-          </a:prstGeom>
-          <a:solidFill>
-            <a:srgbClr val="FFFFFF"/>
-          </a:solidFill>
-          <a:ln w="9525">
-            <a:solidFill>
-              <a:srgbClr val="C8CACA"/>
-            </a:solidFill>
-          </a:ln>
-          <a:effectLst>
-            <a:outerShdw blurRad="57150" dist="19050" dir="5400000" algn="t" rotWithShape="0">
-              <a:prstClr val="black">
-                <a:alpha val="63000"/>
-              </a:prstClr>
-            </a:outerShdw>
-          </a:effectLst>
-        </p:spPr>
-        <p:style>
-          <a:lnRef idx="2">
-            <a:schemeClr val="accent1">
-              <a:shade val="50000"/>
-            </a:schemeClr>
-          </a:lnRef>
-          <a:fillRef idx="1">
-            <a:schemeClr val="accent1"/>
-          </a:fillRef>
-          <a:effectRef idx="0">
-            <a:schemeClr val="accent1"/>
-          </a:effectRef>
-          <a:fontRef idx="minor">
-            <a:schemeClr val="lt1"/>
-          </a:fontRef>
-        </p:style>
-        <p:txBody>
-          <a:bodyPr rtlCol="0" anchor="ctr"/>
-          <a:lstStyle/>
-          <a:p>
-            <a:pPr algn="ctr"/>
-            <a:endParaRPr lang="en-US"/>
+            <a:r>
+              <a:rPr lang="de-DE"/>
+              <a:t>STATE DIAGRAM FOR HEATING/COOLING SYSTEM</a:t>
+            </a:r>
+            <a:endParaRPr lang="de-DE" dirty="0"/>
           </a:p>
         </p:txBody>
       </p:sp>
       <p:pic>
         <p:nvPicPr>
-          <p:cNvPr id="7" name="Content Placeholder 6" descr="Chart, box and whisker chart&#10;&#10;Description automatically generated">
-            <a:extLst>
-              <a:ext uri="{FF2B5EF4-FFF2-40B4-BE49-F238E27FC236}">
-                <a16:creationId xmlns:a16="http://schemas.microsoft.com/office/drawing/2014/main" id="{62142689-4D9B-432A-9257-6CF670E9F486}"/>
+          <p:cNvPr id="5" name="Inhaltsplatzhalter 4">
+            <a:extLst>
+              <a:ext uri="{FF2B5EF4-FFF2-40B4-BE49-F238E27FC236}">
+                <a16:creationId xmlns:a16="http://schemas.microsoft.com/office/drawing/2014/main" id="{2283C870-F831-433B-BEF3-E48F0DAB67CF}"/>
               </a:ext>
             </a:extLst>
           </p:cNvPr>
@@ -5387,7 +5652,7 @@
             <p:ph idx="1"/>
           </p:nvPr>
         </p:nvPicPr>
-        <p:blipFill rotWithShape="1">
+        <p:blipFill>
           <a:blip r:embed="rId2">
             <a:extLst>
               <a:ext uri="{28A0092B-C50C-407E-A947-70E740481C1C}">
@@ -5395,24 +5660,21 @@
               </a:ext>
             </a:extLst>
           </a:blip>
-          <a:srcRect l="-3216" t="-4025" r="-1992" b="-3402"/>
-          <a:stretch/>
+          <a:stretch>
+            <a:fillRect/>
+          </a:stretch>
         </p:blipFill>
         <p:spPr>
           <a:xfrm>
-            <a:off x="768486" y="749029"/>
-            <a:ext cx="7752944" cy="5165387"/>
-          </a:xfrm>
-          <a:prstGeom prst="rect">
-            <a:avLst/>
-          </a:prstGeom>
-          <a:effectLst/>
+            <a:off x="2503503" y="2204080"/>
+            <a:ext cx="7416276" cy="3686261"/>
+          </a:xfrm>
         </p:spPr>
       </p:pic>
     </p:spTree>
     <p:extLst>
       <p:ext uri="{BB962C8B-B14F-4D97-AF65-F5344CB8AC3E}">
-        <p14:creationId xmlns:p14="http://schemas.microsoft.com/office/powerpoint/2010/main" val="2541445627"/>
+        <p14:creationId xmlns:p14="http://schemas.microsoft.com/office/powerpoint/2010/main" val="21237439"/>
       </p:ext>
     </p:extLst>
   </p:cSld>
@@ -5449,7 +5711,7 @@
       </p:grpSpPr>
       <p:sp>
         <p:nvSpPr>
-          <p:cNvPr id="12" name="Rectangle 11">
+          <p:cNvPr id="10" name="Rectangle 9">
             <a:extLst>
               <a:ext uri="{FF2B5EF4-FFF2-40B4-BE49-F238E27FC236}">
                 <a16:creationId xmlns:a16="http://schemas.microsoft.com/office/drawing/2014/main" id="{16C5FA50-8D52-4617-AF91-5C7B1C8352F1}"/>
@@ -5479,7 +5741,7 @@
             <a:avLst/>
           </a:prstGeom>
           <a:solidFill>
-            <a:srgbClr val="3E4B55"/>
+            <a:srgbClr val="767171"/>
           </a:solidFill>
           <a:ln>
             <a:noFill/>
@@ -5515,7 +5777,7 @@
           <p:cNvPr id="2" name="Titel 1">
             <a:extLst>
               <a:ext uri="{FF2B5EF4-FFF2-40B4-BE49-F238E27FC236}">
-                <a16:creationId xmlns:a16="http://schemas.microsoft.com/office/drawing/2014/main" id="{B8437B35-6466-44DD-B967-D220C5E89F8B}"/>
+                <a16:creationId xmlns:a16="http://schemas.microsoft.com/office/drawing/2014/main" id="{7DEEC474-0D75-45E1-B309-2307D2E29849}"/>
               </a:ext>
             </a:extLst>
           </p:cNvPr>
@@ -5539,19 +5801,34 @@
           <a:lstStyle/>
           <a:p>
             <a:r>
-              <a:rPr lang="en-US" sz="3600">
+              <a:rPr lang="en-US" sz="3100" dirty="0">
                 <a:solidFill>
                   <a:srgbClr val="FFFFFF"/>
                 </a:solidFill>
               </a:rPr>
-              <a:t>Sequence Diagram for Fire Alarm</a:t>
-            </a:r>
-          </a:p>
-        </p:txBody>
-      </p:sp>
-      <p:sp>
-        <p:nvSpPr>
-          <p:cNvPr id="14" name="Rounded Rectangle 9">
+              <a:t>SEQUENCE DIAGRAM FOR LIGHT CONTROLLING</a:t>
+            </a:r>
+            <a:br>
+              <a:rPr lang="en-US" sz="3100" dirty="0">
+                <a:solidFill>
+                  <a:srgbClr val="FFFFFF"/>
+                </a:solidFill>
+              </a:rPr>
+            </a:br>
+            <a:r>
+              <a:rPr lang="en-US" sz="3100" dirty="0">
+                <a:solidFill>
+                  <a:srgbClr val="FFFFFF"/>
+                </a:solidFill>
+              </a:rPr>
+              <a:t>INITIATE BY SENSOR </a:t>
+            </a:r>
+          </a:p>
+        </p:txBody>
+      </p:sp>
+      <p:sp>
+        <p:nvSpPr>
+          <p:cNvPr id="12" name="Rounded Rectangle 9">
             <a:extLst>
               <a:ext uri="{FF2B5EF4-FFF2-40B4-BE49-F238E27FC236}">
                 <a16:creationId xmlns:a16="http://schemas.microsoft.com/office/drawing/2014/main" id="{E223798C-12AD-4B0C-A50C-D676347D67CF}"/>
@@ -5625,10 +5902,10 @@
       </p:sp>
       <p:pic>
         <p:nvPicPr>
-          <p:cNvPr id="7" name="Inhaltsplatzhalter 6">
-            <a:extLst>
-              <a:ext uri="{FF2B5EF4-FFF2-40B4-BE49-F238E27FC236}">
-                <a16:creationId xmlns:a16="http://schemas.microsoft.com/office/drawing/2014/main" id="{9FE24162-9809-4F88-869D-B2B93024ACF1}"/>
+          <p:cNvPr id="7" name="Content Placeholder 6">
+            <a:extLst>
+              <a:ext uri="{FF2B5EF4-FFF2-40B4-BE49-F238E27FC236}">
+                <a16:creationId xmlns:a16="http://schemas.microsoft.com/office/drawing/2014/main" id="{88403374-7734-4724-A241-717DEFE61211}"/>
               </a:ext>
             </a:extLst>
           </p:cNvPr>
@@ -5639,32 +5916,23 @@
             <p:ph idx="1"/>
           </p:nvPr>
         </p:nvPicPr>
-        <p:blipFill rotWithShape="1">
-          <a:blip r:embed="rId2">
-            <a:extLst>
-              <a:ext uri="{28A0092B-C50C-407E-A947-70E740481C1C}">
-                <a14:useLocalDpi xmlns:a14="http://schemas.microsoft.com/office/drawing/2010/main" val="0"/>
-              </a:ext>
-            </a:extLst>
-          </a:blip>
-          <a:srcRect l="171" t="-2630" r="-1373" b="-854"/>
-          <a:stretch/>
+        <p:blipFill>
+          <a:blip r:embed="rId2"/>
+          <a:stretch>
+            <a:fillRect/>
+          </a:stretch>
         </p:blipFill>
         <p:spPr>
           <a:xfrm>
-            <a:off x="671208" y="817123"/>
-            <a:ext cx="7937655" cy="4933747"/>
-          </a:xfrm>
-          <a:prstGeom prst="rect">
-            <a:avLst/>
-          </a:prstGeom>
-          <a:effectLst/>
+            <a:off x="545204" y="484632"/>
+            <a:ext cx="8058032" cy="5724144"/>
+          </a:xfrm>
         </p:spPr>
       </p:pic>
     </p:spTree>
     <p:extLst>
       <p:ext uri="{BB962C8B-B14F-4D97-AF65-F5344CB8AC3E}">
-        <p14:creationId xmlns:p14="http://schemas.microsoft.com/office/powerpoint/2010/main" val="810842354"/>
+        <p14:creationId xmlns:p14="http://schemas.microsoft.com/office/powerpoint/2010/main" val="3097639714"/>
       </p:ext>
     </p:extLst>
   </p:cSld>

--- a/Project_Week_7&8/Precise Analysis.pptx
+++ b/Project_Week_7&8/Precise Analysis.pptx
@@ -12,12 +12,13 @@
     <p:sldId id="262" r:id="rId6"/>
     <p:sldId id="272" r:id="rId7"/>
     <p:sldId id="271" r:id="rId8"/>
-    <p:sldId id="268" r:id="rId9"/>
-    <p:sldId id="263" r:id="rId10"/>
-    <p:sldId id="267" r:id="rId11"/>
-    <p:sldId id="270" r:id="rId12"/>
-    <p:sldId id="266" r:id="rId13"/>
-    <p:sldId id="265" r:id="rId14"/>
+    <p:sldId id="273" r:id="rId9"/>
+    <p:sldId id="268" r:id="rId10"/>
+    <p:sldId id="263" r:id="rId11"/>
+    <p:sldId id="267" r:id="rId12"/>
+    <p:sldId id="270" r:id="rId13"/>
+    <p:sldId id="266" r:id="rId14"/>
+    <p:sldId id="265" r:id="rId15"/>
   </p:sldIdLst>
   <p:sldSz cx="12192000" cy="6858000"/>
   <p:notesSz cx="6858000" cy="9144000"/>
@@ -3386,97 +3387,6 @@
 <file path=ppt/slides/slide10.xml><?xml version="1.0" encoding="utf-8"?>
 <p:sld xmlns:a="http://schemas.openxmlformats.org/drawingml/2006/main" xmlns:r="http://schemas.openxmlformats.org/officeDocument/2006/relationships" xmlns:p="http://schemas.openxmlformats.org/presentationml/2006/main">
   <p:cSld>
-    <p:spTree>
-      <p:nvGrpSpPr>
-        <p:cNvPr id="1" name=""/>
-        <p:cNvGrpSpPr/>
-        <p:nvPr/>
-      </p:nvGrpSpPr>
-      <p:grpSpPr>
-        <a:xfrm>
-          <a:off x="0" y="0"/>
-          <a:ext cx="0" cy="0"/>
-          <a:chOff x="0" y="0"/>
-          <a:chExt cx="0" cy="0"/>
-        </a:xfrm>
-      </p:grpSpPr>
-      <p:sp>
-        <p:nvSpPr>
-          <p:cNvPr id="2" name="Titel 1">
-            <a:extLst>
-              <a:ext uri="{FF2B5EF4-FFF2-40B4-BE49-F238E27FC236}">
-                <a16:creationId xmlns:a16="http://schemas.microsoft.com/office/drawing/2014/main" id="{AC6B1C97-5045-4D32-9EE3-1148A8016777}"/>
-              </a:ext>
-            </a:extLst>
-          </p:cNvPr>
-          <p:cNvSpPr>
-            <a:spLocks noGrp="1"/>
-          </p:cNvSpPr>
-          <p:nvPr>
-            <p:ph type="title"/>
-          </p:nvPr>
-        </p:nvSpPr>
-        <p:spPr/>
-        <p:txBody>
-          <a:bodyPr/>
-          <a:lstStyle/>
-          <a:p>
-            <a:pPr algn="ctr"/>
-            <a:r>
-              <a:rPr lang="de-DE" dirty="0"/>
-              <a:t>STATE DIAGRAM FOR LIGHT AND MOTION SENSOR</a:t>
-            </a:r>
-          </a:p>
-        </p:txBody>
-      </p:sp>
-      <p:pic>
-        <p:nvPicPr>
-          <p:cNvPr id="7" name="Inhaltsplatzhalter 6">
-            <a:extLst>
-              <a:ext uri="{FF2B5EF4-FFF2-40B4-BE49-F238E27FC236}">
-                <a16:creationId xmlns:a16="http://schemas.microsoft.com/office/drawing/2014/main" id="{4B60C980-F821-42E1-83FC-0823B960357C}"/>
-              </a:ext>
-            </a:extLst>
-          </p:cNvPr>
-          <p:cNvPicPr>
-            <a:picLocks noGrp="1" noChangeAspect="1"/>
-          </p:cNvPicPr>
-          <p:nvPr>
-            <p:ph idx="1"/>
-          </p:nvPr>
-        </p:nvPicPr>
-        <p:blipFill>
-          <a:blip r:embed="rId2"/>
-          <a:stretch>
-            <a:fillRect/>
-          </a:stretch>
-        </p:blipFill>
-        <p:spPr>
-          <a:xfrm>
-            <a:off x="1450782" y="1944208"/>
-            <a:ext cx="8770680" cy="3975301"/>
-          </a:xfrm>
-          <a:prstGeom prst="rect">
-            <a:avLst/>
-          </a:prstGeom>
-        </p:spPr>
-      </p:pic>
-    </p:spTree>
-    <p:extLst>
-      <p:ext uri="{BB962C8B-B14F-4D97-AF65-F5344CB8AC3E}">
-        <p14:creationId xmlns:p14="http://schemas.microsoft.com/office/powerpoint/2010/main" val="2569426249"/>
-      </p:ext>
-    </p:extLst>
-  </p:cSld>
-  <p:clrMapOvr>
-    <a:masterClrMapping/>
-  </p:clrMapOvr>
-</p:sld>
-</file>
-
-<file path=ppt/slides/slide11.xml><?xml version="1.0" encoding="utf-8"?>
-<p:sld xmlns:a="http://schemas.openxmlformats.org/drawingml/2006/main" xmlns:r="http://schemas.openxmlformats.org/officeDocument/2006/relationships" xmlns:p="http://schemas.openxmlformats.org/presentationml/2006/main">
-  <p:cSld>
     <p:bg>
       <p:bgPr>
         <a:solidFill>
@@ -3501,7 +3411,7 @@
       </p:grpSpPr>
       <p:sp>
         <p:nvSpPr>
-          <p:cNvPr id="12" name="Rectangle 11">
+          <p:cNvPr id="10" name="Rectangle 9">
             <a:extLst>
               <a:ext uri="{FF2B5EF4-FFF2-40B4-BE49-F238E27FC236}">
                 <a16:creationId xmlns:a16="http://schemas.microsoft.com/office/drawing/2014/main" id="{16C5FA50-8D52-4617-AF91-5C7B1C8352F1}"/>
@@ -3531,7 +3441,7 @@
             <a:avLst/>
           </a:prstGeom>
           <a:solidFill>
-            <a:srgbClr val="3E4B55"/>
+            <a:srgbClr val="767171"/>
           </a:solidFill>
           <a:ln>
             <a:noFill/>
@@ -3567,7 +3477,7 @@
           <p:cNvPr id="2" name="Titel 1">
             <a:extLst>
               <a:ext uri="{FF2B5EF4-FFF2-40B4-BE49-F238E27FC236}">
-                <a16:creationId xmlns:a16="http://schemas.microsoft.com/office/drawing/2014/main" id="{B8437B35-6466-44DD-B967-D220C5E89F8B}"/>
+                <a16:creationId xmlns:a16="http://schemas.microsoft.com/office/drawing/2014/main" id="{7DEEC474-0D75-45E1-B309-2307D2E29849}"/>
               </a:ext>
             </a:extLst>
           </p:cNvPr>
@@ -3591,19 +3501,34 @@
           <a:lstStyle/>
           <a:p>
             <a:r>
-              <a:rPr lang="en-US" sz="3600">
+              <a:rPr lang="en-US" sz="3100" dirty="0">
                 <a:solidFill>
                   <a:srgbClr val="FFFFFF"/>
                 </a:solidFill>
               </a:rPr>
-              <a:t>Sequence Diagram for Fire Alarm</a:t>
-            </a:r>
-          </a:p>
-        </p:txBody>
-      </p:sp>
-      <p:sp>
-        <p:nvSpPr>
-          <p:cNvPr id="14" name="Rounded Rectangle 9">
+              <a:t>SEQUENCE DIAGRAM FOR LIGHT CONTROLLING</a:t>
+            </a:r>
+            <a:br>
+              <a:rPr lang="en-US" sz="3100" dirty="0">
+                <a:solidFill>
+                  <a:srgbClr val="FFFFFF"/>
+                </a:solidFill>
+              </a:rPr>
+            </a:br>
+            <a:r>
+              <a:rPr lang="en-US" sz="3100" dirty="0">
+                <a:solidFill>
+                  <a:srgbClr val="FFFFFF"/>
+                </a:solidFill>
+              </a:rPr>
+              <a:t>INITIATE BY SENSOR </a:t>
+            </a:r>
+          </a:p>
+        </p:txBody>
+      </p:sp>
+      <p:sp>
+        <p:nvSpPr>
+          <p:cNvPr id="12" name="Rounded Rectangle 9">
             <a:extLst>
               <a:ext uri="{FF2B5EF4-FFF2-40B4-BE49-F238E27FC236}">
                 <a16:creationId xmlns:a16="http://schemas.microsoft.com/office/drawing/2014/main" id="{E223798C-12AD-4B0C-A50C-D676347D67CF}"/>
@@ -3677,10 +3602,10 @@
       </p:sp>
       <p:pic>
         <p:nvPicPr>
-          <p:cNvPr id="7" name="Inhaltsplatzhalter 6">
-            <a:extLst>
-              <a:ext uri="{FF2B5EF4-FFF2-40B4-BE49-F238E27FC236}">
-                <a16:creationId xmlns:a16="http://schemas.microsoft.com/office/drawing/2014/main" id="{9FE24162-9809-4F88-869D-B2B93024ACF1}"/>
+          <p:cNvPr id="7" name="Content Placeholder 6">
+            <a:extLst>
+              <a:ext uri="{FF2B5EF4-FFF2-40B4-BE49-F238E27FC236}">
+                <a16:creationId xmlns:a16="http://schemas.microsoft.com/office/drawing/2014/main" id="{88403374-7734-4724-A241-717DEFE61211}"/>
               </a:ext>
             </a:extLst>
           </p:cNvPr>
@@ -3691,32 +3616,114 @@
             <p:ph idx="1"/>
           </p:nvPr>
         </p:nvPicPr>
-        <p:blipFill rotWithShape="1">
-          <a:blip r:embed="rId2">
-            <a:extLst>
-              <a:ext uri="{28A0092B-C50C-407E-A947-70E740481C1C}">
-                <a14:useLocalDpi xmlns:a14="http://schemas.microsoft.com/office/drawing/2010/main" val="0"/>
-              </a:ext>
-            </a:extLst>
-          </a:blip>
-          <a:srcRect l="171" t="-2630" r="-1373" b="-854"/>
-          <a:stretch/>
+        <p:blipFill>
+          <a:blip r:embed="rId2"/>
+          <a:stretch>
+            <a:fillRect/>
+          </a:stretch>
         </p:blipFill>
         <p:spPr>
           <a:xfrm>
-            <a:off x="671208" y="817123"/>
-            <a:ext cx="7937655" cy="4933747"/>
-          </a:xfrm>
-          <a:prstGeom prst="rect">
-            <a:avLst/>
-          </a:prstGeom>
-          <a:effectLst/>
+            <a:off x="545204" y="484632"/>
+            <a:ext cx="8058032" cy="5724144"/>
+          </a:xfrm>
         </p:spPr>
       </p:pic>
     </p:spTree>
     <p:extLst>
       <p:ext uri="{BB962C8B-B14F-4D97-AF65-F5344CB8AC3E}">
-        <p14:creationId xmlns:p14="http://schemas.microsoft.com/office/powerpoint/2010/main" val="810842354"/>
+        <p14:creationId xmlns:p14="http://schemas.microsoft.com/office/powerpoint/2010/main" val="3097639714"/>
+      </p:ext>
+    </p:extLst>
+  </p:cSld>
+  <p:clrMapOvr>
+    <a:masterClrMapping/>
+  </p:clrMapOvr>
+</p:sld>
+</file>
+
+<file path=ppt/slides/slide11.xml><?xml version="1.0" encoding="utf-8"?>
+<p:sld xmlns:a="http://schemas.openxmlformats.org/drawingml/2006/main" xmlns:r="http://schemas.openxmlformats.org/officeDocument/2006/relationships" xmlns:p="http://schemas.openxmlformats.org/presentationml/2006/main">
+  <p:cSld>
+    <p:spTree>
+      <p:nvGrpSpPr>
+        <p:cNvPr id="1" name=""/>
+        <p:cNvGrpSpPr/>
+        <p:nvPr/>
+      </p:nvGrpSpPr>
+      <p:grpSpPr>
+        <a:xfrm>
+          <a:off x="0" y="0"/>
+          <a:ext cx="0" cy="0"/>
+          <a:chOff x="0" y="0"/>
+          <a:chExt cx="0" cy="0"/>
+        </a:xfrm>
+      </p:grpSpPr>
+      <p:sp>
+        <p:nvSpPr>
+          <p:cNvPr id="2" name="Titel 1">
+            <a:extLst>
+              <a:ext uri="{FF2B5EF4-FFF2-40B4-BE49-F238E27FC236}">
+                <a16:creationId xmlns:a16="http://schemas.microsoft.com/office/drawing/2014/main" id="{AC6B1C97-5045-4D32-9EE3-1148A8016777}"/>
+              </a:ext>
+            </a:extLst>
+          </p:cNvPr>
+          <p:cNvSpPr>
+            <a:spLocks noGrp="1"/>
+          </p:cNvSpPr>
+          <p:nvPr>
+            <p:ph type="title"/>
+          </p:nvPr>
+        </p:nvSpPr>
+        <p:spPr/>
+        <p:txBody>
+          <a:bodyPr/>
+          <a:lstStyle/>
+          <a:p>
+            <a:pPr algn="ctr"/>
+            <a:r>
+              <a:rPr lang="de-DE" dirty="0"/>
+              <a:t>STATE DIAGRAM FOR LIGHT AND MOTION SENSOR</a:t>
+            </a:r>
+          </a:p>
+        </p:txBody>
+      </p:sp>
+      <p:pic>
+        <p:nvPicPr>
+          <p:cNvPr id="7" name="Inhaltsplatzhalter 6">
+            <a:extLst>
+              <a:ext uri="{FF2B5EF4-FFF2-40B4-BE49-F238E27FC236}">
+                <a16:creationId xmlns:a16="http://schemas.microsoft.com/office/drawing/2014/main" id="{4B60C980-F821-42E1-83FC-0823B960357C}"/>
+              </a:ext>
+            </a:extLst>
+          </p:cNvPr>
+          <p:cNvPicPr>
+            <a:picLocks noGrp="1" noChangeAspect="1"/>
+          </p:cNvPicPr>
+          <p:nvPr>
+            <p:ph idx="1"/>
+          </p:nvPr>
+        </p:nvPicPr>
+        <p:blipFill>
+          <a:blip r:embed="rId2"/>
+          <a:stretch>
+            <a:fillRect/>
+          </a:stretch>
+        </p:blipFill>
+        <p:spPr>
+          <a:xfrm>
+            <a:off x="1450782" y="1944208"/>
+            <a:ext cx="8770680" cy="3975301"/>
+          </a:xfrm>
+          <a:prstGeom prst="rect">
+            <a:avLst/>
+          </a:prstGeom>
+        </p:spPr>
+      </p:pic>
+    </p:spTree>
+    <p:extLst>
+      <p:ext uri="{BB962C8B-B14F-4D97-AF65-F5344CB8AC3E}">
+        <p14:creationId xmlns:p14="http://schemas.microsoft.com/office/powerpoint/2010/main" val="2569426249"/>
       </p:ext>
     </p:extLst>
   </p:cSld>
@@ -3753,7 +3760,7 @@
       </p:grpSpPr>
       <p:sp>
         <p:nvSpPr>
-          <p:cNvPr id="17" name="Rectangle 16">
+          <p:cNvPr id="12" name="Rectangle 11">
             <a:extLst>
               <a:ext uri="{FF2B5EF4-FFF2-40B4-BE49-F238E27FC236}">
                 <a16:creationId xmlns:a16="http://schemas.microsoft.com/office/drawing/2014/main" id="{16C5FA50-8D52-4617-AF91-5C7B1C8352F1}"/>
@@ -3783,7 +3790,7 @@
             <a:avLst/>
           </a:prstGeom>
           <a:solidFill>
-            <a:srgbClr val="3C4953"/>
+            <a:srgbClr val="3E4B55"/>
           </a:solidFill>
           <a:ln>
             <a:noFill/>
@@ -3819,7 +3826,7 @@
           <p:cNvPr id="2" name="Titel 1">
             <a:extLst>
               <a:ext uri="{FF2B5EF4-FFF2-40B4-BE49-F238E27FC236}">
-                <a16:creationId xmlns:a16="http://schemas.microsoft.com/office/drawing/2014/main" id="{4A4333C5-0081-481D-BA53-D88213B62CDB}"/>
+                <a16:creationId xmlns:a16="http://schemas.microsoft.com/office/drawing/2014/main" id="{B8437B35-6466-44DD-B967-D220C5E89F8B}"/>
               </a:ext>
             </a:extLst>
           </p:cNvPr>
@@ -3848,14 +3855,14 @@
                   <a:srgbClr val="FFFFFF"/>
                 </a:solidFill>
               </a:rPr>
-              <a:t>SEQUENCE DIAGRAM FOR SECURITY</a:t>
-            </a:r>
-          </a:p>
-        </p:txBody>
-      </p:sp>
-      <p:sp>
-        <p:nvSpPr>
-          <p:cNvPr id="19" name="Rounded Rectangle 9">
+              <a:t>Sequence Diagram for Fire Alarm</a:t>
+            </a:r>
+          </a:p>
+        </p:txBody>
+      </p:sp>
+      <p:sp>
+        <p:nvSpPr>
+          <p:cNvPr id="14" name="Rounded Rectangle 9">
             <a:extLst>
               <a:ext uri="{FF2B5EF4-FFF2-40B4-BE49-F238E27FC236}">
                 <a16:creationId xmlns:a16="http://schemas.microsoft.com/office/drawing/2014/main" id="{E223798C-12AD-4B0C-A50C-D676347D67CF}"/>
@@ -3929,6 +3936,258 @@
       </p:sp>
       <p:pic>
         <p:nvPicPr>
+          <p:cNvPr id="7" name="Inhaltsplatzhalter 6">
+            <a:extLst>
+              <a:ext uri="{FF2B5EF4-FFF2-40B4-BE49-F238E27FC236}">
+                <a16:creationId xmlns:a16="http://schemas.microsoft.com/office/drawing/2014/main" id="{9FE24162-9809-4F88-869D-B2B93024ACF1}"/>
+              </a:ext>
+            </a:extLst>
+          </p:cNvPr>
+          <p:cNvPicPr>
+            <a:picLocks noGrp="1" noChangeAspect="1"/>
+          </p:cNvPicPr>
+          <p:nvPr>
+            <p:ph idx="1"/>
+          </p:nvPr>
+        </p:nvPicPr>
+        <p:blipFill rotWithShape="1">
+          <a:blip r:embed="rId2">
+            <a:extLst>
+              <a:ext uri="{28A0092B-C50C-407E-A947-70E740481C1C}">
+                <a14:useLocalDpi xmlns:a14="http://schemas.microsoft.com/office/drawing/2010/main" val="0"/>
+              </a:ext>
+            </a:extLst>
+          </a:blip>
+          <a:srcRect l="171" t="-2630" r="-1373" b="-854"/>
+          <a:stretch/>
+        </p:blipFill>
+        <p:spPr>
+          <a:xfrm>
+            <a:off x="671208" y="817123"/>
+            <a:ext cx="7937655" cy="4933747"/>
+          </a:xfrm>
+          <a:prstGeom prst="rect">
+            <a:avLst/>
+          </a:prstGeom>
+          <a:effectLst/>
+        </p:spPr>
+      </p:pic>
+    </p:spTree>
+    <p:extLst>
+      <p:ext uri="{BB962C8B-B14F-4D97-AF65-F5344CB8AC3E}">
+        <p14:creationId xmlns:p14="http://schemas.microsoft.com/office/powerpoint/2010/main" val="810842354"/>
+      </p:ext>
+    </p:extLst>
+  </p:cSld>
+  <p:clrMapOvr>
+    <a:masterClrMapping/>
+  </p:clrMapOvr>
+</p:sld>
+</file>
+
+<file path=ppt/slides/slide13.xml><?xml version="1.0" encoding="utf-8"?>
+<p:sld xmlns:a="http://schemas.openxmlformats.org/drawingml/2006/main" xmlns:r="http://schemas.openxmlformats.org/officeDocument/2006/relationships" xmlns:p="http://schemas.openxmlformats.org/presentationml/2006/main">
+  <p:cSld>
+    <p:bg>
+      <p:bgPr>
+        <a:solidFill>
+          <a:schemeClr val="bg2"/>
+        </a:solidFill>
+        <a:effectLst/>
+      </p:bgPr>
+    </p:bg>
+    <p:spTree>
+      <p:nvGrpSpPr>
+        <p:cNvPr id="1" name=""/>
+        <p:cNvGrpSpPr/>
+        <p:nvPr/>
+      </p:nvGrpSpPr>
+      <p:grpSpPr>
+        <a:xfrm>
+          <a:off x="0" y="0"/>
+          <a:ext cx="0" cy="0"/>
+          <a:chOff x="0" y="0"/>
+          <a:chExt cx="0" cy="0"/>
+        </a:xfrm>
+      </p:grpSpPr>
+      <p:sp>
+        <p:nvSpPr>
+          <p:cNvPr id="17" name="Rectangle 16">
+            <a:extLst>
+              <a:ext uri="{FF2B5EF4-FFF2-40B4-BE49-F238E27FC236}">
+                <a16:creationId xmlns:a16="http://schemas.microsoft.com/office/drawing/2014/main" id="{16C5FA50-8D52-4617-AF91-5C7B1C8352F1}"/>
+              </a:ext>
+              <a:ext uri="{C183D7F6-B498-43B3-948B-1728B52AA6E4}">
+                <adec:decorative xmlns:adec="http://schemas.microsoft.com/office/drawing/2017/decorative" val="1"/>
+              </a:ext>
+            </a:extLst>
+          </p:cNvPr>
+          <p:cNvSpPr>
+            <a:spLocks noGrp="1" noRot="1" noChangeAspect="1" noMove="1" noResize="1" noEditPoints="1" noAdjustHandles="1" noChangeArrowheads="1" noChangeShapeType="1" noTextEdit="1"/>
+          </p:cNvSpPr>
+          <p:nvPr>
+            <p:extLst>
+              <p:ext uri="{386F3935-93C4-4BCD-93E2-E3B085C9AB24}">
+                <p16:designElem xmlns:p16="http://schemas.microsoft.com/office/powerpoint/2015/main" val="1"/>
+              </p:ext>
+            </p:extLst>
+          </p:nvPr>
+        </p:nvSpPr>
+        <p:spPr>
+          <a:xfrm>
+            <a:off x="0" y="0"/>
+            <a:ext cx="12192000" cy="6858000"/>
+          </a:xfrm>
+          <a:prstGeom prst="rect">
+            <a:avLst/>
+          </a:prstGeom>
+          <a:solidFill>
+            <a:srgbClr val="3C4953"/>
+          </a:solidFill>
+          <a:ln>
+            <a:noFill/>
+          </a:ln>
+        </p:spPr>
+        <p:style>
+          <a:lnRef idx="2">
+            <a:schemeClr val="accent1">
+              <a:shade val="50000"/>
+            </a:schemeClr>
+          </a:lnRef>
+          <a:fillRef idx="1">
+            <a:schemeClr val="accent1"/>
+          </a:fillRef>
+          <a:effectRef idx="0">
+            <a:schemeClr val="accent1"/>
+          </a:effectRef>
+          <a:fontRef idx="minor">
+            <a:schemeClr val="lt1"/>
+          </a:fontRef>
+        </p:style>
+        <p:txBody>
+          <a:bodyPr rtlCol="0" anchor="ctr"/>
+          <a:lstStyle/>
+          <a:p>
+            <a:pPr algn="ctr"/>
+            <a:endParaRPr lang="en-US"/>
+          </a:p>
+        </p:txBody>
+      </p:sp>
+      <p:sp>
+        <p:nvSpPr>
+          <p:cNvPr id="2" name="Titel 1">
+            <a:extLst>
+              <a:ext uri="{FF2B5EF4-FFF2-40B4-BE49-F238E27FC236}">
+                <a16:creationId xmlns:a16="http://schemas.microsoft.com/office/drawing/2014/main" id="{4A4333C5-0081-481D-BA53-D88213B62CDB}"/>
+              </a:ext>
+            </a:extLst>
+          </p:cNvPr>
+          <p:cNvSpPr>
+            <a:spLocks noGrp="1"/>
+          </p:cNvSpPr>
+          <p:nvPr>
+            <p:ph type="title"/>
+          </p:nvPr>
+        </p:nvSpPr>
+        <p:spPr>
+          <a:xfrm>
+            <a:off x="9093496" y="618681"/>
+            <a:ext cx="2613872" cy="4794567"/>
+          </a:xfrm>
+        </p:spPr>
+        <p:txBody>
+          <a:bodyPr vert="horz" lIns="91440" tIns="45720" rIns="91440" bIns="45720" rtlCol="0" anchor="ctr">
+            <a:normAutofit/>
+          </a:bodyPr>
+          <a:lstStyle/>
+          <a:p>
+            <a:r>
+              <a:rPr lang="en-US" sz="3600">
+                <a:solidFill>
+                  <a:srgbClr val="FFFFFF"/>
+                </a:solidFill>
+              </a:rPr>
+              <a:t>SEQUENCE DIAGRAM FOR SECURITY</a:t>
+            </a:r>
+          </a:p>
+        </p:txBody>
+      </p:sp>
+      <p:sp>
+        <p:nvSpPr>
+          <p:cNvPr id="19" name="Rounded Rectangle 9">
+            <a:extLst>
+              <a:ext uri="{FF2B5EF4-FFF2-40B4-BE49-F238E27FC236}">
+                <a16:creationId xmlns:a16="http://schemas.microsoft.com/office/drawing/2014/main" id="{E223798C-12AD-4B0C-A50C-D676347D67CF}"/>
+              </a:ext>
+              <a:ext uri="{C183D7F6-B498-43B3-948B-1728B52AA6E4}">
+                <adec:decorative xmlns:adec="http://schemas.microsoft.com/office/drawing/2017/decorative" val="1"/>
+              </a:ext>
+            </a:extLst>
+          </p:cNvPr>
+          <p:cNvSpPr>
+            <a:spLocks noGrp="1" noRot="1" noChangeAspect="1" noMove="1" noResize="1" noEditPoints="1" noAdjustHandles="1" noChangeArrowheads="1" noChangeShapeType="1" noTextEdit="1"/>
+          </p:cNvSpPr>
+          <p:nvPr>
+            <p:extLst>
+              <p:ext uri="{386F3935-93C4-4BCD-93E2-E3B085C9AB24}">
+                <p16:designElem xmlns:p16="http://schemas.microsoft.com/office/powerpoint/2015/main" val="1"/>
+              </p:ext>
+            </p:extLst>
+          </p:nvPr>
+        </p:nvSpPr>
+        <p:spPr>
+          <a:xfrm>
+            <a:off x="493354" y="484632"/>
+            <a:ext cx="8129016" cy="5724144"/>
+          </a:xfrm>
+          <a:prstGeom prst="roundRect">
+            <a:avLst>
+              <a:gd name="adj" fmla="val 0"/>
+            </a:avLst>
+          </a:prstGeom>
+          <a:solidFill>
+            <a:srgbClr val="FFFFFF"/>
+          </a:solidFill>
+          <a:ln w="9525">
+            <a:solidFill>
+              <a:srgbClr val="C8CACA"/>
+            </a:solidFill>
+          </a:ln>
+          <a:effectLst>
+            <a:outerShdw blurRad="57150" dist="19050" dir="5400000" algn="t" rotWithShape="0">
+              <a:prstClr val="black">
+                <a:alpha val="63000"/>
+              </a:prstClr>
+            </a:outerShdw>
+          </a:effectLst>
+        </p:spPr>
+        <p:style>
+          <a:lnRef idx="2">
+            <a:schemeClr val="accent1">
+              <a:shade val="50000"/>
+            </a:schemeClr>
+          </a:lnRef>
+          <a:fillRef idx="1">
+            <a:schemeClr val="accent1"/>
+          </a:fillRef>
+          <a:effectRef idx="0">
+            <a:schemeClr val="accent1"/>
+          </a:effectRef>
+          <a:fontRef idx="minor">
+            <a:schemeClr val="lt1"/>
+          </a:fontRef>
+        </p:style>
+        <p:txBody>
+          <a:bodyPr rtlCol="0" anchor="ctr"/>
+          <a:lstStyle/>
+          <a:p>
+            <a:pPr algn="ctr"/>
+            <a:endParaRPr lang="en-US"/>
+          </a:p>
+        </p:txBody>
+      </p:sp>
+      <p:pic>
+        <p:nvPicPr>
           <p:cNvPr id="7" name="Content Placeholder 6" descr="Chart, box and whisker chart&#10;&#10;Description automatically generated">
             <a:extLst>
               <a:ext uri="{FF2B5EF4-FFF2-40B4-BE49-F238E27FC236}">
@@ -3978,7 +4237,7 @@
 </p:sld>
 </file>
 
-<file path=ppt/slides/slide13.xml><?xml version="1.0" encoding="utf-8"?>
+<file path=ppt/slides/slide14.xml><?xml version="1.0" encoding="utf-8"?>
 <p:sld xmlns:a="http://schemas.openxmlformats.org/drawingml/2006/main" xmlns:r="http://schemas.openxmlformats.org/officeDocument/2006/relationships" xmlns:p="http://schemas.openxmlformats.org/presentationml/2006/main">
   <p:cSld>
     <p:bg>
@@ -5459,7 +5718,23 @@
                   <a:srgbClr val="FFFFFF"/>
                 </a:solidFill>
               </a:rPr>
-              <a:t>Sequence Diagram For Heating And Cooling Initiated by Temperature System</a:t>
+              <a:t>Sequence Diagram for Heating And Cooling Initiated By </a:t>
+            </a:r>
+            <a:r>
+              <a:rPr lang="en-US" sz="3600" dirty="0" err="1">
+                <a:solidFill>
+                  <a:srgbClr val="FFFFFF"/>
+                </a:solidFill>
+              </a:rPr>
+              <a:t>Temeprature</a:t>
+            </a:r>
+            <a:r>
+              <a:rPr lang="en-US" sz="3600" dirty="0">
+                <a:solidFill>
+                  <a:srgbClr val="FFFFFF"/>
+                </a:solidFill>
+              </a:rPr>
+              <a:t> Sensor</a:t>
             </a:r>
           </a:p>
         </p:txBody>
@@ -5590,101 +5865,6 @@
 </file>
 
 <file path=ppt/slides/slide8.xml><?xml version="1.0" encoding="utf-8"?>
-<p:sld xmlns:a="http://schemas.openxmlformats.org/drawingml/2006/main" xmlns:r="http://schemas.openxmlformats.org/officeDocument/2006/relationships" xmlns:p="http://schemas.openxmlformats.org/presentationml/2006/main">
-  <p:cSld>
-    <p:spTree>
-      <p:nvGrpSpPr>
-        <p:cNvPr id="1" name=""/>
-        <p:cNvGrpSpPr/>
-        <p:nvPr/>
-      </p:nvGrpSpPr>
-      <p:grpSpPr>
-        <a:xfrm>
-          <a:off x="0" y="0"/>
-          <a:ext cx="0" cy="0"/>
-          <a:chOff x="0" y="0"/>
-          <a:chExt cx="0" cy="0"/>
-        </a:xfrm>
-      </p:grpSpPr>
-      <p:sp>
-        <p:nvSpPr>
-          <p:cNvPr id="2" name="Titel 1">
-            <a:extLst>
-              <a:ext uri="{FF2B5EF4-FFF2-40B4-BE49-F238E27FC236}">
-                <a16:creationId xmlns:a16="http://schemas.microsoft.com/office/drawing/2014/main" id="{6CBDF994-97B1-4680-863A-8B0086CDA45B}"/>
-              </a:ext>
-            </a:extLst>
-          </p:cNvPr>
-          <p:cNvSpPr>
-            <a:spLocks noGrp="1"/>
-          </p:cNvSpPr>
-          <p:nvPr>
-            <p:ph type="title"/>
-          </p:nvPr>
-        </p:nvSpPr>
-        <p:spPr/>
-        <p:txBody>
-          <a:bodyPr/>
-          <a:lstStyle/>
-          <a:p>
-            <a:pPr algn="ctr"/>
-            <a:r>
-              <a:rPr lang="de-DE"/>
-              <a:t>STATE DIAGRAM FOR HEATING/COOLING SYSTEM</a:t>
-            </a:r>
-            <a:endParaRPr lang="de-DE" dirty="0"/>
-          </a:p>
-        </p:txBody>
-      </p:sp>
-      <p:pic>
-        <p:nvPicPr>
-          <p:cNvPr id="5" name="Inhaltsplatzhalter 4">
-            <a:extLst>
-              <a:ext uri="{FF2B5EF4-FFF2-40B4-BE49-F238E27FC236}">
-                <a16:creationId xmlns:a16="http://schemas.microsoft.com/office/drawing/2014/main" id="{2283C870-F831-433B-BEF3-E48F0DAB67CF}"/>
-              </a:ext>
-            </a:extLst>
-          </p:cNvPr>
-          <p:cNvPicPr>
-            <a:picLocks noGrp="1" noChangeAspect="1"/>
-          </p:cNvPicPr>
-          <p:nvPr>
-            <p:ph idx="1"/>
-          </p:nvPr>
-        </p:nvPicPr>
-        <p:blipFill>
-          <a:blip r:embed="rId2">
-            <a:extLst>
-              <a:ext uri="{28A0092B-C50C-407E-A947-70E740481C1C}">
-                <a14:useLocalDpi xmlns:a14="http://schemas.microsoft.com/office/drawing/2010/main" val="0"/>
-              </a:ext>
-            </a:extLst>
-          </a:blip>
-          <a:stretch>
-            <a:fillRect/>
-          </a:stretch>
-        </p:blipFill>
-        <p:spPr>
-          <a:xfrm>
-            <a:off x="2503503" y="2204080"/>
-            <a:ext cx="7416276" cy="3686261"/>
-          </a:xfrm>
-        </p:spPr>
-      </p:pic>
-    </p:spTree>
-    <p:extLst>
-      <p:ext uri="{BB962C8B-B14F-4D97-AF65-F5344CB8AC3E}">
-        <p14:creationId xmlns:p14="http://schemas.microsoft.com/office/powerpoint/2010/main" val="21237439"/>
-      </p:ext>
-    </p:extLst>
-  </p:cSld>
-  <p:clrMapOvr>
-    <a:masterClrMapping/>
-  </p:clrMapOvr>
-</p:sld>
-</file>
-
-<file path=ppt/slides/slide9.xml><?xml version="1.0" encoding="utf-8"?>
 <p:sld xmlns:a="http://schemas.openxmlformats.org/drawingml/2006/main" xmlns:r="http://schemas.openxmlformats.org/officeDocument/2006/relationships" xmlns:p="http://schemas.openxmlformats.org/presentationml/2006/main">
   <p:cSld>
     <p:bg>
@@ -5741,7 +5921,7 @@
             <a:avLst/>
           </a:prstGeom>
           <a:solidFill>
-            <a:srgbClr val="767171"/>
+            <a:srgbClr val="3D4F5E"/>
           </a:solidFill>
           <a:ln>
             <a:noFill/>
@@ -5777,7 +5957,7 @@
           <p:cNvPr id="2" name="Titel 1">
             <a:extLst>
               <a:ext uri="{FF2B5EF4-FFF2-40B4-BE49-F238E27FC236}">
-                <a16:creationId xmlns:a16="http://schemas.microsoft.com/office/drawing/2014/main" id="{7DEEC474-0D75-45E1-B309-2307D2E29849}"/>
+                <a16:creationId xmlns:a16="http://schemas.microsoft.com/office/drawing/2014/main" id="{0CECDDCF-ECC8-4E3A-9542-D498D200A4C9}"/>
               </a:ext>
             </a:extLst>
           </p:cNvPr>
@@ -5801,27 +5981,12 @@
           <a:lstStyle/>
           <a:p>
             <a:r>
-              <a:rPr lang="en-US" sz="3100" dirty="0">
+              <a:rPr lang="en-US" sz="3600">
                 <a:solidFill>
                   <a:srgbClr val="FFFFFF"/>
                 </a:solidFill>
               </a:rPr>
-              <a:t>SEQUENCE DIAGRAM FOR LIGHT CONTROLLING</a:t>
-            </a:r>
-            <a:br>
-              <a:rPr lang="en-US" sz="3100" dirty="0">
-                <a:solidFill>
-                  <a:srgbClr val="FFFFFF"/>
-                </a:solidFill>
-              </a:rPr>
-            </a:br>
-            <a:r>
-              <a:rPr lang="en-US" sz="3100" dirty="0">
-                <a:solidFill>
-                  <a:srgbClr val="FFFFFF"/>
-                </a:solidFill>
-              </a:rPr>
-              <a:t>INITIATE BY SENSOR </a:t>
+              <a:t>Class Diagram For Heating and Cooling System Initaited By Temperature System</a:t>
             </a:r>
           </a:p>
         </p:txBody>
@@ -5902,10 +6067,10 @@
       </p:sp>
       <p:pic>
         <p:nvPicPr>
-          <p:cNvPr id="7" name="Content Placeholder 6">
-            <a:extLst>
-              <a:ext uri="{FF2B5EF4-FFF2-40B4-BE49-F238E27FC236}">
-                <a16:creationId xmlns:a16="http://schemas.microsoft.com/office/drawing/2014/main" id="{88403374-7734-4724-A241-717DEFE61211}"/>
+          <p:cNvPr id="5" name="Inhaltsplatzhalter 4">
+            <a:extLst>
+              <a:ext uri="{FF2B5EF4-FFF2-40B4-BE49-F238E27FC236}">
+                <a16:creationId xmlns:a16="http://schemas.microsoft.com/office/drawing/2014/main" id="{63418FC5-EDB7-40B8-8F7D-FAFF68944B51}"/>
               </a:ext>
             </a:extLst>
           </p:cNvPr>
@@ -5916,23 +6081,127 @@
             <p:ph idx="1"/>
           </p:nvPr>
         </p:nvPicPr>
+        <p:blipFill rotWithShape="1">
+          <a:blip r:embed="rId2">
+            <a:extLst>
+              <a:ext uri="{28A0092B-C50C-407E-A947-70E740481C1C}">
+                <a14:useLocalDpi xmlns:a14="http://schemas.microsoft.com/office/drawing/2010/main" val="0"/>
+              </a:ext>
+            </a:extLst>
+          </a:blip>
+          <a:srcRect l="-2618" t="-3622" r="-5480" b="-11174"/>
+          <a:stretch/>
+        </p:blipFill>
+        <p:spPr>
+          <a:xfrm>
+            <a:off x="493354" y="780609"/>
+            <a:ext cx="8054502" cy="5132189"/>
+          </a:xfrm>
+          <a:prstGeom prst="rect">
+            <a:avLst/>
+          </a:prstGeom>
+          <a:effectLst/>
+        </p:spPr>
+      </p:pic>
+    </p:spTree>
+    <p:extLst>
+      <p:ext uri="{BB962C8B-B14F-4D97-AF65-F5344CB8AC3E}">
+        <p14:creationId xmlns:p14="http://schemas.microsoft.com/office/powerpoint/2010/main" val="1281243026"/>
+      </p:ext>
+    </p:extLst>
+  </p:cSld>
+  <p:clrMapOvr>
+    <a:masterClrMapping/>
+  </p:clrMapOvr>
+</p:sld>
+</file>
+
+<file path=ppt/slides/slide9.xml><?xml version="1.0" encoding="utf-8"?>
+<p:sld xmlns:a="http://schemas.openxmlformats.org/drawingml/2006/main" xmlns:r="http://schemas.openxmlformats.org/officeDocument/2006/relationships" xmlns:p="http://schemas.openxmlformats.org/presentationml/2006/main">
+  <p:cSld>
+    <p:spTree>
+      <p:nvGrpSpPr>
+        <p:cNvPr id="1" name=""/>
+        <p:cNvGrpSpPr/>
+        <p:nvPr/>
+      </p:nvGrpSpPr>
+      <p:grpSpPr>
+        <a:xfrm>
+          <a:off x="0" y="0"/>
+          <a:ext cx="0" cy="0"/>
+          <a:chOff x="0" y="0"/>
+          <a:chExt cx="0" cy="0"/>
+        </a:xfrm>
+      </p:grpSpPr>
+      <p:sp>
+        <p:nvSpPr>
+          <p:cNvPr id="2" name="Titel 1">
+            <a:extLst>
+              <a:ext uri="{FF2B5EF4-FFF2-40B4-BE49-F238E27FC236}">
+                <a16:creationId xmlns:a16="http://schemas.microsoft.com/office/drawing/2014/main" id="{6CBDF994-97B1-4680-863A-8B0086CDA45B}"/>
+              </a:ext>
+            </a:extLst>
+          </p:cNvPr>
+          <p:cNvSpPr>
+            <a:spLocks noGrp="1"/>
+          </p:cNvSpPr>
+          <p:nvPr>
+            <p:ph type="title"/>
+          </p:nvPr>
+        </p:nvSpPr>
+        <p:spPr/>
+        <p:txBody>
+          <a:bodyPr/>
+          <a:lstStyle/>
+          <a:p>
+            <a:pPr algn="ctr"/>
+            <a:r>
+              <a:rPr lang="de-DE"/>
+              <a:t>STATE DIAGRAM FOR HEATING/COOLING SYSTEM</a:t>
+            </a:r>
+            <a:endParaRPr lang="de-DE" dirty="0"/>
+          </a:p>
+        </p:txBody>
+      </p:sp>
+      <p:pic>
+        <p:nvPicPr>
+          <p:cNvPr id="5" name="Inhaltsplatzhalter 4">
+            <a:extLst>
+              <a:ext uri="{FF2B5EF4-FFF2-40B4-BE49-F238E27FC236}">
+                <a16:creationId xmlns:a16="http://schemas.microsoft.com/office/drawing/2014/main" id="{2283C870-F831-433B-BEF3-E48F0DAB67CF}"/>
+              </a:ext>
+            </a:extLst>
+          </p:cNvPr>
+          <p:cNvPicPr>
+            <a:picLocks noGrp="1" noChangeAspect="1"/>
+          </p:cNvPicPr>
+          <p:nvPr>
+            <p:ph idx="1"/>
+          </p:nvPr>
+        </p:nvPicPr>
         <p:blipFill>
-          <a:blip r:embed="rId2"/>
+          <a:blip r:embed="rId2">
+            <a:extLst>
+              <a:ext uri="{28A0092B-C50C-407E-A947-70E740481C1C}">
+                <a14:useLocalDpi xmlns:a14="http://schemas.microsoft.com/office/drawing/2010/main" val="0"/>
+              </a:ext>
+            </a:extLst>
+          </a:blip>
           <a:stretch>
             <a:fillRect/>
           </a:stretch>
         </p:blipFill>
         <p:spPr>
           <a:xfrm>
-            <a:off x="545204" y="484632"/>
-            <a:ext cx="8058032" cy="5724144"/>
+            <a:off x="2503503" y="2204080"/>
+            <a:ext cx="7416276" cy="3686261"/>
           </a:xfrm>
         </p:spPr>
       </p:pic>
     </p:spTree>
     <p:extLst>
       <p:ext uri="{BB962C8B-B14F-4D97-AF65-F5344CB8AC3E}">
-        <p14:creationId xmlns:p14="http://schemas.microsoft.com/office/powerpoint/2010/main" val="3097639714"/>
+        <p14:creationId xmlns:p14="http://schemas.microsoft.com/office/powerpoint/2010/main" val="21237439"/>
       </p:ext>
     </p:extLst>
   </p:cSld>

--- a/Project_Week_7&8/Precise Analysis.pptx
+++ b/Project_Week_7&8/Precise Analysis.pptx
@@ -14,11 +14,12 @@
     <p:sldId id="271" r:id="rId8"/>
     <p:sldId id="273" r:id="rId9"/>
     <p:sldId id="268" r:id="rId10"/>
-    <p:sldId id="263" r:id="rId11"/>
-    <p:sldId id="267" r:id="rId12"/>
-    <p:sldId id="270" r:id="rId13"/>
-    <p:sldId id="266" r:id="rId14"/>
-    <p:sldId id="265" r:id="rId15"/>
+    <p:sldId id="274" r:id="rId11"/>
+    <p:sldId id="263" r:id="rId12"/>
+    <p:sldId id="267" r:id="rId13"/>
+    <p:sldId id="270" r:id="rId14"/>
+    <p:sldId id="266" r:id="rId15"/>
+    <p:sldId id="265" r:id="rId16"/>
   </p:sldIdLst>
   <p:sldSz cx="12192000" cy="6858000"/>
   <p:notesSz cx="6858000" cy="9144000"/>
@@ -326,7 +327,7 @@
           <a:p>
             <a:fld id="{59436D6C-09F6-4967-B045-448DC0A44960}" type="slidenum">
               <a:rPr lang="de-DE" smtClean="0"/>
-              <a:t>‹Nr.›</a:t>
+              <a:t>‹#›</a:t>
             </a:fld>
             <a:endParaRPr lang="de-DE"/>
           </a:p>
@@ -524,7 +525,7 @@
           <a:p>
             <a:fld id="{59436D6C-09F6-4967-B045-448DC0A44960}" type="slidenum">
               <a:rPr lang="de-DE" smtClean="0"/>
-              <a:t>‹Nr.›</a:t>
+              <a:t>‹#›</a:t>
             </a:fld>
             <a:endParaRPr lang="de-DE"/>
           </a:p>
@@ -732,7 +733,7 @@
           <a:p>
             <a:fld id="{59436D6C-09F6-4967-B045-448DC0A44960}" type="slidenum">
               <a:rPr lang="de-DE" smtClean="0"/>
-              <a:t>‹Nr.›</a:t>
+              <a:t>‹#›</a:t>
             </a:fld>
             <a:endParaRPr lang="de-DE"/>
           </a:p>
@@ -930,7 +931,7 @@
           <a:p>
             <a:fld id="{59436D6C-09F6-4967-B045-448DC0A44960}" type="slidenum">
               <a:rPr lang="de-DE" smtClean="0"/>
-              <a:t>‹Nr.›</a:t>
+              <a:t>‹#›</a:t>
             </a:fld>
             <a:endParaRPr lang="de-DE"/>
           </a:p>
@@ -1205,7 +1206,7 @@
           <a:p>
             <a:fld id="{59436D6C-09F6-4967-B045-448DC0A44960}" type="slidenum">
               <a:rPr lang="de-DE" smtClean="0"/>
-              <a:t>‹Nr.›</a:t>
+              <a:t>‹#›</a:t>
             </a:fld>
             <a:endParaRPr lang="de-DE"/>
           </a:p>
@@ -1470,7 +1471,7 @@
           <a:p>
             <a:fld id="{59436D6C-09F6-4967-B045-448DC0A44960}" type="slidenum">
               <a:rPr lang="de-DE" smtClean="0"/>
-              <a:t>‹Nr.›</a:t>
+              <a:t>‹#›</a:t>
             </a:fld>
             <a:endParaRPr lang="de-DE"/>
           </a:p>
@@ -1882,7 +1883,7 @@
           <a:p>
             <a:fld id="{59436D6C-09F6-4967-B045-448DC0A44960}" type="slidenum">
               <a:rPr lang="de-DE" smtClean="0"/>
-              <a:t>‹Nr.›</a:t>
+              <a:t>‹#›</a:t>
             </a:fld>
             <a:endParaRPr lang="de-DE"/>
           </a:p>
@@ -2023,7 +2024,7 @@
           <a:p>
             <a:fld id="{59436D6C-09F6-4967-B045-448DC0A44960}" type="slidenum">
               <a:rPr lang="de-DE" smtClean="0"/>
-              <a:t>‹Nr.›</a:t>
+              <a:t>‹#›</a:t>
             </a:fld>
             <a:endParaRPr lang="de-DE"/>
           </a:p>
@@ -2136,7 +2137,7 @@
           <a:p>
             <a:fld id="{59436D6C-09F6-4967-B045-448DC0A44960}" type="slidenum">
               <a:rPr lang="de-DE" smtClean="0"/>
-              <a:t>‹Nr.›</a:t>
+              <a:t>‹#›</a:t>
             </a:fld>
             <a:endParaRPr lang="de-DE"/>
           </a:p>
@@ -2447,7 +2448,7 @@
           <a:p>
             <a:fld id="{59436D6C-09F6-4967-B045-448DC0A44960}" type="slidenum">
               <a:rPr lang="de-DE" smtClean="0"/>
-              <a:t>‹Nr.›</a:t>
+              <a:t>‹#›</a:t>
             </a:fld>
             <a:endParaRPr lang="de-DE"/>
           </a:p>
@@ -2735,7 +2736,7 @@
           <a:p>
             <a:fld id="{59436D6C-09F6-4967-B045-448DC0A44960}" type="slidenum">
               <a:rPr lang="de-DE" smtClean="0"/>
-              <a:t>‹Nr.›</a:t>
+              <a:t>‹#›</a:t>
             </a:fld>
             <a:endParaRPr lang="de-DE"/>
           </a:p>
@@ -3012,7 +3013,7 @@
           <a:p>
             <a:fld id="{59436D6C-09F6-4967-B045-448DC0A44960}" type="slidenum">
               <a:rPr lang="de-DE" smtClean="0"/>
-              <a:t>‹Nr.›</a:t>
+              <a:t>‹#›</a:t>
             </a:fld>
             <a:endParaRPr lang="de-DE"/>
           </a:p>
@@ -3411,7 +3412,7 @@
       </p:grpSpPr>
       <p:sp>
         <p:nvSpPr>
-          <p:cNvPr id="10" name="Rectangle 9">
+          <p:cNvPr id="9" name="Rectangle 8">
             <a:extLst>
               <a:ext uri="{FF2B5EF4-FFF2-40B4-BE49-F238E27FC236}">
                 <a16:creationId xmlns:a16="http://schemas.microsoft.com/office/drawing/2014/main" id="{16C5FA50-8D52-4617-AF91-5C7B1C8352F1}"/>
@@ -3441,7 +3442,7 @@
             <a:avLst/>
           </a:prstGeom>
           <a:solidFill>
-            <a:srgbClr val="767171"/>
+            <a:srgbClr val="4F6138"/>
           </a:solidFill>
           <a:ln>
             <a:noFill/>
@@ -3474,10 +3475,10 @@
       </p:sp>
       <p:sp>
         <p:nvSpPr>
-          <p:cNvPr id="2" name="Titel 1">
-            <a:extLst>
-              <a:ext uri="{FF2B5EF4-FFF2-40B4-BE49-F238E27FC236}">
-                <a16:creationId xmlns:a16="http://schemas.microsoft.com/office/drawing/2014/main" id="{7DEEC474-0D75-45E1-B309-2307D2E29849}"/>
+          <p:cNvPr id="2" name="Title 1">
+            <a:extLst>
+              <a:ext uri="{FF2B5EF4-FFF2-40B4-BE49-F238E27FC236}">
+                <a16:creationId xmlns:a16="http://schemas.microsoft.com/office/drawing/2014/main" id="{80B5F8E9-DA72-4CA5-BF4F-2F22B10D4709}"/>
               </a:ext>
             </a:extLst>
           </p:cNvPr>
@@ -3490,8 +3491,8 @@
         </p:nvSpPr>
         <p:spPr>
           <a:xfrm>
-            <a:off x="9093496" y="618681"/>
-            <a:ext cx="2613872" cy="4794567"/>
+            <a:off x="8920778" y="985713"/>
+            <a:ext cx="2972813" cy="4886573"/>
           </a:xfrm>
         </p:spPr>
         <p:txBody>
@@ -3501,22 +3502,22 @@
           <a:lstStyle/>
           <a:p>
             <a:r>
-              <a:rPr lang="en-US" sz="3100" dirty="0">
+              <a:rPr lang="en-US" sz="3600" dirty="0">
                 <a:solidFill>
                   <a:srgbClr val="FFFFFF"/>
                 </a:solidFill>
               </a:rPr>
-              <a:t>SEQUENCE DIAGRAM FOR LIGHT CONTROLLING</a:t>
+              <a:t>CLASS DIAGRAM FOR LIGHT CONTROLLING</a:t>
             </a:r>
             <a:br>
-              <a:rPr lang="en-US" sz="3100" dirty="0">
+              <a:rPr lang="en-US" sz="3600" dirty="0">
                 <a:solidFill>
                   <a:srgbClr val="FFFFFF"/>
                 </a:solidFill>
               </a:rPr>
             </a:br>
             <a:r>
-              <a:rPr lang="en-US" sz="3100" dirty="0">
+              <a:rPr lang="en-US" sz="3600" dirty="0">
                 <a:solidFill>
                   <a:srgbClr val="FFFFFF"/>
                 </a:solidFill>
@@ -3528,7 +3529,7 @@
       </p:sp>
       <p:sp>
         <p:nvSpPr>
-          <p:cNvPr id="12" name="Rounded Rectangle 9">
+          <p:cNvPr id="11" name="Rounded Rectangle 9">
             <a:extLst>
               <a:ext uri="{FF2B5EF4-FFF2-40B4-BE49-F238E27FC236}">
                 <a16:creationId xmlns:a16="http://schemas.microsoft.com/office/drawing/2014/main" id="{E223798C-12AD-4B0C-A50C-D676347D67CF}"/>
@@ -3602,10 +3603,10 @@
       </p:sp>
       <p:pic>
         <p:nvPicPr>
-          <p:cNvPr id="7" name="Content Placeholder 6">
-            <a:extLst>
-              <a:ext uri="{FF2B5EF4-FFF2-40B4-BE49-F238E27FC236}">
-                <a16:creationId xmlns:a16="http://schemas.microsoft.com/office/drawing/2014/main" id="{88403374-7734-4724-A241-717DEFE61211}"/>
+          <p:cNvPr id="4" name="Content Placeholder 3">
+            <a:extLst>
+              <a:ext uri="{FF2B5EF4-FFF2-40B4-BE49-F238E27FC236}">
+                <a16:creationId xmlns:a16="http://schemas.microsoft.com/office/drawing/2014/main" id="{AFE5BDA9-7ED6-4B09-B5F6-FA13663111B3}"/>
               </a:ext>
             </a:extLst>
           </p:cNvPr>
@@ -3616,23 +3617,26 @@
             <p:ph idx="1"/>
           </p:nvPr>
         </p:nvPicPr>
-        <p:blipFill>
+        <p:blipFill rotWithShape="1">
           <a:blip r:embed="rId2"/>
-          <a:stretch>
-            <a:fillRect/>
-          </a:stretch>
+          <a:srcRect t="245" b="2833"/>
+          <a:stretch/>
         </p:blipFill>
         <p:spPr>
           <a:xfrm>
-            <a:off x="545204" y="484632"/>
-            <a:ext cx="8058032" cy="5724144"/>
-          </a:xfrm>
+            <a:off x="976251" y="618681"/>
+            <a:ext cx="7163222" cy="5519472"/>
+          </a:xfrm>
+          <a:prstGeom prst="rect">
+            <a:avLst/>
+          </a:prstGeom>
+          <a:effectLst/>
         </p:spPr>
       </p:pic>
     </p:spTree>
     <p:extLst>
       <p:ext uri="{BB962C8B-B14F-4D97-AF65-F5344CB8AC3E}">
-        <p14:creationId xmlns:p14="http://schemas.microsoft.com/office/powerpoint/2010/main" val="3097639714"/>
+        <p14:creationId xmlns:p14="http://schemas.microsoft.com/office/powerpoint/2010/main" val="1074847163"/>
       </p:ext>
     </p:extLst>
   </p:cSld>
@@ -3643,97 +3647,6 @@
 </file>
 
 <file path=ppt/slides/slide11.xml><?xml version="1.0" encoding="utf-8"?>
-<p:sld xmlns:a="http://schemas.openxmlformats.org/drawingml/2006/main" xmlns:r="http://schemas.openxmlformats.org/officeDocument/2006/relationships" xmlns:p="http://schemas.openxmlformats.org/presentationml/2006/main">
-  <p:cSld>
-    <p:spTree>
-      <p:nvGrpSpPr>
-        <p:cNvPr id="1" name=""/>
-        <p:cNvGrpSpPr/>
-        <p:nvPr/>
-      </p:nvGrpSpPr>
-      <p:grpSpPr>
-        <a:xfrm>
-          <a:off x="0" y="0"/>
-          <a:ext cx="0" cy="0"/>
-          <a:chOff x="0" y="0"/>
-          <a:chExt cx="0" cy="0"/>
-        </a:xfrm>
-      </p:grpSpPr>
-      <p:sp>
-        <p:nvSpPr>
-          <p:cNvPr id="2" name="Titel 1">
-            <a:extLst>
-              <a:ext uri="{FF2B5EF4-FFF2-40B4-BE49-F238E27FC236}">
-                <a16:creationId xmlns:a16="http://schemas.microsoft.com/office/drawing/2014/main" id="{AC6B1C97-5045-4D32-9EE3-1148A8016777}"/>
-              </a:ext>
-            </a:extLst>
-          </p:cNvPr>
-          <p:cNvSpPr>
-            <a:spLocks noGrp="1"/>
-          </p:cNvSpPr>
-          <p:nvPr>
-            <p:ph type="title"/>
-          </p:nvPr>
-        </p:nvSpPr>
-        <p:spPr/>
-        <p:txBody>
-          <a:bodyPr/>
-          <a:lstStyle/>
-          <a:p>
-            <a:pPr algn="ctr"/>
-            <a:r>
-              <a:rPr lang="de-DE" dirty="0"/>
-              <a:t>STATE DIAGRAM FOR LIGHT AND MOTION SENSOR</a:t>
-            </a:r>
-          </a:p>
-        </p:txBody>
-      </p:sp>
-      <p:pic>
-        <p:nvPicPr>
-          <p:cNvPr id="7" name="Inhaltsplatzhalter 6">
-            <a:extLst>
-              <a:ext uri="{FF2B5EF4-FFF2-40B4-BE49-F238E27FC236}">
-                <a16:creationId xmlns:a16="http://schemas.microsoft.com/office/drawing/2014/main" id="{4B60C980-F821-42E1-83FC-0823B960357C}"/>
-              </a:ext>
-            </a:extLst>
-          </p:cNvPr>
-          <p:cNvPicPr>
-            <a:picLocks noGrp="1" noChangeAspect="1"/>
-          </p:cNvPicPr>
-          <p:nvPr>
-            <p:ph idx="1"/>
-          </p:nvPr>
-        </p:nvPicPr>
-        <p:blipFill>
-          <a:blip r:embed="rId2"/>
-          <a:stretch>
-            <a:fillRect/>
-          </a:stretch>
-        </p:blipFill>
-        <p:spPr>
-          <a:xfrm>
-            <a:off x="1450782" y="1944208"/>
-            <a:ext cx="8770680" cy="3975301"/>
-          </a:xfrm>
-          <a:prstGeom prst="rect">
-            <a:avLst/>
-          </a:prstGeom>
-        </p:spPr>
-      </p:pic>
-    </p:spTree>
-    <p:extLst>
-      <p:ext uri="{BB962C8B-B14F-4D97-AF65-F5344CB8AC3E}">
-        <p14:creationId xmlns:p14="http://schemas.microsoft.com/office/powerpoint/2010/main" val="2569426249"/>
-      </p:ext>
-    </p:extLst>
-  </p:cSld>
-  <p:clrMapOvr>
-    <a:masterClrMapping/>
-  </p:clrMapOvr>
-</p:sld>
-</file>
-
-<file path=ppt/slides/slide12.xml><?xml version="1.0" encoding="utf-8"?>
 <p:sld xmlns:a="http://schemas.openxmlformats.org/drawingml/2006/main" xmlns:r="http://schemas.openxmlformats.org/officeDocument/2006/relationships" xmlns:p="http://schemas.openxmlformats.org/presentationml/2006/main">
   <p:cSld>
     <p:bg>
@@ -3760,7 +3673,7 @@
       </p:grpSpPr>
       <p:sp>
         <p:nvSpPr>
-          <p:cNvPr id="12" name="Rectangle 11">
+          <p:cNvPr id="10" name="Rectangle 9">
             <a:extLst>
               <a:ext uri="{FF2B5EF4-FFF2-40B4-BE49-F238E27FC236}">
                 <a16:creationId xmlns:a16="http://schemas.microsoft.com/office/drawing/2014/main" id="{16C5FA50-8D52-4617-AF91-5C7B1C8352F1}"/>
@@ -3790,7 +3703,7 @@
             <a:avLst/>
           </a:prstGeom>
           <a:solidFill>
-            <a:srgbClr val="3E4B55"/>
+            <a:srgbClr val="767171"/>
           </a:solidFill>
           <a:ln>
             <a:noFill/>
@@ -3826,7 +3739,7 @@
           <p:cNvPr id="2" name="Titel 1">
             <a:extLst>
               <a:ext uri="{FF2B5EF4-FFF2-40B4-BE49-F238E27FC236}">
-                <a16:creationId xmlns:a16="http://schemas.microsoft.com/office/drawing/2014/main" id="{B8437B35-6466-44DD-B967-D220C5E89F8B}"/>
+                <a16:creationId xmlns:a16="http://schemas.microsoft.com/office/drawing/2014/main" id="{7DEEC474-0D75-45E1-B309-2307D2E29849}"/>
               </a:ext>
             </a:extLst>
           </p:cNvPr>
@@ -3850,19 +3763,34 @@
           <a:lstStyle/>
           <a:p>
             <a:r>
-              <a:rPr lang="en-US" sz="3600">
+              <a:rPr lang="en-US" sz="3100" dirty="0">
                 <a:solidFill>
                   <a:srgbClr val="FFFFFF"/>
                 </a:solidFill>
               </a:rPr>
-              <a:t>Sequence Diagram for Fire Alarm</a:t>
-            </a:r>
-          </a:p>
-        </p:txBody>
-      </p:sp>
-      <p:sp>
-        <p:nvSpPr>
-          <p:cNvPr id="14" name="Rounded Rectangle 9">
+              <a:t>SEQUENCE DIAGRAM FOR LIGHT CONTROLLING</a:t>
+            </a:r>
+            <a:br>
+              <a:rPr lang="en-US" sz="3100" dirty="0">
+                <a:solidFill>
+                  <a:srgbClr val="FFFFFF"/>
+                </a:solidFill>
+              </a:rPr>
+            </a:br>
+            <a:r>
+              <a:rPr lang="en-US" sz="3100" dirty="0">
+                <a:solidFill>
+                  <a:srgbClr val="FFFFFF"/>
+                </a:solidFill>
+              </a:rPr>
+              <a:t>INITIATE BY SENSOR </a:t>
+            </a:r>
+          </a:p>
+        </p:txBody>
+      </p:sp>
+      <p:sp>
+        <p:nvSpPr>
+          <p:cNvPr id="12" name="Rounded Rectangle 9">
             <a:extLst>
               <a:ext uri="{FF2B5EF4-FFF2-40B4-BE49-F238E27FC236}">
                 <a16:creationId xmlns:a16="http://schemas.microsoft.com/office/drawing/2014/main" id="{E223798C-12AD-4B0C-A50C-D676347D67CF}"/>
@@ -3936,10 +3864,10 @@
       </p:sp>
       <p:pic>
         <p:nvPicPr>
-          <p:cNvPr id="7" name="Inhaltsplatzhalter 6">
-            <a:extLst>
-              <a:ext uri="{FF2B5EF4-FFF2-40B4-BE49-F238E27FC236}">
-                <a16:creationId xmlns:a16="http://schemas.microsoft.com/office/drawing/2014/main" id="{9FE24162-9809-4F88-869D-B2B93024ACF1}"/>
+          <p:cNvPr id="7" name="Content Placeholder 6">
+            <a:extLst>
+              <a:ext uri="{FF2B5EF4-FFF2-40B4-BE49-F238E27FC236}">
+                <a16:creationId xmlns:a16="http://schemas.microsoft.com/office/drawing/2014/main" id="{88403374-7734-4724-A241-717DEFE61211}"/>
               </a:ext>
             </a:extLst>
           </p:cNvPr>
@@ -3950,32 +3878,114 @@
             <p:ph idx="1"/>
           </p:nvPr>
         </p:nvPicPr>
-        <p:blipFill rotWithShape="1">
-          <a:blip r:embed="rId2">
-            <a:extLst>
-              <a:ext uri="{28A0092B-C50C-407E-A947-70E740481C1C}">
-                <a14:useLocalDpi xmlns:a14="http://schemas.microsoft.com/office/drawing/2010/main" val="0"/>
-              </a:ext>
-            </a:extLst>
-          </a:blip>
-          <a:srcRect l="171" t="-2630" r="-1373" b="-854"/>
-          <a:stretch/>
+        <p:blipFill>
+          <a:blip r:embed="rId2"/>
+          <a:stretch>
+            <a:fillRect/>
+          </a:stretch>
         </p:blipFill>
         <p:spPr>
           <a:xfrm>
-            <a:off x="671208" y="817123"/>
-            <a:ext cx="7937655" cy="4933747"/>
-          </a:xfrm>
-          <a:prstGeom prst="rect">
-            <a:avLst/>
-          </a:prstGeom>
-          <a:effectLst/>
+            <a:off x="545204" y="484632"/>
+            <a:ext cx="8058032" cy="5724144"/>
+          </a:xfrm>
         </p:spPr>
       </p:pic>
     </p:spTree>
     <p:extLst>
       <p:ext uri="{BB962C8B-B14F-4D97-AF65-F5344CB8AC3E}">
-        <p14:creationId xmlns:p14="http://schemas.microsoft.com/office/powerpoint/2010/main" val="810842354"/>
+        <p14:creationId xmlns:p14="http://schemas.microsoft.com/office/powerpoint/2010/main" val="3097639714"/>
+      </p:ext>
+    </p:extLst>
+  </p:cSld>
+  <p:clrMapOvr>
+    <a:masterClrMapping/>
+  </p:clrMapOvr>
+</p:sld>
+</file>
+
+<file path=ppt/slides/slide12.xml><?xml version="1.0" encoding="utf-8"?>
+<p:sld xmlns:a="http://schemas.openxmlformats.org/drawingml/2006/main" xmlns:r="http://schemas.openxmlformats.org/officeDocument/2006/relationships" xmlns:p="http://schemas.openxmlformats.org/presentationml/2006/main">
+  <p:cSld>
+    <p:spTree>
+      <p:nvGrpSpPr>
+        <p:cNvPr id="1" name=""/>
+        <p:cNvGrpSpPr/>
+        <p:nvPr/>
+      </p:nvGrpSpPr>
+      <p:grpSpPr>
+        <a:xfrm>
+          <a:off x="0" y="0"/>
+          <a:ext cx="0" cy="0"/>
+          <a:chOff x="0" y="0"/>
+          <a:chExt cx="0" cy="0"/>
+        </a:xfrm>
+      </p:grpSpPr>
+      <p:sp>
+        <p:nvSpPr>
+          <p:cNvPr id="2" name="Titel 1">
+            <a:extLst>
+              <a:ext uri="{FF2B5EF4-FFF2-40B4-BE49-F238E27FC236}">
+                <a16:creationId xmlns:a16="http://schemas.microsoft.com/office/drawing/2014/main" id="{AC6B1C97-5045-4D32-9EE3-1148A8016777}"/>
+              </a:ext>
+            </a:extLst>
+          </p:cNvPr>
+          <p:cNvSpPr>
+            <a:spLocks noGrp="1"/>
+          </p:cNvSpPr>
+          <p:nvPr>
+            <p:ph type="title"/>
+          </p:nvPr>
+        </p:nvSpPr>
+        <p:spPr/>
+        <p:txBody>
+          <a:bodyPr/>
+          <a:lstStyle/>
+          <a:p>
+            <a:pPr algn="ctr"/>
+            <a:r>
+              <a:rPr lang="de-DE" dirty="0"/>
+              <a:t>STATE DIAGRAM FOR LIGHT AND MOTION SENSOR</a:t>
+            </a:r>
+          </a:p>
+        </p:txBody>
+      </p:sp>
+      <p:pic>
+        <p:nvPicPr>
+          <p:cNvPr id="7" name="Inhaltsplatzhalter 6">
+            <a:extLst>
+              <a:ext uri="{FF2B5EF4-FFF2-40B4-BE49-F238E27FC236}">
+                <a16:creationId xmlns:a16="http://schemas.microsoft.com/office/drawing/2014/main" id="{4B60C980-F821-42E1-83FC-0823B960357C}"/>
+              </a:ext>
+            </a:extLst>
+          </p:cNvPr>
+          <p:cNvPicPr>
+            <a:picLocks noGrp="1" noChangeAspect="1"/>
+          </p:cNvPicPr>
+          <p:nvPr>
+            <p:ph idx="1"/>
+          </p:nvPr>
+        </p:nvPicPr>
+        <p:blipFill>
+          <a:blip r:embed="rId2"/>
+          <a:stretch>
+            <a:fillRect/>
+          </a:stretch>
+        </p:blipFill>
+        <p:spPr>
+          <a:xfrm>
+            <a:off x="1450782" y="1944208"/>
+            <a:ext cx="8770680" cy="3975301"/>
+          </a:xfrm>
+          <a:prstGeom prst="rect">
+            <a:avLst/>
+          </a:prstGeom>
+        </p:spPr>
+      </p:pic>
+    </p:spTree>
+    <p:extLst>
+      <p:ext uri="{BB962C8B-B14F-4D97-AF65-F5344CB8AC3E}">
+        <p14:creationId xmlns:p14="http://schemas.microsoft.com/office/powerpoint/2010/main" val="2569426249"/>
       </p:ext>
     </p:extLst>
   </p:cSld>
@@ -4012,7 +4022,7 @@
       </p:grpSpPr>
       <p:sp>
         <p:nvSpPr>
-          <p:cNvPr id="17" name="Rectangle 16">
+          <p:cNvPr id="12" name="Rectangle 11">
             <a:extLst>
               <a:ext uri="{FF2B5EF4-FFF2-40B4-BE49-F238E27FC236}">
                 <a16:creationId xmlns:a16="http://schemas.microsoft.com/office/drawing/2014/main" id="{16C5FA50-8D52-4617-AF91-5C7B1C8352F1}"/>
@@ -4042,7 +4052,7 @@
             <a:avLst/>
           </a:prstGeom>
           <a:solidFill>
-            <a:srgbClr val="3C4953"/>
+            <a:srgbClr val="3E4B55"/>
           </a:solidFill>
           <a:ln>
             <a:noFill/>
@@ -4078,7 +4088,7 @@
           <p:cNvPr id="2" name="Titel 1">
             <a:extLst>
               <a:ext uri="{FF2B5EF4-FFF2-40B4-BE49-F238E27FC236}">
-                <a16:creationId xmlns:a16="http://schemas.microsoft.com/office/drawing/2014/main" id="{4A4333C5-0081-481D-BA53-D88213B62CDB}"/>
+                <a16:creationId xmlns:a16="http://schemas.microsoft.com/office/drawing/2014/main" id="{B8437B35-6466-44DD-B967-D220C5E89F8B}"/>
               </a:ext>
             </a:extLst>
           </p:cNvPr>
@@ -4107,14 +4117,14 @@
                   <a:srgbClr val="FFFFFF"/>
                 </a:solidFill>
               </a:rPr>
-              <a:t>SEQUENCE DIAGRAM FOR SECURITY</a:t>
-            </a:r>
-          </a:p>
-        </p:txBody>
-      </p:sp>
-      <p:sp>
-        <p:nvSpPr>
-          <p:cNvPr id="19" name="Rounded Rectangle 9">
+              <a:t>Sequence Diagram for Fire Alarm</a:t>
+            </a:r>
+          </a:p>
+        </p:txBody>
+      </p:sp>
+      <p:sp>
+        <p:nvSpPr>
+          <p:cNvPr id="14" name="Rounded Rectangle 9">
             <a:extLst>
               <a:ext uri="{FF2B5EF4-FFF2-40B4-BE49-F238E27FC236}">
                 <a16:creationId xmlns:a16="http://schemas.microsoft.com/office/drawing/2014/main" id="{E223798C-12AD-4B0C-A50C-D676347D67CF}"/>
@@ -4188,6 +4198,258 @@
       </p:sp>
       <p:pic>
         <p:nvPicPr>
+          <p:cNvPr id="7" name="Inhaltsplatzhalter 6">
+            <a:extLst>
+              <a:ext uri="{FF2B5EF4-FFF2-40B4-BE49-F238E27FC236}">
+                <a16:creationId xmlns:a16="http://schemas.microsoft.com/office/drawing/2014/main" id="{9FE24162-9809-4F88-869D-B2B93024ACF1}"/>
+              </a:ext>
+            </a:extLst>
+          </p:cNvPr>
+          <p:cNvPicPr>
+            <a:picLocks noGrp="1" noChangeAspect="1"/>
+          </p:cNvPicPr>
+          <p:nvPr>
+            <p:ph idx="1"/>
+          </p:nvPr>
+        </p:nvPicPr>
+        <p:blipFill rotWithShape="1">
+          <a:blip r:embed="rId2">
+            <a:extLst>
+              <a:ext uri="{28A0092B-C50C-407E-A947-70E740481C1C}">
+                <a14:useLocalDpi xmlns:a14="http://schemas.microsoft.com/office/drawing/2010/main" val="0"/>
+              </a:ext>
+            </a:extLst>
+          </a:blip>
+          <a:srcRect l="171" t="-2630" r="-1373" b="-854"/>
+          <a:stretch/>
+        </p:blipFill>
+        <p:spPr>
+          <a:xfrm>
+            <a:off x="671208" y="817123"/>
+            <a:ext cx="7937655" cy="4933747"/>
+          </a:xfrm>
+          <a:prstGeom prst="rect">
+            <a:avLst/>
+          </a:prstGeom>
+          <a:effectLst/>
+        </p:spPr>
+      </p:pic>
+    </p:spTree>
+    <p:extLst>
+      <p:ext uri="{BB962C8B-B14F-4D97-AF65-F5344CB8AC3E}">
+        <p14:creationId xmlns:p14="http://schemas.microsoft.com/office/powerpoint/2010/main" val="810842354"/>
+      </p:ext>
+    </p:extLst>
+  </p:cSld>
+  <p:clrMapOvr>
+    <a:masterClrMapping/>
+  </p:clrMapOvr>
+</p:sld>
+</file>
+
+<file path=ppt/slides/slide14.xml><?xml version="1.0" encoding="utf-8"?>
+<p:sld xmlns:a="http://schemas.openxmlformats.org/drawingml/2006/main" xmlns:r="http://schemas.openxmlformats.org/officeDocument/2006/relationships" xmlns:p="http://schemas.openxmlformats.org/presentationml/2006/main">
+  <p:cSld>
+    <p:bg>
+      <p:bgPr>
+        <a:solidFill>
+          <a:schemeClr val="bg2"/>
+        </a:solidFill>
+        <a:effectLst/>
+      </p:bgPr>
+    </p:bg>
+    <p:spTree>
+      <p:nvGrpSpPr>
+        <p:cNvPr id="1" name=""/>
+        <p:cNvGrpSpPr/>
+        <p:nvPr/>
+      </p:nvGrpSpPr>
+      <p:grpSpPr>
+        <a:xfrm>
+          <a:off x="0" y="0"/>
+          <a:ext cx="0" cy="0"/>
+          <a:chOff x="0" y="0"/>
+          <a:chExt cx="0" cy="0"/>
+        </a:xfrm>
+      </p:grpSpPr>
+      <p:sp>
+        <p:nvSpPr>
+          <p:cNvPr id="17" name="Rectangle 16">
+            <a:extLst>
+              <a:ext uri="{FF2B5EF4-FFF2-40B4-BE49-F238E27FC236}">
+                <a16:creationId xmlns:a16="http://schemas.microsoft.com/office/drawing/2014/main" id="{16C5FA50-8D52-4617-AF91-5C7B1C8352F1}"/>
+              </a:ext>
+              <a:ext uri="{C183D7F6-B498-43B3-948B-1728B52AA6E4}">
+                <adec:decorative xmlns:adec="http://schemas.microsoft.com/office/drawing/2017/decorative" val="1"/>
+              </a:ext>
+            </a:extLst>
+          </p:cNvPr>
+          <p:cNvSpPr>
+            <a:spLocks noGrp="1" noRot="1" noChangeAspect="1" noMove="1" noResize="1" noEditPoints="1" noAdjustHandles="1" noChangeArrowheads="1" noChangeShapeType="1" noTextEdit="1"/>
+          </p:cNvSpPr>
+          <p:nvPr>
+            <p:extLst>
+              <p:ext uri="{386F3935-93C4-4BCD-93E2-E3B085C9AB24}">
+                <p16:designElem xmlns:p16="http://schemas.microsoft.com/office/powerpoint/2015/main" val="1"/>
+              </p:ext>
+            </p:extLst>
+          </p:nvPr>
+        </p:nvSpPr>
+        <p:spPr>
+          <a:xfrm>
+            <a:off x="0" y="0"/>
+            <a:ext cx="12192000" cy="6858000"/>
+          </a:xfrm>
+          <a:prstGeom prst="rect">
+            <a:avLst/>
+          </a:prstGeom>
+          <a:solidFill>
+            <a:srgbClr val="3C4953"/>
+          </a:solidFill>
+          <a:ln>
+            <a:noFill/>
+          </a:ln>
+        </p:spPr>
+        <p:style>
+          <a:lnRef idx="2">
+            <a:schemeClr val="accent1">
+              <a:shade val="50000"/>
+            </a:schemeClr>
+          </a:lnRef>
+          <a:fillRef idx="1">
+            <a:schemeClr val="accent1"/>
+          </a:fillRef>
+          <a:effectRef idx="0">
+            <a:schemeClr val="accent1"/>
+          </a:effectRef>
+          <a:fontRef idx="minor">
+            <a:schemeClr val="lt1"/>
+          </a:fontRef>
+        </p:style>
+        <p:txBody>
+          <a:bodyPr rtlCol="0" anchor="ctr"/>
+          <a:lstStyle/>
+          <a:p>
+            <a:pPr algn="ctr"/>
+            <a:endParaRPr lang="en-US"/>
+          </a:p>
+        </p:txBody>
+      </p:sp>
+      <p:sp>
+        <p:nvSpPr>
+          <p:cNvPr id="2" name="Titel 1">
+            <a:extLst>
+              <a:ext uri="{FF2B5EF4-FFF2-40B4-BE49-F238E27FC236}">
+                <a16:creationId xmlns:a16="http://schemas.microsoft.com/office/drawing/2014/main" id="{4A4333C5-0081-481D-BA53-D88213B62CDB}"/>
+              </a:ext>
+            </a:extLst>
+          </p:cNvPr>
+          <p:cNvSpPr>
+            <a:spLocks noGrp="1"/>
+          </p:cNvSpPr>
+          <p:nvPr>
+            <p:ph type="title"/>
+          </p:nvPr>
+        </p:nvSpPr>
+        <p:spPr>
+          <a:xfrm>
+            <a:off x="9093496" y="618681"/>
+            <a:ext cx="2613872" cy="4794567"/>
+          </a:xfrm>
+        </p:spPr>
+        <p:txBody>
+          <a:bodyPr vert="horz" lIns="91440" tIns="45720" rIns="91440" bIns="45720" rtlCol="0" anchor="ctr">
+            <a:normAutofit/>
+          </a:bodyPr>
+          <a:lstStyle/>
+          <a:p>
+            <a:r>
+              <a:rPr lang="en-US" sz="3600">
+                <a:solidFill>
+                  <a:srgbClr val="FFFFFF"/>
+                </a:solidFill>
+              </a:rPr>
+              <a:t>SEQUENCE DIAGRAM FOR SECURITY</a:t>
+            </a:r>
+          </a:p>
+        </p:txBody>
+      </p:sp>
+      <p:sp>
+        <p:nvSpPr>
+          <p:cNvPr id="19" name="Rounded Rectangle 9">
+            <a:extLst>
+              <a:ext uri="{FF2B5EF4-FFF2-40B4-BE49-F238E27FC236}">
+                <a16:creationId xmlns:a16="http://schemas.microsoft.com/office/drawing/2014/main" id="{E223798C-12AD-4B0C-A50C-D676347D67CF}"/>
+              </a:ext>
+              <a:ext uri="{C183D7F6-B498-43B3-948B-1728B52AA6E4}">
+                <adec:decorative xmlns:adec="http://schemas.microsoft.com/office/drawing/2017/decorative" val="1"/>
+              </a:ext>
+            </a:extLst>
+          </p:cNvPr>
+          <p:cNvSpPr>
+            <a:spLocks noGrp="1" noRot="1" noChangeAspect="1" noMove="1" noResize="1" noEditPoints="1" noAdjustHandles="1" noChangeArrowheads="1" noChangeShapeType="1" noTextEdit="1"/>
+          </p:cNvSpPr>
+          <p:nvPr>
+            <p:extLst>
+              <p:ext uri="{386F3935-93C4-4BCD-93E2-E3B085C9AB24}">
+                <p16:designElem xmlns:p16="http://schemas.microsoft.com/office/powerpoint/2015/main" val="1"/>
+              </p:ext>
+            </p:extLst>
+          </p:nvPr>
+        </p:nvSpPr>
+        <p:spPr>
+          <a:xfrm>
+            <a:off x="493354" y="484632"/>
+            <a:ext cx="8129016" cy="5724144"/>
+          </a:xfrm>
+          <a:prstGeom prst="roundRect">
+            <a:avLst>
+              <a:gd name="adj" fmla="val 0"/>
+            </a:avLst>
+          </a:prstGeom>
+          <a:solidFill>
+            <a:srgbClr val="FFFFFF"/>
+          </a:solidFill>
+          <a:ln w="9525">
+            <a:solidFill>
+              <a:srgbClr val="C8CACA"/>
+            </a:solidFill>
+          </a:ln>
+          <a:effectLst>
+            <a:outerShdw blurRad="57150" dist="19050" dir="5400000" algn="t" rotWithShape="0">
+              <a:prstClr val="black">
+                <a:alpha val="63000"/>
+              </a:prstClr>
+            </a:outerShdw>
+          </a:effectLst>
+        </p:spPr>
+        <p:style>
+          <a:lnRef idx="2">
+            <a:schemeClr val="accent1">
+              <a:shade val="50000"/>
+            </a:schemeClr>
+          </a:lnRef>
+          <a:fillRef idx="1">
+            <a:schemeClr val="accent1"/>
+          </a:fillRef>
+          <a:effectRef idx="0">
+            <a:schemeClr val="accent1"/>
+          </a:effectRef>
+          <a:fontRef idx="minor">
+            <a:schemeClr val="lt1"/>
+          </a:fontRef>
+        </p:style>
+        <p:txBody>
+          <a:bodyPr rtlCol="0" anchor="ctr"/>
+          <a:lstStyle/>
+          <a:p>
+            <a:pPr algn="ctr"/>
+            <a:endParaRPr lang="en-US"/>
+          </a:p>
+        </p:txBody>
+      </p:sp>
+      <p:pic>
+        <p:nvPicPr>
           <p:cNvPr id="7" name="Content Placeholder 6" descr="Chart, box and whisker chart&#10;&#10;Description automatically generated">
             <a:extLst>
               <a:ext uri="{FF2B5EF4-FFF2-40B4-BE49-F238E27FC236}">
@@ -4237,7 +4499,7 @@
 </p:sld>
 </file>
 
-<file path=ppt/slides/slide14.xml><?xml version="1.0" encoding="utf-8"?>
+<file path=ppt/slides/slide15.xml><?xml version="1.0" encoding="utf-8"?>
 <p:sld xmlns:a="http://schemas.openxmlformats.org/drawingml/2006/main" xmlns:r="http://schemas.openxmlformats.org/officeDocument/2006/relationships" xmlns:p="http://schemas.openxmlformats.org/presentationml/2006/main">
   <p:cSld>
     <p:bg>

--- a/Project_Week_7&8/Precise Analysis.pptx
+++ b/Project_Week_7&8/Precise Analysis.pptx
@@ -3952,10 +3952,10 @@
       </p:sp>
       <p:pic>
         <p:nvPicPr>
-          <p:cNvPr id="7" name="Inhaltsplatzhalter 6">
-            <a:extLst>
-              <a:ext uri="{FF2B5EF4-FFF2-40B4-BE49-F238E27FC236}">
-                <a16:creationId xmlns:a16="http://schemas.microsoft.com/office/drawing/2014/main" id="{4B60C980-F821-42E1-83FC-0823B960357C}"/>
+          <p:cNvPr id="6" name="Content Placeholder 5" descr="Diagram&#10;&#10;Description automatically generated">
+            <a:extLst>
+              <a:ext uri="{FF2B5EF4-FFF2-40B4-BE49-F238E27FC236}">
+                <a16:creationId xmlns:a16="http://schemas.microsoft.com/office/drawing/2014/main" id="{99F4465E-7DAC-46DE-923D-951B0795E4B6}"/>
               </a:ext>
             </a:extLst>
           </p:cNvPr>
@@ -3966,20 +3966,22 @@
             <p:ph idx="1"/>
           </p:nvPr>
         </p:nvPicPr>
-        <p:blipFill>
-          <a:blip r:embed="rId2"/>
-          <a:stretch>
-            <a:fillRect/>
-          </a:stretch>
+        <p:blipFill rotWithShape="1">
+          <a:blip r:embed="rId2">
+            <a:extLst>
+              <a:ext uri="{28A0092B-C50C-407E-A947-70E740481C1C}">
+                <a14:useLocalDpi xmlns:a14="http://schemas.microsoft.com/office/drawing/2010/main" val="0"/>
+              </a:ext>
+            </a:extLst>
+          </a:blip>
+          <a:srcRect l="25702" t="17687" r="25571" b="-17687"/>
+          <a:stretch/>
         </p:blipFill>
         <p:spPr>
           <a:xfrm>
-            <a:off x="1450782" y="1944208"/>
-            <a:ext cx="8770680" cy="3975301"/>
-          </a:xfrm>
-          <a:prstGeom prst="rect">
-            <a:avLst/>
-          </a:prstGeom>
+            <a:off x="4617720" y="1966277"/>
+            <a:ext cx="2827020" cy="4351338"/>
+          </a:xfrm>
         </p:spPr>
       </p:pic>
     </p:spTree>

--- a/Project_Week_7&8/Precise Analysis.pptx
+++ b/Project_Week_7&8/Precise Analysis.pptx
@@ -11,8 +11,8 @@
     <p:sldId id="259" r:id="rId5"/>
     <p:sldId id="262" r:id="rId6"/>
     <p:sldId id="272" r:id="rId7"/>
-    <p:sldId id="271" r:id="rId8"/>
-    <p:sldId id="273" r:id="rId9"/>
+    <p:sldId id="273" r:id="rId8"/>
+    <p:sldId id="271" r:id="rId9"/>
     <p:sldId id="268" r:id="rId10"/>
     <p:sldId id="274" r:id="rId11"/>
     <p:sldId id="263" r:id="rId12"/>
@@ -5917,7 +5917,7 @@
             <a:avLst/>
           </a:prstGeom>
           <a:solidFill>
-            <a:srgbClr val="577177"/>
+            <a:srgbClr val="3D4F5E"/>
           </a:solidFill>
           <a:ln>
             <a:noFill/>
@@ -5953,7 +5953,7 @@
           <p:cNvPr id="2" name="Titel 1">
             <a:extLst>
               <a:ext uri="{FF2B5EF4-FFF2-40B4-BE49-F238E27FC236}">
-                <a16:creationId xmlns:a16="http://schemas.microsoft.com/office/drawing/2014/main" id="{674AF38F-3074-4503-A21A-1C0F0E8D17F0}"/>
+                <a16:creationId xmlns:a16="http://schemas.microsoft.com/office/drawing/2014/main" id="{0CECDDCF-ECC8-4E3A-9542-D498D200A4C9}"/>
               </a:ext>
             </a:extLst>
           </p:cNvPr>
@@ -5977,28 +5977,12 @@
           <a:lstStyle/>
           <a:p>
             <a:r>
-              <a:rPr lang="en-US" sz="3600" dirty="0">
+              <a:rPr lang="en-US" sz="3600">
                 <a:solidFill>
                   <a:srgbClr val="FFFFFF"/>
                 </a:solidFill>
               </a:rPr>
-              <a:t>Sequence Diagram for Heating And Cooling Initiated By </a:t>
-            </a:r>
-            <a:r>
-              <a:rPr lang="en-US" sz="3600" dirty="0" err="1">
-                <a:solidFill>
-                  <a:srgbClr val="FFFFFF"/>
-                </a:solidFill>
-              </a:rPr>
-              <a:t>Temeprature</a:t>
-            </a:r>
-            <a:r>
-              <a:rPr lang="en-US" sz="3600" dirty="0">
-                <a:solidFill>
-                  <a:srgbClr val="FFFFFF"/>
-                </a:solidFill>
-              </a:rPr>
-              <a:t> Sensor</a:t>
+              <a:t>Class Diagram For Heating and Cooling System Initaited By Temperature System</a:t>
             </a:r>
           </a:p>
         </p:txBody>
@@ -6082,7 +6066,7 @@
           <p:cNvPr id="5" name="Inhaltsplatzhalter 4">
             <a:extLst>
               <a:ext uri="{FF2B5EF4-FFF2-40B4-BE49-F238E27FC236}">
-                <a16:creationId xmlns:a16="http://schemas.microsoft.com/office/drawing/2014/main" id="{B4E48B3B-5500-4B1A-AEE8-F6679EE7FEF6}"/>
+                <a16:creationId xmlns:a16="http://schemas.microsoft.com/office/drawing/2014/main" id="{63418FC5-EDB7-40B8-8F7D-FAFF68944B51}"/>
               </a:ext>
             </a:extLst>
           </p:cNvPr>
@@ -6101,13 +6085,13 @@
               </a:ext>
             </a:extLst>
           </a:blip>
-          <a:srcRect l="-1" t="-1770" r="-3019" b="-3385"/>
+          <a:srcRect l="-2618" t="-3622" r="-5480" b="-11174"/>
           <a:stretch/>
         </p:blipFill>
         <p:spPr>
           <a:xfrm>
-            <a:off x="493354" y="484632"/>
-            <a:ext cx="8115510" cy="5888735"/>
+            <a:off x="493354" y="780609"/>
+            <a:ext cx="8054502" cy="5132189"/>
           </a:xfrm>
           <a:prstGeom prst="rect">
             <a:avLst/>
@@ -6118,7 +6102,7 @@
     </p:spTree>
     <p:extLst>
       <p:ext uri="{BB962C8B-B14F-4D97-AF65-F5344CB8AC3E}">
-        <p14:creationId xmlns:p14="http://schemas.microsoft.com/office/powerpoint/2010/main" val="2859926030"/>
+        <p14:creationId xmlns:p14="http://schemas.microsoft.com/office/powerpoint/2010/main" val="1281243026"/>
       </p:ext>
     </p:extLst>
   </p:cSld>
@@ -6185,7 +6169,7 @@
             <a:avLst/>
           </a:prstGeom>
           <a:solidFill>
-            <a:srgbClr val="3D4F5E"/>
+            <a:srgbClr val="577177"/>
           </a:solidFill>
           <a:ln>
             <a:noFill/>
@@ -6221,7 +6205,7 @@
           <p:cNvPr id="2" name="Titel 1">
             <a:extLst>
               <a:ext uri="{FF2B5EF4-FFF2-40B4-BE49-F238E27FC236}">
-                <a16:creationId xmlns:a16="http://schemas.microsoft.com/office/drawing/2014/main" id="{0CECDDCF-ECC8-4E3A-9542-D498D200A4C9}"/>
+                <a16:creationId xmlns:a16="http://schemas.microsoft.com/office/drawing/2014/main" id="{674AF38F-3074-4503-A21A-1C0F0E8D17F0}"/>
               </a:ext>
             </a:extLst>
           </p:cNvPr>
@@ -6245,12 +6229,28 @@
           <a:lstStyle/>
           <a:p>
             <a:r>
-              <a:rPr lang="en-US" sz="3600">
+              <a:rPr lang="en-US" sz="3600" dirty="0">
                 <a:solidFill>
                   <a:srgbClr val="FFFFFF"/>
                 </a:solidFill>
               </a:rPr>
-              <a:t>Class Diagram For Heating and Cooling System Initaited By Temperature System</a:t>
+              <a:t>Sequence Diagram for Heating And Cooling Initiated By </a:t>
+            </a:r>
+            <a:r>
+              <a:rPr lang="en-US" sz="3600" dirty="0" err="1">
+                <a:solidFill>
+                  <a:srgbClr val="FFFFFF"/>
+                </a:solidFill>
+              </a:rPr>
+              <a:t>Temeprature</a:t>
+            </a:r>
+            <a:r>
+              <a:rPr lang="en-US" sz="3600" dirty="0">
+                <a:solidFill>
+                  <a:srgbClr val="FFFFFF"/>
+                </a:solidFill>
+              </a:rPr>
+              <a:t> Sensor</a:t>
             </a:r>
           </a:p>
         </p:txBody>
@@ -6334,7 +6334,7 @@
           <p:cNvPr id="5" name="Inhaltsplatzhalter 4">
             <a:extLst>
               <a:ext uri="{FF2B5EF4-FFF2-40B4-BE49-F238E27FC236}">
-                <a16:creationId xmlns:a16="http://schemas.microsoft.com/office/drawing/2014/main" id="{63418FC5-EDB7-40B8-8F7D-FAFF68944B51}"/>
+                <a16:creationId xmlns:a16="http://schemas.microsoft.com/office/drawing/2014/main" id="{B4E48B3B-5500-4B1A-AEE8-F6679EE7FEF6}"/>
               </a:ext>
             </a:extLst>
           </p:cNvPr>
@@ -6353,13 +6353,13 @@
               </a:ext>
             </a:extLst>
           </a:blip>
-          <a:srcRect l="-2618" t="-3622" r="-5480" b="-11174"/>
+          <a:srcRect l="-1" t="-1770" r="-3019" b="-3385"/>
           <a:stretch/>
         </p:blipFill>
         <p:spPr>
           <a:xfrm>
-            <a:off x="493354" y="780609"/>
-            <a:ext cx="8054502" cy="5132189"/>
+            <a:off x="493354" y="484632"/>
+            <a:ext cx="8115510" cy="5888735"/>
           </a:xfrm>
           <a:prstGeom prst="rect">
             <a:avLst/>
@@ -6370,7 +6370,7 @@
     </p:spTree>
     <p:extLst>
       <p:ext uri="{BB962C8B-B14F-4D97-AF65-F5344CB8AC3E}">
-        <p14:creationId xmlns:p14="http://schemas.microsoft.com/office/powerpoint/2010/main" val="1281243026"/>
+        <p14:creationId xmlns:p14="http://schemas.microsoft.com/office/powerpoint/2010/main" val="2859926030"/>
       </p:ext>
     </p:extLst>
   </p:cSld>

--- a/Project_Week_7&8/Precise Analysis.pptx
+++ b/Project_Week_7&8/Precise Analysis.pptx
@@ -13,7 +13,7 @@
     <p:sldId id="272" r:id="rId7"/>
     <p:sldId id="273" r:id="rId8"/>
     <p:sldId id="271" r:id="rId9"/>
-    <p:sldId id="268" r:id="rId10"/>
+    <p:sldId id="275" r:id="rId10"/>
     <p:sldId id="274" r:id="rId11"/>
     <p:sldId id="263" r:id="rId12"/>
     <p:sldId id="267" r:id="rId13"/>
@@ -327,7 +327,7 @@
           <a:p>
             <a:fld id="{59436D6C-09F6-4967-B045-448DC0A44960}" type="slidenum">
               <a:rPr lang="de-DE" smtClean="0"/>
-              <a:t>‹#›</a:t>
+              <a:t>‹Nr.›</a:t>
             </a:fld>
             <a:endParaRPr lang="de-DE"/>
           </a:p>
@@ -525,7 +525,7 @@
           <a:p>
             <a:fld id="{59436D6C-09F6-4967-B045-448DC0A44960}" type="slidenum">
               <a:rPr lang="de-DE" smtClean="0"/>
-              <a:t>‹#›</a:t>
+              <a:t>‹Nr.›</a:t>
             </a:fld>
             <a:endParaRPr lang="de-DE"/>
           </a:p>
@@ -733,7 +733,7 @@
           <a:p>
             <a:fld id="{59436D6C-09F6-4967-B045-448DC0A44960}" type="slidenum">
               <a:rPr lang="de-DE" smtClean="0"/>
-              <a:t>‹#›</a:t>
+              <a:t>‹Nr.›</a:t>
             </a:fld>
             <a:endParaRPr lang="de-DE"/>
           </a:p>
@@ -931,7 +931,7 @@
           <a:p>
             <a:fld id="{59436D6C-09F6-4967-B045-448DC0A44960}" type="slidenum">
               <a:rPr lang="de-DE" smtClean="0"/>
-              <a:t>‹#›</a:t>
+              <a:t>‹Nr.›</a:t>
             </a:fld>
             <a:endParaRPr lang="de-DE"/>
           </a:p>
@@ -1206,7 +1206,7 @@
           <a:p>
             <a:fld id="{59436D6C-09F6-4967-B045-448DC0A44960}" type="slidenum">
               <a:rPr lang="de-DE" smtClean="0"/>
-              <a:t>‹#›</a:t>
+              <a:t>‹Nr.›</a:t>
             </a:fld>
             <a:endParaRPr lang="de-DE"/>
           </a:p>
@@ -1471,7 +1471,7 @@
           <a:p>
             <a:fld id="{59436D6C-09F6-4967-B045-448DC0A44960}" type="slidenum">
               <a:rPr lang="de-DE" smtClean="0"/>
-              <a:t>‹#›</a:t>
+              <a:t>‹Nr.›</a:t>
             </a:fld>
             <a:endParaRPr lang="de-DE"/>
           </a:p>
@@ -1883,7 +1883,7 @@
           <a:p>
             <a:fld id="{59436D6C-09F6-4967-B045-448DC0A44960}" type="slidenum">
               <a:rPr lang="de-DE" smtClean="0"/>
-              <a:t>‹#›</a:t>
+              <a:t>‹Nr.›</a:t>
             </a:fld>
             <a:endParaRPr lang="de-DE"/>
           </a:p>
@@ -2024,7 +2024,7 @@
           <a:p>
             <a:fld id="{59436D6C-09F6-4967-B045-448DC0A44960}" type="slidenum">
               <a:rPr lang="de-DE" smtClean="0"/>
-              <a:t>‹#›</a:t>
+              <a:t>‹Nr.›</a:t>
             </a:fld>
             <a:endParaRPr lang="de-DE"/>
           </a:p>
@@ -2137,7 +2137,7 @@
           <a:p>
             <a:fld id="{59436D6C-09F6-4967-B045-448DC0A44960}" type="slidenum">
               <a:rPr lang="de-DE" smtClean="0"/>
-              <a:t>‹#›</a:t>
+              <a:t>‹Nr.›</a:t>
             </a:fld>
             <a:endParaRPr lang="de-DE"/>
           </a:p>
@@ -2448,7 +2448,7 @@
           <a:p>
             <a:fld id="{59436D6C-09F6-4967-B045-448DC0A44960}" type="slidenum">
               <a:rPr lang="de-DE" smtClean="0"/>
-              <a:t>‹#›</a:t>
+              <a:t>‹Nr.›</a:t>
             </a:fld>
             <a:endParaRPr lang="de-DE"/>
           </a:p>
@@ -2736,7 +2736,7 @@
           <a:p>
             <a:fld id="{59436D6C-09F6-4967-B045-448DC0A44960}" type="slidenum">
               <a:rPr lang="de-DE" smtClean="0"/>
-              <a:t>‹#›</a:t>
+              <a:t>‹Nr.›</a:t>
             </a:fld>
             <a:endParaRPr lang="de-DE"/>
           </a:p>
@@ -3013,7 +3013,7 @@
           <a:p>
             <a:fld id="{59436D6C-09F6-4967-B045-448DC0A44960}" type="slidenum">
               <a:rPr lang="de-DE" smtClean="0"/>
-              <a:t>‹#›</a:t>
+              <a:t>‹Nr.›</a:t>
             </a:fld>
             <a:endParaRPr lang="de-DE"/>
           </a:p>
@@ -5977,12 +5977,12 @@
           <a:lstStyle/>
           <a:p>
             <a:r>
-              <a:rPr lang="en-US" sz="3600">
+              <a:rPr lang="en-US" sz="3600" dirty="0">
                 <a:solidFill>
                   <a:srgbClr val="FFFFFF"/>
                 </a:solidFill>
               </a:rPr>
-              <a:t>Class Diagram For Heating and Cooling System Initaited By Temperature System</a:t>
+              <a:t>Class Diagram for Heating And Cooling</a:t>
             </a:r>
           </a:p>
         </p:txBody>
@@ -6234,23 +6234,7 @@
                   <a:srgbClr val="FFFFFF"/>
                 </a:solidFill>
               </a:rPr>
-              <a:t>Sequence Diagram for Heating And Cooling Initiated By </a:t>
-            </a:r>
-            <a:r>
-              <a:rPr lang="en-US" sz="3600" dirty="0" err="1">
-                <a:solidFill>
-                  <a:srgbClr val="FFFFFF"/>
-                </a:solidFill>
-              </a:rPr>
-              <a:t>Temeprature</a:t>
-            </a:r>
-            <a:r>
-              <a:rPr lang="en-US" sz="3600" dirty="0">
-                <a:solidFill>
-                  <a:srgbClr val="FFFFFF"/>
-                </a:solidFill>
-              </a:rPr>
-              <a:t> Sensor</a:t>
+              <a:t>Sequence Diagram for Heating And Cooling</a:t>
             </a:r>
           </a:p>
         </p:txBody>
@@ -6383,6 +6367,14 @@
 <file path=ppt/slides/slide9.xml><?xml version="1.0" encoding="utf-8"?>
 <p:sld xmlns:a="http://schemas.openxmlformats.org/drawingml/2006/main" xmlns:r="http://schemas.openxmlformats.org/officeDocument/2006/relationships" xmlns:p="http://schemas.openxmlformats.org/presentationml/2006/main">
   <p:cSld>
+    <p:bg>
+      <p:bgPr>
+        <a:solidFill>
+          <a:schemeClr val="bg1"/>
+        </a:solidFill>
+        <a:effectLst/>
+      </p:bgPr>
+    </p:bg>
     <p:spTree>
       <p:nvGrpSpPr>
         <p:cNvPr id="1" name=""/>
@@ -6399,10 +6391,292 @@
       </p:grpSpPr>
       <p:sp>
         <p:nvSpPr>
+          <p:cNvPr id="9" name="Rectangle 8">
+            <a:extLst>
+              <a:ext uri="{FF2B5EF4-FFF2-40B4-BE49-F238E27FC236}">
+                <a16:creationId xmlns:a16="http://schemas.microsoft.com/office/drawing/2014/main" id="{7F357D35-3E3E-4EC7-B3AE-C106ABB7DC68}"/>
+              </a:ext>
+              <a:ext uri="{C183D7F6-B498-43B3-948B-1728B52AA6E4}">
+                <adec:decorative xmlns:adec="http://schemas.microsoft.com/office/drawing/2017/decorative" val="1"/>
+              </a:ext>
+            </a:extLst>
+          </p:cNvPr>
+          <p:cNvSpPr>
+            <a:spLocks noGrp="1" noRot="1" noChangeAspect="1" noMove="1" noResize="1" noEditPoints="1" noAdjustHandles="1" noChangeArrowheads="1" noChangeShapeType="1" noTextEdit="1"/>
+          </p:cNvSpPr>
+          <p:nvPr>
+            <p:extLst>
+              <p:ext uri="{386F3935-93C4-4BCD-93E2-E3B085C9AB24}">
+                <p16:designElem xmlns:p16="http://schemas.microsoft.com/office/powerpoint/2015/main" val="1"/>
+              </p:ext>
+            </p:extLst>
+          </p:nvPr>
+        </p:nvSpPr>
+        <p:spPr>
+          <a:xfrm>
+            <a:off x="0" y="0"/>
+            <a:ext cx="12192000" cy="6858000"/>
+          </a:xfrm>
+          <a:prstGeom prst="rect">
+            <a:avLst/>
+          </a:prstGeom>
+          <a:solidFill>
+            <a:srgbClr val="364653"/>
+          </a:solidFill>
+          <a:ln>
+            <a:noFill/>
+          </a:ln>
+        </p:spPr>
+        <p:style>
+          <a:lnRef idx="2">
+            <a:schemeClr val="accent1">
+              <a:shade val="50000"/>
+            </a:schemeClr>
+          </a:lnRef>
+          <a:fillRef idx="1">
+            <a:schemeClr val="accent1"/>
+          </a:fillRef>
+          <a:effectRef idx="0">
+            <a:schemeClr val="accent1"/>
+          </a:effectRef>
+          <a:fontRef idx="minor">
+            <a:schemeClr val="lt1"/>
+          </a:fontRef>
+        </p:style>
+        <p:txBody>
+          <a:bodyPr rtlCol="0" anchor="ctr"/>
+          <a:lstStyle/>
+          <a:p>
+            <a:pPr algn="ctr"/>
+            <a:endParaRPr lang="en-US"/>
+          </a:p>
+        </p:txBody>
+      </p:sp>
+      <p:sp>
+        <p:nvSpPr>
+          <p:cNvPr id="11" name="Rectangle 10">
+            <a:extLst>
+              <a:ext uri="{FF2B5EF4-FFF2-40B4-BE49-F238E27FC236}">
+                <a16:creationId xmlns:a16="http://schemas.microsoft.com/office/drawing/2014/main" id="{9334D921-DCE6-4D92-987F-D98C93F1CBD7}"/>
+              </a:ext>
+              <a:ext uri="{C183D7F6-B498-43B3-948B-1728B52AA6E4}">
+                <adec:decorative xmlns:adec="http://schemas.microsoft.com/office/drawing/2017/decorative" val="1"/>
+              </a:ext>
+            </a:extLst>
+          </p:cNvPr>
+          <p:cNvSpPr>
+            <a:spLocks noGrp="1" noRot="1" noChangeAspect="1" noMove="1" noResize="1" noEditPoints="1" noAdjustHandles="1" noChangeArrowheads="1" noChangeShapeType="1" noTextEdit="1"/>
+          </p:cNvSpPr>
+          <p:nvPr>
+            <p:extLst>
+              <p:ext uri="{386F3935-93C4-4BCD-93E2-E3B085C9AB24}">
+                <p16:designElem xmlns:p16="http://schemas.microsoft.com/office/powerpoint/2015/main" val="1"/>
+              </p:ext>
+            </p:extLst>
+          </p:nvPr>
+        </p:nvSpPr>
+        <p:spPr>
+          <a:xfrm>
+            <a:off x="231140" y="243840"/>
+            <a:ext cx="11722100" cy="6377939"/>
+          </a:xfrm>
+          <a:prstGeom prst="rect">
+            <a:avLst/>
+          </a:prstGeom>
+          <a:solidFill>
+            <a:srgbClr val="FFFFFF"/>
+          </a:solidFill>
+          <a:ln w="12700">
+            <a:solidFill>
+              <a:srgbClr val="FFFFFF"/>
+            </a:solidFill>
+          </a:ln>
+        </p:spPr>
+        <p:style>
+          <a:lnRef idx="2">
+            <a:schemeClr val="accent1">
+              <a:shade val="50000"/>
+            </a:schemeClr>
+          </a:lnRef>
+          <a:fillRef idx="1">
+            <a:schemeClr val="accent1"/>
+          </a:fillRef>
+          <a:effectRef idx="0">
+            <a:schemeClr val="accent1"/>
+          </a:effectRef>
+          <a:fontRef idx="minor">
+            <a:schemeClr val="lt1"/>
+          </a:fontRef>
+        </p:style>
+      </p:sp>
+      <p:sp>
+        <p:nvSpPr>
+          <p:cNvPr id="13" name="Rectangle 12">
+            <a:extLst>
+              <a:ext uri="{FF2B5EF4-FFF2-40B4-BE49-F238E27FC236}">
+                <a16:creationId xmlns:a16="http://schemas.microsoft.com/office/drawing/2014/main" id="{DE4D942F-489D-4A7B-8983-942543481B69}"/>
+              </a:ext>
+              <a:ext uri="{C183D7F6-B498-43B3-948B-1728B52AA6E4}">
+                <adec:decorative xmlns:adec="http://schemas.microsoft.com/office/drawing/2017/decorative" val="1"/>
+              </a:ext>
+            </a:extLst>
+          </p:cNvPr>
+          <p:cNvSpPr>
+            <a:spLocks noGrp="1" noRot="1" noChangeAspect="1" noMove="1" noResize="1" noEditPoints="1" noAdjustHandles="1" noChangeArrowheads="1" noChangeShapeType="1" noTextEdit="1"/>
+          </p:cNvSpPr>
+          <p:nvPr>
+            <p:extLst>
+              <p:ext uri="{386F3935-93C4-4BCD-93E2-E3B085C9AB24}">
+                <p16:designElem xmlns:p16="http://schemas.microsoft.com/office/powerpoint/2015/main" val="1"/>
+              </p:ext>
+            </p:extLst>
+          </p:nvPr>
+        </p:nvSpPr>
+        <p:spPr>
+          <a:xfrm>
+            <a:off x="6089378" y="246887"/>
+            <a:ext cx="5861321" cy="6377939"/>
+          </a:xfrm>
+          <a:prstGeom prst="rect">
+            <a:avLst/>
+          </a:prstGeom>
+          <a:solidFill>
+            <a:schemeClr val="accent1"/>
+          </a:solidFill>
+          <a:ln w="12700">
+            <a:noFill/>
+          </a:ln>
+        </p:spPr>
+        <p:style>
+          <a:lnRef idx="2">
+            <a:schemeClr val="accent1">
+              <a:shade val="50000"/>
+            </a:schemeClr>
+          </a:lnRef>
+          <a:fillRef idx="1">
+            <a:schemeClr val="accent1"/>
+          </a:fillRef>
+          <a:effectRef idx="0">
+            <a:schemeClr val="accent1"/>
+          </a:effectRef>
+          <a:fontRef idx="minor">
+            <a:schemeClr val="lt1"/>
+          </a:fontRef>
+        </p:style>
+      </p:sp>
+      <p:cxnSp>
+        <p:nvCxnSpPr>
+          <p:cNvPr id="15" name="Straight Connector 14">
+            <a:extLst>
+              <a:ext uri="{FF2B5EF4-FFF2-40B4-BE49-F238E27FC236}">
+                <a16:creationId xmlns:a16="http://schemas.microsoft.com/office/drawing/2014/main" id="{E8F0F547-5526-40CC-8397-442101C26B40}"/>
+              </a:ext>
+              <a:ext uri="{C183D7F6-B498-43B3-948B-1728B52AA6E4}">
+                <adec:decorative xmlns:adec="http://schemas.microsoft.com/office/drawing/2017/decorative" val="1"/>
+              </a:ext>
+            </a:extLst>
+          </p:cNvPr>
+          <p:cNvCxnSpPr>
+            <a:cxnSpLocks noGrp="1" noRot="1" noChangeAspect="1" noMove="1" noResize="1" noEditPoints="1" noAdjustHandles="1" noChangeArrowheads="1" noChangeShapeType="1"/>
+          </p:cNvCxnSpPr>
+          <p:nvPr>
+            <p:extLst>
+              <p:ext uri="{386F3935-93C4-4BCD-93E2-E3B085C9AB24}">
+                <p16:designElem xmlns:p16="http://schemas.microsoft.com/office/powerpoint/2015/main" val="1"/>
+              </p:ext>
+            </p:extLst>
+          </p:nvPr>
+        </p:nvCxnSpPr>
+        <p:spPr>
+          <a:xfrm>
+            <a:off x="6736924" y="4768667"/>
+            <a:ext cx="4215939" cy="0"/>
+          </a:xfrm>
+          <a:prstGeom prst="line">
+            <a:avLst/>
+          </a:prstGeom>
+          <a:ln>
+            <a:solidFill>
+              <a:srgbClr val="FFFFFF"/>
+            </a:solidFill>
+          </a:ln>
+        </p:spPr>
+        <p:style>
+          <a:lnRef idx="1">
+            <a:schemeClr val="accent1"/>
+          </a:lnRef>
+          <a:fillRef idx="0">
+            <a:schemeClr val="accent1"/>
+          </a:fillRef>
+          <a:effectRef idx="0">
+            <a:schemeClr val="accent1"/>
+          </a:effectRef>
+          <a:fontRef idx="minor">
+            <a:schemeClr val="tx1"/>
+          </a:fontRef>
+        </p:style>
+      </p:cxnSp>
+      <p:sp>
+        <p:nvSpPr>
+          <p:cNvPr id="17" name="Rectangle 16">
+            <a:extLst>
+              <a:ext uri="{FF2B5EF4-FFF2-40B4-BE49-F238E27FC236}">
+                <a16:creationId xmlns:a16="http://schemas.microsoft.com/office/drawing/2014/main" id="{593BD913-0EB6-48A4-B22A-6A4DE089854B}"/>
+              </a:ext>
+              <a:ext uri="{C183D7F6-B498-43B3-948B-1728B52AA6E4}">
+                <adec:decorative xmlns:adec="http://schemas.microsoft.com/office/drawing/2017/decorative" val="1"/>
+              </a:ext>
+            </a:extLst>
+          </p:cNvPr>
+          <p:cNvSpPr>
+            <a:spLocks noGrp="1" noRot="1" noChangeAspect="1" noMove="1" noResize="1" noEditPoints="1" noAdjustHandles="1" noChangeArrowheads="1" noChangeShapeType="1" noTextEdit="1"/>
+          </p:cNvSpPr>
+          <p:nvPr>
+            <p:extLst>
+              <p:ext uri="{386F3935-93C4-4BCD-93E2-E3B085C9AB24}">
+                <p16:designElem xmlns:p16="http://schemas.microsoft.com/office/powerpoint/2015/main" val="1"/>
+              </p:ext>
+            </p:extLst>
+          </p:nvPr>
+        </p:nvSpPr>
+        <p:spPr>
+          <a:xfrm>
+            <a:off x="228600" y="246888"/>
+            <a:ext cx="11724640" cy="6377939"/>
+          </a:xfrm>
+          <a:prstGeom prst="rect">
+            <a:avLst/>
+          </a:prstGeom>
+          <a:noFill/>
+          <a:ln w="12700">
+            <a:solidFill>
+              <a:srgbClr val="FFFFFF"/>
+            </a:solidFill>
+          </a:ln>
+        </p:spPr>
+        <p:style>
+          <a:lnRef idx="2">
+            <a:schemeClr val="accent1">
+              <a:shade val="50000"/>
+            </a:schemeClr>
+          </a:lnRef>
+          <a:fillRef idx="1">
+            <a:schemeClr val="accent1"/>
+          </a:fillRef>
+          <a:effectRef idx="0">
+            <a:schemeClr val="accent1"/>
+          </a:effectRef>
+          <a:fontRef idx="minor">
+            <a:schemeClr val="lt1"/>
+          </a:fontRef>
+        </p:style>
+      </p:sp>
+      <p:sp>
+        <p:nvSpPr>
           <p:cNvPr id="2" name="Titel 1">
             <a:extLst>
               <a:ext uri="{FF2B5EF4-FFF2-40B4-BE49-F238E27FC236}">
-                <a16:creationId xmlns:a16="http://schemas.microsoft.com/office/drawing/2014/main" id="{6CBDF994-97B1-4680-863A-8B0086CDA45B}"/>
+                <a16:creationId xmlns:a16="http://schemas.microsoft.com/office/drawing/2014/main" id="{D02D82FC-858E-4E7D-A119-D83EC3A7EBF1}"/>
               </a:ext>
             </a:extLst>
           </p:cNvPr>
@@ -6413,26 +6687,36 @@
             <p:ph type="title"/>
           </p:nvPr>
         </p:nvSpPr>
-        <p:spPr/>
-        <p:txBody>
-          <a:bodyPr/>
+        <p:spPr>
+          <a:xfrm>
+            <a:off x="6736924" y="857675"/>
+            <a:ext cx="4566230" cy="3847033"/>
+          </a:xfrm>
+        </p:spPr>
+        <p:txBody>
+          <a:bodyPr vert="horz" lIns="91440" tIns="45720" rIns="91440" bIns="45720" rtlCol="0" anchor="b">
+            <a:normAutofit/>
+          </a:bodyPr>
           <a:lstStyle/>
           <a:p>
             <a:pPr algn="ctr"/>
             <a:r>
-              <a:rPr lang="de-DE"/>
-              <a:t>STATE DIAGRAM FOR HEATING/COOLING SYSTEM</a:t>
-            </a:r>
-            <a:endParaRPr lang="de-DE" dirty="0"/>
+              <a:rPr lang="en-US" sz="4800">
+                <a:solidFill>
+                  <a:srgbClr val="FFFFFF"/>
+                </a:solidFill>
+              </a:rPr>
+              <a:t>State Diagram for Heating And Cooling</a:t>
+            </a:r>
           </a:p>
         </p:txBody>
       </p:sp>
       <p:pic>
         <p:nvPicPr>
-          <p:cNvPr id="5" name="Inhaltsplatzhalter 4">
-            <a:extLst>
-              <a:ext uri="{FF2B5EF4-FFF2-40B4-BE49-F238E27FC236}">
-                <a16:creationId xmlns:a16="http://schemas.microsoft.com/office/drawing/2014/main" id="{2283C870-F831-433B-BEF3-E48F0DAB67CF}"/>
+          <p:cNvPr id="4" name="Inhaltsplatzhalter 3">
+            <a:extLst>
+              <a:ext uri="{FF2B5EF4-FFF2-40B4-BE49-F238E27FC236}">
+                <a16:creationId xmlns:a16="http://schemas.microsoft.com/office/drawing/2014/main" id="{989508E3-E04E-4306-94C0-98116C888A38}"/>
               </a:ext>
             </a:extLst>
           </p:cNvPr>
@@ -6443,7 +6727,7 @@
             <p:ph idx="1"/>
           </p:nvPr>
         </p:nvPicPr>
-        <p:blipFill>
+        <p:blipFill rotWithShape="1">
           <a:blip r:embed="rId2">
             <a:extLst>
               <a:ext uri="{28A0092B-C50C-407E-A947-70E740481C1C}">
@@ -6451,21 +6735,23 @@
               </a:ext>
             </a:extLst>
           </a:blip>
-          <a:stretch>
-            <a:fillRect/>
-          </a:stretch>
+          <a:srcRect l="-3806" t="-1349" b="-5308"/>
+          <a:stretch/>
         </p:blipFill>
         <p:spPr>
           <a:xfrm>
-            <a:off x="2503503" y="2204080"/>
-            <a:ext cx="7416276" cy="3686261"/>
-          </a:xfrm>
+            <a:off x="226059" y="474562"/>
+            <a:ext cx="5624559" cy="6136549"/>
+          </a:xfrm>
+          <a:prstGeom prst="rect">
+            <a:avLst/>
+          </a:prstGeom>
         </p:spPr>
       </p:pic>
     </p:spTree>
     <p:extLst>
       <p:ext uri="{BB962C8B-B14F-4D97-AF65-F5344CB8AC3E}">
-        <p14:creationId xmlns:p14="http://schemas.microsoft.com/office/powerpoint/2010/main" val="21237439"/>
+        <p14:creationId xmlns:p14="http://schemas.microsoft.com/office/powerpoint/2010/main" val="3862537345"/>
       </p:ext>
     </p:extLst>
   </p:cSld>

--- a/Project_Week_7&8/Precise Analysis.pptx
+++ b/Project_Week_7&8/Precise Analysis.pptx
@@ -11,15 +11,19 @@
     <p:sldId id="259" r:id="rId5"/>
     <p:sldId id="262" r:id="rId6"/>
     <p:sldId id="272" r:id="rId7"/>
-    <p:sldId id="273" r:id="rId8"/>
-    <p:sldId id="271" r:id="rId9"/>
-    <p:sldId id="275" r:id="rId10"/>
-    <p:sldId id="274" r:id="rId11"/>
-    <p:sldId id="263" r:id="rId12"/>
-    <p:sldId id="267" r:id="rId13"/>
-    <p:sldId id="270" r:id="rId14"/>
-    <p:sldId id="266" r:id="rId15"/>
-    <p:sldId id="265" r:id="rId16"/>
+    <p:sldId id="277" r:id="rId8"/>
+    <p:sldId id="273" r:id="rId9"/>
+    <p:sldId id="271" r:id="rId10"/>
+    <p:sldId id="275" r:id="rId11"/>
+    <p:sldId id="278" r:id="rId12"/>
+    <p:sldId id="274" r:id="rId13"/>
+    <p:sldId id="263" r:id="rId14"/>
+    <p:sldId id="276" r:id="rId15"/>
+    <p:sldId id="279" r:id="rId16"/>
+    <p:sldId id="270" r:id="rId17"/>
+    <p:sldId id="280" r:id="rId18"/>
+    <p:sldId id="266" r:id="rId19"/>
+    <p:sldId id="265" r:id="rId20"/>
   </p:sldIdLst>
   <p:sldSz cx="12192000" cy="6858000"/>
   <p:notesSz cx="6858000" cy="9144000"/>
@@ -273,7 +277,7 @@
           <a:p>
             <a:fld id="{23549F34-81B6-4052-990C-DAB85C5B3430}" type="datetimeFigureOut">
               <a:rPr lang="de-DE" smtClean="0"/>
-              <a:t>13.12.2020</a:t>
+              <a:t>14.12.2020</a:t>
             </a:fld>
             <a:endParaRPr lang="de-DE"/>
           </a:p>
@@ -327,7 +331,7 @@
           <a:p>
             <a:fld id="{59436D6C-09F6-4967-B045-448DC0A44960}" type="slidenum">
               <a:rPr lang="de-DE" smtClean="0"/>
-              <a:t>‹Nr.›</a:t>
+              <a:t>‹#›</a:t>
             </a:fld>
             <a:endParaRPr lang="de-DE"/>
           </a:p>
@@ -471,7 +475,7 @@
           <a:p>
             <a:fld id="{23549F34-81B6-4052-990C-DAB85C5B3430}" type="datetimeFigureOut">
               <a:rPr lang="de-DE" smtClean="0"/>
-              <a:t>13.12.2020</a:t>
+              <a:t>14.12.2020</a:t>
             </a:fld>
             <a:endParaRPr lang="de-DE"/>
           </a:p>
@@ -525,7 +529,7 @@
           <a:p>
             <a:fld id="{59436D6C-09F6-4967-B045-448DC0A44960}" type="slidenum">
               <a:rPr lang="de-DE" smtClean="0"/>
-              <a:t>‹Nr.›</a:t>
+              <a:t>‹#›</a:t>
             </a:fld>
             <a:endParaRPr lang="de-DE"/>
           </a:p>
@@ -679,7 +683,7 @@
           <a:p>
             <a:fld id="{23549F34-81B6-4052-990C-DAB85C5B3430}" type="datetimeFigureOut">
               <a:rPr lang="de-DE" smtClean="0"/>
-              <a:t>13.12.2020</a:t>
+              <a:t>14.12.2020</a:t>
             </a:fld>
             <a:endParaRPr lang="de-DE"/>
           </a:p>
@@ -733,7 +737,7 @@
           <a:p>
             <a:fld id="{59436D6C-09F6-4967-B045-448DC0A44960}" type="slidenum">
               <a:rPr lang="de-DE" smtClean="0"/>
-              <a:t>‹Nr.›</a:t>
+              <a:t>‹#›</a:t>
             </a:fld>
             <a:endParaRPr lang="de-DE"/>
           </a:p>
@@ -877,7 +881,7 @@
           <a:p>
             <a:fld id="{23549F34-81B6-4052-990C-DAB85C5B3430}" type="datetimeFigureOut">
               <a:rPr lang="de-DE" smtClean="0"/>
-              <a:t>13.12.2020</a:t>
+              <a:t>14.12.2020</a:t>
             </a:fld>
             <a:endParaRPr lang="de-DE"/>
           </a:p>
@@ -931,7 +935,7 @@
           <a:p>
             <a:fld id="{59436D6C-09F6-4967-B045-448DC0A44960}" type="slidenum">
               <a:rPr lang="de-DE" smtClean="0"/>
-              <a:t>‹Nr.›</a:t>
+              <a:t>‹#›</a:t>
             </a:fld>
             <a:endParaRPr lang="de-DE"/>
           </a:p>
@@ -1152,7 +1156,7 @@
           <a:p>
             <a:fld id="{23549F34-81B6-4052-990C-DAB85C5B3430}" type="datetimeFigureOut">
               <a:rPr lang="de-DE" smtClean="0"/>
-              <a:t>13.12.2020</a:t>
+              <a:t>14.12.2020</a:t>
             </a:fld>
             <a:endParaRPr lang="de-DE"/>
           </a:p>
@@ -1206,7 +1210,7 @@
           <a:p>
             <a:fld id="{59436D6C-09F6-4967-B045-448DC0A44960}" type="slidenum">
               <a:rPr lang="de-DE" smtClean="0"/>
-              <a:t>‹Nr.›</a:t>
+              <a:t>‹#›</a:t>
             </a:fld>
             <a:endParaRPr lang="de-DE"/>
           </a:p>
@@ -1417,7 +1421,7 @@
           <a:p>
             <a:fld id="{23549F34-81B6-4052-990C-DAB85C5B3430}" type="datetimeFigureOut">
               <a:rPr lang="de-DE" smtClean="0"/>
-              <a:t>13.12.2020</a:t>
+              <a:t>14.12.2020</a:t>
             </a:fld>
             <a:endParaRPr lang="de-DE"/>
           </a:p>
@@ -1471,7 +1475,7 @@
           <a:p>
             <a:fld id="{59436D6C-09F6-4967-B045-448DC0A44960}" type="slidenum">
               <a:rPr lang="de-DE" smtClean="0"/>
-              <a:t>‹Nr.›</a:t>
+              <a:t>‹#›</a:t>
             </a:fld>
             <a:endParaRPr lang="de-DE"/>
           </a:p>
@@ -1829,7 +1833,7 @@
           <a:p>
             <a:fld id="{23549F34-81B6-4052-990C-DAB85C5B3430}" type="datetimeFigureOut">
               <a:rPr lang="de-DE" smtClean="0"/>
-              <a:t>13.12.2020</a:t>
+              <a:t>14.12.2020</a:t>
             </a:fld>
             <a:endParaRPr lang="de-DE"/>
           </a:p>
@@ -1883,7 +1887,7 @@
           <a:p>
             <a:fld id="{59436D6C-09F6-4967-B045-448DC0A44960}" type="slidenum">
               <a:rPr lang="de-DE" smtClean="0"/>
-              <a:t>‹Nr.›</a:t>
+              <a:t>‹#›</a:t>
             </a:fld>
             <a:endParaRPr lang="de-DE"/>
           </a:p>
@@ -1970,7 +1974,7 @@
           <a:p>
             <a:fld id="{23549F34-81B6-4052-990C-DAB85C5B3430}" type="datetimeFigureOut">
               <a:rPr lang="de-DE" smtClean="0"/>
-              <a:t>13.12.2020</a:t>
+              <a:t>14.12.2020</a:t>
             </a:fld>
             <a:endParaRPr lang="de-DE"/>
           </a:p>
@@ -2024,7 +2028,7 @@
           <a:p>
             <a:fld id="{59436D6C-09F6-4967-B045-448DC0A44960}" type="slidenum">
               <a:rPr lang="de-DE" smtClean="0"/>
-              <a:t>‹Nr.›</a:t>
+              <a:t>‹#›</a:t>
             </a:fld>
             <a:endParaRPr lang="de-DE"/>
           </a:p>
@@ -2083,7 +2087,7 @@
           <a:p>
             <a:fld id="{23549F34-81B6-4052-990C-DAB85C5B3430}" type="datetimeFigureOut">
               <a:rPr lang="de-DE" smtClean="0"/>
-              <a:t>13.12.2020</a:t>
+              <a:t>14.12.2020</a:t>
             </a:fld>
             <a:endParaRPr lang="de-DE"/>
           </a:p>
@@ -2137,7 +2141,7 @@
           <a:p>
             <a:fld id="{59436D6C-09F6-4967-B045-448DC0A44960}" type="slidenum">
               <a:rPr lang="de-DE" smtClean="0"/>
-              <a:t>‹Nr.›</a:t>
+              <a:t>‹#›</a:t>
             </a:fld>
             <a:endParaRPr lang="de-DE"/>
           </a:p>
@@ -2394,7 +2398,7 @@
           <a:p>
             <a:fld id="{23549F34-81B6-4052-990C-DAB85C5B3430}" type="datetimeFigureOut">
               <a:rPr lang="de-DE" smtClean="0"/>
-              <a:t>13.12.2020</a:t>
+              <a:t>14.12.2020</a:t>
             </a:fld>
             <a:endParaRPr lang="de-DE"/>
           </a:p>
@@ -2448,7 +2452,7 @@
           <a:p>
             <a:fld id="{59436D6C-09F6-4967-B045-448DC0A44960}" type="slidenum">
               <a:rPr lang="de-DE" smtClean="0"/>
-              <a:t>‹Nr.›</a:t>
+              <a:t>‹#›</a:t>
             </a:fld>
             <a:endParaRPr lang="de-DE"/>
           </a:p>
@@ -2682,7 +2686,7 @@
           <a:p>
             <a:fld id="{23549F34-81B6-4052-990C-DAB85C5B3430}" type="datetimeFigureOut">
               <a:rPr lang="de-DE" smtClean="0"/>
-              <a:t>13.12.2020</a:t>
+              <a:t>14.12.2020</a:t>
             </a:fld>
             <a:endParaRPr lang="de-DE"/>
           </a:p>
@@ -2736,7 +2740,7 @@
           <a:p>
             <a:fld id="{59436D6C-09F6-4967-B045-448DC0A44960}" type="slidenum">
               <a:rPr lang="de-DE" smtClean="0"/>
-              <a:t>‹Nr.›</a:t>
+              <a:t>‹#›</a:t>
             </a:fld>
             <a:endParaRPr lang="de-DE"/>
           </a:p>
@@ -2923,7 +2927,7 @@
           <a:p>
             <a:fld id="{23549F34-81B6-4052-990C-DAB85C5B3430}" type="datetimeFigureOut">
               <a:rPr lang="de-DE" smtClean="0"/>
-              <a:t>13.12.2020</a:t>
+              <a:t>14.12.2020</a:t>
             </a:fld>
             <a:endParaRPr lang="de-DE"/>
           </a:p>
@@ -3013,7 +3017,7 @@
           <a:p>
             <a:fld id="{59436D6C-09F6-4967-B045-448DC0A44960}" type="slidenum">
               <a:rPr lang="de-DE" smtClean="0"/>
-              <a:t>‹Nr.›</a:t>
+              <a:t>‹#›</a:t>
             </a:fld>
             <a:endParaRPr lang="de-DE"/>
           </a:p>
@@ -3391,6 +3395,838 @@
     <p:bg>
       <p:bgPr>
         <a:solidFill>
+          <a:schemeClr val="bg1"/>
+        </a:solidFill>
+        <a:effectLst/>
+      </p:bgPr>
+    </p:bg>
+    <p:spTree>
+      <p:nvGrpSpPr>
+        <p:cNvPr id="1" name=""/>
+        <p:cNvGrpSpPr/>
+        <p:nvPr/>
+      </p:nvGrpSpPr>
+      <p:grpSpPr>
+        <a:xfrm>
+          <a:off x="0" y="0"/>
+          <a:ext cx="0" cy="0"/>
+          <a:chOff x="0" y="0"/>
+          <a:chExt cx="0" cy="0"/>
+        </a:xfrm>
+      </p:grpSpPr>
+      <p:sp>
+        <p:nvSpPr>
+          <p:cNvPr id="9" name="Rectangle 8">
+            <a:extLst>
+              <a:ext uri="{FF2B5EF4-FFF2-40B4-BE49-F238E27FC236}">
+                <a16:creationId xmlns:a16="http://schemas.microsoft.com/office/drawing/2014/main" id="{7F357D35-3E3E-4EC7-B3AE-C106ABB7DC68}"/>
+              </a:ext>
+              <a:ext uri="{C183D7F6-B498-43B3-948B-1728B52AA6E4}">
+                <adec:decorative xmlns:adec="http://schemas.microsoft.com/office/drawing/2017/decorative" val="1"/>
+              </a:ext>
+            </a:extLst>
+          </p:cNvPr>
+          <p:cNvSpPr>
+            <a:spLocks noGrp="1" noRot="1" noChangeAspect="1" noMove="1" noResize="1" noEditPoints="1" noAdjustHandles="1" noChangeArrowheads="1" noChangeShapeType="1" noTextEdit="1"/>
+          </p:cNvSpPr>
+          <p:nvPr>
+            <p:extLst>
+              <p:ext uri="{386F3935-93C4-4BCD-93E2-E3B085C9AB24}">
+                <p16:designElem xmlns:p16="http://schemas.microsoft.com/office/powerpoint/2015/main" val="1"/>
+              </p:ext>
+            </p:extLst>
+          </p:nvPr>
+        </p:nvSpPr>
+        <p:spPr>
+          <a:xfrm>
+            <a:off x="0" y="0"/>
+            <a:ext cx="12192000" cy="6858000"/>
+          </a:xfrm>
+          <a:prstGeom prst="rect">
+            <a:avLst/>
+          </a:prstGeom>
+          <a:solidFill>
+            <a:srgbClr val="364653"/>
+          </a:solidFill>
+          <a:ln>
+            <a:noFill/>
+          </a:ln>
+        </p:spPr>
+        <p:style>
+          <a:lnRef idx="2">
+            <a:schemeClr val="accent1">
+              <a:shade val="50000"/>
+            </a:schemeClr>
+          </a:lnRef>
+          <a:fillRef idx="1">
+            <a:schemeClr val="accent1"/>
+          </a:fillRef>
+          <a:effectRef idx="0">
+            <a:schemeClr val="accent1"/>
+          </a:effectRef>
+          <a:fontRef idx="minor">
+            <a:schemeClr val="lt1"/>
+          </a:fontRef>
+        </p:style>
+        <p:txBody>
+          <a:bodyPr rtlCol="0" anchor="ctr"/>
+          <a:lstStyle/>
+          <a:p>
+            <a:pPr algn="ctr"/>
+            <a:endParaRPr lang="en-US"/>
+          </a:p>
+        </p:txBody>
+      </p:sp>
+      <p:sp>
+        <p:nvSpPr>
+          <p:cNvPr id="11" name="Rectangle 10">
+            <a:extLst>
+              <a:ext uri="{FF2B5EF4-FFF2-40B4-BE49-F238E27FC236}">
+                <a16:creationId xmlns:a16="http://schemas.microsoft.com/office/drawing/2014/main" id="{9334D921-DCE6-4D92-987F-D98C93F1CBD7}"/>
+              </a:ext>
+              <a:ext uri="{C183D7F6-B498-43B3-948B-1728B52AA6E4}">
+                <adec:decorative xmlns:adec="http://schemas.microsoft.com/office/drawing/2017/decorative" val="1"/>
+              </a:ext>
+            </a:extLst>
+          </p:cNvPr>
+          <p:cNvSpPr>
+            <a:spLocks noGrp="1" noRot="1" noChangeAspect="1" noMove="1" noResize="1" noEditPoints="1" noAdjustHandles="1" noChangeArrowheads="1" noChangeShapeType="1" noTextEdit="1"/>
+          </p:cNvSpPr>
+          <p:nvPr>
+            <p:extLst>
+              <p:ext uri="{386F3935-93C4-4BCD-93E2-E3B085C9AB24}">
+                <p16:designElem xmlns:p16="http://schemas.microsoft.com/office/powerpoint/2015/main" val="1"/>
+              </p:ext>
+            </p:extLst>
+          </p:nvPr>
+        </p:nvSpPr>
+        <p:spPr>
+          <a:xfrm>
+            <a:off x="231140" y="243840"/>
+            <a:ext cx="11722100" cy="6377939"/>
+          </a:xfrm>
+          <a:prstGeom prst="rect">
+            <a:avLst/>
+          </a:prstGeom>
+          <a:solidFill>
+            <a:srgbClr val="FFFFFF"/>
+          </a:solidFill>
+          <a:ln w="12700">
+            <a:solidFill>
+              <a:srgbClr val="FFFFFF"/>
+            </a:solidFill>
+          </a:ln>
+        </p:spPr>
+        <p:style>
+          <a:lnRef idx="2">
+            <a:schemeClr val="accent1">
+              <a:shade val="50000"/>
+            </a:schemeClr>
+          </a:lnRef>
+          <a:fillRef idx="1">
+            <a:schemeClr val="accent1"/>
+          </a:fillRef>
+          <a:effectRef idx="0">
+            <a:schemeClr val="accent1"/>
+          </a:effectRef>
+          <a:fontRef idx="minor">
+            <a:schemeClr val="lt1"/>
+          </a:fontRef>
+        </p:style>
+      </p:sp>
+      <p:sp>
+        <p:nvSpPr>
+          <p:cNvPr id="13" name="Rectangle 12">
+            <a:extLst>
+              <a:ext uri="{FF2B5EF4-FFF2-40B4-BE49-F238E27FC236}">
+                <a16:creationId xmlns:a16="http://schemas.microsoft.com/office/drawing/2014/main" id="{DE4D942F-489D-4A7B-8983-942543481B69}"/>
+              </a:ext>
+              <a:ext uri="{C183D7F6-B498-43B3-948B-1728B52AA6E4}">
+                <adec:decorative xmlns:adec="http://schemas.microsoft.com/office/drawing/2017/decorative" val="1"/>
+              </a:ext>
+            </a:extLst>
+          </p:cNvPr>
+          <p:cNvSpPr>
+            <a:spLocks noGrp="1" noRot="1" noChangeAspect="1" noMove="1" noResize="1" noEditPoints="1" noAdjustHandles="1" noChangeArrowheads="1" noChangeShapeType="1" noTextEdit="1"/>
+          </p:cNvSpPr>
+          <p:nvPr>
+            <p:extLst>
+              <p:ext uri="{386F3935-93C4-4BCD-93E2-E3B085C9AB24}">
+                <p16:designElem xmlns:p16="http://schemas.microsoft.com/office/powerpoint/2015/main" val="1"/>
+              </p:ext>
+            </p:extLst>
+          </p:nvPr>
+        </p:nvSpPr>
+        <p:spPr>
+          <a:xfrm>
+            <a:off x="6089378" y="246887"/>
+            <a:ext cx="5861321" cy="6377939"/>
+          </a:xfrm>
+          <a:prstGeom prst="rect">
+            <a:avLst/>
+          </a:prstGeom>
+          <a:solidFill>
+            <a:schemeClr val="accent1"/>
+          </a:solidFill>
+          <a:ln w="12700">
+            <a:noFill/>
+          </a:ln>
+        </p:spPr>
+        <p:style>
+          <a:lnRef idx="2">
+            <a:schemeClr val="accent1">
+              <a:shade val="50000"/>
+            </a:schemeClr>
+          </a:lnRef>
+          <a:fillRef idx="1">
+            <a:schemeClr val="accent1"/>
+          </a:fillRef>
+          <a:effectRef idx="0">
+            <a:schemeClr val="accent1"/>
+          </a:effectRef>
+          <a:fontRef idx="minor">
+            <a:schemeClr val="lt1"/>
+          </a:fontRef>
+        </p:style>
+      </p:sp>
+      <p:cxnSp>
+        <p:nvCxnSpPr>
+          <p:cNvPr id="15" name="Straight Connector 14">
+            <a:extLst>
+              <a:ext uri="{FF2B5EF4-FFF2-40B4-BE49-F238E27FC236}">
+                <a16:creationId xmlns:a16="http://schemas.microsoft.com/office/drawing/2014/main" id="{E8F0F547-5526-40CC-8397-442101C26B40}"/>
+              </a:ext>
+              <a:ext uri="{C183D7F6-B498-43B3-948B-1728B52AA6E4}">
+                <adec:decorative xmlns:adec="http://schemas.microsoft.com/office/drawing/2017/decorative" val="1"/>
+              </a:ext>
+            </a:extLst>
+          </p:cNvPr>
+          <p:cNvCxnSpPr>
+            <a:cxnSpLocks noGrp="1" noRot="1" noChangeAspect="1" noMove="1" noResize="1" noEditPoints="1" noAdjustHandles="1" noChangeArrowheads="1" noChangeShapeType="1"/>
+          </p:cNvCxnSpPr>
+          <p:nvPr>
+            <p:extLst>
+              <p:ext uri="{386F3935-93C4-4BCD-93E2-E3B085C9AB24}">
+                <p16:designElem xmlns:p16="http://schemas.microsoft.com/office/powerpoint/2015/main" val="1"/>
+              </p:ext>
+            </p:extLst>
+          </p:nvPr>
+        </p:nvCxnSpPr>
+        <p:spPr>
+          <a:xfrm>
+            <a:off x="6736924" y="4768667"/>
+            <a:ext cx="4215939" cy="0"/>
+          </a:xfrm>
+          <a:prstGeom prst="line">
+            <a:avLst/>
+          </a:prstGeom>
+          <a:ln>
+            <a:solidFill>
+              <a:srgbClr val="FFFFFF"/>
+            </a:solidFill>
+          </a:ln>
+        </p:spPr>
+        <p:style>
+          <a:lnRef idx="1">
+            <a:schemeClr val="accent1"/>
+          </a:lnRef>
+          <a:fillRef idx="0">
+            <a:schemeClr val="accent1"/>
+          </a:fillRef>
+          <a:effectRef idx="0">
+            <a:schemeClr val="accent1"/>
+          </a:effectRef>
+          <a:fontRef idx="minor">
+            <a:schemeClr val="tx1"/>
+          </a:fontRef>
+        </p:style>
+      </p:cxnSp>
+      <p:sp>
+        <p:nvSpPr>
+          <p:cNvPr id="17" name="Rectangle 16">
+            <a:extLst>
+              <a:ext uri="{FF2B5EF4-FFF2-40B4-BE49-F238E27FC236}">
+                <a16:creationId xmlns:a16="http://schemas.microsoft.com/office/drawing/2014/main" id="{593BD913-0EB6-48A4-B22A-6A4DE089854B}"/>
+              </a:ext>
+              <a:ext uri="{C183D7F6-B498-43B3-948B-1728B52AA6E4}">
+                <adec:decorative xmlns:adec="http://schemas.microsoft.com/office/drawing/2017/decorative" val="1"/>
+              </a:ext>
+            </a:extLst>
+          </p:cNvPr>
+          <p:cNvSpPr>
+            <a:spLocks noGrp="1" noRot="1" noChangeAspect="1" noMove="1" noResize="1" noEditPoints="1" noAdjustHandles="1" noChangeArrowheads="1" noChangeShapeType="1" noTextEdit="1"/>
+          </p:cNvSpPr>
+          <p:nvPr>
+            <p:extLst>
+              <p:ext uri="{386F3935-93C4-4BCD-93E2-E3B085C9AB24}">
+                <p16:designElem xmlns:p16="http://schemas.microsoft.com/office/powerpoint/2015/main" val="1"/>
+              </p:ext>
+            </p:extLst>
+          </p:nvPr>
+        </p:nvSpPr>
+        <p:spPr>
+          <a:xfrm>
+            <a:off x="228600" y="246888"/>
+            <a:ext cx="11724640" cy="6377939"/>
+          </a:xfrm>
+          <a:prstGeom prst="rect">
+            <a:avLst/>
+          </a:prstGeom>
+          <a:noFill/>
+          <a:ln w="12700">
+            <a:solidFill>
+              <a:srgbClr val="FFFFFF"/>
+            </a:solidFill>
+          </a:ln>
+        </p:spPr>
+        <p:style>
+          <a:lnRef idx="2">
+            <a:schemeClr val="accent1">
+              <a:shade val="50000"/>
+            </a:schemeClr>
+          </a:lnRef>
+          <a:fillRef idx="1">
+            <a:schemeClr val="accent1"/>
+          </a:fillRef>
+          <a:effectRef idx="0">
+            <a:schemeClr val="accent1"/>
+          </a:effectRef>
+          <a:fontRef idx="minor">
+            <a:schemeClr val="lt1"/>
+          </a:fontRef>
+        </p:style>
+      </p:sp>
+      <p:sp>
+        <p:nvSpPr>
+          <p:cNvPr id="2" name="Titel 1">
+            <a:extLst>
+              <a:ext uri="{FF2B5EF4-FFF2-40B4-BE49-F238E27FC236}">
+                <a16:creationId xmlns:a16="http://schemas.microsoft.com/office/drawing/2014/main" id="{D02D82FC-858E-4E7D-A119-D83EC3A7EBF1}"/>
+              </a:ext>
+            </a:extLst>
+          </p:cNvPr>
+          <p:cNvSpPr>
+            <a:spLocks noGrp="1"/>
+          </p:cNvSpPr>
+          <p:nvPr>
+            <p:ph type="title"/>
+          </p:nvPr>
+        </p:nvSpPr>
+        <p:spPr>
+          <a:xfrm>
+            <a:off x="6736924" y="857675"/>
+            <a:ext cx="4566230" cy="3847033"/>
+          </a:xfrm>
+        </p:spPr>
+        <p:txBody>
+          <a:bodyPr vert="horz" lIns="91440" tIns="45720" rIns="91440" bIns="45720" rtlCol="0" anchor="b">
+            <a:normAutofit/>
+          </a:bodyPr>
+          <a:lstStyle/>
+          <a:p>
+            <a:pPr algn="ctr"/>
+            <a:r>
+              <a:rPr lang="en-US" sz="4800">
+                <a:solidFill>
+                  <a:srgbClr val="FFFFFF"/>
+                </a:solidFill>
+              </a:rPr>
+              <a:t>State Diagram for Heating And Cooling</a:t>
+            </a:r>
+          </a:p>
+        </p:txBody>
+      </p:sp>
+      <p:pic>
+        <p:nvPicPr>
+          <p:cNvPr id="4" name="Inhaltsplatzhalter 3">
+            <a:extLst>
+              <a:ext uri="{FF2B5EF4-FFF2-40B4-BE49-F238E27FC236}">
+                <a16:creationId xmlns:a16="http://schemas.microsoft.com/office/drawing/2014/main" id="{989508E3-E04E-4306-94C0-98116C888A38}"/>
+              </a:ext>
+            </a:extLst>
+          </p:cNvPr>
+          <p:cNvPicPr>
+            <a:picLocks noGrp="1" noChangeAspect="1"/>
+          </p:cNvPicPr>
+          <p:nvPr>
+            <p:ph idx="1"/>
+          </p:nvPr>
+        </p:nvPicPr>
+        <p:blipFill rotWithShape="1">
+          <a:blip r:embed="rId2">
+            <a:extLst>
+              <a:ext uri="{28A0092B-C50C-407E-A947-70E740481C1C}">
+                <a14:useLocalDpi xmlns:a14="http://schemas.microsoft.com/office/drawing/2010/main" val="0"/>
+              </a:ext>
+            </a:extLst>
+          </a:blip>
+          <a:srcRect l="-3806" t="-1349" b="-5308"/>
+          <a:stretch/>
+        </p:blipFill>
+        <p:spPr>
+          <a:xfrm>
+            <a:off x="226059" y="474562"/>
+            <a:ext cx="5624559" cy="6136549"/>
+          </a:xfrm>
+          <a:prstGeom prst="rect">
+            <a:avLst/>
+          </a:prstGeom>
+        </p:spPr>
+      </p:pic>
+    </p:spTree>
+    <p:extLst>
+      <p:ext uri="{BB962C8B-B14F-4D97-AF65-F5344CB8AC3E}">
+        <p14:creationId xmlns:p14="http://schemas.microsoft.com/office/powerpoint/2010/main" val="3862537345"/>
+      </p:ext>
+    </p:extLst>
+  </p:cSld>
+  <p:clrMapOvr>
+    <a:masterClrMapping/>
+  </p:clrMapOvr>
+</p:sld>
+</file>
+
+<file path=ppt/slides/slide11.xml><?xml version="1.0" encoding="utf-8"?>
+<p:sld xmlns:a="http://schemas.openxmlformats.org/drawingml/2006/main" xmlns:r="http://schemas.openxmlformats.org/officeDocument/2006/relationships" xmlns:p="http://schemas.openxmlformats.org/presentationml/2006/main">
+  <p:cSld>
+    <p:bg>
+      <p:bgPr>
+        <a:solidFill>
+          <a:schemeClr val="bg1">
+            <a:tint val="95000"/>
+            <a:satMod val="170000"/>
+          </a:schemeClr>
+        </a:solidFill>
+        <a:effectLst/>
+      </p:bgPr>
+    </p:bg>
+    <p:spTree>
+      <p:nvGrpSpPr>
+        <p:cNvPr id="1" name=""/>
+        <p:cNvGrpSpPr/>
+        <p:nvPr/>
+      </p:nvGrpSpPr>
+      <p:grpSpPr>
+        <a:xfrm>
+          <a:off x="0" y="0"/>
+          <a:ext cx="0" cy="0"/>
+          <a:chOff x="0" y="0"/>
+          <a:chExt cx="0" cy="0"/>
+        </a:xfrm>
+      </p:grpSpPr>
+      <p:sp>
+        <p:nvSpPr>
+          <p:cNvPr id="8" name="Freeform: Shape 7">
+            <a:extLst>
+              <a:ext uri="{FF2B5EF4-FFF2-40B4-BE49-F238E27FC236}">
+                <a16:creationId xmlns:a16="http://schemas.microsoft.com/office/drawing/2014/main" id="{66B332A4-D438-4773-A77F-5ED49A448D9D}"/>
+              </a:ext>
+              <a:ext uri="{C183D7F6-B498-43B3-948B-1728B52AA6E4}">
+                <adec:decorative xmlns:adec="http://schemas.microsoft.com/office/drawing/2017/decorative" val="1"/>
+              </a:ext>
+            </a:extLst>
+          </p:cNvPr>
+          <p:cNvSpPr>
+            <a:spLocks noGrp="1" noRot="1" noChangeAspect="1" noMove="1" noResize="1" noEditPoints="1" noAdjustHandles="1" noChangeArrowheads="1" noChangeShapeType="1" noTextEdit="1"/>
+          </p:cNvSpPr>
+          <p:nvPr>
+            <p:extLst>
+              <p:ext uri="{386F3935-93C4-4BCD-93E2-E3B085C9AB24}">
+                <p16:designElem xmlns:p16="http://schemas.microsoft.com/office/powerpoint/2015/main" val="1"/>
+              </p:ext>
+            </p:extLst>
+          </p:nvPr>
+        </p:nvSpPr>
+        <p:spPr>
+          <a:xfrm>
+            <a:off x="1953768" y="0"/>
+            <a:ext cx="8284464" cy="6858000"/>
+          </a:xfrm>
+          <a:custGeom>
+            <a:avLst/>
+            <a:gdLst>
+              <a:gd name="connsiteX0" fmla="*/ 1818109 w 8284464"/>
+              <a:gd name="connsiteY0" fmla="*/ 0 h 6858000"/>
+              <a:gd name="connsiteX1" fmla="*/ 6466355 w 8284464"/>
+              <a:gd name="connsiteY1" fmla="*/ 0 h 6858000"/>
+              <a:gd name="connsiteX2" fmla="*/ 6620596 w 8284464"/>
+              <a:gd name="connsiteY2" fmla="*/ 109683 h 6858000"/>
+              <a:gd name="connsiteX3" fmla="*/ 8284464 w 8284464"/>
+              <a:gd name="connsiteY3" fmla="*/ 3429000 h 6858000"/>
+              <a:gd name="connsiteX4" fmla="*/ 6620596 w 8284464"/>
+              <a:gd name="connsiteY4" fmla="*/ 6748318 h 6858000"/>
+              <a:gd name="connsiteX5" fmla="*/ 6466355 w 8284464"/>
+              <a:gd name="connsiteY5" fmla="*/ 6858000 h 6858000"/>
+              <a:gd name="connsiteX6" fmla="*/ 1818109 w 8284464"/>
+              <a:gd name="connsiteY6" fmla="*/ 6858000 h 6858000"/>
+              <a:gd name="connsiteX7" fmla="*/ 1663869 w 8284464"/>
+              <a:gd name="connsiteY7" fmla="*/ 6748318 h 6858000"/>
+              <a:gd name="connsiteX8" fmla="*/ 0 w 8284464"/>
+              <a:gd name="connsiteY8" fmla="*/ 3429000 h 6858000"/>
+              <a:gd name="connsiteX9" fmla="*/ 1663869 w 8284464"/>
+              <a:gd name="connsiteY9" fmla="*/ 109683 h 6858000"/>
+            </a:gdLst>
+            <a:ahLst/>
+            <a:cxnLst>
+              <a:cxn ang="0">
+                <a:pos x="connsiteX0" y="connsiteY0"/>
+              </a:cxn>
+              <a:cxn ang="0">
+                <a:pos x="connsiteX1" y="connsiteY1"/>
+              </a:cxn>
+              <a:cxn ang="0">
+                <a:pos x="connsiteX2" y="connsiteY2"/>
+              </a:cxn>
+              <a:cxn ang="0">
+                <a:pos x="connsiteX3" y="connsiteY3"/>
+              </a:cxn>
+              <a:cxn ang="0">
+                <a:pos x="connsiteX4" y="connsiteY4"/>
+              </a:cxn>
+              <a:cxn ang="0">
+                <a:pos x="connsiteX5" y="connsiteY5"/>
+              </a:cxn>
+              <a:cxn ang="0">
+                <a:pos x="connsiteX6" y="connsiteY6"/>
+              </a:cxn>
+              <a:cxn ang="0">
+                <a:pos x="connsiteX7" y="connsiteY7"/>
+              </a:cxn>
+              <a:cxn ang="0">
+                <a:pos x="connsiteX8" y="connsiteY8"/>
+              </a:cxn>
+              <a:cxn ang="0">
+                <a:pos x="connsiteX9" y="connsiteY9"/>
+              </a:cxn>
+            </a:cxnLst>
+            <a:rect l="l" t="t" r="r" b="b"/>
+            <a:pathLst>
+              <a:path w="8284464" h="6858000">
+                <a:moveTo>
+                  <a:pt x="1818109" y="0"/>
+                </a:moveTo>
+                <a:lnTo>
+                  <a:pt x="6466355" y="0"/>
+                </a:lnTo>
+                <a:lnTo>
+                  <a:pt x="6620596" y="109683"/>
+                </a:lnTo>
+                <a:cubicBezTo>
+                  <a:pt x="7630666" y="865069"/>
+                  <a:pt x="8284464" y="2070683"/>
+                  <a:pt x="8284464" y="3429000"/>
+                </a:cubicBezTo>
+                <a:cubicBezTo>
+                  <a:pt x="8284464" y="4787317"/>
+                  <a:pt x="7630666" y="5992931"/>
+                  <a:pt x="6620596" y="6748318"/>
+                </a:cubicBezTo>
+                <a:lnTo>
+                  <a:pt x="6466355" y="6858000"/>
+                </a:lnTo>
+                <a:lnTo>
+                  <a:pt x="1818109" y="6858000"/>
+                </a:lnTo>
+                <a:lnTo>
+                  <a:pt x="1663869" y="6748318"/>
+                </a:lnTo>
+                <a:cubicBezTo>
+                  <a:pt x="653798" y="5992931"/>
+                  <a:pt x="0" y="4787317"/>
+                  <a:pt x="0" y="3429000"/>
+                </a:cubicBezTo>
+                <a:cubicBezTo>
+                  <a:pt x="0" y="2070683"/>
+                  <a:pt x="653798" y="865069"/>
+                  <a:pt x="1663869" y="109683"/>
+                </a:cubicBezTo>
+                <a:close/>
+              </a:path>
+            </a:pathLst>
+          </a:custGeom>
+          <a:solidFill>
+            <a:srgbClr val="FFFFFF">
+              <a:alpha val="80000"/>
+            </a:srgbClr>
+          </a:solidFill>
+          <a:ln>
+            <a:noFill/>
+          </a:ln>
+        </p:spPr>
+        <p:style>
+          <a:lnRef idx="2">
+            <a:schemeClr val="accent1">
+              <a:shade val="50000"/>
+            </a:schemeClr>
+          </a:lnRef>
+          <a:fillRef idx="1">
+            <a:schemeClr val="accent1"/>
+          </a:fillRef>
+          <a:effectRef idx="0">
+            <a:schemeClr val="accent1"/>
+          </a:effectRef>
+          <a:fontRef idx="minor">
+            <a:schemeClr val="lt1"/>
+          </a:fontRef>
+        </p:style>
+        <p:txBody>
+          <a:bodyPr wrap="square" rtlCol="0" anchor="ctr">
+            <a:noAutofit/>
+          </a:bodyPr>
+          <a:lstStyle/>
+          <a:p>
+            <a:pPr algn="ctr"/>
+            <a:endParaRPr lang="en-US"/>
+          </a:p>
+        </p:txBody>
+      </p:sp>
+      <p:sp>
+        <p:nvSpPr>
+          <p:cNvPr id="10" name="Freeform: Shape 9">
+            <a:extLst>
+              <a:ext uri="{FF2B5EF4-FFF2-40B4-BE49-F238E27FC236}">
+                <a16:creationId xmlns:a16="http://schemas.microsoft.com/office/drawing/2014/main" id="{DF9AD32D-FF05-44F4-BD4D-9CEE89B71EB9}"/>
+              </a:ext>
+              <a:ext uri="{C183D7F6-B498-43B3-948B-1728B52AA6E4}">
+                <adec:decorative xmlns:adec="http://schemas.microsoft.com/office/drawing/2017/decorative" val="1"/>
+              </a:ext>
+            </a:extLst>
+          </p:cNvPr>
+          <p:cNvSpPr>
+            <a:spLocks noGrp="1" noRot="1" noChangeAspect="1" noMove="1" noResize="1" noEditPoints="1" noAdjustHandles="1" noChangeArrowheads="1" noChangeShapeType="1" noTextEdit="1"/>
+          </p:cNvSpPr>
+          <p:nvPr>
+            <p:extLst>
+              <p:ext uri="{386F3935-93C4-4BCD-93E2-E3B085C9AB24}">
+                <p16:designElem xmlns:p16="http://schemas.microsoft.com/office/powerpoint/2015/main" val="1"/>
+              </p:ext>
+            </p:extLst>
+          </p:nvPr>
+        </p:nvSpPr>
+        <p:spPr>
+          <a:xfrm>
+            <a:off x="2118360" y="0"/>
+            <a:ext cx="7955280" cy="6858000"/>
+          </a:xfrm>
+          <a:custGeom>
+            <a:avLst/>
+            <a:gdLst>
+              <a:gd name="connsiteX0" fmla="*/ 1962423 w 7955280"/>
+              <a:gd name="connsiteY0" fmla="*/ 0 h 6858000"/>
+              <a:gd name="connsiteX1" fmla="*/ 5992858 w 7955280"/>
+              <a:gd name="connsiteY1" fmla="*/ 0 h 6858000"/>
+              <a:gd name="connsiteX2" fmla="*/ 6040191 w 7955280"/>
+              <a:gd name="connsiteY2" fmla="*/ 27216 h 6858000"/>
+              <a:gd name="connsiteX3" fmla="*/ 7955280 w 7955280"/>
+              <a:gd name="connsiteY3" fmla="*/ 3429000 h 6858000"/>
+              <a:gd name="connsiteX4" fmla="*/ 6040191 w 7955280"/>
+              <a:gd name="connsiteY4" fmla="*/ 6830784 h 6858000"/>
+              <a:gd name="connsiteX5" fmla="*/ 5992858 w 7955280"/>
+              <a:gd name="connsiteY5" fmla="*/ 6858000 h 6858000"/>
+              <a:gd name="connsiteX6" fmla="*/ 1962423 w 7955280"/>
+              <a:gd name="connsiteY6" fmla="*/ 6858000 h 6858000"/>
+              <a:gd name="connsiteX7" fmla="*/ 1915089 w 7955280"/>
+              <a:gd name="connsiteY7" fmla="*/ 6830784 h 6858000"/>
+              <a:gd name="connsiteX8" fmla="*/ 0 w 7955280"/>
+              <a:gd name="connsiteY8" fmla="*/ 3429000 h 6858000"/>
+              <a:gd name="connsiteX9" fmla="*/ 1915089 w 7955280"/>
+              <a:gd name="connsiteY9" fmla="*/ 27216 h 6858000"/>
+            </a:gdLst>
+            <a:ahLst/>
+            <a:cxnLst>
+              <a:cxn ang="0">
+                <a:pos x="connsiteX0" y="connsiteY0"/>
+              </a:cxn>
+              <a:cxn ang="0">
+                <a:pos x="connsiteX1" y="connsiteY1"/>
+              </a:cxn>
+              <a:cxn ang="0">
+                <a:pos x="connsiteX2" y="connsiteY2"/>
+              </a:cxn>
+              <a:cxn ang="0">
+                <a:pos x="connsiteX3" y="connsiteY3"/>
+              </a:cxn>
+              <a:cxn ang="0">
+                <a:pos x="connsiteX4" y="connsiteY4"/>
+              </a:cxn>
+              <a:cxn ang="0">
+                <a:pos x="connsiteX5" y="connsiteY5"/>
+              </a:cxn>
+              <a:cxn ang="0">
+                <a:pos x="connsiteX6" y="connsiteY6"/>
+              </a:cxn>
+              <a:cxn ang="0">
+                <a:pos x="connsiteX7" y="connsiteY7"/>
+              </a:cxn>
+              <a:cxn ang="0">
+                <a:pos x="connsiteX8" y="connsiteY8"/>
+              </a:cxn>
+              <a:cxn ang="0">
+                <a:pos x="connsiteX9" y="connsiteY9"/>
+              </a:cxn>
+            </a:cxnLst>
+            <a:rect l="l" t="t" r="r" b="b"/>
+            <a:pathLst>
+              <a:path w="7955280" h="6858000">
+                <a:moveTo>
+                  <a:pt x="1962423" y="0"/>
+                </a:moveTo>
+                <a:lnTo>
+                  <a:pt x="5992858" y="0"/>
+                </a:lnTo>
+                <a:lnTo>
+                  <a:pt x="6040191" y="27216"/>
+                </a:lnTo>
+                <a:cubicBezTo>
+                  <a:pt x="7188332" y="724844"/>
+                  <a:pt x="7955280" y="1987357"/>
+                  <a:pt x="7955280" y="3429000"/>
+                </a:cubicBezTo>
+                <a:cubicBezTo>
+                  <a:pt x="7955280" y="4870644"/>
+                  <a:pt x="7188332" y="6133157"/>
+                  <a:pt x="6040191" y="6830784"/>
+                </a:cubicBezTo>
+                <a:lnTo>
+                  <a:pt x="5992858" y="6858000"/>
+                </a:lnTo>
+                <a:lnTo>
+                  <a:pt x="1962423" y="6858000"/>
+                </a:lnTo>
+                <a:lnTo>
+                  <a:pt x="1915089" y="6830784"/>
+                </a:lnTo>
+                <a:cubicBezTo>
+                  <a:pt x="766948" y="6133157"/>
+                  <a:pt x="0" y="4870644"/>
+                  <a:pt x="0" y="3429000"/>
+                </a:cubicBezTo>
+                <a:cubicBezTo>
+                  <a:pt x="0" y="1987357"/>
+                  <a:pt x="766948" y="724844"/>
+                  <a:pt x="1915089" y="27216"/>
+                </a:cubicBezTo>
+                <a:close/>
+              </a:path>
+            </a:pathLst>
+          </a:custGeom>
+          <a:solidFill>
+            <a:schemeClr val="tx1"/>
+          </a:solidFill>
+          <a:ln>
+            <a:noFill/>
+          </a:ln>
+        </p:spPr>
+        <p:style>
+          <a:lnRef idx="2">
+            <a:schemeClr val="accent1">
+              <a:shade val="50000"/>
+            </a:schemeClr>
+          </a:lnRef>
+          <a:fillRef idx="1">
+            <a:schemeClr val="accent1"/>
+          </a:fillRef>
+          <a:effectRef idx="0">
+            <a:schemeClr val="accent1"/>
+          </a:effectRef>
+          <a:fontRef idx="minor">
+            <a:schemeClr val="lt1"/>
+          </a:fontRef>
+        </p:style>
+        <p:txBody>
+          <a:bodyPr wrap="square" rtlCol="0" anchor="ctr">
+            <a:noAutofit/>
+          </a:bodyPr>
+          <a:lstStyle/>
+          <a:p>
+            <a:pPr algn="ctr"/>
+            <a:endParaRPr lang="en-US"/>
+          </a:p>
+        </p:txBody>
+      </p:sp>
+      <p:sp>
+        <p:nvSpPr>
+          <p:cNvPr id="2" name="Title 1">
+            <a:extLst>
+              <a:ext uri="{FF2B5EF4-FFF2-40B4-BE49-F238E27FC236}">
+                <a16:creationId xmlns:a16="http://schemas.microsoft.com/office/drawing/2014/main" id="{FEE2FB63-0DD8-4924-A868-290E0E6F0868}"/>
+              </a:ext>
+            </a:extLst>
+          </p:cNvPr>
+          <p:cNvSpPr>
+            <a:spLocks noGrp="1"/>
+          </p:cNvSpPr>
+          <p:nvPr>
+            <p:ph type="title"/>
+          </p:nvPr>
+        </p:nvSpPr>
+        <p:spPr>
+          <a:xfrm>
+            <a:off x="2555631" y="1441938"/>
+            <a:ext cx="7080738" cy="3974124"/>
+          </a:xfrm>
+        </p:spPr>
+        <p:txBody>
+          <a:bodyPr vert="horz" lIns="91440" tIns="45720" rIns="91440" bIns="45720" rtlCol="0" anchor="ctr">
+            <a:normAutofit/>
+          </a:bodyPr>
+          <a:lstStyle/>
+          <a:p>
+            <a:pPr algn="ctr"/>
+            <a:r>
+              <a:rPr lang="en-US" sz="5400" dirty="0">
+                <a:solidFill>
+                  <a:schemeClr val="bg1">
+                    <a:lumMod val="95000"/>
+                    <a:lumOff val="5000"/>
+                  </a:schemeClr>
+                </a:solidFill>
+              </a:rPr>
+              <a:t>SCENARIO 2:</a:t>
+            </a:r>
+            <a:br>
+              <a:rPr lang="en-US" sz="5400" dirty="0">
+                <a:solidFill>
+                  <a:schemeClr val="bg1">
+                    <a:lumMod val="95000"/>
+                    <a:lumOff val="5000"/>
+                  </a:schemeClr>
+                </a:solidFill>
+              </a:rPr>
+            </a:br>
+            <a:r>
+              <a:rPr lang="en-US" sz="5400" dirty="0">
+                <a:solidFill>
+                  <a:schemeClr val="bg1">
+                    <a:lumMod val="95000"/>
+                    <a:lumOff val="5000"/>
+                  </a:schemeClr>
+                </a:solidFill>
+              </a:rPr>
+              <a:t>LIGHT &amp; MOTION</a:t>
+            </a:r>
+          </a:p>
+        </p:txBody>
+      </p:sp>
+    </p:spTree>
+    <p:extLst>
+      <p:ext uri="{BB962C8B-B14F-4D97-AF65-F5344CB8AC3E}">
+        <p14:creationId xmlns:p14="http://schemas.microsoft.com/office/powerpoint/2010/main" val="457986183"/>
+      </p:ext>
+    </p:extLst>
+  </p:cSld>
+  <p:clrMapOvr>
+    <a:overrideClrMapping bg1="dk1" tx1="lt1" bg2="dk2" tx2="lt2" accent1="accent1" accent2="accent2" accent3="accent3" accent4="accent4" accent5="accent5" accent6="accent6" hlink="hlink" folHlink="folHlink"/>
+  </p:clrMapOvr>
+</p:sld>
+</file>
+
+<file path=ppt/slides/slide12.xml><?xml version="1.0" encoding="utf-8"?>
+<p:sld xmlns:a="http://schemas.openxmlformats.org/drawingml/2006/main" xmlns:r="http://schemas.openxmlformats.org/officeDocument/2006/relationships" xmlns:p="http://schemas.openxmlformats.org/presentationml/2006/main">
+  <p:cSld>
+    <p:bg>
+      <p:bgPr>
+        <a:solidFill>
           <a:schemeClr val="bg2"/>
         </a:solidFill>
         <a:effectLst/>
@@ -3646,7 +4482,7 @@
 </p:sld>
 </file>
 
-<file path=ppt/slides/slide11.xml><?xml version="1.0" encoding="utf-8"?>
+<file path=ppt/slides/slide13.xml><?xml version="1.0" encoding="utf-8"?>
 <p:sld xmlns:a="http://schemas.openxmlformats.org/drawingml/2006/main" xmlns:r="http://schemas.openxmlformats.org/officeDocument/2006/relationships" xmlns:p="http://schemas.openxmlformats.org/presentationml/2006/main">
   <p:cSld>
     <p:bg>
@@ -3904,7 +4740,7 @@
 </p:sld>
 </file>
 
-<file path=ppt/slides/slide12.xml><?xml version="1.0" encoding="utf-8"?>
+<file path=ppt/slides/slide14.xml><?xml version="1.0" encoding="utf-8"?>
 <p:sld xmlns:a="http://schemas.openxmlformats.org/drawingml/2006/main" xmlns:r="http://schemas.openxmlformats.org/officeDocument/2006/relationships" xmlns:p="http://schemas.openxmlformats.org/presentationml/2006/main">
   <p:cSld>
     <p:spTree>
@@ -3923,10 +4759,10 @@
       </p:grpSpPr>
       <p:sp>
         <p:nvSpPr>
-          <p:cNvPr id="2" name="Titel 1">
-            <a:extLst>
-              <a:ext uri="{FF2B5EF4-FFF2-40B4-BE49-F238E27FC236}">
-                <a16:creationId xmlns:a16="http://schemas.microsoft.com/office/drawing/2014/main" id="{AC6B1C97-5045-4D32-9EE3-1148A8016777}"/>
+          <p:cNvPr id="2" name="Title 1">
+            <a:extLst>
+              <a:ext uri="{FF2B5EF4-FFF2-40B4-BE49-F238E27FC236}">
+                <a16:creationId xmlns:a16="http://schemas.microsoft.com/office/drawing/2014/main" id="{81A21F0F-5F4E-4324-81BB-D96AED508698}"/>
               </a:ext>
             </a:extLst>
           </p:cNvPr>
@@ -3942,52 +4778,1492 @@
           <a:bodyPr/>
           <a:lstStyle/>
           <a:p>
-            <a:pPr algn="ctr"/>
             <a:r>
               <a:rPr lang="de-DE" dirty="0"/>
               <a:t>STATE DIAGRAM FOR LIGHT AND MOTION SENSOR</a:t>
             </a:r>
-          </a:p>
-        </p:txBody>
-      </p:sp>
-      <p:pic>
-        <p:nvPicPr>
-          <p:cNvPr id="6" name="Content Placeholder 5" descr="Diagram&#10;&#10;Description automatically generated">
-            <a:extLst>
-              <a:ext uri="{FF2B5EF4-FFF2-40B4-BE49-F238E27FC236}">
-                <a16:creationId xmlns:a16="http://schemas.microsoft.com/office/drawing/2014/main" id="{99F4465E-7DAC-46DE-923D-951B0795E4B6}"/>
-              </a:ext>
-            </a:extLst>
-          </p:cNvPr>
-          <p:cNvPicPr>
-            <a:picLocks noGrp="1" noChangeAspect="1"/>
-          </p:cNvPicPr>
-          <p:nvPr>
-            <p:ph idx="1"/>
-          </p:nvPr>
-        </p:nvPicPr>
-        <p:blipFill rotWithShape="1">
-          <a:blip r:embed="rId2">
-            <a:extLst>
-              <a:ext uri="{28A0092B-C50C-407E-A947-70E740481C1C}">
-                <a14:useLocalDpi xmlns:a14="http://schemas.microsoft.com/office/drawing/2010/main" val="0"/>
-              </a:ext>
-            </a:extLst>
-          </a:blip>
-          <a:srcRect l="25702" t="17687" r="25571" b="-17687"/>
-          <a:stretch/>
-        </p:blipFill>
-        <p:spPr>
+            <a:endParaRPr lang="en-DE" dirty="0"/>
+          </a:p>
+        </p:txBody>
+      </p:sp>
+      <p:grpSp>
+        <p:nvGrpSpPr>
+          <p:cNvPr id="17" name="Group 16">
+            <a:extLst>
+              <a:ext uri="{FF2B5EF4-FFF2-40B4-BE49-F238E27FC236}">
+                <a16:creationId xmlns:a16="http://schemas.microsoft.com/office/drawing/2014/main" id="{AEDA8639-B06F-4226-A68F-FE71539E2D32}"/>
+              </a:ext>
+            </a:extLst>
+          </p:cNvPr>
+          <p:cNvGrpSpPr/>
+          <p:nvPr/>
+        </p:nvGrpSpPr>
+        <p:grpSpPr>
           <a:xfrm>
-            <a:off x="4617720" y="1966277"/>
-            <a:ext cx="2827020" cy="4351338"/>
+            <a:off x="647065" y="1984504"/>
+            <a:ext cx="10897869" cy="4352869"/>
+            <a:chOff x="1135245" y="2209357"/>
+            <a:chExt cx="10897869" cy="4352869"/>
           </a:xfrm>
-        </p:spPr>
-      </p:pic>
+        </p:grpSpPr>
+        <p:grpSp>
+          <p:nvGrpSpPr>
+            <p:cNvPr id="11" name="Group 10">
+              <a:extLst>
+                <a:ext uri="{FF2B5EF4-FFF2-40B4-BE49-F238E27FC236}">
+                  <a16:creationId xmlns:a16="http://schemas.microsoft.com/office/drawing/2014/main" id="{69CE4031-07EF-4127-B392-369EC32AE9C8}"/>
+                </a:ext>
+              </a:extLst>
+            </p:cNvPr>
+            <p:cNvGrpSpPr/>
+            <p:nvPr/>
+          </p:nvGrpSpPr>
+          <p:grpSpPr>
+            <a:xfrm>
+              <a:off x="1135245" y="2287882"/>
+              <a:ext cx="2721275" cy="2387600"/>
+              <a:chOff x="1383365" y="2243574"/>
+              <a:chExt cx="2721275" cy="2387600"/>
+            </a:xfrm>
+          </p:grpSpPr>
+          <p:sp>
+            <p:nvSpPr>
+              <p:cNvPr id="4" name="Rectangle 3">
+                <a:extLst>
+                  <a:ext uri="{FF2B5EF4-FFF2-40B4-BE49-F238E27FC236}">
+                    <a16:creationId xmlns:a16="http://schemas.microsoft.com/office/drawing/2014/main" id="{03752814-DE17-4BC8-983B-CE5BE80A02F2}"/>
+                  </a:ext>
+                </a:extLst>
+              </p:cNvPr>
+              <p:cNvSpPr/>
+              <p:nvPr/>
+            </p:nvSpPr>
+            <p:spPr>
+              <a:xfrm>
+                <a:off x="1383365" y="2243574"/>
+                <a:ext cx="2692400" cy="2387600"/>
+              </a:xfrm>
+              <a:prstGeom prst="rect">
+                <a:avLst/>
+              </a:prstGeom>
+              <a:ln w="28575"/>
+            </p:spPr>
+            <p:style>
+              <a:lnRef idx="2">
+                <a:schemeClr val="dk1"/>
+              </a:lnRef>
+              <a:fillRef idx="1">
+                <a:schemeClr val="lt1"/>
+              </a:fillRef>
+              <a:effectRef idx="0">
+                <a:schemeClr val="dk1"/>
+              </a:effectRef>
+              <a:fontRef idx="minor">
+                <a:schemeClr val="dk1"/>
+              </a:fontRef>
+            </p:style>
+            <p:txBody>
+              <a:bodyPr rtlCol="0" anchor="ctr"/>
+              <a:lstStyle/>
+              <a:p>
+                <a:pPr algn="ctr"/>
+                <a:endParaRPr lang="en-DE" dirty="0"/>
+              </a:p>
+            </p:txBody>
+          </p:sp>
+          <p:sp>
+            <p:nvSpPr>
+              <p:cNvPr id="5" name="TextBox 4">
+                <a:extLst>
+                  <a:ext uri="{FF2B5EF4-FFF2-40B4-BE49-F238E27FC236}">
+                    <a16:creationId xmlns:a16="http://schemas.microsoft.com/office/drawing/2014/main" id="{D4D33AB6-7CE9-4CAD-A13D-C59F65F39515}"/>
+                  </a:ext>
+                </a:extLst>
+              </p:cNvPr>
+              <p:cNvSpPr txBox="1"/>
+              <p:nvPr/>
+            </p:nvSpPr>
+            <p:spPr>
+              <a:xfrm>
+                <a:off x="2225040" y="2243574"/>
+                <a:ext cx="1879600" cy="369332"/>
+              </a:xfrm>
+              <a:prstGeom prst="rect">
+                <a:avLst/>
+              </a:prstGeom>
+              <a:noFill/>
+            </p:spPr>
+            <p:txBody>
+              <a:bodyPr wrap="square" rtlCol="0">
+                <a:spAutoFit/>
+              </a:bodyPr>
+              <a:lstStyle/>
+              <a:p>
+                <a:r>
+                  <a:rPr lang="en-US" dirty="0"/>
+                  <a:t>Initialize</a:t>
+                </a:r>
+                <a:endParaRPr lang="en-DE" dirty="0"/>
+              </a:p>
+            </p:txBody>
+          </p:sp>
+          <p:sp>
+            <p:nvSpPr>
+              <p:cNvPr id="6" name="TextBox 5">
+                <a:extLst>
+                  <a:ext uri="{FF2B5EF4-FFF2-40B4-BE49-F238E27FC236}">
+                    <a16:creationId xmlns:a16="http://schemas.microsoft.com/office/drawing/2014/main" id="{FAEC4BC5-3932-4F0B-9697-8C391EC04509}"/>
+                  </a:ext>
+                </a:extLst>
+              </p:cNvPr>
+              <p:cNvSpPr txBox="1"/>
+              <p:nvPr/>
+            </p:nvSpPr>
+            <p:spPr>
+              <a:xfrm>
+                <a:off x="1412240" y="2788086"/>
+                <a:ext cx="2499360" cy="369332"/>
+              </a:xfrm>
+              <a:prstGeom prst="rect">
+                <a:avLst/>
+              </a:prstGeom>
+              <a:noFill/>
+            </p:spPr>
+            <p:txBody>
+              <a:bodyPr wrap="square" rtlCol="0">
+                <a:spAutoFit/>
+              </a:bodyPr>
+              <a:lstStyle/>
+              <a:p>
+                <a:r>
+                  <a:rPr lang="en-US" dirty="0"/>
+                  <a:t>entry/</a:t>
+                </a:r>
+                <a:r>
+                  <a:rPr lang="en-US" dirty="0" err="1"/>
+                  <a:t>turnOffLight</a:t>
+                </a:r>
+                <a:r>
+                  <a:rPr lang="en-US" dirty="0"/>
+                  <a:t>()</a:t>
+                </a:r>
+                <a:endParaRPr lang="en-DE" dirty="0"/>
+              </a:p>
+            </p:txBody>
+          </p:sp>
+        </p:grpSp>
+        <p:sp>
+          <p:nvSpPr>
+            <p:cNvPr id="7" name="Rectangle 6">
+              <a:extLst>
+                <a:ext uri="{FF2B5EF4-FFF2-40B4-BE49-F238E27FC236}">
+                  <a16:creationId xmlns:a16="http://schemas.microsoft.com/office/drawing/2014/main" id="{35F97D34-F7C1-4DEB-8B7F-5F36A9811D48}"/>
+                </a:ext>
+              </a:extLst>
+            </p:cNvPr>
+            <p:cNvSpPr/>
+            <p:nvPr/>
+          </p:nvSpPr>
+          <p:spPr>
+            <a:xfrm>
+              <a:off x="4625675" y="2304551"/>
+              <a:ext cx="3350659" cy="4257675"/>
+            </a:xfrm>
+            <a:prstGeom prst="rect">
+              <a:avLst/>
+            </a:prstGeom>
+            <a:ln w="28575"/>
+          </p:spPr>
+          <p:style>
+            <a:lnRef idx="2">
+              <a:schemeClr val="dk1"/>
+            </a:lnRef>
+            <a:fillRef idx="1">
+              <a:schemeClr val="lt1"/>
+            </a:fillRef>
+            <a:effectRef idx="0">
+              <a:schemeClr val="dk1"/>
+            </a:effectRef>
+            <a:fontRef idx="minor">
+              <a:schemeClr val="dk1"/>
+            </a:fontRef>
+          </p:style>
+          <p:txBody>
+            <a:bodyPr rtlCol="0" anchor="ctr"/>
+            <a:lstStyle/>
+            <a:p>
+              <a:pPr algn="ctr"/>
+              <a:endParaRPr lang="en-DE" dirty="0"/>
+            </a:p>
+          </p:txBody>
+        </p:sp>
+        <p:sp>
+          <p:nvSpPr>
+            <p:cNvPr id="8" name="TextBox 7">
+              <a:extLst>
+                <a:ext uri="{FF2B5EF4-FFF2-40B4-BE49-F238E27FC236}">
+                  <a16:creationId xmlns:a16="http://schemas.microsoft.com/office/drawing/2014/main" id="{2BA8442A-3961-4E88-BE31-33E48807DCD0}"/>
+                </a:ext>
+              </a:extLst>
+            </p:cNvPr>
+            <p:cNvSpPr txBox="1"/>
+            <p:nvPr/>
+          </p:nvSpPr>
+          <p:spPr>
+            <a:xfrm>
+              <a:off x="5290422" y="2230182"/>
+              <a:ext cx="2418080" cy="369332"/>
+            </a:xfrm>
+            <a:prstGeom prst="rect">
+              <a:avLst/>
+            </a:prstGeom>
+            <a:noFill/>
+          </p:spPr>
+          <p:txBody>
+            <a:bodyPr wrap="square" rtlCol="0">
+              <a:spAutoFit/>
+            </a:bodyPr>
+            <a:lstStyle/>
+            <a:p>
+              <a:r>
+                <a:rPr lang="en-US" dirty="0" err="1"/>
+                <a:t>NoMotionDetected</a:t>
+              </a:r>
+              <a:endParaRPr lang="en-DE" dirty="0"/>
+            </a:p>
+          </p:txBody>
+        </p:sp>
+        <p:sp>
+          <p:nvSpPr>
+            <p:cNvPr id="9" name="TextBox 8">
+              <a:extLst>
+                <a:ext uri="{FF2B5EF4-FFF2-40B4-BE49-F238E27FC236}">
+                  <a16:creationId xmlns:a16="http://schemas.microsoft.com/office/drawing/2014/main" id="{28550E59-E038-4308-8555-F36F8DDF8323}"/>
+                </a:ext>
+              </a:extLst>
+            </p:cNvPr>
+            <p:cNvSpPr txBox="1"/>
+            <p:nvPr/>
+          </p:nvSpPr>
+          <p:spPr>
+            <a:xfrm>
+              <a:off x="4743652" y="2738802"/>
+              <a:ext cx="2418080" cy="1200329"/>
+            </a:xfrm>
+            <a:prstGeom prst="rect">
+              <a:avLst/>
+            </a:prstGeom>
+            <a:noFill/>
+          </p:spPr>
+          <p:txBody>
+            <a:bodyPr wrap="square" rtlCol="0">
+              <a:spAutoFit/>
+            </a:bodyPr>
+            <a:lstStyle/>
+            <a:p>
+              <a:r>
+                <a:rPr lang="en-US" dirty="0"/>
+                <a:t>entry/</a:t>
+              </a:r>
+              <a:r>
+                <a:rPr lang="en-US" dirty="0" err="1"/>
+                <a:t>turnOffLight</a:t>
+              </a:r>
+              <a:r>
+                <a:rPr lang="en-US" dirty="0"/>
+                <a:t>()</a:t>
+              </a:r>
+              <a:br>
+                <a:rPr lang="en-US" dirty="0"/>
+              </a:br>
+              <a:r>
+                <a:rPr lang="en-US" dirty="0"/>
+                <a:t>do/</a:t>
+              </a:r>
+              <a:r>
+                <a:rPr lang="en-US" dirty="0" err="1"/>
+                <a:t>musicOff</a:t>
+              </a:r>
+              <a:r>
+                <a:rPr lang="en-US" dirty="0"/>
+                <a:t>()</a:t>
+              </a:r>
+              <a:endParaRPr lang="en-DE" dirty="0"/>
+            </a:p>
+            <a:p>
+              <a:r>
+                <a:rPr lang="en-US" dirty="0"/>
+                <a:t>do/</a:t>
+              </a:r>
+              <a:r>
+                <a:rPr lang="en-US" dirty="0" err="1"/>
+                <a:t>heaterOff</a:t>
+              </a:r>
+              <a:r>
+                <a:rPr lang="en-US" dirty="0"/>
+                <a:t>()</a:t>
+              </a:r>
+              <a:endParaRPr lang="en-DE" dirty="0"/>
+            </a:p>
+            <a:p>
+              <a:endParaRPr lang="en-DE" dirty="0"/>
+            </a:p>
+          </p:txBody>
+        </p:sp>
+        <p:sp>
+          <p:nvSpPr>
+            <p:cNvPr id="10" name="Rectangle 9">
+              <a:extLst>
+                <a:ext uri="{FF2B5EF4-FFF2-40B4-BE49-F238E27FC236}">
+                  <a16:creationId xmlns:a16="http://schemas.microsoft.com/office/drawing/2014/main" id="{B4AA1046-FFCC-43FB-A7A6-5C0D46773DBA}"/>
+                </a:ext>
+              </a:extLst>
+            </p:cNvPr>
+            <p:cNvSpPr/>
+            <p:nvPr/>
+          </p:nvSpPr>
+          <p:spPr>
+            <a:xfrm>
+              <a:off x="8808659" y="2244542"/>
+              <a:ext cx="3224455" cy="4257675"/>
+            </a:xfrm>
+            <a:prstGeom prst="rect">
+              <a:avLst/>
+            </a:prstGeom>
+            <a:ln w="28575"/>
+          </p:spPr>
+          <p:style>
+            <a:lnRef idx="2">
+              <a:schemeClr val="dk1"/>
+            </a:lnRef>
+            <a:fillRef idx="1">
+              <a:schemeClr val="lt1"/>
+            </a:fillRef>
+            <a:effectRef idx="0">
+              <a:schemeClr val="dk1"/>
+            </a:effectRef>
+            <a:fontRef idx="minor">
+              <a:schemeClr val="dk1"/>
+            </a:fontRef>
+          </p:style>
+          <p:txBody>
+            <a:bodyPr rtlCol="0" anchor="ctr"/>
+            <a:lstStyle/>
+            <a:p>
+              <a:pPr algn="ctr"/>
+              <a:endParaRPr lang="en-DE" dirty="0"/>
+            </a:p>
+          </p:txBody>
+        </p:sp>
+        <p:sp>
+          <p:nvSpPr>
+            <p:cNvPr id="13" name="Rectangle 12">
+              <a:extLst>
+                <a:ext uri="{FF2B5EF4-FFF2-40B4-BE49-F238E27FC236}">
+                  <a16:creationId xmlns:a16="http://schemas.microsoft.com/office/drawing/2014/main" id="{E7ECB7F0-56F2-4079-A91B-30712049DA92}"/>
+                </a:ext>
+              </a:extLst>
+            </p:cNvPr>
+            <p:cNvSpPr/>
+            <p:nvPr/>
+          </p:nvSpPr>
+          <p:spPr>
+            <a:xfrm>
+              <a:off x="5486400" y="5295893"/>
+              <a:ext cx="2418080" cy="1017826"/>
+            </a:xfrm>
+            <a:prstGeom prst="rect">
+              <a:avLst/>
+            </a:prstGeom>
+            <a:ln w="28575"/>
+          </p:spPr>
+          <p:style>
+            <a:lnRef idx="2">
+              <a:schemeClr val="dk1"/>
+            </a:lnRef>
+            <a:fillRef idx="1">
+              <a:schemeClr val="lt1"/>
+            </a:fillRef>
+            <a:effectRef idx="0">
+              <a:schemeClr val="dk1"/>
+            </a:effectRef>
+            <a:fontRef idx="minor">
+              <a:schemeClr val="dk1"/>
+            </a:fontRef>
+          </p:style>
+          <p:txBody>
+            <a:bodyPr rtlCol="0" anchor="ctr"/>
+            <a:lstStyle/>
+            <a:p>
+              <a:r>
+                <a:rPr lang="en-US" dirty="0"/>
+                <a:t>    </a:t>
+              </a:r>
+              <a:r>
+                <a:rPr lang="en-US" dirty="0" err="1"/>
+                <a:t>Nolightdetected</a:t>
+              </a:r>
+              <a:br>
+                <a:rPr lang="en-US" dirty="0"/>
+              </a:br>
+              <a:r>
+                <a:rPr lang="en-US" dirty="0"/>
+                <a:t>entry/</a:t>
+              </a:r>
+              <a:r>
+                <a:rPr lang="en-US" dirty="0" err="1"/>
+                <a:t>turnonlight</a:t>
+              </a:r>
+              <a:r>
+                <a:rPr lang="en-US" dirty="0"/>
+                <a:t>()</a:t>
+              </a:r>
+              <a:br>
+                <a:rPr lang="en-US" dirty="0"/>
+              </a:br>
+              <a:r>
+                <a:rPr lang="en-US" dirty="0"/>
+                <a:t>do/</a:t>
+              </a:r>
+              <a:r>
+                <a:rPr lang="en-US" dirty="0" err="1"/>
+                <a:t>VolB</a:t>
+              </a:r>
+              <a:r>
+                <a:rPr lang="en-US" dirty="0"/>
+                <a:t>=70%</a:t>
+              </a:r>
+              <a:endParaRPr lang="en-DE" dirty="0"/>
+            </a:p>
+          </p:txBody>
+        </p:sp>
+        <p:sp>
+          <p:nvSpPr>
+            <p:cNvPr id="15" name="Oval 14">
+              <a:extLst>
+                <a:ext uri="{FF2B5EF4-FFF2-40B4-BE49-F238E27FC236}">
+                  <a16:creationId xmlns:a16="http://schemas.microsoft.com/office/drawing/2014/main" id="{8200ACD7-892A-4CD6-8AAF-F3AAB65C1583}"/>
+                </a:ext>
+              </a:extLst>
+            </p:cNvPr>
+            <p:cNvSpPr/>
+            <p:nvPr/>
+          </p:nvSpPr>
+          <p:spPr>
+            <a:xfrm>
+              <a:off x="4865565" y="4177268"/>
+              <a:ext cx="265232" cy="277403"/>
+            </a:xfrm>
+            <a:prstGeom prst="ellipse">
+              <a:avLst/>
+            </a:prstGeom>
+          </p:spPr>
+          <p:style>
+            <a:lnRef idx="2">
+              <a:schemeClr val="dk1">
+                <a:shade val="50000"/>
+              </a:schemeClr>
+            </a:lnRef>
+            <a:fillRef idx="1">
+              <a:schemeClr val="dk1"/>
+            </a:fillRef>
+            <a:effectRef idx="0">
+              <a:schemeClr val="dk1"/>
+            </a:effectRef>
+            <a:fontRef idx="minor">
+              <a:schemeClr val="lt1"/>
+            </a:fontRef>
+          </p:style>
+          <p:txBody>
+            <a:bodyPr rtlCol="0" anchor="ctr"/>
+            <a:lstStyle/>
+            <a:p>
+              <a:pPr algn="ctr"/>
+              <a:endParaRPr lang="en-DE"/>
+            </a:p>
+          </p:txBody>
+        </p:sp>
+        <p:grpSp>
+          <p:nvGrpSpPr>
+            <p:cNvPr id="25" name="Group 24">
+              <a:extLst>
+                <a:ext uri="{FF2B5EF4-FFF2-40B4-BE49-F238E27FC236}">
+                  <a16:creationId xmlns:a16="http://schemas.microsoft.com/office/drawing/2014/main" id="{2ACFBD4E-C05B-4697-B611-C90F71DAB79A}"/>
+                </a:ext>
+              </a:extLst>
+            </p:cNvPr>
+            <p:cNvGrpSpPr/>
+            <p:nvPr/>
+          </p:nvGrpSpPr>
+          <p:grpSpPr>
+            <a:xfrm>
+              <a:off x="5486400" y="3808340"/>
+              <a:ext cx="2418080" cy="901408"/>
+              <a:chOff x="5486400" y="3808340"/>
+              <a:chExt cx="2418080" cy="901408"/>
+            </a:xfrm>
+          </p:grpSpPr>
+          <p:sp>
+            <p:nvSpPr>
+              <p:cNvPr id="12" name="Rectangle 11">
+                <a:extLst>
+                  <a:ext uri="{FF2B5EF4-FFF2-40B4-BE49-F238E27FC236}">
+                    <a16:creationId xmlns:a16="http://schemas.microsoft.com/office/drawing/2014/main" id="{95CCBEA1-56B3-4A46-B4A4-09748B12D89F}"/>
+                  </a:ext>
+                </a:extLst>
+              </p:cNvPr>
+              <p:cNvSpPr/>
+              <p:nvPr/>
+            </p:nvSpPr>
+            <p:spPr>
+              <a:xfrm>
+                <a:off x="5486400" y="3854761"/>
+                <a:ext cx="2418080" cy="854987"/>
+              </a:xfrm>
+              <a:prstGeom prst="rect">
+                <a:avLst/>
+              </a:prstGeom>
+              <a:ln w="28575"/>
+            </p:spPr>
+            <p:style>
+              <a:lnRef idx="2">
+                <a:schemeClr val="dk1"/>
+              </a:lnRef>
+              <a:fillRef idx="1">
+                <a:schemeClr val="lt1"/>
+              </a:fillRef>
+              <a:effectRef idx="0">
+                <a:schemeClr val="dk1"/>
+              </a:effectRef>
+              <a:fontRef idx="minor">
+                <a:schemeClr val="dk1"/>
+              </a:fontRef>
+            </p:style>
+            <p:txBody>
+              <a:bodyPr rtlCol="0" anchor="ctr"/>
+              <a:lstStyle/>
+              <a:p>
+                <a:r>
+                  <a:rPr lang="en-US" dirty="0"/>
+                  <a:t>entry/</a:t>
+                </a:r>
+                <a:r>
+                  <a:rPr lang="en-US" dirty="0" err="1"/>
+                  <a:t>turnofflight</a:t>
+                </a:r>
+                <a:r>
+                  <a:rPr lang="en-US" dirty="0"/>
+                  <a:t>()</a:t>
+                </a:r>
+                <a:endParaRPr lang="en-DE" dirty="0"/>
+              </a:p>
+            </p:txBody>
+          </p:sp>
+          <p:sp>
+            <p:nvSpPr>
+              <p:cNvPr id="16" name="TextBox 15">
+                <a:extLst>
+                  <a:ext uri="{FF2B5EF4-FFF2-40B4-BE49-F238E27FC236}">
+                    <a16:creationId xmlns:a16="http://schemas.microsoft.com/office/drawing/2014/main" id="{90971506-0232-4EFE-BB24-57965590469C}"/>
+                  </a:ext>
+                </a:extLst>
+              </p:cNvPr>
+              <p:cNvSpPr txBox="1"/>
+              <p:nvPr/>
+            </p:nvSpPr>
+            <p:spPr>
+              <a:xfrm>
+                <a:off x="5486400" y="3808340"/>
+                <a:ext cx="2245359" cy="646331"/>
+              </a:xfrm>
+              <a:prstGeom prst="rect">
+                <a:avLst/>
+              </a:prstGeom>
+              <a:noFill/>
+            </p:spPr>
+            <p:txBody>
+              <a:bodyPr wrap="square" rtlCol="0">
+                <a:spAutoFit/>
+              </a:bodyPr>
+              <a:lstStyle/>
+              <a:p>
+                <a:pPr algn="ctr"/>
+                <a:r>
+                  <a:rPr lang="en-US" dirty="0" err="1"/>
+                  <a:t>Lightdetected</a:t>
+                </a:r>
+                <a:br>
+                  <a:rPr lang="en-US" dirty="0"/>
+                </a:br>
+                <a:endParaRPr lang="en-DE" dirty="0"/>
+              </a:p>
+            </p:txBody>
+          </p:sp>
+        </p:grpSp>
+        <p:cxnSp>
+          <p:nvCxnSpPr>
+            <p:cNvPr id="18" name="Straight Arrow Connector 17">
+              <a:extLst>
+                <a:ext uri="{FF2B5EF4-FFF2-40B4-BE49-F238E27FC236}">
+                  <a16:creationId xmlns:a16="http://schemas.microsoft.com/office/drawing/2014/main" id="{23D871E0-CDF0-4A86-8866-5AB878748CE6}"/>
+                </a:ext>
+              </a:extLst>
+            </p:cNvPr>
+            <p:cNvCxnSpPr>
+              <a:cxnSpLocks/>
+              <a:stCxn id="4" idx="3"/>
+            </p:cNvCxnSpPr>
+            <p:nvPr/>
+          </p:nvCxnSpPr>
+          <p:spPr>
+            <a:xfrm>
+              <a:off x="3827645" y="3481682"/>
+              <a:ext cx="829615" cy="0"/>
+            </a:xfrm>
+            <a:prstGeom prst="straightConnector1">
+              <a:avLst/>
+            </a:prstGeom>
+            <a:ln>
+              <a:tailEnd type="triangle"/>
+            </a:ln>
+          </p:spPr>
+          <p:style>
+            <a:lnRef idx="1">
+              <a:schemeClr val="accent1"/>
+            </a:lnRef>
+            <a:fillRef idx="0">
+              <a:schemeClr val="accent1"/>
+            </a:fillRef>
+            <a:effectRef idx="0">
+              <a:schemeClr val="accent1"/>
+            </a:effectRef>
+            <a:fontRef idx="minor">
+              <a:schemeClr val="tx1"/>
+            </a:fontRef>
+          </p:style>
+        </p:cxnSp>
+        <p:sp>
+          <p:nvSpPr>
+            <p:cNvPr id="20" name="TextBox 19">
+              <a:extLst>
+                <a:ext uri="{FF2B5EF4-FFF2-40B4-BE49-F238E27FC236}">
+                  <a16:creationId xmlns:a16="http://schemas.microsoft.com/office/drawing/2014/main" id="{FF6F1EC6-88CF-49FC-8610-584185CBD912}"/>
+                </a:ext>
+              </a:extLst>
+            </p:cNvPr>
+            <p:cNvSpPr txBox="1"/>
+            <p:nvPr/>
+          </p:nvSpPr>
+          <p:spPr>
+            <a:xfrm>
+              <a:off x="9525547" y="2209357"/>
+              <a:ext cx="2418080" cy="369332"/>
+            </a:xfrm>
+            <a:prstGeom prst="rect">
+              <a:avLst/>
+            </a:prstGeom>
+            <a:noFill/>
+          </p:spPr>
+          <p:txBody>
+            <a:bodyPr wrap="square" rtlCol="0">
+              <a:spAutoFit/>
+            </a:bodyPr>
+            <a:lstStyle/>
+            <a:p>
+              <a:r>
+                <a:rPr lang="en-US" dirty="0" err="1"/>
+                <a:t>MotionDetected</a:t>
+              </a:r>
+              <a:endParaRPr lang="en-DE" dirty="0"/>
+            </a:p>
+          </p:txBody>
+        </p:sp>
+        <p:sp>
+          <p:nvSpPr>
+            <p:cNvPr id="22" name="TextBox 21">
+              <a:extLst>
+                <a:ext uri="{FF2B5EF4-FFF2-40B4-BE49-F238E27FC236}">
+                  <a16:creationId xmlns:a16="http://schemas.microsoft.com/office/drawing/2014/main" id="{CC1FAD6F-D0E7-40C1-BEF8-9C9B1053D47A}"/>
+                </a:ext>
+              </a:extLst>
+            </p:cNvPr>
+            <p:cNvSpPr txBox="1"/>
+            <p:nvPr/>
+          </p:nvSpPr>
+          <p:spPr>
+            <a:xfrm>
+              <a:off x="8935720" y="2738801"/>
+              <a:ext cx="2418080" cy="1200329"/>
+            </a:xfrm>
+            <a:prstGeom prst="rect">
+              <a:avLst/>
+            </a:prstGeom>
+            <a:noFill/>
+          </p:spPr>
+          <p:txBody>
+            <a:bodyPr wrap="square" rtlCol="0">
+              <a:spAutoFit/>
+            </a:bodyPr>
+            <a:lstStyle/>
+            <a:p>
+              <a:r>
+                <a:rPr lang="en-US" dirty="0"/>
+                <a:t>entry/</a:t>
+              </a:r>
+              <a:r>
+                <a:rPr lang="en-US" dirty="0" err="1"/>
+                <a:t>turnOnLight</a:t>
+              </a:r>
+              <a:r>
+                <a:rPr lang="en-US" dirty="0"/>
+                <a:t>()</a:t>
+              </a:r>
+              <a:br>
+                <a:rPr lang="en-US" dirty="0"/>
+              </a:br>
+              <a:r>
+                <a:rPr lang="en-US" dirty="0"/>
+                <a:t>do/</a:t>
+              </a:r>
+              <a:r>
+                <a:rPr lang="en-US" dirty="0" err="1"/>
+                <a:t>musicOn</a:t>
+              </a:r>
+              <a:r>
+                <a:rPr lang="en-US" dirty="0"/>
+                <a:t>()</a:t>
+              </a:r>
+              <a:endParaRPr lang="en-DE" dirty="0"/>
+            </a:p>
+            <a:p>
+              <a:r>
+                <a:rPr lang="en-US" dirty="0"/>
+                <a:t>do/</a:t>
+              </a:r>
+              <a:r>
+                <a:rPr lang="en-US" dirty="0" err="1"/>
+                <a:t>heaterOn</a:t>
+              </a:r>
+              <a:r>
+                <a:rPr lang="en-US" dirty="0"/>
+                <a:t>()</a:t>
+              </a:r>
+              <a:endParaRPr lang="en-DE" dirty="0"/>
+            </a:p>
+            <a:p>
+              <a:endParaRPr lang="en-DE" dirty="0"/>
+            </a:p>
+          </p:txBody>
+        </p:sp>
+        <p:sp>
+          <p:nvSpPr>
+            <p:cNvPr id="24" name="Rectangle 23">
+              <a:extLst>
+                <a:ext uri="{FF2B5EF4-FFF2-40B4-BE49-F238E27FC236}">
+                  <a16:creationId xmlns:a16="http://schemas.microsoft.com/office/drawing/2014/main" id="{6D5F060A-EC2A-4A3F-9D2E-8FB32727839F}"/>
+                </a:ext>
+              </a:extLst>
+            </p:cNvPr>
+            <p:cNvSpPr/>
+            <p:nvPr/>
+          </p:nvSpPr>
+          <p:spPr>
+            <a:xfrm>
+              <a:off x="9491519" y="3827230"/>
+              <a:ext cx="2418080" cy="854987"/>
+            </a:xfrm>
+            <a:prstGeom prst="rect">
+              <a:avLst/>
+            </a:prstGeom>
+            <a:ln w="28575"/>
+          </p:spPr>
+          <p:style>
+            <a:lnRef idx="2">
+              <a:schemeClr val="dk1"/>
+            </a:lnRef>
+            <a:fillRef idx="1">
+              <a:schemeClr val="lt1"/>
+            </a:fillRef>
+            <a:effectRef idx="0">
+              <a:schemeClr val="dk1"/>
+            </a:effectRef>
+            <a:fontRef idx="minor">
+              <a:schemeClr val="dk1"/>
+            </a:fontRef>
+          </p:style>
+          <p:txBody>
+            <a:bodyPr rtlCol="0" anchor="ctr"/>
+            <a:lstStyle/>
+            <a:p>
+              <a:r>
+                <a:rPr lang="en-US" dirty="0"/>
+                <a:t>entry/</a:t>
+              </a:r>
+              <a:r>
+                <a:rPr lang="en-US" dirty="0" err="1"/>
+                <a:t>turnofflight</a:t>
+              </a:r>
+              <a:r>
+                <a:rPr lang="en-US" dirty="0"/>
+                <a:t>()</a:t>
+              </a:r>
+              <a:endParaRPr lang="en-DE" dirty="0"/>
+            </a:p>
+          </p:txBody>
+        </p:sp>
+        <p:sp>
+          <p:nvSpPr>
+            <p:cNvPr id="23" name="TextBox 22">
+              <a:extLst>
+                <a:ext uri="{FF2B5EF4-FFF2-40B4-BE49-F238E27FC236}">
+                  <a16:creationId xmlns:a16="http://schemas.microsoft.com/office/drawing/2014/main" id="{E0D3E3C2-D91C-4BAF-A144-7D36F587E748}"/>
+                </a:ext>
+              </a:extLst>
+            </p:cNvPr>
+            <p:cNvSpPr txBox="1"/>
+            <p:nvPr/>
+          </p:nvSpPr>
+          <p:spPr>
+            <a:xfrm>
+              <a:off x="9448098" y="3787058"/>
+              <a:ext cx="2245359" cy="646331"/>
+            </a:xfrm>
+            <a:prstGeom prst="rect">
+              <a:avLst/>
+            </a:prstGeom>
+            <a:noFill/>
+          </p:spPr>
+          <p:txBody>
+            <a:bodyPr wrap="square" rtlCol="0">
+              <a:spAutoFit/>
+            </a:bodyPr>
+            <a:lstStyle/>
+            <a:p>
+              <a:pPr algn="ctr"/>
+              <a:r>
+                <a:rPr lang="en-US" dirty="0" err="1"/>
+                <a:t>Lightdetected</a:t>
+              </a:r>
+              <a:br>
+                <a:rPr lang="en-US" dirty="0"/>
+              </a:br>
+              <a:endParaRPr lang="en-DE" dirty="0"/>
+            </a:p>
+          </p:txBody>
+        </p:sp>
+        <p:sp>
+          <p:nvSpPr>
+            <p:cNvPr id="26" name="Rectangle 25">
+              <a:extLst>
+                <a:ext uri="{FF2B5EF4-FFF2-40B4-BE49-F238E27FC236}">
+                  <a16:creationId xmlns:a16="http://schemas.microsoft.com/office/drawing/2014/main" id="{030FB451-176D-4A67-919C-0DCE77F083C0}"/>
+                </a:ext>
+              </a:extLst>
+            </p:cNvPr>
+            <p:cNvSpPr/>
+            <p:nvPr/>
+          </p:nvSpPr>
+          <p:spPr>
+            <a:xfrm>
+              <a:off x="9490880" y="5267403"/>
+              <a:ext cx="2418080" cy="1017826"/>
+            </a:xfrm>
+            <a:prstGeom prst="rect">
+              <a:avLst/>
+            </a:prstGeom>
+            <a:ln w="28575"/>
+          </p:spPr>
+          <p:style>
+            <a:lnRef idx="2">
+              <a:schemeClr val="dk1"/>
+            </a:lnRef>
+            <a:fillRef idx="1">
+              <a:schemeClr val="lt1"/>
+            </a:fillRef>
+            <a:effectRef idx="0">
+              <a:schemeClr val="dk1"/>
+            </a:effectRef>
+            <a:fontRef idx="minor">
+              <a:schemeClr val="dk1"/>
+            </a:fontRef>
+          </p:style>
+          <p:txBody>
+            <a:bodyPr rtlCol="0" anchor="ctr"/>
+            <a:lstStyle/>
+            <a:p>
+              <a:r>
+                <a:rPr lang="en-US" dirty="0"/>
+                <a:t>    </a:t>
+              </a:r>
+              <a:r>
+                <a:rPr lang="en-US" dirty="0" err="1"/>
+                <a:t>Nolightdetected</a:t>
+              </a:r>
+              <a:br>
+                <a:rPr lang="en-US" dirty="0"/>
+              </a:br>
+              <a:r>
+                <a:rPr lang="en-US" dirty="0"/>
+                <a:t>entry/</a:t>
+              </a:r>
+              <a:r>
+                <a:rPr lang="en-US" dirty="0" err="1"/>
+                <a:t>turnonlight</a:t>
+              </a:r>
+              <a:r>
+                <a:rPr lang="en-US" dirty="0"/>
+                <a:t>()</a:t>
+              </a:r>
+              <a:br>
+                <a:rPr lang="en-US" dirty="0"/>
+              </a:br>
+              <a:r>
+                <a:rPr lang="en-US" dirty="0"/>
+                <a:t>do/</a:t>
+              </a:r>
+              <a:r>
+                <a:rPr lang="en-US" dirty="0" err="1"/>
+                <a:t>VolB</a:t>
+              </a:r>
+              <a:r>
+                <a:rPr lang="en-US" dirty="0"/>
+                <a:t>=70%</a:t>
+              </a:r>
+              <a:endParaRPr lang="en-DE" dirty="0"/>
+            </a:p>
+          </p:txBody>
+        </p:sp>
+        <p:sp>
+          <p:nvSpPr>
+            <p:cNvPr id="27" name="Oval 26">
+              <a:extLst>
+                <a:ext uri="{FF2B5EF4-FFF2-40B4-BE49-F238E27FC236}">
+                  <a16:creationId xmlns:a16="http://schemas.microsoft.com/office/drawing/2014/main" id="{DCF28B5E-07DB-4CE4-87C2-354C79720893}"/>
+                </a:ext>
+              </a:extLst>
+            </p:cNvPr>
+            <p:cNvSpPr/>
+            <p:nvPr/>
+          </p:nvSpPr>
+          <p:spPr>
+            <a:xfrm>
+              <a:off x="8884857" y="4093161"/>
+              <a:ext cx="265232" cy="277403"/>
+            </a:xfrm>
+            <a:prstGeom prst="ellipse">
+              <a:avLst/>
+            </a:prstGeom>
+          </p:spPr>
+          <p:style>
+            <a:lnRef idx="2">
+              <a:schemeClr val="dk1">
+                <a:shade val="50000"/>
+              </a:schemeClr>
+            </a:lnRef>
+            <a:fillRef idx="1">
+              <a:schemeClr val="dk1"/>
+            </a:fillRef>
+            <a:effectRef idx="0">
+              <a:schemeClr val="dk1"/>
+            </a:effectRef>
+            <a:fontRef idx="minor">
+              <a:schemeClr val="lt1"/>
+            </a:fontRef>
+          </p:style>
+          <p:txBody>
+            <a:bodyPr rtlCol="0" anchor="ctr"/>
+            <a:lstStyle/>
+            <a:p>
+              <a:pPr algn="ctr"/>
+              <a:endParaRPr lang="en-DE"/>
+            </a:p>
+          </p:txBody>
+        </p:sp>
+        <p:cxnSp>
+          <p:nvCxnSpPr>
+            <p:cNvPr id="29" name="Straight Arrow Connector 28">
+              <a:extLst>
+                <a:ext uri="{FF2B5EF4-FFF2-40B4-BE49-F238E27FC236}">
+                  <a16:creationId xmlns:a16="http://schemas.microsoft.com/office/drawing/2014/main" id="{1A907FDF-E353-42E6-886C-A0DB149DB1A3}"/>
+                </a:ext>
+              </a:extLst>
+            </p:cNvPr>
+            <p:cNvCxnSpPr>
+              <a:cxnSpLocks/>
+            </p:cNvCxnSpPr>
+            <p:nvPr/>
+          </p:nvCxnSpPr>
+          <p:spPr>
+            <a:xfrm>
+              <a:off x="7979044" y="3466691"/>
+              <a:ext cx="829615" cy="0"/>
+            </a:xfrm>
+            <a:prstGeom prst="straightConnector1">
+              <a:avLst/>
+            </a:prstGeom>
+            <a:ln>
+              <a:tailEnd type="triangle"/>
+            </a:ln>
+          </p:spPr>
+          <p:style>
+            <a:lnRef idx="1">
+              <a:schemeClr val="accent1"/>
+            </a:lnRef>
+            <a:fillRef idx="0">
+              <a:schemeClr val="accent1"/>
+            </a:fillRef>
+            <a:effectRef idx="0">
+              <a:schemeClr val="accent1"/>
+            </a:effectRef>
+            <a:fontRef idx="minor">
+              <a:schemeClr val="tx1"/>
+            </a:fontRef>
+          </p:style>
+        </p:cxnSp>
+        <p:cxnSp>
+          <p:nvCxnSpPr>
+            <p:cNvPr id="30" name="Straight Arrow Connector 29">
+              <a:extLst>
+                <a:ext uri="{FF2B5EF4-FFF2-40B4-BE49-F238E27FC236}">
+                  <a16:creationId xmlns:a16="http://schemas.microsoft.com/office/drawing/2014/main" id="{28293DDA-0F0D-40F2-A7FC-857BB6787F7D}"/>
+                </a:ext>
+              </a:extLst>
+            </p:cNvPr>
+            <p:cNvCxnSpPr>
+              <a:cxnSpLocks/>
+            </p:cNvCxnSpPr>
+            <p:nvPr/>
+          </p:nvCxnSpPr>
+          <p:spPr>
+            <a:xfrm flipH="1">
+              <a:off x="8007920" y="4928129"/>
+              <a:ext cx="800739" cy="0"/>
+            </a:xfrm>
+            <a:prstGeom prst="straightConnector1">
+              <a:avLst/>
+            </a:prstGeom>
+            <a:ln>
+              <a:tailEnd type="triangle"/>
+            </a:ln>
+          </p:spPr>
+          <p:style>
+            <a:lnRef idx="1">
+              <a:schemeClr val="accent1"/>
+            </a:lnRef>
+            <a:fillRef idx="0">
+              <a:schemeClr val="accent1"/>
+            </a:fillRef>
+            <a:effectRef idx="0">
+              <a:schemeClr val="accent1"/>
+            </a:effectRef>
+            <a:fontRef idx="minor">
+              <a:schemeClr val="tx1"/>
+            </a:fontRef>
+          </p:style>
+        </p:cxnSp>
+        <p:cxnSp>
+          <p:nvCxnSpPr>
+            <p:cNvPr id="33" name="Straight Arrow Connector 32">
+              <a:extLst>
+                <a:ext uri="{FF2B5EF4-FFF2-40B4-BE49-F238E27FC236}">
+                  <a16:creationId xmlns:a16="http://schemas.microsoft.com/office/drawing/2014/main" id="{5492FD02-97FC-4714-BDAA-5375D07E56C4}"/>
+                </a:ext>
+              </a:extLst>
+            </p:cNvPr>
+            <p:cNvCxnSpPr>
+              <a:cxnSpLocks/>
+            </p:cNvCxnSpPr>
+            <p:nvPr/>
+          </p:nvCxnSpPr>
+          <p:spPr>
+            <a:xfrm>
+              <a:off x="5130797" y="4323180"/>
+              <a:ext cx="337419" cy="0"/>
+            </a:xfrm>
+            <a:prstGeom prst="straightConnector1">
+              <a:avLst/>
+            </a:prstGeom>
+            <a:ln>
+              <a:tailEnd type="triangle"/>
+            </a:ln>
+          </p:spPr>
+          <p:style>
+            <a:lnRef idx="1">
+              <a:schemeClr val="accent1"/>
+            </a:lnRef>
+            <a:fillRef idx="0">
+              <a:schemeClr val="accent1"/>
+            </a:fillRef>
+            <a:effectRef idx="0">
+              <a:schemeClr val="accent1"/>
+            </a:effectRef>
+            <a:fontRef idx="minor">
+              <a:schemeClr val="tx1"/>
+            </a:fontRef>
+          </p:style>
+        </p:cxnSp>
+        <p:cxnSp>
+          <p:nvCxnSpPr>
+            <p:cNvPr id="36" name="Straight Arrow Connector 35">
+              <a:extLst>
+                <a:ext uri="{FF2B5EF4-FFF2-40B4-BE49-F238E27FC236}">
+                  <a16:creationId xmlns:a16="http://schemas.microsoft.com/office/drawing/2014/main" id="{12D9934F-22D3-4552-8AB6-7BA19C42E4E2}"/>
+                </a:ext>
+              </a:extLst>
+            </p:cNvPr>
+            <p:cNvCxnSpPr>
+              <a:cxnSpLocks/>
+            </p:cNvCxnSpPr>
+            <p:nvPr/>
+          </p:nvCxnSpPr>
+          <p:spPr>
+            <a:xfrm>
+              <a:off x="9153461" y="4231862"/>
+              <a:ext cx="337419" cy="0"/>
+            </a:xfrm>
+            <a:prstGeom prst="straightConnector1">
+              <a:avLst/>
+            </a:prstGeom>
+            <a:ln>
+              <a:tailEnd type="triangle"/>
+            </a:ln>
+          </p:spPr>
+          <p:style>
+            <a:lnRef idx="1">
+              <a:schemeClr val="accent1"/>
+            </a:lnRef>
+            <a:fillRef idx="0">
+              <a:schemeClr val="accent1"/>
+            </a:fillRef>
+            <a:effectRef idx="0">
+              <a:schemeClr val="accent1"/>
+            </a:effectRef>
+            <a:fontRef idx="minor">
+              <a:schemeClr val="tx1"/>
+            </a:fontRef>
+          </p:style>
+        </p:cxnSp>
+        <p:cxnSp>
+          <p:nvCxnSpPr>
+            <p:cNvPr id="37" name="Straight Arrow Connector 36">
+              <a:extLst>
+                <a:ext uri="{FF2B5EF4-FFF2-40B4-BE49-F238E27FC236}">
+                  <a16:creationId xmlns:a16="http://schemas.microsoft.com/office/drawing/2014/main" id="{4DE9C89C-8F40-49C5-8106-FCB9E2393590}"/>
+                </a:ext>
+              </a:extLst>
+            </p:cNvPr>
+            <p:cNvCxnSpPr>
+              <a:cxnSpLocks/>
+            </p:cNvCxnSpPr>
+            <p:nvPr/>
+          </p:nvCxnSpPr>
+          <p:spPr>
+            <a:xfrm>
+              <a:off x="6134765" y="4741214"/>
+              <a:ext cx="0" cy="526189"/>
+            </a:xfrm>
+            <a:prstGeom prst="straightConnector1">
+              <a:avLst/>
+            </a:prstGeom>
+            <a:ln>
+              <a:tailEnd type="triangle"/>
+            </a:ln>
+          </p:spPr>
+          <p:style>
+            <a:lnRef idx="1">
+              <a:schemeClr val="accent1"/>
+            </a:lnRef>
+            <a:fillRef idx="0">
+              <a:schemeClr val="accent1"/>
+            </a:fillRef>
+            <a:effectRef idx="0">
+              <a:schemeClr val="accent1"/>
+            </a:effectRef>
+            <a:fontRef idx="minor">
+              <a:schemeClr val="tx1"/>
+            </a:fontRef>
+          </p:style>
+        </p:cxnSp>
+        <p:cxnSp>
+          <p:nvCxnSpPr>
+            <p:cNvPr id="39" name="Straight Arrow Connector 38">
+              <a:extLst>
+                <a:ext uri="{FF2B5EF4-FFF2-40B4-BE49-F238E27FC236}">
+                  <a16:creationId xmlns:a16="http://schemas.microsoft.com/office/drawing/2014/main" id="{B647BC18-05CA-428B-BB9C-DA2852B13058}"/>
+                </a:ext>
+              </a:extLst>
+            </p:cNvPr>
+            <p:cNvCxnSpPr>
+              <a:cxnSpLocks/>
+            </p:cNvCxnSpPr>
+            <p:nvPr/>
+          </p:nvCxnSpPr>
+          <p:spPr>
+            <a:xfrm>
+              <a:off x="10144760" y="4709748"/>
+              <a:ext cx="0" cy="526189"/>
+            </a:xfrm>
+            <a:prstGeom prst="straightConnector1">
+              <a:avLst/>
+            </a:prstGeom>
+            <a:ln>
+              <a:tailEnd type="triangle"/>
+            </a:ln>
+          </p:spPr>
+          <p:style>
+            <a:lnRef idx="1">
+              <a:schemeClr val="accent1"/>
+            </a:lnRef>
+            <a:fillRef idx="0">
+              <a:schemeClr val="accent1"/>
+            </a:fillRef>
+            <a:effectRef idx="0">
+              <a:schemeClr val="accent1"/>
+            </a:effectRef>
+            <a:fontRef idx="minor">
+              <a:schemeClr val="tx1"/>
+            </a:fontRef>
+          </p:style>
+        </p:cxnSp>
+        <p:cxnSp>
+          <p:nvCxnSpPr>
+            <p:cNvPr id="40" name="Straight Arrow Connector 39">
+              <a:extLst>
+                <a:ext uri="{FF2B5EF4-FFF2-40B4-BE49-F238E27FC236}">
+                  <a16:creationId xmlns:a16="http://schemas.microsoft.com/office/drawing/2014/main" id="{4DB533C9-6AB8-40E6-B9F8-2A4D3E78053B}"/>
+                </a:ext>
+              </a:extLst>
+            </p:cNvPr>
+            <p:cNvCxnSpPr>
+              <a:cxnSpLocks/>
+            </p:cNvCxnSpPr>
+            <p:nvPr/>
+          </p:nvCxnSpPr>
+          <p:spPr>
+            <a:xfrm flipV="1">
+              <a:off x="7170017" y="4689070"/>
+              <a:ext cx="0" cy="546867"/>
+            </a:xfrm>
+            <a:prstGeom prst="straightConnector1">
+              <a:avLst/>
+            </a:prstGeom>
+            <a:ln>
+              <a:tailEnd type="triangle"/>
+            </a:ln>
+          </p:spPr>
+          <p:style>
+            <a:lnRef idx="1">
+              <a:schemeClr val="accent1"/>
+            </a:lnRef>
+            <a:fillRef idx="0">
+              <a:schemeClr val="accent1"/>
+            </a:fillRef>
+            <a:effectRef idx="0">
+              <a:schemeClr val="accent1"/>
+            </a:effectRef>
+            <a:fontRef idx="minor">
+              <a:schemeClr val="tx1"/>
+            </a:fontRef>
+          </p:style>
+        </p:cxnSp>
+        <p:cxnSp>
+          <p:nvCxnSpPr>
+            <p:cNvPr id="43" name="Straight Arrow Connector 42">
+              <a:extLst>
+                <a:ext uri="{FF2B5EF4-FFF2-40B4-BE49-F238E27FC236}">
+                  <a16:creationId xmlns:a16="http://schemas.microsoft.com/office/drawing/2014/main" id="{4F3155FA-5392-4DAA-BB2E-AB01FF78130E}"/>
+                </a:ext>
+              </a:extLst>
+            </p:cNvPr>
+            <p:cNvCxnSpPr>
+              <a:cxnSpLocks/>
+            </p:cNvCxnSpPr>
+            <p:nvPr/>
+          </p:nvCxnSpPr>
+          <p:spPr>
+            <a:xfrm flipV="1">
+              <a:off x="11208617" y="4689070"/>
+              <a:ext cx="0" cy="546867"/>
+            </a:xfrm>
+            <a:prstGeom prst="straightConnector1">
+              <a:avLst/>
+            </a:prstGeom>
+            <a:ln>
+              <a:tailEnd type="triangle"/>
+            </a:ln>
+          </p:spPr>
+          <p:style>
+            <a:lnRef idx="1">
+              <a:schemeClr val="accent1"/>
+            </a:lnRef>
+            <a:fillRef idx="0">
+              <a:schemeClr val="accent1"/>
+            </a:fillRef>
+            <a:effectRef idx="0">
+              <a:schemeClr val="accent1"/>
+            </a:effectRef>
+            <a:fontRef idx="minor">
+              <a:schemeClr val="tx1"/>
+            </a:fontRef>
+          </p:style>
+        </p:cxnSp>
+        <p:cxnSp>
+          <p:nvCxnSpPr>
+            <p:cNvPr id="44" name="Straight Arrow Connector 43">
+              <a:extLst>
+                <a:ext uri="{FF2B5EF4-FFF2-40B4-BE49-F238E27FC236}">
+                  <a16:creationId xmlns:a16="http://schemas.microsoft.com/office/drawing/2014/main" id="{17B7CD17-AAE2-4548-B2CB-2456914DA7FA}"/>
+                </a:ext>
+              </a:extLst>
+            </p:cNvPr>
+            <p:cNvCxnSpPr>
+              <a:cxnSpLocks/>
+            </p:cNvCxnSpPr>
+            <p:nvPr/>
+          </p:nvCxnSpPr>
+          <p:spPr>
+            <a:xfrm flipH="1">
+              <a:off x="3842082" y="5331982"/>
+              <a:ext cx="800739" cy="0"/>
+            </a:xfrm>
+            <a:prstGeom prst="straightConnector1">
+              <a:avLst/>
+            </a:prstGeom>
+            <a:ln>
+              <a:tailEnd type="triangle"/>
+            </a:ln>
+          </p:spPr>
+          <p:style>
+            <a:lnRef idx="1">
+              <a:schemeClr val="accent1"/>
+            </a:lnRef>
+            <a:fillRef idx="0">
+              <a:schemeClr val="accent1"/>
+            </a:fillRef>
+            <a:effectRef idx="0">
+              <a:schemeClr val="accent1"/>
+            </a:effectRef>
+            <a:fontRef idx="minor">
+              <a:schemeClr val="tx1"/>
+            </a:fontRef>
+          </p:style>
+        </p:cxnSp>
+        <p:grpSp>
+          <p:nvGrpSpPr>
+            <p:cNvPr id="48" name="Group 47">
+              <a:extLst>
+                <a:ext uri="{FF2B5EF4-FFF2-40B4-BE49-F238E27FC236}">
+                  <a16:creationId xmlns:a16="http://schemas.microsoft.com/office/drawing/2014/main" id="{10C12DEB-C130-4F4B-9407-4FF8B74539D5}"/>
+                </a:ext>
+              </a:extLst>
+            </p:cNvPr>
+            <p:cNvGrpSpPr/>
+            <p:nvPr/>
+          </p:nvGrpSpPr>
+          <p:grpSpPr>
+            <a:xfrm>
+              <a:off x="3136448" y="5004308"/>
+              <a:ext cx="716280" cy="631463"/>
+              <a:chOff x="1859280" y="5235937"/>
+              <a:chExt cx="716280" cy="631463"/>
+            </a:xfrm>
+          </p:grpSpPr>
+          <p:sp>
+            <p:nvSpPr>
+              <p:cNvPr id="45" name="Oval 44">
+                <a:extLst>
+                  <a:ext uri="{FF2B5EF4-FFF2-40B4-BE49-F238E27FC236}">
+                    <a16:creationId xmlns:a16="http://schemas.microsoft.com/office/drawing/2014/main" id="{1E620843-48A2-4D4E-8365-8FF9A7368B1A}"/>
+                  </a:ext>
+                </a:extLst>
+              </p:cNvPr>
+              <p:cNvSpPr/>
+              <p:nvPr/>
+            </p:nvSpPr>
+            <p:spPr>
+              <a:xfrm>
+                <a:off x="1859280" y="5235937"/>
+                <a:ext cx="716280" cy="631463"/>
+              </a:xfrm>
+              <a:prstGeom prst="ellipse">
+                <a:avLst/>
+              </a:prstGeom>
+            </p:spPr>
+            <p:style>
+              <a:lnRef idx="2">
+                <a:schemeClr val="dk1"/>
+              </a:lnRef>
+              <a:fillRef idx="1">
+                <a:schemeClr val="lt1"/>
+              </a:fillRef>
+              <a:effectRef idx="0">
+                <a:schemeClr val="dk1"/>
+              </a:effectRef>
+              <a:fontRef idx="minor">
+                <a:schemeClr val="dk1"/>
+              </a:fontRef>
+            </p:style>
+            <p:txBody>
+              <a:bodyPr rtlCol="0" anchor="ctr"/>
+              <a:lstStyle/>
+              <a:p>
+                <a:pPr algn="ctr"/>
+                <a:endParaRPr lang="en-DE"/>
+              </a:p>
+            </p:txBody>
+          </p:sp>
+          <p:sp>
+            <p:nvSpPr>
+              <p:cNvPr id="47" name="Oval 46">
+                <a:extLst>
+                  <a:ext uri="{FF2B5EF4-FFF2-40B4-BE49-F238E27FC236}">
+                    <a16:creationId xmlns:a16="http://schemas.microsoft.com/office/drawing/2014/main" id="{764026F0-6941-45CB-BA93-B459D17824EE}"/>
+                  </a:ext>
+                </a:extLst>
+              </p:cNvPr>
+              <p:cNvSpPr/>
+              <p:nvPr/>
+            </p:nvSpPr>
+            <p:spPr>
+              <a:xfrm>
+                <a:off x="2009540" y="5361168"/>
+                <a:ext cx="415760" cy="381000"/>
+              </a:xfrm>
+              <a:prstGeom prst="ellipse">
+                <a:avLst/>
+              </a:prstGeom>
+            </p:spPr>
+            <p:style>
+              <a:lnRef idx="2">
+                <a:schemeClr val="dk1">
+                  <a:shade val="50000"/>
+                </a:schemeClr>
+              </a:lnRef>
+              <a:fillRef idx="1">
+                <a:schemeClr val="dk1"/>
+              </a:fillRef>
+              <a:effectRef idx="0">
+                <a:schemeClr val="dk1"/>
+              </a:effectRef>
+              <a:fontRef idx="minor">
+                <a:schemeClr val="lt1"/>
+              </a:fontRef>
+            </p:style>
+            <p:txBody>
+              <a:bodyPr rtlCol="0" anchor="ctr"/>
+              <a:lstStyle/>
+              <a:p>
+                <a:pPr algn="ctr"/>
+                <a:endParaRPr lang="en-DE"/>
+              </a:p>
+            </p:txBody>
+          </p:sp>
+        </p:grpSp>
+      </p:grpSp>
     </p:spTree>
     <p:extLst>
       <p:ext uri="{BB962C8B-B14F-4D97-AF65-F5344CB8AC3E}">
-        <p14:creationId xmlns:p14="http://schemas.microsoft.com/office/powerpoint/2010/main" val="2569426249"/>
+        <p14:creationId xmlns:p14="http://schemas.microsoft.com/office/powerpoint/2010/main" val="4166744985"/>
       </p:ext>
     </p:extLst>
   </p:cSld>
@@ -3997,7 +6273,442 @@
 </p:sld>
 </file>
 
-<file path=ppt/slides/slide13.xml><?xml version="1.0" encoding="utf-8"?>
+<file path=ppt/slides/slide15.xml><?xml version="1.0" encoding="utf-8"?>
+<p:sld xmlns:a="http://schemas.openxmlformats.org/drawingml/2006/main" xmlns:r="http://schemas.openxmlformats.org/officeDocument/2006/relationships" xmlns:p="http://schemas.openxmlformats.org/presentationml/2006/main">
+  <p:cSld>
+    <p:bg>
+      <p:bgPr>
+        <a:solidFill>
+          <a:schemeClr val="bg1">
+            <a:tint val="95000"/>
+            <a:satMod val="170000"/>
+          </a:schemeClr>
+        </a:solidFill>
+        <a:effectLst/>
+      </p:bgPr>
+    </p:bg>
+    <p:spTree>
+      <p:nvGrpSpPr>
+        <p:cNvPr id="1" name=""/>
+        <p:cNvGrpSpPr/>
+        <p:nvPr/>
+      </p:nvGrpSpPr>
+      <p:grpSpPr>
+        <a:xfrm>
+          <a:off x="0" y="0"/>
+          <a:ext cx="0" cy="0"/>
+          <a:chOff x="0" y="0"/>
+          <a:chExt cx="0" cy="0"/>
+        </a:xfrm>
+      </p:grpSpPr>
+      <p:sp>
+        <p:nvSpPr>
+          <p:cNvPr id="8" name="Freeform: Shape 7">
+            <a:extLst>
+              <a:ext uri="{FF2B5EF4-FFF2-40B4-BE49-F238E27FC236}">
+                <a16:creationId xmlns:a16="http://schemas.microsoft.com/office/drawing/2014/main" id="{66B332A4-D438-4773-A77F-5ED49A448D9D}"/>
+              </a:ext>
+              <a:ext uri="{C183D7F6-B498-43B3-948B-1728B52AA6E4}">
+                <adec:decorative xmlns:adec="http://schemas.microsoft.com/office/drawing/2017/decorative" val="1"/>
+              </a:ext>
+            </a:extLst>
+          </p:cNvPr>
+          <p:cNvSpPr>
+            <a:spLocks noGrp="1" noRot="1" noChangeAspect="1" noMove="1" noResize="1" noEditPoints="1" noAdjustHandles="1" noChangeArrowheads="1" noChangeShapeType="1" noTextEdit="1"/>
+          </p:cNvSpPr>
+          <p:nvPr>
+            <p:extLst>
+              <p:ext uri="{386F3935-93C4-4BCD-93E2-E3B085C9AB24}">
+                <p16:designElem xmlns:p16="http://schemas.microsoft.com/office/powerpoint/2015/main" val="1"/>
+              </p:ext>
+            </p:extLst>
+          </p:nvPr>
+        </p:nvSpPr>
+        <p:spPr>
+          <a:xfrm>
+            <a:off x="1953768" y="0"/>
+            <a:ext cx="8284464" cy="6858000"/>
+          </a:xfrm>
+          <a:custGeom>
+            <a:avLst/>
+            <a:gdLst>
+              <a:gd name="connsiteX0" fmla="*/ 1818109 w 8284464"/>
+              <a:gd name="connsiteY0" fmla="*/ 0 h 6858000"/>
+              <a:gd name="connsiteX1" fmla="*/ 6466355 w 8284464"/>
+              <a:gd name="connsiteY1" fmla="*/ 0 h 6858000"/>
+              <a:gd name="connsiteX2" fmla="*/ 6620596 w 8284464"/>
+              <a:gd name="connsiteY2" fmla="*/ 109683 h 6858000"/>
+              <a:gd name="connsiteX3" fmla="*/ 8284464 w 8284464"/>
+              <a:gd name="connsiteY3" fmla="*/ 3429000 h 6858000"/>
+              <a:gd name="connsiteX4" fmla="*/ 6620596 w 8284464"/>
+              <a:gd name="connsiteY4" fmla="*/ 6748318 h 6858000"/>
+              <a:gd name="connsiteX5" fmla="*/ 6466355 w 8284464"/>
+              <a:gd name="connsiteY5" fmla="*/ 6858000 h 6858000"/>
+              <a:gd name="connsiteX6" fmla="*/ 1818109 w 8284464"/>
+              <a:gd name="connsiteY6" fmla="*/ 6858000 h 6858000"/>
+              <a:gd name="connsiteX7" fmla="*/ 1663869 w 8284464"/>
+              <a:gd name="connsiteY7" fmla="*/ 6748318 h 6858000"/>
+              <a:gd name="connsiteX8" fmla="*/ 0 w 8284464"/>
+              <a:gd name="connsiteY8" fmla="*/ 3429000 h 6858000"/>
+              <a:gd name="connsiteX9" fmla="*/ 1663869 w 8284464"/>
+              <a:gd name="connsiteY9" fmla="*/ 109683 h 6858000"/>
+            </a:gdLst>
+            <a:ahLst/>
+            <a:cxnLst>
+              <a:cxn ang="0">
+                <a:pos x="connsiteX0" y="connsiteY0"/>
+              </a:cxn>
+              <a:cxn ang="0">
+                <a:pos x="connsiteX1" y="connsiteY1"/>
+              </a:cxn>
+              <a:cxn ang="0">
+                <a:pos x="connsiteX2" y="connsiteY2"/>
+              </a:cxn>
+              <a:cxn ang="0">
+                <a:pos x="connsiteX3" y="connsiteY3"/>
+              </a:cxn>
+              <a:cxn ang="0">
+                <a:pos x="connsiteX4" y="connsiteY4"/>
+              </a:cxn>
+              <a:cxn ang="0">
+                <a:pos x="connsiteX5" y="connsiteY5"/>
+              </a:cxn>
+              <a:cxn ang="0">
+                <a:pos x="connsiteX6" y="connsiteY6"/>
+              </a:cxn>
+              <a:cxn ang="0">
+                <a:pos x="connsiteX7" y="connsiteY7"/>
+              </a:cxn>
+              <a:cxn ang="0">
+                <a:pos x="connsiteX8" y="connsiteY8"/>
+              </a:cxn>
+              <a:cxn ang="0">
+                <a:pos x="connsiteX9" y="connsiteY9"/>
+              </a:cxn>
+            </a:cxnLst>
+            <a:rect l="l" t="t" r="r" b="b"/>
+            <a:pathLst>
+              <a:path w="8284464" h="6858000">
+                <a:moveTo>
+                  <a:pt x="1818109" y="0"/>
+                </a:moveTo>
+                <a:lnTo>
+                  <a:pt x="6466355" y="0"/>
+                </a:lnTo>
+                <a:lnTo>
+                  <a:pt x="6620596" y="109683"/>
+                </a:lnTo>
+                <a:cubicBezTo>
+                  <a:pt x="7630666" y="865069"/>
+                  <a:pt x="8284464" y="2070683"/>
+                  <a:pt x="8284464" y="3429000"/>
+                </a:cubicBezTo>
+                <a:cubicBezTo>
+                  <a:pt x="8284464" y="4787317"/>
+                  <a:pt x="7630666" y="5992931"/>
+                  <a:pt x="6620596" y="6748318"/>
+                </a:cubicBezTo>
+                <a:lnTo>
+                  <a:pt x="6466355" y="6858000"/>
+                </a:lnTo>
+                <a:lnTo>
+                  <a:pt x="1818109" y="6858000"/>
+                </a:lnTo>
+                <a:lnTo>
+                  <a:pt x="1663869" y="6748318"/>
+                </a:lnTo>
+                <a:cubicBezTo>
+                  <a:pt x="653798" y="5992931"/>
+                  <a:pt x="0" y="4787317"/>
+                  <a:pt x="0" y="3429000"/>
+                </a:cubicBezTo>
+                <a:cubicBezTo>
+                  <a:pt x="0" y="2070683"/>
+                  <a:pt x="653798" y="865069"/>
+                  <a:pt x="1663869" y="109683"/>
+                </a:cubicBezTo>
+                <a:close/>
+              </a:path>
+            </a:pathLst>
+          </a:custGeom>
+          <a:solidFill>
+            <a:srgbClr val="FFFFFF">
+              <a:alpha val="80000"/>
+            </a:srgbClr>
+          </a:solidFill>
+          <a:ln>
+            <a:noFill/>
+          </a:ln>
+        </p:spPr>
+        <p:style>
+          <a:lnRef idx="2">
+            <a:schemeClr val="accent1">
+              <a:shade val="50000"/>
+            </a:schemeClr>
+          </a:lnRef>
+          <a:fillRef idx="1">
+            <a:schemeClr val="accent1"/>
+          </a:fillRef>
+          <a:effectRef idx="0">
+            <a:schemeClr val="accent1"/>
+          </a:effectRef>
+          <a:fontRef idx="minor">
+            <a:schemeClr val="lt1"/>
+          </a:fontRef>
+        </p:style>
+        <p:txBody>
+          <a:bodyPr wrap="square" rtlCol="0" anchor="ctr">
+            <a:noAutofit/>
+          </a:bodyPr>
+          <a:lstStyle/>
+          <a:p>
+            <a:pPr algn="ctr"/>
+            <a:endParaRPr lang="en-US"/>
+          </a:p>
+        </p:txBody>
+      </p:sp>
+      <p:sp>
+        <p:nvSpPr>
+          <p:cNvPr id="10" name="Freeform: Shape 9">
+            <a:extLst>
+              <a:ext uri="{FF2B5EF4-FFF2-40B4-BE49-F238E27FC236}">
+                <a16:creationId xmlns:a16="http://schemas.microsoft.com/office/drawing/2014/main" id="{DF9AD32D-FF05-44F4-BD4D-9CEE89B71EB9}"/>
+              </a:ext>
+              <a:ext uri="{C183D7F6-B498-43B3-948B-1728B52AA6E4}">
+                <adec:decorative xmlns:adec="http://schemas.microsoft.com/office/drawing/2017/decorative" val="1"/>
+              </a:ext>
+            </a:extLst>
+          </p:cNvPr>
+          <p:cNvSpPr>
+            <a:spLocks noGrp="1" noRot="1" noChangeAspect="1" noMove="1" noResize="1" noEditPoints="1" noAdjustHandles="1" noChangeArrowheads="1" noChangeShapeType="1" noTextEdit="1"/>
+          </p:cNvSpPr>
+          <p:nvPr>
+            <p:extLst>
+              <p:ext uri="{386F3935-93C4-4BCD-93E2-E3B085C9AB24}">
+                <p16:designElem xmlns:p16="http://schemas.microsoft.com/office/powerpoint/2015/main" val="1"/>
+              </p:ext>
+            </p:extLst>
+          </p:nvPr>
+        </p:nvSpPr>
+        <p:spPr>
+          <a:xfrm>
+            <a:off x="2118360" y="0"/>
+            <a:ext cx="7955280" cy="6858000"/>
+          </a:xfrm>
+          <a:custGeom>
+            <a:avLst/>
+            <a:gdLst>
+              <a:gd name="connsiteX0" fmla="*/ 1962423 w 7955280"/>
+              <a:gd name="connsiteY0" fmla="*/ 0 h 6858000"/>
+              <a:gd name="connsiteX1" fmla="*/ 5992858 w 7955280"/>
+              <a:gd name="connsiteY1" fmla="*/ 0 h 6858000"/>
+              <a:gd name="connsiteX2" fmla="*/ 6040191 w 7955280"/>
+              <a:gd name="connsiteY2" fmla="*/ 27216 h 6858000"/>
+              <a:gd name="connsiteX3" fmla="*/ 7955280 w 7955280"/>
+              <a:gd name="connsiteY3" fmla="*/ 3429000 h 6858000"/>
+              <a:gd name="connsiteX4" fmla="*/ 6040191 w 7955280"/>
+              <a:gd name="connsiteY4" fmla="*/ 6830784 h 6858000"/>
+              <a:gd name="connsiteX5" fmla="*/ 5992858 w 7955280"/>
+              <a:gd name="connsiteY5" fmla="*/ 6858000 h 6858000"/>
+              <a:gd name="connsiteX6" fmla="*/ 1962423 w 7955280"/>
+              <a:gd name="connsiteY6" fmla="*/ 6858000 h 6858000"/>
+              <a:gd name="connsiteX7" fmla="*/ 1915089 w 7955280"/>
+              <a:gd name="connsiteY7" fmla="*/ 6830784 h 6858000"/>
+              <a:gd name="connsiteX8" fmla="*/ 0 w 7955280"/>
+              <a:gd name="connsiteY8" fmla="*/ 3429000 h 6858000"/>
+              <a:gd name="connsiteX9" fmla="*/ 1915089 w 7955280"/>
+              <a:gd name="connsiteY9" fmla="*/ 27216 h 6858000"/>
+            </a:gdLst>
+            <a:ahLst/>
+            <a:cxnLst>
+              <a:cxn ang="0">
+                <a:pos x="connsiteX0" y="connsiteY0"/>
+              </a:cxn>
+              <a:cxn ang="0">
+                <a:pos x="connsiteX1" y="connsiteY1"/>
+              </a:cxn>
+              <a:cxn ang="0">
+                <a:pos x="connsiteX2" y="connsiteY2"/>
+              </a:cxn>
+              <a:cxn ang="0">
+                <a:pos x="connsiteX3" y="connsiteY3"/>
+              </a:cxn>
+              <a:cxn ang="0">
+                <a:pos x="connsiteX4" y="connsiteY4"/>
+              </a:cxn>
+              <a:cxn ang="0">
+                <a:pos x="connsiteX5" y="connsiteY5"/>
+              </a:cxn>
+              <a:cxn ang="0">
+                <a:pos x="connsiteX6" y="connsiteY6"/>
+              </a:cxn>
+              <a:cxn ang="0">
+                <a:pos x="connsiteX7" y="connsiteY7"/>
+              </a:cxn>
+              <a:cxn ang="0">
+                <a:pos x="connsiteX8" y="connsiteY8"/>
+              </a:cxn>
+              <a:cxn ang="0">
+                <a:pos x="connsiteX9" y="connsiteY9"/>
+              </a:cxn>
+            </a:cxnLst>
+            <a:rect l="l" t="t" r="r" b="b"/>
+            <a:pathLst>
+              <a:path w="7955280" h="6858000">
+                <a:moveTo>
+                  <a:pt x="1962423" y="0"/>
+                </a:moveTo>
+                <a:lnTo>
+                  <a:pt x="5992858" y="0"/>
+                </a:lnTo>
+                <a:lnTo>
+                  <a:pt x="6040191" y="27216"/>
+                </a:lnTo>
+                <a:cubicBezTo>
+                  <a:pt x="7188332" y="724844"/>
+                  <a:pt x="7955280" y="1987357"/>
+                  <a:pt x="7955280" y="3429000"/>
+                </a:cubicBezTo>
+                <a:cubicBezTo>
+                  <a:pt x="7955280" y="4870644"/>
+                  <a:pt x="7188332" y="6133157"/>
+                  <a:pt x="6040191" y="6830784"/>
+                </a:cubicBezTo>
+                <a:lnTo>
+                  <a:pt x="5992858" y="6858000"/>
+                </a:lnTo>
+                <a:lnTo>
+                  <a:pt x="1962423" y="6858000"/>
+                </a:lnTo>
+                <a:lnTo>
+                  <a:pt x="1915089" y="6830784"/>
+                </a:lnTo>
+                <a:cubicBezTo>
+                  <a:pt x="766948" y="6133157"/>
+                  <a:pt x="0" y="4870644"/>
+                  <a:pt x="0" y="3429000"/>
+                </a:cubicBezTo>
+                <a:cubicBezTo>
+                  <a:pt x="0" y="1987357"/>
+                  <a:pt x="766948" y="724844"/>
+                  <a:pt x="1915089" y="27216"/>
+                </a:cubicBezTo>
+                <a:close/>
+              </a:path>
+            </a:pathLst>
+          </a:custGeom>
+          <a:solidFill>
+            <a:schemeClr val="tx1"/>
+          </a:solidFill>
+          <a:ln>
+            <a:noFill/>
+          </a:ln>
+        </p:spPr>
+        <p:style>
+          <a:lnRef idx="2">
+            <a:schemeClr val="accent1">
+              <a:shade val="50000"/>
+            </a:schemeClr>
+          </a:lnRef>
+          <a:fillRef idx="1">
+            <a:schemeClr val="accent1"/>
+          </a:fillRef>
+          <a:effectRef idx="0">
+            <a:schemeClr val="accent1"/>
+          </a:effectRef>
+          <a:fontRef idx="minor">
+            <a:schemeClr val="lt1"/>
+          </a:fontRef>
+        </p:style>
+        <p:txBody>
+          <a:bodyPr wrap="square" rtlCol="0" anchor="ctr">
+            <a:noAutofit/>
+          </a:bodyPr>
+          <a:lstStyle/>
+          <a:p>
+            <a:pPr algn="ctr"/>
+            <a:endParaRPr lang="en-US"/>
+          </a:p>
+        </p:txBody>
+      </p:sp>
+      <p:sp>
+        <p:nvSpPr>
+          <p:cNvPr id="2" name="Title 1">
+            <a:extLst>
+              <a:ext uri="{FF2B5EF4-FFF2-40B4-BE49-F238E27FC236}">
+                <a16:creationId xmlns:a16="http://schemas.microsoft.com/office/drawing/2014/main" id="{B2BB991A-3D56-45F7-BB29-85A87DA02C79}"/>
+              </a:ext>
+            </a:extLst>
+          </p:cNvPr>
+          <p:cNvSpPr>
+            <a:spLocks noGrp="1"/>
+          </p:cNvSpPr>
+          <p:nvPr>
+            <p:ph type="title"/>
+          </p:nvPr>
+        </p:nvSpPr>
+        <p:spPr>
+          <a:xfrm>
+            <a:off x="2555631" y="1441938"/>
+            <a:ext cx="7080738" cy="3974124"/>
+          </a:xfrm>
+        </p:spPr>
+        <p:txBody>
+          <a:bodyPr vert="horz" lIns="91440" tIns="45720" rIns="91440" bIns="45720" rtlCol="0" anchor="ctr">
+            <a:normAutofit/>
+          </a:bodyPr>
+          <a:lstStyle/>
+          <a:p>
+            <a:pPr algn="ctr"/>
+            <a:r>
+              <a:rPr lang="en-US" sz="5400" dirty="0">
+                <a:solidFill>
+                  <a:schemeClr val="bg1">
+                    <a:lumMod val="95000"/>
+                    <a:lumOff val="5000"/>
+                  </a:schemeClr>
+                </a:solidFill>
+              </a:rPr>
+              <a:t>SCENARIO 3:</a:t>
+            </a:r>
+            <a:br>
+              <a:rPr lang="en-US" sz="5400" dirty="0">
+                <a:solidFill>
+                  <a:schemeClr val="bg1">
+                    <a:lumMod val="95000"/>
+                    <a:lumOff val="5000"/>
+                  </a:schemeClr>
+                </a:solidFill>
+              </a:rPr>
+            </a:br>
+            <a:r>
+              <a:rPr lang="en-US" sz="5400" dirty="0">
+                <a:solidFill>
+                  <a:schemeClr val="bg1">
+                    <a:lumMod val="95000"/>
+                    <a:lumOff val="5000"/>
+                  </a:schemeClr>
+                </a:solidFill>
+              </a:rPr>
+              <a:t>FIRE ALARM</a:t>
+            </a:r>
+          </a:p>
+        </p:txBody>
+      </p:sp>
+    </p:spTree>
+    <p:extLst>
+      <p:ext uri="{BB962C8B-B14F-4D97-AF65-F5344CB8AC3E}">
+        <p14:creationId xmlns:p14="http://schemas.microsoft.com/office/powerpoint/2010/main" val="181636285"/>
+      </p:ext>
+    </p:extLst>
+  </p:cSld>
+  <p:clrMapOvr>
+    <a:overrideClrMapping bg1="dk1" tx1="lt1" bg2="dk2" tx2="lt2" accent1="accent1" accent2="accent2" accent3="accent3" accent4="accent4" accent5="accent5" accent6="accent6" hlink="hlink" folHlink="folHlink"/>
+  </p:clrMapOvr>
+</p:sld>
+</file>
+
+<file path=ppt/slides/slide16.xml><?xml version="1.0" encoding="utf-8"?>
 <p:sld xmlns:a="http://schemas.openxmlformats.org/drawingml/2006/main" xmlns:r="http://schemas.openxmlformats.org/officeDocument/2006/relationships" xmlns:p="http://schemas.openxmlformats.org/presentationml/2006/main">
   <p:cSld>
     <p:bg>
@@ -4249,7 +6960,442 @@
 </p:sld>
 </file>
 
-<file path=ppt/slides/slide14.xml><?xml version="1.0" encoding="utf-8"?>
+<file path=ppt/slides/slide17.xml><?xml version="1.0" encoding="utf-8"?>
+<p:sld xmlns:a="http://schemas.openxmlformats.org/drawingml/2006/main" xmlns:r="http://schemas.openxmlformats.org/officeDocument/2006/relationships" xmlns:p="http://schemas.openxmlformats.org/presentationml/2006/main">
+  <p:cSld>
+    <p:bg>
+      <p:bgPr>
+        <a:solidFill>
+          <a:schemeClr val="bg1">
+            <a:tint val="95000"/>
+            <a:satMod val="170000"/>
+          </a:schemeClr>
+        </a:solidFill>
+        <a:effectLst/>
+      </p:bgPr>
+    </p:bg>
+    <p:spTree>
+      <p:nvGrpSpPr>
+        <p:cNvPr id="1" name=""/>
+        <p:cNvGrpSpPr/>
+        <p:nvPr/>
+      </p:nvGrpSpPr>
+      <p:grpSpPr>
+        <a:xfrm>
+          <a:off x="0" y="0"/>
+          <a:ext cx="0" cy="0"/>
+          <a:chOff x="0" y="0"/>
+          <a:chExt cx="0" cy="0"/>
+        </a:xfrm>
+      </p:grpSpPr>
+      <p:sp>
+        <p:nvSpPr>
+          <p:cNvPr id="8" name="Freeform: Shape 7">
+            <a:extLst>
+              <a:ext uri="{FF2B5EF4-FFF2-40B4-BE49-F238E27FC236}">
+                <a16:creationId xmlns:a16="http://schemas.microsoft.com/office/drawing/2014/main" id="{66B332A4-D438-4773-A77F-5ED49A448D9D}"/>
+              </a:ext>
+              <a:ext uri="{C183D7F6-B498-43B3-948B-1728B52AA6E4}">
+                <adec:decorative xmlns:adec="http://schemas.microsoft.com/office/drawing/2017/decorative" val="1"/>
+              </a:ext>
+            </a:extLst>
+          </p:cNvPr>
+          <p:cNvSpPr>
+            <a:spLocks noGrp="1" noRot="1" noChangeAspect="1" noMove="1" noResize="1" noEditPoints="1" noAdjustHandles="1" noChangeArrowheads="1" noChangeShapeType="1" noTextEdit="1"/>
+          </p:cNvSpPr>
+          <p:nvPr>
+            <p:extLst>
+              <p:ext uri="{386F3935-93C4-4BCD-93E2-E3B085C9AB24}">
+                <p16:designElem xmlns:p16="http://schemas.microsoft.com/office/powerpoint/2015/main" val="1"/>
+              </p:ext>
+            </p:extLst>
+          </p:nvPr>
+        </p:nvSpPr>
+        <p:spPr>
+          <a:xfrm>
+            <a:off x="1953768" y="0"/>
+            <a:ext cx="8284464" cy="6858000"/>
+          </a:xfrm>
+          <a:custGeom>
+            <a:avLst/>
+            <a:gdLst>
+              <a:gd name="connsiteX0" fmla="*/ 1818109 w 8284464"/>
+              <a:gd name="connsiteY0" fmla="*/ 0 h 6858000"/>
+              <a:gd name="connsiteX1" fmla="*/ 6466355 w 8284464"/>
+              <a:gd name="connsiteY1" fmla="*/ 0 h 6858000"/>
+              <a:gd name="connsiteX2" fmla="*/ 6620596 w 8284464"/>
+              <a:gd name="connsiteY2" fmla="*/ 109683 h 6858000"/>
+              <a:gd name="connsiteX3" fmla="*/ 8284464 w 8284464"/>
+              <a:gd name="connsiteY3" fmla="*/ 3429000 h 6858000"/>
+              <a:gd name="connsiteX4" fmla="*/ 6620596 w 8284464"/>
+              <a:gd name="connsiteY4" fmla="*/ 6748318 h 6858000"/>
+              <a:gd name="connsiteX5" fmla="*/ 6466355 w 8284464"/>
+              <a:gd name="connsiteY5" fmla="*/ 6858000 h 6858000"/>
+              <a:gd name="connsiteX6" fmla="*/ 1818109 w 8284464"/>
+              <a:gd name="connsiteY6" fmla="*/ 6858000 h 6858000"/>
+              <a:gd name="connsiteX7" fmla="*/ 1663869 w 8284464"/>
+              <a:gd name="connsiteY7" fmla="*/ 6748318 h 6858000"/>
+              <a:gd name="connsiteX8" fmla="*/ 0 w 8284464"/>
+              <a:gd name="connsiteY8" fmla="*/ 3429000 h 6858000"/>
+              <a:gd name="connsiteX9" fmla="*/ 1663869 w 8284464"/>
+              <a:gd name="connsiteY9" fmla="*/ 109683 h 6858000"/>
+            </a:gdLst>
+            <a:ahLst/>
+            <a:cxnLst>
+              <a:cxn ang="0">
+                <a:pos x="connsiteX0" y="connsiteY0"/>
+              </a:cxn>
+              <a:cxn ang="0">
+                <a:pos x="connsiteX1" y="connsiteY1"/>
+              </a:cxn>
+              <a:cxn ang="0">
+                <a:pos x="connsiteX2" y="connsiteY2"/>
+              </a:cxn>
+              <a:cxn ang="0">
+                <a:pos x="connsiteX3" y="connsiteY3"/>
+              </a:cxn>
+              <a:cxn ang="0">
+                <a:pos x="connsiteX4" y="connsiteY4"/>
+              </a:cxn>
+              <a:cxn ang="0">
+                <a:pos x="connsiteX5" y="connsiteY5"/>
+              </a:cxn>
+              <a:cxn ang="0">
+                <a:pos x="connsiteX6" y="connsiteY6"/>
+              </a:cxn>
+              <a:cxn ang="0">
+                <a:pos x="connsiteX7" y="connsiteY7"/>
+              </a:cxn>
+              <a:cxn ang="0">
+                <a:pos x="connsiteX8" y="connsiteY8"/>
+              </a:cxn>
+              <a:cxn ang="0">
+                <a:pos x="connsiteX9" y="connsiteY9"/>
+              </a:cxn>
+            </a:cxnLst>
+            <a:rect l="l" t="t" r="r" b="b"/>
+            <a:pathLst>
+              <a:path w="8284464" h="6858000">
+                <a:moveTo>
+                  <a:pt x="1818109" y="0"/>
+                </a:moveTo>
+                <a:lnTo>
+                  <a:pt x="6466355" y="0"/>
+                </a:lnTo>
+                <a:lnTo>
+                  <a:pt x="6620596" y="109683"/>
+                </a:lnTo>
+                <a:cubicBezTo>
+                  <a:pt x="7630666" y="865069"/>
+                  <a:pt x="8284464" y="2070683"/>
+                  <a:pt x="8284464" y="3429000"/>
+                </a:cubicBezTo>
+                <a:cubicBezTo>
+                  <a:pt x="8284464" y="4787317"/>
+                  <a:pt x="7630666" y="5992931"/>
+                  <a:pt x="6620596" y="6748318"/>
+                </a:cubicBezTo>
+                <a:lnTo>
+                  <a:pt x="6466355" y="6858000"/>
+                </a:lnTo>
+                <a:lnTo>
+                  <a:pt x="1818109" y="6858000"/>
+                </a:lnTo>
+                <a:lnTo>
+                  <a:pt x="1663869" y="6748318"/>
+                </a:lnTo>
+                <a:cubicBezTo>
+                  <a:pt x="653798" y="5992931"/>
+                  <a:pt x="0" y="4787317"/>
+                  <a:pt x="0" y="3429000"/>
+                </a:cubicBezTo>
+                <a:cubicBezTo>
+                  <a:pt x="0" y="2070683"/>
+                  <a:pt x="653798" y="865069"/>
+                  <a:pt x="1663869" y="109683"/>
+                </a:cubicBezTo>
+                <a:close/>
+              </a:path>
+            </a:pathLst>
+          </a:custGeom>
+          <a:solidFill>
+            <a:srgbClr val="FFFFFF">
+              <a:alpha val="80000"/>
+            </a:srgbClr>
+          </a:solidFill>
+          <a:ln>
+            <a:noFill/>
+          </a:ln>
+        </p:spPr>
+        <p:style>
+          <a:lnRef idx="2">
+            <a:schemeClr val="accent1">
+              <a:shade val="50000"/>
+            </a:schemeClr>
+          </a:lnRef>
+          <a:fillRef idx="1">
+            <a:schemeClr val="accent1"/>
+          </a:fillRef>
+          <a:effectRef idx="0">
+            <a:schemeClr val="accent1"/>
+          </a:effectRef>
+          <a:fontRef idx="minor">
+            <a:schemeClr val="lt1"/>
+          </a:fontRef>
+        </p:style>
+        <p:txBody>
+          <a:bodyPr wrap="square" rtlCol="0" anchor="ctr">
+            <a:noAutofit/>
+          </a:bodyPr>
+          <a:lstStyle/>
+          <a:p>
+            <a:pPr algn="ctr"/>
+            <a:endParaRPr lang="en-US"/>
+          </a:p>
+        </p:txBody>
+      </p:sp>
+      <p:sp>
+        <p:nvSpPr>
+          <p:cNvPr id="10" name="Freeform: Shape 9">
+            <a:extLst>
+              <a:ext uri="{FF2B5EF4-FFF2-40B4-BE49-F238E27FC236}">
+                <a16:creationId xmlns:a16="http://schemas.microsoft.com/office/drawing/2014/main" id="{DF9AD32D-FF05-44F4-BD4D-9CEE89B71EB9}"/>
+              </a:ext>
+              <a:ext uri="{C183D7F6-B498-43B3-948B-1728B52AA6E4}">
+                <adec:decorative xmlns:adec="http://schemas.microsoft.com/office/drawing/2017/decorative" val="1"/>
+              </a:ext>
+            </a:extLst>
+          </p:cNvPr>
+          <p:cNvSpPr>
+            <a:spLocks noGrp="1" noRot="1" noChangeAspect="1" noMove="1" noResize="1" noEditPoints="1" noAdjustHandles="1" noChangeArrowheads="1" noChangeShapeType="1" noTextEdit="1"/>
+          </p:cNvSpPr>
+          <p:nvPr>
+            <p:extLst>
+              <p:ext uri="{386F3935-93C4-4BCD-93E2-E3B085C9AB24}">
+                <p16:designElem xmlns:p16="http://schemas.microsoft.com/office/powerpoint/2015/main" val="1"/>
+              </p:ext>
+            </p:extLst>
+          </p:nvPr>
+        </p:nvSpPr>
+        <p:spPr>
+          <a:xfrm>
+            <a:off x="2118360" y="0"/>
+            <a:ext cx="7955280" cy="6858000"/>
+          </a:xfrm>
+          <a:custGeom>
+            <a:avLst/>
+            <a:gdLst>
+              <a:gd name="connsiteX0" fmla="*/ 1962423 w 7955280"/>
+              <a:gd name="connsiteY0" fmla="*/ 0 h 6858000"/>
+              <a:gd name="connsiteX1" fmla="*/ 5992858 w 7955280"/>
+              <a:gd name="connsiteY1" fmla="*/ 0 h 6858000"/>
+              <a:gd name="connsiteX2" fmla="*/ 6040191 w 7955280"/>
+              <a:gd name="connsiteY2" fmla="*/ 27216 h 6858000"/>
+              <a:gd name="connsiteX3" fmla="*/ 7955280 w 7955280"/>
+              <a:gd name="connsiteY3" fmla="*/ 3429000 h 6858000"/>
+              <a:gd name="connsiteX4" fmla="*/ 6040191 w 7955280"/>
+              <a:gd name="connsiteY4" fmla="*/ 6830784 h 6858000"/>
+              <a:gd name="connsiteX5" fmla="*/ 5992858 w 7955280"/>
+              <a:gd name="connsiteY5" fmla="*/ 6858000 h 6858000"/>
+              <a:gd name="connsiteX6" fmla="*/ 1962423 w 7955280"/>
+              <a:gd name="connsiteY6" fmla="*/ 6858000 h 6858000"/>
+              <a:gd name="connsiteX7" fmla="*/ 1915089 w 7955280"/>
+              <a:gd name="connsiteY7" fmla="*/ 6830784 h 6858000"/>
+              <a:gd name="connsiteX8" fmla="*/ 0 w 7955280"/>
+              <a:gd name="connsiteY8" fmla="*/ 3429000 h 6858000"/>
+              <a:gd name="connsiteX9" fmla="*/ 1915089 w 7955280"/>
+              <a:gd name="connsiteY9" fmla="*/ 27216 h 6858000"/>
+            </a:gdLst>
+            <a:ahLst/>
+            <a:cxnLst>
+              <a:cxn ang="0">
+                <a:pos x="connsiteX0" y="connsiteY0"/>
+              </a:cxn>
+              <a:cxn ang="0">
+                <a:pos x="connsiteX1" y="connsiteY1"/>
+              </a:cxn>
+              <a:cxn ang="0">
+                <a:pos x="connsiteX2" y="connsiteY2"/>
+              </a:cxn>
+              <a:cxn ang="0">
+                <a:pos x="connsiteX3" y="connsiteY3"/>
+              </a:cxn>
+              <a:cxn ang="0">
+                <a:pos x="connsiteX4" y="connsiteY4"/>
+              </a:cxn>
+              <a:cxn ang="0">
+                <a:pos x="connsiteX5" y="connsiteY5"/>
+              </a:cxn>
+              <a:cxn ang="0">
+                <a:pos x="connsiteX6" y="connsiteY6"/>
+              </a:cxn>
+              <a:cxn ang="0">
+                <a:pos x="connsiteX7" y="connsiteY7"/>
+              </a:cxn>
+              <a:cxn ang="0">
+                <a:pos x="connsiteX8" y="connsiteY8"/>
+              </a:cxn>
+              <a:cxn ang="0">
+                <a:pos x="connsiteX9" y="connsiteY9"/>
+              </a:cxn>
+            </a:cxnLst>
+            <a:rect l="l" t="t" r="r" b="b"/>
+            <a:pathLst>
+              <a:path w="7955280" h="6858000">
+                <a:moveTo>
+                  <a:pt x="1962423" y="0"/>
+                </a:moveTo>
+                <a:lnTo>
+                  <a:pt x="5992858" y="0"/>
+                </a:lnTo>
+                <a:lnTo>
+                  <a:pt x="6040191" y="27216"/>
+                </a:lnTo>
+                <a:cubicBezTo>
+                  <a:pt x="7188332" y="724844"/>
+                  <a:pt x="7955280" y="1987357"/>
+                  <a:pt x="7955280" y="3429000"/>
+                </a:cubicBezTo>
+                <a:cubicBezTo>
+                  <a:pt x="7955280" y="4870644"/>
+                  <a:pt x="7188332" y="6133157"/>
+                  <a:pt x="6040191" y="6830784"/>
+                </a:cubicBezTo>
+                <a:lnTo>
+                  <a:pt x="5992858" y="6858000"/>
+                </a:lnTo>
+                <a:lnTo>
+                  <a:pt x="1962423" y="6858000"/>
+                </a:lnTo>
+                <a:lnTo>
+                  <a:pt x="1915089" y="6830784"/>
+                </a:lnTo>
+                <a:cubicBezTo>
+                  <a:pt x="766948" y="6133157"/>
+                  <a:pt x="0" y="4870644"/>
+                  <a:pt x="0" y="3429000"/>
+                </a:cubicBezTo>
+                <a:cubicBezTo>
+                  <a:pt x="0" y="1987357"/>
+                  <a:pt x="766948" y="724844"/>
+                  <a:pt x="1915089" y="27216"/>
+                </a:cubicBezTo>
+                <a:close/>
+              </a:path>
+            </a:pathLst>
+          </a:custGeom>
+          <a:solidFill>
+            <a:schemeClr val="tx1"/>
+          </a:solidFill>
+          <a:ln>
+            <a:noFill/>
+          </a:ln>
+        </p:spPr>
+        <p:style>
+          <a:lnRef idx="2">
+            <a:schemeClr val="accent1">
+              <a:shade val="50000"/>
+            </a:schemeClr>
+          </a:lnRef>
+          <a:fillRef idx="1">
+            <a:schemeClr val="accent1"/>
+          </a:fillRef>
+          <a:effectRef idx="0">
+            <a:schemeClr val="accent1"/>
+          </a:effectRef>
+          <a:fontRef idx="minor">
+            <a:schemeClr val="lt1"/>
+          </a:fontRef>
+        </p:style>
+        <p:txBody>
+          <a:bodyPr wrap="square" rtlCol="0" anchor="ctr">
+            <a:noAutofit/>
+          </a:bodyPr>
+          <a:lstStyle/>
+          <a:p>
+            <a:pPr algn="ctr"/>
+            <a:endParaRPr lang="en-US"/>
+          </a:p>
+        </p:txBody>
+      </p:sp>
+      <p:sp>
+        <p:nvSpPr>
+          <p:cNvPr id="2" name="Title 1">
+            <a:extLst>
+              <a:ext uri="{FF2B5EF4-FFF2-40B4-BE49-F238E27FC236}">
+                <a16:creationId xmlns:a16="http://schemas.microsoft.com/office/drawing/2014/main" id="{160C7BD8-5C08-478A-A186-149D943F0693}"/>
+              </a:ext>
+            </a:extLst>
+          </p:cNvPr>
+          <p:cNvSpPr>
+            <a:spLocks noGrp="1"/>
+          </p:cNvSpPr>
+          <p:nvPr>
+            <p:ph type="title"/>
+          </p:nvPr>
+        </p:nvSpPr>
+        <p:spPr>
+          <a:xfrm>
+            <a:off x="2555631" y="1441938"/>
+            <a:ext cx="7080738" cy="3974124"/>
+          </a:xfrm>
+        </p:spPr>
+        <p:txBody>
+          <a:bodyPr vert="horz" lIns="91440" tIns="45720" rIns="91440" bIns="45720" rtlCol="0" anchor="ctr">
+            <a:normAutofit/>
+          </a:bodyPr>
+          <a:lstStyle/>
+          <a:p>
+            <a:pPr algn="ctr"/>
+            <a:r>
+              <a:rPr lang="en-US" sz="5400" dirty="0">
+                <a:solidFill>
+                  <a:schemeClr val="bg1">
+                    <a:lumMod val="95000"/>
+                    <a:lumOff val="5000"/>
+                  </a:schemeClr>
+                </a:solidFill>
+              </a:rPr>
+              <a:t>SCENARIO 4:</a:t>
+            </a:r>
+            <a:br>
+              <a:rPr lang="en-US" sz="5400" dirty="0">
+                <a:solidFill>
+                  <a:schemeClr val="bg1">
+                    <a:lumMod val="95000"/>
+                    <a:lumOff val="5000"/>
+                  </a:schemeClr>
+                </a:solidFill>
+              </a:rPr>
+            </a:br>
+            <a:r>
+              <a:rPr lang="en-US" sz="5400" dirty="0">
+                <a:solidFill>
+                  <a:schemeClr val="bg1">
+                    <a:lumMod val="95000"/>
+                    <a:lumOff val="5000"/>
+                  </a:schemeClr>
+                </a:solidFill>
+              </a:rPr>
+              <a:t>SECURITY</a:t>
+            </a:r>
+          </a:p>
+        </p:txBody>
+      </p:sp>
+    </p:spTree>
+    <p:extLst>
+      <p:ext uri="{BB962C8B-B14F-4D97-AF65-F5344CB8AC3E}">
+        <p14:creationId xmlns:p14="http://schemas.microsoft.com/office/powerpoint/2010/main" val="3765314458"/>
+      </p:ext>
+    </p:extLst>
+  </p:cSld>
+  <p:clrMapOvr>
+    <a:overrideClrMapping bg1="dk1" tx1="lt1" bg2="dk2" tx2="lt2" accent1="accent1" accent2="accent2" accent3="accent3" accent4="accent4" accent5="accent5" accent6="accent6" hlink="hlink" folHlink="folHlink"/>
+  </p:clrMapOvr>
+</p:sld>
+</file>
+
+<file path=ppt/slides/slide18.xml><?xml version="1.0" encoding="utf-8"?>
 <p:sld xmlns:a="http://schemas.openxmlformats.org/drawingml/2006/main" xmlns:r="http://schemas.openxmlformats.org/officeDocument/2006/relationships" xmlns:p="http://schemas.openxmlformats.org/presentationml/2006/main">
   <p:cSld>
     <p:bg>
@@ -4501,7 +7647,7 @@
 </p:sld>
 </file>
 
-<file path=ppt/slides/slide15.xml><?xml version="1.0" encoding="utf-8"?>
+<file path=ppt/slides/slide19.xml><?xml version="1.0" encoding="utf-8"?>
 <p:sld xmlns:a="http://schemas.openxmlformats.org/drawingml/2006/main" xmlns:r="http://schemas.openxmlformats.org/officeDocument/2006/relationships" xmlns:p="http://schemas.openxmlformats.org/presentationml/2006/main">
   <p:cSld>
     <p:bg>
@@ -5229,7 +8375,7 @@
                   <a:srgbClr val="FFFFFF"/>
                 </a:solidFill>
               </a:rPr>
-              <a:t>SEQEUNCE DIAGRAM FOR SMART REMOTE</a:t>
+              <a:t>SEQUENCE DIAGRAM FOR SMART REMOTE</a:t>
             </a:r>
           </a:p>
         </p:txBody>
@@ -5866,6 +9012,441 @@
     <p:bg>
       <p:bgPr>
         <a:solidFill>
+          <a:schemeClr val="bg1">
+            <a:tint val="95000"/>
+            <a:satMod val="170000"/>
+          </a:schemeClr>
+        </a:solidFill>
+        <a:effectLst/>
+      </p:bgPr>
+    </p:bg>
+    <p:spTree>
+      <p:nvGrpSpPr>
+        <p:cNvPr id="1" name=""/>
+        <p:cNvGrpSpPr/>
+        <p:nvPr/>
+      </p:nvGrpSpPr>
+      <p:grpSpPr>
+        <a:xfrm>
+          <a:off x="0" y="0"/>
+          <a:ext cx="0" cy="0"/>
+          <a:chOff x="0" y="0"/>
+          <a:chExt cx="0" cy="0"/>
+        </a:xfrm>
+      </p:grpSpPr>
+      <p:sp>
+        <p:nvSpPr>
+          <p:cNvPr id="7" name="Freeform: Shape 6">
+            <a:extLst>
+              <a:ext uri="{FF2B5EF4-FFF2-40B4-BE49-F238E27FC236}">
+                <a16:creationId xmlns:a16="http://schemas.microsoft.com/office/drawing/2014/main" id="{66B332A4-D438-4773-A77F-5ED49A448D9D}"/>
+              </a:ext>
+              <a:ext uri="{C183D7F6-B498-43B3-948B-1728B52AA6E4}">
+                <adec:decorative xmlns:adec="http://schemas.microsoft.com/office/drawing/2017/decorative" val="1"/>
+              </a:ext>
+            </a:extLst>
+          </p:cNvPr>
+          <p:cNvSpPr>
+            <a:spLocks noGrp="1" noRot="1" noChangeAspect="1" noMove="1" noResize="1" noEditPoints="1" noAdjustHandles="1" noChangeArrowheads="1" noChangeShapeType="1" noTextEdit="1"/>
+          </p:cNvSpPr>
+          <p:nvPr>
+            <p:extLst>
+              <p:ext uri="{386F3935-93C4-4BCD-93E2-E3B085C9AB24}">
+                <p16:designElem xmlns:p16="http://schemas.microsoft.com/office/powerpoint/2015/main" val="1"/>
+              </p:ext>
+            </p:extLst>
+          </p:nvPr>
+        </p:nvSpPr>
+        <p:spPr>
+          <a:xfrm>
+            <a:off x="1953768" y="0"/>
+            <a:ext cx="8284464" cy="6858000"/>
+          </a:xfrm>
+          <a:custGeom>
+            <a:avLst/>
+            <a:gdLst>
+              <a:gd name="connsiteX0" fmla="*/ 1818109 w 8284464"/>
+              <a:gd name="connsiteY0" fmla="*/ 0 h 6858000"/>
+              <a:gd name="connsiteX1" fmla="*/ 6466355 w 8284464"/>
+              <a:gd name="connsiteY1" fmla="*/ 0 h 6858000"/>
+              <a:gd name="connsiteX2" fmla="*/ 6620596 w 8284464"/>
+              <a:gd name="connsiteY2" fmla="*/ 109683 h 6858000"/>
+              <a:gd name="connsiteX3" fmla="*/ 8284464 w 8284464"/>
+              <a:gd name="connsiteY3" fmla="*/ 3429000 h 6858000"/>
+              <a:gd name="connsiteX4" fmla="*/ 6620596 w 8284464"/>
+              <a:gd name="connsiteY4" fmla="*/ 6748318 h 6858000"/>
+              <a:gd name="connsiteX5" fmla="*/ 6466355 w 8284464"/>
+              <a:gd name="connsiteY5" fmla="*/ 6858000 h 6858000"/>
+              <a:gd name="connsiteX6" fmla="*/ 1818109 w 8284464"/>
+              <a:gd name="connsiteY6" fmla="*/ 6858000 h 6858000"/>
+              <a:gd name="connsiteX7" fmla="*/ 1663869 w 8284464"/>
+              <a:gd name="connsiteY7" fmla="*/ 6748318 h 6858000"/>
+              <a:gd name="connsiteX8" fmla="*/ 0 w 8284464"/>
+              <a:gd name="connsiteY8" fmla="*/ 3429000 h 6858000"/>
+              <a:gd name="connsiteX9" fmla="*/ 1663869 w 8284464"/>
+              <a:gd name="connsiteY9" fmla="*/ 109683 h 6858000"/>
+            </a:gdLst>
+            <a:ahLst/>
+            <a:cxnLst>
+              <a:cxn ang="0">
+                <a:pos x="connsiteX0" y="connsiteY0"/>
+              </a:cxn>
+              <a:cxn ang="0">
+                <a:pos x="connsiteX1" y="connsiteY1"/>
+              </a:cxn>
+              <a:cxn ang="0">
+                <a:pos x="connsiteX2" y="connsiteY2"/>
+              </a:cxn>
+              <a:cxn ang="0">
+                <a:pos x="connsiteX3" y="connsiteY3"/>
+              </a:cxn>
+              <a:cxn ang="0">
+                <a:pos x="connsiteX4" y="connsiteY4"/>
+              </a:cxn>
+              <a:cxn ang="0">
+                <a:pos x="connsiteX5" y="connsiteY5"/>
+              </a:cxn>
+              <a:cxn ang="0">
+                <a:pos x="connsiteX6" y="connsiteY6"/>
+              </a:cxn>
+              <a:cxn ang="0">
+                <a:pos x="connsiteX7" y="connsiteY7"/>
+              </a:cxn>
+              <a:cxn ang="0">
+                <a:pos x="connsiteX8" y="connsiteY8"/>
+              </a:cxn>
+              <a:cxn ang="0">
+                <a:pos x="connsiteX9" y="connsiteY9"/>
+              </a:cxn>
+            </a:cxnLst>
+            <a:rect l="l" t="t" r="r" b="b"/>
+            <a:pathLst>
+              <a:path w="8284464" h="6858000">
+                <a:moveTo>
+                  <a:pt x="1818109" y="0"/>
+                </a:moveTo>
+                <a:lnTo>
+                  <a:pt x="6466355" y="0"/>
+                </a:lnTo>
+                <a:lnTo>
+                  <a:pt x="6620596" y="109683"/>
+                </a:lnTo>
+                <a:cubicBezTo>
+                  <a:pt x="7630666" y="865069"/>
+                  <a:pt x="8284464" y="2070683"/>
+                  <a:pt x="8284464" y="3429000"/>
+                </a:cubicBezTo>
+                <a:cubicBezTo>
+                  <a:pt x="8284464" y="4787317"/>
+                  <a:pt x="7630666" y="5992931"/>
+                  <a:pt x="6620596" y="6748318"/>
+                </a:cubicBezTo>
+                <a:lnTo>
+                  <a:pt x="6466355" y="6858000"/>
+                </a:lnTo>
+                <a:lnTo>
+                  <a:pt x="1818109" y="6858000"/>
+                </a:lnTo>
+                <a:lnTo>
+                  <a:pt x="1663869" y="6748318"/>
+                </a:lnTo>
+                <a:cubicBezTo>
+                  <a:pt x="653798" y="5992931"/>
+                  <a:pt x="0" y="4787317"/>
+                  <a:pt x="0" y="3429000"/>
+                </a:cubicBezTo>
+                <a:cubicBezTo>
+                  <a:pt x="0" y="2070683"/>
+                  <a:pt x="653798" y="865069"/>
+                  <a:pt x="1663869" y="109683"/>
+                </a:cubicBezTo>
+                <a:close/>
+              </a:path>
+            </a:pathLst>
+          </a:custGeom>
+          <a:solidFill>
+            <a:srgbClr val="FFFFFF">
+              <a:alpha val="80000"/>
+            </a:srgbClr>
+          </a:solidFill>
+          <a:ln>
+            <a:noFill/>
+          </a:ln>
+        </p:spPr>
+        <p:style>
+          <a:lnRef idx="2">
+            <a:schemeClr val="accent1">
+              <a:shade val="50000"/>
+            </a:schemeClr>
+          </a:lnRef>
+          <a:fillRef idx="1">
+            <a:schemeClr val="accent1"/>
+          </a:fillRef>
+          <a:effectRef idx="0">
+            <a:schemeClr val="accent1"/>
+          </a:effectRef>
+          <a:fontRef idx="minor">
+            <a:schemeClr val="lt1"/>
+          </a:fontRef>
+        </p:style>
+        <p:txBody>
+          <a:bodyPr wrap="square" rtlCol="0" anchor="ctr">
+            <a:noAutofit/>
+          </a:bodyPr>
+          <a:lstStyle/>
+          <a:p>
+            <a:pPr algn="ctr"/>
+            <a:endParaRPr lang="en-US"/>
+          </a:p>
+        </p:txBody>
+      </p:sp>
+      <p:sp>
+        <p:nvSpPr>
+          <p:cNvPr id="9" name="Freeform: Shape 8">
+            <a:extLst>
+              <a:ext uri="{FF2B5EF4-FFF2-40B4-BE49-F238E27FC236}">
+                <a16:creationId xmlns:a16="http://schemas.microsoft.com/office/drawing/2014/main" id="{DF9AD32D-FF05-44F4-BD4D-9CEE89B71EB9}"/>
+              </a:ext>
+              <a:ext uri="{C183D7F6-B498-43B3-948B-1728B52AA6E4}">
+                <adec:decorative xmlns:adec="http://schemas.microsoft.com/office/drawing/2017/decorative" val="1"/>
+              </a:ext>
+            </a:extLst>
+          </p:cNvPr>
+          <p:cNvSpPr>
+            <a:spLocks noGrp="1" noRot="1" noChangeAspect="1" noMove="1" noResize="1" noEditPoints="1" noAdjustHandles="1" noChangeArrowheads="1" noChangeShapeType="1" noTextEdit="1"/>
+          </p:cNvSpPr>
+          <p:nvPr>
+            <p:extLst>
+              <p:ext uri="{386F3935-93C4-4BCD-93E2-E3B085C9AB24}">
+                <p16:designElem xmlns:p16="http://schemas.microsoft.com/office/powerpoint/2015/main" val="1"/>
+              </p:ext>
+            </p:extLst>
+          </p:nvPr>
+        </p:nvSpPr>
+        <p:spPr>
+          <a:xfrm>
+            <a:off x="2118360" y="0"/>
+            <a:ext cx="7955280" cy="6858000"/>
+          </a:xfrm>
+          <a:custGeom>
+            <a:avLst/>
+            <a:gdLst>
+              <a:gd name="connsiteX0" fmla="*/ 1962423 w 7955280"/>
+              <a:gd name="connsiteY0" fmla="*/ 0 h 6858000"/>
+              <a:gd name="connsiteX1" fmla="*/ 5992858 w 7955280"/>
+              <a:gd name="connsiteY1" fmla="*/ 0 h 6858000"/>
+              <a:gd name="connsiteX2" fmla="*/ 6040191 w 7955280"/>
+              <a:gd name="connsiteY2" fmla="*/ 27216 h 6858000"/>
+              <a:gd name="connsiteX3" fmla="*/ 7955280 w 7955280"/>
+              <a:gd name="connsiteY3" fmla="*/ 3429000 h 6858000"/>
+              <a:gd name="connsiteX4" fmla="*/ 6040191 w 7955280"/>
+              <a:gd name="connsiteY4" fmla="*/ 6830784 h 6858000"/>
+              <a:gd name="connsiteX5" fmla="*/ 5992858 w 7955280"/>
+              <a:gd name="connsiteY5" fmla="*/ 6858000 h 6858000"/>
+              <a:gd name="connsiteX6" fmla="*/ 1962423 w 7955280"/>
+              <a:gd name="connsiteY6" fmla="*/ 6858000 h 6858000"/>
+              <a:gd name="connsiteX7" fmla="*/ 1915089 w 7955280"/>
+              <a:gd name="connsiteY7" fmla="*/ 6830784 h 6858000"/>
+              <a:gd name="connsiteX8" fmla="*/ 0 w 7955280"/>
+              <a:gd name="connsiteY8" fmla="*/ 3429000 h 6858000"/>
+              <a:gd name="connsiteX9" fmla="*/ 1915089 w 7955280"/>
+              <a:gd name="connsiteY9" fmla="*/ 27216 h 6858000"/>
+            </a:gdLst>
+            <a:ahLst/>
+            <a:cxnLst>
+              <a:cxn ang="0">
+                <a:pos x="connsiteX0" y="connsiteY0"/>
+              </a:cxn>
+              <a:cxn ang="0">
+                <a:pos x="connsiteX1" y="connsiteY1"/>
+              </a:cxn>
+              <a:cxn ang="0">
+                <a:pos x="connsiteX2" y="connsiteY2"/>
+              </a:cxn>
+              <a:cxn ang="0">
+                <a:pos x="connsiteX3" y="connsiteY3"/>
+              </a:cxn>
+              <a:cxn ang="0">
+                <a:pos x="connsiteX4" y="connsiteY4"/>
+              </a:cxn>
+              <a:cxn ang="0">
+                <a:pos x="connsiteX5" y="connsiteY5"/>
+              </a:cxn>
+              <a:cxn ang="0">
+                <a:pos x="connsiteX6" y="connsiteY6"/>
+              </a:cxn>
+              <a:cxn ang="0">
+                <a:pos x="connsiteX7" y="connsiteY7"/>
+              </a:cxn>
+              <a:cxn ang="0">
+                <a:pos x="connsiteX8" y="connsiteY8"/>
+              </a:cxn>
+              <a:cxn ang="0">
+                <a:pos x="connsiteX9" y="connsiteY9"/>
+              </a:cxn>
+            </a:cxnLst>
+            <a:rect l="l" t="t" r="r" b="b"/>
+            <a:pathLst>
+              <a:path w="7955280" h="6858000">
+                <a:moveTo>
+                  <a:pt x="1962423" y="0"/>
+                </a:moveTo>
+                <a:lnTo>
+                  <a:pt x="5992858" y="0"/>
+                </a:lnTo>
+                <a:lnTo>
+                  <a:pt x="6040191" y="27216"/>
+                </a:lnTo>
+                <a:cubicBezTo>
+                  <a:pt x="7188332" y="724844"/>
+                  <a:pt x="7955280" y="1987357"/>
+                  <a:pt x="7955280" y="3429000"/>
+                </a:cubicBezTo>
+                <a:cubicBezTo>
+                  <a:pt x="7955280" y="4870644"/>
+                  <a:pt x="7188332" y="6133157"/>
+                  <a:pt x="6040191" y="6830784"/>
+                </a:cubicBezTo>
+                <a:lnTo>
+                  <a:pt x="5992858" y="6858000"/>
+                </a:lnTo>
+                <a:lnTo>
+                  <a:pt x="1962423" y="6858000"/>
+                </a:lnTo>
+                <a:lnTo>
+                  <a:pt x="1915089" y="6830784"/>
+                </a:lnTo>
+                <a:cubicBezTo>
+                  <a:pt x="766948" y="6133157"/>
+                  <a:pt x="0" y="4870644"/>
+                  <a:pt x="0" y="3429000"/>
+                </a:cubicBezTo>
+                <a:cubicBezTo>
+                  <a:pt x="0" y="1987357"/>
+                  <a:pt x="766948" y="724844"/>
+                  <a:pt x="1915089" y="27216"/>
+                </a:cubicBezTo>
+                <a:close/>
+              </a:path>
+            </a:pathLst>
+          </a:custGeom>
+          <a:solidFill>
+            <a:schemeClr val="tx1"/>
+          </a:solidFill>
+          <a:ln>
+            <a:noFill/>
+          </a:ln>
+        </p:spPr>
+        <p:style>
+          <a:lnRef idx="2">
+            <a:schemeClr val="accent1">
+              <a:shade val="50000"/>
+            </a:schemeClr>
+          </a:lnRef>
+          <a:fillRef idx="1">
+            <a:schemeClr val="accent1"/>
+          </a:fillRef>
+          <a:effectRef idx="0">
+            <a:schemeClr val="accent1"/>
+          </a:effectRef>
+          <a:fontRef idx="minor">
+            <a:schemeClr val="lt1"/>
+          </a:fontRef>
+        </p:style>
+        <p:txBody>
+          <a:bodyPr wrap="square" rtlCol="0" anchor="ctr">
+            <a:noAutofit/>
+          </a:bodyPr>
+          <a:lstStyle/>
+          <a:p>
+            <a:pPr algn="ctr"/>
+            <a:endParaRPr lang="en-US"/>
+          </a:p>
+        </p:txBody>
+      </p:sp>
+      <p:sp>
+        <p:nvSpPr>
+          <p:cNvPr id="2" name="Title 1">
+            <a:extLst>
+              <a:ext uri="{FF2B5EF4-FFF2-40B4-BE49-F238E27FC236}">
+                <a16:creationId xmlns:a16="http://schemas.microsoft.com/office/drawing/2014/main" id="{A8590C32-290C-437F-8278-7EC024BABA6E}"/>
+              </a:ext>
+            </a:extLst>
+          </p:cNvPr>
+          <p:cNvSpPr>
+            <a:spLocks noGrp="1"/>
+          </p:cNvSpPr>
+          <p:nvPr>
+            <p:ph type="title"/>
+          </p:nvPr>
+        </p:nvSpPr>
+        <p:spPr>
+          <a:xfrm>
+            <a:off x="2555631" y="1441938"/>
+            <a:ext cx="7080738" cy="3974124"/>
+          </a:xfrm>
+        </p:spPr>
+        <p:txBody>
+          <a:bodyPr vert="horz" lIns="91440" tIns="45720" rIns="91440" bIns="45720" rtlCol="0" anchor="ctr">
+            <a:normAutofit/>
+          </a:bodyPr>
+          <a:lstStyle/>
+          <a:p>
+            <a:pPr algn="ctr"/>
+            <a:r>
+              <a:rPr lang="en-US" sz="5400" dirty="0">
+                <a:solidFill>
+                  <a:schemeClr val="bg1">
+                    <a:lumMod val="95000"/>
+                    <a:lumOff val="5000"/>
+                  </a:schemeClr>
+                </a:solidFill>
+              </a:rPr>
+              <a:t>SCENARIO 1: </a:t>
+            </a:r>
+            <a:br>
+              <a:rPr lang="en-US" sz="5400" dirty="0">
+                <a:solidFill>
+                  <a:schemeClr val="bg1">
+                    <a:lumMod val="95000"/>
+                    <a:lumOff val="5000"/>
+                  </a:schemeClr>
+                </a:solidFill>
+              </a:rPr>
+            </a:br>
+            <a:r>
+              <a:rPr lang="en-US" sz="5400" dirty="0">
+                <a:solidFill>
+                  <a:schemeClr val="bg1">
+                    <a:lumMod val="95000"/>
+                    <a:lumOff val="5000"/>
+                  </a:schemeClr>
+                </a:solidFill>
+              </a:rPr>
+              <a:t>HEATING &amp; COOLING</a:t>
+            </a:r>
+          </a:p>
+        </p:txBody>
+      </p:sp>
+    </p:spTree>
+    <p:extLst>
+      <p:ext uri="{BB962C8B-B14F-4D97-AF65-F5344CB8AC3E}">
+        <p14:creationId xmlns:p14="http://schemas.microsoft.com/office/powerpoint/2010/main" val="4276729856"/>
+      </p:ext>
+    </p:extLst>
+  </p:cSld>
+  <p:clrMapOvr>
+    <a:overrideClrMapping bg1="dk1" tx1="lt1" bg2="dk2" tx2="lt2" accent1="accent1" accent2="accent2" accent3="accent3" accent4="accent4" accent5="accent5" accent6="accent6" hlink="hlink" folHlink="folHlink"/>
+  </p:clrMapOvr>
+</p:sld>
+</file>
+
+<file path=ppt/slides/slide8.xml><?xml version="1.0" encoding="utf-8"?>
+<p:sld xmlns:a="http://schemas.openxmlformats.org/drawingml/2006/main" xmlns:r="http://schemas.openxmlformats.org/officeDocument/2006/relationships" xmlns:p="http://schemas.openxmlformats.org/presentationml/2006/main">
+  <p:cSld>
+    <p:bg>
+      <p:bgPr>
+        <a:solidFill>
           <a:schemeClr val="bg2"/>
         </a:solidFill>
         <a:effectLst/>
@@ -6112,7 +9693,7 @@
 </p:sld>
 </file>
 
-<file path=ppt/slides/slide8.xml><?xml version="1.0" encoding="utf-8"?>
+<file path=ppt/slides/slide9.xml><?xml version="1.0" encoding="utf-8"?>
 <p:sld xmlns:a="http://schemas.openxmlformats.org/drawingml/2006/main" xmlns:r="http://schemas.openxmlformats.org/officeDocument/2006/relationships" xmlns:p="http://schemas.openxmlformats.org/presentationml/2006/main">
   <p:cSld>
     <p:bg>
@@ -6355,403 +9936,6 @@
     <p:extLst>
       <p:ext uri="{BB962C8B-B14F-4D97-AF65-F5344CB8AC3E}">
         <p14:creationId xmlns:p14="http://schemas.microsoft.com/office/powerpoint/2010/main" val="2859926030"/>
-      </p:ext>
-    </p:extLst>
-  </p:cSld>
-  <p:clrMapOvr>
-    <a:masterClrMapping/>
-  </p:clrMapOvr>
-</p:sld>
-</file>
-
-<file path=ppt/slides/slide9.xml><?xml version="1.0" encoding="utf-8"?>
-<p:sld xmlns:a="http://schemas.openxmlformats.org/drawingml/2006/main" xmlns:r="http://schemas.openxmlformats.org/officeDocument/2006/relationships" xmlns:p="http://schemas.openxmlformats.org/presentationml/2006/main">
-  <p:cSld>
-    <p:bg>
-      <p:bgPr>
-        <a:solidFill>
-          <a:schemeClr val="bg1"/>
-        </a:solidFill>
-        <a:effectLst/>
-      </p:bgPr>
-    </p:bg>
-    <p:spTree>
-      <p:nvGrpSpPr>
-        <p:cNvPr id="1" name=""/>
-        <p:cNvGrpSpPr/>
-        <p:nvPr/>
-      </p:nvGrpSpPr>
-      <p:grpSpPr>
-        <a:xfrm>
-          <a:off x="0" y="0"/>
-          <a:ext cx="0" cy="0"/>
-          <a:chOff x="0" y="0"/>
-          <a:chExt cx="0" cy="0"/>
-        </a:xfrm>
-      </p:grpSpPr>
-      <p:sp>
-        <p:nvSpPr>
-          <p:cNvPr id="9" name="Rectangle 8">
-            <a:extLst>
-              <a:ext uri="{FF2B5EF4-FFF2-40B4-BE49-F238E27FC236}">
-                <a16:creationId xmlns:a16="http://schemas.microsoft.com/office/drawing/2014/main" id="{7F357D35-3E3E-4EC7-B3AE-C106ABB7DC68}"/>
-              </a:ext>
-              <a:ext uri="{C183D7F6-B498-43B3-948B-1728B52AA6E4}">
-                <adec:decorative xmlns:adec="http://schemas.microsoft.com/office/drawing/2017/decorative" val="1"/>
-              </a:ext>
-            </a:extLst>
-          </p:cNvPr>
-          <p:cNvSpPr>
-            <a:spLocks noGrp="1" noRot="1" noChangeAspect="1" noMove="1" noResize="1" noEditPoints="1" noAdjustHandles="1" noChangeArrowheads="1" noChangeShapeType="1" noTextEdit="1"/>
-          </p:cNvSpPr>
-          <p:nvPr>
-            <p:extLst>
-              <p:ext uri="{386F3935-93C4-4BCD-93E2-E3B085C9AB24}">
-                <p16:designElem xmlns:p16="http://schemas.microsoft.com/office/powerpoint/2015/main" val="1"/>
-              </p:ext>
-            </p:extLst>
-          </p:nvPr>
-        </p:nvSpPr>
-        <p:spPr>
-          <a:xfrm>
-            <a:off x="0" y="0"/>
-            <a:ext cx="12192000" cy="6858000"/>
-          </a:xfrm>
-          <a:prstGeom prst="rect">
-            <a:avLst/>
-          </a:prstGeom>
-          <a:solidFill>
-            <a:srgbClr val="364653"/>
-          </a:solidFill>
-          <a:ln>
-            <a:noFill/>
-          </a:ln>
-        </p:spPr>
-        <p:style>
-          <a:lnRef idx="2">
-            <a:schemeClr val="accent1">
-              <a:shade val="50000"/>
-            </a:schemeClr>
-          </a:lnRef>
-          <a:fillRef idx="1">
-            <a:schemeClr val="accent1"/>
-          </a:fillRef>
-          <a:effectRef idx="0">
-            <a:schemeClr val="accent1"/>
-          </a:effectRef>
-          <a:fontRef idx="minor">
-            <a:schemeClr val="lt1"/>
-          </a:fontRef>
-        </p:style>
-        <p:txBody>
-          <a:bodyPr rtlCol="0" anchor="ctr"/>
-          <a:lstStyle/>
-          <a:p>
-            <a:pPr algn="ctr"/>
-            <a:endParaRPr lang="en-US"/>
-          </a:p>
-        </p:txBody>
-      </p:sp>
-      <p:sp>
-        <p:nvSpPr>
-          <p:cNvPr id="11" name="Rectangle 10">
-            <a:extLst>
-              <a:ext uri="{FF2B5EF4-FFF2-40B4-BE49-F238E27FC236}">
-                <a16:creationId xmlns:a16="http://schemas.microsoft.com/office/drawing/2014/main" id="{9334D921-DCE6-4D92-987F-D98C93F1CBD7}"/>
-              </a:ext>
-              <a:ext uri="{C183D7F6-B498-43B3-948B-1728B52AA6E4}">
-                <adec:decorative xmlns:adec="http://schemas.microsoft.com/office/drawing/2017/decorative" val="1"/>
-              </a:ext>
-            </a:extLst>
-          </p:cNvPr>
-          <p:cNvSpPr>
-            <a:spLocks noGrp="1" noRot="1" noChangeAspect="1" noMove="1" noResize="1" noEditPoints="1" noAdjustHandles="1" noChangeArrowheads="1" noChangeShapeType="1" noTextEdit="1"/>
-          </p:cNvSpPr>
-          <p:nvPr>
-            <p:extLst>
-              <p:ext uri="{386F3935-93C4-4BCD-93E2-E3B085C9AB24}">
-                <p16:designElem xmlns:p16="http://schemas.microsoft.com/office/powerpoint/2015/main" val="1"/>
-              </p:ext>
-            </p:extLst>
-          </p:nvPr>
-        </p:nvSpPr>
-        <p:spPr>
-          <a:xfrm>
-            <a:off x="231140" y="243840"/>
-            <a:ext cx="11722100" cy="6377939"/>
-          </a:xfrm>
-          <a:prstGeom prst="rect">
-            <a:avLst/>
-          </a:prstGeom>
-          <a:solidFill>
-            <a:srgbClr val="FFFFFF"/>
-          </a:solidFill>
-          <a:ln w="12700">
-            <a:solidFill>
-              <a:srgbClr val="FFFFFF"/>
-            </a:solidFill>
-          </a:ln>
-        </p:spPr>
-        <p:style>
-          <a:lnRef idx="2">
-            <a:schemeClr val="accent1">
-              <a:shade val="50000"/>
-            </a:schemeClr>
-          </a:lnRef>
-          <a:fillRef idx="1">
-            <a:schemeClr val="accent1"/>
-          </a:fillRef>
-          <a:effectRef idx="0">
-            <a:schemeClr val="accent1"/>
-          </a:effectRef>
-          <a:fontRef idx="minor">
-            <a:schemeClr val="lt1"/>
-          </a:fontRef>
-        </p:style>
-      </p:sp>
-      <p:sp>
-        <p:nvSpPr>
-          <p:cNvPr id="13" name="Rectangle 12">
-            <a:extLst>
-              <a:ext uri="{FF2B5EF4-FFF2-40B4-BE49-F238E27FC236}">
-                <a16:creationId xmlns:a16="http://schemas.microsoft.com/office/drawing/2014/main" id="{DE4D942F-489D-4A7B-8983-942543481B69}"/>
-              </a:ext>
-              <a:ext uri="{C183D7F6-B498-43B3-948B-1728B52AA6E4}">
-                <adec:decorative xmlns:adec="http://schemas.microsoft.com/office/drawing/2017/decorative" val="1"/>
-              </a:ext>
-            </a:extLst>
-          </p:cNvPr>
-          <p:cNvSpPr>
-            <a:spLocks noGrp="1" noRot="1" noChangeAspect="1" noMove="1" noResize="1" noEditPoints="1" noAdjustHandles="1" noChangeArrowheads="1" noChangeShapeType="1" noTextEdit="1"/>
-          </p:cNvSpPr>
-          <p:nvPr>
-            <p:extLst>
-              <p:ext uri="{386F3935-93C4-4BCD-93E2-E3B085C9AB24}">
-                <p16:designElem xmlns:p16="http://schemas.microsoft.com/office/powerpoint/2015/main" val="1"/>
-              </p:ext>
-            </p:extLst>
-          </p:nvPr>
-        </p:nvSpPr>
-        <p:spPr>
-          <a:xfrm>
-            <a:off x="6089378" y="246887"/>
-            <a:ext cx="5861321" cy="6377939"/>
-          </a:xfrm>
-          <a:prstGeom prst="rect">
-            <a:avLst/>
-          </a:prstGeom>
-          <a:solidFill>
-            <a:schemeClr val="accent1"/>
-          </a:solidFill>
-          <a:ln w="12700">
-            <a:noFill/>
-          </a:ln>
-        </p:spPr>
-        <p:style>
-          <a:lnRef idx="2">
-            <a:schemeClr val="accent1">
-              <a:shade val="50000"/>
-            </a:schemeClr>
-          </a:lnRef>
-          <a:fillRef idx="1">
-            <a:schemeClr val="accent1"/>
-          </a:fillRef>
-          <a:effectRef idx="0">
-            <a:schemeClr val="accent1"/>
-          </a:effectRef>
-          <a:fontRef idx="minor">
-            <a:schemeClr val="lt1"/>
-          </a:fontRef>
-        </p:style>
-      </p:sp>
-      <p:cxnSp>
-        <p:nvCxnSpPr>
-          <p:cNvPr id="15" name="Straight Connector 14">
-            <a:extLst>
-              <a:ext uri="{FF2B5EF4-FFF2-40B4-BE49-F238E27FC236}">
-                <a16:creationId xmlns:a16="http://schemas.microsoft.com/office/drawing/2014/main" id="{E8F0F547-5526-40CC-8397-442101C26B40}"/>
-              </a:ext>
-              <a:ext uri="{C183D7F6-B498-43B3-948B-1728B52AA6E4}">
-                <adec:decorative xmlns:adec="http://schemas.microsoft.com/office/drawing/2017/decorative" val="1"/>
-              </a:ext>
-            </a:extLst>
-          </p:cNvPr>
-          <p:cNvCxnSpPr>
-            <a:cxnSpLocks noGrp="1" noRot="1" noChangeAspect="1" noMove="1" noResize="1" noEditPoints="1" noAdjustHandles="1" noChangeArrowheads="1" noChangeShapeType="1"/>
-          </p:cNvCxnSpPr>
-          <p:nvPr>
-            <p:extLst>
-              <p:ext uri="{386F3935-93C4-4BCD-93E2-E3B085C9AB24}">
-                <p16:designElem xmlns:p16="http://schemas.microsoft.com/office/powerpoint/2015/main" val="1"/>
-              </p:ext>
-            </p:extLst>
-          </p:nvPr>
-        </p:nvCxnSpPr>
-        <p:spPr>
-          <a:xfrm>
-            <a:off x="6736924" y="4768667"/>
-            <a:ext cx="4215939" cy="0"/>
-          </a:xfrm>
-          <a:prstGeom prst="line">
-            <a:avLst/>
-          </a:prstGeom>
-          <a:ln>
-            <a:solidFill>
-              <a:srgbClr val="FFFFFF"/>
-            </a:solidFill>
-          </a:ln>
-        </p:spPr>
-        <p:style>
-          <a:lnRef idx="1">
-            <a:schemeClr val="accent1"/>
-          </a:lnRef>
-          <a:fillRef idx="0">
-            <a:schemeClr val="accent1"/>
-          </a:fillRef>
-          <a:effectRef idx="0">
-            <a:schemeClr val="accent1"/>
-          </a:effectRef>
-          <a:fontRef idx="minor">
-            <a:schemeClr val="tx1"/>
-          </a:fontRef>
-        </p:style>
-      </p:cxnSp>
-      <p:sp>
-        <p:nvSpPr>
-          <p:cNvPr id="17" name="Rectangle 16">
-            <a:extLst>
-              <a:ext uri="{FF2B5EF4-FFF2-40B4-BE49-F238E27FC236}">
-                <a16:creationId xmlns:a16="http://schemas.microsoft.com/office/drawing/2014/main" id="{593BD913-0EB6-48A4-B22A-6A4DE089854B}"/>
-              </a:ext>
-              <a:ext uri="{C183D7F6-B498-43B3-948B-1728B52AA6E4}">
-                <adec:decorative xmlns:adec="http://schemas.microsoft.com/office/drawing/2017/decorative" val="1"/>
-              </a:ext>
-            </a:extLst>
-          </p:cNvPr>
-          <p:cNvSpPr>
-            <a:spLocks noGrp="1" noRot="1" noChangeAspect="1" noMove="1" noResize="1" noEditPoints="1" noAdjustHandles="1" noChangeArrowheads="1" noChangeShapeType="1" noTextEdit="1"/>
-          </p:cNvSpPr>
-          <p:nvPr>
-            <p:extLst>
-              <p:ext uri="{386F3935-93C4-4BCD-93E2-E3B085C9AB24}">
-                <p16:designElem xmlns:p16="http://schemas.microsoft.com/office/powerpoint/2015/main" val="1"/>
-              </p:ext>
-            </p:extLst>
-          </p:nvPr>
-        </p:nvSpPr>
-        <p:spPr>
-          <a:xfrm>
-            <a:off x="228600" y="246888"/>
-            <a:ext cx="11724640" cy="6377939"/>
-          </a:xfrm>
-          <a:prstGeom prst="rect">
-            <a:avLst/>
-          </a:prstGeom>
-          <a:noFill/>
-          <a:ln w="12700">
-            <a:solidFill>
-              <a:srgbClr val="FFFFFF"/>
-            </a:solidFill>
-          </a:ln>
-        </p:spPr>
-        <p:style>
-          <a:lnRef idx="2">
-            <a:schemeClr val="accent1">
-              <a:shade val="50000"/>
-            </a:schemeClr>
-          </a:lnRef>
-          <a:fillRef idx="1">
-            <a:schemeClr val="accent1"/>
-          </a:fillRef>
-          <a:effectRef idx="0">
-            <a:schemeClr val="accent1"/>
-          </a:effectRef>
-          <a:fontRef idx="minor">
-            <a:schemeClr val="lt1"/>
-          </a:fontRef>
-        </p:style>
-      </p:sp>
-      <p:sp>
-        <p:nvSpPr>
-          <p:cNvPr id="2" name="Titel 1">
-            <a:extLst>
-              <a:ext uri="{FF2B5EF4-FFF2-40B4-BE49-F238E27FC236}">
-                <a16:creationId xmlns:a16="http://schemas.microsoft.com/office/drawing/2014/main" id="{D02D82FC-858E-4E7D-A119-D83EC3A7EBF1}"/>
-              </a:ext>
-            </a:extLst>
-          </p:cNvPr>
-          <p:cNvSpPr>
-            <a:spLocks noGrp="1"/>
-          </p:cNvSpPr>
-          <p:nvPr>
-            <p:ph type="title"/>
-          </p:nvPr>
-        </p:nvSpPr>
-        <p:spPr>
-          <a:xfrm>
-            <a:off x="6736924" y="857675"/>
-            <a:ext cx="4566230" cy="3847033"/>
-          </a:xfrm>
-        </p:spPr>
-        <p:txBody>
-          <a:bodyPr vert="horz" lIns="91440" tIns="45720" rIns="91440" bIns="45720" rtlCol="0" anchor="b">
-            <a:normAutofit/>
-          </a:bodyPr>
-          <a:lstStyle/>
-          <a:p>
-            <a:pPr algn="ctr"/>
-            <a:r>
-              <a:rPr lang="en-US" sz="4800">
-                <a:solidFill>
-                  <a:srgbClr val="FFFFFF"/>
-                </a:solidFill>
-              </a:rPr>
-              <a:t>State Diagram for Heating And Cooling</a:t>
-            </a:r>
-          </a:p>
-        </p:txBody>
-      </p:sp>
-      <p:pic>
-        <p:nvPicPr>
-          <p:cNvPr id="4" name="Inhaltsplatzhalter 3">
-            <a:extLst>
-              <a:ext uri="{FF2B5EF4-FFF2-40B4-BE49-F238E27FC236}">
-                <a16:creationId xmlns:a16="http://schemas.microsoft.com/office/drawing/2014/main" id="{989508E3-E04E-4306-94C0-98116C888A38}"/>
-              </a:ext>
-            </a:extLst>
-          </p:cNvPr>
-          <p:cNvPicPr>
-            <a:picLocks noGrp="1" noChangeAspect="1"/>
-          </p:cNvPicPr>
-          <p:nvPr>
-            <p:ph idx="1"/>
-          </p:nvPr>
-        </p:nvPicPr>
-        <p:blipFill rotWithShape="1">
-          <a:blip r:embed="rId2">
-            <a:extLst>
-              <a:ext uri="{28A0092B-C50C-407E-A947-70E740481C1C}">
-                <a14:useLocalDpi xmlns:a14="http://schemas.microsoft.com/office/drawing/2010/main" val="0"/>
-              </a:ext>
-            </a:extLst>
-          </a:blip>
-          <a:srcRect l="-3806" t="-1349" b="-5308"/>
-          <a:stretch/>
-        </p:blipFill>
-        <p:spPr>
-          <a:xfrm>
-            <a:off x="226059" y="474562"/>
-            <a:ext cx="5624559" cy="6136549"/>
-          </a:xfrm>
-          <a:prstGeom prst="rect">
-            <a:avLst/>
-          </a:prstGeom>
-        </p:spPr>
-      </p:pic>
-    </p:spTree>
-    <p:extLst>
-      <p:ext uri="{BB962C8B-B14F-4D97-AF65-F5344CB8AC3E}">
-        <p14:creationId xmlns:p14="http://schemas.microsoft.com/office/powerpoint/2010/main" val="3862537345"/>
       </p:ext>
     </p:extLst>
   </p:cSld>

--- a/Project_Week_7&8/Precise Analysis.pptx
+++ b/Project_Week_7&8/Precise Analysis.pptx
@@ -273,7 +273,7 @@
           <a:p>
             <a:fld id="{23549F34-81B6-4052-990C-DAB85C5B3430}" type="datetimeFigureOut">
               <a:rPr lang="de-DE" smtClean="0"/>
-              <a:t>13.12.2020</a:t>
+              <a:t>14.12.2020</a:t>
             </a:fld>
             <a:endParaRPr lang="de-DE"/>
           </a:p>
@@ -471,7 +471,7 @@
           <a:p>
             <a:fld id="{23549F34-81B6-4052-990C-DAB85C5B3430}" type="datetimeFigureOut">
               <a:rPr lang="de-DE" smtClean="0"/>
-              <a:t>13.12.2020</a:t>
+              <a:t>14.12.2020</a:t>
             </a:fld>
             <a:endParaRPr lang="de-DE"/>
           </a:p>
@@ -679,7 +679,7 @@
           <a:p>
             <a:fld id="{23549F34-81B6-4052-990C-DAB85C5B3430}" type="datetimeFigureOut">
               <a:rPr lang="de-DE" smtClean="0"/>
-              <a:t>13.12.2020</a:t>
+              <a:t>14.12.2020</a:t>
             </a:fld>
             <a:endParaRPr lang="de-DE"/>
           </a:p>
@@ -877,7 +877,7 @@
           <a:p>
             <a:fld id="{23549F34-81B6-4052-990C-DAB85C5B3430}" type="datetimeFigureOut">
               <a:rPr lang="de-DE" smtClean="0"/>
-              <a:t>13.12.2020</a:t>
+              <a:t>14.12.2020</a:t>
             </a:fld>
             <a:endParaRPr lang="de-DE"/>
           </a:p>
@@ -1152,7 +1152,7 @@
           <a:p>
             <a:fld id="{23549F34-81B6-4052-990C-DAB85C5B3430}" type="datetimeFigureOut">
               <a:rPr lang="de-DE" smtClean="0"/>
-              <a:t>13.12.2020</a:t>
+              <a:t>14.12.2020</a:t>
             </a:fld>
             <a:endParaRPr lang="de-DE"/>
           </a:p>
@@ -1417,7 +1417,7 @@
           <a:p>
             <a:fld id="{23549F34-81B6-4052-990C-DAB85C5B3430}" type="datetimeFigureOut">
               <a:rPr lang="de-DE" smtClean="0"/>
-              <a:t>13.12.2020</a:t>
+              <a:t>14.12.2020</a:t>
             </a:fld>
             <a:endParaRPr lang="de-DE"/>
           </a:p>
@@ -1829,7 +1829,7 @@
           <a:p>
             <a:fld id="{23549F34-81B6-4052-990C-DAB85C5B3430}" type="datetimeFigureOut">
               <a:rPr lang="de-DE" smtClean="0"/>
-              <a:t>13.12.2020</a:t>
+              <a:t>14.12.2020</a:t>
             </a:fld>
             <a:endParaRPr lang="de-DE"/>
           </a:p>
@@ -1970,7 +1970,7 @@
           <a:p>
             <a:fld id="{23549F34-81B6-4052-990C-DAB85C5B3430}" type="datetimeFigureOut">
               <a:rPr lang="de-DE" smtClean="0"/>
-              <a:t>13.12.2020</a:t>
+              <a:t>14.12.2020</a:t>
             </a:fld>
             <a:endParaRPr lang="de-DE"/>
           </a:p>
@@ -2083,7 +2083,7 @@
           <a:p>
             <a:fld id="{23549F34-81B6-4052-990C-DAB85C5B3430}" type="datetimeFigureOut">
               <a:rPr lang="de-DE" smtClean="0"/>
-              <a:t>13.12.2020</a:t>
+              <a:t>14.12.2020</a:t>
             </a:fld>
             <a:endParaRPr lang="de-DE"/>
           </a:p>
@@ -2394,7 +2394,7 @@
           <a:p>
             <a:fld id="{23549F34-81B6-4052-990C-DAB85C5B3430}" type="datetimeFigureOut">
               <a:rPr lang="de-DE" smtClean="0"/>
-              <a:t>13.12.2020</a:t>
+              <a:t>14.12.2020</a:t>
             </a:fld>
             <a:endParaRPr lang="de-DE"/>
           </a:p>
@@ -2682,7 +2682,7 @@
           <a:p>
             <a:fld id="{23549F34-81B6-4052-990C-DAB85C5B3430}" type="datetimeFigureOut">
               <a:rPr lang="de-DE" smtClean="0"/>
-              <a:t>13.12.2020</a:t>
+              <a:t>14.12.2020</a:t>
             </a:fld>
             <a:endParaRPr lang="de-DE"/>
           </a:p>
@@ -2923,7 +2923,7 @@
           <a:p>
             <a:fld id="{23549F34-81B6-4052-990C-DAB85C5B3430}" type="datetimeFigureOut">
               <a:rPr lang="de-DE" smtClean="0"/>
-              <a:t>13.12.2020</a:t>
+              <a:t>14.12.2020</a:t>
             </a:fld>
             <a:endParaRPr lang="de-DE"/>
           </a:p>
@@ -6391,7 +6391,7 @@
       </p:grpSpPr>
       <p:sp>
         <p:nvSpPr>
-          <p:cNvPr id="9" name="Rectangle 8">
+          <p:cNvPr id="22" name="Rectangle 21">
             <a:extLst>
               <a:ext uri="{FF2B5EF4-FFF2-40B4-BE49-F238E27FC236}">
                 <a16:creationId xmlns:a16="http://schemas.microsoft.com/office/drawing/2014/main" id="{7F357D35-3E3E-4EC7-B3AE-C106ABB7DC68}"/>
@@ -6454,7 +6454,7 @@
       </p:sp>
       <p:sp>
         <p:nvSpPr>
-          <p:cNvPr id="11" name="Rectangle 10">
+          <p:cNvPr id="24" name="Rectangle 23">
             <a:extLst>
               <a:ext uri="{FF2B5EF4-FFF2-40B4-BE49-F238E27FC236}">
                 <a16:creationId xmlns:a16="http://schemas.microsoft.com/office/drawing/2014/main" id="{9334D921-DCE6-4D92-987F-D98C93F1CBD7}"/>
@@ -6511,7 +6511,7 @@
       </p:sp>
       <p:sp>
         <p:nvSpPr>
-          <p:cNvPr id="13" name="Rectangle 12">
+          <p:cNvPr id="26" name="Rectangle 25">
             <a:extLst>
               <a:ext uri="{FF2B5EF4-FFF2-40B4-BE49-F238E27FC236}">
                 <a16:creationId xmlns:a16="http://schemas.microsoft.com/office/drawing/2014/main" id="{DE4D942F-489D-4A7B-8983-942543481B69}"/>
@@ -6566,7 +6566,7 @@
       </p:sp>
       <p:cxnSp>
         <p:nvCxnSpPr>
-          <p:cNvPr id="15" name="Straight Connector 14">
+          <p:cNvPr id="28" name="Straight Connector 27">
             <a:extLst>
               <a:ext uri="{FF2B5EF4-FFF2-40B4-BE49-F238E27FC236}">
                 <a16:creationId xmlns:a16="http://schemas.microsoft.com/office/drawing/2014/main" id="{E8F0F547-5526-40CC-8397-442101C26B40}"/>
@@ -6618,7 +6618,7 @@
       </p:cxnSp>
       <p:sp>
         <p:nvSpPr>
-          <p:cNvPr id="17" name="Rectangle 16">
+          <p:cNvPr id="30" name="Rectangle 29">
             <a:extLst>
               <a:ext uri="{FF2B5EF4-FFF2-40B4-BE49-F238E27FC236}">
                 <a16:creationId xmlns:a16="http://schemas.microsoft.com/office/drawing/2014/main" id="{593BD913-0EB6-48A4-B22A-6A4DE089854B}"/>
@@ -6713,10 +6713,10 @@
       </p:sp>
       <p:pic>
         <p:nvPicPr>
-          <p:cNvPr id="4" name="Inhaltsplatzhalter 3">
-            <a:extLst>
-              <a:ext uri="{FF2B5EF4-FFF2-40B4-BE49-F238E27FC236}">
-                <a16:creationId xmlns:a16="http://schemas.microsoft.com/office/drawing/2014/main" id="{989508E3-E04E-4306-94C0-98116C888A38}"/>
+          <p:cNvPr id="7" name="Inhaltsplatzhalter 6">
+            <a:extLst>
+              <a:ext uri="{FF2B5EF4-FFF2-40B4-BE49-F238E27FC236}">
+                <a16:creationId xmlns:a16="http://schemas.microsoft.com/office/drawing/2014/main" id="{BE9A3213-1BE7-4979-8A9E-1D3BBA6DAF86}"/>
               </a:ext>
             </a:extLst>
           </p:cNvPr>
@@ -6735,13 +6735,13 @@
               </a:ext>
             </a:extLst>
           </a:blip>
-          <a:srcRect l="-3806" t="-1349" b="-5308"/>
+          <a:srcRect l="-5128" t="145" r="-1202" b="322"/>
           <a:stretch/>
         </p:blipFill>
         <p:spPr>
           <a:xfrm>
-            <a:off x="226059" y="474562"/>
-            <a:ext cx="5624559" cy="6136549"/>
+            <a:off x="525294" y="865521"/>
+            <a:ext cx="5175239" cy="5418547"/>
           </a:xfrm>
           <a:prstGeom prst="rect">
             <a:avLst/>

--- a/Project_Week_7&8/Precise Analysis.pptx
+++ b/Project_Week_7&8/Precise Analysis.pptx
@@ -332,7 +332,7 @@
           <a:p>
             <a:fld id="{59436D6C-09F6-4967-B045-448DC0A44960}" type="slidenum">
               <a:rPr lang="de-DE" smtClean="0"/>
-              <a:t>‹#›</a:t>
+              <a:t>‹Nr.›</a:t>
             </a:fld>
             <a:endParaRPr lang="de-DE"/>
           </a:p>
@@ -530,7 +530,7 @@
           <a:p>
             <a:fld id="{59436D6C-09F6-4967-B045-448DC0A44960}" type="slidenum">
               <a:rPr lang="de-DE" smtClean="0"/>
-              <a:t>‹#›</a:t>
+              <a:t>‹Nr.›</a:t>
             </a:fld>
             <a:endParaRPr lang="de-DE"/>
           </a:p>
@@ -738,7 +738,7 @@
           <a:p>
             <a:fld id="{59436D6C-09F6-4967-B045-448DC0A44960}" type="slidenum">
               <a:rPr lang="de-DE" smtClean="0"/>
-              <a:t>‹#›</a:t>
+              <a:t>‹Nr.›</a:t>
             </a:fld>
             <a:endParaRPr lang="de-DE"/>
           </a:p>
@@ -936,7 +936,7 @@
           <a:p>
             <a:fld id="{59436D6C-09F6-4967-B045-448DC0A44960}" type="slidenum">
               <a:rPr lang="de-DE" smtClean="0"/>
-              <a:t>‹#›</a:t>
+              <a:t>‹Nr.›</a:t>
             </a:fld>
             <a:endParaRPr lang="de-DE"/>
           </a:p>
@@ -1211,7 +1211,7 @@
           <a:p>
             <a:fld id="{59436D6C-09F6-4967-B045-448DC0A44960}" type="slidenum">
               <a:rPr lang="de-DE" smtClean="0"/>
-              <a:t>‹#›</a:t>
+              <a:t>‹Nr.›</a:t>
             </a:fld>
             <a:endParaRPr lang="de-DE"/>
           </a:p>
@@ -1476,7 +1476,7 @@
           <a:p>
             <a:fld id="{59436D6C-09F6-4967-B045-448DC0A44960}" type="slidenum">
               <a:rPr lang="de-DE" smtClean="0"/>
-              <a:t>‹#›</a:t>
+              <a:t>‹Nr.›</a:t>
             </a:fld>
             <a:endParaRPr lang="de-DE"/>
           </a:p>
@@ -1888,7 +1888,7 @@
           <a:p>
             <a:fld id="{59436D6C-09F6-4967-B045-448DC0A44960}" type="slidenum">
               <a:rPr lang="de-DE" smtClean="0"/>
-              <a:t>‹#›</a:t>
+              <a:t>‹Nr.›</a:t>
             </a:fld>
             <a:endParaRPr lang="de-DE"/>
           </a:p>
@@ -2029,7 +2029,7 @@
           <a:p>
             <a:fld id="{59436D6C-09F6-4967-B045-448DC0A44960}" type="slidenum">
               <a:rPr lang="de-DE" smtClean="0"/>
-              <a:t>‹#›</a:t>
+              <a:t>‹Nr.›</a:t>
             </a:fld>
             <a:endParaRPr lang="de-DE"/>
           </a:p>
@@ -2142,7 +2142,7 @@
           <a:p>
             <a:fld id="{59436D6C-09F6-4967-B045-448DC0A44960}" type="slidenum">
               <a:rPr lang="de-DE" smtClean="0"/>
-              <a:t>‹#›</a:t>
+              <a:t>‹Nr.›</a:t>
             </a:fld>
             <a:endParaRPr lang="de-DE"/>
           </a:p>
@@ -2453,7 +2453,7 @@
           <a:p>
             <a:fld id="{59436D6C-09F6-4967-B045-448DC0A44960}" type="slidenum">
               <a:rPr lang="de-DE" smtClean="0"/>
-              <a:t>‹#›</a:t>
+              <a:t>‹Nr.›</a:t>
             </a:fld>
             <a:endParaRPr lang="de-DE"/>
           </a:p>
@@ -2741,7 +2741,7 @@
           <a:p>
             <a:fld id="{59436D6C-09F6-4967-B045-448DC0A44960}" type="slidenum">
               <a:rPr lang="de-DE" smtClean="0"/>
-              <a:t>‹#›</a:t>
+              <a:t>‹Nr.›</a:t>
             </a:fld>
             <a:endParaRPr lang="de-DE"/>
           </a:p>
@@ -3018,7 +3018,7 @@
           <a:p>
             <a:fld id="{59436D6C-09F6-4967-B045-448DC0A44960}" type="slidenum">
               <a:rPr lang="de-DE" smtClean="0"/>
-              <a:t>‹#›</a:t>
+              <a:t>‹Nr.›</a:t>
             </a:fld>
             <a:endParaRPr lang="de-DE"/>
           </a:p>
@@ -3417,7 +3417,7 @@
       </p:grpSpPr>
       <p:sp>
         <p:nvSpPr>
-          <p:cNvPr id="9" name="Rectangle 8">
+          <p:cNvPr id="22" name="Rectangle 21">
             <a:extLst>
               <a:ext uri="{FF2B5EF4-FFF2-40B4-BE49-F238E27FC236}">
                 <a16:creationId xmlns:a16="http://schemas.microsoft.com/office/drawing/2014/main" id="{7F357D35-3E3E-4EC7-B3AE-C106ABB7DC68}"/>
@@ -3480,7 +3480,7 @@
       </p:sp>
       <p:sp>
         <p:nvSpPr>
-          <p:cNvPr id="11" name="Rectangle 10">
+          <p:cNvPr id="24" name="Rectangle 23">
             <a:extLst>
               <a:ext uri="{FF2B5EF4-FFF2-40B4-BE49-F238E27FC236}">
                 <a16:creationId xmlns:a16="http://schemas.microsoft.com/office/drawing/2014/main" id="{9334D921-DCE6-4D92-987F-D98C93F1CBD7}"/>
@@ -3537,7 +3537,7 @@
       </p:sp>
       <p:sp>
         <p:nvSpPr>
-          <p:cNvPr id="13" name="Rectangle 12">
+          <p:cNvPr id="26" name="Rectangle 25">
             <a:extLst>
               <a:ext uri="{FF2B5EF4-FFF2-40B4-BE49-F238E27FC236}">
                 <a16:creationId xmlns:a16="http://schemas.microsoft.com/office/drawing/2014/main" id="{DE4D942F-489D-4A7B-8983-942543481B69}"/>
@@ -3592,7 +3592,7 @@
       </p:sp>
       <p:cxnSp>
         <p:nvCxnSpPr>
-          <p:cNvPr id="15" name="Straight Connector 14">
+          <p:cNvPr id="28" name="Straight Connector 27">
             <a:extLst>
               <a:ext uri="{FF2B5EF4-FFF2-40B4-BE49-F238E27FC236}">
                 <a16:creationId xmlns:a16="http://schemas.microsoft.com/office/drawing/2014/main" id="{E8F0F547-5526-40CC-8397-442101C26B40}"/>
@@ -3644,7 +3644,7 @@
       </p:cxnSp>
       <p:sp>
         <p:nvSpPr>
-          <p:cNvPr id="17" name="Rectangle 16">
+          <p:cNvPr id="30" name="Rectangle 29">
             <a:extLst>
               <a:ext uri="{FF2B5EF4-FFF2-40B4-BE49-F238E27FC236}">
                 <a16:creationId xmlns:a16="http://schemas.microsoft.com/office/drawing/2014/main" id="{593BD913-0EB6-48A4-B22A-6A4DE089854B}"/>
@@ -3739,10 +3739,10 @@
       </p:sp>
       <p:pic>
         <p:nvPicPr>
-          <p:cNvPr id="4" name="Inhaltsplatzhalter 3">
-            <a:extLst>
-              <a:ext uri="{FF2B5EF4-FFF2-40B4-BE49-F238E27FC236}">
-                <a16:creationId xmlns:a16="http://schemas.microsoft.com/office/drawing/2014/main" id="{989508E3-E04E-4306-94C0-98116C888A38}"/>
+          <p:cNvPr id="7" name="Inhaltsplatzhalter 6">
+            <a:extLst>
+              <a:ext uri="{FF2B5EF4-FFF2-40B4-BE49-F238E27FC236}">
+                <a16:creationId xmlns:a16="http://schemas.microsoft.com/office/drawing/2014/main" id="{B8EF18B6-DDF0-46D1-851B-B403CA50C2E2}"/>
               </a:ext>
             </a:extLst>
           </p:cNvPr>
@@ -3761,13 +3761,13 @@
               </a:ext>
             </a:extLst>
           </a:blip>
-          <a:srcRect l="-3806" t="-1349" b="-5308"/>
+          <a:srcRect l="344" r="-2649" b="-636"/>
           <a:stretch/>
         </p:blipFill>
         <p:spPr>
           <a:xfrm>
-            <a:off x="226059" y="474562"/>
-            <a:ext cx="5624559" cy="6136549"/>
+            <a:off x="457200" y="690664"/>
+            <a:ext cx="5393418" cy="5496127"/>
           </a:xfrm>
           <a:prstGeom prst="rect">
             <a:avLst/>

--- a/Project_Week_7&8/Precise Analysis.pptx
+++ b/Project_Week_7&8/Precise Analysis.pptx
@@ -20,11 +20,13 @@
     <p:sldId id="263" r:id="rId14"/>
     <p:sldId id="276" r:id="rId15"/>
     <p:sldId id="279" r:id="rId16"/>
-    <p:sldId id="270" r:id="rId17"/>
-    <p:sldId id="280" r:id="rId18"/>
-    <p:sldId id="281" r:id="rId19"/>
-    <p:sldId id="266" r:id="rId20"/>
-    <p:sldId id="265" r:id="rId21"/>
+    <p:sldId id="282" r:id="rId17"/>
+    <p:sldId id="270" r:id="rId18"/>
+    <p:sldId id="283" r:id="rId19"/>
+    <p:sldId id="280" r:id="rId20"/>
+    <p:sldId id="281" r:id="rId21"/>
+    <p:sldId id="266" r:id="rId22"/>
+    <p:sldId id="265" r:id="rId23"/>
   </p:sldIdLst>
   <p:sldSz cx="12192000" cy="6858000"/>
   <p:notesSz cx="6858000" cy="9144000"/>
@@ -278,7 +280,7 @@
           <a:p>
             <a:fld id="{23549F34-81B6-4052-990C-DAB85C5B3430}" type="datetimeFigureOut">
               <a:rPr lang="de-DE" smtClean="0"/>
-              <a:t>14.12.2020</a:t>
+              <a:t>03.01.2021</a:t>
             </a:fld>
             <a:endParaRPr lang="de-DE"/>
           </a:p>
@@ -476,7 +478,7 @@
           <a:p>
             <a:fld id="{23549F34-81B6-4052-990C-DAB85C5B3430}" type="datetimeFigureOut">
               <a:rPr lang="de-DE" smtClean="0"/>
-              <a:t>14.12.2020</a:t>
+              <a:t>03.01.2021</a:t>
             </a:fld>
             <a:endParaRPr lang="de-DE"/>
           </a:p>
@@ -684,7 +686,7 @@
           <a:p>
             <a:fld id="{23549F34-81B6-4052-990C-DAB85C5B3430}" type="datetimeFigureOut">
               <a:rPr lang="de-DE" smtClean="0"/>
-              <a:t>14.12.2020</a:t>
+              <a:t>03.01.2021</a:t>
             </a:fld>
             <a:endParaRPr lang="de-DE"/>
           </a:p>
@@ -882,7 +884,7 @@
           <a:p>
             <a:fld id="{23549F34-81B6-4052-990C-DAB85C5B3430}" type="datetimeFigureOut">
               <a:rPr lang="de-DE" smtClean="0"/>
-              <a:t>14.12.2020</a:t>
+              <a:t>03.01.2021</a:t>
             </a:fld>
             <a:endParaRPr lang="de-DE"/>
           </a:p>
@@ -1157,7 +1159,7 @@
           <a:p>
             <a:fld id="{23549F34-81B6-4052-990C-DAB85C5B3430}" type="datetimeFigureOut">
               <a:rPr lang="de-DE" smtClean="0"/>
-              <a:t>14.12.2020</a:t>
+              <a:t>03.01.2021</a:t>
             </a:fld>
             <a:endParaRPr lang="de-DE"/>
           </a:p>
@@ -1422,7 +1424,7 @@
           <a:p>
             <a:fld id="{23549F34-81B6-4052-990C-DAB85C5B3430}" type="datetimeFigureOut">
               <a:rPr lang="de-DE" smtClean="0"/>
-              <a:t>14.12.2020</a:t>
+              <a:t>03.01.2021</a:t>
             </a:fld>
             <a:endParaRPr lang="de-DE"/>
           </a:p>
@@ -1834,7 +1836,7 @@
           <a:p>
             <a:fld id="{23549F34-81B6-4052-990C-DAB85C5B3430}" type="datetimeFigureOut">
               <a:rPr lang="de-DE" smtClean="0"/>
-              <a:t>14.12.2020</a:t>
+              <a:t>03.01.2021</a:t>
             </a:fld>
             <a:endParaRPr lang="de-DE"/>
           </a:p>
@@ -1975,7 +1977,7 @@
           <a:p>
             <a:fld id="{23549F34-81B6-4052-990C-DAB85C5B3430}" type="datetimeFigureOut">
               <a:rPr lang="de-DE" smtClean="0"/>
-              <a:t>14.12.2020</a:t>
+              <a:t>03.01.2021</a:t>
             </a:fld>
             <a:endParaRPr lang="de-DE"/>
           </a:p>
@@ -2088,7 +2090,7 @@
           <a:p>
             <a:fld id="{23549F34-81B6-4052-990C-DAB85C5B3430}" type="datetimeFigureOut">
               <a:rPr lang="de-DE" smtClean="0"/>
-              <a:t>14.12.2020</a:t>
+              <a:t>03.01.2021</a:t>
             </a:fld>
             <a:endParaRPr lang="de-DE"/>
           </a:p>
@@ -2399,7 +2401,7 @@
           <a:p>
             <a:fld id="{23549F34-81B6-4052-990C-DAB85C5B3430}" type="datetimeFigureOut">
               <a:rPr lang="de-DE" smtClean="0"/>
-              <a:t>14.12.2020</a:t>
+              <a:t>03.01.2021</a:t>
             </a:fld>
             <a:endParaRPr lang="de-DE"/>
           </a:p>
@@ -2687,7 +2689,7 @@
           <a:p>
             <a:fld id="{23549F34-81B6-4052-990C-DAB85C5B3430}" type="datetimeFigureOut">
               <a:rPr lang="de-DE" smtClean="0"/>
-              <a:t>14.12.2020</a:t>
+              <a:t>03.01.2021</a:t>
             </a:fld>
             <a:endParaRPr lang="de-DE"/>
           </a:p>
@@ -2928,7 +2930,7 @@
           <a:p>
             <a:fld id="{23549F34-81B6-4052-990C-DAB85C5B3430}" type="datetimeFigureOut">
               <a:rPr lang="de-DE" smtClean="0"/>
-              <a:t>14.12.2020</a:t>
+              <a:t>03.01.2021</a:t>
             </a:fld>
             <a:endParaRPr lang="de-DE"/>
           </a:p>
@@ -6823,7 +6825,7 @@
       </p:grpSpPr>
       <p:sp>
         <p:nvSpPr>
-          <p:cNvPr id="12" name="Rectangle 11">
+          <p:cNvPr id="10" name="Rectangle 9">
             <a:extLst>
               <a:ext uri="{FF2B5EF4-FFF2-40B4-BE49-F238E27FC236}">
                 <a16:creationId xmlns:a16="http://schemas.microsoft.com/office/drawing/2014/main" id="{16C5FA50-8D52-4617-AF91-5C7B1C8352F1}"/>
@@ -6853,7 +6855,7 @@
             <a:avLst/>
           </a:prstGeom>
           <a:solidFill>
-            <a:srgbClr val="3E4B55"/>
+            <a:srgbClr val="1D2151"/>
           </a:solidFill>
           <a:ln>
             <a:noFill/>
@@ -6889,7 +6891,7 @@
           <p:cNvPr id="2" name="Titel 1">
             <a:extLst>
               <a:ext uri="{FF2B5EF4-FFF2-40B4-BE49-F238E27FC236}">
-                <a16:creationId xmlns:a16="http://schemas.microsoft.com/office/drawing/2014/main" id="{B8437B35-6466-44DD-B967-D220C5E89F8B}"/>
+                <a16:creationId xmlns:a16="http://schemas.microsoft.com/office/drawing/2014/main" id="{474D9540-77BE-45F3-8056-F852FD8FCF73}"/>
               </a:ext>
             </a:extLst>
           </p:cNvPr>
@@ -6913,19 +6915,19 @@
           <a:lstStyle/>
           <a:p>
             <a:r>
-              <a:rPr lang="en-US" sz="3600">
+              <a:rPr lang="en-US" sz="3600" dirty="0">
                 <a:solidFill>
                   <a:srgbClr val="FFFFFF"/>
                 </a:solidFill>
               </a:rPr>
-              <a:t>Sequence Diagram for Fire Alarm</a:t>
+              <a:t>CLASS DIAGRAM FOR SMART FIRE ALARM</a:t>
             </a:r>
           </a:p>
         </p:txBody>
       </p:sp>
       <p:sp>
         <p:nvSpPr>
-          <p:cNvPr id="14" name="Rounded Rectangle 9">
+          <p:cNvPr id="12" name="Rounded Rectangle 9">
             <a:extLst>
               <a:ext uri="{FF2B5EF4-FFF2-40B4-BE49-F238E27FC236}">
                 <a16:creationId xmlns:a16="http://schemas.microsoft.com/office/drawing/2014/main" id="{E223798C-12AD-4B0C-A50C-D676347D67CF}"/>
@@ -6999,6 +7001,258 @@
       </p:sp>
       <p:pic>
         <p:nvPicPr>
+          <p:cNvPr id="5" name="Inhaltsplatzhalter 4">
+            <a:extLst>
+              <a:ext uri="{FF2B5EF4-FFF2-40B4-BE49-F238E27FC236}">
+                <a16:creationId xmlns:a16="http://schemas.microsoft.com/office/drawing/2014/main" id="{2EAF1206-1157-4D9A-8720-6965E4362C32}"/>
+              </a:ext>
+            </a:extLst>
+          </p:cNvPr>
+          <p:cNvPicPr>
+            <a:picLocks noGrp="1" noChangeAspect="1"/>
+          </p:cNvPicPr>
+          <p:nvPr>
+            <p:ph idx="1"/>
+          </p:nvPr>
+        </p:nvPicPr>
+        <p:blipFill rotWithShape="1">
+          <a:blip r:embed="rId2">
+            <a:extLst>
+              <a:ext uri="{28A0092B-C50C-407E-A947-70E740481C1C}">
+                <a14:useLocalDpi xmlns:a14="http://schemas.microsoft.com/office/drawing/2010/main" val="0"/>
+              </a:ext>
+            </a:extLst>
+          </a:blip>
+          <a:srcRect l="6196" r="693" b="-2"/>
+          <a:stretch/>
+        </p:blipFill>
+        <p:spPr>
+          <a:xfrm>
+            <a:off x="612842" y="484631"/>
+            <a:ext cx="7996021" cy="5604883"/>
+          </a:xfrm>
+          <a:prstGeom prst="rect">
+            <a:avLst/>
+          </a:prstGeom>
+          <a:effectLst/>
+        </p:spPr>
+      </p:pic>
+    </p:spTree>
+    <p:extLst>
+      <p:ext uri="{BB962C8B-B14F-4D97-AF65-F5344CB8AC3E}">
+        <p14:creationId xmlns:p14="http://schemas.microsoft.com/office/powerpoint/2010/main" val="2626213441"/>
+      </p:ext>
+    </p:extLst>
+  </p:cSld>
+  <p:clrMapOvr>
+    <a:masterClrMapping/>
+  </p:clrMapOvr>
+</p:sld>
+</file>
+
+<file path=ppt/slides/slide17.xml><?xml version="1.0" encoding="utf-8"?>
+<p:sld xmlns:a="http://schemas.openxmlformats.org/drawingml/2006/main" xmlns:r="http://schemas.openxmlformats.org/officeDocument/2006/relationships" xmlns:p="http://schemas.openxmlformats.org/presentationml/2006/main">
+  <p:cSld>
+    <p:bg>
+      <p:bgPr>
+        <a:solidFill>
+          <a:schemeClr val="bg2"/>
+        </a:solidFill>
+        <a:effectLst/>
+      </p:bgPr>
+    </p:bg>
+    <p:spTree>
+      <p:nvGrpSpPr>
+        <p:cNvPr id="1" name=""/>
+        <p:cNvGrpSpPr/>
+        <p:nvPr/>
+      </p:nvGrpSpPr>
+      <p:grpSpPr>
+        <a:xfrm>
+          <a:off x="0" y="0"/>
+          <a:ext cx="0" cy="0"/>
+          <a:chOff x="0" y="0"/>
+          <a:chExt cx="0" cy="0"/>
+        </a:xfrm>
+      </p:grpSpPr>
+      <p:sp>
+        <p:nvSpPr>
+          <p:cNvPr id="12" name="Rectangle 11">
+            <a:extLst>
+              <a:ext uri="{FF2B5EF4-FFF2-40B4-BE49-F238E27FC236}">
+                <a16:creationId xmlns:a16="http://schemas.microsoft.com/office/drawing/2014/main" id="{16C5FA50-8D52-4617-AF91-5C7B1C8352F1}"/>
+              </a:ext>
+              <a:ext uri="{C183D7F6-B498-43B3-948B-1728B52AA6E4}">
+                <adec:decorative xmlns:adec="http://schemas.microsoft.com/office/drawing/2017/decorative" val="1"/>
+              </a:ext>
+            </a:extLst>
+          </p:cNvPr>
+          <p:cNvSpPr>
+            <a:spLocks noGrp="1" noRot="1" noChangeAspect="1" noMove="1" noResize="1" noEditPoints="1" noAdjustHandles="1" noChangeArrowheads="1" noChangeShapeType="1" noTextEdit="1"/>
+          </p:cNvSpPr>
+          <p:nvPr>
+            <p:extLst>
+              <p:ext uri="{386F3935-93C4-4BCD-93E2-E3B085C9AB24}">
+                <p16:designElem xmlns:p16="http://schemas.microsoft.com/office/powerpoint/2015/main" val="1"/>
+              </p:ext>
+            </p:extLst>
+          </p:nvPr>
+        </p:nvSpPr>
+        <p:spPr>
+          <a:xfrm>
+            <a:off x="0" y="0"/>
+            <a:ext cx="12192000" cy="6858000"/>
+          </a:xfrm>
+          <a:prstGeom prst="rect">
+            <a:avLst/>
+          </a:prstGeom>
+          <a:solidFill>
+            <a:srgbClr val="3E4B55"/>
+          </a:solidFill>
+          <a:ln>
+            <a:noFill/>
+          </a:ln>
+        </p:spPr>
+        <p:style>
+          <a:lnRef idx="2">
+            <a:schemeClr val="accent1">
+              <a:shade val="50000"/>
+            </a:schemeClr>
+          </a:lnRef>
+          <a:fillRef idx="1">
+            <a:schemeClr val="accent1"/>
+          </a:fillRef>
+          <a:effectRef idx="0">
+            <a:schemeClr val="accent1"/>
+          </a:effectRef>
+          <a:fontRef idx="minor">
+            <a:schemeClr val="lt1"/>
+          </a:fontRef>
+        </p:style>
+        <p:txBody>
+          <a:bodyPr rtlCol="0" anchor="ctr"/>
+          <a:lstStyle/>
+          <a:p>
+            <a:pPr algn="ctr"/>
+            <a:endParaRPr lang="en-US"/>
+          </a:p>
+        </p:txBody>
+      </p:sp>
+      <p:sp>
+        <p:nvSpPr>
+          <p:cNvPr id="2" name="Titel 1">
+            <a:extLst>
+              <a:ext uri="{FF2B5EF4-FFF2-40B4-BE49-F238E27FC236}">
+                <a16:creationId xmlns:a16="http://schemas.microsoft.com/office/drawing/2014/main" id="{B8437B35-6466-44DD-B967-D220C5E89F8B}"/>
+              </a:ext>
+            </a:extLst>
+          </p:cNvPr>
+          <p:cNvSpPr>
+            <a:spLocks noGrp="1"/>
+          </p:cNvSpPr>
+          <p:nvPr>
+            <p:ph type="title"/>
+          </p:nvPr>
+        </p:nvSpPr>
+        <p:spPr>
+          <a:xfrm>
+            <a:off x="9093496" y="618681"/>
+            <a:ext cx="2613872" cy="4794567"/>
+          </a:xfrm>
+        </p:spPr>
+        <p:txBody>
+          <a:bodyPr vert="horz" lIns="91440" tIns="45720" rIns="91440" bIns="45720" rtlCol="0" anchor="ctr">
+            <a:normAutofit/>
+          </a:bodyPr>
+          <a:lstStyle/>
+          <a:p>
+            <a:r>
+              <a:rPr lang="en-US" sz="3600" dirty="0">
+                <a:solidFill>
+                  <a:srgbClr val="FFFFFF"/>
+                </a:solidFill>
+              </a:rPr>
+              <a:t>SEQUENCE DIAGRAM FOR SMART FIRE ALARM</a:t>
+            </a:r>
+          </a:p>
+        </p:txBody>
+      </p:sp>
+      <p:sp>
+        <p:nvSpPr>
+          <p:cNvPr id="14" name="Rounded Rectangle 9">
+            <a:extLst>
+              <a:ext uri="{FF2B5EF4-FFF2-40B4-BE49-F238E27FC236}">
+                <a16:creationId xmlns:a16="http://schemas.microsoft.com/office/drawing/2014/main" id="{E223798C-12AD-4B0C-A50C-D676347D67CF}"/>
+              </a:ext>
+              <a:ext uri="{C183D7F6-B498-43B3-948B-1728B52AA6E4}">
+                <adec:decorative xmlns:adec="http://schemas.microsoft.com/office/drawing/2017/decorative" val="1"/>
+              </a:ext>
+            </a:extLst>
+          </p:cNvPr>
+          <p:cNvSpPr>
+            <a:spLocks noGrp="1" noRot="1" noChangeAspect="1" noMove="1" noResize="1" noEditPoints="1" noAdjustHandles="1" noChangeArrowheads="1" noChangeShapeType="1" noTextEdit="1"/>
+          </p:cNvSpPr>
+          <p:nvPr>
+            <p:extLst>
+              <p:ext uri="{386F3935-93C4-4BCD-93E2-E3B085C9AB24}">
+                <p16:designElem xmlns:p16="http://schemas.microsoft.com/office/powerpoint/2015/main" val="1"/>
+              </p:ext>
+            </p:extLst>
+          </p:nvPr>
+        </p:nvSpPr>
+        <p:spPr>
+          <a:xfrm>
+            <a:off x="493354" y="484632"/>
+            <a:ext cx="8129016" cy="5724144"/>
+          </a:xfrm>
+          <a:prstGeom prst="roundRect">
+            <a:avLst>
+              <a:gd name="adj" fmla="val 0"/>
+            </a:avLst>
+          </a:prstGeom>
+          <a:solidFill>
+            <a:srgbClr val="FFFFFF"/>
+          </a:solidFill>
+          <a:ln w="9525">
+            <a:solidFill>
+              <a:srgbClr val="C8CACA"/>
+            </a:solidFill>
+          </a:ln>
+          <a:effectLst>
+            <a:outerShdw blurRad="57150" dist="19050" dir="5400000" algn="t" rotWithShape="0">
+              <a:prstClr val="black">
+                <a:alpha val="63000"/>
+              </a:prstClr>
+            </a:outerShdw>
+          </a:effectLst>
+        </p:spPr>
+        <p:style>
+          <a:lnRef idx="2">
+            <a:schemeClr val="accent1">
+              <a:shade val="50000"/>
+            </a:schemeClr>
+          </a:lnRef>
+          <a:fillRef idx="1">
+            <a:schemeClr val="accent1"/>
+          </a:fillRef>
+          <a:effectRef idx="0">
+            <a:schemeClr val="accent1"/>
+          </a:effectRef>
+          <a:fontRef idx="minor">
+            <a:schemeClr val="lt1"/>
+          </a:fontRef>
+        </p:style>
+        <p:txBody>
+          <a:bodyPr rtlCol="0" anchor="ctr"/>
+          <a:lstStyle/>
+          <a:p>
+            <a:pPr algn="ctr"/>
+            <a:endParaRPr lang="en-US"/>
+          </a:p>
+        </p:txBody>
+      </p:sp>
+      <p:pic>
+        <p:nvPicPr>
           <p:cNvPr id="7" name="Inhaltsplatzhalter 6">
             <a:extLst>
               <a:ext uri="{FF2B5EF4-FFF2-40B4-BE49-F238E27FC236}">
@@ -7048,7 +7302,91 @@
 </p:sld>
 </file>
 
-<file path=ppt/slides/slide17.xml><?xml version="1.0" encoding="utf-8"?>
+<file path=ppt/slides/slide18.xml><?xml version="1.0" encoding="utf-8"?>
+<p:sld xmlns:a="http://schemas.openxmlformats.org/drawingml/2006/main" xmlns:r="http://schemas.openxmlformats.org/officeDocument/2006/relationships" xmlns:p="http://schemas.openxmlformats.org/presentationml/2006/main">
+  <p:cSld>
+    <p:spTree>
+      <p:nvGrpSpPr>
+        <p:cNvPr id="1" name=""/>
+        <p:cNvGrpSpPr/>
+        <p:nvPr/>
+      </p:nvGrpSpPr>
+      <p:grpSpPr>
+        <a:xfrm>
+          <a:off x="0" y="0"/>
+          <a:ext cx="0" cy="0"/>
+          <a:chOff x="0" y="0"/>
+          <a:chExt cx="0" cy="0"/>
+        </a:xfrm>
+      </p:grpSpPr>
+      <p:sp>
+        <p:nvSpPr>
+          <p:cNvPr id="2" name="Titel 1">
+            <a:extLst>
+              <a:ext uri="{FF2B5EF4-FFF2-40B4-BE49-F238E27FC236}">
+                <a16:creationId xmlns:a16="http://schemas.microsoft.com/office/drawing/2014/main" id="{92159FB7-7451-4E40-B4A8-960376FEC6E7}"/>
+              </a:ext>
+            </a:extLst>
+          </p:cNvPr>
+          <p:cNvSpPr>
+            <a:spLocks noGrp="1"/>
+          </p:cNvSpPr>
+          <p:nvPr>
+            <p:ph type="title"/>
+          </p:nvPr>
+        </p:nvSpPr>
+        <p:spPr/>
+        <p:txBody>
+          <a:bodyPr/>
+          <a:lstStyle/>
+          <a:p>
+            <a:pPr algn="ctr"/>
+            <a:r>
+              <a:rPr lang="de-DE" dirty="0"/>
+              <a:t>STATE DIAGRAM FOR SMART FIRE ALARM</a:t>
+            </a:r>
+          </a:p>
+        </p:txBody>
+      </p:sp>
+      <p:sp>
+        <p:nvSpPr>
+          <p:cNvPr id="3" name="Inhaltsplatzhalter 2">
+            <a:extLst>
+              <a:ext uri="{FF2B5EF4-FFF2-40B4-BE49-F238E27FC236}">
+                <a16:creationId xmlns:a16="http://schemas.microsoft.com/office/drawing/2014/main" id="{8ECA3B59-896D-41A2-A571-CA30FB8A886F}"/>
+              </a:ext>
+            </a:extLst>
+          </p:cNvPr>
+          <p:cNvSpPr>
+            <a:spLocks noGrp="1"/>
+          </p:cNvSpPr>
+          <p:nvPr>
+            <p:ph idx="1"/>
+          </p:nvPr>
+        </p:nvSpPr>
+        <p:spPr/>
+        <p:txBody>
+          <a:bodyPr/>
+          <a:lstStyle/>
+          <a:p>
+            <a:endParaRPr lang="de-DE"/>
+          </a:p>
+        </p:txBody>
+      </p:sp>
+    </p:spTree>
+    <p:extLst>
+      <p:ext uri="{BB962C8B-B14F-4D97-AF65-F5344CB8AC3E}">
+        <p14:creationId xmlns:p14="http://schemas.microsoft.com/office/powerpoint/2010/main" val="4253012614"/>
+      </p:ext>
+    </p:extLst>
+  </p:cSld>
+  <p:clrMapOvr>
+    <a:masterClrMapping/>
+  </p:clrMapOvr>
+</p:sld>
+</file>
+
+<file path=ppt/slides/slide19.xml><?xml version="1.0" encoding="utf-8"?>
 <p:sld xmlns:a="http://schemas.openxmlformats.org/drawingml/2006/main" xmlns:r="http://schemas.openxmlformats.org/officeDocument/2006/relationships" xmlns:p="http://schemas.openxmlformats.org/presentationml/2006/main">
   <p:cSld>
     <p:bg>
@@ -7483,7 +7821,185 @@
 </p:sld>
 </file>
 
-<file path=ppt/slides/slide18.xml><?xml version="1.0" encoding="utf-8"?>
+<file path=ppt/slides/slide2.xml><?xml version="1.0" encoding="utf-8"?>
+<p:sld xmlns:a="http://schemas.openxmlformats.org/drawingml/2006/main" xmlns:r="http://schemas.openxmlformats.org/officeDocument/2006/relationships" xmlns:p="http://schemas.openxmlformats.org/presentationml/2006/main">
+  <p:cSld>
+    <p:bg>
+      <p:bgPr>
+        <a:solidFill>
+          <a:schemeClr val="bg1"/>
+        </a:solidFill>
+        <a:effectLst/>
+      </p:bgPr>
+    </p:bg>
+    <p:spTree>
+      <p:nvGrpSpPr>
+        <p:cNvPr id="1" name=""/>
+        <p:cNvGrpSpPr/>
+        <p:nvPr/>
+      </p:nvGrpSpPr>
+      <p:grpSpPr>
+        <a:xfrm>
+          <a:off x="0" y="0"/>
+          <a:ext cx="0" cy="0"/>
+          <a:chOff x="0" y="0"/>
+          <a:chExt cx="0" cy="0"/>
+        </a:xfrm>
+      </p:grpSpPr>
+      <p:sp>
+        <p:nvSpPr>
+          <p:cNvPr id="15" name="Rectangle 14">
+            <a:extLst>
+              <a:ext uri="{FF2B5EF4-FFF2-40B4-BE49-F238E27FC236}">
+                <a16:creationId xmlns:a16="http://schemas.microsoft.com/office/drawing/2014/main" id="{6F66A575-7835-4400-BEDE-89F2EF034034}"/>
+              </a:ext>
+              <a:ext uri="{C183D7F6-B498-43B3-948B-1728B52AA6E4}">
+                <adec:decorative xmlns:adec="http://schemas.microsoft.com/office/drawing/2017/decorative" val="1"/>
+              </a:ext>
+            </a:extLst>
+          </p:cNvPr>
+          <p:cNvSpPr>
+            <a:spLocks noGrp="1" noRot="1" noChangeAspect="1" noMove="1" noResize="1" noEditPoints="1" noAdjustHandles="1" noChangeArrowheads="1" noChangeShapeType="1" noTextEdit="1"/>
+          </p:cNvSpPr>
+          <p:nvPr>
+            <p:extLst>
+              <p:ext uri="{386F3935-93C4-4BCD-93E2-E3B085C9AB24}">
+                <p16:designElem xmlns:p16="http://schemas.microsoft.com/office/powerpoint/2015/main" val="1"/>
+              </p:ext>
+            </p:extLst>
+          </p:nvPr>
+        </p:nvSpPr>
+        <p:spPr>
+          <a:xfrm>
+            <a:off x="0" y="0"/>
+            <a:ext cx="5468548" cy="6858000"/>
+          </a:xfrm>
+          <a:prstGeom prst="rect">
+            <a:avLst/>
+          </a:prstGeom>
+          <a:solidFill>
+            <a:srgbClr val="684F47"/>
+          </a:solidFill>
+          <a:ln>
+            <a:noFill/>
+          </a:ln>
+        </p:spPr>
+        <p:style>
+          <a:lnRef idx="2">
+            <a:schemeClr val="accent1">
+              <a:shade val="50000"/>
+            </a:schemeClr>
+          </a:lnRef>
+          <a:fillRef idx="1">
+            <a:schemeClr val="accent1"/>
+          </a:fillRef>
+          <a:effectRef idx="0">
+            <a:schemeClr val="accent1"/>
+          </a:effectRef>
+          <a:fontRef idx="minor">
+            <a:schemeClr val="lt1"/>
+          </a:fontRef>
+        </p:style>
+        <p:txBody>
+          <a:bodyPr rtlCol="0" anchor="ctr"/>
+          <a:lstStyle/>
+          <a:p>
+            <a:pPr algn="ctr"/>
+            <a:endParaRPr lang="en-US"/>
+          </a:p>
+        </p:txBody>
+      </p:sp>
+      <p:sp>
+        <p:nvSpPr>
+          <p:cNvPr id="2" name="Titel 1">
+            <a:extLst>
+              <a:ext uri="{FF2B5EF4-FFF2-40B4-BE49-F238E27FC236}">
+                <a16:creationId xmlns:a16="http://schemas.microsoft.com/office/drawing/2014/main" id="{229596F5-1B2D-472E-BA5F-78CC9907A154}"/>
+              </a:ext>
+            </a:extLst>
+          </p:cNvPr>
+          <p:cNvSpPr>
+            <a:spLocks noGrp="1"/>
+          </p:cNvSpPr>
+          <p:nvPr>
+            <p:ph type="title"/>
+          </p:nvPr>
+        </p:nvSpPr>
+        <p:spPr>
+          <a:xfrm>
+            <a:off x="621629" y="640080"/>
+            <a:ext cx="4225290" cy="5578816"/>
+          </a:xfrm>
+        </p:spPr>
+        <p:txBody>
+          <a:bodyPr vert="horz" lIns="91440" tIns="45720" rIns="91440" bIns="45720" rtlCol="0" anchor="ctr">
+            <a:normAutofit/>
+          </a:bodyPr>
+          <a:lstStyle/>
+          <a:p>
+            <a:pPr algn="ctr"/>
+            <a:r>
+              <a:rPr lang="en-US">
+                <a:solidFill>
+                  <a:srgbClr val="FFFFFF"/>
+                </a:solidFill>
+              </a:rPr>
+              <a:t>USE CASE DIAGRAM</a:t>
+            </a:r>
+          </a:p>
+        </p:txBody>
+      </p:sp>
+      <p:pic>
+        <p:nvPicPr>
+          <p:cNvPr id="5" name="Content Placeholder 4" descr="Diagram&#10;&#10;Description automatically generated">
+            <a:extLst>
+              <a:ext uri="{FF2B5EF4-FFF2-40B4-BE49-F238E27FC236}">
+                <a16:creationId xmlns:a16="http://schemas.microsoft.com/office/drawing/2014/main" id="{0AC7602F-6597-46C4-A904-F3869F14CD35}"/>
+              </a:ext>
+            </a:extLst>
+          </p:cNvPr>
+          <p:cNvPicPr>
+            <a:picLocks noGrp="1" noChangeAspect="1"/>
+          </p:cNvPicPr>
+          <p:nvPr>
+            <p:ph idx="1"/>
+          </p:nvPr>
+        </p:nvPicPr>
+        <p:blipFill rotWithShape="1">
+          <a:blip r:embed="rId2">
+            <a:extLst>
+              <a:ext uri="{28A0092B-C50C-407E-A947-70E740481C1C}">
+                <a14:useLocalDpi xmlns:a14="http://schemas.microsoft.com/office/drawing/2010/main" val="0"/>
+              </a:ext>
+            </a:extLst>
+          </a:blip>
+          <a:srcRect l="7554" r="1679" b="-2"/>
+          <a:stretch/>
+        </p:blipFill>
+        <p:spPr>
+          <a:xfrm>
+            <a:off x="6096000" y="640080"/>
+            <a:ext cx="5459470" cy="5578816"/>
+          </a:xfrm>
+          <a:prstGeom prst="rect">
+            <a:avLst/>
+          </a:prstGeom>
+        </p:spPr>
+      </p:pic>
+    </p:spTree>
+    <p:extLst>
+      <p:ext uri="{BB962C8B-B14F-4D97-AF65-F5344CB8AC3E}">
+        <p14:creationId xmlns:p14="http://schemas.microsoft.com/office/powerpoint/2010/main" val="1783667080"/>
+      </p:ext>
+    </p:extLst>
+  </p:cSld>
+  <p:clrMapOvr>
+    <a:masterClrMapping/>
+  </p:clrMapOvr>
+</p:sld>
+</file>
+
+<file path=ppt/slides/slide20.xml><?xml version="1.0" encoding="utf-8"?>
 <p:sld xmlns:a="http://schemas.openxmlformats.org/drawingml/2006/main" xmlns:r="http://schemas.openxmlformats.org/officeDocument/2006/relationships" xmlns:p="http://schemas.openxmlformats.org/presentationml/2006/main">
   <p:cSld>
     <p:bg>
@@ -7744,7 +8260,7 @@
 </p:sld>
 </file>
 
-<file path=ppt/slides/slide19.xml><?xml version="1.0" encoding="utf-8"?>
+<file path=ppt/slides/slide21.xml><?xml version="1.0" encoding="utf-8"?>
 <p:sld xmlns:a="http://schemas.openxmlformats.org/drawingml/2006/main" xmlns:r="http://schemas.openxmlformats.org/officeDocument/2006/relationships" xmlns:p="http://schemas.openxmlformats.org/presentationml/2006/main">
   <p:cSld>
     <p:bg>
@@ -7996,185 +8512,7 @@
 </p:sld>
 </file>
 
-<file path=ppt/slides/slide2.xml><?xml version="1.0" encoding="utf-8"?>
-<p:sld xmlns:a="http://schemas.openxmlformats.org/drawingml/2006/main" xmlns:r="http://schemas.openxmlformats.org/officeDocument/2006/relationships" xmlns:p="http://schemas.openxmlformats.org/presentationml/2006/main">
-  <p:cSld>
-    <p:bg>
-      <p:bgPr>
-        <a:solidFill>
-          <a:schemeClr val="bg1"/>
-        </a:solidFill>
-        <a:effectLst/>
-      </p:bgPr>
-    </p:bg>
-    <p:spTree>
-      <p:nvGrpSpPr>
-        <p:cNvPr id="1" name=""/>
-        <p:cNvGrpSpPr/>
-        <p:nvPr/>
-      </p:nvGrpSpPr>
-      <p:grpSpPr>
-        <a:xfrm>
-          <a:off x="0" y="0"/>
-          <a:ext cx="0" cy="0"/>
-          <a:chOff x="0" y="0"/>
-          <a:chExt cx="0" cy="0"/>
-        </a:xfrm>
-      </p:grpSpPr>
-      <p:sp>
-        <p:nvSpPr>
-          <p:cNvPr id="15" name="Rectangle 14">
-            <a:extLst>
-              <a:ext uri="{FF2B5EF4-FFF2-40B4-BE49-F238E27FC236}">
-                <a16:creationId xmlns:a16="http://schemas.microsoft.com/office/drawing/2014/main" id="{6F66A575-7835-4400-BEDE-89F2EF034034}"/>
-              </a:ext>
-              <a:ext uri="{C183D7F6-B498-43B3-948B-1728B52AA6E4}">
-                <adec:decorative xmlns:adec="http://schemas.microsoft.com/office/drawing/2017/decorative" val="1"/>
-              </a:ext>
-            </a:extLst>
-          </p:cNvPr>
-          <p:cNvSpPr>
-            <a:spLocks noGrp="1" noRot="1" noChangeAspect="1" noMove="1" noResize="1" noEditPoints="1" noAdjustHandles="1" noChangeArrowheads="1" noChangeShapeType="1" noTextEdit="1"/>
-          </p:cNvSpPr>
-          <p:nvPr>
-            <p:extLst>
-              <p:ext uri="{386F3935-93C4-4BCD-93E2-E3B085C9AB24}">
-                <p16:designElem xmlns:p16="http://schemas.microsoft.com/office/powerpoint/2015/main" val="1"/>
-              </p:ext>
-            </p:extLst>
-          </p:nvPr>
-        </p:nvSpPr>
-        <p:spPr>
-          <a:xfrm>
-            <a:off x="0" y="0"/>
-            <a:ext cx="5468548" cy="6858000"/>
-          </a:xfrm>
-          <a:prstGeom prst="rect">
-            <a:avLst/>
-          </a:prstGeom>
-          <a:solidFill>
-            <a:srgbClr val="684F47"/>
-          </a:solidFill>
-          <a:ln>
-            <a:noFill/>
-          </a:ln>
-        </p:spPr>
-        <p:style>
-          <a:lnRef idx="2">
-            <a:schemeClr val="accent1">
-              <a:shade val="50000"/>
-            </a:schemeClr>
-          </a:lnRef>
-          <a:fillRef idx="1">
-            <a:schemeClr val="accent1"/>
-          </a:fillRef>
-          <a:effectRef idx="0">
-            <a:schemeClr val="accent1"/>
-          </a:effectRef>
-          <a:fontRef idx="minor">
-            <a:schemeClr val="lt1"/>
-          </a:fontRef>
-        </p:style>
-        <p:txBody>
-          <a:bodyPr rtlCol="0" anchor="ctr"/>
-          <a:lstStyle/>
-          <a:p>
-            <a:pPr algn="ctr"/>
-            <a:endParaRPr lang="en-US"/>
-          </a:p>
-        </p:txBody>
-      </p:sp>
-      <p:sp>
-        <p:nvSpPr>
-          <p:cNvPr id="2" name="Titel 1">
-            <a:extLst>
-              <a:ext uri="{FF2B5EF4-FFF2-40B4-BE49-F238E27FC236}">
-                <a16:creationId xmlns:a16="http://schemas.microsoft.com/office/drawing/2014/main" id="{229596F5-1B2D-472E-BA5F-78CC9907A154}"/>
-              </a:ext>
-            </a:extLst>
-          </p:cNvPr>
-          <p:cNvSpPr>
-            <a:spLocks noGrp="1"/>
-          </p:cNvSpPr>
-          <p:nvPr>
-            <p:ph type="title"/>
-          </p:nvPr>
-        </p:nvSpPr>
-        <p:spPr>
-          <a:xfrm>
-            <a:off x="621629" y="640080"/>
-            <a:ext cx="4225290" cy="5578816"/>
-          </a:xfrm>
-        </p:spPr>
-        <p:txBody>
-          <a:bodyPr vert="horz" lIns="91440" tIns="45720" rIns="91440" bIns="45720" rtlCol="0" anchor="ctr">
-            <a:normAutofit/>
-          </a:bodyPr>
-          <a:lstStyle/>
-          <a:p>
-            <a:pPr algn="ctr"/>
-            <a:r>
-              <a:rPr lang="en-US">
-                <a:solidFill>
-                  <a:srgbClr val="FFFFFF"/>
-                </a:solidFill>
-              </a:rPr>
-              <a:t>USE CASE DIAGRAM</a:t>
-            </a:r>
-          </a:p>
-        </p:txBody>
-      </p:sp>
-      <p:pic>
-        <p:nvPicPr>
-          <p:cNvPr id="5" name="Content Placeholder 4" descr="Diagram&#10;&#10;Description automatically generated">
-            <a:extLst>
-              <a:ext uri="{FF2B5EF4-FFF2-40B4-BE49-F238E27FC236}">
-                <a16:creationId xmlns:a16="http://schemas.microsoft.com/office/drawing/2014/main" id="{0AC7602F-6597-46C4-A904-F3869F14CD35}"/>
-              </a:ext>
-            </a:extLst>
-          </p:cNvPr>
-          <p:cNvPicPr>
-            <a:picLocks noGrp="1" noChangeAspect="1"/>
-          </p:cNvPicPr>
-          <p:nvPr>
-            <p:ph idx="1"/>
-          </p:nvPr>
-        </p:nvPicPr>
-        <p:blipFill rotWithShape="1">
-          <a:blip r:embed="rId2">
-            <a:extLst>
-              <a:ext uri="{28A0092B-C50C-407E-A947-70E740481C1C}">
-                <a14:useLocalDpi xmlns:a14="http://schemas.microsoft.com/office/drawing/2010/main" val="0"/>
-              </a:ext>
-            </a:extLst>
-          </a:blip>
-          <a:srcRect l="7554" r="1679" b="-2"/>
-          <a:stretch/>
-        </p:blipFill>
-        <p:spPr>
-          <a:xfrm>
-            <a:off x="6096000" y="640080"/>
-            <a:ext cx="5459470" cy="5578816"/>
-          </a:xfrm>
-          <a:prstGeom prst="rect">
-            <a:avLst/>
-          </a:prstGeom>
-        </p:spPr>
-      </p:pic>
-    </p:spTree>
-    <p:extLst>
-      <p:ext uri="{BB962C8B-B14F-4D97-AF65-F5344CB8AC3E}">
-        <p14:creationId xmlns:p14="http://schemas.microsoft.com/office/powerpoint/2010/main" val="1783667080"/>
-      </p:ext>
-    </p:extLst>
-  </p:cSld>
-  <p:clrMapOvr>
-    <a:masterClrMapping/>
-  </p:clrMapOvr>
-</p:sld>
-</file>
-
-<file path=ppt/slides/slide20.xml><?xml version="1.0" encoding="utf-8"?>
+<file path=ppt/slides/slide22.xml><?xml version="1.0" encoding="utf-8"?>
 <p:sld xmlns:a="http://schemas.openxmlformats.org/drawingml/2006/main" xmlns:r="http://schemas.openxmlformats.org/officeDocument/2006/relationships" xmlns:p="http://schemas.openxmlformats.org/presentationml/2006/main">
   <p:cSld>
     <p:bg>

--- a/Project_Week_7&8/Precise Analysis.pptx
+++ b/Project_Week_7&8/Precise Analysis.pptx
@@ -7342,37 +7342,48 @@
           <a:p>
             <a:pPr algn="ctr"/>
             <a:r>
-              <a:rPr lang="de-DE" dirty="0"/>
+              <a:rPr lang="de-DE"/>
               <a:t>STATE DIAGRAM FOR SMART FIRE ALARM</a:t>
             </a:r>
-          </a:p>
-        </p:txBody>
-      </p:sp>
-      <p:sp>
-        <p:nvSpPr>
-          <p:cNvPr id="3" name="Inhaltsplatzhalter 2">
-            <a:extLst>
-              <a:ext uri="{FF2B5EF4-FFF2-40B4-BE49-F238E27FC236}">
-                <a16:creationId xmlns:a16="http://schemas.microsoft.com/office/drawing/2014/main" id="{8ECA3B59-896D-41A2-A571-CA30FB8A886F}"/>
-              </a:ext>
-            </a:extLst>
-          </p:cNvPr>
-          <p:cNvSpPr>
-            <a:spLocks noGrp="1"/>
-          </p:cNvSpPr>
+            <a:endParaRPr lang="de-DE" dirty="0"/>
+          </a:p>
+        </p:txBody>
+      </p:sp>
+      <p:pic>
+        <p:nvPicPr>
+          <p:cNvPr id="5" name="Inhaltsplatzhalter 4">
+            <a:extLst>
+              <a:ext uri="{FF2B5EF4-FFF2-40B4-BE49-F238E27FC236}">
+                <a16:creationId xmlns:a16="http://schemas.microsoft.com/office/drawing/2014/main" id="{13E81B42-EF48-4862-A8E0-E5EC5893AF5D}"/>
+              </a:ext>
+            </a:extLst>
+          </p:cNvPr>
+          <p:cNvPicPr>
+            <a:picLocks noGrp="1" noChangeAspect="1"/>
+          </p:cNvPicPr>
           <p:nvPr>
             <p:ph idx="1"/>
           </p:nvPr>
-        </p:nvSpPr>
-        <p:spPr/>
-        <p:txBody>
-          <a:bodyPr/>
-          <a:lstStyle/>
-          <a:p>
-            <a:endParaRPr lang="de-DE"/>
-          </a:p>
-        </p:txBody>
-      </p:sp>
+        </p:nvPicPr>
+        <p:blipFill>
+          <a:blip r:embed="rId2">
+            <a:extLst>
+              <a:ext uri="{28A0092B-C50C-407E-A947-70E740481C1C}">
+                <a14:useLocalDpi xmlns:a14="http://schemas.microsoft.com/office/drawing/2010/main" val="0"/>
+              </a:ext>
+            </a:extLst>
+          </a:blip>
+          <a:stretch>
+            <a:fillRect/>
+          </a:stretch>
+        </p:blipFill>
+        <p:spPr>
+          <a:xfrm>
+            <a:off x="2121763" y="1825625"/>
+            <a:ext cx="8327254" cy="4504154"/>
+          </a:xfrm>
+        </p:spPr>
+      </p:pic>
     </p:spTree>
     <p:extLst>
       <p:ext uri="{BB962C8B-B14F-4D97-AF65-F5344CB8AC3E}">

--- a/Project_Week_7&8/Precise Analysis.pptx
+++ b/Project_Week_7&8/Precise Analysis.pptx
@@ -4,6 +4,9 @@
   <p:sldMasterIdLst>
     <p:sldMasterId id="2147483648" r:id="rId1"/>
   </p:sldMasterIdLst>
+  <p:notesMasterIdLst>
+    <p:notesMasterId r:id="rId25"/>
+  </p:notesMasterIdLst>
   <p:sldIdLst>
     <p:sldId id="256" r:id="rId2"/>
     <p:sldId id="257" r:id="rId3"/>
@@ -26,7 +29,8 @@
     <p:sldId id="280" r:id="rId20"/>
     <p:sldId id="281" r:id="rId21"/>
     <p:sldId id="266" r:id="rId22"/>
-    <p:sldId id="265" r:id="rId23"/>
+    <p:sldId id="284" r:id="rId23"/>
+    <p:sldId id="265" r:id="rId24"/>
   </p:sldIdLst>
   <p:sldSz cx="12192000" cy="6858000"/>
   <p:notesSz cx="6858000" cy="9144000"/>
@@ -133,6 +137,440 @@
 </p:presentation>
 </file>
 
+<file path=ppt/notesMasters/notesMaster1.xml><?xml version="1.0" encoding="utf-8"?>
+<p:notesMaster xmlns:a="http://schemas.openxmlformats.org/drawingml/2006/main" xmlns:r="http://schemas.openxmlformats.org/officeDocument/2006/relationships" xmlns:p="http://schemas.openxmlformats.org/presentationml/2006/main">
+  <p:cSld>
+    <p:bg>
+      <p:bgRef idx="1001">
+        <a:schemeClr val="bg1"/>
+      </p:bgRef>
+    </p:bg>
+    <p:spTree>
+      <p:nvGrpSpPr>
+        <p:cNvPr id="1" name=""/>
+        <p:cNvGrpSpPr/>
+        <p:nvPr/>
+      </p:nvGrpSpPr>
+      <p:grpSpPr>
+        <a:xfrm>
+          <a:off x="0" y="0"/>
+          <a:ext cx="0" cy="0"/>
+          <a:chOff x="0" y="0"/>
+          <a:chExt cx="0" cy="0"/>
+        </a:xfrm>
+      </p:grpSpPr>
+      <p:sp>
+        <p:nvSpPr>
+          <p:cNvPr id="2" name="Header Placeholder 1"/>
+          <p:cNvSpPr>
+            <a:spLocks noGrp="1"/>
+          </p:cNvSpPr>
+          <p:nvPr>
+            <p:ph type="hdr" sz="quarter"/>
+          </p:nvPr>
+        </p:nvSpPr>
+        <p:spPr>
+          <a:xfrm>
+            <a:off x="0" y="0"/>
+            <a:ext cx="2971800" cy="458788"/>
+          </a:xfrm>
+          <a:prstGeom prst="rect">
+            <a:avLst/>
+          </a:prstGeom>
+        </p:spPr>
+        <p:txBody>
+          <a:bodyPr vert="horz" lIns="91440" tIns="45720" rIns="91440" bIns="45720" rtlCol="0"/>
+          <a:lstStyle>
+            <a:lvl1pPr algn="l">
+              <a:defRPr sz="1200"/>
+            </a:lvl1pPr>
+          </a:lstStyle>
+          <a:p>
+            <a:endParaRPr lang="en-DE"/>
+          </a:p>
+        </p:txBody>
+      </p:sp>
+      <p:sp>
+        <p:nvSpPr>
+          <p:cNvPr id="3" name="Date Placeholder 2"/>
+          <p:cNvSpPr>
+            <a:spLocks noGrp="1"/>
+          </p:cNvSpPr>
+          <p:nvPr>
+            <p:ph type="dt" idx="1"/>
+          </p:nvPr>
+        </p:nvSpPr>
+        <p:spPr>
+          <a:xfrm>
+            <a:off x="3884613" y="0"/>
+            <a:ext cx="2971800" cy="458788"/>
+          </a:xfrm>
+          <a:prstGeom prst="rect">
+            <a:avLst/>
+          </a:prstGeom>
+        </p:spPr>
+        <p:txBody>
+          <a:bodyPr vert="horz" lIns="91440" tIns="45720" rIns="91440" bIns="45720" rtlCol="0"/>
+          <a:lstStyle>
+            <a:lvl1pPr algn="r">
+              <a:defRPr sz="1200"/>
+            </a:lvl1pPr>
+          </a:lstStyle>
+          <a:p>
+            <a:fld id="{5F1A27D3-661F-4BC7-A52F-AEA4554E23FD}" type="datetimeFigureOut">
+              <a:rPr lang="en-DE" smtClean="0"/>
+              <a:t>03/01/2021</a:t>
+            </a:fld>
+            <a:endParaRPr lang="en-DE"/>
+          </a:p>
+        </p:txBody>
+      </p:sp>
+      <p:sp>
+        <p:nvSpPr>
+          <p:cNvPr id="4" name="Slide Image Placeholder 3"/>
+          <p:cNvSpPr>
+            <a:spLocks noGrp="1" noRot="1" noChangeAspect="1"/>
+          </p:cNvSpPr>
+          <p:nvPr>
+            <p:ph type="sldImg" idx="2"/>
+          </p:nvPr>
+        </p:nvSpPr>
+        <p:spPr>
+          <a:xfrm>
+            <a:off x="685800" y="1143000"/>
+            <a:ext cx="5486400" cy="3086100"/>
+          </a:xfrm>
+          <a:prstGeom prst="rect">
+            <a:avLst/>
+          </a:prstGeom>
+          <a:noFill/>
+          <a:ln w="12700">
+            <a:solidFill>
+              <a:prstClr val="black"/>
+            </a:solidFill>
+          </a:ln>
+        </p:spPr>
+        <p:txBody>
+          <a:bodyPr vert="horz" lIns="91440" tIns="45720" rIns="91440" bIns="45720" rtlCol="0" anchor="ctr"/>
+          <a:lstStyle/>
+          <a:p>
+            <a:endParaRPr lang="en-DE"/>
+          </a:p>
+        </p:txBody>
+      </p:sp>
+      <p:sp>
+        <p:nvSpPr>
+          <p:cNvPr id="5" name="Notes Placeholder 4"/>
+          <p:cNvSpPr>
+            <a:spLocks noGrp="1"/>
+          </p:cNvSpPr>
+          <p:nvPr>
+            <p:ph type="body" sz="quarter" idx="3"/>
+          </p:nvPr>
+        </p:nvSpPr>
+        <p:spPr>
+          <a:xfrm>
+            <a:off x="685800" y="4400550"/>
+            <a:ext cx="5486400" cy="3600450"/>
+          </a:xfrm>
+          <a:prstGeom prst="rect">
+            <a:avLst/>
+          </a:prstGeom>
+        </p:spPr>
+        <p:txBody>
+          <a:bodyPr vert="horz" lIns="91440" tIns="45720" rIns="91440" bIns="45720" rtlCol="0"/>
+          <a:lstStyle/>
+          <a:p>
+            <a:pPr lvl="0"/>
+            <a:r>
+              <a:rPr lang="en-US"/>
+              <a:t>Click to edit Master text styles</a:t>
+            </a:r>
+          </a:p>
+          <a:p>
+            <a:pPr lvl="1"/>
+            <a:r>
+              <a:rPr lang="en-US"/>
+              <a:t>Second level</a:t>
+            </a:r>
+          </a:p>
+          <a:p>
+            <a:pPr lvl="2"/>
+            <a:r>
+              <a:rPr lang="en-US"/>
+              <a:t>Third level</a:t>
+            </a:r>
+          </a:p>
+          <a:p>
+            <a:pPr lvl="3"/>
+            <a:r>
+              <a:rPr lang="en-US"/>
+              <a:t>Fourth level</a:t>
+            </a:r>
+          </a:p>
+          <a:p>
+            <a:pPr lvl="4"/>
+            <a:r>
+              <a:rPr lang="en-US"/>
+              <a:t>Fifth level</a:t>
+            </a:r>
+            <a:endParaRPr lang="en-DE"/>
+          </a:p>
+        </p:txBody>
+      </p:sp>
+      <p:sp>
+        <p:nvSpPr>
+          <p:cNvPr id="6" name="Footer Placeholder 5"/>
+          <p:cNvSpPr>
+            <a:spLocks noGrp="1"/>
+          </p:cNvSpPr>
+          <p:nvPr>
+            <p:ph type="ftr" sz="quarter" idx="4"/>
+          </p:nvPr>
+        </p:nvSpPr>
+        <p:spPr>
+          <a:xfrm>
+            <a:off x="0" y="8685213"/>
+            <a:ext cx="2971800" cy="458787"/>
+          </a:xfrm>
+          <a:prstGeom prst="rect">
+            <a:avLst/>
+          </a:prstGeom>
+        </p:spPr>
+        <p:txBody>
+          <a:bodyPr vert="horz" lIns="91440" tIns="45720" rIns="91440" bIns="45720" rtlCol="0" anchor="b"/>
+          <a:lstStyle>
+            <a:lvl1pPr algn="l">
+              <a:defRPr sz="1200"/>
+            </a:lvl1pPr>
+          </a:lstStyle>
+          <a:p>
+            <a:endParaRPr lang="en-DE"/>
+          </a:p>
+        </p:txBody>
+      </p:sp>
+      <p:sp>
+        <p:nvSpPr>
+          <p:cNvPr id="7" name="Slide Number Placeholder 6"/>
+          <p:cNvSpPr>
+            <a:spLocks noGrp="1"/>
+          </p:cNvSpPr>
+          <p:nvPr>
+            <p:ph type="sldNum" sz="quarter" idx="5"/>
+          </p:nvPr>
+        </p:nvSpPr>
+        <p:spPr>
+          <a:xfrm>
+            <a:off x="3884613" y="8685213"/>
+            <a:ext cx="2971800" cy="458787"/>
+          </a:xfrm>
+          <a:prstGeom prst="rect">
+            <a:avLst/>
+          </a:prstGeom>
+        </p:spPr>
+        <p:txBody>
+          <a:bodyPr vert="horz" lIns="91440" tIns="45720" rIns="91440" bIns="45720" rtlCol="0" anchor="b"/>
+          <a:lstStyle>
+            <a:lvl1pPr algn="r">
+              <a:defRPr sz="1200"/>
+            </a:lvl1pPr>
+          </a:lstStyle>
+          <a:p>
+            <a:fld id="{3A810ACB-32FB-423C-8B01-AC782214EB4C}" type="slidenum">
+              <a:rPr lang="en-DE" smtClean="0"/>
+              <a:t>‹#›</a:t>
+            </a:fld>
+            <a:endParaRPr lang="en-DE"/>
+          </a:p>
+        </p:txBody>
+      </p:sp>
+    </p:spTree>
+    <p:extLst>
+      <p:ext uri="{BB962C8B-B14F-4D97-AF65-F5344CB8AC3E}">
+        <p14:creationId xmlns:p14="http://schemas.microsoft.com/office/powerpoint/2010/main" val="547423529"/>
+      </p:ext>
+    </p:extLst>
+  </p:cSld>
+  <p:clrMap bg1="lt1" tx1="dk1" bg2="lt2" tx2="dk2" accent1="accent1" accent2="accent2" accent3="accent3" accent4="accent4" accent5="accent5" accent6="accent6" hlink="hlink" folHlink="folHlink"/>
+  <p:notesStyle>
+    <a:lvl1pPr marL="0" algn="l" defTabSz="914400" rtl="0" eaLnBrk="1" latinLnBrk="0" hangingPunct="1">
+      <a:defRPr sz="1200" kern="1200">
+        <a:solidFill>
+          <a:schemeClr val="tx1"/>
+        </a:solidFill>
+        <a:latin typeface="+mn-lt"/>
+        <a:ea typeface="+mn-ea"/>
+        <a:cs typeface="+mn-cs"/>
+      </a:defRPr>
+    </a:lvl1pPr>
+    <a:lvl2pPr marL="457200" algn="l" defTabSz="914400" rtl="0" eaLnBrk="1" latinLnBrk="0" hangingPunct="1">
+      <a:defRPr sz="1200" kern="1200">
+        <a:solidFill>
+          <a:schemeClr val="tx1"/>
+        </a:solidFill>
+        <a:latin typeface="+mn-lt"/>
+        <a:ea typeface="+mn-ea"/>
+        <a:cs typeface="+mn-cs"/>
+      </a:defRPr>
+    </a:lvl2pPr>
+    <a:lvl3pPr marL="914400" algn="l" defTabSz="914400" rtl="0" eaLnBrk="1" latinLnBrk="0" hangingPunct="1">
+      <a:defRPr sz="1200" kern="1200">
+        <a:solidFill>
+          <a:schemeClr val="tx1"/>
+        </a:solidFill>
+        <a:latin typeface="+mn-lt"/>
+        <a:ea typeface="+mn-ea"/>
+        <a:cs typeface="+mn-cs"/>
+      </a:defRPr>
+    </a:lvl3pPr>
+    <a:lvl4pPr marL="1371600" algn="l" defTabSz="914400" rtl="0" eaLnBrk="1" latinLnBrk="0" hangingPunct="1">
+      <a:defRPr sz="1200" kern="1200">
+        <a:solidFill>
+          <a:schemeClr val="tx1"/>
+        </a:solidFill>
+        <a:latin typeface="+mn-lt"/>
+        <a:ea typeface="+mn-ea"/>
+        <a:cs typeface="+mn-cs"/>
+      </a:defRPr>
+    </a:lvl4pPr>
+    <a:lvl5pPr marL="1828800" algn="l" defTabSz="914400" rtl="0" eaLnBrk="1" latinLnBrk="0" hangingPunct="1">
+      <a:defRPr sz="1200" kern="1200">
+        <a:solidFill>
+          <a:schemeClr val="tx1"/>
+        </a:solidFill>
+        <a:latin typeface="+mn-lt"/>
+        <a:ea typeface="+mn-ea"/>
+        <a:cs typeface="+mn-cs"/>
+      </a:defRPr>
+    </a:lvl5pPr>
+    <a:lvl6pPr marL="2286000" algn="l" defTabSz="914400" rtl="0" eaLnBrk="1" latinLnBrk="0" hangingPunct="1">
+      <a:defRPr sz="1200" kern="1200">
+        <a:solidFill>
+          <a:schemeClr val="tx1"/>
+        </a:solidFill>
+        <a:latin typeface="+mn-lt"/>
+        <a:ea typeface="+mn-ea"/>
+        <a:cs typeface="+mn-cs"/>
+      </a:defRPr>
+    </a:lvl6pPr>
+    <a:lvl7pPr marL="2743200" algn="l" defTabSz="914400" rtl="0" eaLnBrk="1" latinLnBrk="0" hangingPunct="1">
+      <a:defRPr sz="1200" kern="1200">
+        <a:solidFill>
+          <a:schemeClr val="tx1"/>
+        </a:solidFill>
+        <a:latin typeface="+mn-lt"/>
+        <a:ea typeface="+mn-ea"/>
+        <a:cs typeface="+mn-cs"/>
+      </a:defRPr>
+    </a:lvl7pPr>
+    <a:lvl8pPr marL="3200400" algn="l" defTabSz="914400" rtl="0" eaLnBrk="1" latinLnBrk="0" hangingPunct="1">
+      <a:defRPr sz="1200" kern="1200">
+        <a:solidFill>
+          <a:schemeClr val="tx1"/>
+        </a:solidFill>
+        <a:latin typeface="+mn-lt"/>
+        <a:ea typeface="+mn-ea"/>
+        <a:cs typeface="+mn-cs"/>
+      </a:defRPr>
+    </a:lvl8pPr>
+    <a:lvl9pPr marL="3657600" algn="l" defTabSz="914400" rtl="0" eaLnBrk="1" latinLnBrk="0" hangingPunct="1">
+      <a:defRPr sz="1200" kern="1200">
+        <a:solidFill>
+          <a:schemeClr val="tx1"/>
+        </a:solidFill>
+        <a:latin typeface="+mn-lt"/>
+        <a:ea typeface="+mn-ea"/>
+        <a:cs typeface="+mn-cs"/>
+      </a:defRPr>
+    </a:lvl9pPr>
+  </p:notesStyle>
+</p:notesMaster>
+</file>
+
+<file path=ppt/notesSlides/notesSlide1.xml><?xml version="1.0" encoding="utf-8"?>
+<p:notes xmlns:a="http://schemas.openxmlformats.org/drawingml/2006/main" xmlns:r="http://schemas.openxmlformats.org/officeDocument/2006/relationships" xmlns:p="http://schemas.openxmlformats.org/presentationml/2006/main">
+  <p:cSld>
+    <p:spTree>
+      <p:nvGrpSpPr>
+        <p:cNvPr id="1" name=""/>
+        <p:cNvGrpSpPr/>
+        <p:nvPr/>
+      </p:nvGrpSpPr>
+      <p:grpSpPr>
+        <a:xfrm>
+          <a:off x="0" y="0"/>
+          <a:ext cx="0" cy="0"/>
+          <a:chOff x="0" y="0"/>
+          <a:chExt cx="0" cy="0"/>
+        </a:xfrm>
+      </p:grpSpPr>
+      <p:sp>
+        <p:nvSpPr>
+          <p:cNvPr id="2" name="Slide Image Placeholder 1"/>
+          <p:cNvSpPr>
+            <a:spLocks noGrp="1" noRot="1" noChangeAspect="1"/>
+          </p:cNvSpPr>
+          <p:nvPr>
+            <p:ph type="sldImg"/>
+          </p:nvPr>
+        </p:nvSpPr>
+        <p:spPr/>
+      </p:sp>
+      <p:sp>
+        <p:nvSpPr>
+          <p:cNvPr id="3" name="Notes Placeholder 2"/>
+          <p:cNvSpPr>
+            <a:spLocks noGrp="1"/>
+          </p:cNvSpPr>
+          <p:nvPr>
+            <p:ph type="body" idx="1"/>
+          </p:nvPr>
+        </p:nvSpPr>
+        <p:spPr/>
+        <p:txBody>
+          <a:bodyPr/>
+          <a:lstStyle/>
+          <a:p>
+            <a:endParaRPr lang="en-DE" dirty="0"/>
+          </a:p>
+        </p:txBody>
+      </p:sp>
+      <p:sp>
+        <p:nvSpPr>
+          <p:cNvPr id="4" name="Slide Number Placeholder 3"/>
+          <p:cNvSpPr>
+            <a:spLocks noGrp="1"/>
+          </p:cNvSpPr>
+          <p:nvPr>
+            <p:ph type="sldNum" sz="quarter" idx="5"/>
+          </p:nvPr>
+        </p:nvSpPr>
+        <p:spPr/>
+        <p:txBody>
+          <a:bodyPr/>
+          <a:lstStyle/>
+          <a:p>
+            <a:fld id="{3A810ACB-32FB-423C-8B01-AC782214EB4C}" type="slidenum">
+              <a:rPr lang="en-DE" smtClean="0"/>
+              <a:t>19</a:t>
+            </a:fld>
+            <a:endParaRPr lang="en-DE"/>
+          </a:p>
+        </p:txBody>
+      </p:sp>
+    </p:spTree>
+    <p:extLst>
+      <p:ext uri="{BB962C8B-B14F-4D97-AF65-F5344CB8AC3E}">
+        <p14:creationId xmlns:p14="http://schemas.microsoft.com/office/powerpoint/2010/main" val="2700748081"/>
+      </p:ext>
+    </p:extLst>
+  </p:cSld>
+  <p:clrMapOvr>
+    <a:masterClrMapping/>
+  </p:clrMapOvr>
+</p:notes>
+</file>
+
 <file path=ppt/slideLayouts/slideLayout1.xml><?xml version="1.0" encoding="utf-8"?>
 <p:sldLayout xmlns:a="http://schemas.openxmlformats.org/drawingml/2006/main" xmlns:r="http://schemas.openxmlformats.org/officeDocument/2006/relationships" xmlns:p="http://schemas.openxmlformats.org/presentationml/2006/main" type="title" preserve="1">
   <p:cSld name="Titelfolie">
@@ -334,7 +772,7 @@
           <a:p>
             <a:fld id="{59436D6C-09F6-4967-B045-448DC0A44960}" type="slidenum">
               <a:rPr lang="de-DE" smtClean="0"/>
-              <a:t>‹Nr.›</a:t>
+              <a:t>‹#›</a:t>
             </a:fld>
             <a:endParaRPr lang="de-DE"/>
           </a:p>
@@ -532,7 +970,7 @@
           <a:p>
             <a:fld id="{59436D6C-09F6-4967-B045-448DC0A44960}" type="slidenum">
               <a:rPr lang="de-DE" smtClean="0"/>
-              <a:t>‹Nr.›</a:t>
+              <a:t>‹#›</a:t>
             </a:fld>
             <a:endParaRPr lang="de-DE"/>
           </a:p>
@@ -740,7 +1178,7 @@
           <a:p>
             <a:fld id="{59436D6C-09F6-4967-B045-448DC0A44960}" type="slidenum">
               <a:rPr lang="de-DE" smtClean="0"/>
-              <a:t>‹Nr.›</a:t>
+              <a:t>‹#›</a:t>
             </a:fld>
             <a:endParaRPr lang="de-DE"/>
           </a:p>
@@ -938,7 +1376,7 @@
           <a:p>
             <a:fld id="{59436D6C-09F6-4967-B045-448DC0A44960}" type="slidenum">
               <a:rPr lang="de-DE" smtClean="0"/>
-              <a:t>‹Nr.›</a:t>
+              <a:t>‹#›</a:t>
             </a:fld>
             <a:endParaRPr lang="de-DE"/>
           </a:p>
@@ -1213,7 +1651,7 @@
           <a:p>
             <a:fld id="{59436D6C-09F6-4967-B045-448DC0A44960}" type="slidenum">
               <a:rPr lang="de-DE" smtClean="0"/>
-              <a:t>‹Nr.›</a:t>
+              <a:t>‹#›</a:t>
             </a:fld>
             <a:endParaRPr lang="de-DE"/>
           </a:p>
@@ -1478,7 +1916,7 @@
           <a:p>
             <a:fld id="{59436D6C-09F6-4967-B045-448DC0A44960}" type="slidenum">
               <a:rPr lang="de-DE" smtClean="0"/>
-              <a:t>‹Nr.›</a:t>
+              <a:t>‹#›</a:t>
             </a:fld>
             <a:endParaRPr lang="de-DE"/>
           </a:p>
@@ -1890,7 +2328,7 @@
           <a:p>
             <a:fld id="{59436D6C-09F6-4967-B045-448DC0A44960}" type="slidenum">
               <a:rPr lang="de-DE" smtClean="0"/>
-              <a:t>‹Nr.›</a:t>
+              <a:t>‹#›</a:t>
             </a:fld>
             <a:endParaRPr lang="de-DE"/>
           </a:p>
@@ -2031,7 +2469,7 @@
           <a:p>
             <a:fld id="{59436D6C-09F6-4967-B045-448DC0A44960}" type="slidenum">
               <a:rPr lang="de-DE" smtClean="0"/>
-              <a:t>‹Nr.›</a:t>
+              <a:t>‹#›</a:t>
             </a:fld>
             <a:endParaRPr lang="de-DE"/>
           </a:p>
@@ -2144,7 +2582,7 @@
           <a:p>
             <a:fld id="{59436D6C-09F6-4967-B045-448DC0A44960}" type="slidenum">
               <a:rPr lang="de-DE" smtClean="0"/>
-              <a:t>‹Nr.›</a:t>
+              <a:t>‹#›</a:t>
             </a:fld>
             <a:endParaRPr lang="de-DE"/>
           </a:p>
@@ -2455,7 +2893,7 @@
           <a:p>
             <a:fld id="{59436D6C-09F6-4967-B045-448DC0A44960}" type="slidenum">
               <a:rPr lang="de-DE" smtClean="0"/>
-              <a:t>‹Nr.›</a:t>
+              <a:t>‹#›</a:t>
             </a:fld>
             <a:endParaRPr lang="de-DE"/>
           </a:p>
@@ -2743,7 +3181,7 @@
           <a:p>
             <a:fld id="{59436D6C-09F6-4967-B045-448DC0A44960}" type="slidenum">
               <a:rPr lang="de-DE" smtClean="0"/>
-              <a:t>‹Nr.›</a:t>
+              <a:t>‹#›</a:t>
             </a:fld>
             <a:endParaRPr lang="de-DE"/>
           </a:p>
@@ -3020,7 +3458,7 @@
           <a:p>
             <a:fld id="{59436D6C-09F6-4967-B045-448DC0A44960}" type="slidenum">
               <a:rPr lang="de-DE" smtClean="0"/>
-              <a:t>‹Nr.›</a:t>
+              <a:t>‹#›</a:t>
             </a:fld>
             <a:endParaRPr lang="de-DE"/>
           </a:p>
@@ -7814,7 +8252,7 @@
                   </a:schemeClr>
                 </a:solidFill>
               </a:rPr>
-              <a:t>SECURITY</a:t>
+              <a:t>SMART DOOR LOCK</a:t>
             </a:r>
           </a:p>
         </p:txBody>
@@ -8147,7 +8585,7 @@
                   <a:srgbClr val="FFFFFF"/>
                 </a:solidFill>
               </a:rPr>
-              <a:t>FOR SECURITY</a:t>
+              <a:t>FOR SMART DOOR LOCK</a:t>
             </a:r>
           </a:p>
         </p:txBody>
@@ -8228,10 +8666,10 @@
       </p:sp>
       <p:pic>
         <p:nvPicPr>
-          <p:cNvPr id="5" name="Content Placeholder 4">
-            <a:extLst>
-              <a:ext uri="{FF2B5EF4-FFF2-40B4-BE49-F238E27FC236}">
-                <a16:creationId xmlns:a16="http://schemas.microsoft.com/office/drawing/2014/main" id="{193DEA09-D2A4-48F6-8AD9-EC8AB1B0B809}"/>
+          <p:cNvPr id="7" name="Content Placeholder 6">
+            <a:extLst>
+              <a:ext uri="{FF2B5EF4-FFF2-40B4-BE49-F238E27FC236}">
+                <a16:creationId xmlns:a16="http://schemas.microsoft.com/office/drawing/2014/main" id="{1C85E529-F08F-4443-B9A7-2E6A4B358B62}"/>
               </a:ext>
             </a:extLst>
           </p:cNvPr>
@@ -8242,20 +8680,23 @@
             <p:ph idx="1"/>
           </p:nvPr>
         </p:nvPicPr>
-        <p:blipFill rotWithShape="1">
-          <a:blip r:embed="rId2"/>
-          <a:srcRect l="5931" r="4314" b="2"/>
-          <a:stretch/>
+        <p:blipFill>
+          <a:blip r:embed="rId2">
+            <a:extLst>
+              <a:ext uri="{28A0092B-C50C-407E-A947-70E740481C1C}">
+                <a14:useLocalDpi xmlns:a14="http://schemas.microsoft.com/office/drawing/2010/main" val="0"/>
+              </a:ext>
+            </a:extLst>
+          </a:blip>
+          <a:stretch>
+            <a:fillRect/>
+          </a:stretch>
         </p:blipFill>
         <p:spPr>
           <a:xfrm>
-            <a:off x="976251" y="942538"/>
-            <a:ext cx="7163222" cy="4808332"/>
+            <a:off x="917201" y="1253331"/>
+            <a:ext cx="7281321" cy="4351338"/>
           </a:xfrm>
-          <a:prstGeom prst="rect">
-            <a:avLst/>
-          </a:prstGeom>
-          <a:effectLst/>
         </p:spPr>
       </p:pic>
     </p:spTree>
@@ -8388,12 +8829,12 @@
           <a:lstStyle/>
           <a:p>
             <a:r>
-              <a:rPr lang="en-US" sz="3600">
+              <a:rPr lang="en-US" sz="3600" dirty="0">
                 <a:solidFill>
                   <a:srgbClr val="FFFFFF"/>
                 </a:solidFill>
               </a:rPr>
-              <a:t>SEQUENCE DIAGRAM FOR SECURITY</a:t>
+              <a:t>SEQUENCE DIAGRAM FOR SMART DOOR LOCK</a:t>
             </a:r>
           </a:p>
         </p:txBody>
@@ -8474,10 +8915,10 @@
       </p:sp>
       <p:pic>
         <p:nvPicPr>
-          <p:cNvPr id="7" name="Content Placeholder 6" descr="Chart, box and whisker chart&#10;&#10;Description automatically generated">
-            <a:extLst>
-              <a:ext uri="{FF2B5EF4-FFF2-40B4-BE49-F238E27FC236}">
-                <a16:creationId xmlns:a16="http://schemas.microsoft.com/office/drawing/2014/main" id="{62142689-4D9B-432A-9257-6CF670E9F486}"/>
+          <p:cNvPr id="6" name="Content Placeholder 5">
+            <a:extLst>
+              <a:ext uri="{FF2B5EF4-FFF2-40B4-BE49-F238E27FC236}">
+                <a16:creationId xmlns:a16="http://schemas.microsoft.com/office/drawing/2014/main" id="{0814C68C-7131-453C-BD56-443764D7A921}"/>
               </a:ext>
             </a:extLst>
           </p:cNvPr>
@@ -8488,7 +8929,7 @@
             <p:ph idx="1"/>
           </p:nvPr>
         </p:nvPicPr>
-        <p:blipFill rotWithShape="1">
+        <p:blipFill>
           <a:blip r:embed="rId2">
             <a:extLst>
               <a:ext uri="{28A0092B-C50C-407E-A947-70E740481C1C}">
@@ -8496,18 +8937,15 @@
               </a:ext>
             </a:extLst>
           </a:blip>
-          <a:srcRect l="-3216" t="-4025" r="-1992" b="-3402"/>
-          <a:stretch/>
+          <a:stretch>
+            <a:fillRect/>
+          </a:stretch>
         </p:blipFill>
         <p:spPr>
           <a:xfrm>
-            <a:off x="768486" y="749029"/>
-            <a:ext cx="7752944" cy="5165387"/>
+            <a:off x="484632" y="484632"/>
+            <a:ext cx="8328537" cy="5724144"/>
           </a:xfrm>
-          <a:prstGeom prst="rect">
-            <a:avLst/>
-          </a:prstGeom>
-          <a:effectLst/>
         </p:spPr>
       </p:pic>
     </p:spTree>
@@ -8524,6 +8962,100 @@
 </file>
 
 <file path=ppt/slides/slide22.xml><?xml version="1.0" encoding="utf-8"?>
+<p:sld xmlns:a="http://schemas.openxmlformats.org/drawingml/2006/main" xmlns:r="http://schemas.openxmlformats.org/officeDocument/2006/relationships" xmlns:p="http://schemas.openxmlformats.org/presentationml/2006/main">
+  <p:cSld>
+    <p:spTree>
+      <p:nvGrpSpPr>
+        <p:cNvPr id="1" name=""/>
+        <p:cNvGrpSpPr/>
+        <p:nvPr/>
+      </p:nvGrpSpPr>
+      <p:grpSpPr>
+        <a:xfrm>
+          <a:off x="0" y="0"/>
+          <a:ext cx="0" cy="0"/>
+          <a:chOff x="0" y="0"/>
+          <a:chExt cx="0" cy="0"/>
+        </a:xfrm>
+      </p:grpSpPr>
+      <p:sp>
+        <p:nvSpPr>
+          <p:cNvPr id="2" name="Title 1">
+            <a:extLst>
+              <a:ext uri="{FF2B5EF4-FFF2-40B4-BE49-F238E27FC236}">
+                <a16:creationId xmlns:a16="http://schemas.microsoft.com/office/drawing/2014/main" id="{ED4C0CFF-EA2B-4EF3-8E50-AF03972B0F93}"/>
+              </a:ext>
+            </a:extLst>
+          </p:cNvPr>
+          <p:cNvSpPr>
+            <a:spLocks noGrp="1"/>
+          </p:cNvSpPr>
+          <p:nvPr>
+            <p:ph type="title"/>
+          </p:nvPr>
+        </p:nvSpPr>
+        <p:spPr/>
+        <p:txBody>
+          <a:bodyPr/>
+          <a:lstStyle/>
+          <a:p>
+            <a:r>
+              <a:rPr lang="en-US" dirty="0"/>
+              <a:t>STATE DIAGRAM FOR SMART LOCK DOOR</a:t>
+            </a:r>
+            <a:endParaRPr lang="en-DE" dirty="0"/>
+          </a:p>
+        </p:txBody>
+      </p:sp>
+      <p:pic>
+        <p:nvPicPr>
+          <p:cNvPr id="5" name="Content Placeholder 4">
+            <a:extLst>
+              <a:ext uri="{FF2B5EF4-FFF2-40B4-BE49-F238E27FC236}">
+                <a16:creationId xmlns:a16="http://schemas.microsoft.com/office/drawing/2014/main" id="{80B56229-4459-44EB-8003-97A69BF55A9A}"/>
+              </a:ext>
+            </a:extLst>
+          </p:cNvPr>
+          <p:cNvPicPr>
+            <a:picLocks noGrp="1" noChangeAspect="1"/>
+          </p:cNvPicPr>
+          <p:nvPr>
+            <p:ph idx="1"/>
+          </p:nvPr>
+        </p:nvPicPr>
+        <p:blipFill>
+          <a:blip r:embed="rId2">
+            <a:extLst>
+              <a:ext uri="{28A0092B-C50C-407E-A947-70E740481C1C}">
+                <a14:useLocalDpi xmlns:a14="http://schemas.microsoft.com/office/drawing/2010/main" val="0"/>
+              </a:ext>
+            </a:extLst>
+          </a:blip>
+          <a:stretch>
+            <a:fillRect/>
+          </a:stretch>
+        </p:blipFill>
+        <p:spPr>
+          <a:xfrm>
+            <a:off x="2446589" y="1825625"/>
+            <a:ext cx="7298822" cy="4351338"/>
+          </a:xfrm>
+        </p:spPr>
+      </p:pic>
+    </p:spTree>
+    <p:extLst>
+      <p:ext uri="{BB962C8B-B14F-4D97-AF65-F5344CB8AC3E}">
+        <p14:creationId xmlns:p14="http://schemas.microsoft.com/office/powerpoint/2010/main" val="2435559400"/>
+      </p:ext>
+    </p:extLst>
+  </p:cSld>
+  <p:clrMapOvr>
+    <a:masterClrMapping/>
+  </p:clrMapOvr>
+</p:sld>
+</file>
+
+<file path=ppt/slides/slide23.xml><?xml version="1.0" encoding="utf-8"?>
 <p:sld xmlns:a="http://schemas.openxmlformats.org/drawingml/2006/main" xmlns:r="http://schemas.openxmlformats.org/officeDocument/2006/relationships" xmlns:p="http://schemas.openxmlformats.org/presentationml/2006/main">
   <p:cSld>
     <p:bg>
@@ -10936,4 +11468,299 @@
     </a:ext>
   </a:extLst>
 </a:theme>
+</file>
+
+<file path=ppt/theme/theme2.xml><?xml version="1.0" encoding="utf-8"?>
+<a:theme xmlns:a="http://schemas.openxmlformats.org/drawingml/2006/main" name="Office Theme">
+  <a:themeElements>
+    <a:clrScheme name="Office">
+      <a:dk1>
+        <a:sysClr val="windowText" lastClr="000000"/>
+      </a:dk1>
+      <a:lt1>
+        <a:sysClr val="window" lastClr="FFFFFF"/>
+      </a:lt1>
+      <a:dk2>
+        <a:srgbClr val="44546A"/>
+      </a:dk2>
+      <a:lt2>
+        <a:srgbClr val="E7E6E6"/>
+      </a:lt2>
+      <a:accent1>
+        <a:srgbClr val="4472C4"/>
+      </a:accent1>
+      <a:accent2>
+        <a:srgbClr val="ED7D31"/>
+      </a:accent2>
+      <a:accent3>
+        <a:srgbClr val="A5A5A5"/>
+      </a:accent3>
+      <a:accent4>
+        <a:srgbClr val="FFC000"/>
+      </a:accent4>
+      <a:accent5>
+        <a:srgbClr val="5B9BD5"/>
+      </a:accent5>
+      <a:accent6>
+        <a:srgbClr val="70AD47"/>
+      </a:accent6>
+      <a:hlink>
+        <a:srgbClr val="0563C1"/>
+      </a:hlink>
+      <a:folHlink>
+        <a:srgbClr val="954F72"/>
+      </a:folHlink>
+    </a:clrScheme>
+    <a:fontScheme name="Office">
+      <a:majorFont>
+        <a:latin typeface="Calibri Light" panose="020F0302020204030204"/>
+        <a:ea typeface=""/>
+        <a:cs typeface=""/>
+        <a:font script="Jpan" typeface="游ゴシック Light"/>
+        <a:font script="Hang" typeface="맑은 고딕"/>
+        <a:font script="Hans" typeface="等线 Light"/>
+        <a:font script="Hant" typeface="新細明體"/>
+        <a:font script="Arab" typeface="Times New Roman"/>
+        <a:font script="Hebr" typeface="Times New Roman"/>
+        <a:font script="Thai" typeface="Angsana New"/>
+        <a:font script="Ethi" typeface="Nyala"/>
+        <a:font script="Beng" typeface="Vrinda"/>
+        <a:font script="Gujr" typeface="Shruti"/>
+        <a:font script="Khmr" typeface="MoolBoran"/>
+        <a:font script="Knda" typeface="Tunga"/>
+        <a:font script="Guru" typeface="Raavi"/>
+        <a:font script="Cans" typeface="Euphemia"/>
+        <a:font script="Cher" typeface="Plantagenet Cherokee"/>
+        <a:font script="Yiii" typeface="Microsoft Yi Baiti"/>
+        <a:font script="Tibt" typeface="Microsoft Himalaya"/>
+        <a:font script="Thaa" typeface="MV Boli"/>
+        <a:font script="Deva" typeface="Mangal"/>
+        <a:font script="Telu" typeface="Gautami"/>
+        <a:font script="Taml" typeface="Latha"/>
+        <a:font script="Syrc" typeface="Estrangelo Edessa"/>
+        <a:font script="Orya" typeface="Kalinga"/>
+        <a:font script="Mlym" typeface="Kartika"/>
+        <a:font script="Laoo" typeface="DokChampa"/>
+        <a:font script="Sinh" typeface="Iskoola Pota"/>
+        <a:font script="Mong" typeface="Mongolian Baiti"/>
+        <a:font script="Viet" typeface="Times New Roman"/>
+        <a:font script="Uigh" typeface="Microsoft Uighur"/>
+        <a:font script="Geor" typeface="Sylfaen"/>
+        <a:font script="Armn" typeface="Arial"/>
+        <a:font script="Bugi" typeface="Leelawadee UI"/>
+        <a:font script="Bopo" typeface="Microsoft JhengHei"/>
+        <a:font script="Java" typeface="Javanese Text"/>
+        <a:font script="Lisu" typeface="Segoe UI"/>
+        <a:font script="Mymr" typeface="Myanmar Text"/>
+        <a:font script="Nkoo" typeface="Ebrima"/>
+        <a:font script="Olck" typeface="Nirmala UI"/>
+        <a:font script="Osma" typeface="Ebrima"/>
+        <a:font script="Phag" typeface="Phagspa"/>
+        <a:font script="Syrn" typeface="Estrangelo Edessa"/>
+        <a:font script="Syrj" typeface="Estrangelo Edessa"/>
+        <a:font script="Syre" typeface="Estrangelo Edessa"/>
+        <a:font script="Sora" typeface="Nirmala UI"/>
+        <a:font script="Tale" typeface="Microsoft Tai Le"/>
+        <a:font script="Talu" typeface="Microsoft New Tai Lue"/>
+        <a:font script="Tfng" typeface="Ebrima"/>
+      </a:majorFont>
+      <a:minorFont>
+        <a:latin typeface="Calibri" panose="020F0502020204030204"/>
+        <a:ea typeface=""/>
+        <a:cs typeface=""/>
+        <a:font script="Jpan" typeface="游ゴシック"/>
+        <a:font script="Hang" typeface="맑은 고딕"/>
+        <a:font script="Hans" typeface="等线"/>
+        <a:font script="Hant" typeface="新細明體"/>
+        <a:font script="Arab" typeface="Arial"/>
+        <a:font script="Hebr" typeface="Arial"/>
+        <a:font script="Thai" typeface="Cordia New"/>
+        <a:font script="Ethi" typeface="Nyala"/>
+        <a:font script="Beng" typeface="Vrinda"/>
+        <a:font script="Gujr" typeface="Shruti"/>
+        <a:font script="Khmr" typeface="DaunPenh"/>
+        <a:font script="Knda" typeface="Tunga"/>
+        <a:font script="Guru" typeface="Raavi"/>
+        <a:font script="Cans" typeface="Euphemia"/>
+        <a:font script="Cher" typeface="Plantagenet Cherokee"/>
+        <a:font script="Yiii" typeface="Microsoft Yi Baiti"/>
+        <a:font script="Tibt" typeface="Microsoft Himalaya"/>
+        <a:font script="Thaa" typeface="MV Boli"/>
+        <a:font script="Deva" typeface="Mangal"/>
+        <a:font script="Telu" typeface="Gautami"/>
+        <a:font script="Taml" typeface="Latha"/>
+        <a:font script="Syrc" typeface="Estrangelo Edessa"/>
+        <a:font script="Orya" typeface="Kalinga"/>
+        <a:font script="Mlym" typeface="Kartika"/>
+        <a:font script="Laoo" typeface="DokChampa"/>
+        <a:font script="Sinh" typeface="Iskoola Pota"/>
+        <a:font script="Mong" typeface="Mongolian Baiti"/>
+        <a:font script="Viet" typeface="Arial"/>
+        <a:font script="Uigh" typeface="Microsoft Uighur"/>
+        <a:font script="Geor" typeface="Sylfaen"/>
+        <a:font script="Armn" typeface="Arial"/>
+        <a:font script="Bugi" typeface="Leelawadee UI"/>
+        <a:font script="Bopo" typeface="Microsoft JhengHei"/>
+        <a:font script="Java" typeface="Javanese Text"/>
+        <a:font script="Lisu" typeface="Segoe UI"/>
+        <a:font script="Mymr" typeface="Myanmar Text"/>
+        <a:font script="Nkoo" typeface="Ebrima"/>
+        <a:font script="Olck" typeface="Nirmala UI"/>
+        <a:font script="Osma" typeface="Ebrima"/>
+        <a:font script="Phag" typeface="Phagspa"/>
+        <a:font script="Syrn" typeface="Estrangelo Edessa"/>
+        <a:font script="Syrj" typeface="Estrangelo Edessa"/>
+        <a:font script="Syre" typeface="Estrangelo Edessa"/>
+        <a:font script="Sora" typeface="Nirmala UI"/>
+        <a:font script="Tale" typeface="Microsoft Tai Le"/>
+        <a:font script="Talu" typeface="Microsoft New Tai Lue"/>
+        <a:font script="Tfng" typeface="Ebrima"/>
+      </a:minorFont>
+    </a:fontScheme>
+    <a:fmtScheme name="Office">
+      <a:fillStyleLst>
+        <a:solidFill>
+          <a:schemeClr val="phClr"/>
+        </a:solidFill>
+        <a:gradFill rotWithShape="1">
+          <a:gsLst>
+            <a:gs pos="0">
+              <a:schemeClr val="phClr">
+                <a:lumMod val="110000"/>
+                <a:satMod val="105000"/>
+                <a:tint val="67000"/>
+              </a:schemeClr>
+            </a:gs>
+            <a:gs pos="50000">
+              <a:schemeClr val="phClr">
+                <a:lumMod val="105000"/>
+                <a:satMod val="103000"/>
+                <a:tint val="73000"/>
+              </a:schemeClr>
+            </a:gs>
+            <a:gs pos="100000">
+              <a:schemeClr val="phClr">
+                <a:lumMod val="105000"/>
+                <a:satMod val="109000"/>
+                <a:tint val="81000"/>
+              </a:schemeClr>
+            </a:gs>
+          </a:gsLst>
+          <a:lin ang="5400000" scaled="0"/>
+        </a:gradFill>
+        <a:gradFill rotWithShape="1">
+          <a:gsLst>
+            <a:gs pos="0">
+              <a:schemeClr val="phClr">
+                <a:satMod val="103000"/>
+                <a:lumMod val="102000"/>
+                <a:tint val="94000"/>
+              </a:schemeClr>
+            </a:gs>
+            <a:gs pos="50000">
+              <a:schemeClr val="phClr">
+                <a:satMod val="110000"/>
+                <a:lumMod val="100000"/>
+                <a:shade val="100000"/>
+              </a:schemeClr>
+            </a:gs>
+            <a:gs pos="100000">
+              <a:schemeClr val="phClr">
+                <a:lumMod val="99000"/>
+                <a:satMod val="120000"/>
+                <a:shade val="78000"/>
+              </a:schemeClr>
+            </a:gs>
+          </a:gsLst>
+          <a:lin ang="5400000" scaled="0"/>
+        </a:gradFill>
+      </a:fillStyleLst>
+      <a:lnStyleLst>
+        <a:ln w="6350" cap="flat" cmpd="sng" algn="ctr">
+          <a:solidFill>
+            <a:schemeClr val="phClr"/>
+          </a:solidFill>
+          <a:prstDash val="solid"/>
+          <a:miter lim="800000"/>
+        </a:ln>
+        <a:ln w="12700" cap="flat" cmpd="sng" algn="ctr">
+          <a:solidFill>
+            <a:schemeClr val="phClr"/>
+          </a:solidFill>
+          <a:prstDash val="solid"/>
+          <a:miter lim="800000"/>
+        </a:ln>
+        <a:ln w="19050" cap="flat" cmpd="sng" algn="ctr">
+          <a:solidFill>
+            <a:schemeClr val="phClr"/>
+          </a:solidFill>
+          <a:prstDash val="solid"/>
+          <a:miter lim="800000"/>
+        </a:ln>
+      </a:lnStyleLst>
+      <a:effectStyleLst>
+        <a:effectStyle>
+          <a:effectLst/>
+        </a:effectStyle>
+        <a:effectStyle>
+          <a:effectLst/>
+        </a:effectStyle>
+        <a:effectStyle>
+          <a:effectLst>
+            <a:outerShdw blurRad="57150" dist="19050" dir="5400000" algn="ctr" rotWithShape="0">
+              <a:srgbClr val="000000">
+                <a:alpha val="63000"/>
+              </a:srgbClr>
+            </a:outerShdw>
+          </a:effectLst>
+        </a:effectStyle>
+      </a:effectStyleLst>
+      <a:bgFillStyleLst>
+        <a:solidFill>
+          <a:schemeClr val="phClr"/>
+        </a:solidFill>
+        <a:solidFill>
+          <a:schemeClr val="phClr">
+            <a:tint val="95000"/>
+            <a:satMod val="170000"/>
+          </a:schemeClr>
+        </a:solidFill>
+        <a:gradFill rotWithShape="1">
+          <a:gsLst>
+            <a:gs pos="0">
+              <a:schemeClr val="phClr">
+                <a:tint val="93000"/>
+                <a:satMod val="150000"/>
+                <a:shade val="98000"/>
+                <a:lumMod val="102000"/>
+              </a:schemeClr>
+            </a:gs>
+            <a:gs pos="50000">
+              <a:schemeClr val="phClr">
+                <a:tint val="98000"/>
+                <a:satMod val="130000"/>
+                <a:shade val="90000"/>
+                <a:lumMod val="103000"/>
+              </a:schemeClr>
+            </a:gs>
+            <a:gs pos="100000">
+              <a:schemeClr val="phClr">
+                <a:shade val="63000"/>
+                <a:satMod val="120000"/>
+              </a:schemeClr>
+            </a:gs>
+          </a:gsLst>
+          <a:lin ang="5400000" scaled="0"/>
+        </a:gradFill>
+      </a:bgFillStyleLst>
+    </a:fmtScheme>
+  </a:themeElements>
+  <a:objectDefaults/>
+  <a:extraClrSchemeLst/>
+  <a:extLst>
+    <a:ext uri="{05A4C25C-085E-4340-85A3-A5531E510DB2}">
+      <thm15:themeFamily xmlns:thm15="http://schemas.microsoft.com/office/thememl/2012/main" name="Office Theme" id="{62F939B6-93AF-4DB8-9C6B-D6C7DFDC589F}" vid="{4A3C46E8-61CC-4603-A589-7422A47A8E4A}"/>
+    </a:ext>
+  </a:extLst>
+</a:theme>
 </file>
--- a/Project_Week_7&8/Precise Analysis.pptx
+++ b/Project_Week_7&8/Precise Analysis.pptx
@@ -219,7 +219,7 @@
           <a:p>
             <a:fld id="{5F1A27D3-661F-4BC7-A52F-AEA4554E23FD}" type="datetimeFigureOut">
               <a:rPr lang="en-DE" smtClean="0"/>
-              <a:t>03/01/2021</a:t>
+              <a:t>01/03/2021</a:t>
             </a:fld>
             <a:endParaRPr lang="en-DE"/>
           </a:p>
@@ -378,7 +378,7 @@
           <a:p>
             <a:fld id="{3A810ACB-32FB-423C-8B01-AC782214EB4C}" type="slidenum">
               <a:rPr lang="en-DE" smtClean="0"/>
-              <a:t>‹#›</a:t>
+              <a:t>‹Nr.›</a:t>
             </a:fld>
             <a:endParaRPr lang="en-DE"/>
           </a:p>
@@ -772,7 +772,7 @@
           <a:p>
             <a:fld id="{59436D6C-09F6-4967-B045-448DC0A44960}" type="slidenum">
               <a:rPr lang="de-DE" smtClean="0"/>
-              <a:t>‹#›</a:t>
+              <a:t>‹Nr.›</a:t>
             </a:fld>
             <a:endParaRPr lang="de-DE"/>
           </a:p>
@@ -970,7 +970,7 @@
           <a:p>
             <a:fld id="{59436D6C-09F6-4967-B045-448DC0A44960}" type="slidenum">
               <a:rPr lang="de-DE" smtClean="0"/>
-              <a:t>‹#›</a:t>
+              <a:t>‹Nr.›</a:t>
             </a:fld>
             <a:endParaRPr lang="de-DE"/>
           </a:p>
@@ -1178,7 +1178,7 @@
           <a:p>
             <a:fld id="{59436D6C-09F6-4967-B045-448DC0A44960}" type="slidenum">
               <a:rPr lang="de-DE" smtClean="0"/>
-              <a:t>‹#›</a:t>
+              <a:t>‹Nr.›</a:t>
             </a:fld>
             <a:endParaRPr lang="de-DE"/>
           </a:p>
@@ -1376,7 +1376,7 @@
           <a:p>
             <a:fld id="{59436D6C-09F6-4967-B045-448DC0A44960}" type="slidenum">
               <a:rPr lang="de-DE" smtClean="0"/>
-              <a:t>‹#›</a:t>
+              <a:t>‹Nr.›</a:t>
             </a:fld>
             <a:endParaRPr lang="de-DE"/>
           </a:p>
@@ -1651,7 +1651,7 @@
           <a:p>
             <a:fld id="{59436D6C-09F6-4967-B045-448DC0A44960}" type="slidenum">
               <a:rPr lang="de-DE" smtClean="0"/>
-              <a:t>‹#›</a:t>
+              <a:t>‹Nr.›</a:t>
             </a:fld>
             <a:endParaRPr lang="de-DE"/>
           </a:p>
@@ -1916,7 +1916,7 @@
           <a:p>
             <a:fld id="{59436D6C-09F6-4967-B045-448DC0A44960}" type="slidenum">
               <a:rPr lang="de-DE" smtClean="0"/>
-              <a:t>‹#›</a:t>
+              <a:t>‹Nr.›</a:t>
             </a:fld>
             <a:endParaRPr lang="de-DE"/>
           </a:p>
@@ -2328,7 +2328,7 @@
           <a:p>
             <a:fld id="{59436D6C-09F6-4967-B045-448DC0A44960}" type="slidenum">
               <a:rPr lang="de-DE" smtClean="0"/>
-              <a:t>‹#›</a:t>
+              <a:t>‹Nr.›</a:t>
             </a:fld>
             <a:endParaRPr lang="de-DE"/>
           </a:p>
@@ -2469,7 +2469,7 @@
           <a:p>
             <a:fld id="{59436D6C-09F6-4967-B045-448DC0A44960}" type="slidenum">
               <a:rPr lang="de-DE" smtClean="0"/>
-              <a:t>‹#›</a:t>
+              <a:t>‹Nr.›</a:t>
             </a:fld>
             <a:endParaRPr lang="de-DE"/>
           </a:p>
@@ -2582,7 +2582,7 @@
           <a:p>
             <a:fld id="{59436D6C-09F6-4967-B045-448DC0A44960}" type="slidenum">
               <a:rPr lang="de-DE" smtClean="0"/>
-              <a:t>‹#›</a:t>
+              <a:t>‹Nr.›</a:t>
             </a:fld>
             <a:endParaRPr lang="de-DE"/>
           </a:p>
@@ -2893,7 +2893,7 @@
           <a:p>
             <a:fld id="{59436D6C-09F6-4967-B045-448DC0A44960}" type="slidenum">
               <a:rPr lang="de-DE" smtClean="0"/>
-              <a:t>‹#›</a:t>
+              <a:t>‹Nr.›</a:t>
             </a:fld>
             <a:endParaRPr lang="de-DE"/>
           </a:p>
@@ -3181,7 +3181,7 @@
           <a:p>
             <a:fld id="{59436D6C-09F6-4967-B045-448DC0A44960}" type="slidenum">
               <a:rPr lang="de-DE" smtClean="0"/>
-              <a:t>‹#›</a:t>
+              <a:t>‹Nr.›</a:t>
             </a:fld>
             <a:endParaRPr lang="de-DE"/>
           </a:p>
@@ -3458,7 +3458,7 @@
           <a:p>
             <a:fld id="{59436D6C-09F6-4967-B045-448DC0A44960}" type="slidenum">
               <a:rPr lang="de-DE" smtClean="0"/>
-              <a:t>‹#›</a:t>
+              <a:t>‹Nr.›</a:t>
             </a:fld>
             <a:endParaRPr lang="de-DE"/>
           </a:p>
@@ -4179,10 +4179,10 @@
       </p:sp>
       <p:pic>
         <p:nvPicPr>
-          <p:cNvPr id="7" name="Inhaltsplatzhalter 6">
-            <a:extLst>
-              <a:ext uri="{FF2B5EF4-FFF2-40B4-BE49-F238E27FC236}">
-                <a16:creationId xmlns:a16="http://schemas.microsoft.com/office/drawing/2014/main" id="{B8EF18B6-DDF0-46D1-851B-B403CA50C2E2}"/>
+          <p:cNvPr id="6" name="Inhaltsplatzhalter 5">
+            <a:extLst>
+              <a:ext uri="{FF2B5EF4-FFF2-40B4-BE49-F238E27FC236}">
+                <a16:creationId xmlns:a16="http://schemas.microsoft.com/office/drawing/2014/main" id="{854D17EB-DC77-45DD-98B4-3BAD51AE95E6}"/>
               </a:ext>
             </a:extLst>
           </p:cNvPr>
@@ -4193,7 +4193,7 @@
             <p:ph idx="1"/>
           </p:nvPr>
         </p:nvPicPr>
-        <p:blipFill rotWithShape="1">
+        <p:blipFill>
           <a:blip r:embed="rId2">
             <a:extLst>
               <a:ext uri="{28A0092B-C50C-407E-A947-70E740481C1C}">
@@ -4201,17 +4201,15 @@
               </a:ext>
             </a:extLst>
           </a:blip>
-          <a:srcRect l="344" r="-2649" b="-636"/>
-          <a:stretch/>
+          <a:stretch>
+            <a:fillRect/>
+          </a:stretch>
         </p:blipFill>
         <p:spPr>
           <a:xfrm>
-            <a:off x="457200" y="690664"/>
-            <a:ext cx="5393418" cy="5496127"/>
+            <a:off x="327613" y="719847"/>
+            <a:ext cx="5523005" cy="5544766"/>
           </a:xfrm>
-          <a:prstGeom prst="rect">
-            <a:avLst/>
-          </a:prstGeom>
         </p:spPr>
       </p:pic>
     </p:spTree>
@@ -10698,7 +10696,7 @@
       </p:grpSpPr>
       <p:sp>
         <p:nvSpPr>
-          <p:cNvPr id="10" name="Rectangle 9">
+          <p:cNvPr id="17" name="Rectangle 16">
             <a:extLst>
               <a:ext uri="{FF2B5EF4-FFF2-40B4-BE49-F238E27FC236}">
                 <a16:creationId xmlns:a16="http://schemas.microsoft.com/office/drawing/2014/main" id="{16C5FA50-8D52-4617-AF91-5C7B1C8352F1}"/>
@@ -10728,7 +10726,7 @@
             <a:avLst/>
           </a:prstGeom>
           <a:solidFill>
-            <a:srgbClr val="3D4F5E"/>
+            <a:srgbClr val="3E4B55"/>
           </a:solidFill>
           <a:ln>
             <a:noFill/>
@@ -10800,7 +10798,7 @@
       </p:sp>
       <p:sp>
         <p:nvSpPr>
-          <p:cNvPr id="12" name="Rounded Rectangle 9">
+          <p:cNvPr id="19" name="Rounded Rectangle 9">
             <a:extLst>
               <a:ext uri="{FF2B5EF4-FFF2-40B4-BE49-F238E27FC236}">
                 <a16:creationId xmlns:a16="http://schemas.microsoft.com/office/drawing/2014/main" id="{E223798C-12AD-4B0C-A50C-D676347D67CF}"/>
@@ -10874,10 +10872,10 @@
       </p:sp>
       <p:pic>
         <p:nvPicPr>
-          <p:cNvPr id="5" name="Inhaltsplatzhalter 4">
-            <a:extLst>
-              <a:ext uri="{FF2B5EF4-FFF2-40B4-BE49-F238E27FC236}">
-                <a16:creationId xmlns:a16="http://schemas.microsoft.com/office/drawing/2014/main" id="{63418FC5-EDB7-40B8-8F7D-FAFF68944B51}"/>
+          <p:cNvPr id="7" name="Inhaltsplatzhalter 6">
+            <a:extLst>
+              <a:ext uri="{FF2B5EF4-FFF2-40B4-BE49-F238E27FC236}">
+                <a16:creationId xmlns:a16="http://schemas.microsoft.com/office/drawing/2014/main" id="{33918543-5058-4519-8CA3-48DFB34551ED}"/>
               </a:ext>
             </a:extLst>
           </p:cNvPr>
@@ -10896,13 +10894,13 @@
               </a:ext>
             </a:extLst>
           </a:blip>
-          <a:srcRect l="-2618" t="-3622" r="-5480" b="-11174"/>
+          <a:srcRect l="-3413" t="679" r="-1231" b="-3075"/>
           <a:stretch/>
         </p:blipFill>
         <p:spPr>
           <a:xfrm>
-            <a:off x="493354" y="780609"/>
-            <a:ext cx="8054502" cy="5132189"/>
+            <a:off x="408562" y="942538"/>
+            <a:ext cx="8129016" cy="4991334"/>
           </a:xfrm>
           <a:prstGeom prst="rect">
             <a:avLst/>
@@ -10950,7 +10948,7 @@
       </p:grpSpPr>
       <p:sp>
         <p:nvSpPr>
-          <p:cNvPr id="10" name="Rectangle 9">
+          <p:cNvPr id="17" name="Rectangle 16">
             <a:extLst>
               <a:ext uri="{FF2B5EF4-FFF2-40B4-BE49-F238E27FC236}">
                 <a16:creationId xmlns:a16="http://schemas.microsoft.com/office/drawing/2014/main" id="{16C5FA50-8D52-4617-AF91-5C7B1C8352F1}"/>
@@ -10980,7 +10978,7 @@
             <a:avLst/>
           </a:prstGeom>
           <a:solidFill>
-            <a:srgbClr val="577177"/>
+            <a:srgbClr val="5B7E85"/>
           </a:solidFill>
           <a:ln>
             <a:noFill/>
@@ -11052,7 +11050,7 @@
       </p:sp>
       <p:sp>
         <p:nvSpPr>
-          <p:cNvPr id="12" name="Rounded Rectangle 9">
+          <p:cNvPr id="19" name="Rounded Rectangle 9">
             <a:extLst>
               <a:ext uri="{FF2B5EF4-FFF2-40B4-BE49-F238E27FC236}">
                 <a16:creationId xmlns:a16="http://schemas.microsoft.com/office/drawing/2014/main" id="{E223798C-12AD-4B0C-A50C-D676347D67CF}"/>
@@ -11126,10 +11124,10 @@
       </p:sp>
       <p:pic>
         <p:nvPicPr>
-          <p:cNvPr id="5" name="Inhaltsplatzhalter 4">
-            <a:extLst>
-              <a:ext uri="{FF2B5EF4-FFF2-40B4-BE49-F238E27FC236}">
-                <a16:creationId xmlns:a16="http://schemas.microsoft.com/office/drawing/2014/main" id="{B4E48B3B-5500-4B1A-AEE8-F6679EE7FEF6}"/>
+          <p:cNvPr id="7" name="Inhaltsplatzhalter 6">
+            <a:extLst>
+              <a:ext uri="{FF2B5EF4-FFF2-40B4-BE49-F238E27FC236}">
+                <a16:creationId xmlns:a16="http://schemas.microsoft.com/office/drawing/2014/main" id="{867B80CF-64D3-49C0-B788-8513F715C0F6}"/>
               </a:ext>
             </a:extLst>
           </p:cNvPr>
@@ -11148,13 +11146,13 @@
               </a:ext>
             </a:extLst>
           </a:blip>
-          <a:srcRect l="-1" t="-1770" r="-3019" b="-3385"/>
+          <a:srcRect t="-565" r="-21186" b="-14799"/>
           <a:stretch/>
         </p:blipFill>
         <p:spPr>
           <a:xfrm>
-            <a:off x="493354" y="484632"/>
-            <a:ext cx="8115510" cy="5888735"/>
+            <a:off x="976251" y="618681"/>
+            <a:ext cx="7163222" cy="6239319"/>
           </a:xfrm>
           <a:prstGeom prst="rect">
             <a:avLst/>
